--- a/PPT/06.자바스크립트 - 타입스크립트.pptx
+++ b/PPT/06.자바스크립트 - 타입스크립트.pptx
@@ -3826,7 +3826,7 @@
             <a:fld id="{C5EB0431-1611-1744-95F0-8172773087C5}" type="datetimeFigureOut">
               <a:rPr lang="en-US" altLang="ko-Kore-KR" smtClean="0"/>
               <a:pPr/>
-              <a:t>4/29/2025</a:t>
+              <a:t>4/30/2025</a:t>
             </a:fld>
             <a:endParaRPr lang="ko-Kore-KR"/>
           </a:p>
@@ -4246,7 +4246,7 @@
           <a:p>
             <a:fld id="{5FD0AF26-B2D6-41C9-847A-12B3D1677265}" type="datetime1">
               <a:rPr kumimoji="1" lang="ko-KR" altLang="en-US" smtClean="0"/>
-              <a:t>2025-04-29</a:t>
+              <a:t>2025-04-30</a:t>
             </a:fld>
             <a:endParaRPr kumimoji="1" lang="ko-KR" altLang="en-US"/>
           </a:p>
@@ -4444,7 +4444,7 @@
           <a:p>
             <a:fld id="{11A845FB-4EAB-4F93-BE87-891FAC391B0C}" type="datetime1">
               <a:rPr kumimoji="1" lang="ko-KR" altLang="en-US" smtClean="0"/>
-              <a:t>2025-04-29</a:t>
+              <a:t>2025-04-30</a:t>
             </a:fld>
             <a:endParaRPr kumimoji="1" lang="ko-KR" altLang="en-US"/>
           </a:p>
@@ -4652,7 +4652,7 @@
           <a:p>
             <a:fld id="{6597FBCF-59BC-423C-A27E-A4E0342EEDF5}" type="datetime1">
               <a:rPr kumimoji="1" lang="ko-KR" altLang="en-US" smtClean="0"/>
-              <a:t>2025-04-29</a:t>
+              <a:t>2025-04-30</a:t>
             </a:fld>
             <a:endParaRPr kumimoji="1" lang="ko-KR" altLang="en-US"/>
           </a:p>
@@ -4850,7 +4850,7 @@
           <a:p>
             <a:fld id="{59DE6E8A-4C0D-4CC6-BBD6-2F945A6B3540}" type="datetime1">
               <a:rPr kumimoji="1" lang="ko-KR" altLang="en-US" smtClean="0"/>
-              <a:t>2025-04-29</a:t>
+              <a:t>2025-04-30</a:t>
             </a:fld>
             <a:endParaRPr kumimoji="1" lang="ko-KR" altLang="en-US"/>
           </a:p>
@@ -5125,7 +5125,7 @@
           <a:p>
             <a:fld id="{BEBFBD75-CCBA-4C22-86CA-859D220600AA}" type="datetime1">
               <a:rPr kumimoji="1" lang="ko-KR" altLang="en-US" smtClean="0"/>
-              <a:t>2025-04-29</a:t>
+              <a:t>2025-04-30</a:t>
             </a:fld>
             <a:endParaRPr kumimoji="1" lang="ko-KR" altLang="en-US"/>
           </a:p>
@@ -5390,7 +5390,7 @@
           <a:p>
             <a:fld id="{DB031150-5CB0-41C0-9104-5695DD253F49}" type="datetime1">
               <a:rPr kumimoji="1" lang="ko-KR" altLang="en-US" smtClean="0"/>
-              <a:t>2025-04-29</a:t>
+              <a:t>2025-04-30</a:t>
             </a:fld>
             <a:endParaRPr kumimoji="1" lang="ko-KR" altLang="en-US"/>
           </a:p>
@@ -5802,7 +5802,7 @@
           <a:p>
             <a:fld id="{0B78CFAD-1435-498E-ACFE-38131B135631}" type="datetime1">
               <a:rPr kumimoji="1" lang="ko-KR" altLang="en-US" smtClean="0"/>
-              <a:t>2025-04-29</a:t>
+              <a:t>2025-04-30</a:t>
             </a:fld>
             <a:endParaRPr kumimoji="1" lang="ko-KR" altLang="en-US"/>
           </a:p>
@@ -5943,7 +5943,7 @@
           <a:p>
             <a:fld id="{BF2AA6DB-F13D-4C47-BC2B-E1D25CB476ED}" type="datetime1">
               <a:rPr kumimoji="1" lang="ko-KR" altLang="en-US" smtClean="0"/>
-              <a:t>2025-04-29</a:t>
+              <a:t>2025-04-30</a:t>
             </a:fld>
             <a:endParaRPr kumimoji="1" lang="ko-KR" altLang="en-US"/>
           </a:p>
@@ -6056,7 +6056,7 @@
           <a:p>
             <a:fld id="{14FBB438-2880-4761-94BA-7F7996C8C3BD}" type="datetime1">
               <a:rPr kumimoji="1" lang="ko-KR" altLang="en-US" smtClean="0"/>
-              <a:t>2025-04-29</a:t>
+              <a:t>2025-04-30</a:t>
             </a:fld>
             <a:endParaRPr kumimoji="1" lang="ko-KR" altLang="en-US"/>
           </a:p>
@@ -6367,7 +6367,7 @@
           <a:p>
             <a:fld id="{C4D9C33D-E09A-4F6E-A7FA-CF959C3E6DEE}" type="datetime1">
               <a:rPr kumimoji="1" lang="ko-KR" altLang="en-US" smtClean="0"/>
-              <a:t>2025-04-29</a:t>
+              <a:t>2025-04-30</a:t>
             </a:fld>
             <a:endParaRPr kumimoji="1" lang="ko-KR" altLang="en-US"/>
           </a:p>
@@ -6655,7 +6655,7 @@
           <a:p>
             <a:fld id="{DB10E3DE-CCA8-4CB9-BDA2-4741B0CD6641}" type="datetime1">
               <a:rPr kumimoji="1" lang="ko-KR" altLang="en-US" smtClean="0"/>
-              <a:t>2025-04-29</a:t>
+              <a:t>2025-04-30</a:t>
             </a:fld>
             <a:endParaRPr kumimoji="1" lang="ko-KR" altLang="en-US"/>
           </a:p>
@@ -6898,7 +6898,7 @@
           <a:p>
             <a:fld id="{827CA893-2A65-4E72-A022-7CB16F3818A4}" type="datetime1">
               <a:rPr kumimoji="1" lang="ko-KR" altLang="en-US" smtClean="0"/>
-              <a:t>2025-04-29</a:t>
+              <a:t>2025-04-30</a:t>
             </a:fld>
             <a:endParaRPr kumimoji="1" lang="ko-KR" altLang="en-US"/>
           </a:p>
@@ -18021,20 +18021,20 @@
               <a:defRPr/>
             </a:pPr>
             <a:r>
-              <a:rPr lang="en-US" altLang="ko-KR" sz="2000">
+              <a:rPr lang="en-US" altLang="ko-KR" sz="2000" dirty="0">
                 <a:latin typeface="Noto Sans CJK KR Regular" panose="020B0500000000000000" pitchFamily="34" charset="-127"/>
                 <a:ea typeface="Noto Sans CJK KR Regular" panose="020B0500000000000000" pitchFamily="34" charset="-127"/>
               </a:rPr>
               <a:t> </a:t>
             </a:r>
             <a:r>
-              <a:rPr lang="ko-KR" altLang="en-US" sz="2000">
+              <a:rPr lang="ko-KR" altLang="en-US" sz="2000" dirty="0">
                 <a:latin typeface="Noto Sans CJK KR Regular" panose="020B0500000000000000" pitchFamily="34" charset="-127"/>
                 <a:ea typeface="Noto Sans CJK KR Regular" panose="020B0500000000000000" pitchFamily="34" charset="-127"/>
               </a:rPr>
               <a:t>계층 구조로 상속</a:t>
             </a:r>
-            <a:endParaRPr lang="en-US" altLang="ko-KR" sz="2000">
+            <a:endParaRPr lang="en-US" altLang="ko-KR" sz="2000" dirty="0">
               <a:latin typeface="Noto Sans CJK KR Regular" panose="020B0500000000000000" pitchFamily="34" charset="-127"/>
               <a:ea typeface="Noto Sans CJK KR Regular" panose="020B0500000000000000" pitchFamily="34" charset="-127"/>
             </a:endParaRPr>
@@ -18046,20 +18046,20 @@
               <a:defRPr/>
             </a:pPr>
             <a:r>
-              <a:rPr lang="en-US" altLang="ko-KR" b="0">
+              <a:rPr lang="en-US" altLang="ko-KR" b="0" dirty="0">
                 <a:latin typeface="Noto Sans CJK KR Regular" panose="020B0500000000000000" pitchFamily="34" charset="-127"/>
                 <a:ea typeface="Noto Sans CJK KR Regular" panose="020B0500000000000000" pitchFamily="34" charset="-127"/>
               </a:rPr>
               <a:t> </a:t>
             </a:r>
             <a:r>
-              <a:rPr lang="ko-KR" altLang="en-US" b="0">
+              <a:rPr lang="ko-KR" altLang="en-US" b="0" dirty="0">
                 <a:latin typeface="Noto Sans CJK KR Regular" panose="020B0500000000000000" pitchFamily="34" charset="-127"/>
                 <a:ea typeface="Noto Sans CJK KR Regular" panose="020B0500000000000000" pitchFamily="34" charset="-127"/>
               </a:rPr>
               <a:t>인터페이스 상속은 여러 단계의 계층 구조로 구성 가능</a:t>
             </a:r>
-            <a:endParaRPr lang="en-US" altLang="ko-KR">
+            <a:endParaRPr lang="en-US" altLang="ko-KR" dirty="0">
               <a:latin typeface="Noto Sans CJK KR Regular" panose="020B0500000000000000" pitchFamily="34" charset="-127"/>
               <a:ea typeface="Noto Sans CJK KR Regular" panose="020B0500000000000000" pitchFamily="34" charset="-127"/>
             </a:endParaRPr>
@@ -18618,20 +18618,20 @@
               <a:defRPr/>
             </a:pPr>
             <a:r>
-              <a:rPr lang="en-US" altLang="ko-KR" sz="2000">
+              <a:rPr lang="en-US" altLang="ko-KR" sz="2000" dirty="0">
                 <a:latin typeface="Noto Sans CJK KR Regular" panose="020B0500000000000000" pitchFamily="34" charset="-127"/>
                 <a:ea typeface="Noto Sans CJK KR Regular" panose="020B0500000000000000" pitchFamily="34" charset="-127"/>
               </a:rPr>
               <a:t> </a:t>
             </a:r>
             <a:r>
-              <a:rPr lang="ko-KR" altLang="en-US" sz="2000">
+              <a:rPr lang="ko-KR" altLang="en-US" sz="2000" dirty="0">
                 <a:latin typeface="Noto Sans CJK KR Regular" panose="020B0500000000000000" pitchFamily="34" charset="-127"/>
                 <a:ea typeface="Noto Sans CJK KR Regular" panose="020B0500000000000000" pitchFamily="34" charset="-127"/>
               </a:rPr>
               <a:t>다중 상속</a:t>
             </a:r>
-            <a:endParaRPr lang="en-US" altLang="ko-KR" sz="2000">
+            <a:endParaRPr lang="en-US" altLang="ko-KR" sz="2000" dirty="0">
               <a:latin typeface="Noto Sans CJK KR Regular" panose="020B0500000000000000" pitchFamily="34" charset="-127"/>
               <a:ea typeface="Noto Sans CJK KR Regular" panose="020B0500000000000000" pitchFamily="34" charset="-127"/>
             </a:endParaRPr>
@@ -18643,20 +18643,20 @@
               <a:defRPr/>
             </a:pPr>
             <a:r>
-              <a:rPr lang="en-US" altLang="ko-KR" b="0">
+              <a:rPr lang="en-US" altLang="ko-KR" b="0" dirty="0">
                 <a:latin typeface="Noto Sans CJK KR Regular" panose="020B0500000000000000" pitchFamily="34" charset="-127"/>
                 <a:ea typeface="Noto Sans CJK KR Regular" panose="020B0500000000000000" pitchFamily="34" charset="-127"/>
               </a:rPr>
               <a:t> </a:t>
             </a:r>
             <a:r>
-              <a:rPr lang="ko-KR" altLang="en-US" b="0">
+              <a:rPr lang="ko-KR" altLang="en-US" b="0" dirty="0">
                 <a:latin typeface="Noto Sans CJK KR Regular" panose="020B0500000000000000" pitchFamily="34" charset="-127"/>
                 <a:ea typeface="Noto Sans CJK KR Regular" panose="020B0500000000000000" pitchFamily="34" charset="-127"/>
               </a:rPr>
               <a:t>둘 이상의 인터페이스를 상속 받음</a:t>
             </a:r>
-            <a:endParaRPr lang="en-US" altLang="ko-KR" b="0">
+            <a:endParaRPr lang="en-US" altLang="ko-KR" b="0" dirty="0">
               <a:latin typeface="Noto Sans CJK KR Regular" panose="020B0500000000000000" pitchFamily="34" charset="-127"/>
               <a:ea typeface="Noto Sans CJK KR Regular" panose="020B0500000000000000" pitchFamily="34" charset="-127"/>
             </a:endParaRPr>
@@ -18726,7 +18726,7 @@
           <a:lstStyle/>
           <a:p>
             <a:r>
-              <a:rPr lang="en-US" altLang="ko-KR" b="0">
+              <a:rPr lang="en-US" altLang="ko-KR" b="0" dirty="0">
                 <a:solidFill>
                   <a:srgbClr val="0000FF"/>
                 </a:solidFill>
@@ -18736,7 +18736,7 @@
               <a:t>interface</a:t>
             </a:r>
             <a:r>
-              <a:rPr lang="en-US" altLang="ko-KR" b="0">
+              <a:rPr lang="en-US" altLang="ko-KR" b="0" dirty="0">
                 <a:solidFill>
                   <a:srgbClr val="000000"/>
                 </a:solidFill>
@@ -18748,7 +18748,7 @@
           </a:p>
           <a:p>
             <a:r>
-              <a:rPr lang="en-US" altLang="ko-KR" b="0">
+              <a:rPr lang="en-US" altLang="ko-KR" b="0" dirty="0">
                 <a:solidFill>
                   <a:srgbClr val="000000"/>
                 </a:solidFill>
@@ -18760,7 +18760,7 @@
           </a:p>
           <a:p>
             <a:r>
-              <a:rPr lang="en-US" altLang="ko-KR" b="0">
+              <a:rPr lang="en-US" altLang="ko-KR" b="0" dirty="0">
                 <a:solidFill>
                   <a:srgbClr val="000000"/>
                 </a:solidFill>
@@ -18772,7 +18772,7 @@
           </a:p>
           <a:p>
             <a:r>
-              <a:rPr lang="en-US" altLang="ko-KR" b="0">
+              <a:rPr lang="en-US" altLang="ko-KR" b="0" dirty="0">
                 <a:solidFill>
                   <a:srgbClr val="000000"/>
                 </a:solidFill>
@@ -18782,7 +18782,7 @@
               <a:t>}</a:t>
             </a:r>
             <a:br>
-              <a:rPr lang="en-US" altLang="ko-KR" b="0">
+              <a:rPr lang="en-US" altLang="ko-KR" b="0" dirty="0">
                 <a:solidFill>
                   <a:srgbClr val="000000"/>
                 </a:solidFill>
@@ -18791,7 +18791,7 @@
               </a:rPr>
             </a:br>
             <a:r>
-              <a:rPr lang="en-US" altLang="ko-KR" b="0">
+              <a:rPr lang="en-US" altLang="ko-KR" b="0" dirty="0">
                 <a:solidFill>
                   <a:srgbClr val="0000FF"/>
                 </a:solidFill>
@@ -18801,19 +18801,39 @@
               <a:t>interface</a:t>
             </a:r>
             <a:r>
-              <a:rPr lang="en-US" altLang="ko-KR" b="0">
-                <a:solidFill>
-                  <a:srgbClr val="000000"/>
-                </a:solidFill>
-                <a:effectLst/>
-                <a:latin typeface="Consolas" panose="020B0609020204030204" pitchFamily="49" charset="0"/>
-              </a:rPr>
-              <a:t> TodoList {</a:t>
-            </a:r>
-          </a:p>
-          <a:p>
-            <a:r>
-              <a:rPr lang="en-US" altLang="ko-KR" b="0">
+              <a:rPr lang="en-US" altLang="ko-KR" b="0" dirty="0">
+                <a:solidFill>
+                  <a:srgbClr val="000000"/>
+                </a:solidFill>
+                <a:effectLst/>
+                <a:latin typeface="Consolas" panose="020B0609020204030204" pitchFamily="49" charset="0"/>
+              </a:rPr>
+              <a:t> </a:t>
+            </a:r>
+            <a:r>
+              <a:rPr lang="en-US" altLang="ko-KR" b="0" dirty="0" err="1">
+                <a:solidFill>
+                  <a:srgbClr val="000000"/>
+                </a:solidFill>
+                <a:effectLst/>
+                <a:latin typeface="Consolas" panose="020B0609020204030204" pitchFamily="49" charset="0"/>
+              </a:rPr>
+              <a:t>TodoList</a:t>
+            </a:r>
+            <a:r>
+              <a:rPr lang="en-US" altLang="ko-KR" b="0" dirty="0">
+                <a:solidFill>
+                  <a:srgbClr val="000000"/>
+                </a:solidFill>
+                <a:effectLst/>
+                <a:latin typeface="Consolas" panose="020B0609020204030204" pitchFamily="49" charset="0"/>
+              </a:rPr>
+              <a:t> {</a:t>
+            </a:r>
+          </a:p>
+          <a:p>
+            <a:r>
+              <a:rPr lang="en-US" altLang="ko-KR" b="0" dirty="0">
                 <a:solidFill>
                   <a:srgbClr val="000000"/>
                 </a:solidFill>
@@ -18825,7 +18845,7 @@
           </a:p>
           <a:p>
             <a:r>
-              <a:rPr lang="en-US" altLang="ko-KR" b="0">
+              <a:rPr lang="en-US" altLang="ko-KR" b="0" dirty="0">
                 <a:solidFill>
                   <a:srgbClr val="000000"/>
                 </a:solidFill>
@@ -18837,19 +18857,39 @@
           </a:p>
           <a:p>
             <a:r>
-              <a:rPr lang="en-US" altLang="ko-KR" b="0">
-                <a:solidFill>
-                  <a:srgbClr val="000000"/>
-                </a:solidFill>
-                <a:effectLst/>
-                <a:latin typeface="Consolas" panose="020B0609020204030204" pitchFamily="49" charset="0"/>
-              </a:rPr>
-              <a:t>  done: boolean;</a:t>
-            </a:r>
-          </a:p>
-          <a:p>
-            <a:r>
-              <a:rPr lang="en-US" altLang="ko-KR" b="0">
+              <a:rPr lang="en-US" altLang="ko-KR" b="0" dirty="0">
+                <a:solidFill>
+                  <a:srgbClr val="000000"/>
+                </a:solidFill>
+                <a:effectLst/>
+                <a:latin typeface="Consolas" panose="020B0609020204030204" pitchFamily="49" charset="0"/>
+              </a:rPr>
+              <a:t>  done: </a:t>
+            </a:r>
+            <a:r>
+              <a:rPr lang="en-US" altLang="ko-KR" b="0" dirty="0" err="1">
+                <a:solidFill>
+                  <a:srgbClr val="000000"/>
+                </a:solidFill>
+                <a:effectLst/>
+                <a:latin typeface="Consolas" panose="020B0609020204030204" pitchFamily="49" charset="0"/>
+              </a:rPr>
+              <a:t>boolean</a:t>
+            </a:r>
+            <a:r>
+              <a:rPr lang="en-US" altLang="ko-KR" b="0" dirty="0">
+                <a:solidFill>
+                  <a:srgbClr val="000000"/>
+                </a:solidFill>
+                <a:effectLst/>
+                <a:latin typeface="Consolas" panose="020B0609020204030204" pitchFamily="49" charset="0"/>
+              </a:rPr>
+              <a:t>;</a:t>
+            </a:r>
+          </a:p>
+          <a:p>
+            <a:r>
+              <a:rPr lang="en-US" altLang="ko-KR" b="0" dirty="0">
                 <a:solidFill>
                   <a:srgbClr val="000000"/>
                 </a:solidFill>
@@ -18859,7 +18899,7 @@
               <a:t>}</a:t>
             </a:r>
             <a:br>
-              <a:rPr lang="en-US" altLang="ko-KR" b="0">
+              <a:rPr lang="en-US" altLang="ko-KR" b="0" dirty="0">
                 <a:solidFill>
                   <a:srgbClr val="000000"/>
                 </a:solidFill>
@@ -18868,7 +18908,7 @@
               </a:rPr>
             </a:br>
             <a:r>
-              <a:rPr lang="en-US" altLang="ko-KR" b="0">
+              <a:rPr lang="en-US" altLang="ko-KR" b="0" dirty="0">
                 <a:solidFill>
                   <a:srgbClr val="0000FF"/>
                 </a:solidFill>
@@ -18878,27 +18918,67 @@
               <a:t>interface</a:t>
             </a:r>
             <a:r>
-              <a:rPr lang="en-US" altLang="ko-KR" b="0">
-                <a:solidFill>
-                  <a:srgbClr val="000000"/>
-                </a:solidFill>
-                <a:effectLst/>
-                <a:latin typeface="Consolas" panose="020B0609020204030204" pitchFamily="49" charset="0"/>
-              </a:rPr>
-              <a:t> TodoInfo </a:t>
-            </a:r>
-            <a:r>
-              <a:rPr lang="en-US" altLang="ko-KR" b="1">
+              <a:rPr lang="en-US" altLang="ko-KR" b="0" dirty="0">
+                <a:solidFill>
+                  <a:srgbClr val="000000"/>
+                </a:solidFill>
+                <a:effectLst/>
+                <a:latin typeface="Consolas" panose="020B0609020204030204" pitchFamily="49" charset="0"/>
+              </a:rPr>
+              <a:t> </a:t>
+            </a:r>
+            <a:r>
+              <a:rPr lang="en-US" altLang="ko-KR" b="0" dirty="0" err="1">
+                <a:solidFill>
+                  <a:srgbClr val="000000"/>
+                </a:solidFill>
+                <a:effectLst/>
+                <a:latin typeface="Consolas" panose="020B0609020204030204" pitchFamily="49" charset="0"/>
+              </a:rPr>
+              <a:t>TodoInfo</a:t>
+            </a:r>
+            <a:r>
+              <a:rPr lang="en-US" altLang="ko-KR" b="0" dirty="0">
+                <a:solidFill>
+                  <a:srgbClr val="000000"/>
+                </a:solidFill>
+                <a:effectLst/>
+                <a:latin typeface="Consolas" panose="020B0609020204030204" pitchFamily="49" charset="0"/>
+              </a:rPr>
+              <a:t> </a:t>
+            </a:r>
+            <a:r>
+              <a:rPr lang="en-US" altLang="ko-KR" b="1" dirty="0">
                 <a:solidFill>
                   <a:srgbClr val="FF9E1B"/>
                 </a:solidFill>
                 <a:effectLst/>
                 <a:latin typeface="Consolas" panose="020B0609020204030204" pitchFamily="49" charset="0"/>
               </a:rPr>
-              <a:t>extends Todo, TodoList </a:t>
-            </a:r>
-            <a:r>
-              <a:rPr lang="en-US" altLang="ko-KR" b="0">
+              <a:t>extends Todo, </a:t>
+            </a:r>
+            <a:r>
+              <a:rPr lang="en-US" altLang="ko-KR" b="1" dirty="0" err="1">
+                <a:solidFill>
+                  <a:srgbClr val="FF9E1B"/>
+                </a:solidFill>
+                <a:effectLst/>
+                <a:latin typeface="Consolas" panose="020B0609020204030204" pitchFamily="49" charset="0"/>
+              </a:rPr>
+              <a:t>TodoList</a:t>
+            </a:r>
+            <a:r>
+              <a:rPr lang="en-US" altLang="ko-KR" b="1" dirty="0">
+                <a:solidFill>
+                  <a:srgbClr val="FF9E1B"/>
+                </a:solidFill>
+                <a:effectLst/>
+                <a:latin typeface="Consolas" panose="020B0609020204030204" pitchFamily="49" charset="0"/>
+              </a:rPr>
+              <a:t> </a:t>
+            </a:r>
+            <a:r>
+              <a:rPr lang="en-US" altLang="ko-KR" b="0" dirty="0">
                 <a:solidFill>
                   <a:srgbClr val="000000"/>
                 </a:solidFill>
@@ -18910,7 +18990,7 @@
           </a:p>
           <a:p>
             <a:r>
-              <a:rPr lang="en-US" altLang="ko-KR">
+              <a:rPr lang="en-US" altLang="ko-KR" dirty="0">
                 <a:solidFill>
                   <a:srgbClr val="000000"/>
                 </a:solidFill>
@@ -18921,7 +19001,7 @@
           </a:p>
           <a:p>
             <a:r>
-              <a:rPr lang="en-US" altLang="ko-KR" b="0">
+              <a:rPr lang="en-US" altLang="ko-KR" b="0" dirty="0">
                 <a:solidFill>
                   <a:srgbClr val="000000"/>
                 </a:solidFill>
@@ -19223,35 +19303,42 @@
               <a:defRPr/>
             </a:pPr>
             <a:r>
-              <a:rPr lang="en-US" altLang="ko-KR" sz="2000">
+              <a:rPr lang="en-US" altLang="ko-KR" sz="2000" dirty="0">
                 <a:latin typeface="Noto Sans CJK KR Regular" panose="020B0500000000000000" pitchFamily="34" charset="-127"/>
                 <a:ea typeface="Noto Sans CJK KR Regular" panose="020B0500000000000000" pitchFamily="34" charset="-127"/>
               </a:rPr>
               <a:t> </a:t>
             </a:r>
             <a:r>
-              <a:rPr lang="ko-KR" altLang="en-US" sz="2000">
-                <a:latin typeface="Noto Sans CJK KR Regular" panose="020B0500000000000000" pitchFamily="34" charset="-127"/>
-                <a:ea typeface="Noto Sans CJK KR Regular" panose="020B0500000000000000" pitchFamily="34" charset="-127"/>
-              </a:rPr>
-              <a:t>인터페이스 재선언</a:t>
-            </a:r>
-            <a:r>
-              <a:rPr lang="en-US" altLang="ko-KR" sz="2000">
+              <a:rPr lang="ko-KR" altLang="en-US" sz="2000" dirty="0">
+                <a:latin typeface="Noto Sans CJK KR Regular" panose="020B0500000000000000" pitchFamily="34" charset="-127"/>
+                <a:ea typeface="Noto Sans CJK KR Regular" panose="020B0500000000000000" pitchFamily="34" charset="-127"/>
+              </a:rPr>
+              <a:t>인터페이스 </a:t>
+            </a:r>
+            <a:r>
+              <a:rPr lang="ko-KR" altLang="en-US" sz="2000" dirty="0" err="1">
+                <a:latin typeface="Noto Sans CJK KR Regular" panose="020B0500000000000000" pitchFamily="34" charset="-127"/>
+                <a:ea typeface="Noto Sans CJK KR Regular" panose="020B0500000000000000" pitchFamily="34" charset="-127"/>
+              </a:rPr>
+              <a:t>재선언</a:t>
+            </a:r>
+            <a:r>
+              <a:rPr lang="en-US" altLang="ko-KR" sz="2000" dirty="0">
                 <a:latin typeface="Noto Sans CJK KR Regular" panose="020B0500000000000000" pitchFamily="34" charset="-127"/>
                 <a:ea typeface="Noto Sans CJK KR Regular" panose="020B0500000000000000" pitchFamily="34" charset="-127"/>
               </a:rPr>
               <a:t>(</a:t>
             </a:r>
             <a:r>
-              <a:rPr lang="ko-KR" altLang="en-US" sz="2000">
+              <a:rPr lang="ko-KR" altLang="en-US" sz="2000" dirty="0">
                 <a:latin typeface="Noto Sans CJK KR Regular" panose="020B0500000000000000" pitchFamily="34" charset="-127"/>
                 <a:ea typeface="Noto Sans CJK KR Regular" panose="020B0500000000000000" pitchFamily="34" charset="-127"/>
               </a:rPr>
               <a:t>선언 병합</a:t>
             </a:r>
             <a:r>
-              <a:rPr lang="en-US" altLang="ko-KR" sz="2000">
+              <a:rPr lang="en-US" altLang="ko-KR" sz="2000" dirty="0">
                 <a:latin typeface="Noto Sans CJK KR Regular" panose="020B0500000000000000" pitchFamily="34" charset="-127"/>
                 <a:ea typeface="Noto Sans CJK KR Regular" panose="020B0500000000000000" pitchFamily="34" charset="-127"/>
               </a:rPr>
@@ -19265,21 +19352,21 @@
               <a:defRPr/>
             </a:pPr>
             <a:r>
-              <a:rPr lang="en-US" altLang="ko-KR" b="0">
+              <a:rPr lang="en-US" altLang="ko-KR" b="0" dirty="0">
                 <a:latin typeface="Noto Sans CJK KR Regular" panose="020B0500000000000000" pitchFamily="34" charset="-127"/>
                 <a:ea typeface="Noto Sans CJK KR Regular" panose="020B0500000000000000" pitchFamily="34" charset="-127"/>
               </a:rPr>
               <a:t> </a:t>
             </a:r>
             <a:r>
-              <a:rPr lang="ko-KR" altLang="en-US" b="0">
+              <a:rPr lang="ko-KR" altLang="en-US" b="0" dirty="0">
                 <a:latin typeface="Noto Sans CJK KR Regular" panose="020B0500000000000000" pitchFamily="34" charset="-127"/>
                 <a:ea typeface="Noto Sans CJK KR Regular" panose="020B0500000000000000" pitchFamily="34" charset="-127"/>
               </a:rPr>
               <a:t>동일한 이름의 인터페이스를 </a:t>
             </a:r>
             <a:r>
-              <a:rPr lang="ko-KR" altLang="en-US" b="0">
+              <a:rPr lang="ko-KR" altLang="en-US" b="0" dirty="0">
                 <a:solidFill>
                   <a:srgbClr val="FF9E1B"/>
                 </a:solidFill>
@@ -19289,13 +19376,13 @@
               <a:t>중복</a:t>
             </a:r>
             <a:r>
-              <a:rPr lang="ko-KR" altLang="en-US" b="0">
+              <a:rPr lang="ko-KR" altLang="en-US" b="0" dirty="0">
                 <a:latin typeface="Noto Sans CJK KR Regular" panose="020B0500000000000000" pitchFamily="34" charset="-127"/>
                 <a:ea typeface="Noto Sans CJK KR Regular" panose="020B0500000000000000" pitchFamily="34" charset="-127"/>
               </a:rPr>
               <a:t>으로 선언</a:t>
             </a:r>
-            <a:endParaRPr lang="en-US" altLang="ko-KR" b="0">
+            <a:endParaRPr lang="en-US" altLang="ko-KR" b="0" dirty="0">
               <a:latin typeface="Noto Sans CJK KR Regular" panose="020B0500000000000000" pitchFamily="34" charset="-127"/>
               <a:ea typeface="Noto Sans CJK KR Regular" panose="020B0500000000000000" pitchFamily="34" charset="-127"/>
             </a:endParaRPr>
@@ -19307,21 +19394,21 @@
               <a:defRPr/>
             </a:pPr>
             <a:r>
-              <a:rPr lang="en-US" altLang="ko-KR">
+              <a:rPr lang="en-US" altLang="ko-KR" dirty="0">
                 <a:latin typeface="Noto Sans CJK KR Regular" panose="020B0500000000000000" pitchFamily="34" charset="-127"/>
                 <a:ea typeface="Noto Sans CJK KR Regular" panose="020B0500000000000000" pitchFamily="34" charset="-127"/>
               </a:rPr>
               <a:t> </a:t>
             </a:r>
             <a:r>
-              <a:rPr lang="ko-KR" altLang="en-US" b="0">
+              <a:rPr lang="ko-KR" altLang="en-US" b="0" dirty="0">
                 <a:latin typeface="Noto Sans CJK KR Regular" panose="020B0500000000000000" pitchFamily="34" charset="-127"/>
                 <a:ea typeface="Noto Sans CJK KR Regular" panose="020B0500000000000000" pitchFamily="34" charset="-127"/>
               </a:rPr>
               <a:t>기존 인터페이스에 없는 속성을 </a:t>
             </a:r>
             <a:r>
-              <a:rPr lang="ko-KR" altLang="en-US">
+              <a:rPr lang="ko-KR" altLang="en-US" dirty="0">
                 <a:solidFill>
                   <a:srgbClr val="FF9E1B"/>
                 </a:solidFill>
@@ -19331,14 +19418,14 @@
               <a:t>추가</a:t>
             </a:r>
             <a:r>
-              <a:rPr lang="ko-KR" altLang="en-US" b="0">
+              <a:rPr lang="ko-KR" altLang="en-US" b="0" dirty="0">
                 <a:latin typeface="Noto Sans CJK KR Regular" panose="020B0500000000000000" pitchFamily="34" charset="-127"/>
                 <a:ea typeface="Noto Sans CJK KR Regular" panose="020B0500000000000000" pitchFamily="34" charset="-127"/>
               </a:rPr>
               <a:t>해서 </a:t>
             </a:r>
             <a:r>
-              <a:rPr lang="ko-KR" altLang="en-US" b="0">
+              <a:rPr lang="ko-KR" altLang="en-US" b="0" dirty="0">
                 <a:solidFill>
                   <a:srgbClr val="FF9E1B"/>
                 </a:solidFill>
@@ -19347,7 +19434,7 @@
               </a:rPr>
               <a:t>확장</a:t>
             </a:r>
-            <a:endParaRPr lang="en-US" altLang="ko-KR" b="0">
+            <a:endParaRPr lang="en-US" altLang="ko-KR" b="0" dirty="0">
               <a:solidFill>
                 <a:srgbClr val="FF9E1B"/>
               </a:solidFill>
@@ -19362,20 +19449,20 @@
               <a:defRPr/>
             </a:pPr>
             <a:r>
-              <a:rPr lang="en-US" altLang="ko-KR">
+              <a:rPr lang="en-US" altLang="ko-KR" dirty="0">
                 <a:latin typeface="Noto Sans CJK KR Regular" panose="020B0500000000000000" pitchFamily="34" charset="-127"/>
                 <a:ea typeface="Noto Sans CJK KR Regular" panose="020B0500000000000000" pitchFamily="34" charset="-127"/>
               </a:rPr>
               <a:t> </a:t>
             </a:r>
             <a:r>
-              <a:rPr lang="ko-KR" altLang="en-US">
+              <a:rPr lang="ko-KR" altLang="en-US" dirty="0">
                 <a:latin typeface="Noto Sans CJK KR Regular" panose="020B0500000000000000" pitchFamily="34" charset="-127"/>
                 <a:ea typeface="Noto Sans CJK KR Regular" panose="020B0500000000000000" pitchFamily="34" charset="-127"/>
               </a:rPr>
               <a:t>기존 속성과 중복으로 정의는 가능하지만 동일한 타입이어야 함</a:t>
             </a:r>
-            <a:endParaRPr lang="en-US" altLang="ko-KR">
+            <a:endParaRPr lang="en-US" altLang="ko-KR" dirty="0">
               <a:latin typeface="Noto Sans CJK KR Regular" panose="020B0500000000000000" pitchFamily="34" charset="-127"/>
               <a:ea typeface="Noto Sans CJK KR Regular" panose="020B0500000000000000" pitchFamily="34" charset="-127"/>
             </a:endParaRPr>
@@ -20290,20 +20377,20 @@
               <a:defRPr/>
             </a:pPr>
             <a:r>
-              <a:rPr lang="en-US" altLang="ko-KR" sz="2000">
+              <a:rPr lang="en-US" altLang="ko-KR" sz="2000" dirty="0">
                 <a:latin typeface="Noto Sans CJK KR Regular" panose="020B0500000000000000" pitchFamily="34" charset="-127"/>
                 <a:ea typeface="Noto Sans CJK KR Regular" panose="020B0500000000000000" pitchFamily="34" charset="-127"/>
               </a:rPr>
               <a:t> </a:t>
             </a:r>
             <a:r>
-              <a:rPr lang="ko-KR" altLang="en-US" sz="2000">
+              <a:rPr lang="ko-KR" altLang="en-US" sz="2000" dirty="0">
                 <a:latin typeface="Noto Sans CJK KR Regular" panose="020B0500000000000000" pitchFamily="34" charset="-127"/>
                 <a:ea typeface="Noto Sans CJK KR Regular" panose="020B0500000000000000" pitchFamily="34" charset="-127"/>
               </a:rPr>
               <a:t>정의할 수 있는 타입 종류</a:t>
             </a:r>
-            <a:endParaRPr lang="en-US" altLang="ko-KR" sz="2000">
+            <a:endParaRPr lang="en-US" altLang="ko-KR" sz="2000" dirty="0">
               <a:latin typeface="Noto Sans CJK KR Regular" panose="020B0500000000000000" pitchFamily="34" charset="-127"/>
               <a:ea typeface="Noto Sans CJK KR Regular" panose="020B0500000000000000" pitchFamily="34" charset="-127"/>
             </a:endParaRPr>
@@ -20315,56 +20402,56 @@
               <a:defRPr/>
             </a:pPr>
             <a:r>
-              <a:rPr lang="en-US" altLang="ko-KR" b="0">
+              <a:rPr lang="en-US" altLang="ko-KR" b="0" dirty="0">
                 <a:latin typeface="Noto Sans CJK KR Regular" panose="020B0500000000000000" pitchFamily="34" charset="-127"/>
                 <a:ea typeface="Noto Sans CJK KR Regular" panose="020B0500000000000000" pitchFamily="34" charset="-127"/>
               </a:rPr>
               <a:t> </a:t>
             </a:r>
             <a:r>
-              <a:rPr lang="ko-KR" altLang="en-US">
+              <a:rPr lang="ko-KR" altLang="en-US" dirty="0">
                 <a:latin typeface="Noto Sans CJK KR Regular" panose="020B0500000000000000" pitchFamily="34" charset="-127"/>
                 <a:ea typeface="Noto Sans CJK KR Regular" panose="020B0500000000000000" pitchFamily="34" charset="-127"/>
               </a:rPr>
               <a:t>타입 별칭</a:t>
             </a:r>
             <a:r>
-              <a:rPr lang="en-US" altLang="ko-KR">
+              <a:rPr lang="en-US" altLang="ko-KR" dirty="0">
                 <a:latin typeface="Noto Sans CJK KR Regular" panose="020B0500000000000000" pitchFamily="34" charset="-127"/>
                 <a:ea typeface="Noto Sans CJK KR Regular" panose="020B0500000000000000" pitchFamily="34" charset="-127"/>
               </a:rPr>
               <a:t>: </a:t>
             </a:r>
             <a:r>
-              <a:rPr lang="ko-KR" altLang="en-US">
+              <a:rPr lang="ko-KR" altLang="en-US" dirty="0">
                 <a:latin typeface="Noto Sans CJK KR Regular" panose="020B0500000000000000" pitchFamily="34" charset="-127"/>
                 <a:ea typeface="Noto Sans CJK KR Regular" panose="020B0500000000000000" pitchFamily="34" charset="-127"/>
               </a:rPr>
               <a:t>객체</a:t>
             </a:r>
             <a:r>
-              <a:rPr lang="en-US" altLang="ko-KR">
+              <a:rPr lang="en-US" altLang="ko-KR" dirty="0">
                 <a:latin typeface="Noto Sans CJK KR Regular" panose="020B0500000000000000" pitchFamily="34" charset="-127"/>
                 <a:ea typeface="Noto Sans CJK KR Regular" panose="020B0500000000000000" pitchFamily="34" charset="-127"/>
               </a:rPr>
               <a:t>, </a:t>
             </a:r>
             <a:r>
-              <a:rPr lang="ko-KR" altLang="en-US">
+              <a:rPr lang="ko-KR" altLang="en-US" dirty="0">
                 <a:latin typeface="Noto Sans CJK KR Regular" panose="020B0500000000000000" pitchFamily="34" charset="-127"/>
                 <a:ea typeface="Noto Sans CJK KR Regular" panose="020B0500000000000000" pitchFamily="34" charset="-127"/>
               </a:rPr>
               <a:t>클래스</a:t>
             </a:r>
             <a:r>
-              <a:rPr lang="en-US" altLang="ko-KR">
+              <a:rPr lang="en-US" altLang="ko-KR" dirty="0">
                 <a:latin typeface="Noto Sans CJK KR Regular" panose="020B0500000000000000" pitchFamily="34" charset="-127"/>
                 <a:ea typeface="Noto Sans CJK KR Regular" panose="020B0500000000000000" pitchFamily="34" charset="-127"/>
               </a:rPr>
               <a:t>, </a:t>
             </a:r>
             <a:r>
-              <a:rPr lang="ko-KR" altLang="en-US">
+              <a:rPr lang="ko-KR" altLang="en-US" dirty="0">
                 <a:solidFill>
                   <a:srgbClr val="FF9E1B"/>
                 </a:solidFill>
@@ -20374,7 +20461,7 @@
               <a:t>기본 타입</a:t>
             </a:r>
             <a:r>
-              <a:rPr lang="en-US" altLang="ko-KR">
+              <a:rPr lang="en-US" altLang="ko-KR" dirty="0">
                 <a:solidFill>
                   <a:srgbClr val="FF9E1B"/>
                 </a:solidFill>
@@ -20384,7 +20471,7 @@
               <a:t>, </a:t>
             </a:r>
             <a:r>
-              <a:rPr lang="ko-KR" altLang="en-US">
+              <a:rPr lang="ko-KR" altLang="en-US" dirty="0">
                 <a:solidFill>
                   <a:srgbClr val="FF9E1B"/>
                 </a:solidFill>
@@ -20394,7 +20481,7 @@
               <a:t>유니언 타입</a:t>
             </a:r>
             <a:r>
-              <a:rPr lang="en-US" altLang="ko-KR">
+              <a:rPr lang="en-US" altLang="ko-KR" dirty="0">
                 <a:solidFill>
                   <a:srgbClr val="FF9E1B"/>
                 </a:solidFill>
@@ -20404,27 +20491,37 @@
               <a:t>, </a:t>
             </a:r>
             <a:r>
-              <a:rPr lang="ko-KR" altLang="en-US">
+              <a:rPr lang="ko-KR" altLang="en-US" dirty="0" err="1">
                 <a:solidFill>
                   <a:srgbClr val="FF9E1B"/>
                 </a:solidFill>
                 <a:latin typeface="Noto Sans CJK KR Regular" panose="020B0500000000000000" pitchFamily="34" charset="-127"/>
                 <a:ea typeface="Noto Sans CJK KR Regular" panose="020B0500000000000000" pitchFamily="34" charset="-127"/>
               </a:rPr>
-              <a:t>인터섹션 타입</a:t>
-            </a:r>
-            <a:r>
-              <a:rPr lang="en-US" altLang="ko-KR">
+              <a:t>인터섹션</a:t>
+            </a:r>
+            <a:r>
+              <a:rPr lang="ko-KR" altLang="en-US" dirty="0">
                 <a:solidFill>
                   <a:srgbClr val="FF9E1B"/>
                 </a:solidFill>
                 <a:latin typeface="Noto Sans CJK KR Regular" panose="020B0500000000000000" pitchFamily="34" charset="-127"/>
                 <a:ea typeface="Noto Sans CJK KR Regular" panose="020B0500000000000000" pitchFamily="34" charset="-127"/>
               </a:rPr>
+              <a:t> 타입</a:t>
+            </a:r>
+            <a:r>
+              <a:rPr lang="en-US" altLang="ko-KR" dirty="0">
+                <a:solidFill>
+                  <a:srgbClr val="FF9E1B"/>
+                </a:solidFill>
+                <a:latin typeface="Noto Sans CJK KR Regular" panose="020B0500000000000000" pitchFamily="34" charset="-127"/>
+                <a:ea typeface="Noto Sans CJK KR Regular" panose="020B0500000000000000" pitchFamily="34" charset="-127"/>
+              </a:rPr>
               <a:t>, </a:t>
             </a:r>
             <a:r>
-              <a:rPr lang="ko-KR" altLang="en-US">
+              <a:rPr lang="ko-KR" altLang="en-US" dirty="0">
                 <a:solidFill>
                   <a:srgbClr val="FF9E1B"/>
                 </a:solidFill>
@@ -20434,7 +20531,7 @@
               <a:t>유틸리티 타입</a:t>
             </a:r>
             <a:r>
-              <a:rPr lang="en-US" altLang="ko-KR">
+              <a:rPr lang="en-US" altLang="ko-KR" dirty="0">
                 <a:solidFill>
                   <a:srgbClr val="FF9E1B"/>
                 </a:solidFill>
@@ -20444,23 +20541,33 @@
               <a:t>, </a:t>
             </a:r>
             <a:r>
-              <a:rPr lang="ko-KR" altLang="en-US">
+              <a:rPr lang="ko-KR" altLang="en-US" dirty="0" err="1">
                 <a:solidFill>
                   <a:srgbClr val="FF9E1B"/>
                 </a:solidFill>
                 <a:latin typeface="Noto Sans CJK KR Regular" panose="020B0500000000000000" pitchFamily="34" charset="-127"/>
                 <a:ea typeface="Noto Sans CJK KR Regular" panose="020B0500000000000000" pitchFamily="34" charset="-127"/>
               </a:rPr>
-              <a:t>맵드 타입</a:t>
-            </a:r>
-            <a:r>
-              <a:rPr lang="ko-KR" altLang="en-US">
+              <a:t>맵드</a:t>
+            </a:r>
+            <a:r>
+              <a:rPr lang="ko-KR" altLang="en-US" dirty="0">
+                <a:solidFill>
+                  <a:srgbClr val="FF9E1B"/>
+                </a:solidFill>
+                <a:latin typeface="Noto Sans CJK KR Regular" panose="020B0500000000000000" pitchFamily="34" charset="-127"/>
+                <a:ea typeface="Noto Sans CJK KR Regular" panose="020B0500000000000000" pitchFamily="34" charset="-127"/>
+              </a:rPr>
+              <a:t> 타입</a:t>
+            </a:r>
+            <a:r>
+              <a:rPr lang="ko-KR" altLang="en-US" dirty="0">
                 <a:latin typeface="Noto Sans CJK KR Regular" panose="020B0500000000000000" pitchFamily="34" charset="-127"/>
                 <a:ea typeface="Noto Sans CJK KR Regular" panose="020B0500000000000000" pitchFamily="34" charset="-127"/>
               </a:rPr>
               <a:t> 등의 정의에 사용</a:t>
             </a:r>
-            <a:endParaRPr lang="en-US" altLang="ko-KR">
+            <a:endParaRPr lang="en-US" altLang="ko-KR" dirty="0">
               <a:latin typeface="Noto Sans CJK KR Regular" panose="020B0500000000000000" pitchFamily="34" charset="-127"/>
               <a:ea typeface="Noto Sans CJK KR Regular" panose="020B0500000000000000" pitchFamily="34" charset="-127"/>
             </a:endParaRPr>
@@ -20472,48 +20579,48 @@
               <a:defRPr/>
             </a:pPr>
             <a:r>
-              <a:rPr lang="en-US" altLang="ko-KR" b="0">
+              <a:rPr lang="en-US" altLang="ko-KR" b="0" dirty="0">
                 <a:latin typeface="Noto Sans CJK KR Regular" panose="020B0500000000000000" pitchFamily="34" charset="-127"/>
                 <a:ea typeface="Noto Sans CJK KR Regular" panose="020B0500000000000000" pitchFamily="34" charset="-127"/>
               </a:rPr>
               <a:t> </a:t>
             </a:r>
             <a:r>
-              <a:rPr lang="ko-KR" altLang="en-US" b="0">
+              <a:rPr lang="ko-KR" altLang="en-US" b="0" dirty="0">
                 <a:latin typeface="Noto Sans CJK KR Regular" panose="020B0500000000000000" pitchFamily="34" charset="-127"/>
                 <a:ea typeface="Noto Sans CJK KR Regular" panose="020B0500000000000000" pitchFamily="34" charset="-127"/>
               </a:rPr>
               <a:t>인터페이스</a:t>
             </a:r>
             <a:r>
-              <a:rPr lang="en-US" altLang="ko-KR" b="0">
+              <a:rPr lang="en-US" altLang="ko-KR" b="0" dirty="0">
                 <a:latin typeface="Noto Sans CJK KR Regular" panose="020B0500000000000000" pitchFamily="34" charset="-127"/>
                 <a:ea typeface="Noto Sans CJK KR Regular" panose="020B0500000000000000" pitchFamily="34" charset="-127"/>
               </a:rPr>
               <a:t>: </a:t>
             </a:r>
             <a:r>
-              <a:rPr lang="ko-KR" altLang="en-US" b="0">
+              <a:rPr lang="ko-KR" altLang="en-US" b="0" dirty="0">
                 <a:latin typeface="Noto Sans CJK KR Regular" panose="020B0500000000000000" pitchFamily="34" charset="-127"/>
                 <a:ea typeface="Noto Sans CJK KR Regular" panose="020B0500000000000000" pitchFamily="34" charset="-127"/>
               </a:rPr>
               <a:t>객체</a:t>
             </a:r>
             <a:r>
-              <a:rPr lang="en-US" altLang="ko-KR" b="0">
+              <a:rPr lang="en-US" altLang="ko-KR" b="0" dirty="0">
                 <a:latin typeface="Noto Sans CJK KR Regular" panose="020B0500000000000000" pitchFamily="34" charset="-127"/>
                 <a:ea typeface="Noto Sans CJK KR Regular" panose="020B0500000000000000" pitchFamily="34" charset="-127"/>
               </a:rPr>
               <a:t>, </a:t>
             </a:r>
             <a:r>
-              <a:rPr lang="ko-KR" altLang="en-US" b="0">
+              <a:rPr lang="ko-KR" altLang="en-US" b="0" dirty="0">
                 <a:latin typeface="Noto Sans CJK KR Regular" panose="020B0500000000000000" pitchFamily="34" charset="-127"/>
                 <a:ea typeface="Noto Sans CJK KR Regular" panose="020B0500000000000000" pitchFamily="34" charset="-127"/>
               </a:rPr>
               <a:t>클래스의 타입 정의</a:t>
             </a:r>
-            <a:endParaRPr lang="en-US" altLang="ko-KR" b="0">
+            <a:endParaRPr lang="en-US" altLang="ko-KR" b="0" dirty="0">
               <a:latin typeface="Noto Sans CJK KR Regular" panose="020B0500000000000000" pitchFamily="34" charset="-127"/>
               <a:ea typeface="Noto Sans CJK KR Regular" panose="020B0500000000000000" pitchFamily="34" charset="-127"/>
             </a:endParaRPr>
@@ -20524,7 +20631,7 @@
               <a:buChar char="•"/>
               <a:defRPr/>
             </a:pPr>
-            <a:endParaRPr lang="en-US" altLang="ko-KR" b="0">
+            <a:endParaRPr lang="en-US" altLang="ko-KR" b="0" dirty="0">
               <a:latin typeface="Noto Sans CJK KR Regular" panose="020B0500000000000000" pitchFamily="34" charset="-127"/>
               <a:ea typeface="Noto Sans CJK KR Regular" panose="020B0500000000000000" pitchFamily="34" charset="-127"/>
             </a:endParaRPr>
@@ -20536,7 +20643,7 @@
               <a:defRPr/>
             </a:pPr>
             <a:r>
-              <a:rPr lang="ko-KR" altLang="en-US" sz="2000">
+              <a:rPr lang="ko-KR" altLang="en-US" sz="2000" dirty="0">
                 <a:latin typeface="Noto Sans CJK KR Regular" panose="020B0500000000000000" pitchFamily="34" charset="-127"/>
                 <a:ea typeface="Noto Sans CJK KR Regular" panose="020B0500000000000000" pitchFamily="34" charset="-127"/>
               </a:rPr>
@@ -20550,49 +20657,56 @@
               <a:defRPr/>
             </a:pPr>
             <a:r>
-              <a:rPr lang="ko-KR" altLang="en-US" b="0">
+              <a:rPr lang="ko-KR" altLang="en-US" b="0" dirty="0">
                 <a:latin typeface="Noto Sans CJK KR Regular" panose="020B0500000000000000" pitchFamily="34" charset="-127"/>
                 <a:ea typeface="Noto Sans CJK KR Regular" panose="020B0500000000000000" pitchFamily="34" charset="-127"/>
               </a:rPr>
               <a:t> </a:t>
             </a:r>
             <a:r>
-              <a:rPr lang="ko-KR" altLang="en-US">
+              <a:rPr lang="ko-KR" altLang="en-US" dirty="0">
                 <a:latin typeface="Noto Sans CJK KR Regular" panose="020B0500000000000000" pitchFamily="34" charset="-127"/>
                 <a:ea typeface="Noto Sans CJK KR Regular" panose="020B0500000000000000" pitchFamily="34" charset="-127"/>
               </a:rPr>
               <a:t>타입 별칭</a:t>
             </a:r>
             <a:r>
-              <a:rPr lang="en-US" altLang="ko-KR">
+              <a:rPr lang="en-US" altLang="ko-KR" dirty="0">
                 <a:latin typeface="Noto Sans CJK KR Regular" panose="020B0500000000000000" pitchFamily="34" charset="-127"/>
                 <a:ea typeface="Noto Sans CJK KR Regular" panose="020B0500000000000000" pitchFamily="34" charset="-127"/>
               </a:rPr>
               <a:t>: &amp; </a:t>
             </a:r>
             <a:r>
-              <a:rPr lang="ko-KR" altLang="en-US">
+              <a:rPr lang="ko-KR" altLang="en-US" dirty="0">
                 <a:latin typeface="Noto Sans CJK KR Regular" panose="020B0500000000000000" pitchFamily="34" charset="-127"/>
                 <a:ea typeface="Noto Sans CJK KR Regular" panose="020B0500000000000000" pitchFamily="34" charset="-127"/>
               </a:rPr>
               <a:t>연산자로 확장</a:t>
             </a:r>
             <a:r>
-              <a:rPr lang="en-US" altLang="ko-KR">
+              <a:rPr lang="en-US" altLang="ko-KR" dirty="0">
                 <a:latin typeface="Noto Sans CJK KR Regular" panose="020B0500000000000000" pitchFamily="34" charset="-127"/>
                 <a:ea typeface="Noto Sans CJK KR Regular" panose="020B0500000000000000" pitchFamily="34" charset="-127"/>
               </a:rPr>
               <a:t>(</a:t>
             </a:r>
             <a:r>
-              <a:rPr lang="ko-KR" altLang="en-US">
-                <a:latin typeface="Noto Sans CJK KR Regular" panose="020B0500000000000000" pitchFamily="34" charset="-127"/>
-                <a:ea typeface="Noto Sans CJK KR Regular" panose="020B0500000000000000" pitchFamily="34" charset="-127"/>
-              </a:rPr>
-              <a:t>인터섹션 타입</a:t>
-            </a:r>
-            <a:r>
-              <a:rPr lang="en-US" altLang="ko-KR">
+              <a:rPr lang="ko-KR" altLang="en-US" dirty="0" err="1">
+                <a:latin typeface="Noto Sans CJK KR Regular" panose="020B0500000000000000" pitchFamily="34" charset="-127"/>
+                <a:ea typeface="Noto Sans CJK KR Regular" panose="020B0500000000000000" pitchFamily="34" charset="-127"/>
+              </a:rPr>
+              <a:t>인터섹션</a:t>
+            </a:r>
+            <a:r>
+              <a:rPr lang="ko-KR" altLang="en-US" dirty="0">
+                <a:latin typeface="Noto Sans CJK KR Regular" panose="020B0500000000000000" pitchFamily="34" charset="-127"/>
+                <a:ea typeface="Noto Sans CJK KR Regular" panose="020B0500000000000000" pitchFamily="34" charset="-127"/>
+              </a:rPr>
+              <a:t> 타입</a:t>
+            </a:r>
+            <a:r>
+              <a:rPr lang="en-US" altLang="ko-KR" dirty="0">
                 <a:latin typeface="Noto Sans CJK KR Regular" panose="020B0500000000000000" pitchFamily="34" charset="-127"/>
                 <a:ea typeface="Noto Sans CJK KR Regular" panose="020B0500000000000000" pitchFamily="34" charset="-127"/>
               </a:rPr>
@@ -20606,48 +20720,48 @@
               <a:defRPr/>
             </a:pPr>
             <a:r>
-              <a:rPr lang="en-US" altLang="ko-KR" b="0">
+              <a:rPr lang="en-US" altLang="ko-KR" b="0" dirty="0">
                 <a:latin typeface="Noto Sans CJK KR Regular" panose="020B0500000000000000" pitchFamily="34" charset="-127"/>
                 <a:ea typeface="Noto Sans CJK KR Regular" panose="020B0500000000000000" pitchFamily="34" charset="-127"/>
               </a:rPr>
               <a:t> </a:t>
             </a:r>
             <a:r>
-              <a:rPr lang="ko-KR" altLang="en-US" b="0">
+              <a:rPr lang="ko-KR" altLang="en-US" b="0" dirty="0">
                 <a:latin typeface="Noto Sans CJK KR Regular" panose="020B0500000000000000" pitchFamily="34" charset="-127"/>
                 <a:ea typeface="Noto Sans CJK KR Regular" panose="020B0500000000000000" pitchFamily="34" charset="-127"/>
               </a:rPr>
               <a:t>인터페이스</a:t>
             </a:r>
             <a:r>
-              <a:rPr lang="en-US" altLang="ko-KR" b="0">
+              <a:rPr lang="en-US" altLang="ko-KR" b="0" dirty="0">
                 <a:latin typeface="Noto Sans CJK KR Regular" panose="020B0500000000000000" pitchFamily="34" charset="-127"/>
                 <a:ea typeface="Noto Sans CJK KR Regular" panose="020B0500000000000000" pitchFamily="34" charset="-127"/>
               </a:rPr>
               <a:t>: extends </a:t>
             </a:r>
             <a:r>
-              <a:rPr lang="ko-KR" altLang="en-US" b="0">
+              <a:rPr lang="ko-KR" altLang="en-US" b="0" dirty="0">
                 <a:latin typeface="Noto Sans CJK KR Regular" panose="020B0500000000000000" pitchFamily="34" charset="-127"/>
                 <a:ea typeface="Noto Sans CJK KR Regular" panose="020B0500000000000000" pitchFamily="34" charset="-127"/>
               </a:rPr>
               <a:t>키워드로 확장</a:t>
             </a:r>
             <a:r>
-              <a:rPr lang="en-US" altLang="ko-KR" b="0">
+              <a:rPr lang="en-US" altLang="ko-KR" b="0" dirty="0">
                 <a:latin typeface="Noto Sans CJK KR Regular" panose="020B0500000000000000" pitchFamily="34" charset="-127"/>
                 <a:ea typeface="Noto Sans CJK KR Regular" panose="020B0500000000000000" pitchFamily="34" charset="-127"/>
               </a:rPr>
               <a:t>, </a:t>
             </a:r>
             <a:r>
-              <a:rPr lang="ko-KR" altLang="en-US">
+              <a:rPr lang="ko-KR" altLang="en-US" dirty="0">
                 <a:latin typeface="Noto Sans CJK KR Regular" panose="020B0500000000000000" pitchFamily="34" charset="-127"/>
                 <a:ea typeface="Noto Sans CJK KR Regular" panose="020B0500000000000000" pitchFamily="34" charset="-127"/>
               </a:rPr>
               <a:t>선언 병합</a:t>
             </a:r>
-            <a:endParaRPr lang="en-US" altLang="ko-KR">
+            <a:endParaRPr lang="en-US" altLang="ko-KR" dirty="0">
               <a:latin typeface="Noto Sans CJK KR Regular" panose="020B0500000000000000" pitchFamily="34" charset="-127"/>
               <a:ea typeface="Noto Sans CJK KR Regular" panose="020B0500000000000000" pitchFamily="34" charset="-127"/>
             </a:endParaRPr>
@@ -20658,7 +20772,7 @@
               <a:buChar char="•"/>
               <a:defRPr/>
             </a:pPr>
-            <a:endParaRPr lang="en-US" altLang="ko-KR" b="0">
+            <a:endParaRPr lang="en-US" altLang="ko-KR" b="0" dirty="0">
               <a:latin typeface="Noto Sans CJK KR Regular" panose="020B0500000000000000" pitchFamily="34" charset="-127"/>
               <a:ea typeface="Noto Sans CJK KR Regular" panose="020B0500000000000000" pitchFamily="34" charset="-127"/>
             </a:endParaRPr>
@@ -20670,7 +20784,7 @@
               <a:defRPr/>
             </a:pPr>
             <a:r>
-              <a:rPr lang="ko-KR" altLang="en-US" sz="2000">
+              <a:rPr lang="ko-KR" altLang="en-US" sz="2000" dirty="0">
                 <a:latin typeface="Noto Sans CJK KR Regular" panose="020B0500000000000000" pitchFamily="34" charset="-127"/>
                 <a:ea typeface="Noto Sans CJK KR Regular" panose="020B0500000000000000" pitchFamily="34" charset="-127"/>
               </a:rPr>
@@ -20684,14 +20798,14 @@
               <a:defRPr/>
             </a:pPr>
             <a:r>
-              <a:rPr lang="ko-KR" altLang="en-US" b="0">
+              <a:rPr lang="ko-KR" altLang="en-US" b="0" dirty="0">
                 <a:latin typeface="Noto Sans CJK KR Regular" panose="020B0500000000000000" pitchFamily="34" charset="-127"/>
                 <a:ea typeface="Noto Sans CJK KR Regular" panose="020B0500000000000000" pitchFamily="34" charset="-127"/>
               </a:rPr>
               <a:t> </a:t>
             </a:r>
             <a:r>
-              <a:rPr lang="ko-KR" altLang="en-US" b="0">
+              <a:rPr lang="ko-KR" altLang="en-US" b="0" dirty="0">
                 <a:solidFill>
                   <a:srgbClr val="FF9E1B"/>
                 </a:solidFill>
@@ -20701,14 +20815,14 @@
               <a:t>객체의 타입</a:t>
             </a:r>
             <a:r>
-              <a:rPr lang="ko-KR" altLang="en-US" b="0">
+              <a:rPr lang="ko-KR" altLang="en-US" b="0" dirty="0">
                 <a:latin typeface="Noto Sans CJK KR Regular" panose="020B0500000000000000" pitchFamily="34" charset="-127"/>
                 <a:ea typeface="Noto Sans CJK KR Regular" panose="020B0500000000000000" pitchFamily="34" charset="-127"/>
               </a:rPr>
               <a:t>을 지정하는 경우 확장이 용이한 </a:t>
             </a:r>
             <a:r>
-              <a:rPr lang="ko-KR" altLang="en-US" b="0">
+              <a:rPr lang="ko-KR" altLang="en-US" b="0" dirty="0">
                 <a:solidFill>
                   <a:srgbClr val="FF9E1B"/>
                 </a:solidFill>
@@ -20718,13 +20832,13 @@
               <a:t>인터페이스 사용</a:t>
             </a:r>
             <a:r>
-              <a:rPr lang="ko-KR" altLang="en-US" b="0">
+              <a:rPr lang="ko-KR" altLang="en-US" b="0" dirty="0">
                 <a:latin typeface="Noto Sans CJK KR Regular" panose="020B0500000000000000" pitchFamily="34" charset="-127"/>
                 <a:ea typeface="Noto Sans CJK KR Regular" panose="020B0500000000000000" pitchFamily="34" charset="-127"/>
               </a:rPr>
               <a:t>을 권장</a:t>
             </a:r>
-            <a:endParaRPr lang="en-US" altLang="ko-KR" b="0">
+            <a:endParaRPr lang="en-US" altLang="ko-KR" b="0" dirty="0">
               <a:latin typeface="Noto Sans CJK KR Regular" panose="020B0500000000000000" pitchFamily="34" charset="-127"/>
               <a:ea typeface="Noto Sans CJK KR Regular" panose="020B0500000000000000" pitchFamily="34" charset="-127"/>
             </a:endParaRPr>
@@ -20736,14 +20850,14 @@
               <a:defRPr/>
             </a:pPr>
             <a:r>
-              <a:rPr lang="en-US" altLang="ko-KR">
+              <a:rPr lang="en-US" altLang="ko-KR" dirty="0">
                 <a:latin typeface="Noto Sans CJK KR Regular" panose="020B0500000000000000" pitchFamily="34" charset="-127"/>
                 <a:ea typeface="Noto Sans CJK KR Regular" panose="020B0500000000000000" pitchFamily="34" charset="-127"/>
               </a:rPr>
               <a:t> </a:t>
             </a:r>
             <a:r>
-              <a:rPr lang="ko-KR" altLang="en-US">
+              <a:rPr lang="ko-KR" altLang="en-US" dirty="0">
                 <a:solidFill>
                   <a:srgbClr val="FF9E1B"/>
                 </a:solidFill>
@@ -20753,14 +20867,14 @@
               <a:t>객체가 아닌</a:t>
             </a:r>
             <a:r>
-              <a:rPr lang="ko-KR" altLang="en-US">
+              <a:rPr lang="ko-KR" altLang="en-US" dirty="0">
                 <a:latin typeface="Noto Sans CJK KR Regular" panose="020B0500000000000000" pitchFamily="34" charset="-127"/>
                 <a:ea typeface="Noto Sans CJK KR Regular" panose="020B0500000000000000" pitchFamily="34" charset="-127"/>
               </a:rPr>
               <a:t> 타입 별칭으로만 정의할 수 있는 경우에만 </a:t>
             </a:r>
             <a:r>
-              <a:rPr lang="ko-KR" altLang="en-US" b="0">
+              <a:rPr lang="ko-KR" altLang="en-US" b="0" dirty="0">
                 <a:solidFill>
                   <a:srgbClr val="FF9E1B"/>
                 </a:solidFill>
@@ -20770,7 +20884,7 @@
               <a:t>타입 별칭 사용</a:t>
             </a:r>
             <a:r>
-              <a:rPr lang="ko-KR" altLang="en-US" b="0">
+              <a:rPr lang="ko-KR" altLang="en-US" b="0" dirty="0">
                 <a:latin typeface="Noto Sans CJK KR Regular" panose="020B0500000000000000" pitchFamily="34" charset="-127"/>
                 <a:ea typeface="Noto Sans CJK KR Regular" panose="020B0500000000000000" pitchFamily="34" charset="-127"/>
               </a:rPr>
@@ -20990,30 +21104,26 @@
               <a:buChar char="▶"/>
             </a:pPr>
             <a:r>
-              <a:rPr lang="en-US" altLang="ko-KR" sz="2000">
+              <a:rPr lang="en-US" altLang="ko-KR" sz="2000" dirty="0">
                 <a:latin typeface="Noto Sans CJK KR Regular" panose="020B0500000000000000" pitchFamily="34" charset="-127"/>
                 <a:ea typeface="Noto Sans CJK KR Regular" panose="020B0500000000000000" pitchFamily="34" charset="-127"/>
               </a:rPr>
               <a:t> </a:t>
             </a:r>
             <a:r>
-              <a:rPr lang="ko-KR" altLang="en-US" sz="2000">
+              <a:rPr lang="ko-KR" altLang="en-US" sz="2000" dirty="0">
                 <a:latin typeface="Noto Sans CJK KR Regular" panose="020B0500000000000000" pitchFamily="34" charset="-127"/>
                 <a:ea typeface="Noto Sans CJK KR Regular" panose="020B0500000000000000" pitchFamily="34" charset="-127"/>
               </a:rPr>
               <a:t>제네릭이란</a:t>
             </a:r>
             <a:r>
-              <a:rPr lang="en-US" altLang="ko-KR" sz="2000">
+              <a:rPr lang="en-US" altLang="ko-KR" sz="2000" dirty="0">
                 <a:latin typeface="Noto Sans CJK KR Regular" panose="020B0500000000000000" pitchFamily="34" charset="-127"/>
                 <a:ea typeface="Noto Sans CJK KR Regular" panose="020B0500000000000000" pitchFamily="34" charset="-127"/>
               </a:rPr>
               <a:t>?</a:t>
             </a:r>
-            <a:endParaRPr lang="en-US" altLang="ko-KR" sz="2000" dirty="0">
-              <a:latin typeface="Noto Sans CJK KR Regular" panose="020B0500000000000000" pitchFamily="34" charset="-127"/>
-              <a:ea typeface="Noto Sans CJK KR Regular" panose="020B0500000000000000" pitchFamily="34" charset="-127"/>
-            </a:endParaRPr>
           </a:p>
           <a:p>
             <a:pPr lvl="1">
@@ -21021,28 +21131,28 @@
               <a:buChar char="•"/>
             </a:pPr>
             <a:r>
-              <a:rPr lang="ko-KR" altLang="en-US" b="0">
+              <a:rPr lang="ko-KR" altLang="en-US" b="0" dirty="0">
                 <a:latin typeface="Noto Sans CJK KR Regular" panose="020B0500000000000000" pitchFamily="34" charset="-127"/>
                 <a:ea typeface="Noto Sans CJK KR Regular" panose="020B0500000000000000" pitchFamily="34" charset="-127"/>
               </a:rPr>
               <a:t> 함수를 생성할 때 함수에서 사용할 매개 변수</a:t>
             </a:r>
             <a:r>
-              <a:rPr lang="en-US" altLang="ko-KR" b="0">
+              <a:rPr lang="en-US" altLang="ko-KR" b="0" dirty="0">
                 <a:latin typeface="Noto Sans CJK KR Regular" panose="020B0500000000000000" pitchFamily="34" charset="-127"/>
                 <a:ea typeface="Noto Sans CJK KR Regular" panose="020B0500000000000000" pitchFamily="34" charset="-127"/>
               </a:rPr>
               <a:t>, </a:t>
             </a:r>
             <a:r>
-              <a:rPr lang="ko-KR" altLang="en-US" b="0">
+              <a:rPr lang="ko-KR" altLang="en-US" b="0" dirty="0">
                 <a:latin typeface="Noto Sans CJK KR Regular" panose="020B0500000000000000" pitchFamily="34" charset="-127"/>
                 <a:ea typeface="Noto Sans CJK KR Regular" panose="020B0500000000000000" pitchFamily="34" charset="-127"/>
               </a:rPr>
               <a:t>리턴 타입을 정의하지 않고 </a:t>
             </a:r>
             <a:r>
-              <a:rPr lang="ko-KR" altLang="en-US" b="0">
+              <a:rPr lang="ko-KR" altLang="en-US" b="0" dirty="0">
                 <a:solidFill>
                   <a:srgbClr val="FF9E1B"/>
                 </a:solidFill>
@@ -21052,13 +21162,13 @@
               <a:t>호출하는 시점</a:t>
             </a:r>
             <a:r>
-              <a:rPr lang="ko-KR" altLang="en-US" b="0">
+              <a:rPr lang="ko-KR" altLang="en-US" b="0" dirty="0">
                 <a:latin typeface="Noto Sans CJK KR Regular" panose="020B0500000000000000" pitchFamily="34" charset="-127"/>
                 <a:ea typeface="Noto Sans CJK KR Regular" panose="020B0500000000000000" pitchFamily="34" charset="-127"/>
               </a:rPr>
               <a:t>에 원하는 타입을 지정해서 사용</a:t>
             </a:r>
-            <a:endParaRPr lang="en-US" altLang="ko-KR" b="0">
+            <a:endParaRPr lang="en-US" altLang="ko-KR" b="0" dirty="0">
               <a:latin typeface="Noto Sans CJK KR Regular" panose="020B0500000000000000" pitchFamily="34" charset="-127"/>
               <a:ea typeface="Noto Sans CJK KR Regular" panose="020B0500000000000000" pitchFamily="34" charset="-127"/>
             </a:endParaRPr>
@@ -21069,13 +21179,13 @@
               <a:buChar char="•"/>
             </a:pPr>
             <a:r>
-              <a:rPr lang="ko-KR" altLang="en-US">
+              <a:rPr lang="ko-KR" altLang="en-US" dirty="0">
                 <a:latin typeface="Noto Sans CJK KR Regular" panose="020B0500000000000000" pitchFamily="34" charset="-127"/>
                 <a:ea typeface="Noto Sans CJK KR Regular" panose="020B0500000000000000" pitchFamily="34" charset="-127"/>
               </a:rPr>
               <a:t> 함수 내부의 코드는 동일하고 매개 변수나 리턴 타입만 다를 경우 제네릭 문법을 이용하면 하나의 함수에서 구현 가능</a:t>
             </a:r>
-            <a:endParaRPr lang="en-US" altLang="ko-KR">
+            <a:endParaRPr lang="en-US" altLang="ko-KR" dirty="0">
               <a:latin typeface="Noto Sans CJK KR Regular" panose="020B0500000000000000" pitchFamily="34" charset="-127"/>
               <a:ea typeface="Noto Sans CJK KR Regular" panose="020B0500000000000000" pitchFamily="34" charset="-127"/>
             </a:endParaRPr>
@@ -21086,21 +21196,28 @@
               <a:buChar char="•"/>
             </a:pPr>
             <a:r>
-              <a:rPr lang="en-US" altLang="ko-KR">
+              <a:rPr lang="en-US" altLang="ko-KR" dirty="0">
                 <a:latin typeface="Noto Sans CJK KR Regular" panose="020B0500000000000000" pitchFamily="34" charset="-127"/>
                 <a:ea typeface="Noto Sans CJK KR Regular" panose="020B0500000000000000" pitchFamily="34" charset="-127"/>
               </a:rPr>
               <a:t> </a:t>
             </a:r>
             <a:r>
-              <a:rPr lang="ko-KR" altLang="en-US">
-                <a:latin typeface="Noto Sans CJK KR Regular" panose="020B0500000000000000" pitchFamily="34" charset="-127"/>
-                <a:ea typeface="Noto Sans CJK KR Regular" panose="020B0500000000000000" pitchFamily="34" charset="-127"/>
-              </a:rPr>
-              <a:t>제넥릭에 지정한 문자 </a:t>
-            </a:r>
-            <a:r>
-              <a:rPr lang="en-US" altLang="ko-KR" b="1">
+              <a:rPr lang="ko-KR" altLang="en-US" dirty="0" err="1">
+                <a:latin typeface="Noto Sans CJK KR Regular" panose="020B0500000000000000" pitchFamily="34" charset="-127"/>
+                <a:ea typeface="Noto Sans CJK KR Regular" panose="020B0500000000000000" pitchFamily="34" charset="-127"/>
+              </a:rPr>
+              <a:t>제넥릭에</a:t>
+            </a:r>
+            <a:r>
+              <a:rPr lang="ko-KR" altLang="en-US" dirty="0">
+                <a:latin typeface="Noto Sans CJK KR Regular" panose="020B0500000000000000" pitchFamily="34" charset="-127"/>
+                <a:ea typeface="Noto Sans CJK KR Regular" panose="020B0500000000000000" pitchFamily="34" charset="-127"/>
+              </a:rPr>
+              <a:t> 지정한 문자 </a:t>
+            </a:r>
+            <a:r>
+              <a:rPr lang="en-US" altLang="ko-KR" b="1" dirty="0">
                 <a:solidFill>
                   <a:srgbClr val="FF9E1B"/>
                 </a:solidFill>
@@ -21111,14 +21228,14 @@
               <a:t>T</a:t>
             </a:r>
             <a:r>
-              <a:rPr lang="ko-KR" altLang="en-US">
+              <a:rPr lang="ko-KR" altLang="en-US" dirty="0">
                 <a:latin typeface="Noto Sans CJK KR Regular" panose="020B0500000000000000" pitchFamily="34" charset="-127"/>
                 <a:ea typeface="Noto Sans CJK KR Regular" panose="020B0500000000000000" pitchFamily="34" charset="-127"/>
               </a:rPr>
               <a:t>는 </a:t>
             </a:r>
             <a:r>
-              <a:rPr lang="ko-KR" altLang="en-US">
+              <a:rPr lang="ko-KR" altLang="en-US" dirty="0">
                 <a:solidFill>
                   <a:srgbClr val="FF9E1B"/>
                 </a:solidFill>
@@ -21128,7 +21245,7 @@
               <a:t>아무 문</a:t>
             </a:r>
             <a:r>
-              <a:rPr lang="ko-KR" altLang="en-US" b="0">
+              <a:rPr lang="ko-KR" altLang="en-US" b="0" dirty="0">
                 <a:solidFill>
                   <a:srgbClr val="FF9E1B"/>
                 </a:solidFill>
@@ -21139,7 +21256,7 @@
               <a:t>자</a:t>
             </a:r>
             <a:r>
-              <a:rPr lang="ko-KR" altLang="en-US" b="0">
+              <a:rPr lang="ko-KR" altLang="en-US" b="0" dirty="0">
                 <a:effectLst/>
                 <a:latin typeface="Noto Sans CJK KR Regular" panose="020B0500000000000000" pitchFamily="34" charset="-127"/>
                 <a:ea typeface="Noto Sans CJK KR Regular" panose="020B0500000000000000" pitchFamily="34" charset="-127"/>
@@ -21147,7 +21264,7 @@
               <a:t>나 사용 가능하고 </a:t>
             </a:r>
             <a:r>
-              <a:rPr lang="ko-KR" altLang="en-US" b="0">
+              <a:rPr lang="ko-KR" altLang="en-US" b="0" dirty="0">
                 <a:solidFill>
                   <a:srgbClr val="FF9E1B"/>
                 </a:solidFill>
@@ -21158,14 +21275,14 @@
               <a:t>여러 글자</a:t>
             </a:r>
             <a:r>
-              <a:rPr lang="ko-KR" altLang="en-US" b="0">
+              <a:rPr lang="ko-KR" altLang="en-US" b="0" dirty="0">
                 <a:effectLst/>
                 <a:latin typeface="Noto Sans CJK KR Regular" panose="020B0500000000000000" pitchFamily="34" charset="-127"/>
                 <a:ea typeface="Noto Sans CJK KR Regular" panose="020B0500000000000000" pitchFamily="34" charset="-127"/>
               </a:rPr>
               <a:t>도 사용 가능</a:t>
             </a:r>
-            <a:endParaRPr lang="en-US" altLang="ko-KR" b="0">
+            <a:endParaRPr lang="en-US" altLang="ko-KR" b="0" dirty="0">
               <a:effectLst/>
               <a:latin typeface="Noto Sans CJK KR Regular" panose="020B0500000000000000" pitchFamily="34" charset="-127"/>
               <a:ea typeface="Noto Sans CJK KR Regular" panose="020B0500000000000000" pitchFamily="34" charset="-127"/>
@@ -21177,7 +21294,7 @@
               <a:buChar char="•"/>
             </a:pPr>
             <a:r>
-              <a:rPr lang="ko-KR" altLang="en-US" b="0">
+              <a:rPr lang="ko-KR" altLang="en-US" b="0" dirty="0">
                 <a:effectLst/>
                 <a:latin typeface="Noto Sans CJK KR Regular" panose="020B0500000000000000" pitchFamily="34" charset="-127"/>
                 <a:ea typeface="Noto Sans CJK KR Regular" panose="020B0500000000000000" pitchFamily="34" charset="-127"/>
@@ -21185,7 +21302,7 @@
               <a:t> </a:t>
             </a:r>
             <a:r>
-              <a:rPr lang="en-US" altLang="ko-KR" b="1">
+              <a:rPr lang="en-US" altLang="ko-KR" b="1" dirty="0">
                 <a:solidFill>
                   <a:srgbClr val="FF9E1B"/>
                 </a:solidFill>
@@ -21196,7 +21313,7 @@
               <a:t>T</a:t>
             </a:r>
             <a:r>
-              <a:rPr lang="en-US" altLang="ko-KR" b="0">
+              <a:rPr lang="en-US" altLang="ko-KR" b="0" dirty="0">
                 <a:effectLst/>
                 <a:latin typeface="Noto Sans CJK KR Regular" panose="020B0500000000000000" pitchFamily="34" charset="-127"/>
                 <a:ea typeface="Noto Sans CJK KR Regular" panose="020B0500000000000000" pitchFamily="34" charset="-127"/>
@@ -21204,15 +21321,31 @@
               <a:t>ype</a:t>
             </a:r>
             <a:r>
-              <a:rPr lang="ko-KR" altLang="en-US" b="0">
-                <a:effectLst/>
-                <a:latin typeface="Noto Sans CJK KR Regular" panose="020B0500000000000000" pitchFamily="34" charset="-127"/>
-                <a:ea typeface="Noto Sans CJK KR Regular" panose="020B0500000000000000" pitchFamily="34" charset="-127"/>
-              </a:rPr>
-              <a:t>의 앞글자인 </a:t>
-            </a:r>
-            <a:r>
-              <a:rPr lang="en-US" altLang="ko-KR" b="1">
+              <a:rPr lang="ko-KR" altLang="en-US" b="0" dirty="0">
+                <a:effectLst/>
+                <a:latin typeface="Noto Sans CJK KR Regular" panose="020B0500000000000000" pitchFamily="34" charset="-127"/>
+                <a:ea typeface="Noto Sans CJK KR Regular" panose="020B0500000000000000" pitchFamily="34" charset="-127"/>
+              </a:rPr>
+              <a:t>의 </a:t>
+            </a:r>
+            <a:r>
+              <a:rPr lang="ko-KR" altLang="en-US" b="0" dirty="0" err="1">
+                <a:effectLst/>
+                <a:latin typeface="Noto Sans CJK KR Regular" panose="020B0500000000000000" pitchFamily="34" charset="-127"/>
+                <a:ea typeface="Noto Sans CJK KR Regular" panose="020B0500000000000000" pitchFamily="34" charset="-127"/>
+              </a:rPr>
+              <a:t>앞글자인</a:t>
+            </a:r>
+            <a:r>
+              <a:rPr lang="ko-KR" altLang="en-US" b="0" dirty="0">
+                <a:effectLst/>
+                <a:latin typeface="Noto Sans CJK KR Regular" panose="020B0500000000000000" pitchFamily="34" charset="-127"/>
+                <a:ea typeface="Noto Sans CJK KR Regular" panose="020B0500000000000000" pitchFamily="34" charset="-127"/>
+              </a:rPr>
+              <a:t> </a:t>
+            </a:r>
+            <a:r>
+              <a:rPr lang="en-US" altLang="ko-KR" b="1" dirty="0">
                 <a:solidFill>
                   <a:srgbClr val="FF9E1B"/>
                 </a:solidFill>
@@ -21223,7 +21356,7 @@
               <a:t>T</a:t>
             </a:r>
             <a:r>
-              <a:rPr lang="en-US" altLang="ko-KR" b="0">
+              <a:rPr lang="en-US" altLang="ko-KR" b="0" dirty="0">
                 <a:effectLst/>
                 <a:latin typeface="Noto Sans CJK KR Regular" panose="020B0500000000000000" pitchFamily="34" charset="-127"/>
                 <a:ea typeface="Noto Sans CJK KR Regular" panose="020B0500000000000000" pitchFamily="34" charset="-127"/>
@@ -21231,21 +21364,21 @@
               <a:t> </a:t>
             </a:r>
             <a:r>
-              <a:rPr lang="ko-KR" altLang="en-US">
+              <a:rPr lang="ko-KR" altLang="en-US" dirty="0">
                 <a:latin typeface="Noto Sans CJK KR Regular" panose="020B0500000000000000" pitchFamily="34" charset="-127"/>
                 <a:ea typeface="Noto Sans CJK KR Regular" panose="020B0500000000000000" pitchFamily="34" charset="-127"/>
               </a:rPr>
               <a:t>를 주로 </a:t>
             </a:r>
             <a:r>
-              <a:rPr lang="ko-KR" altLang="en-US" b="0">
+              <a:rPr lang="ko-KR" altLang="en-US" b="0" dirty="0">
                 <a:effectLst/>
                 <a:latin typeface="Noto Sans CJK KR Regular" panose="020B0500000000000000" pitchFamily="34" charset="-127"/>
                 <a:ea typeface="Noto Sans CJK KR Regular" panose="020B0500000000000000" pitchFamily="34" charset="-127"/>
               </a:rPr>
               <a:t>사용</a:t>
             </a:r>
-            <a:endParaRPr lang="en-US" altLang="ko-KR">
+            <a:endParaRPr lang="en-US" altLang="ko-KR" dirty="0">
               <a:latin typeface="Noto Sans CJK KR Regular" panose="020B0500000000000000" pitchFamily="34" charset="-127"/>
               <a:ea typeface="Noto Sans CJK KR Regular" panose="020B0500000000000000" pitchFamily="34" charset="-127"/>
             </a:endParaRPr>
@@ -21295,7 +21428,7 @@
         </p:nvSpPr>
         <p:spPr>
           <a:xfrm>
-            <a:off x="563667" y="2467653"/>
+            <a:off x="563667" y="2940030"/>
             <a:ext cx="5986131" cy="3416320"/>
           </a:xfrm>
           <a:prstGeom prst="rect">
@@ -21315,7 +21448,7 @@
           <a:lstStyle/>
           <a:p>
             <a:r>
-              <a:rPr lang="en-US" altLang="ko-KR" b="0">
+              <a:rPr lang="en-US" altLang="ko-KR" b="0" dirty="0">
                 <a:solidFill>
                   <a:srgbClr val="0000FF"/>
                 </a:solidFill>
@@ -21325,19 +21458,39 @@
               <a:t>function</a:t>
             </a:r>
             <a:r>
-              <a:rPr lang="en-US" altLang="ko-KR" b="0">
-                <a:solidFill>
-                  <a:srgbClr val="000000"/>
-                </a:solidFill>
-                <a:effectLst/>
-                <a:latin typeface="Consolas" panose="020B0609020204030204" pitchFamily="49" charset="0"/>
-              </a:rPr>
-              <a:t> echoString(msg: string): string{</a:t>
-            </a:r>
-          </a:p>
-          <a:p>
-            <a:r>
-              <a:rPr lang="en-US" altLang="ko-KR" b="0">
+              <a:rPr lang="en-US" altLang="ko-KR" b="0" dirty="0">
+                <a:solidFill>
+                  <a:srgbClr val="000000"/>
+                </a:solidFill>
+                <a:effectLst/>
+                <a:latin typeface="Consolas" panose="020B0609020204030204" pitchFamily="49" charset="0"/>
+              </a:rPr>
+              <a:t> </a:t>
+            </a:r>
+            <a:r>
+              <a:rPr lang="en-US" altLang="ko-KR" b="0" dirty="0" err="1">
+                <a:solidFill>
+                  <a:srgbClr val="000000"/>
+                </a:solidFill>
+                <a:effectLst/>
+                <a:latin typeface="Consolas" panose="020B0609020204030204" pitchFamily="49" charset="0"/>
+              </a:rPr>
+              <a:t>echoString</a:t>
+            </a:r>
+            <a:r>
+              <a:rPr lang="en-US" altLang="ko-KR" b="0" dirty="0">
+                <a:solidFill>
+                  <a:srgbClr val="000000"/>
+                </a:solidFill>
+                <a:effectLst/>
+                <a:latin typeface="Consolas" panose="020B0609020204030204" pitchFamily="49" charset="0"/>
+              </a:rPr>
+              <a:t>(msg: string): string{</a:t>
+            </a:r>
+          </a:p>
+          <a:p>
+            <a:r>
+              <a:rPr lang="en-US" altLang="ko-KR" b="0" dirty="0">
                 <a:solidFill>
                   <a:srgbClr val="000000"/>
                 </a:solidFill>
@@ -21347,7 +21500,7 @@
               <a:t>  </a:t>
             </a:r>
             <a:r>
-              <a:rPr lang="en-US" altLang="ko-KR" b="0">
+              <a:rPr lang="en-US" altLang="ko-KR" b="0" dirty="0">
                 <a:solidFill>
                   <a:srgbClr val="0000FF"/>
                 </a:solidFill>
@@ -21357,7 +21510,7 @@
               <a:t>return</a:t>
             </a:r>
             <a:r>
-              <a:rPr lang="en-US" altLang="ko-KR" b="0">
+              <a:rPr lang="en-US" altLang="ko-KR" b="0" dirty="0">
                 <a:solidFill>
                   <a:srgbClr val="000000"/>
                 </a:solidFill>
@@ -21369,7 +21522,7 @@
           </a:p>
           <a:p>
             <a:r>
-              <a:rPr lang="en-US" altLang="ko-KR" b="0">
+              <a:rPr lang="en-US" altLang="ko-KR" b="0" dirty="0">
                 <a:solidFill>
                   <a:srgbClr val="000000"/>
                 </a:solidFill>
@@ -21381,7 +21534,7 @@
           </a:p>
           <a:p>
             <a:r>
-              <a:rPr lang="en-US" altLang="ko-KR" b="0">
+              <a:rPr lang="en-US" altLang="ko-KR" b="0" dirty="0">
                 <a:solidFill>
                   <a:srgbClr val="0000FF"/>
                 </a:solidFill>
@@ -21391,19 +21544,39 @@
               <a:t>function</a:t>
             </a:r>
             <a:r>
-              <a:rPr lang="en-US" altLang="ko-KR" b="0">
-                <a:solidFill>
-                  <a:srgbClr val="000000"/>
-                </a:solidFill>
-                <a:effectLst/>
-                <a:latin typeface="Consolas" panose="020B0609020204030204" pitchFamily="49" charset="0"/>
-              </a:rPr>
-              <a:t> echoNumber(msg: number): number{</a:t>
-            </a:r>
-          </a:p>
-          <a:p>
-            <a:r>
-              <a:rPr lang="en-US" altLang="ko-KR" b="0">
+              <a:rPr lang="en-US" altLang="ko-KR" b="0" dirty="0">
+                <a:solidFill>
+                  <a:srgbClr val="000000"/>
+                </a:solidFill>
+                <a:effectLst/>
+                <a:latin typeface="Consolas" panose="020B0609020204030204" pitchFamily="49" charset="0"/>
+              </a:rPr>
+              <a:t> </a:t>
+            </a:r>
+            <a:r>
+              <a:rPr lang="en-US" altLang="ko-KR" b="0" dirty="0" err="1">
+                <a:solidFill>
+                  <a:srgbClr val="000000"/>
+                </a:solidFill>
+                <a:effectLst/>
+                <a:latin typeface="Consolas" panose="020B0609020204030204" pitchFamily="49" charset="0"/>
+              </a:rPr>
+              <a:t>echoNumber</a:t>
+            </a:r>
+            <a:r>
+              <a:rPr lang="en-US" altLang="ko-KR" b="0" dirty="0">
+                <a:solidFill>
+                  <a:srgbClr val="000000"/>
+                </a:solidFill>
+                <a:effectLst/>
+                <a:latin typeface="Consolas" panose="020B0609020204030204" pitchFamily="49" charset="0"/>
+              </a:rPr>
+              <a:t>(msg: number): number{</a:t>
+            </a:r>
+          </a:p>
+          <a:p>
+            <a:r>
+              <a:rPr lang="en-US" altLang="ko-KR" b="0" dirty="0">
                 <a:solidFill>
                   <a:srgbClr val="000000"/>
                 </a:solidFill>
@@ -21413,7 +21586,7 @@
               <a:t>  </a:t>
             </a:r>
             <a:r>
-              <a:rPr lang="en-US" altLang="ko-KR" b="0">
+              <a:rPr lang="en-US" altLang="ko-KR" b="0" dirty="0">
                 <a:solidFill>
                   <a:srgbClr val="0000FF"/>
                 </a:solidFill>
@@ -21423,7 +21596,7 @@
               <a:t>return</a:t>
             </a:r>
             <a:r>
-              <a:rPr lang="en-US" altLang="ko-KR" b="0">
+              <a:rPr lang="en-US" altLang="ko-KR" b="0" dirty="0">
                 <a:solidFill>
                   <a:srgbClr val="000000"/>
                 </a:solidFill>
@@ -21435,7 +21608,7 @@
           </a:p>
           <a:p>
             <a:r>
-              <a:rPr lang="en-US" altLang="ko-KR" b="0">
+              <a:rPr lang="en-US" altLang="ko-KR" b="0" dirty="0">
                 <a:solidFill>
                   <a:srgbClr val="000000"/>
                 </a:solidFill>
@@ -21447,7 +21620,7 @@
           </a:p>
           <a:p>
             <a:r>
-              <a:rPr lang="en-US" altLang="ko-KR" b="0">
+              <a:rPr lang="en-US" altLang="ko-KR" b="0" dirty="0">
                 <a:solidFill>
                   <a:srgbClr val="0000FF"/>
                 </a:solidFill>
@@ -21457,19 +21630,79 @@
               <a:t>function</a:t>
             </a:r>
             <a:r>
-              <a:rPr lang="en-US" altLang="ko-KR" b="0">
-                <a:solidFill>
-                  <a:srgbClr val="000000"/>
-                </a:solidFill>
-                <a:effectLst/>
-                <a:latin typeface="Consolas" panose="020B0609020204030204" pitchFamily="49" charset="0"/>
-              </a:rPr>
-              <a:t> echoBoolean(msg: boolean): boolean{</a:t>
-            </a:r>
-          </a:p>
-          <a:p>
-            <a:r>
-              <a:rPr lang="en-US" altLang="ko-KR" b="0">
+              <a:rPr lang="en-US" altLang="ko-KR" b="0" dirty="0">
+                <a:solidFill>
+                  <a:srgbClr val="000000"/>
+                </a:solidFill>
+                <a:effectLst/>
+                <a:latin typeface="Consolas" panose="020B0609020204030204" pitchFamily="49" charset="0"/>
+              </a:rPr>
+              <a:t> </a:t>
+            </a:r>
+            <a:r>
+              <a:rPr lang="en-US" altLang="ko-KR" b="0" dirty="0" err="1">
+                <a:solidFill>
+                  <a:srgbClr val="000000"/>
+                </a:solidFill>
+                <a:effectLst/>
+                <a:latin typeface="Consolas" panose="020B0609020204030204" pitchFamily="49" charset="0"/>
+              </a:rPr>
+              <a:t>echoBoolean</a:t>
+            </a:r>
+            <a:r>
+              <a:rPr lang="en-US" altLang="ko-KR" b="0" dirty="0">
+                <a:solidFill>
+                  <a:srgbClr val="000000"/>
+                </a:solidFill>
+                <a:effectLst/>
+                <a:latin typeface="Consolas" panose="020B0609020204030204" pitchFamily="49" charset="0"/>
+              </a:rPr>
+              <a:t>(msg: </a:t>
+            </a:r>
+            <a:r>
+              <a:rPr lang="en-US" altLang="ko-KR" b="0" dirty="0" err="1">
+                <a:solidFill>
+                  <a:srgbClr val="000000"/>
+                </a:solidFill>
+                <a:effectLst/>
+                <a:latin typeface="Consolas" panose="020B0609020204030204" pitchFamily="49" charset="0"/>
+              </a:rPr>
+              <a:t>boolean</a:t>
+            </a:r>
+            <a:r>
+              <a:rPr lang="en-US" altLang="ko-KR" b="0" dirty="0">
+                <a:solidFill>
+                  <a:srgbClr val="000000"/>
+                </a:solidFill>
+                <a:effectLst/>
+                <a:latin typeface="Consolas" panose="020B0609020204030204" pitchFamily="49" charset="0"/>
+              </a:rPr>
+              <a:t>): </a:t>
+            </a:r>
+            <a:r>
+              <a:rPr lang="en-US" altLang="ko-KR" b="0" dirty="0" err="1">
+                <a:solidFill>
+                  <a:srgbClr val="000000"/>
+                </a:solidFill>
+                <a:effectLst/>
+                <a:latin typeface="Consolas" panose="020B0609020204030204" pitchFamily="49" charset="0"/>
+              </a:rPr>
+              <a:t>boolean</a:t>
+            </a:r>
+            <a:r>
+              <a:rPr lang="en-US" altLang="ko-KR" b="0" dirty="0">
+                <a:solidFill>
+                  <a:srgbClr val="000000"/>
+                </a:solidFill>
+                <a:effectLst/>
+                <a:latin typeface="Consolas" panose="020B0609020204030204" pitchFamily="49" charset="0"/>
+              </a:rPr>
+              <a:t>{</a:t>
+            </a:r>
+          </a:p>
+          <a:p>
+            <a:r>
+              <a:rPr lang="en-US" altLang="ko-KR" b="0" dirty="0">
                 <a:solidFill>
                   <a:srgbClr val="000000"/>
                 </a:solidFill>
@@ -21479,7 +21712,7 @@
               <a:t>  </a:t>
             </a:r>
             <a:r>
-              <a:rPr lang="en-US" altLang="ko-KR" b="0">
+              <a:rPr lang="en-US" altLang="ko-KR" b="0" dirty="0">
                 <a:solidFill>
                   <a:srgbClr val="0000FF"/>
                 </a:solidFill>
@@ -21489,7 +21722,7 @@
               <a:t>return</a:t>
             </a:r>
             <a:r>
-              <a:rPr lang="en-US" altLang="ko-KR" b="0">
+              <a:rPr lang="en-US" altLang="ko-KR" b="0" dirty="0">
                 <a:solidFill>
                   <a:srgbClr val="000000"/>
                 </a:solidFill>
@@ -21501,7 +21734,7 @@
           </a:p>
           <a:p>
             <a:r>
-              <a:rPr lang="en-US" altLang="ko-KR" b="0">
+              <a:rPr lang="en-US" altLang="ko-KR" b="0" dirty="0">
                 <a:solidFill>
                   <a:srgbClr val="000000"/>
                 </a:solidFill>
@@ -21511,7 +21744,7 @@
               <a:t>}</a:t>
             </a:r>
             <a:br>
-              <a:rPr lang="en-US" altLang="ko-KR" b="0">
+              <a:rPr lang="en-US" altLang="ko-KR" b="0" dirty="0">
                 <a:solidFill>
                   <a:srgbClr val="000000"/>
                 </a:solidFill>
@@ -21520,17 +21753,37 @@
               </a:rPr>
             </a:br>
             <a:r>
-              <a:rPr lang="en-US" altLang="ko-KR" b="0">
-                <a:solidFill>
-                  <a:srgbClr val="000000"/>
-                </a:solidFill>
-                <a:effectLst/>
-                <a:latin typeface="Consolas" panose="020B0609020204030204" pitchFamily="49" charset="0"/>
-              </a:rPr>
-              <a:t>console.log(echoString(</a:t>
-            </a:r>
-            <a:r>
-              <a:rPr lang="en-US" altLang="ko-KR" b="0">
+              <a:rPr lang="en-US" altLang="ko-KR" b="0" dirty="0">
+                <a:solidFill>
+                  <a:srgbClr val="000000"/>
+                </a:solidFill>
+                <a:effectLst/>
+                <a:latin typeface="Consolas" panose="020B0609020204030204" pitchFamily="49" charset="0"/>
+              </a:rPr>
+              <a:t>console.log(</a:t>
+            </a:r>
+            <a:r>
+              <a:rPr lang="en-US" altLang="ko-KR" b="0" dirty="0" err="1">
+                <a:solidFill>
+                  <a:srgbClr val="000000"/>
+                </a:solidFill>
+                <a:effectLst/>
+                <a:latin typeface="Consolas" panose="020B0609020204030204" pitchFamily="49" charset="0"/>
+              </a:rPr>
+              <a:t>echoString</a:t>
+            </a:r>
+            <a:r>
+              <a:rPr lang="en-US" altLang="ko-KR" b="0" dirty="0">
+                <a:solidFill>
+                  <a:srgbClr val="000000"/>
+                </a:solidFill>
+                <a:effectLst/>
+                <a:latin typeface="Consolas" panose="020B0609020204030204" pitchFamily="49" charset="0"/>
+              </a:rPr>
+              <a:t>(</a:t>
+            </a:r>
+            <a:r>
+              <a:rPr lang="en-US" altLang="ko-KR" b="0" dirty="0">
                 <a:solidFill>
                   <a:srgbClr val="A31515"/>
                 </a:solidFill>
@@ -21540,7 +21793,7 @@
               <a:t>'hello'</a:t>
             </a:r>
             <a:r>
-              <a:rPr lang="en-US" altLang="ko-KR" b="0">
+              <a:rPr lang="en-US" altLang="ko-KR" b="0" dirty="0">
                 <a:solidFill>
                   <a:srgbClr val="000000"/>
                 </a:solidFill>
@@ -21552,17 +21805,37 @@
           </a:p>
           <a:p>
             <a:r>
-              <a:rPr lang="en-US" altLang="ko-KR" b="0">
-                <a:solidFill>
-                  <a:srgbClr val="000000"/>
-                </a:solidFill>
-                <a:effectLst/>
-                <a:latin typeface="Consolas" panose="020B0609020204030204" pitchFamily="49" charset="0"/>
-              </a:rPr>
-              <a:t>console.log(echoNumber(</a:t>
-            </a:r>
-            <a:r>
-              <a:rPr lang="en-US" altLang="ko-KR" b="0">
+              <a:rPr lang="en-US" altLang="ko-KR" b="0" dirty="0">
+                <a:solidFill>
+                  <a:srgbClr val="000000"/>
+                </a:solidFill>
+                <a:effectLst/>
+                <a:latin typeface="Consolas" panose="020B0609020204030204" pitchFamily="49" charset="0"/>
+              </a:rPr>
+              <a:t>console.log(</a:t>
+            </a:r>
+            <a:r>
+              <a:rPr lang="en-US" altLang="ko-KR" b="0" dirty="0" err="1">
+                <a:solidFill>
+                  <a:srgbClr val="000000"/>
+                </a:solidFill>
+                <a:effectLst/>
+                <a:latin typeface="Consolas" panose="020B0609020204030204" pitchFamily="49" charset="0"/>
+              </a:rPr>
+              <a:t>echoNumber</a:t>
+            </a:r>
+            <a:r>
+              <a:rPr lang="en-US" altLang="ko-KR" b="0" dirty="0">
+                <a:solidFill>
+                  <a:srgbClr val="000000"/>
+                </a:solidFill>
+                <a:effectLst/>
+                <a:latin typeface="Consolas" panose="020B0609020204030204" pitchFamily="49" charset="0"/>
+              </a:rPr>
+              <a:t>(</a:t>
+            </a:r>
+            <a:r>
+              <a:rPr lang="en-US" altLang="ko-KR" b="0" dirty="0">
                 <a:solidFill>
                   <a:srgbClr val="098658"/>
                 </a:solidFill>
@@ -21572,7 +21845,7 @@
               <a:t>100</a:t>
             </a:r>
             <a:r>
-              <a:rPr lang="en-US" altLang="ko-KR" b="0">
+              <a:rPr lang="en-US" altLang="ko-KR" b="0" dirty="0">
                 <a:solidFill>
                   <a:srgbClr val="000000"/>
                 </a:solidFill>
@@ -21584,17 +21857,37 @@
           </a:p>
           <a:p>
             <a:r>
-              <a:rPr lang="en-US" altLang="ko-KR" b="0">
-                <a:solidFill>
-                  <a:srgbClr val="000000"/>
-                </a:solidFill>
-                <a:effectLst/>
-                <a:latin typeface="Consolas" panose="020B0609020204030204" pitchFamily="49" charset="0"/>
-              </a:rPr>
-              <a:t>console.log(echoBoolean(</a:t>
-            </a:r>
-            <a:r>
-              <a:rPr lang="en-US" altLang="ko-KR" b="0">
+              <a:rPr lang="en-US" altLang="ko-KR" b="0" dirty="0">
+                <a:solidFill>
+                  <a:srgbClr val="000000"/>
+                </a:solidFill>
+                <a:effectLst/>
+                <a:latin typeface="Consolas" panose="020B0609020204030204" pitchFamily="49" charset="0"/>
+              </a:rPr>
+              <a:t>console.log(</a:t>
+            </a:r>
+            <a:r>
+              <a:rPr lang="en-US" altLang="ko-KR" b="0" dirty="0" err="1">
+                <a:solidFill>
+                  <a:srgbClr val="000000"/>
+                </a:solidFill>
+                <a:effectLst/>
+                <a:latin typeface="Consolas" panose="020B0609020204030204" pitchFamily="49" charset="0"/>
+              </a:rPr>
+              <a:t>echoBoolean</a:t>
+            </a:r>
+            <a:r>
+              <a:rPr lang="en-US" altLang="ko-KR" b="0" dirty="0">
+                <a:solidFill>
+                  <a:srgbClr val="000000"/>
+                </a:solidFill>
+                <a:effectLst/>
+                <a:latin typeface="Consolas" panose="020B0609020204030204" pitchFamily="49" charset="0"/>
+              </a:rPr>
+              <a:t>(</a:t>
+            </a:r>
+            <a:r>
+              <a:rPr lang="en-US" altLang="ko-KR" b="0" dirty="0">
                 <a:solidFill>
                   <a:srgbClr val="0000FF"/>
                 </a:solidFill>
@@ -21604,7 +21897,7 @@
               <a:t>true</a:t>
             </a:r>
             <a:r>
-              <a:rPr lang="en-US" altLang="ko-KR" b="0">
+              <a:rPr lang="en-US" altLang="ko-KR" b="0" dirty="0">
                 <a:solidFill>
                   <a:srgbClr val="000000"/>
                 </a:solidFill>
@@ -21630,7 +21923,7 @@
         </p:nvSpPr>
         <p:spPr>
           <a:xfrm>
-            <a:off x="6750423" y="2488044"/>
+            <a:off x="6750423" y="2795217"/>
             <a:ext cx="5037324" cy="2308324"/>
           </a:xfrm>
           <a:prstGeom prst="rect">
@@ -21652,7 +21945,7 @@
           <a:lstStyle/>
           <a:p>
             <a:r>
-              <a:rPr lang="en-US" altLang="ko-KR" b="0">
+              <a:rPr lang="en-US" altLang="ko-KR" b="0" dirty="0">
                 <a:solidFill>
                   <a:srgbClr val="0000FF"/>
                 </a:solidFill>
@@ -21662,7 +21955,7 @@
               <a:t>function</a:t>
             </a:r>
             <a:r>
-              <a:rPr lang="en-US" altLang="ko-KR" b="0">
+              <a:rPr lang="en-US" altLang="ko-KR" b="0" dirty="0">
                 <a:solidFill>
                   <a:srgbClr val="000000"/>
                 </a:solidFill>
@@ -21672,7 +21965,7 @@
               <a:t> echo</a:t>
             </a:r>
             <a:r>
-              <a:rPr lang="en-US" altLang="ko-KR" b="1">
+              <a:rPr lang="en-US" altLang="ko-KR" b="1" dirty="0">
                 <a:solidFill>
                   <a:srgbClr val="FF9E1B"/>
                 </a:solidFill>
@@ -21682,7 +21975,7 @@
               <a:t>&lt;T&gt;</a:t>
             </a:r>
             <a:r>
-              <a:rPr lang="en-US" altLang="ko-KR" b="0">
+              <a:rPr lang="en-US" altLang="ko-KR" b="0" dirty="0">
                 <a:solidFill>
                   <a:srgbClr val="000000"/>
                 </a:solidFill>
@@ -21692,7 +21985,7 @@
               <a:t>(msg: </a:t>
             </a:r>
             <a:r>
-              <a:rPr lang="en-US" altLang="ko-KR" b="1">
+              <a:rPr lang="en-US" altLang="ko-KR" b="1" dirty="0">
                 <a:solidFill>
                   <a:srgbClr val="FF9E1B"/>
                 </a:solidFill>
@@ -21702,7 +21995,7 @@
               <a:t>T</a:t>
             </a:r>
             <a:r>
-              <a:rPr lang="en-US" altLang="ko-KR" b="0">
+              <a:rPr lang="en-US" altLang="ko-KR" b="0" dirty="0">
                 <a:solidFill>
                   <a:srgbClr val="000000"/>
                 </a:solidFill>
@@ -21712,7 +22005,7 @@
               <a:t>): </a:t>
             </a:r>
             <a:r>
-              <a:rPr lang="en-US" altLang="ko-KR" b="1">
+              <a:rPr lang="en-US" altLang="ko-KR" b="1" dirty="0">
                 <a:solidFill>
                   <a:srgbClr val="FF9E1B"/>
                 </a:solidFill>
@@ -21722,7 +22015,7 @@
               <a:t>T</a:t>
             </a:r>
             <a:r>
-              <a:rPr lang="en-US" altLang="ko-KR" b="0">
+              <a:rPr lang="en-US" altLang="ko-KR" b="0" dirty="0">
                 <a:solidFill>
                   <a:srgbClr val="FF9E1B"/>
                 </a:solidFill>
@@ -21732,7 +22025,7 @@
               <a:t> </a:t>
             </a:r>
             <a:r>
-              <a:rPr lang="en-US" altLang="ko-KR" b="0">
+              <a:rPr lang="en-US" altLang="ko-KR" b="0" dirty="0">
                 <a:solidFill>
                   <a:srgbClr val="000000"/>
                 </a:solidFill>
@@ -21744,7 +22037,7 @@
           </a:p>
           <a:p>
             <a:r>
-              <a:rPr lang="en-US" altLang="ko-KR" b="0">
+              <a:rPr lang="en-US" altLang="ko-KR" b="0" dirty="0">
                 <a:solidFill>
                   <a:srgbClr val="000000"/>
                 </a:solidFill>
@@ -21754,7 +22047,7 @@
               <a:t>  </a:t>
             </a:r>
             <a:r>
-              <a:rPr lang="en-US" altLang="ko-KR" b="0">
+              <a:rPr lang="en-US" altLang="ko-KR" b="0" dirty="0">
                 <a:solidFill>
                   <a:srgbClr val="0000FF"/>
                 </a:solidFill>
@@ -21764,7 +22057,7 @@
               <a:t>return</a:t>
             </a:r>
             <a:r>
-              <a:rPr lang="en-US" altLang="ko-KR" b="0">
+              <a:rPr lang="en-US" altLang="ko-KR" b="0" dirty="0">
                 <a:solidFill>
                   <a:srgbClr val="000000"/>
                 </a:solidFill>
@@ -21776,7 +22069,7 @@
           </a:p>
           <a:p>
             <a:r>
-              <a:rPr lang="en-US" altLang="ko-KR" b="0">
+              <a:rPr lang="en-US" altLang="ko-KR" b="0" dirty="0">
                 <a:solidFill>
                   <a:srgbClr val="000000"/>
                 </a:solidFill>
@@ -21788,7 +22081,7 @@
           </a:p>
           <a:p>
             <a:br>
-              <a:rPr lang="en-US" altLang="ko-KR" b="0">
+              <a:rPr lang="en-US" altLang="ko-KR" b="0" dirty="0">
                 <a:solidFill>
                   <a:srgbClr val="000000"/>
                 </a:solidFill>
@@ -21797,7 +22090,7 @@
               </a:rPr>
             </a:br>
             <a:r>
-              <a:rPr lang="en-US" altLang="ko-KR" b="0">
+              <a:rPr lang="en-US" altLang="ko-KR" b="0" dirty="0">
                 <a:solidFill>
                   <a:srgbClr val="000000"/>
                 </a:solidFill>
@@ -21807,7 +22100,7 @@
               <a:t>console.log(echo</a:t>
             </a:r>
             <a:r>
-              <a:rPr lang="en-US" altLang="ko-KR" b="1">
+              <a:rPr lang="en-US" altLang="ko-KR" b="1" dirty="0">
                 <a:solidFill>
                   <a:srgbClr val="FF9E1B"/>
                 </a:solidFill>
@@ -21817,7 +22110,7 @@
               <a:t>&lt;string&gt;</a:t>
             </a:r>
             <a:r>
-              <a:rPr lang="en-US" altLang="ko-KR" b="0">
+              <a:rPr lang="en-US" altLang="ko-KR" b="0" dirty="0">
                 <a:solidFill>
                   <a:srgbClr val="000000"/>
                 </a:solidFill>
@@ -21827,7 +22120,7 @@
               <a:t>(</a:t>
             </a:r>
             <a:r>
-              <a:rPr lang="en-US" altLang="ko-KR" b="0">
+              <a:rPr lang="en-US" altLang="ko-KR" b="0" dirty="0">
                 <a:solidFill>
                   <a:srgbClr val="A31515"/>
                 </a:solidFill>
@@ -21837,7 +22130,7 @@
               <a:t>'hello'</a:t>
             </a:r>
             <a:r>
-              <a:rPr lang="en-US" altLang="ko-KR" b="0">
+              <a:rPr lang="en-US" altLang="ko-KR" b="0" dirty="0">
                 <a:solidFill>
                   <a:srgbClr val="000000"/>
                 </a:solidFill>
@@ -21849,7 +22142,7 @@
           </a:p>
           <a:p>
             <a:r>
-              <a:rPr lang="en-US" altLang="ko-KR" b="0">
+              <a:rPr lang="en-US" altLang="ko-KR" b="0" dirty="0">
                 <a:solidFill>
                   <a:srgbClr val="000000"/>
                 </a:solidFill>
@@ -21859,7 +22152,7 @@
               <a:t>console.log(echo</a:t>
             </a:r>
             <a:r>
-              <a:rPr lang="en-US" altLang="ko-KR" b="1">
+              <a:rPr lang="en-US" altLang="ko-KR" b="1" dirty="0">
                 <a:solidFill>
                   <a:srgbClr val="FF9E1B"/>
                 </a:solidFill>
@@ -21869,7 +22162,7 @@
               <a:t>&lt;number&gt;</a:t>
             </a:r>
             <a:r>
-              <a:rPr lang="en-US" altLang="ko-KR" b="0">
+              <a:rPr lang="en-US" altLang="ko-KR" b="0" dirty="0">
                 <a:solidFill>
                   <a:srgbClr val="000000"/>
                 </a:solidFill>
@@ -21879,7 +22172,7 @@
               <a:t>(</a:t>
             </a:r>
             <a:r>
-              <a:rPr lang="en-US" altLang="ko-KR" b="0">
+              <a:rPr lang="en-US" altLang="ko-KR" b="0" dirty="0">
                 <a:solidFill>
                   <a:srgbClr val="098658"/>
                 </a:solidFill>
@@ -21889,7 +22182,7 @@
               <a:t>100</a:t>
             </a:r>
             <a:r>
-              <a:rPr lang="en-US" altLang="ko-KR" b="0">
+              <a:rPr lang="en-US" altLang="ko-KR" b="0" dirty="0">
                 <a:solidFill>
                   <a:srgbClr val="000000"/>
                 </a:solidFill>
@@ -21901,7 +22194,7 @@
           </a:p>
           <a:p>
             <a:r>
-              <a:rPr lang="en-US" altLang="ko-KR" b="0">
+              <a:rPr lang="en-US" altLang="ko-KR" b="0" dirty="0">
                 <a:solidFill>
                   <a:srgbClr val="000000"/>
                 </a:solidFill>
@@ -21911,7 +22204,7 @@
               <a:t>console.log(echo</a:t>
             </a:r>
             <a:r>
-              <a:rPr lang="en-US" altLang="ko-KR" b="1">
+              <a:rPr lang="en-US" altLang="ko-KR" b="1" dirty="0">
                 <a:solidFill>
                   <a:srgbClr val="FF9E1B"/>
                 </a:solidFill>
@@ -21921,7 +22214,7 @@
               <a:t>&lt;</a:t>
             </a:r>
             <a:r>
-              <a:rPr lang="en-US" altLang="ko-KR" b="1">
+              <a:rPr lang="en-US" altLang="ko-KR" b="1" dirty="0" err="1">
                 <a:solidFill>
                   <a:srgbClr val="FF9E1B"/>
                 </a:solidFill>
@@ -21930,7 +22223,7 @@
               <a:t>boolean</a:t>
             </a:r>
             <a:r>
-              <a:rPr lang="en-US" altLang="ko-KR" b="1">
+              <a:rPr lang="en-US" altLang="ko-KR" b="1" dirty="0">
                 <a:solidFill>
                   <a:srgbClr val="FF9E1B"/>
                 </a:solidFill>
@@ -21940,7 +22233,7 @@
               <a:t>&gt;</a:t>
             </a:r>
             <a:r>
-              <a:rPr lang="en-US" altLang="ko-KR" b="0">
+              <a:rPr lang="en-US" altLang="ko-KR" b="0" dirty="0">
                 <a:solidFill>
                   <a:srgbClr val="000000"/>
                 </a:solidFill>
@@ -21950,7 +22243,7 @@
               <a:t>(</a:t>
             </a:r>
             <a:r>
-              <a:rPr lang="en-US" altLang="ko-KR" b="0">
+              <a:rPr lang="en-US" altLang="ko-KR" b="0" dirty="0">
                 <a:solidFill>
                   <a:srgbClr val="0000FF"/>
                 </a:solidFill>
@@ -21960,7 +22253,7 @@
               <a:t>true</a:t>
             </a:r>
             <a:r>
-              <a:rPr lang="en-US" altLang="ko-KR" b="0">
+              <a:rPr lang="en-US" altLang="ko-KR" b="0" dirty="0">
                 <a:solidFill>
                   <a:srgbClr val="000000"/>
                 </a:solidFill>
@@ -21969,7 +22262,7 @@
               </a:rPr>
               <a:t>));</a:t>
             </a:r>
-            <a:endParaRPr lang="en-US" altLang="ko-KR" b="0">
+            <a:endParaRPr lang="en-US" altLang="ko-KR" b="0" dirty="0">
               <a:solidFill>
                 <a:srgbClr val="008000"/>
               </a:solidFill>
@@ -21979,7 +22272,7 @@
           </a:p>
           <a:p>
             <a:r>
-              <a:rPr lang="en-US" altLang="ko-KR" b="0">
+              <a:rPr lang="en-US" altLang="ko-KR" b="0" dirty="0">
                 <a:solidFill>
                   <a:srgbClr val="000000"/>
                 </a:solidFill>
@@ -21989,7 +22282,7 @@
               <a:t>console.log(</a:t>
             </a:r>
             <a:r>
-              <a:rPr lang="en-US" altLang="ko-KR" b="0" strike="sngStrike">
+              <a:rPr lang="en-US" altLang="ko-KR" b="0" strike="sngStrike" dirty="0">
                 <a:solidFill>
                   <a:srgbClr val="000000"/>
                 </a:solidFill>
@@ -21999,7 +22292,7 @@
               <a:t>echo</a:t>
             </a:r>
             <a:r>
-              <a:rPr lang="en-US" altLang="ko-KR" b="1" strike="sngStrike">
+              <a:rPr lang="en-US" altLang="ko-KR" b="1" strike="sngStrike" dirty="0">
                 <a:solidFill>
                   <a:srgbClr val="FF9E1B"/>
                 </a:solidFill>
@@ -22009,7 +22302,7 @@
               <a:t>&lt;string&gt;</a:t>
             </a:r>
             <a:r>
-              <a:rPr lang="en-US" altLang="ko-KR" b="0" strike="sngStrike">
+              <a:rPr lang="en-US" altLang="ko-KR" b="0" strike="sngStrike" dirty="0">
                 <a:solidFill>
                   <a:srgbClr val="000000"/>
                 </a:solidFill>
@@ -22019,7 +22312,7 @@
               <a:t>(</a:t>
             </a:r>
             <a:r>
-              <a:rPr lang="en-US" altLang="ko-KR" b="0" strike="sngStrike">
+              <a:rPr lang="en-US" altLang="ko-KR" b="0" strike="sngStrike" dirty="0">
                 <a:solidFill>
                   <a:srgbClr val="098658"/>
                 </a:solidFill>
@@ -22029,7 +22322,7 @@
               <a:t>300</a:t>
             </a:r>
             <a:r>
-              <a:rPr lang="en-US" altLang="ko-KR" b="0" strike="sngStrike">
+              <a:rPr lang="en-US" altLang="ko-KR" b="0" strike="sngStrike" dirty="0">
                 <a:solidFill>
                   <a:srgbClr val="000000"/>
                 </a:solidFill>
@@ -22039,7 +22332,7 @@
               <a:t>)</a:t>
             </a:r>
             <a:r>
-              <a:rPr lang="en-US" altLang="ko-KR" b="0">
+              <a:rPr lang="en-US" altLang="ko-KR" b="0" dirty="0">
                 <a:solidFill>
                   <a:srgbClr val="000000"/>
                 </a:solidFill>
@@ -22049,7 +22342,7 @@
               <a:t>); </a:t>
             </a:r>
             <a:r>
-              <a:rPr lang="en-US" altLang="ko-KR" b="0">
+              <a:rPr lang="en-US" altLang="ko-KR" b="0" dirty="0">
                 <a:solidFill>
                   <a:srgbClr val="008000"/>
                 </a:solidFill>
@@ -22059,7 +22352,7 @@
               <a:t>// </a:t>
             </a:r>
             <a:r>
-              <a:rPr lang="ko-KR" altLang="en-US" b="0">
+              <a:rPr lang="ko-KR" altLang="en-US" b="0" dirty="0">
                 <a:solidFill>
                   <a:srgbClr val="008000"/>
                 </a:solidFill>
@@ -22068,7 +22361,7 @@
               </a:rPr>
               <a:t>에러</a:t>
             </a:r>
-            <a:endParaRPr lang="ko-KR" altLang="en-US" b="0">
+            <a:endParaRPr lang="ko-KR" altLang="en-US" b="0" dirty="0">
               <a:solidFill>
                 <a:srgbClr val="000000"/>
               </a:solidFill>
@@ -22341,14 +22634,14 @@
               <a:buChar char="▶"/>
             </a:pPr>
             <a:r>
-              <a:rPr lang="en-US" altLang="ko-KR" sz="2000">
+              <a:rPr lang="en-US" altLang="ko-KR" sz="2000" dirty="0">
                 <a:latin typeface="Noto Sans CJK KR Regular" panose="020B0500000000000000" pitchFamily="34" charset="-127"/>
                 <a:ea typeface="Noto Sans CJK KR Regular" panose="020B0500000000000000" pitchFamily="34" charset="-127"/>
               </a:rPr>
               <a:t> </a:t>
             </a:r>
             <a:r>
-              <a:rPr lang="ko-KR" altLang="en-US" sz="2000">
+              <a:rPr lang="ko-KR" altLang="en-US" sz="2000" dirty="0">
                 <a:latin typeface="Noto Sans CJK KR Regular" panose="020B0500000000000000" pitchFamily="34" charset="-127"/>
                 <a:ea typeface="Noto Sans CJK KR Regular" panose="020B0500000000000000" pitchFamily="34" charset="-127"/>
               </a:rPr>
@@ -22365,13 +22658,13 @@
               <a:buChar char="•"/>
             </a:pPr>
             <a:r>
-              <a:rPr lang="ko-KR" altLang="en-US" b="0">
+              <a:rPr lang="ko-KR" altLang="en-US" b="0" dirty="0">
                 <a:latin typeface="Noto Sans CJK KR Regular" panose="020B0500000000000000" pitchFamily="34" charset="-127"/>
                 <a:ea typeface="Noto Sans CJK KR Regular" panose="020B0500000000000000" pitchFamily="34" charset="-127"/>
               </a:rPr>
               <a:t> 제네릭에 전달받을 타입을 지정한 타입만 가능하도록 제약</a:t>
             </a:r>
-            <a:endParaRPr lang="en-US" altLang="ko-KR" b="0">
+            <a:endParaRPr lang="en-US" altLang="ko-KR" b="0" dirty="0">
               <a:latin typeface="Noto Sans CJK KR Regular" panose="020B0500000000000000" pitchFamily="34" charset="-127"/>
               <a:ea typeface="Noto Sans CJK KR Regular" panose="020B0500000000000000" pitchFamily="34" charset="-127"/>
             </a:endParaRPr>
@@ -22381,7 +22674,7 @@
               <a:buFontTx/>
               <a:buChar char="•"/>
             </a:pPr>
-            <a:endParaRPr lang="en-US" altLang="ko-KR">
+            <a:endParaRPr lang="en-US" altLang="ko-KR" dirty="0">
               <a:latin typeface="Noto Sans CJK KR Regular" panose="020B0500000000000000" pitchFamily="34" charset="-127"/>
               <a:ea typeface="Noto Sans CJK KR Regular" panose="020B0500000000000000" pitchFamily="34" charset="-127"/>
             </a:endParaRPr>
@@ -22392,20 +22685,20 @@
               <a:buChar char="▶"/>
             </a:pPr>
             <a:r>
-              <a:rPr lang="en-US" altLang="ko-KR" sz="2000">
+              <a:rPr lang="en-US" altLang="ko-KR" sz="2000" dirty="0">
                 <a:latin typeface="Noto Sans CJK KR Regular" panose="020B0500000000000000" pitchFamily="34" charset="-127"/>
                 <a:ea typeface="Noto Sans CJK KR Regular" panose="020B0500000000000000" pitchFamily="34" charset="-127"/>
               </a:rPr>
               <a:t> extends </a:t>
             </a:r>
             <a:r>
-              <a:rPr lang="ko-KR" altLang="en-US" sz="2000">
+              <a:rPr lang="ko-KR" altLang="en-US" sz="2000" dirty="0">
                 <a:latin typeface="Noto Sans CJK KR Regular" panose="020B0500000000000000" pitchFamily="34" charset="-127"/>
                 <a:ea typeface="Noto Sans CJK KR Regular" panose="020B0500000000000000" pitchFamily="34" charset="-127"/>
               </a:rPr>
               <a:t>키워드 사용</a:t>
             </a:r>
-            <a:endParaRPr lang="en-US" altLang="ko-KR" sz="2000">
+            <a:endParaRPr lang="en-US" altLang="ko-KR" sz="2000" dirty="0">
               <a:latin typeface="Noto Sans CJK KR Regular" panose="020B0500000000000000" pitchFamily="34" charset="-127"/>
               <a:ea typeface="Noto Sans CJK KR Regular" panose="020B0500000000000000" pitchFamily="34" charset="-127"/>
             </a:endParaRPr>
@@ -22416,14 +22709,14 @@
               <a:buChar char="•"/>
             </a:pPr>
             <a:r>
-              <a:rPr lang="ko-KR" altLang="en-US" b="0">
+              <a:rPr lang="ko-KR" altLang="en-US" b="0" dirty="0">
                 <a:latin typeface="Noto Sans CJK KR Regular" panose="020B0500000000000000" pitchFamily="34" charset="-127"/>
                 <a:ea typeface="Noto Sans CJK KR Regular" panose="020B0500000000000000" pitchFamily="34" charset="-127"/>
               </a:rPr>
               <a:t>   </a:t>
             </a:r>
             <a:r>
-              <a:rPr lang="en-US" altLang="ko-KR" b="0">
+              <a:rPr lang="en-US" altLang="ko-KR" b="0" dirty="0">
                 <a:solidFill>
                   <a:srgbClr val="000000"/>
                 </a:solidFill>
@@ -22433,7 +22726,7 @@
               <a:t>&lt;T </a:t>
             </a:r>
             <a:r>
-              <a:rPr lang="en-US" altLang="ko-KR" b="0">
+              <a:rPr lang="en-US" altLang="ko-KR" b="0" dirty="0">
                 <a:solidFill>
                   <a:srgbClr val="0000FF"/>
                 </a:solidFill>
@@ -22443,7 +22736,7 @@
               <a:t>extends</a:t>
             </a:r>
             <a:r>
-              <a:rPr lang="en-US" altLang="ko-KR" b="0">
+              <a:rPr lang="en-US" altLang="ko-KR" b="0" dirty="0">
                 <a:solidFill>
                   <a:srgbClr val="000000"/>
                 </a:solidFill>
@@ -22459,7 +22752,7 @@
               <a:buChar char="•"/>
             </a:pPr>
             <a:r>
-              <a:rPr lang="en-US" altLang="ko-KR" b="0">
+              <a:rPr lang="en-US" altLang="ko-KR" b="0" dirty="0">
                 <a:solidFill>
                   <a:srgbClr val="000000"/>
                 </a:solidFill>
@@ -22469,7 +22762,7 @@
               <a:t> &lt;T </a:t>
             </a:r>
             <a:r>
-              <a:rPr lang="en-US" altLang="ko-KR" b="0">
+              <a:rPr lang="en-US" altLang="ko-KR" b="0" dirty="0">
                 <a:solidFill>
                   <a:srgbClr val="0000FF"/>
                 </a:solidFill>
@@ -22479,7 +22772,7 @@
               <a:t>extends</a:t>
             </a:r>
             <a:r>
-              <a:rPr lang="en-US" altLang="ko-KR" b="0">
+              <a:rPr lang="en-US" altLang="ko-KR" b="0" dirty="0">
                 <a:solidFill>
                   <a:srgbClr val="000000"/>
                 </a:solidFill>
@@ -22488,7 +22781,7 @@
               </a:rPr>
               <a:t> { length: number }&gt;</a:t>
             </a:r>
-            <a:endParaRPr lang="en-US" altLang="ko-KR" b="0">
+            <a:endParaRPr lang="en-US" altLang="ko-KR" b="0" dirty="0">
               <a:latin typeface="Noto Sans CJK KR Regular" panose="020B0500000000000000" pitchFamily="34" charset="-127"/>
               <a:ea typeface="Noto Sans CJK KR Regular" panose="020B0500000000000000" pitchFamily="34" charset="-127"/>
             </a:endParaRPr>
@@ -22643,7 +22936,7 @@
           <a:lstStyle/>
           <a:p>
             <a:r>
-              <a:rPr lang="en-US" altLang="ko-KR" b="0">
+              <a:rPr lang="en-US" altLang="ko-KR" b="0" dirty="0">
                 <a:solidFill>
                   <a:srgbClr val="0000FF"/>
                 </a:solidFill>
@@ -22653,7 +22946,7 @@
               <a:t>function</a:t>
             </a:r>
             <a:r>
-              <a:rPr lang="en-US" altLang="ko-KR" b="0">
+              <a:rPr lang="en-US" altLang="ko-KR" b="0" dirty="0">
                 <a:solidFill>
                   <a:srgbClr val="000000"/>
                 </a:solidFill>
@@ -22663,7 +22956,7 @@
               <a:t> echo&lt;T </a:t>
             </a:r>
             <a:r>
-              <a:rPr lang="en-US" altLang="ko-KR" b="0">
+              <a:rPr lang="en-US" altLang="ko-KR" b="0" dirty="0">
                 <a:solidFill>
                   <a:srgbClr val="0000FF"/>
                 </a:solidFill>
@@ -22673,7 +22966,7 @@
               <a:t>extends</a:t>
             </a:r>
             <a:r>
-              <a:rPr lang="en-US" altLang="ko-KR" b="0">
+              <a:rPr lang="en-US" altLang="ko-KR" b="0" dirty="0">
                 <a:solidFill>
                   <a:srgbClr val="000000"/>
                 </a:solidFill>
@@ -22685,7 +22978,7 @@
           </a:p>
           <a:p>
             <a:r>
-              <a:rPr lang="en-US" altLang="ko-KR" b="0">
+              <a:rPr lang="en-US" altLang="ko-KR" b="0" dirty="0">
                 <a:solidFill>
                   <a:srgbClr val="000000"/>
                 </a:solidFill>
@@ -22695,7 +22988,7 @@
               <a:t>  </a:t>
             </a:r>
             <a:r>
-              <a:rPr lang="en-US" altLang="ko-KR" b="0">
+              <a:rPr lang="en-US" altLang="ko-KR" b="0" dirty="0">
                 <a:solidFill>
                   <a:srgbClr val="0000FF"/>
                 </a:solidFill>
@@ -22705,7 +22998,7 @@
               <a:t>return</a:t>
             </a:r>
             <a:r>
-              <a:rPr lang="en-US" altLang="ko-KR" b="0">
+              <a:rPr lang="en-US" altLang="ko-KR" b="0" dirty="0">
                 <a:solidFill>
                   <a:srgbClr val="000000"/>
                 </a:solidFill>
@@ -22717,7 +23010,7 @@
           </a:p>
           <a:p>
             <a:r>
-              <a:rPr lang="en-US" altLang="ko-KR" b="0">
+              <a:rPr lang="en-US" altLang="ko-KR" b="0" dirty="0">
                 <a:solidFill>
                   <a:srgbClr val="000000"/>
                 </a:solidFill>
@@ -22727,7 +23020,7 @@
               <a:t>}</a:t>
             </a:r>
             <a:br>
-              <a:rPr lang="en-US" altLang="ko-KR" b="0">
+              <a:rPr lang="en-US" altLang="ko-KR" b="0" dirty="0">
                 <a:solidFill>
                   <a:srgbClr val="000000"/>
                 </a:solidFill>
@@ -22736,7 +23029,7 @@
               </a:rPr>
             </a:br>
             <a:r>
-              <a:rPr lang="en-US" altLang="ko-KR" b="0">
+              <a:rPr lang="en-US" altLang="ko-KR" b="0" dirty="0">
                 <a:solidFill>
                   <a:srgbClr val="0000FF"/>
                 </a:solidFill>
@@ -22746,7 +23039,7 @@
               <a:t>function</a:t>
             </a:r>
             <a:r>
-              <a:rPr lang="en-US" altLang="ko-KR" b="0">
+              <a:rPr lang="en-US" altLang="ko-KR" b="0" dirty="0">
                 <a:solidFill>
                   <a:srgbClr val="000000"/>
                 </a:solidFill>
@@ -22756,7 +23049,7 @@
               <a:t> echo2&lt;T </a:t>
             </a:r>
             <a:r>
-              <a:rPr lang="en-US" altLang="ko-KR" b="0">
+              <a:rPr lang="en-US" altLang="ko-KR" b="0" dirty="0">
                 <a:solidFill>
                   <a:srgbClr val="0000FF"/>
                 </a:solidFill>
@@ -22766,7 +23059,7 @@
               <a:t>extends</a:t>
             </a:r>
             <a:r>
-              <a:rPr lang="en-US" altLang="ko-KR" b="0">
+              <a:rPr lang="en-US" altLang="ko-KR" b="0" dirty="0">
                 <a:solidFill>
                   <a:srgbClr val="000000"/>
                 </a:solidFill>
@@ -22778,7 +23071,7 @@
           </a:p>
           <a:p>
             <a:r>
-              <a:rPr lang="en-US" altLang="ko-KR" b="0">
+              <a:rPr lang="en-US" altLang="ko-KR" b="0" dirty="0">
                 <a:solidFill>
                   <a:srgbClr val="000000"/>
                 </a:solidFill>
@@ -22788,29 +23081,69 @@
               <a:t>  console.log(</a:t>
             </a:r>
             <a:r>
-              <a:rPr lang="en-US" altLang="ko-KR" b="0">
+              <a:rPr lang="en-US" altLang="ko-KR" b="0" dirty="0">
                 <a:solidFill>
                   <a:srgbClr val="A31515"/>
                 </a:solidFill>
                 <a:effectLst/>
                 <a:latin typeface="Consolas" panose="020B0609020204030204" pitchFamily="49" charset="0"/>
               </a:rPr>
-              <a:t>'msg.length: '</a:t>
-            </a:r>
-            <a:r>
-              <a:rPr lang="en-US" altLang="ko-KR" b="0">
-                <a:solidFill>
-                  <a:srgbClr val="000000"/>
-                </a:solidFill>
-                <a:effectLst/>
-                <a:latin typeface="Consolas" panose="020B0609020204030204" pitchFamily="49" charset="0"/>
-              </a:rPr>
-              <a:t>, msg.length);</a:t>
-            </a:r>
-          </a:p>
-          <a:p>
-            <a:r>
-              <a:rPr lang="en-US" altLang="ko-KR" b="0">
+              <a:t>'</a:t>
+            </a:r>
+            <a:r>
+              <a:rPr lang="en-US" altLang="ko-KR" b="0" dirty="0" err="1">
+                <a:solidFill>
+                  <a:srgbClr val="A31515"/>
+                </a:solidFill>
+                <a:effectLst/>
+                <a:latin typeface="Consolas" panose="020B0609020204030204" pitchFamily="49" charset="0"/>
+              </a:rPr>
+              <a:t>msg.length</a:t>
+            </a:r>
+            <a:r>
+              <a:rPr lang="en-US" altLang="ko-KR" b="0" dirty="0">
+                <a:solidFill>
+                  <a:srgbClr val="A31515"/>
+                </a:solidFill>
+                <a:effectLst/>
+                <a:latin typeface="Consolas" panose="020B0609020204030204" pitchFamily="49" charset="0"/>
+              </a:rPr>
+              <a:t>: '</a:t>
+            </a:r>
+            <a:r>
+              <a:rPr lang="en-US" altLang="ko-KR" b="0" dirty="0">
+                <a:solidFill>
+                  <a:srgbClr val="000000"/>
+                </a:solidFill>
+                <a:effectLst/>
+                <a:latin typeface="Consolas" panose="020B0609020204030204" pitchFamily="49" charset="0"/>
+              </a:rPr>
+              <a:t>, </a:t>
+            </a:r>
+            <a:r>
+              <a:rPr lang="en-US" altLang="ko-KR" b="0" dirty="0" err="1">
+                <a:solidFill>
+                  <a:srgbClr val="000000"/>
+                </a:solidFill>
+                <a:effectLst/>
+                <a:latin typeface="Consolas" panose="020B0609020204030204" pitchFamily="49" charset="0"/>
+              </a:rPr>
+              <a:t>msg.length</a:t>
+            </a:r>
+            <a:r>
+              <a:rPr lang="en-US" altLang="ko-KR" b="0" dirty="0">
+                <a:solidFill>
+                  <a:srgbClr val="000000"/>
+                </a:solidFill>
+                <a:effectLst/>
+                <a:latin typeface="Consolas" panose="020B0609020204030204" pitchFamily="49" charset="0"/>
+              </a:rPr>
+              <a:t>);</a:t>
+            </a:r>
+          </a:p>
+          <a:p>
+            <a:r>
+              <a:rPr lang="en-US" altLang="ko-KR" b="0" dirty="0">
                 <a:solidFill>
                   <a:srgbClr val="000000"/>
                 </a:solidFill>
@@ -22820,7 +23153,7 @@
               <a:t>  </a:t>
             </a:r>
             <a:r>
-              <a:rPr lang="en-US" altLang="ko-KR" b="0">
+              <a:rPr lang="en-US" altLang="ko-KR" b="0" dirty="0">
                 <a:solidFill>
                   <a:srgbClr val="0000FF"/>
                 </a:solidFill>
@@ -22830,7 +23163,7 @@
               <a:t>return</a:t>
             </a:r>
             <a:r>
-              <a:rPr lang="en-US" altLang="ko-KR" b="0">
+              <a:rPr lang="en-US" altLang="ko-KR" b="0" dirty="0">
                 <a:solidFill>
                   <a:srgbClr val="000000"/>
                 </a:solidFill>
@@ -22842,7 +23175,7 @@
           </a:p>
           <a:p>
             <a:r>
-              <a:rPr lang="en-US" altLang="ko-KR" b="0">
+              <a:rPr lang="en-US" altLang="ko-KR" b="0" dirty="0">
                 <a:solidFill>
                   <a:srgbClr val="000000"/>
                 </a:solidFill>
@@ -22852,7 +23185,7 @@
               <a:t>}</a:t>
             </a:r>
             <a:br>
-              <a:rPr lang="en-US" altLang="ko-KR" b="0">
+              <a:rPr lang="en-US" altLang="ko-KR" b="0" dirty="0">
                 <a:solidFill>
                   <a:srgbClr val="000000"/>
                 </a:solidFill>
@@ -22861,7 +23194,7 @@
               </a:rPr>
             </a:br>
             <a:r>
-              <a:rPr lang="en-US" altLang="ko-KR" b="0">
+              <a:rPr lang="en-US" altLang="ko-KR" b="0" dirty="0">
                 <a:solidFill>
                   <a:srgbClr val="000000"/>
                 </a:solidFill>
@@ -22871,7 +23204,7 @@
               <a:t>console.log(echo&lt;string&gt;(</a:t>
             </a:r>
             <a:r>
-              <a:rPr lang="en-US" altLang="ko-KR" b="0">
+              <a:rPr lang="en-US" altLang="ko-KR" b="0" dirty="0">
                 <a:solidFill>
                   <a:srgbClr val="A31515"/>
                 </a:solidFill>
@@ -22881,7 +23214,7 @@
               <a:t>'hello'</a:t>
             </a:r>
             <a:r>
-              <a:rPr lang="en-US" altLang="ko-KR" b="0">
+              <a:rPr lang="en-US" altLang="ko-KR" b="0" dirty="0">
                 <a:solidFill>
                   <a:srgbClr val="000000"/>
                 </a:solidFill>
@@ -22893,7 +23226,7 @@
           </a:p>
           <a:p>
             <a:r>
-              <a:rPr lang="en-US" altLang="ko-KR" b="0">
+              <a:rPr lang="en-US" altLang="ko-KR" b="0" dirty="0">
                 <a:solidFill>
                   <a:srgbClr val="000000"/>
                 </a:solidFill>
@@ -22903,7 +23236,7 @@
               <a:t>console.log(echo&lt;number&gt;(</a:t>
             </a:r>
             <a:r>
-              <a:rPr lang="en-US" altLang="ko-KR" b="0">
+              <a:rPr lang="en-US" altLang="ko-KR" b="0" dirty="0">
                 <a:solidFill>
                   <a:srgbClr val="098658"/>
                 </a:solidFill>
@@ -22913,7 +23246,7 @@
               <a:t>100</a:t>
             </a:r>
             <a:r>
-              <a:rPr lang="en-US" altLang="ko-KR" b="0">
+              <a:rPr lang="en-US" altLang="ko-KR" b="0" dirty="0">
                 <a:solidFill>
                   <a:srgbClr val="000000"/>
                 </a:solidFill>
@@ -22923,7 +23256,7 @@
               <a:t>));</a:t>
             </a:r>
             <a:br>
-              <a:rPr lang="en-US" altLang="ko-KR" b="0">
+              <a:rPr lang="en-US" altLang="ko-KR" b="0" dirty="0">
                 <a:solidFill>
                   <a:srgbClr val="000000"/>
                 </a:solidFill>
@@ -22932,7 +23265,7 @@
               </a:rPr>
             </a:br>
             <a:r>
-              <a:rPr lang="en-US" altLang="ko-KR" b="0">
+              <a:rPr lang="en-US" altLang="ko-KR" b="0" dirty="0">
                 <a:solidFill>
                   <a:srgbClr val="000000"/>
                 </a:solidFill>
@@ -22942,7 +23275,7 @@
               <a:t>console.log(echo2&lt;string&gt;(</a:t>
             </a:r>
             <a:r>
-              <a:rPr lang="en-US" altLang="ko-KR" b="0">
+              <a:rPr lang="en-US" altLang="ko-KR" b="0" dirty="0">
                 <a:solidFill>
                   <a:srgbClr val="A31515"/>
                 </a:solidFill>
@@ -22952,7 +23285,7 @@
               <a:t>'world'</a:t>
             </a:r>
             <a:r>
-              <a:rPr lang="en-US" altLang="ko-KR" b="0">
+              <a:rPr lang="en-US" altLang="ko-KR" b="0" dirty="0">
                 <a:solidFill>
                   <a:srgbClr val="000000"/>
                 </a:solidFill>
@@ -22964,7 +23297,7 @@
           </a:p>
           <a:p>
             <a:r>
-              <a:rPr lang="en-US" altLang="ko-KR" b="0">
+              <a:rPr lang="en-US" altLang="ko-KR" b="0" dirty="0">
                 <a:solidFill>
                   <a:srgbClr val="000000"/>
                 </a:solidFill>
@@ -22974,7 +23307,7 @@
               <a:t>console.log(echo2&lt;number[]&gt;([</a:t>
             </a:r>
             <a:r>
-              <a:rPr lang="en-US" altLang="ko-KR" b="0">
+              <a:rPr lang="en-US" altLang="ko-KR" b="0" dirty="0">
                 <a:solidFill>
                   <a:srgbClr val="098658"/>
                 </a:solidFill>
@@ -22984,7 +23317,7 @@
               <a:t>200, 300</a:t>
             </a:r>
             <a:r>
-              <a:rPr lang="en-US" altLang="ko-KR" b="0">
+              <a:rPr lang="en-US" altLang="ko-KR" b="0" dirty="0">
                 <a:solidFill>
                   <a:srgbClr val="000000"/>
                 </a:solidFill>
@@ -23174,14 +23507,14 @@
               <a:buChar char="▶"/>
             </a:pPr>
             <a:r>
-              <a:rPr lang="en-US" altLang="ko-KR" sz="2000">
+              <a:rPr lang="en-US" altLang="ko-KR" sz="2000" dirty="0">
                 <a:latin typeface="Noto Sans CJK KR Regular" panose="020B0500000000000000" pitchFamily="34" charset="-127"/>
                 <a:ea typeface="Noto Sans CJK KR Regular" panose="020B0500000000000000" pitchFamily="34" charset="-127"/>
               </a:rPr>
               <a:t> </a:t>
             </a:r>
             <a:r>
-              <a:rPr lang="ko-KR" altLang="en-US" sz="2000">
+              <a:rPr lang="ko-KR" altLang="en-US" sz="2000" dirty="0">
                 <a:latin typeface="Noto Sans CJK KR Regular" panose="020B0500000000000000" pitchFamily="34" charset="-127"/>
                 <a:ea typeface="Noto Sans CJK KR Regular" panose="020B0500000000000000" pitchFamily="34" charset="-127"/>
               </a:rPr>
@@ -23198,41 +23531,41 @@
               <a:buChar char="•"/>
             </a:pPr>
             <a:r>
-              <a:rPr lang="ko-KR" altLang="en-US" b="0">
+              <a:rPr lang="ko-KR" altLang="en-US" b="0" dirty="0">
                 <a:latin typeface="Noto Sans CJK KR Regular" panose="020B0500000000000000" pitchFamily="34" charset="-127"/>
                 <a:ea typeface="Noto Sans CJK KR Regular" panose="020B0500000000000000" pitchFamily="34" charset="-127"/>
               </a:rPr>
               <a:t> 함수</a:t>
             </a:r>
             <a:r>
-              <a:rPr lang="en-US" altLang="ko-KR" b="0">
+              <a:rPr lang="en-US" altLang="ko-KR" b="0" dirty="0">
                 <a:latin typeface="Noto Sans CJK KR Regular" panose="020B0500000000000000" pitchFamily="34" charset="-127"/>
                 <a:ea typeface="Noto Sans CJK KR Regular" panose="020B0500000000000000" pitchFamily="34" charset="-127"/>
               </a:rPr>
               <a:t>, </a:t>
             </a:r>
             <a:r>
-              <a:rPr lang="ko-KR" altLang="en-US" b="0">
+              <a:rPr lang="ko-KR" altLang="en-US" b="0" dirty="0">
                 <a:latin typeface="Noto Sans CJK KR Regular" panose="020B0500000000000000" pitchFamily="34" charset="-127"/>
                 <a:ea typeface="Noto Sans CJK KR Regular" panose="020B0500000000000000" pitchFamily="34" charset="-127"/>
               </a:rPr>
               <a:t>인터페이스</a:t>
             </a:r>
             <a:r>
-              <a:rPr lang="en-US" altLang="ko-KR" b="0">
+              <a:rPr lang="en-US" altLang="ko-KR" b="0" dirty="0">
                 <a:latin typeface="Noto Sans CJK KR Regular" panose="020B0500000000000000" pitchFamily="34" charset="-127"/>
                 <a:ea typeface="Noto Sans CJK KR Regular" panose="020B0500000000000000" pitchFamily="34" charset="-127"/>
               </a:rPr>
               <a:t>, </a:t>
             </a:r>
             <a:r>
-              <a:rPr lang="ko-KR" altLang="en-US" b="0">
+              <a:rPr lang="ko-KR" altLang="en-US" b="0" dirty="0">
                 <a:latin typeface="Noto Sans CJK KR Regular" panose="020B0500000000000000" pitchFamily="34" charset="-127"/>
                 <a:ea typeface="Noto Sans CJK KR Regular" panose="020B0500000000000000" pitchFamily="34" charset="-127"/>
               </a:rPr>
               <a:t>클래스 정의에 사용</a:t>
             </a:r>
-            <a:endParaRPr lang="en-US" altLang="ko-KR">
+            <a:endParaRPr lang="en-US" altLang="ko-KR" dirty="0">
               <a:latin typeface="Noto Sans CJK KR Regular" panose="020B0500000000000000" pitchFamily="34" charset="-127"/>
               <a:ea typeface="Noto Sans CJK KR Regular" panose="020B0500000000000000" pitchFamily="34" charset="-127"/>
             </a:endParaRPr>
@@ -25145,21 +25478,21 @@
               <a:buChar char="▶"/>
             </a:pPr>
             <a:r>
-              <a:rPr lang="en-US" altLang="ko-KR" sz="2000">
+              <a:rPr lang="en-US" altLang="ko-KR" sz="2000" dirty="0">
                 <a:latin typeface="Noto Sans CJK KR Regular" panose="020B0500000000000000" pitchFamily="34" charset="-127"/>
                 <a:ea typeface="Noto Sans CJK KR Regular" panose="020B0500000000000000" pitchFamily="34" charset="-127"/>
               </a:rPr>
               <a:t> </a:t>
             </a:r>
             <a:r>
-              <a:rPr lang="ko-KR" altLang="en-US" sz="2000">
+              <a:rPr lang="ko-KR" altLang="en-US" sz="2000" dirty="0">
                 <a:latin typeface="Noto Sans CJK KR Regular" panose="020B0500000000000000" pitchFamily="34" charset="-127"/>
                 <a:ea typeface="Noto Sans CJK KR Regular" panose="020B0500000000000000" pitchFamily="34" charset="-127"/>
               </a:rPr>
               <a:t>타입 추론이란</a:t>
             </a:r>
             <a:r>
-              <a:rPr lang="en-US" altLang="ko-KR" sz="2000">
+              <a:rPr lang="en-US" altLang="ko-KR" sz="2000" dirty="0">
                 <a:latin typeface="Noto Sans CJK KR Regular" panose="020B0500000000000000" pitchFamily="34" charset="-127"/>
                 <a:ea typeface="Noto Sans CJK KR Regular" panose="020B0500000000000000" pitchFamily="34" charset="-127"/>
               </a:rPr>
@@ -25176,21 +25509,21 @@
               <a:buChar char="•"/>
             </a:pPr>
             <a:r>
-              <a:rPr lang="en-US" altLang="ko-KR" b="0">
+              <a:rPr lang="en-US" altLang="ko-KR" b="0" dirty="0">
                 <a:latin typeface="Noto Sans CJK KR Regular" panose="020B0500000000000000" pitchFamily="34" charset="-127"/>
                 <a:ea typeface="Noto Sans CJK KR Regular" panose="020B0500000000000000" pitchFamily="34" charset="-127"/>
               </a:rPr>
               <a:t> </a:t>
             </a:r>
             <a:r>
-              <a:rPr lang="ko-KR" altLang="en-US" b="0">
+              <a:rPr lang="ko-KR" altLang="en-US" b="0" dirty="0">
                 <a:latin typeface="Noto Sans CJK KR Regular" panose="020B0500000000000000" pitchFamily="34" charset="-127"/>
                 <a:ea typeface="Noto Sans CJK KR Regular" panose="020B0500000000000000" pitchFamily="34" charset="-127"/>
               </a:rPr>
               <a:t>명시적으로 타입을 지정하지 않아도 타입스크립트가 코드를 해석해서 적절한 </a:t>
             </a:r>
             <a:r>
-              <a:rPr lang="ko-KR" altLang="en-US" b="0">
+              <a:rPr lang="ko-KR" altLang="en-US" b="0" dirty="0">
                 <a:solidFill>
                   <a:srgbClr val="FF9E1B"/>
                 </a:solidFill>
@@ -25199,7 +25532,7 @@
               </a:rPr>
               <a:t>타입을 자동으로 정의</a:t>
             </a:r>
-            <a:endParaRPr lang="en-US" altLang="ko-KR" b="0">
+            <a:endParaRPr lang="en-US" altLang="ko-KR" b="0" dirty="0">
               <a:solidFill>
                 <a:srgbClr val="FF9E1B"/>
               </a:solidFill>
@@ -25209,7 +25542,7 @@
           </a:p>
           <a:p>
             <a:pPr lvl="1"/>
-            <a:endParaRPr lang="en-US" altLang="ko-KR" b="0">
+            <a:endParaRPr lang="en-US" altLang="ko-KR" b="0" dirty="0">
               <a:latin typeface="Noto Sans CJK KR Regular" panose="020B0500000000000000" pitchFamily="34" charset="-127"/>
               <a:ea typeface="Noto Sans CJK KR Regular" panose="020B0500000000000000" pitchFamily="34" charset="-127"/>
             </a:endParaRPr>
@@ -25220,20 +25553,20 @@
               <a:buChar char="▶"/>
             </a:pPr>
             <a:r>
-              <a:rPr lang="en-US" altLang="ko-KR" sz="2000">
+              <a:rPr lang="en-US" altLang="ko-KR" sz="2000" dirty="0">
                 <a:latin typeface="Noto Sans CJK KR Regular" panose="020B0500000000000000" pitchFamily="34" charset="-127"/>
                 <a:ea typeface="Noto Sans CJK KR Regular" panose="020B0500000000000000" pitchFamily="34" charset="-127"/>
               </a:rPr>
               <a:t> </a:t>
             </a:r>
             <a:r>
-              <a:rPr lang="ko-KR" altLang="en-US" sz="2000">
+              <a:rPr lang="ko-KR" altLang="en-US" sz="2000" dirty="0">
                 <a:latin typeface="Noto Sans CJK KR Regular" panose="020B0500000000000000" pitchFamily="34" charset="-127"/>
                 <a:ea typeface="Noto Sans CJK KR Regular" panose="020B0500000000000000" pitchFamily="34" charset="-127"/>
               </a:rPr>
               <a:t>변수의 타입 추론</a:t>
             </a:r>
-            <a:endParaRPr lang="ko-KR" altLang="en-US" b="0">
+            <a:endParaRPr lang="ko-KR" altLang="en-US" b="0" dirty="0">
               <a:latin typeface="Noto Sans CJK KR Regular" panose="020B0500000000000000" pitchFamily="34" charset="-127"/>
               <a:ea typeface="Noto Sans CJK KR Regular" panose="020B0500000000000000" pitchFamily="34" charset="-127"/>
             </a:endParaRPr>
@@ -25244,21 +25577,21 @@
               <a:buChar char="•"/>
             </a:pPr>
             <a:r>
-              <a:rPr lang="en-US" altLang="ko-KR" b="0">
+              <a:rPr lang="en-US" altLang="ko-KR" b="0" dirty="0">
                 <a:latin typeface="Noto Sans CJK KR Regular" panose="020B0500000000000000" pitchFamily="34" charset="-127"/>
                 <a:ea typeface="Noto Sans CJK KR Regular" panose="020B0500000000000000" pitchFamily="34" charset="-127"/>
               </a:rPr>
               <a:t> </a:t>
             </a:r>
             <a:r>
-              <a:rPr lang="ko-KR" altLang="en-US" b="0">
+              <a:rPr lang="ko-KR" altLang="en-US" b="0" dirty="0">
                 <a:latin typeface="Noto Sans CJK KR Regular" panose="020B0500000000000000" pitchFamily="34" charset="-127"/>
                 <a:ea typeface="Noto Sans CJK KR Regular" panose="020B0500000000000000" pitchFamily="34" charset="-127"/>
               </a:rPr>
               <a:t>할당된 </a:t>
             </a:r>
             <a:r>
-              <a:rPr lang="ko-KR" altLang="en-US" b="0">
+              <a:rPr lang="ko-KR" altLang="en-US" b="0" dirty="0">
                 <a:solidFill>
                   <a:srgbClr val="FF9E1B"/>
                 </a:solidFill>
@@ -25268,13 +25601,13 @@
               <a:t>값과 일치</a:t>
             </a:r>
             <a:r>
-              <a:rPr lang="ko-KR" altLang="en-US" b="0">
+              <a:rPr lang="ko-KR" altLang="en-US" b="0" dirty="0">
                 <a:latin typeface="Noto Sans CJK KR Regular" panose="020B0500000000000000" pitchFamily="34" charset="-127"/>
                 <a:ea typeface="Noto Sans CJK KR Regular" panose="020B0500000000000000" pitchFamily="34" charset="-127"/>
               </a:rPr>
               <a:t>하는 타입</a:t>
             </a:r>
-            <a:endParaRPr lang="en-US" altLang="ko-KR" b="0">
+            <a:endParaRPr lang="en-US" altLang="ko-KR" b="0" dirty="0">
               <a:latin typeface="Noto Sans CJK KR Regular" panose="020B0500000000000000" pitchFamily="34" charset="-127"/>
               <a:ea typeface="Noto Sans CJK KR Regular" panose="020B0500000000000000" pitchFamily="34" charset="-127"/>
             </a:endParaRPr>
@@ -25285,21 +25618,21 @@
               <a:buChar char="•"/>
             </a:pPr>
             <a:r>
-              <a:rPr lang="en-US" altLang="ko-KR">
+              <a:rPr lang="en-US" altLang="ko-KR" dirty="0">
                 <a:latin typeface="Noto Sans CJK KR Regular" panose="020B0500000000000000" pitchFamily="34" charset="-127"/>
                 <a:ea typeface="Noto Sans CJK KR Regular" panose="020B0500000000000000" pitchFamily="34" charset="-127"/>
               </a:rPr>
               <a:t> </a:t>
             </a:r>
             <a:r>
-              <a:rPr lang="ko-KR" altLang="en-US">
+              <a:rPr lang="ko-KR" altLang="en-US" dirty="0">
                 <a:latin typeface="Noto Sans CJK KR Regular" panose="020B0500000000000000" pitchFamily="34" charset="-127"/>
                 <a:ea typeface="Noto Sans CJK KR Regular" panose="020B0500000000000000" pitchFamily="34" charset="-127"/>
               </a:rPr>
               <a:t>선언만 된 상태라면 </a:t>
             </a:r>
             <a:r>
-              <a:rPr lang="en-US" altLang="ko-KR">
+              <a:rPr lang="en-US" altLang="ko-KR" dirty="0">
                 <a:solidFill>
                   <a:srgbClr val="FF9E1B"/>
                 </a:solidFill>
@@ -25309,20 +25642,20 @@
               <a:t>any</a:t>
             </a:r>
             <a:r>
-              <a:rPr lang="en-US" altLang="ko-KR">
+              <a:rPr lang="en-US" altLang="ko-KR" dirty="0">
                 <a:latin typeface="Noto Sans CJK KR Regular" panose="020B0500000000000000" pitchFamily="34" charset="-127"/>
                 <a:ea typeface="Noto Sans CJK KR Regular" panose="020B0500000000000000" pitchFamily="34" charset="-127"/>
               </a:rPr>
               <a:t> </a:t>
             </a:r>
             <a:r>
-              <a:rPr lang="ko-KR" altLang="en-US">
+              <a:rPr lang="ko-KR" altLang="en-US" dirty="0">
                 <a:latin typeface="Noto Sans CJK KR Regular" panose="020B0500000000000000" pitchFamily="34" charset="-127"/>
                 <a:ea typeface="Noto Sans CJK KR Regular" panose="020B0500000000000000" pitchFamily="34" charset="-127"/>
               </a:rPr>
               <a:t>타입</a:t>
             </a:r>
-            <a:endParaRPr lang="en-US" altLang="ko-KR">
+            <a:endParaRPr lang="en-US" altLang="ko-KR" dirty="0">
               <a:latin typeface="Noto Sans CJK KR Regular" panose="020B0500000000000000" pitchFamily="34" charset="-127"/>
               <a:ea typeface="Noto Sans CJK KR Regular" panose="020B0500000000000000" pitchFamily="34" charset="-127"/>
             </a:endParaRPr>
@@ -25333,34 +25666,34 @@
               <a:buChar char="•"/>
             </a:pPr>
             <a:r>
-              <a:rPr lang="en-US" altLang="ko-KR">
+              <a:rPr lang="en-US" altLang="ko-KR" dirty="0">
                 <a:latin typeface="Noto Sans CJK KR Regular" panose="020B0500000000000000" pitchFamily="34" charset="-127"/>
                 <a:ea typeface="Noto Sans CJK KR Regular" panose="020B0500000000000000" pitchFamily="34" charset="-127"/>
               </a:rPr>
               <a:t> any </a:t>
             </a:r>
             <a:r>
-              <a:rPr lang="ko-KR" altLang="en-US">
+              <a:rPr lang="ko-KR" altLang="en-US" dirty="0">
                 <a:latin typeface="Noto Sans CJK KR Regular" panose="020B0500000000000000" pitchFamily="34" charset="-127"/>
                 <a:ea typeface="Noto Sans CJK KR Regular" panose="020B0500000000000000" pitchFamily="34" charset="-127"/>
               </a:rPr>
               <a:t>타입으로 추론된 이후에 값을 할당해도 타입은 변경되지 않고 여전히 </a:t>
             </a:r>
             <a:r>
-              <a:rPr lang="en-US" altLang="ko-KR">
+              <a:rPr lang="en-US" altLang="ko-KR" dirty="0">
                 <a:latin typeface="Noto Sans CJK KR Regular" panose="020B0500000000000000" pitchFamily="34" charset="-127"/>
                 <a:ea typeface="Noto Sans CJK KR Regular" panose="020B0500000000000000" pitchFamily="34" charset="-127"/>
               </a:rPr>
               <a:t>any </a:t>
             </a:r>
             <a:r>
-              <a:rPr lang="ko-KR" altLang="en-US">
+              <a:rPr lang="ko-KR" altLang="en-US" dirty="0">
                 <a:latin typeface="Noto Sans CJK KR Regular" panose="020B0500000000000000" pitchFamily="34" charset="-127"/>
                 <a:ea typeface="Noto Sans CJK KR Regular" panose="020B0500000000000000" pitchFamily="34" charset="-127"/>
               </a:rPr>
               <a:t>타입</a:t>
             </a:r>
-            <a:endParaRPr lang="en-US" altLang="ko-KR">
+            <a:endParaRPr lang="en-US" altLang="ko-KR" dirty="0">
               <a:latin typeface="Noto Sans CJK KR Regular" panose="020B0500000000000000" pitchFamily="34" charset="-127"/>
               <a:ea typeface="Noto Sans CJK KR Regular" panose="020B0500000000000000" pitchFamily="34" charset="-127"/>
             </a:endParaRPr>
@@ -25371,14 +25704,14 @@
               <a:buChar char="•"/>
             </a:pPr>
             <a:r>
-              <a:rPr lang="en-US" altLang="ko-KR">
+              <a:rPr lang="en-US" altLang="ko-KR" dirty="0">
                 <a:latin typeface="Noto Sans CJK KR Regular" panose="020B0500000000000000" pitchFamily="34" charset="-127"/>
                 <a:ea typeface="Noto Sans CJK KR Regular" panose="020B0500000000000000" pitchFamily="34" charset="-127"/>
               </a:rPr>
               <a:t> </a:t>
             </a:r>
             <a:r>
-              <a:rPr lang="ko-KR" altLang="en-US">
+              <a:rPr lang="ko-KR" altLang="en-US" dirty="0">
                 <a:latin typeface="Noto Sans CJK KR Regular" panose="020B0500000000000000" pitchFamily="34" charset="-127"/>
                 <a:ea typeface="Noto Sans CJK KR Regular" panose="020B0500000000000000" pitchFamily="34" charset="-127"/>
               </a:rPr>
@@ -25510,7 +25843,7 @@
           <a:lstStyle/>
           <a:p>
             <a:r>
-              <a:rPr lang="en-US" altLang="ko-KR" b="0">
+              <a:rPr lang="en-US" altLang="ko-KR" b="0" dirty="0">
                 <a:solidFill>
                   <a:srgbClr val="3B3B3B"/>
                 </a:solidFill>
@@ -25520,7 +25853,7 @@
               <a:t>  </a:t>
             </a:r>
             <a:r>
-              <a:rPr lang="en-US" altLang="ko-KR" b="0">
+              <a:rPr lang="en-US" altLang="ko-KR" b="0" dirty="0">
                 <a:solidFill>
                   <a:srgbClr val="0000FF"/>
                 </a:solidFill>
@@ -25530,7 +25863,7 @@
               <a:t>let</a:t>
             </a:r>
             <a:r>
-              <a:rPr lang="en-US" altLang="ko-KR" b="0">
+              <a:rPr lang="en-US" altLang="ko-KR" b="0" dirty="0">
                 <a:solidFill>
                   <a:srgbClr val="3B3B3B"/>
                 </a:solidFill>
@@ -25540,7 +25873,7 @@
               <a:t> </a:t>
             </a:r>
             <a:r>
-              <a:rPr lang="en-US" altLang="ko-KR" b="0">
+              <a:rPr lang="en-US" altLang="ko-KR" b="0" dirty="0">
                 <a:solidFill>
                   <a:srgbClr val="001080"/>
                 </a:solidFill>
@@ -25550,7 +25883,7 @@
               <a:t>name</a:t>
             </a:r>
             <a:r>
-              <a:rPr lang="en-US" altLang="ko-KR" b="0">
+              <a:rPr lang="en-US" altLang="ko-KR" b="0" dirty="0">
                 <a:solidFill>
                   <a:srgbClr val="3B3B3B"/>
                 </a:solidFill>
@@ -25560,7 +25893,7 @@
               <a:t> </a:t>
             </a:r>
             <a:r>
-              <a:rPr lang="en-US" altLang="ko-KR" b="0">
+              <a:rPr lang="en-US" altLang="ko-KR" b="0" dirty="0">
                 <a:solidFill>
                   <a:srgbClr val="000000"/>
                 </a:solidFill>
@@ -25570,7 +25903,7 @@
               <a:t>=</a:t>
             </a:r>
             <a:r>
-              <a:rPr lang="en-US" altLang="ko-KR" b="0">
+              <a:rPr lang="en-US" altLang="ko-KR" b="0" dirty="0">
                 <a:solidFill>
                   <a:srgbClr val="3B3B3B"/>
                 </a:solidFill>
@@ -25580,7 +25913,7 @@
               <a:t> </a:t>
             </a:r>
             <a:r>
-              <a:rPr lang="en-US" altLang="ko-KR" b="0">
+              <a:rPr lang="en-US" altLang="ko-KR" b="0" dirty="0">
                 <a:solidFill>
                   <a:srgbClr val="A31515"/>
                 </a:solidFill>
@@ -25590,7 +25923,7 @@
               <a:t>'</a:t>
             </a:r>
             <a:r>
-              <a:rPr lang="ko-KR" altLang="en-US" b="0">
+              <a:rPr lang="ko-KR" altLang="en-US" b="0" dirty="0" err="1">
                 <a:solidFill>
                   <a:srgbClr val="A31515"/>
                 </a:solidFill>
@@ -25600,7 +25933,7 @@
               <a:t>이일구</a:t>
             </a:r>
             <a:r>
-              <a:rPr lang="en-US" altLang="ko-KR" b="0">
+              <a:rPr lang="en-US" altLang="ko-KR" b="0" dirty="0">
                 <a:solidFill>
                   <a:srgbClr val="A31515"/>
                 </a:solidFill>
@@ -25610,7 +25943,7 @@
               <a:t>'</a:t>
             </a:r>
             <a:r>
-              <a:rPr lang="en-US" altLang="ko-KR" b="0">
+              <a:rPr lang="en-US" altLang="ko-KR" b="0" dirty="0">
                 <a:solidFill>
                   <a:srgbClr val="3B3B3B"/>
                 </a:solidFill>
@@ -25620,7 +25953,7 @@
               <a:t>; </a:t>
             </a:r>
             <a:r>
-              <a:rPr lang="en-US" altLang="ko-KR" b="0">
+              <a:rPr lang="en-US" altLang="ko-KR" b="0" dirty="0">
                 <a:solidFill>
                   <a:srgbClr val="008000"/>
                 </a:solidFill>
@@ -25630,7 +25963,7 @@
               <a:t>// string</a:t>
             </a:r>
             <a:r>
-              <a:rPr lang="ko-KR" altLang="en-US" b="0">
+              <a:rPr lang="ko-KR" altLang="en-US" b="0" dirty="0">
                 <a:solidFill>
                   <a:srgbClr val="008000"/>
                 </a:solidFill>
@@ -25639,7 +25972,7 @@
               </a:rPr>
               <a:t>으로 타입 추론</a:t>
             </a:r>
-            <a:endParaRPr lang="ko-KR" altLang="en-US" b="0">
+            <a:endParaRPr lang="ko-KR" altLang="en-US" b="0" dirty="0">
               <a:solidFill>
                 <a:srgbClr val="3B3B3B"/>
               </a:solidFill>
@@ -25649,7 +25982,7 @@
           </a:p>
           <a:p>
             <a:r>
-              <a:rPr lang="ko-KR" altLang="en-US" b="0" strike="sngStrike">
+              <a:rPr lang="ko-KR" altLang="en-US" b="0" strike="sngStrike" dirty="0">
                 <a:solidFill>
                   <a:srgbClr val="3B3B3B"/>
                 </a:solidFill>
@@ -25659,7 +25992,7 @@
               <a:t>  </a:t>
             </a:r>
             <a:r>
-              <a:rPr lang="en-US" altLang="ko-KR" b="0" strike="sngStrike">
+              <a:rPr lang="en-US" altLang="ko-KR" b="0" strike="sngStrike" dirty="0">
                 <a:solidFill>
                   <a:srgbClr val="001080"/>
                 </a:solidFill>
@@ -25669,7 +26002,7 @@
               <a:t>name</a:t>
             </a:r>
             <a:r>
-              <a:rPr lang="en-US" altLang="ko-KR" b="0" strike="sngStrike">
+              <a:rPr lang="en-US" altLang="ko-KR" b="0" strike="sngStrike" dirty="0">
                 <a:solidFill>
                   <a:srgbClr val="3B3B3B"/>
                 </a:solidFill>
@@ -25679,7 +26012,7 @@
               <a:t> </a:t>
             </a:r>
             <a:r>
-              <a:rPr lang="en-US" altLang="ko-KR" b="0" strike="sngStrike">
+              <a:rPr lang="en-US" altLang="ko-KR" b="0" strike="sngStrike" dirty="0">
                 <a:solidFill>
                   <a:srgbClr val="000000"/>
                 </a:solidFill>
@@ -25689,7 +26022,7 @@
               <a:t>=</a:t>
             </a:r>
             <a:r>
-              <a:rPr lang="en-US" altLang="ko-KR" b="0" strike="sngStrike">
+              <a:rPr lang="en-US" altLang="ko-KR" b="0" strike="sngStrike" dirty="0">
                 <a:solidFill>
                   <a:srgbClr val="3B3B3B"/>
                 </a:solidFill>
@@ -25699,7 +26032,7 @@
               <a:t> </a:t>
             </a:r>
             <a:r>
-              <a:rPr lang="en-US" altLang="ko-KR" b="0" strike="sngStrike">
+              <a:rPr lang="en-US" altLang="ko-KR" b="0" strike="sngStrike" dirty="0">
                 <a:solidFill>
                   <a:srgbClr val="098658"/>
                 </a:solidFill>
@@ -25709,7 +26042,7 @@
               <a:t>219</a:t>
             </a:r>
             <a:r>
-              <a:rPr lang="en-US" altLang="ko-KR" b="0">
+              <a:rPr lang="en-US" altLang="ko-KR" b="0" dirty="0">
                 <a:solidFill>
                   <a:srgbClr val="3B3B3B"/>
                 </a:solidFill>
@@ -25719,7 +26052,7 @@
               <a:t>; </a:t>
             </a:r>
             <a:r>
-              <a:rPr lang="en-US" altLang="ko-KR" b="0">
+              <a:rPr lang="en-US" altLang="ko-KR" b="0" dirty="0">
                 <a:solidFill>
                   <a:srgbClr val="008000"/>
                 </a:solidFill>
@@ -25729,7 +26062,7 @@
               <a:t>// </a:t>
             </a:r>
             <a:r>
-              <a:rPr lang="ko-KR" altLang="en-US" b="0">
+              <a:rPr lang="ko-KR" altLang="en-US" b="0" dirty="0">
                 <a:solidFill>
                   <a:srgbClr val="008000"/>
                 </a:solidFill>
@@ -25738,7 +26071,7 @@
               </a:rPr>
               <a:t>타입 에러</a:t>
             </a:r>
-            <a:endParaRPr lang="ko-KR" altLang="en-US" b="0">
+            <a:endParaRPr lang="ko-KR" altLang="en-US" b="0" dirty="0">
               <a:solidFill>
                 <a:srgbClr val="3B3B3B"/>
               </a:solidFill>
@@ -25748,7 +26081,7 @@
           </a:p>
           <a:p>
             <a:br>
-              <a:rPr lang="ko-KR" altLang="en-US" b="0">
+              <a:rPr lang="ko-KR" altLang="en-US" b="0" dirty="0">
                 <a:solidFill>
                   <a:srgbClr val="3B3B3B"/>
                 </a:solidFill>
@@ -25757,7 +26090,7 @@
               </a:rPr>
             </a:br>
             <a:r>
-              <a:rPr lang="ko-KR" altLang="en-US" b="0">
+              <a:rPr lang="ko-KR" altLang="en-US" b="0" dirty="0">
                 <a:solidFill>
                   <a:srgbClr val="3B3B3B"/>
                 </a:solidFill>
@@ -25767,7 +26100,7 @@
               <a:t>  </a:t>
             </a:r>
             <a:r>
-              <a:rPr lang="en-US" altLang="ko-KR" b="0">
+              <a:rPr lang="en-US" altLang="ko-KR" b="0" dirty="0">
                 <a:solidFill>
                   <a:srgbClr val="0000FF"/>
                 </a:solidFill>
@@ -25777,7 +26110,7 @@
               <a:t>const</a:t>
             </a:r>
             <a:r>
-              <a:rPr lang="en-US" altLang="ko-KR" b="0">
+              <a:rPr lang="en-US" altLang="ko-KR" b="0" dirty="0">
                 <a:solidFill>
                   <a:srgbClr val="3B3B3B"/>
                 </a:solidFill>
@@ -25787,7 +26120,7 @@
               <a:t> </a:t>
             </a:r>
             <a:r>
-              <a:rPr lang="en-US" altLang="ko-KR" b="0">
+              <a:rPr lang="en-US" altLang="ko-KR" b="0" dirty="0">
                 <a:solidFill>
                   <a:srgbClr val="0070C1"/>
                 </a:solidFill>
@@ -25797,7 +26130,7 @@
               <a:t>age</a:t>
             </a:r>
             <a:r>
-              <a:rPr lang="en-US" altLang="ko-KR" b="0">
+              <a:rPr lang="en-US" altLang="ko-KR" b="0" dirty="0">
                 <a:solidFill>
                   <a:srgbClr val="3B3B3B"/>
                 </a:solidFill>
@@ -25807,7 +26140,7 @@
               <a:t> </a:t>
             </a:r>
             <a:r>
-              <a:rPr lang="en-US" altLang="ko-KR" b="0">
+              <a:rPr lang="en-US" altLang="ko-KR" b="0" dirty="0">
                 <a:solidFill>
                   <a:srgbClr val="000000"/>
                 </a:solidFill>
@@ -25817,7 +26150,7 @@
               <a:t>=</a:t>
             </a:r>
             <a:r>
-              <a:rPr lang="en-US" altLang="ko-KR" b="0">
+              <a:rPr lang="en-US" altLang="ko-KR" b="0" dirty="0">
                 <a:solidFill>
                   <a:srgbClr val="3B3B3B"/>
                 </a:solidFill>
@@ -25827,7 +26160,7 @@
               <a:t> </a:t>
             </a:r>
             <a:r>
-              <a:rPr lang="en-US" altLang="ko-KR" b="0">
+              <a:rPr lang="en-US" altLang="ko-KR" b="0" dirty="0">
                 <a:solidFill>
                   <a:srgbClr val="098658"/>
                 </a:solidFill>
@@ -25837,7 +26170,7 @@
               <a:t>20</a:t>
             </a:r>
             <a:r>
-              <a:rPr lang="en-US" altLang="ko-KR" b="0">
+              <a:rPr lang="en-US" altLang="ko-KR" b="0" dirty="0">
                 <a:solidFill>
                   <a:srgbClr val="3B3B3B"/>
                 </a:solidFill>
@@ -25847,7 +26180,7 @@
               <a:t>; </a:t>
             </a:r>
             <a:r>
-              <a:rPr lang="en-US" altLang="ko-KR" b="0">
+              <a:rPr lang="en-US" altLang="ko-KR" b="0" dirty="0">
                 <a:solidFill>
                   <a:srgbClr val="008000"/>
                 </a:solidFill>
@@ -25857,7 +26190,7 @@
               <a:t>// number</a:t>
             </a:r>
             <a:r>
-              <a:rPr lang="ko-KR" altLang="en-US" b="0">
+              <a:rPr lang="ko-KR" altLang="en-US" b="0" dirty="0">
                 <a:solidFill>
                   <a:srgbClr val="008000"/>
                 </a:solidFill>
@@ -25866,7 +26199,7 @@
               </a:rPr>
               <a:t>로 타입 추론</a:t>
             </a:r>
-            <a:endParaRPr lang="ko-KR" altLang="en-US" b="0">
+            <a:endParaRPr lang="ko-KR" altLang="en-US" b="0" dirty="0">
               <a:solidFill>
                 <a:srgbClr val="3B3B3B"/>
               </a:solidFill>
@@ -25876,7 +26209,7 @@
           </a:p>
           <a:p>
             <a:br>
-              <a:rPr lang="ko-KR" altLang="en-US" b="0">
+              <a:rPr lang="ko-KR" altLang="en-US" b="0" dirty="0">
                 <a:solidFill>
                   <a:srgbClr val="3B3B3B"/>
                 </a:solidFill>
@@ -25885,7 +26218,7 @@
               </a:rPr>
             </a:br>
             <a:r>
-              <a:rPr lang="ko-KR" altLang="en-US" b="0">
+              <a:rPr lang="ko-KR" altLang="en-US" b="0" dirty="0">
                 <a:solidFill>
                   <a:srgbClr val="3B3B3B"/>
                 </a:solidFill>
@@ -25895,7 +26228,7 @@
               <a:t>  </a:t>
             </a:r>
             <a:r>
-              <a:rPr lang="en-US" altLang="ko-KR" b="0">
+              <a:rPr lang="en-US" altLang="ko-KR" b="0" dirty="0">
                 <a:solidFill>
                   <a:srgbClr val="0000FF"/>
                 </a:solidFill>
@@ -25905,7 +26238,7 @@
               <a:t>let</a:t>
             </a:r>
             <a:r>
-              <a:rPr lang="en-US" altLang="ko-KR" b="0">
+              <a:rPr lang="en-US" altLang="ko-KR" b="0" dirty="0">
                 <a:solidFill>
                   <a:srgbClr val="3B3B3B"/>
                 </a:solidFill>
@@ -25915,7 +26248,7 @@
               <a:t> </a:t>
             </a:r>
             <a:r>
-              <a:rPr lang="en-US" altLang="ko-KR" b="0">
+              <a:rPr lang="en-US" altLang="ko-KR" b="0" dirty="0">
                 <a:solidFill>
                   <a:srgbClr val="001080"/>
                 </a:solidFill>
@@ -25925,7 +26258,7 @@
               <a:t>name2</a:t>
             </a:r>
             <a:r>
-              <a:rPr lang="en-US" altLang="ko-KR" b="0">
+              <a:rPr lang="en-US" altLang="ko-KR" b="0" dirty="0">
                 <a:solidFill>
                   <a:srgbClr val="3B3B3B"/>
                 </a:solidFill>
@@ -25935,7 +26268,7 @@
               <a:t>; </a:t>
             </a:r>
             <a:r>
-              <a:rPr lang="en-US" altLang="ko-KR" b="0">
+              <a:rPr lang="en-US" altLang="ko-KR" b="0" dirty="0">
                 <a:solidFill>
                   <a:srgbClr val="008000"/>
                 </a:solidFill>
@@ -25945,7 +26278,7 @@
               <a:t>// any</a:t>
             </a:r>
             <a:r>
-              <a:rPr lang="ko-KR" altLang="en-US" b="0">
+              <a:rPr lang="ko-KR" altLang="en-US" b="0" dirty="0">
                 <a:solidFill>
                   <a:srgbClr val="008000"/>
                 </a:solidFill>
@@ -25954,7 +26287,7 @@
               </a:rPr>
               <a:t>로 타입 추론</a:t>
             </a:r>
-            <a:endParaRPr lang="ko-KR" altLang="en-US" b="0">
+            <a:endParaRPr lang="ko-KR" altLang="en-US" b="0" dirty="0">
               <a:solidFill>
                 <a:srgbClr val="3B3B3B"/>
               </a:solidFill>
@@ -25964,7 +26297,7 @@
           </a:p>
           <a:p>
             <a:r>
-              <a:rPr lang="ko-KR" altLang="en-US" b="0">
+              <a:rPr lang="ko-KR" altLang="en-US" b="0" dirty="0">
                 <a:solidFill>
                   <a:srgbClr val="3B3B3B"/>
                 </a:solidFill>
@@ -25974,7 +26307,7 @@
               <a:t>  </a:t>
             </a:r>
             <a:r>
-              <a:rPr lang="en-US" altLang="ko-KR" b="0">
+              <a:rPr lang="en-US" altLang="ko-KR" b="0" dirty="0">
                 <a:solidFill>
                   <a:srgbClr val="001080"/>
                 </a:solidFill>
@@ -25984,7 +26317,7 @@
               <a:t>name2</a:t>
             </a:r>
             <a:r>
-              <a:rPr lang="en-US" altLang="ko-KR" b="0">
+              <a:rPr lang="en-US" altLang="ko-KR" b="0" dirty="0">
                 <a:solidFill>
                   <a:srgbClr val="3B3B3B"/>
                 </a:solidFill>
@@ -25994,7 +26327,7 @@
               <a:t> </a:t>
             </a:r>
             <a:r>
-              <a:rPr lang="en-US" altLang="ko-KR" b="0">
+              <a:rPr lang="en-US" altLang="ko-KR" b="0" dirty="0">
                 <a:solidFill>
                   <a:srgbClr val="000000"/>
                 </a:solidFill>
@@ -26004,7 +26337,7 @@
               <a:t>=</a:t>
             </a:r>
             <a:r>
-              <a:rPr lang="en-US" altLang="ko-KR" b="0">
+              <a:rPr lang="en-US" altLang="ko-KR" b="0" dirty="0">
                 <a:solidFill>
                   <a:srgbClr val="3B3B3B"/>
                 </a:solidFill>
@@ -26014,7 +26347,7 @@
               <a:t> </a:t>
             </a:r>
             <a:r>
-              <a:rPr lang="en-US" altLang="ko-KR" b="0">
+              <a:rPr lang="en-US" altLang="ko-KR" b="0" dirty="0">
                 <a:solidFill>
                   <a:srgbClr val="A31515"/>
                 </a:solidFill>
@@ -26024,7 +26357,7 @@
               <a:t>'</a:t>
             </a:r>
             <a:r>
-              <a:rPr lang="ko-KR" altLang="en-US" b="0">
+              <a:rPr lang="ko-KR" altLang="en-US" b="0" dirty="0" err="1">
                 <a:solidFill>
                   <a:srgbClr val="A31515"/>
                 </a:solidFill>
@@ -26034,7 +26367,7 @@
               <a:t>이일구</a:t>
             </a:r>
             <a:r>
-              <a:rPr lang="en-US" altLang="ko-KR" b="0">
+              <a:rPr lang="en-US" altLang="ko-KR" b="0" dirty="0">
                 <a:solidFill>
                   <a:srgbClr val="A31515"/>
                 </a:solidFill>
@@ -26044,7 +26377,7 @@
               <a:t>'</a:t>
             </a:r>
             <a:r>
-              <a:rPr lang="en-US" altLang="ko-KR" b="0">
+              <a:rPr lang="en-US" altLang="ko-KR" b="0" dirty="0">
                 <a:solidFill>
                   <a:srgbClr val="3B3B3B"/>
                 </a:solidFill>
@@ -26054,7 +26387,7 @@
               <a:t>; </a:t>
             </a:r>
             <a:r>
-              <a:rPr lang="en-US" altLang="ko-KR" b="0">
+              <a:rPr lang="en-US" altLang="ko-KR" b="0" dirty="0">
                 <a:solidFill>
                   <a:srgbClr val="008000"/>
                 </a:solidFill>
@@ -26064,27 +26397,47 @@
               <a:t>// string </a:t>
             </a:r>
             <a:r>
-              <a:rPr lang="ko-KR" altLang="en-US" b="0">
+              <a:rPr lang="ko-KR" altLang="en-US" b="0" dirty="0">
                 <a:solidFill>
                   <a:srgbClr val="008000"/>
                 </a:solidFill>
                 <a:effectLst/>
                 <a:latin typeface="Consolas" panose="020B0609020204030204" pitchFamily="49" charset="0"/>
               </a:rPr>
-              <a:t>타입이 되는게 아니고 여전히 </a:t>
-            </a:r>
-            <a:r>
-              <a:rPr lang="en-US" altLang="ko-KR" b="0">
+              <a:t>타입이 </a:t>
+            </a:r>
+            <a:r>
+              <a:rPr lang="ko-KR" altLang="en-US" b="0" dirty="0" err="1">
                 <a:solidFill>
                   <a:srgbClr val="008000"/>
                 </a:solidFill>
                 <a:effectLst/>
                 <a:latin typeface="Consolas" panose="020B0609020204030204" pitchFamily="49" charset="0"/>
               </a:rPr>
+              <a:t>되는게</a:t>
+            </a:r>
+            <a:r>
+              <a:rPr lang="ko-KR" altLang="en-US" b="0" dirty="0">
+                <a:solidFill>
+                  <a:srgbClr val="008000"/>
+                </a:solidFill>
+                <a:effectLst/>
+                <a:latin typeface="Consolas" panose="020B0609020204030204" pitchFamily="49" charset="0"/>
+              </a:rPr>
+              <a:t> 아니고 여전히 </a:t>
+            </a:r>
+            <a:r>
+              <a:rPr lang="en-US" altLang="ko-KR" b="0" dirty="0">
+                <a:solidFill>
+                  <a:srgbClr val="008000"/>
+                </a:solidFill>
+                <a:effectLst/>
+                <a:latin typeface="Consolas" panose="020B0609020204030204" pitchFamily="49" charset="0"/>
+              </a:rPr>
               <a:t>any </a:t>
             </a:r>
             <a:r>
-              <a:rPr lang="ko-KR" altLang="en-US" b="0">
+              <a:rPr lang="ko-KR" altLang="en-US" b="0" dirty="0">
                 <a:solidFill>
                   <a:srgbClr val="008000"/>
                 </a:solidFill>
@@ -26093,7 +26446,7 @@
               </a:rPr>
               <a:t>타입</a:t>
             </a:r>
-            <a:endParaRPr lang="ko-KR" altLang="en-US" b="0">
+            <a:endParaRPr lang="ko-KR" altLang="en-US" b="0" dirty="0">
               <a:solidFill>
                 <a:srgbClr val="3B3B3B"/>
               </a:solidFill>
@@ -26103,7 +26456,7 @@
           </a:p>
           <a:p>
             <a:r>
-              <a:rPr lang="ko-KR" altLang="en-US" b="0">
+              <a:rPr lang="ko-KR" altLang="en-US" b="0" dirty="0">
                 <a:solidFill>
                   <a:srgbClr val="3B3B3B"/>
                 </a:solidFill>
@@ -26113,7 +26466,7 @@
               <a:t>  </a:t>
             </a:r>
             <a:r>
-              <a:rPr lang="en-US" altLang="ko-KR" b="0">
+              <a:rPr lang="en-US" altLang="ko-KR" b="0" dirty="0">
                 <a:solidFill>
                   <a:srgbClr val="001080"/>
                 </a:solidFill>
@@ -26123,7 +26476,7 @@
               <a:t>name2</a:t>
             </a:r>
             <a:r>
-              <a:rPr lang="en-US" altLang="ko-KR" b="0">
+              <a:rPr lang="en-US" altLang="ko-KR" b="0" dirty="0">
                 <a:solidFill>
                   <a:srgbClr val="3B3B3B"/>
                 </a:solidFill>
@@ -26133,7 +26486,7 @@
               <a:t> </a:t>
             </a:r>
             <a:r>
-              <a:rPr lang="en-US" altLang="ko-KR" b="0">
+              <a:rPr lang="en-US" altLang="ko-KR" b="0" dirty="0">
                 <a:solidFill>
                   <a:srgbClr val="000000"/>
                 </a:solidFill>
@@ -26143,7 +26496,7 @@
               <a:t>=</a:t>
             </a:r>
             <a:r>
-              <a:rPr lang="en-US" altLang="ko-KR" b="0">
+              <a:rPr lang="en-US" altLang="ko-KR" b="0" dirty="0">
                 <a:solidFill>
                   <a:srgbClr val="3B3B3B"/>
                 </a:solidFill>
@@ -26153,7 +26506,7 @@
               <a:t> </a:t>
             </a:r>
             <a:r>
-              <a:rPr lang="en-US" altLang="ko-KR" b="0">
+              <a:rPr lang="en-US" altLang="ko-KR" b="0" dirty="0">
                 <a:solidFill>
                   <a:srgbClr val="098658"/>
                 </a:solidFill>
@@ -26163,7 +26516,7 @@
               <a:t>219</a:t>
             </a:r>
             <a:r>
-              <a:rPr lang="en-US" altLang="ko-KR" b="0">
+              <a:rPr lang="en-US" altLang="ko-KR" b="0" dirty="0">
                 <a:solidFill>
                   <a:srgbClr val="3B3B3B"/>
                 </a:solidFill>
@@ -26382,20 +26735,20 @@
               <a:buChar char="▶"/>
             </a:pPr>
             <a:r>
-              <a:rPr lang="en-US" altLang="ko-KR" sz="2000">
+              <a:rPr lang="en-US" altLang="ko-KR" sz="2000" dirty="0">
                 <a:latin typeface="Noto Sans CJK KR Regular" panose="020B0500000000000000" pitchFamily="34" charset="-127"/>
                 <a:ea typeface="Noto Sans CJK KR Regular" panose="020B0500000000000000" pitchFamily="34" charset="-127"/>
               </a:rPr>
               <a:t> </a:t>
             </a:r>
             <a:r>
-              <a:rPr lang="ko-KR" altLang="en-US" sz="2000">
+              <a:rPr lang="ko-KR" altLang="en-US" sz="2000" dirty="0">
                 <a:latin typeface="Noto Sans CJK KR Regular" panose="020B0500000000000000" pitchFamily="34" charset="-127"/>
                 <a:ea typeface="Noto Sans CJK KR Regular" panose="020B0500000000000000" pitchFamily="34" charset="-127"/>
               </a:rPr>
               <a:t>객체의 타입 추론</a:t>
             </a:r>
-            <a:endParaRPr lang="ko-KR" altLang="en-US" b="0">
+            <a:endParaRPr lang="ko-KR" altLang="en-US" b="0" dirty="0">
               <a:latin typeface="Noto Sans CJK KR Regular" panose="020B0500000000000000" pitchFamily="34" charset="-127"/>
               <a:ea typeface="Noto Sans CJK KR Regular" panose="020B0500000000000000" pitchFamily="34" charset="-127"/>
             </a:endParaRPr>
@@ -26406,21 +26759,21 @@
               <a:buChar char="•"/>
             </a:pPr>
             <a:r>
-              <a:rPr lang="en-US" altLang="ko-KR" b="0">
+              <a:rPr lang="en-US" altLang="ko-KR" b="0" dirty="0">
                 <a:latin typeface="Noto Sans CJK KR Regular" panose="020B0500000000000000" pitchFamily="34" charset="-127"/>
                 <a:ea typeface="Noto Sans CJK KR Regular" panose="020B0500000000000000" pitchFamily="34" charset="-127"/>
               </a:rPr>
               <a:t> </a:t>
             </a:r>
             <a:r>
-              <a:rPr lang="ko-KR" altLang="en-US" b="0">
+              <a:rPr lang="ko-KR" altLang="en-US" b="0" dirty="0">
                 <a:latin typeface="Noto Sans CJK KR Regular" panose="020B0500000000000000" pitchFamily="34" charset="-127"/>
                 <a:ea typeface="Noto Sans CJK KR Regular" panose="020B0500000000000000" pitchFamily="34" charset="-127"/>
               </a:rPr>
               <a:t>객체를 선언과 동시에 초기화 할 때 타입을 명시하지 않으면 객체 내부의 </a:t>
             </a:r>
             <a:r>
-              <a:rPr lang="ko-KR" altLang="en-US" b="0">
+              <a:rPr lang="ko-KR" altLang="en-US" b="0" dirty="0">
                 <a:solidFill>
                   <a:srgbClr val="FF9E1B"/>
                 </a:solidFill>
@@ -26430,13 +26783,13 @@
               <a:t>속성과 속성값</a:t>
             </a:r>
             <a:r>
-              <a:rPr lang="ko-KR" altLang="en-US" b="0">
+              <a:rPr lang="ko-KR" altLang="en-US" b="0" dirty="0">
                 <a:latin typeface="Noto Sans CJK KR Regular" panose="020B0500000000000000" pitchFamily="34" charset="-127"/>
                 <a:ea typeface="Noto Sans CJK KR Regular" panose="020B0500000000000000" pitchFamily="34" charset="-127"/>
               </a:rPr>
               <a:t>에 맞춰서 타입을 자동으로 정의</a:t>
             </a:r>
-            <a:endParaRPr lang="en-US" altLang="ko-KR" b="0">
+            <a:endParaRPr lang="en-US" altLang="ko-KR" b="0" dirty="0">
               <a:latin typeface="Noto Sans CJK KR Regular" panose="020B0500000000000000" pitchFamily="34" charset="-127"/>
               <a:ea typeface="Noto Sans CJK KR Regular" panose="020B0500000000000000" pitchFamily="34" charset="-127"/>
             </a:endParaRPr>
@@ -26447,34 +26800,34 @@
               <a:buChar char="•"/>
             </a:pPr>
             <a:r>
-              <a:rPr lang="en-US" altLang="ko-KR">
+              <a:rPr lang="en-US" altLang="ko-KR" dirty="0">
                 <a:latin typeface="Noto Sans CJK KR Regular" panose="020B0500000000000000" pitchFamily="34" charset="-127"/>
                 <a:ea typeface="Noto Sans CJK KR Regular" panose="020B0500000000000000" pitchFamily="34" charset="-127"/>
               </a:rPr>
               <a:t> </a:t>
             </a:r>
             <a:r>
-              <a:rPr lang="ko-KR" altLang="en-US">
+              <a:rPr lang="ko-KR" altLang="en-US" dirty="0">
                 <a:latin typeface="Noto Sans CJK KR Regular" panose="020B0500000000000000" pitchFamily="34" charset="-127"/>
                 <a:ea typeface="Noto Sans CJK KR Regular" panose="020B0500000000000000" pitchFamily="34" charset="-127"/>
               </a:rPr>
               <a:t>문자열 값을 가진 속성이라면 </a:t>
             </a:r>
             <a:r>
-              <a:rPr lang="en-US" altLang="ko-KR">
+              <a:rPr lang="en-US" altLang="ko-KR" dirty="0">
                 <a:latin typeface="Noto Sans CJK KR Regular" panose="020B0500000000000000" pitchFamily="34" charset="-127"/>
                 <a:ea typeface="Noto Sans CJK KR Regular" panose="020B0500000000000000" pitchFamily="34" charset="-127"/>
               </a:rPr>
               <a:t>string </a:t>
             </a:r>
             <a:r>
-              <a:rPr lang="ko-KR" altLang="en-US">
+              <a:rPr lang="ko-KR" altLang="en-US" dirty="0">
                 <a:latin typeface="Noto Sans CJK KR Regular" panose="020B0500000000000000" pitchFamily="34" charset="-127"/>
                 <a:ea typeface="Noto Sans CJK KR Regular" panose="020B0500000000000000" pitchFamily="34" charset="-127"/>
               </a:rPr>
               <a:t>타입</a:t>
             </a:r>
-            <a:endParaRPr lang="en-US" altLang="ko-KR">
+            <a:endParaRPr lang="en-US" altLang="ko-KR" dirty="0">
               <a:latin typeface="Noto Sans CJK KR Regular" panose="020B0500000000000000" pitchFamily="34" charset="-127"/>
               <a:ea typeface="Noto Sans CJK KR Regular" panose="020B0500000000000000" pitchFamily="34" charset="-127"/>
             </a:endParaRPr>
@@ -26485,34 +26838,41 @@
               <a:buChar char="•"/>
             </a:pPr>
             <a:r>
-              <a:rPr lang="en-US" altLang="ko-KR" b="0">
+              <a:rPr lang="en-US" altLang="ko-KR" b="0" dirty="0">
                 <a:latin typeface="Noto Sans CJK KR Regular" panose="020B0500000000000000" pitchFamily="34" charset="-127"/>
                 <a:ea typeface="Noto Sans CJK KR Regular" panose="020B0500000000000000" pitchFamily="34" charset="-127"/>
               </a:rPr>
               <a:t> </a:t>
             </a:r>
             <a:r>
-              <a:rPr lang="ko-KR" altLang="en-US" b="0">
-                <a:latin typeface="Noto Sans CJK KR Regular" panose="020B0500000000000000" pitchFamily="34" charset="-127"/>
-                <a:ea typeface="Noto Sans CJK KR Regular" panose="020B0500000000000000" pitchFamily="34" charset="-127"/>
-              </a:rPr>
-              <a:t>숫자값을 가진 속성이라면 </a:t>
-            </a:r>
-            <a:r>
-              <a:rPr lang="en-US" altLang="ko-KR" b="0">
+              <a:rPr lang="ko-KR" altLang="en-US" b="0" dirty="0" err="1">
+                <a:latin typeface="Noto Sans CJK KR Regular" panose="020B0500000000000000" pitchFamily="34" charset="-127"/>
+                <a:ea typeface="Noto Sans CJK KR Regular" panose="020B0500000000000000" pitchFamily="34" charset="-127"/>
+              </a:rPr>
+              <a:t>숫자값을</a:t>
+            </a:r>
+            <a:r>
+              <a:rPr lang="ko-KR" altLang="en-US" b="0" dirty="0">
+                <a:latin typeface="Noto Sans CJK KR Regular" panose="020B0500000000000000" pitchFamily="34" charset="-127"/>
+                <a:ea typeface="Noto Sans CJK KR Regular" panose="020B0500000000000000" pitchFamily="34" charset="-127"/>
+              </a:rPr>
+              <a:t> 가진 속성이라면 </a:t>
+            </a:r>
+            <a:r>
+              <a:rPr lang="en-US" altLang="ko-KR" b="0" dirty="0">
                 <a:latin typeface="Noto Sans CJK KR Regular" panose="020B0500000000000000" pitchFamily="34" charset="-127"/>
                 <a:ea typeface="Noto Sans CJK KR Regular" panose="020B0500000000000000" pitchFamily="34" charset="-127"/>
               </a:rPr>
               <a:t>number </a:t>
             </a:r>
             <a:r>
-              <a:rPr lang="ko-KR" altLang="en-US" b="0">
+              <a:rPr lang="ko-KR" altLang="en-US" b="0" dirty="0">
                 <a:latin typeface="Noto Sans CJK KR Regular" panose="020B0500000000000000" pitchFamily="34" charset="-127"/>
                 <a:ea typeface="Noto Sans CJK KR Regular" panose="020B0500000000000000" pitchFamily="34" charset="-127"/>
               </a:rPr>
               <a:t>타입</a:t>
             </a:r>
-            <a:endParaRPr lang="en-US" altLang="ko-KR" b="0">
+            <a:endParaRPr lang="en-US" altLang="ko-KR" b="0" dirty="0">
               <a:latin typeface="Noto Sans CJK KR Regular" panose="020B0500000000000000" pitchFamily="34" charset="-127"/>
               <a:ea typeface="Noto Sans CJK KR Regular" panose="020B0500000000000000" pitchFamily="34" charset="-127"/>
             </a:endParaRPr>
@@ -27447,20 +27807,20 @@
               <a:buChar char="▶"/>
             </a:pPr>
             <a:r>
-              <a:rPr lang="en-US" altLang="ko-KR" sz="2000">
+              <a:rPr lang="en-US" altLang="ko-KR" sz="2000" dirty="0">
                 <a:latin typeface="Noto Sans CJK KR Regular" panose="020B0500000000000000" pitchFamily="34" charset="-127"/>
                 <a:ea typeface="Noto Sans CJK KR Regular" panose="020B0500000000000000" pitchFamily="34" charset="-127"/>
               </a:rPr>
               <a:t> </a:t>
             </a:r>
             <a:r>
-              <a:rPr lang="ko-KR" altLang="en-US" sz="2000">
+              <a:rPr lang="ko-KR" altLang="en-US" sz="2000" dirty="0">
                 <a:latin typeface="Noto Sans CJK KR Regular" panose="020B0500000000000000" pitchFamily="34" charset="-127"/>
                 <a:ea typeface="Noto Sans CJK KR Regular" panose="020B0500000000000000" pitchFamily="34" charset="-127"/>
               </a:rPr>
               <a:t>매개 변수의 타입</a:t>
             </a:r>
-            <a:endParaRPr lang="ko-KR" altLang="en-US" b="0">
+            <a:endParaRPr lang="ko-KR" altLang="en-US" b="0" dirty="0">
               <a:latin typeface="Noto Sans CJK KR Regular" panose="020B0500000000000000" pitchFamily="34" charset="-127"/>
               <a:ea typeface="Noto Sans CJK KR Regular" panose="020B0500000000000000" pitchFamily="34" charset="-127"/>
             </a:endParaRPr>
@@ -27471,21 +27831,21 @@
               <a:buChar char="•"/>
             </a:pPr>
             <a:r>
-              <a:rPr lang="en-US" altLang="ko-KR" b="0">
+              <a:rPr lang="en-US" altLang="ko-KR" b="0" dirty="0">
                 <a:latin typeface="Noto Sans CJK KR Regular" panose="020B0500000000000000" pitchFamily="34" charset="-127"/>
                 <a:ea typeface="Noto Sans CJK KR Regular" panose="020B0500000000000000" pitchFamily="34" charset="-127"/>
               </a:rPr>
               <a:t> </a:t>
             </a:r>
             <a:r>
-              <a:rPr lang="ko-KR" altLang="en-US">
+              <a:rPr lang="ko-KR" altLang="en-US" dirty="0">
                 <a:latin typeface="Noto Sans CJK KR Regular" panose="020B0500000000000000" pitchFamily="34" charset="-127"/>
                 <a:ea typeface="Noto Sans CJK KR Regular" panose="020B0500000000000000" pitchFamily="34" charset="-127"/>
               </a:rPr>
               <a:t>매개 변수에 타입을 지정하지 않으면 </a:t>
             </a:r>
             <a:r>
-              <a:rPr lang="en-US" altLang="ko-KR" b="1">
+              <a:rPr lang="en-US" altLang="ko-KR" b="1" dirty="0">
                 <a:solidFill>
                   <a:srgbClr val="FF9E1B"/>
                 </a:solidFill>
@@ -27495,13 +27855,13 @@
               <a:t>any</a:t>
             </a:r>
             <a:r>
-              <a:rPr lang="ko-KR" altLang="en-US">
+              <a:rPr lang="ko-KR" altLang="en-US" dirty="0">
                 <a:latin typeface="Noto Sans CJK KR Regular" panose="020B0500000000000000" pitchFamily="34" charset="-127"/>
                 <a:ea typeface="Noto Sans CJK KR Regular" panose="020B0500000000000000" pitchFamily="34" charset="-127"/>
               </a:rPr>
               <a:t> 타입</a:t>
             </a:r>
-            <a:endParaRPr lang="en-US" altLang="ko-KR">
+            <a:endParaRPr lang="en-US" altLang="ko-KR" dirty="0">
               <a:latin typeface="Noto Sans CJK KR Regular" panose="020B0500000000000000" pitchFamily="34" charset="-127"/>
               <a:ea typeface="Noto Sans CJK KR Regular" panose="020B0500000000000000" pitchFamily="34" charset="-127"/>
             </a:endParaRPr>
@@ -27512,48 +27872,55 @@
               <a:buChar char="•"/>
             </a:pPr>
             <a:r>
-              <a:rPr lang="en-US" altLang="ko-KR">
+              <a:rPr lang="en-US" altLang="ko-KR" dirty="0">
                 <a:latin typeface="Noto Sans CJK KR Regular" panose="020B0500000000000000" pitchFamily="34" charset="-127"/>
                 <a:ea typeface="Noto Sans CJK KR Regular" panose="020B0500000000000000" pitchFamily="34" charset="-127"/>
               </a:rPr>
               <a:t> </a:t>
             </a:r>
             <a:r>
-              <a:rPr lang="ko-KR" altLang="en-US">
+              <a:rPr lang="ko-KR" altLang="en-US" dirty="0">
                 <a:latin typeface="Noto Sans CJK KR Regular" panose="020B0500000000000000" pitchFamily="34" charset="-127"/>
                 <a:ea typeface="Noto Sans CJK KR Regular" panose="020B0500000000000000" pitchFamily="34" charset="-127"/>
               </a:rPr>
               <a:t>기본값 매개 변수를 지정했을 경우 할당된 값과 일치하는 타입으로 추론하고 </a:t>
             </a:r>
             <a:r>
-              <a:rPr lang="en-US" altLang="ko-KR">
+              <a:rPr lang="en-US" altLang="ko-KR" dirty="0">
                 <a:latin typeface="Noto Sans CJK KR Regular" panose="020B0500000000000000" pitchFamily="34" charset="-127"/>
                 <a:ea typeface="Noto Sans CJK KR Regular" panose="020B0500000000000000" pitchFamily="34" charset="-127"/>
               </a:rPr>
               <a:t>?(</a:t>
             </a:r>
             <a:r>
-              <a:rPr lang="ko-KR" altLang="en-US">
-                <a:latin typeface="Noto Sans CJK KR Regular" panose="020B0500000000000000" pitchFamily="34" charset="-127"/>
-                <a:ea typeface="Noto Sans CJK KR Regular" panose="020B0500000000000000" pitchFamily="34" charset="-127"/>
-              </a:rPr>
-              <a:t>옵셔널 매개변수</a:t>
-            </a:r>
-            <a:r>
-              <a:rPr lang="en-US" altLang="ko-KR">
+              <a:rPr lang="ko-KR" altLang="en-US" dirty="0" err="1">
+                <a:latin typeface="Noto Sans CJK KR Regular" panose="020B0500000000000000" pitchFamily="34" charset="-127"/>
+                <a:ea typeface="Noto Sans CJK KR Regular" panose="020B0500000000000000" pitchFamily="34" charset="-127"/>
+              </a:rPr>
+              <a:t>옵셔널</a:t>
+            </a:r>
+            <a:r>
+              <a:rPr lang="ko-KR" altLang="en-US" dirty="0">
+                <a:latin typeface="Noto Sans CJK KR Regular" panose="020B0500000000000000" pitchFamily="34" charset="-127"/>
+                <a:ea typeface="Noto Sans CJK KR Regular" panose="020B0500000000000000" pitchFamily="34" charset="-127"/>
+              </a:rPr>
+              <a:t> 매개변수</a:t>
+            </a:r>
+            <a:r>
+              <a:rPr lang="en-US" altLang="ko-KR" dirty="0">
                 <a:latin typeface="Noto Sans CJK KR Regular" panose="020B0500000000000000" pitchFamily="34" charset="-127"/>
                 <a:ea typeface="Noto Sans CJK KR Regular" panose="020B0500000000000000" pitchFamily="34" charset="-127"/>
               </a:rPr>
               <a:t>) </a:t>
             </a:r>
             <a:r>
-              <a:rPr lang="ko-KR" altLang="en-US">
+              <a:rPr lang="ko-KR" altLang="en-US" dirty="0">
                 <a:latin typeface="Noto Sans CJK KR Regular" panose="020B0500000000000000" pitchFamily="34" charset="-127"/>
                 <a:ea typeface="Noto Sans CJK KR Regular" panose="020B0500000000000000" pitchFamily="34" charset="-127"/>
               </a:rPr>
               <a:t>추가</a:t>
             </a:r>
-            <a:endParaRPr lang="en-US" altLang="ko-KR">
+            <a:endParaRPr lang="en-US" altLang="ko-KR" dirty="0">
               <a:latin typeface="Noto Sans CJK KR Regular" panose="020B0500000000000000" pitchFamily="34" charset="-127"/>
               <a:ea typeface="Noto Sans CJK KR Regular" panose="020B0500000000000000" pitchFamily="34" charset="-127"/>
             </a:endParaRPr>
@@ -27563,7 +27930,7 @@
               <a:buFontTx/>
               <a:buChar char="•"/>
             </a:pPr>
-            <a:endParaRPr lang="en-US" altLang="ko-KR">
+            <a:endParaRPr lang="en-US" altLang="ko-KR" dirty="0">
               <a:latin typeface="Noto Sans CJK KR Regular" panose="020B0500000000000000" pitchFamily="34" charset="-127"/>
               <a:ea typeface="Noto Sans CJK KR Regular" panose="020B0500000000000000" pitchFamily="34" charset="-127"/>
             </a:endParaRPr>
@@ -27574,20 +27941,20 @@
               <a:buChar char="▶"/>
             </a:pPr>
             <a:r>
-              <a:rPr lang="en-US" altLang="ko-KR" sz="2000">
+              <a:rPr lang="en-US" altLang="ko-KR" sz="2000" dirty="0">
                 <a:latin typeface="Noto Sans CJK KR Regular" panose="020B0500000000000000" pitchFamily="34" charset="-127"/>
                 <a:ea typeface="Noto Sans CJK KR Regular" panose="020B0500000000000000" pitchFamily="34" charset="-127"/>
               </a:rPr>
               <a:t> </a:t>
             </a:r>
             <a:r>
-              <a:rPr lang="ko-KR" altLang="en-US" sz="2000">
+              <a:rPr lang="ko-KR" altLang="en-US" sz="2000" dirty="0">
                 <a:latin typeface="Noto Sans CJK KR Regular" panose="020B0500000000000000" pitchFamily="34" charset="-127"/>
                 <a:ea typeface="Noto Sans CJK KR Regular" panose="020B0500000000000000" pitchFamily="34" charset="-127"/>
               </a:rPr>
               <a:t>리턴 타입</a:t>
             </a:r>
-            <a:endParaRPr lang="ko-KR" altLang="en-US" b="0">
+            <a:endParaRPr lang="ko-KR" altLang="en-US" b="0" dirty="0">
               <a:latin typeface="Noto Sans CJK KR Regular" panose="020B0500000000000000" pitchFamily="34" charset="-127"/>
               <a:ea typeface="Noto Sans CJK KR Regular" panose="020B0500000000000000" pitchFamily="34" charset="-127"/>
             </a:endParaRPr>
@@ -27598,20 +27965,27 @@
               <a:buChar char="•"/>
             </a:pPr>
             <a:r>
-              <a:rPr lang="en-US" altLang="ko-KR" b="0">
+              <a:rPr lang="en-US" altLang="ko-KR" b="0" dirty="0">
                 <a:latin typeface="Noto Sans CJK KR Regular" panose="020B0500000000000000" pitchFamily="34" charset="-127"/>
                 <a:ea typeface="Noto Sans CJK KR Regular" panose="020B0500000000000000" pitchFamily="34" charset="-127"/>
               </a:rPr>
               <a:t> </a:t>
             </a:r>
             <a:r>
-              <a:rPr lang="ko-KR" altLang="en-US" b="0">
-                <a:latin typeface="Noto Sans CJK KR Regular" panose="020B0500000000000000" pitchFamily="34" charset="-127"/>
-                <a:ea typeface="Noto Sans CJK KR Regular" panose="020B0500000000000000" pitchFamily="34" charset="-127"/>
-              </a:rPr>
-              <a:t>리턴값을 기반으로 추론</a:t>
-            </a:r>
-            <a:endParaRPr lang="en-US" altLang="ko-KR" b="0">
+              <a:rPr lang="ko-KR" altLang="en-US" b="0" dirty="0" err="1">
+                <a:latin typeface="Noto Sans CJK KR Regular" panose="020B0500000000000000" pitchFamily="34" charset="-127"/>
+                <a:ea typeface="Noto Sans CJK KR Regular" panose="020B0500000000000000" pitchFamily="34" charset="-127"/>
+              </a:rPr>
+              <a:t>리턴값을</a:t>
+            </a:r>
+            <a:r>
+              <a:rPr lang="ko-KR" altLang="en-US" b="0" dirty="0">
+                <a:latin typeface="Noto Sans CJK KR Regular" panose="020B0500000000000000" pitchFamily="34" charset="-127"/>
+                <a:ea typeface="Noto Sans CJK KR Regular" panose="020B0500000000000000" pitchFamily="34" charset="-127"/>
+              </a:rPr>
+              <a:t> 기반으로 추론</a:t>
+            </a:r>
+            <a:endParaRPr lang="en-US" altLang="ko-KR" b="0" dirty="0">
               <a:latin typeface="Noto Sans CJK KR Regular" panose="020B0500000000000000" pitchFamily="34" charset="-127"/>
               <a:ea typeface="Noto Sans CJK KR Regular" panose="020B0500000000000000" pitchFamily="34" charset="-127"/>
             </a:endParaRPr>
@@ -27622,20 +27996,48 @@
               <a:buChar char="•"/>
             </a:pPr>
             <a:r>
-              <a:rPr lang="en-US" altLang="ko-KR">
+              <a:rPr lang="en-US" altLang="ko-KR" dirty="0">
                 <a:latin typeface="Noto Sans CJK KR Regular" panose="020B0500000000000000" pitchFamily="34" charset="-127"/>
                 <a:ea typeface="Noto Sans CJK KR Regular" panose="020B0500000000000000" pitchFamily="34" charset="-127"/>
               </a:rPr>
               <a:t> </a:t>
             </a:r>
             <a:r>
-              <a:rPr lang="ko-KR" altLang="en-US">
-                <a:latin typeface="Noto Sans CJK KR Regular" panose="020B0500000000000000" pitchFamily="34" charset="-127"/>
-                <a:ea typeface="Noto Sans CJK KR Regular" panose="020B0500000000000000" pitchFamily="34" charset="-127"/>
-              </a:rPr>
-              <a:t>매개 변수가 리턴값에 영향을 미치면 매개 변수의 타입과 연산자를 기반으로 리턴값의 타입을 추론</a:t>
-            </a:r>
-            <a:endParaRPr lang="en-US" altLang="ko-KR">
+              <a:rPr lang="ko-KR" altLang="en-US" dirty="0">
+                <a:latin typeface="Noto Sans CJK KR Regular" panose="020B0500000000000000" pitchFamily="34" charset="-127"/>
+                <a:ea typeface="Noto Sans CJK KR Regular" panose="020B0500000000000000" pitchFamily="34" charset="-127"/>
+              </a:rPr>
+              <a:t>매개 변수가 </a:t>
+            </a:r>
+            <a:r>
+              <a:rPr lang="ko-KR" altLang="en-US" dirty="0" err="1">
+                <a:latin typeface="Noto Sans CJK KR Regular" panose="020B0500000000000000" pitchFamily="34" charset="-127"/>
+                <a:ea typeface="Noto Sans CJK KR Regular" panose="020B0500000000000000" pitchFamily="34" charset="-127"/>
+              </a:rPr>
+              <a:t>리턴값에</a:t>
+            </a:r>
+            <a:r>
+              <a:rPr lang="ko-KR" altLang="en-US" dirty="0">
+                <a:latin typeface="Noto Sans CJK KR Regular" panose="020B0500000000000000" pitchFamily="34" charset="-127"/>
+                <a:ea typeface="Noto Sans CJK KR Regular" panose="020B0500000000000000" pitchFamily="34" charset="-127"/>
+              </a:rPr>
+              <a:t> 영향을 미치면 매개 변수의 타입과 연산자를 기반으로 </a:t>
+            </a:r>
+            <a:r>
+              <a:rPr lang="ko-KR" altLang="en-US" dirty="0" err="1">
+                <a:latin typeface="Noto Sans CJK KR Regular" panose="020B0500000000000000" pitchFamily="34" charset="-127"/>
+                <a:ea typeface="Noto Sans CJK KR Regular" panose="020B0500000000000000" pitchFamily="34" charset="-127"/>
+              </a:rPr>
+              <a:t>리턴값의</a:t>
+            </a:r>
+            <a:r>
+              <a:rPr lang="ko-KR" altLang="en-US" dirty="0">
+                <a:latin typeface="Noto Sans CJK KR Regular" panose="020B0500000000000000" pitchFamily="34" charset="-127"/>
+                <a:ea typeface="Noto Sans CJK KR Regular" panose="020B0500000000000000" pitchFamily="34" charset="-127"/>
+              </a:rPr>
+              <a:t> 타입을 추론</a:t>
+            </a:r>
+            <a:endParaRPr lang="en-US" altLang="ko-KR" dirty="0">
               <a:latin typeface="Noto Sans CJK KR Regular" panose="020B0500000000000000" pitchFamily="34" charset="-127"/>
               <a:ea typeface="Noto Sans CJK KR Regular" panose="020B0500000000000000" pitchFamily="34" charset="-127"/>
             </a:endParaRPr>
@@ -27646,56 +28048,56 @@
               <a:buChar char="•"/>
             </a:pPr>
             <a:r>
-              <a:rPr lang="en-US" altLang="ko-KR" b="0">
+              <a:rPr lang="en-US" altLang="ko-KR" b="0" dirty="0">
                 <a:latin typeface="Noto Sans CJK KR Regular" panose="020B0500000000000000" pitchFamily="34" charset="-127"/>
                 <a:ea typeface="Noto Sans CJK KR Regular" panose="020B0500000000000000" pitchFamily="34" charset="-127"/>
               </a:rPr>
               <a:t> </a:t>
             </a:r>
             <a:r>
-              <a:rPr lang="ko-KR" altLang="en-US" b="0">
+              <a:rPr lang="ko-KR" altLang="en-US" b="0" dirty="0">
                 <a:latin typeface="Noto Sans CJK KR Regular" panose="020B0500000000000000" pitchFamily="34" charset="-127"/>
                 <a:ea typeface="Noto Sans CJK KR Regular" panose="020B0500000000000000" pitchFamily="34" charset="-127"/>
               </a:rPr>
               <a:t>아래의 예시에서 </a:t>
             </a:r>
             <a:r>
-              <a:rPr lang="en-US" altLang="ko-KR" b="0">
+              <a:rPr lang="en-US" altLang="ko-KR" b="0" dirty="0">
                 <a:latin typeface="Noto Sans CJK KR Regular" panose="020B0500000000000000" pitchFamily="34" charset="-127"/>
                 <a:ea typeface="Noto Sans CJK KR Regular" panose="020B0500000000000000" pitchFamily="34" charset="-127"/>
               </a:rPr>
               <a:t>num + 20</a:t>
             </a:r>
             <a:r>
-              <a:rPr lang="ko-KR" altLang="en-US" b="0">
+              <a:rPr lang="ko-KR" altLang="en-US" b="0" dirty="0">
                 <a:latin typeface="Noto Sans CJK KR Regular" panose="020B0500000000000000" pitchFamily="34" charset="-127"/>
                 <a:ea typeface="Noto Sans CJK KR Regular" panose="020B0500000000000000" pitchFamily="34" charset="-127"/>
               </a:rPr>
               <a:t>은 </a:t>
             </a:r>
             <a:r>
-              <a:rPr lang="en-US" altLang="ko-KR" b="0">
+              <a:rPr lang="en-US" altLang="ko-KR" b="0" dirty="0">
                 <a:latin typeface="Noto Sans CJK KR Regular" panose="020B0500000000000000" pitchFamily="34" charset="-127"/>
                 <a:ea typeface="Noto Sans CJK KR Regular" panose="020B0500000000000000" pitchFamily="34" charset="-127"/>
               </a:rPr>
               <a:t>number + number </a:t>
             </a:r>
             <a:r>
-              <a:rPr lang="ko-KR" altLang="en-US" b="0">
+              <a:rPr lang="ko-KR" altLang="en-US" b="0" dirty="0">
                 <a:latin typeface="Noto Sans CJK KR Regular" panose="020B0500000000000000" pitchFamily="34" charset="-127"/>
                 <a:ea typeface="Noto Sans CJK KR Regular" panose="020B0500000000000000" pitchFamily="34" charset="-127"/>
               </a:rPr>
               <a:t>이므로 결과도 </a:t>
             </a:r>
             <a:r>
-              <a:rPr lang="en-US" altLang="ko-KR" b="0">
+              <a:rPr lang="en-US" altLang="ko-KR" b="0" dirty="0">
                 <a:latin typeface="Noto Sans CJK KR Regular" panose="020B0500000000000000" pitchFamily="34" charset="-127"/>
                 <a:ea typeface="Noto Sans CJK KR Regular" panose="020B0500000000000000" pitchFamily="34" charset="-127"/>
               </a:rPr>
               <a:t>number</a:t>
             </a:r>
             <a:r>
-              <a:rPr lang="ko-KR" altLang="en-US" b="0">
+              <a:rPr lang="ko-KR" altLang="en-US" b="0" dirty="0">
                 <a:latin typeface="Noto Sans CJK KR Regular" panose="020B0500000000000000" pitchFamily="34" charset="-127"/>
                 <a:ea typeface="Noto Sans CJK KR Regular" panose="020B0500000000000000" pitchFamily="34" charset="-127"/>
               </a:rPr>
@@ -27815,7 +28217,7 @@
         </p:blipFill>
         <p:spPr>
           <a:xfrm>
-            <a:off x="973242" y="3380150"/>
+            <a:off x="973242" y="3943379"/>
             <a:ext cx="7043220" cy="1676085"/>
           </a:xfrm>
           <a:prstGeom prst="rect">
@@ -27842,7 +28244,7 @@
         </p:nvSpPr>
         <p:spPr>
           <a:xfrm>
-            <a:off x="5507526" y="3686954"/>
+            <a:off x="5507526" y="4250183"/>
             <a:ext cx="1092185" cy="331694"/>
           </a:xfrm>
           <a:prstGeom prst="roundRect">
@@ -27893,7 +28295,7 @@
         </p:nvSpPr>
         <p:spPr>
           <a:xfrm>
-            <a:off x="6725216" y="3686954"/>
+            <a:off x="6725216" y="4250183"/>
             <a:ext cx="1092185" cy="331694"/>
           </a:xfrm>
           <a:prstGeom prst="roundRect">
@@ -29076,20 +29478,27 @@
               <a:buChar char="▶"/>
             </a:pPr>
             <a:r>
-              <a:rPr lang="en-US" altLang="ko-KR" sz="2000">
+              <a:rPr lang="en-US" altLang="ko-KR" sz="2000" dirty="0">
                 <a:latin typeface="Noto Sans CJK KR Regular" panose="020B0500000000000000" pitchFamily="34" charset="-127"/>
                 <a:ea typeface="Noto Sans CJK KR Regular" panose="020B0500000000000000" pitchFamily="34" charset="-127"/>
               </a:rPr>
               <a:t> </a:t>
             </a:r>
             <a:r>
-              <a:rPr lang="ko-KR" altLang="en-US" sz="2000">
-                <a:latin typeface="Noto Sans CJK KR Regular" panose="020B0500000000000000" pitchFamily="34" charset="-127"/>
-                <a:ea typeface="Noto Sans CJK KR Regular" panose="020B0500000000000000" pitchFamily="34" charset="-127"/>
-              </a:rPr>
-              <a:t>리터럴 타입</a:t>
-            </a:r>
-            <a:endParaRPr lang="ko-KR" altLang="en-US" b="0">
+              <a:rPr lang="ko-KR" altLang="en-US" sz="2000" dirty="0" err="1">
+                <a:latin typeface="Noto Sans CJK KR Regular" panose="020B0500000000000000" pitchFamily="34" charset="-127"/>
+                <a:ea typeface="Noto Sans CJK KR Regular" panose="020B0500000000000000" pitchFamily="34" charset="-127"/>
+              </a:rPr>
+              <a:t>리터럴</a:t>
+            </a:r>
+            <a:r>
+              <a:rPr lang="ko-KR" altLang="en-US" sz="2000" dirty="0">
+                <a:latin typeface="Noto Sans CJK KR Regular" panose="020B0500000000000000" pitchFamily="34" charset="-127"/>
+                <a:ea typeface="Noto Sans CJK KR Regular" panose="020B0500000000000000" pitchFamily="34" charset="-127"/>
+              </a:rPr>
+              <a:t> 타입</a:t>
+            </a:r>
+            <a:endParaRPr lang="ko-KR" altLang="en-US" b="0" dirty="0">
               <a:latin typeface="Noto Sans CJK KR Regular" panose="020B0500000000000000" pitchFamily="34" charset="-127"/>
               <a:ea typeface="Noto Sans CJK KR Regular" panose="020B0500000000000000" pitchFamily="34" charset="-127"/>
             </a:endParaRPr>
@@ -29100,28 +29509,28 @@
               <a:buChar char="•"/>
             </a:pPr>
             <a:r>
-              <a:rPr lang="en-US" altLang="ko-KR" b="0">
+              <a:rPr lang="en-US" altLang="ko-KR" b="0" dirty="0">
                 <a:latin typeface="Noto Sans CJK KR Regular" panose="020B0500000000000000" pitchFamily="34" charset="-127"/>
                 <a:ea typeface="Noto Sans CJK KR Regular" panose="020B0500000000000000" pitchFamily="34" charset="-127"/>
               </a:rPr>
               <a:t> </a:t>
             </a:r>
             <a:r>
-              <a:rPr lang="ko-KR" altLang="en-US" b="0">
+              <a:rPr lang="ko-KR" altLang="en-US" b="0" dirty="0">
                 <a:latin typeface="Noto Sans CJK KR Regular" panose="020B0500000000000000" pitchFamily="34" charset="-127"/>
                 <a:ea typeface="Noto Sans CJK KR Regular" panose="020B0500000000000000" pitchFamily="34" charset="-127"/>
               </a:rPr>
               <a:t>특정 </a:t>
             </a:r>
             <a:r>
-              <a:rPr lang="en-US" altLang="ko-KR" b="0">
+              <a:rPr lang="en-US" altLang="ko-KR" b="0" dirty="0">
                 <a:latin typeface="Noto Sans CJK KR Regular" panose="020B0500000000000000" pitchFamily="34" charset="-127"/>
                 <a:ea typeface="Noto Sans CJK KR Regular" panose="020B0500000000000000" pitchFamily="34" charset="-127"/>
               </a:rPr>
               <a:t>"</a:t>
             </a:r>
             <a:r>
-              <a:rPr lang="ko-KR" altLang="en-US" b="0">
+              <a:rPr lang="ko-KR" altLang="en-US" b="0" dirty="0">
                 <a:solidFill>
                   <a:srgbClr val="FF9E1B"/>
                 </a:solidFill>
@@ -29131,21 +29540,21 @@
               <a:t>값</a:t>
             </a:r>
             <a:r>
-              <a:rPr lang="en-US" altLang="ko-KR" b="0">
+              <a:rPr lang="en-US" altLang="ko-KR" b="0" dirty="0">
                 <a:latin typeface="Noto Sans CJK KR Regular" panose="020B0500000000000000" pitchFamily="34" charset="-127"/>
                 <a:ea typeface="Noto Sans CJK KR Regular" panose="020B0500000000000000" pitchFamily="34" charset="-127"/>
               </a:rPr>
               <a:t>" </a:t>
             </a:r>
             <a:r>
-              <a:rPr lang="ko-KR" altLang="en-US" b="0">
+              <a:rPr lang="ko-KR" altLang="en-US" b="0" dirty="0">
                 <a:latin typeface="Noto Sans CJK KR Regular" panose="020B0500000000000000" pitchFamily="34" charset="-127"/>
                 <a:ea typeface="Noto Sans CJK KR Regular" panose="020B0500000000000000" pitchFamily="34" charset="-127"/>
               </a:rPr>
               <a:t>자체를 </a:t>
             </a:r>
             <a:r>
-              <a:rPr lang="ko-KR" altLang="en-US" b="0">
+              <a:rPr lang="ko-KR" altLang="en-US" b="0" dirty="0">
                 <a:solidFill>
                   <a:srgbClr val="FF9E1B"/>
                 </a:solidFill>
@@ -29155,13 +29564,13 @@
               <a:t>타입</a:t>
             </a:r>
             <a:r>
-              <a:rPr lang="ko-KR" altLang="en-US" b="0">
+              <a:rPr lang="ko-KR" altLang="en-US" b="0" dirty="0">
                 <a:latin typeface="Noto Sans CJK KR Regular" panose="020B0500000000000000" pitchFamily="34" charset="-127"/>
                 <a:ea typeface="Noto Sans CJK KR Regular" panose="020B0500000000000000" pitchFamily="34" charset="-127"/>
               </a:rPr>
               <a:t>으로 사용</a:t>
             </a:r>
-            <a:endParaRPr lang="en-US" altLang="ko-KR" b="0">
+            <a:endParaRPr lang="en-US" altLang="ko-KR" b="0" dirty="0">
               <a:latin typeface="Noto Sans CJK KR Regular" panose="020B0500000000000000" pitchFamily="34" charset="-127"/>
               <a:ea typeface="Noto Sans CJK KR Regular" panose="020B0500000000000000" pitchFamily="34" charset="-127"/>
             </a:endParaRPr>
@@ -29172,63 +29581,63 @@
               <a:buChar char="•"/>
             </a:pPr>
             <a:r>
-              <a:rPr lang="en-US" altLang="ko-KR">
+              <a:rPr lang="en-US" altLang="ko-KR" dirty="0">
                 <a:latin typeface="Noto Sans CJK KR Regular" panose="020B0500000000000000" pitchFamily="34" charset="-127"/>
                 <a:ea typeface="Noto Sans CJK KR Regular" panose="020B0500000000000000" pitchFamily="34" charset="-127"/>
               </a:rPr>
               <a:t> string </a:t>
             </a:r>
             <a:r>
-              <a:rPr lang="ko-KR" altLang="en-US">
+              <a:rPr lang="ko-KR" altLang="en-US" dirty="0">
                 <a:latin typeface="Noto Sans CJK KR Regular" panose="020B0500000000000000" pitchFamily="34" charset="-127"/>
                 <a:ea typeface="Noto Sans CJK KR Regular" panose="020B0500000000000000" pitchFamily="34" charset="-127"/>
               </a:rPr>
               <a:t>처럼 문자열 전체가 지정 가능한 타입이 아니라 </a:t>
             </a:r>
             <a:r>
-              <a:rPr lang="en-US" altLang="ko-KR">
+              <a:rPr lang="en-US" altLang="ko-KR" dirty="0">
                 <a:latin typeface="Noto Sans CJK KR Regular" panose="020B0500000000000000" pitchFamily="34" charset="-127"/>
                 <a:ea typeface="Noto Sans CJK KR Regular" panose="020B0500000000000000" pitchFamily="34" charset="-127"/>
               </a:rPr>
               <a:t>'</a:t>
             </a:r>
             <a:r>
-              <a:rPr lang="ko-KR" altLang="en-US">
+              <a:rPr lang="ko-KR" altLang="en-US" dirty="0">
                 <a:latin typeface="Noto Sans CJK KR Regular" panose="020B0500000000000000" pitchFamily="34" charset="-127"/>
                 <a:ea typeface="Noto Sans CJK KR Regular" panose="020B0500000000000000" pitchFamily="34" charset="-127"/>
               </a:rPr>
               <a:t>하루</a:t>
             </a:r>
             <a:r>
-              <a:rPr lang="en-US" altLang="ko-KR">
+              <a:rPr lang="en-US" altLang="ko-KR" dirty="0">
                 <a:latin typeface="Noto Sans CJK KR Regular" panose="020B0500000000000000" pitchFamily="34" charset="-127"/>
                 <a:ea typeface="Noto Sans CJK KR Regular" panose="020B0500000000000000" pitchFamily="34" charset="-127"/>
               </a:rPr>
               <a:t>', '</a:t>
             </a:r>
             <a:r>
-              <a:rPr lang="ko-KR" altLang="en-US">
+              <a:rPr lang="ko-KR" altLang="en-US" dirty="0">
                 <a:latin typeface="Noto Sans CJK KR Regular" panose="020B0500000000000000" pitchFamily="34" charset="-127"/>
                 <a:ea typeface="Noto Sans CJK KR Regular" panose="020B0500000000000000" pitchFamily="34" charset="-127"/>
               </a:rPr>
               <a:t>나무</a:t>
             </a:r>
             <a:r>
-              <a:rPr lang="en-US" altLang="ko-KR">
+              <a:rPr lang="en-US" altLang="ko-KR" dirty="0">
                 <a:latin typeface="Noto Sans CJK KR Regular" panose="020B0500000000000000" pitchFamily="34" charset="-127"/>
                 <a:ea typeface="Noto Sans CJK KR Regular" panose="020B0500000000000000" pitchFamily="34" charset="-127"/>
               </a:rPr>
               <a:t>' </a:t>
             </a:r>
             <a:r>
-              <a:rPr lang="ko-KR" altLang="en-US">
+              <a:rPr lang="ko-KR" altLang="en-US" dirty="0">
                 <a:latin typeface="Noto Sans CJK KR Regular" panose="020B0500000000000000" pitchFamily="34" charset="-127"/>
                 <a:ea typeface="Noto Sans CJK KR Regular" panose="020B0500000000000000" pitchFamily="34" charset="-127"/>
               </a:rPr>
               <a:t>같은 </a:t>
             </a:r>
             <a:r>
-              <a:rPr lang="ko-KR" altLang="en-US">
+              <a:rPr lang="ko-KR" altLang="en-US" dirty="0">
                 <a:solidFill>
                   <a:srgbClr val="FF9E1B"/>
                 </a:solidFill>
@@ -29238,14 +29647,14 @@
               <a:t>특정 값</a:t>
             </a:r>
             <a:r>
-              <a:rPr lang="ko-KR" altLang="en-US">
+              <a:rPr lang="ko-KR" altLang="en-US" dirty="0">
                 <a:latin typeface="Noto Sans CJK KR Regular" panose="020B0500000000000000" pitchFamily="34" charset="-127"/>
                 <a:ea typeface="Noto Sans CJK KR Regular" panose="020B0500000000000000" pitchFamily="34" charset="-127"/>
               </a:rPr>
               <a:t>만 가지도록 </a:t>
             </a:r>
             <a:r>
-              <a:rPr lang="ko-KR" altLang="en-US">
+              <a:rPr lang="ko-KR" altLang="en-US" dirty="0">
                 <a:solidFill>
                   <a:srgbClr val="FF9E1B"/>
                 </a:solidFill>
@@ -29255,13 +29664,13 @@
               <a:t>제한</a:t>
             </a:r>
             <a:r>
-              <a:rPr lang="ko-KR" altLang="en-US">
+              <a:rPr lang="ko-KR" altLang="en-US" dirty="0">
                 <a:latin typeface="Noto Sans CJK KR Regular" panose="020B0500000000000000" pitchFamily="34" charset="-127"/>
                 <a:ea typeface="Noto Sans CJK KR Regular" panose="020B0500000000000000" pitchFamily="34" charset="-127"/>
               </a:rPr>
               <a:t>하는 타입</a:t>
             </a:r>
-            <a:endParaRPr lang="en-US" altLang="ko-KR">
+            <a:endParaRPr lang="en-US" altLang="ko-KR" dirty="0">
               <a:latin typeface="Noto Sans CJK KR Regular" panose="020B0500000000000000" pitchFamily="34" charset="-127"/>
               <a:ea typeface="Noto Sans CJK KR Regular" panose="020B0500000000000000" pitchFamily="34" charset="-127"/>
             </a:endParaRPr>
@@ -29272,21 +29681,21 @@
               <a:buChar char="•"/>
             </a:pPr>
             <a:r>
-              <a:rPr lang="en-US" altLang="ko-KR">
+              <a:rPr lang="en-US" altLang="ko-KR" dirty="0">
                 <a:latin typeface="Noto Sans CJK KR Regular" panose="020B0500000000000000" pitchFamily="34" charset="-127"/>
                 <a:ea typeface="Noto Sans CJK KR Regular" panose="020B0500000000000000" pitchFamily="34" charset="-127"/>
               </a:rPr>
               <a:t> </a:t>
             </a:r>
             <a:r>
-              <a:rPr lang="ko-KR" altLang="en-US">
+              <a:rPr lang="ko-KR" altLang="en-US" dirty="0">
                 <a:latin typeface="Noto Sans CJK KR Regular" panose="020B0500000000000000" pitchFamily="34" charset="-127"/>
                 <a:ea typeface="Noto Sans CJK KR Regular" panose="020B0500000000000000" pitchFamily="34" charset="-127"/>
               </a:rPr>
               <a:t>잘못된 값의 입력을 미리 막아서 </a:t>
             </a:r>
             <a:r>
-              <a:rPr lang="ko-KR" altLang="en-US">
+              <a:rPr lang="ko-KR" altLang="en-US" dirty="0">
                 <a:solidFill>
                   <a:srgbClr val="FF9E1B"/>
                 </a:solidFill>
@@ -29296,13 +29705,13 @@
               <a:t>타입 안전성</a:t>
             </a:r>
             <a:r>
-              <a:rPr lang="ko-KR" altLang="en-US">
+              <a:rPr lang="ko-KR" altLang="en-US" dirty="0">
                 <a:latin typeface="Noto Sans CJK KR Regular" panose="020B0500000000000000" pitchFamily="34" charset="-127"/>
                 <a:ea typeface="Noto Sans CJK KR Regular" panose="020B0500000000000000" pitchFamily="34" charset="-127"/>
               </a:rPr>
               <a:t>을 높임</a:t>
             </a:r>
-            <a:endParaRPr lang="en-US" altLang="ko-KR">
+            <a:endParaRPr lang="en-US" altLang="ko-KR" dirty="0">
               <a:latin typeface="Noto Sans CJK KR Regular" panose="020B0500000000000000" pitchFamily="34" charset="-127"/>
               <a:ea typeface="Noto Sans CJK KR Regular" panose="020B0500000000000000" pitchFamily="34" charset="-127"/>
             </a:endParaRPr>
@@ -29427,7 +29836,7 @@
           </a:bodyPr>
           <a:lstStyle/>
           <a:p>
-            <a:endParaRPr lang="en-US" altLang="ko-KR" b="0">
+            <a:endParaRPr lang="en-US" altLang="ko-KR" b="0" dirty="0">
               <a:solidFill>
                 <a:srgbClr val="0000FF"/>
               </a:solidFill>
@@ -29437,7 +29846,7 @@
           </a:p>
           <a:p>
             <a:r>
-              <a:rPr lang="en-US" altLang="ko-KR" b="0">
+              <a:rPr lang="en-US" altLang="ko-KR" b="0" dirty="0">
                 <a:solidFill>
                   <a:srgbClr val="0000FF"/>
                 </a:solidFill>
@@ -29447,7 +29856,7 @@
               <a:t>  function</a:t>
             </a:r>
             <a:r>
-              <a:rPr lang="en-US" altLang="ko-KR" b="0">
+              <a:rPr lang="en-US" altLang="ko-KR" b="0" dirty="0">
                 <a:solidFill>
                   <a:srgbClr val="3B3B3B"/>
                 </a:solidFill>
@@ -29457,7 +29866,7 @@
               <a:t> </a:t>
             </a:r>
             <a:r>
-              <a:rPr lang="en-US" altLang="ko-KR" b="0">
+              <a:rPr lang="en-US" altLang="ko-KR" b="0" dirty="0" err="1">
                 <a:solidFill>
                   <a:srgbClr val="795E26"/>
                 </a:solidFill>
@@ -29467,7 +29876,7 @@
               <a:t>walkWithMyDog</a:t>
             </a:r>
             <a:r>
-              <a:rPr lang="en-US" altLang="ko-KR" b="0">
+              <a:rPr lang="en-US" altLang="ko-KR" b="0" dirty="0">
                 <a:solidFill>
                   <a:srgbClr val="3B3B3B"/>
                 </a:solidFill>
@@ -29477,7 +29886,7 @@
               <a:t>(</a:t>
             </a:r>
             <a:r>
-              <a:rPr lang="en-US" altLang="ko-KR" b="0">
+              <a:rPr lang="en-US" altLang="ko-KR" b="0" dirty="0">
                 <a:solidFill>
                   <a:srgbClr val="001080"/>
                 </a:solidFill>
@@ -29487,7 +29896,7 @@
               <a:t>name</a:t>
             </a:r>
             <a:r>
-              <a:rPr lang="en-US" altLang="ko-KR" b="0">
+              <a:rPr lang="en-US" altLang="ko-KR" b="0" dirty="0">
                 <a:solidFill>
                   <a:srgbClr val="000000"/>
                 </a:solidFill>
@@ -29497,7 +29906,7 @@
               <a:t>:</a:t>
             </a:r>
             <a:r>
-              <a:rPr lang="en-US" altLang="ko-KR" b="0">
+              <a:rPr lang="en-US" altLang="ko-KR" b="0" dirty="0">
                 <a:solidFill>
                   <a:srgbClr val="3B3B3B"/>
                 </a:solidFill>
@@ -29507,7 +29916,7 @@
               <a:t> </a:t>
             </a:r>
             <a:r>
-              <a:rPr lang="en-US" altLang="ko-KR" b="0">
+              <a:rPr lang="en-US" altLang="ko-KR" b="0" dirty="0">
                 <a:solidFill>
                   <a:srgbClr val="A31515"/>
                 </a:solidFill>
@@ -29517,7 +29926,7 @@
               <a:t>'</a:t>
             </a:r>
             <a:r>
-              <a:rPr lang="ko-KR" altLang="en-US" b="0">
+              <a:rPr lang="ko-KR" altLang="en-US" b="0" dirty="0">
                 <a:solidFill>
                   <a:srgbClr val="A31515"/>
                 </a:solidFill>
@@ -29527,7 +29936,7 @@
               <a:t>하루</a:t>
             </a:r>
             <a:r>
-              <a:rPr lang="en-US" altLang="ko-KR" b="0">
+              <a:rPr lang="en-US" altLang="ko-KR" b="0" dirty="0">
                 <a:solidFill>
                   <a:srgbClr val="A31515"/>
                 </a:solidFill>
@@ -29537,7 +29946,7 @@
               <a:t>'</a:t>
             </a:r>
             <a:r>
-              <a:rPr lang="ko-KR" altLang="en-US" b="0">
+              <a:rPr lang="ko-KR" altLang="en-US" b="0" dirty="0">
                 <a:solidFill>
                   <a:srgbClr val="3B3B3B"/>
                 </a:solidFill>
@@ -29547,7 +29956,7 @@
               <a:t> </a:t>
             </a:r>
             <a:r>
-              <a:rPr lang="en-US" altLang="ko-KR" b="0">
+              <a:rPr lang="en-US" altLang="ko-KR" b="0" dirty="0">
                 <a:solidFill>
                   <a:srgbClr val="000000"/>
                 </a:solidFill>
@@ -29557,7 +29966,7 @@
               <a:t>|</a:t>
             </a:r>
             <a:r>
-              <a:rPr lang="ko-KR" altLang="en-US" b="0">
+              <a:rPr lang="ko-KR" altLang="en-US" b="0" dirty="0">
                 <a:solidFill>
                   <a:srgbClr val="3B3B3B"/>
                 </a:solidFill>
@@ -29567,7 +29976,7 @@
               <a:t> </a:t>
             </a:r>
             <a:r>
-              <a:rPr lang="en-US" altLang="ko-KR" b="0">
+              <a:rPr lang="en-US" altLang="ko-KR" b="0" dirty="0">
                 <a:solidFill>
                   <a:srgbClr val="A31515"/>
                 </a:solidFill>
@@ -29577,7 +29986,7 @@
               <a:t>'</a:t>
             </a:r>
             <a:r>
-              <a:rPr lang="ko-KR" altLang="en-US" b="0">
+              <a:rPr lang="ko-KR" altLang="en-US" b="0" dirty="0">
                 <a:solidFill>
                   <a:srgbClr val="A31515"/>
                 </a:solidFill>
@@ -29587,7 +29996,7 @@
               <a:t>나무</a:t>
             </a:r>
             <a:r>
-              <a:rPr lang="en-US" altLang="ko-KR" b="0">
+              <a:rPr lang="en-US" altLang="ko-KR" b="0" dirty="0">
                 <a:solidFill>
                   <a:srgbClr val="A31515"/>
                 </a:solidFill>
@@ -29597,7 +30006,7 @@
               <a:t>'</a:t>
             </a:r>
             <a:r>
-              <a:rPr lang="en-US" altLang="ko-KR" b="0">
+              <a:rPr lang="en-US" altLang="ko-KR" b="0" dirty="0">
                 <a:solidFill>
                   <a:srgbClr val="3B3B3B"/>
                 </a:solidFill>
@@ -29607,7 +30016,7 @@
               <a:t>, </a:t>
             </a:r>
             <a:r>
-              <a:rPr lang="en-US" altLang="ko-KR" b="0">
+              <a:rPr lang="en-US" altLang="ko-KR" b="0" dirty="0">
                 <a:solidFill>
                   <a:srgbClr val="001080"/>
                 </a:solidFill>
@@ -29617,7 +30026,7 @@
               <a:t>time</a:t>
             </a:r>
             <a:r>
-              <a:rPr lang="en-US" altLang="ko-KR" b="0">
+              <a:rPr lang="en-US" altLang="ko-KR" b="0" dirty="0">
                 <a:solidFill>
                   <a:srgbClr val="000000"/>
                 </a:solidFill>
@@ -29627,7 +30036,7 @@
               <a:t>:</a:t>
             </a:r>
             <a:r>
-              <a:rPr lang="en-US" altLang="ko-KR" b="0">
+              <a:rPr lang="en-US" altLang="ko-KR" b="0" dirty="0">
                 <a:solidFill>
                   <a:srgbClr val="3B3B3B"/>
                 </a:solidFill>
@@ -29637,7 +30046,7 @@
               <a:t> </a:t>
             </a:r>
             <a:r>
-              <a:rPr lang="en-US" altLang="ko-KR" b="0">
+              <a:rPr lang="en-US" altLang="ko-KR" b="0" dirty="0">
                 <a:solidFill>
                   <a:srgbClr val="098658"/>
                 </a:solidFill>
@@ -29647,7 +30056,7 @@
               <a:t>1</a:t>
             </a:r>
             <a:r>
-              <a:rPr lang="en-US" altLang="ko-KR" b="0">
+              <a:rPr lang="en-US" altLang="ko-KR" b="0" dirty="0">
                 <a:solidFill>
                   <a:srgbClr val="3B3B3B"/>
                 </a:solidFill>
@@ -29657,7 +30066,7 @@
               <a:t> </a:t>
             </a:r>
             <a:r>
-              <a:rPr lang="en-US" altLang="ko-KR" b="0">
+              <a:rPr lang="en-US" altLang="ko-KR" b="0" dirty="0">
                 <a:solidFill>
                   <a:srgbClr val="000000"/>
                 </a:solidFill>
@@ -29667,7 +30076,7 @@
               <a:t>|</a:t>
             </a:r>
             <a:r>
-              <a:rPr lang="en-US" altLang="ko-KR" b="0">
+              <a:rPr lang="en-US" altLang="ko-KR" b="0" dirty="0">
                 <a:solidFill>
                   <a:srgbClr val="3B3B3B"/>
                 </a:solidFill>
@@ -29677,7 +30086,7 @@
               <a:t> </a:t>
             </a:r>
             <a:r>
-              <a:rPr lang="en-US" altLang="ko-KR" b="0">
+              <a:rPr lang="en-US" altLang="ko-KR" b="0" dirty="0">
                 <a:solidFill>
                   <a:srgbClr val="098658"/>
                 </a:solidFill>
@@ -29687,7 +30096,7 @@
               <a:t>2</a:t>
             </a:r>
             <a:r>
-              <a:rPr lang="en-US" altLang="ko-KR" b="0">
+              <a:rPr lang="en-US" altLang="ko-KR" b="0" dirty="0">
                 <a:solidFill>
                   <a:srgbClr val="3B3B3B"/>
                 </a:solidFill>
@@ -29699,7 +30108,7 @@
           </a:p>
           <a:p>
             <a:r>
-              <a:rPr lang="en-US" altLang="ko-KR" b="0">
+              <a:rPr lang="en-US" altLang="ko-KR" b="0" dirty="0">
                 <a:solidFill>
                   <a:srgbClr val="3B3B3B"/>
                 </a:solidFill>
@@ -29709,7 +30118,7 @@
               <a:t>    </a:t>
             </a:r>
             <a:r>
-              <a:rPr lang="en-US" altLang="ko-KR" b="0">
+              <a:rPr lang="en-US" altLang="ko-KR" b="0" dirty="0">
                 <a:solidFill>
                   <a:srgbClr val="001080"/>
                 </a:solidFill>
@@ -29719,7 +30128,7 @@
               <a:t>console</a:t>
             </a:r>
             <a:r>
-              <a:rPr lang="en-US" altLang="ko-KR" b="0">
+              <a:rPr lang="en-US" altLang="ko-KR" b="0" dirty="0">
                 <a:solidFill>
                   <a:srgbClr val="3B3B3B"/>
                 </a:solidFill>
@@ -29729,7 +30138,7 @@
               <a:t>.</a:t>
             </a:r>
             <a:r>
-              <a:rPr lang="en-US" altLang="ko-KR" b="0">
+              <a:rPr lang="en-US" altLang="ko-KR" b="0" dirty="0">
                 <a:solidFill>
                   <a:srgbClr val="795E26"/>
                 </a:solidFill>
@@ -29739,7 +30148,7 @@
               <a:t>log</a:t>
             </a:r>
             <a:r>
-              <a:rPr lang="en-US" altLang="ko-KR" b="0">
+              <a:rPr lang="en-US" altLang="ko-KR" b="0" dirty="0">
                 <a:solidFill>
                   <a:srgbClr val="3B3B3B"/>
                 </a:solidFill>
@@ -29749,7 +30158,7 @@
               <a:t>(</a:t>
             </a:r>
             <a:r>
-              <a:rPr lang="en-US" altLang="ko-KR" b="0">
+              <a:rPr lang="en-US" altLang="ko-KR" b="0" dirty="0">
                 <a:solidFill>
                   <a:srgbClr val="A31515"/>
                 </a:solidFill>
@@ -29759,7 +30168,7 @@
               <a:t>`</a:t>
             </a:r>
             <a:r>
-              <a:rPr lang="en-US" altLang="ko-KR" b="0">
+              <a:rPr lang="en-US" altLang="ko-KR" b="0" dirty="0">
                 <a:solidFill>
                   <a:srgbClr val="0000FF"/>
                 </a:solidFill>
@@ -29769,7 +30178,7 @@
               <a:t>${</a:t>
             </a:r>
             <a:r>
-              <a:rPr lang="en-US" altLang="ko-KR" b="0">
+              <a:rPr lang="en-US" altLang="ko-KR" b="0" dirty="0">
                 <a:solidFill>
                   <a:srgbClr val="001080"/>
                 </a:solidFill>
@@ -29779,7 +30188,7 @@
               <a:t>time</a:t>
             </a:r>
             <a:r>
-              <a:rPr lang="en-US" altLang="ko-KR" b="0">
+              <a:rPr lang="en-US" altLang="ko-KR" b="0" dirty="0">
                 <a:solidFill>
                   <a:srgbClr val="0000FF"/>
                 </a:solidFill>
@@ -29789,7 +30198,7 @@
               <a:t>}</a:t>
             </a:r>
             <a:r>
-              <a:rPr lang="ko-KR" altLang="en-US" b="0">
+              <a:rPr lang="ko-KR" altLang="en-US" b="0" dirty="0">
                 <a:solidFill>
                   <a:srgbClr val="A31515"/>
                 </a:solidFill>
@@ -29799,7 +30208,7 @@
               <a:t>시간 동안 </a:t>
             </a:r>
             <a:r>
-              <a:rPr lang="en-US" altLang="ko-KR" b="0">
+              <a:rPr lang="en-US" altLang="ko-KR" b="0" dirty="0">
                 <a:solidFill>
                   <a:srgbClr val="0000FF"/>
                 </a:solidFill>
@@ -29809,7 +30218,7 @@
               <a:t>${</a:t>
             </a:r>
             <a:r>
-              <a:rPr lang="en-US" altLang="ko-KR" b="0">
+              <a:rPr lang="en-US" altLang="ko-KR" b="0" dirty="0">
                 <a:solidFill>
                   <a:srgbClr val="001080"/>
                 </a:solidFill>
@@ -29819,7 +30228,7 @@
               <a:t>name</a:t>
             </a:r>
             <a:r>
-              <a:rPr lang="en-US" altLang="ko-KR" b="0">
+              <a:rPr lang="en-US" altLang="ko-KR" b="0" dirty="0">
                 <a:solidFill>
                   <a:srgbClr val="0000FF"/>
                 </a:solidFill>
@@ -29829,7 +30238,7 @@
               <a:t>}</a:t>
             </a:r>
             <a:r>
-              <a:rPr lang="ko-KR" altLang="en-US" b="0">
+              <a:rPr lang="ko-KR" altLang="en-US" b="0" dirty="0">
                 <a:solidFill>
                   <a:srgbClr val="A31515"/>
                 </a:solidFill>
@@ -29839,7 +30248,7 @@
               <a:t>와 산책합니다</a:t>
             </a:r>
             <a:r>
-              <a:rPr lang="en-US" altLang="ko-KR" b="0">
+              <a:rPr lang="en-US" altLang="ko-KR" b="0" dirty="0">
                 <a:solidFill>
                   <a:srgbClr val="A31515"/>
                 </a:solidFill>
@@ -29849,7 +30258,7 @@
               <a:t>.`</a:t>
             </a:r>
             <a:r>
-              <a:rPr lang="en-US" altLang="ko-KR" b="0">
+              <a:rPr lang="en-US" altLang="ko-KR" b="0" dirty="0">
                 <a:solidFill>
                   <a:srgbClr val="3B3B3B"/>
                 </a:solidFill>
@@ -29861,7 +30270,7 @@
           </a:p>
           <a:p>
             <a:r>
-              <a:rPr lang="en-US" altLang="ko-KR" b="0">
+              <a:rPr lang="en-US" altLang="ko-KR" b="0" dirty="0">
                 <a:solidFill>
                   <a:srgbClr val="3B3B3B"/>
                 </a:solidFill>
@@ -29873,17 +30282,27 @@
           </a:p>
           <a:p>
             <a:r>
-              <a:rPr lang="en-US" altLang="ko-KR" b="0">
+              <a:rPr lang="en-US" altLang="ko-KR" b="0" dirty="0">
                 <a:solidFill>
                   <a:srgbClr val="795E26"/>
                 </a:solidFill>
                 <a:effectLst/>
                 <a:latin typeface="Consolas" panose="020B0609020204030204" pitchFamily="49" charset="0"/>
               </a:rPr>
-              <a:t>  walkWithMyDog</a:t>
-            </a:r>
-            <a:r>
-              <a:rPr lang="en-US" altLang="ko-KR" b="0">
+              <a:t>  </a:t>
+            </a:r>
+            <a:r>
+              <a:rPr lang="en-US" altLang="ko-KR" b="0" dirty="0" err="1">
+                <a:solidFill>
+                  <a:srgbClr val="795E26"/>
+                </a:solidFill>
+                <a:effectLst/>
+                <a:latin typeface="Consolas" panose="020B0609020204030204" pitchFamily="49" charset="0"/>
+              </a:rPr>
+              <a:t>walkWithMyDog</a:t>
+            </a:r>
+            <a:r>
+              <a:rPr lang="en-US" altLang="ko-KR" b="0" dirty="0">
                 <a:solidFill>
                   <a:srgbClr val="3B3B3B"/>
                 </a:solidFill>
@@ -29893,7 +30312,7 @@
               <a:t>(</a:t>
             </a:r>
             <a:r>
-              <a:rPr lang="en-US" altLang="ko-KR" b="0">
+              <a:rPr lang="en-US" altLang="ko-KR" b="0" dirty="0">
                 <a:solidFill>
                   <a:srgbClr val="A31515"/>
                 </a:solidFill>
@@ -29903,7 +30322,7 @@
               <a:t>'</a:t>
             </a:r>
             <a:r>
-              <a:rPr lang="ko-KR" altLang="en-US" b="0">
+              <a:rPr lang="ko-KR" altLang="en-US" b="0" dirty="0">
                 <a:solidFill>
                   <a:srgbClr val="A31515"/>
                 </a:solidFill>
@@ -29913,7 +30332,7 @@
               <a:t>하루</a:t>
             </a:r>
             <a:r>
-              <a:rPr lang="en-US" altLang="ko-KR" b="0">
+              <a:rPr lang="en-US" altLang="ko-KR" b="0" dirty="0">
                 <a:solidFill>
                   <a:srgbClr val="A31515"/>
                 </a:solidFill>
@@ -29923,7 +30342,7 @@
               <a:t>'</a:t>
             </a:r>
             <a:r>
-              <a:rPr lang="en-US" altLang="ko-KR" b="0">
+              <a:rPr lang="en-US" altLang="ko-KR" b="0" dirty="0">
                 <a:solidFill>
                   <a:srgbClr val="3B3B3B"/>
                 </a:solidFill>
@@ -29933,7 +30352,7 @@
               <a:t>, </a:t>
             </a:r>
             <a:r>
-              <a:rPr lang="en-US" altLang="ko-KR" b="0">
+              <a:rPr lang="en-US" altLang="ko-KR" b="0" dirty="0">
                 <a:solidFill>
                   <a:srgbClr val="098658"/>
                 </a:solidFill>
@@ -29943,7 +30362,7 @@
               <a:t>1</a:t>
             </a:r>
             <a:r>
-              <a:rPr lang="en-US" altLang="ko-KR" b="0">
+              <a:rPr lang="en-US" altLang="ko-KR" b="0" dirty="0">
                 <a:solidFill>
                   <a:srgbClr val="3B3B3B"/>
                 </a:solidFill>
@@ -29955,17 +30374,27 @@
           </a:p>
           <a:p>
             <a:r>
-              <a:rPr lang="en-US" altLang="ko-KR" b="0">
+              <a:rPr lang="en-US" altLang="ko-KR" b="0" dirty="0">
                 <a:solidFill>
                   <a:srgbClr val="795E26"/>
                 </a:solidFill>
                 <a:effectLst/>
                 <a:latin typeface="Consolas" panose="020B0609020204030204" pitchFamily="49" charset="0"/>
               </a:rPr>
-              <a:t>  walkWithMyDog</a:t>
-            </a:r>
-            <a:r>
-              <a:rPr lang="en-US" altLang="ko-KR" b="0">
+              <a:t>  </a:t>
+            </a:r>
+            <a:r>
+              <a:rPr lang="en-US" altLang="ko-KR" b="0" dirty="0" err="1">
+                <a:solidFill>
+                  <a:srgbClr val="795E26"/>
+                </a:solidFill>
+                <a:effectLst/>
+                <a:latin typeface="Consolas" panose="020B0609020204030204" pitchFamily="49" charset="0"/>
+              </a:rPr>
+              <a:t>walkWithMyDog</a:t>
+            </a:r>
+            <a:r>
+              <a:rPr lang="en-US" altLang="ko-KR" b="0" dirty="0">
                 <a:solidFill>
                   <a:srgbClr val="3B3B3B"/>
                 </a:solidFill>
@@ -29975,7 +30404,7 @@
               <a:t>(</a:t>
             </a:r>
             <a:r>
-              <a:rPr lang="en-US" altLang="ko-KR" b="0">
+              <a:rPr lang="en-US" altLang="ko-KR" b="0" dirty="0">
                 <a:solidFill>
                   <a:srgbClr val="A31515"/>
                 </a:solidFill>
@@ -29985,7 +30414,7 @@
               <a:t>'</a:t>
             </a:r>
             <a:r>
-              <a:rPr lang="ko-KR" altLang="en-US" b="0">
+              <a:rPr lang="ko-KR" altLang="en-US" b="0" dirty="0">
                 <a:solidFill>
                   <a:srgbClr val="A31515"/>
                 </a:solidFill>
@@ -29995,7 +30424,7 @@
               <a:t>나무</a:t>
             </a:r>
             <a:r>
-              <a:rPr lang="en-US" altLang="ko-KR" b="0">
+              <a:rPr lang="en-US" altLang="ko-KR" b="0" dirty="0">
                 <a:solidFill>
                   <a:srgbClr val="A31515"/>
                 </a:solidFill>
@@ -30005,7 +30434,7 @@
               <a:t>'</a:t>
             </a:r>
             <a:r>
-              <a:rPr lang="en-US" altLang="ko-KR" b="0">
+              <a:rPr lang="en-US" altLang="ko-KR" b="0" dirty="0">
                 <a:solidFill>
                   <a:srgbClr val="3B3B3B"/>
                 </a:solidFill>
@@ -30015,7 +30444,7 @@
               <a:t>, </a:t>
             </a:r>
             <a:r>
-              <a:rPr lang="en-US" altLang="ko-KR" b="0">
+              <a:rPr lang="en-US" altLang="ko-KR" b="0" dirty="0">
                 <a:solidFill>
                   <a:srgbClr val="098658"/>
                 </a:solidFill>
@@ -30025,7 +30454,7 @@
               <a:t>2</a:t>
             </a:r>
             <a:r>
-              <a:rPr lang="en-US" altLang="ko-KR" b="0">
+              <a:rPr lang="en-US" altLang="ko-KR" b="0" dirty="0">
                 <a:solidFill>
                   <a:srgbClr val="3B3B3B"/>
                 </a:solidFill>
@@ -30037,7 +30466,7 @@
           </a:p>
           <a:p>
             <a:r>
-              <a:rPr lang="en-US" altLang="ko-KR" b="0">
+              <a:rPr lang="en-US" altLang="ko-KR" b="0" dirty="0">
                 <a:solidFill>
                   <a:srgbClr val="795E26"/>
                 </a:solidFill>
@@ -30047,7 +30476,7 @@
               <a:t>  </a:t>
             </a:r>
             <a:r>
-              <a:rPr lang="en-US" altLang="ko-KR" b="0" strike="sngStrike">
+              <a:rPr lang="en-US" altLang="ko-KR" b="0" strike="sngStrike" dirty="0" err="1">
                 <a:solidFill>
                   <a:srgbClr val="795E26"/>
                 </a:solidFill>
@@ -30057,7 +30486,7 @@
               <a:t>walkWithMyDog</a:t>
             </a:r>
             <a:r>
-              <a:rPr lang="en-US" altLang="ko-KR" b="0" strike="sngStrike">
+              <a:rPr lang="en-US" altLang="ko-KR" b="0" strike="sngStrike" dirty="0">
                 <a:solidFill>
                   <a:srgbClr val="3B3B3B"/>
                 </a:solidFill>
@@ -30067,7 +30496,7 @@
               <a:t>(</a:t>
             </a:r>
             <a:r>
-              <a:rPr lang="en-US" altLang="ko-KR" b="0" strike="sngStrike">
+              <a:rPr lang="en-US" altLang="ko-KR" b="0" strike="sngStrike" dirty="0">
                 <a:solidFill>
                   <a:srgbClr val="A31515"/>
                 </a:solidFill>
@@ -30077,7 +30506,7 @@
               <a:t>'</a:t>
             </a:r>
             <a:r>
-              <a:rPr lang="ko-KR" altLang="en-US" b="0" strike="sngStrike">
+              <a:rPr lang="ko-KR" altLang="en-US" b="0" strike="sngStrike" dirty="0">
                 <a:solidFill>
                   <a:srgbClr val="A31515"/>
                 </a:solidFill>
@@ -30087,7 +30516,7 @@
               <a:t>이틀</a:t>
             </a:r>
             <a:r>
-              <a:rPr lang="en-US" altLang="ko-KR" b="0" strike="sngStrike">
+              <a:rPr lang="en-US" altLang="ko-KR" b="0" strike="sngStrike" dirty="0">
                 <a:solidFill>
                   <a:srgbClr val="A31515"/>
                 </a:solidFill>
@@ -30097,7 +30526,7 @@
               <a:t>'</a:t>
             </a:r>
             <a:r>
-              <a:rPr lang="en-US" altLang="ko-KR" b="0" strike="sngStrike">
+              <a:rPr lang="en-US" altLang="ko-KR" b="0" strike="sngStrike" dirty="0">
                 <a:solidFill>
                   <a:srgbClr val="3B3B3B"/>
                 </a:solidFill>
@@ -30107,7 +30536,7 @@
               <a:t>, </a:t>
             </a:r>
             <a:r>
-              <a:rPr lang="en-US" altLang="ko-KR" b="0" strike="sngStrike">
+              <a:rPr lang="en-US" altLang="ko-KR" b="0" strike="sngStrike" dirty="0">
                 <a:solidFill>
                   <a:srgbClr val="098658"/>
                 </a:solidFill>
@@ -30117,7 +30546,7 @@
               <a:t>3</a:t>
             </a:r>
             <a:r>
-              <a:rPr lang="en-US" altLang="ko-KR" b="0" strike="sngStrike">
+              <a:rPr lang="en-US" altLang="ko-KR" b="0" strike="sngStrike" dirty="0">
                 <a:solidFill>
                   <a:srgbClr val="3B3B3B"/>
                 </a:solidFill>
@@ -30127,7 +30556,7 @@
               <a:t>); </a:t>
             </a:r>
             <a:r>
-              <a:rPr lang="en-US" altLang="ko-KR" b="0">
+              <a:rPr lang="en-US" altLang="ko-KR" b="0" dirty="0">
                 <a:solidFill>
                   <a:srgbClr val="008000"/>
                 </a:solidFill>
@@ -30137,7 +30566,7 @@
               <a:t>// </a:t>
             </a:r>
             <a:r>
-              <a:rPr lang="ko-KR" altLang="en-US" b="0">
+              <a:rPr lang="ko-KR" altLang="en-US" b="0" dirty="0">
                 <a:solidFill>
                   <a:srgbClr val="008000"/>
                 </a:solidFill>
@@ -30146,7 +30575,7 @@
               </a:rPr>
               <a:t>타입 에러</a:t>
             </a:r>
-            <a:endParaRPr lang="ko-KR" altLang="en-US" b="0">
+            <a:endParaRPr lang="ko-KR" altLang="en-US" b="0" dirty="0">
               <a:solidFill>
                 <a:srgbClr val="3B3B3B"/>
               </a:solidFill>
@@ -30155,7 +30584,7 @@
             </a:endParaRPr>
           </a:p>
           <a:p>
-            <a:endParaRPr lang="en-US" altLang="ko-KR" b="0">
+            <a:endParaRPr lang="en-US" altLang="ko-KR" b="0" dirty="0">
               <a:solidFill>
                 <a:srgbClr val="3B3B3B"/>
               </a:solidFill>
@@ -30224,7 +30653,7 @@
           <a:lstStyle/>
           <a:p>
             <a:r>
-              <a:rPr kumimoji="1" lang="ko-KR" altLang="en-US" sz="1600" spc="-60">
+              <a:rPr kumimoji="1" lang="ko-KR" altLang="en-US" sz="1600" spc="-60" dirty="0">
                 <a:solidFill>
                   <a:srgbClr val="FF9E1B"/>
                 </a:solidFill>
@@ -30234,7 +30663,7 @@
               <a:t>강의  </a:t>
             </a:r>
             <a:r>
-              <a:rPr kumimoji="1" lang="en-US" altLang="ko-KR" sz="1600" spc="-60">
+              <a:rPr kumimoji="1" lang="en-US" altLang="ko-KR" sz="1600" spc="-60" dirty="0">
                 <a:solidFill>
                   <a:schemeClr val="tx1">
                     <a:lumMod val="75000"/>
@@ -30247,7 +30676,7 @@
               <a:t>|</a:t>
             </a:r>
             <a:r>
-              <a:rPr kumimoji="1" lang="ko-KR" altLang="en-US" sz="1600" spc="-60">
+              <a:rPr kumimoji="1" lang="ko-KR" altLang="en-US" sz="1600" spc="-60" dirty="0">
                 <a:solidFill>
                   <a:schemeClr val="tx1">
                     <a:lumMod val="75000"/>
@@ -30260,7 +30689,7 @@
               <a:t>  타입 단언 </a:t>
             </a:r>
             <a:r>
-              <a:rPr kumimoji="1" lang="en-US" altLang="ko-KR" sz="1600" spc="-60">
+              <a:rPr kumimoji="1" lang="en-US" altLang="ko-KR" sz="1600" spc="-60" dirty="0">
                 <a:solidFill>
                   <a:schemeClr val="tx1">
                     <a:lumMod val="75000"/>
@@ -30385,14 +30814,14 @@
               <a:buChar char="▶"/>
             </a:pPr>
             <a:r>
-              <a:rPr lang="en-US" altLang="ko-KR" sz="2000">
+              <a:rPr lang="en-US" altLang="ko-KR" sz="2000" dirty="0">
                 <a:latin typeface="Noto Sans CJK KR Regular" panose="020B0500000000000000" pitchFamily="34" charset="-127"/>
                 <a:ea typeface="Noto Sans CJK KR Regular" panose="020B0500000000000000" pitchFamily="34" charset="-127"/>
               </a:rPr>
               <a:t> </a:t>
             </a:r>
             <a:r>
-              <a:rPr lang="ko-KR" altLang="en-US" sz="2000">
+              <a:rPr lang="ko-KR" altLang="en-US" sz="2000" dirty="0">
                 <a:latin typeface="Noto Sans CJK KR Regular" panose="020B0500000000000000" pitchFamily="34" charset="-127"/>
                 <a:ea typeface="Noto Sans CJK KR Regular" panose="020B0500000000000000" pitchFamily="34" charset="-127"/>
               </a:rPr>
@@ -30409,21 +30838,21 @@
               <a:buChar char="•"/>
             </a:pPr>
             <a:r>
-              <a:rPr lang="en-US" altLang="ko-KR" b="0">
+              <a:rPr lang="en-US" altLang="ko-KR" b="0" dirty="0">
                 <a:latin typeface="Noto Sans CJK KR Regular" panose="020B0500000000000000" pitchFamily="34" charset="-127"/>
                 <a:ea typeface="Noto Sans CJK KR Regular" panose="020B0500000000000000" pitchFamily="34" charset="-127"/>
               </a:rPr>
               <a:t> </a:t>
             </a:r>
             <a:r>
-              <a:rPr lang="ko-KR" altLang="en-US" b="0">
+              <a:rPr lang="ko-KR" altLang="en-US" b="0" dirty="0">
                 <a:latin typeface="Noto Sans CJK KR Regular" panose="020B0500000000000000" pitchFamily="34" charset="-127"/>
                 <a:ea typeface="Noto Sans CJK KR Regular" panose="020B0500000000000000" pitchFamily="34" charset="-127"/>
               </a:rPr>
               <a:t>타입스크립트의 타입 추론에 기대지 않고 </a:t>
             </a:r>
             <a:r>
-              <a:rPr lang="ko-KR" altLang="en-US" b="0">
+              <a:rPr lang="ko-KR" altLang="en-US" b="0" dirty="0">
                 <a:solidFill>
                   <a:srgbClr val="FF9E1B"/>
                 </a:solidFill>
@@ -30433,14 +30862,14 @@
               <a:t>명시적</a:t>
             </a:r>
             <a:r>
-              <a:rPr lang="ko-KR" altLang="en-US" b="0">
+              <a:rPr lang="ko-KR" altLang="en-US" b="0" dirty="0">
                 <a:latin typeface="Noto Sans CJK KR Regular" panose="020B0500000000000000" pitchFamily="34" charset="-127"/>
                 <a:ea typeface="Noto Sans CJK KR Regular" panose="020B0500000000000000" pitchFamily="34" charset="-127"/>
               </a:rPr>
               <a:t>으로 직접 </a:t>
             </a:r>
             <a:r>
-              <a:rPr lang="ko-KR" altLang="en-US" b="0">
+              <a:rPr lang="ko-KR" altLang="en-US" b="0" dirty="0">
                 <a:solidFill>
                   <a:srgbClr val="FF9E1B"/>
                 </a:solidFill>
@@ -30449,7 +30878,7 @@
               </a:rPr>
               <a:t>타입을 지정</a:t>
             </a:r>
-            <a:endParaRPr lang="en-US" altLang="ko-KR" b="0">
+            <a:endParaRPr lang="en-US" altLang="ko-KR" b="0" dirty="0">
               <a:solidFill>
                 <a:srgbClr val="FF9E1B"/>
               </a:solidFill>
@@ -30463,14 +30892,14 @@
               <a:buChar char="•"/>
             </a:pPr>
             <a:r>
-              <a:rPr lang="en-US" altLang="ko-KR">
+              <a:rPr lang="en-US" altLang="ko-KR" dirty="0">
                 <a:latin typeface="Noto Sans CJK KR Regular" panose="020B0500000000000000" pitchFamily="34" charset="-127"/>
                 <a:ea typeface="Noto Sans CJK KR Regular" panose="020B0500000000000000" pitchFamily="34" charset="-127"/>
               </a:rPr>
               <a:t> </a:t>
             </a:r>
             <a:r>
-              <a:rPr lang="en-US" altLang="ko-KR" b="1">
+              <a:rPr lang="en-US" altLang="ko-KR" b="1" dirty="0">
                 <a:solidFill>
                   <a:srgbClr val="FF9E1B"/>
                 </a:solidFill>
@@ -30480,14 +30909,14 @@
               <a:t>as</a:t>
             </a:r>
             <a:r>
-              <a:rPr lang="ko-KR" altLang="en-US">
+              <a:rPr lang="ko-KR" altLang="en-US" dirty="0">
                 <a:latin typeface="Noto Sans CJK KR Regular" panose="020B0500000000000000" pitchFamily="34" charset="-127"/>
                 <a:ea typeface="Noto Sans CJK KR Regular" panose="020B0500000000000000" pitchFamily="34" charset="-127"/>
               </a:rPr>
               <a:t> 키워드로 타입을 지정하면 타입스크립트 컴파일러가 타입 </a:t>
             </a:r>
             <a:r>
-              <a:rPr lang="ko-KR" altLang="en-US">
+              <a:rPr lang="ko-KR" altLang="en-US" dirty="0">
                 <a:solidFill>
                   <a:srgbClr val="FF9E1B"/>
                 </a:solidFill>
@@ -30496,7 +30925,7 @@
               </a:rPr>
               <a:t>검사를 수행하지 않음</a:t>
             </a:r>
-            <a:endParaRPr lang="en-US" altLang="ko-KR">
+            <a:endParaRPr lang="en-US" altLang="ko-KR" dirty="0">
               <a:solidFill>
                 <a:srgbClr val="FF9E1B"/>
               </a:solidFill>
@@ -30510,21 +30939,21 @@
               <a:buChar char="•"/>
             </a:pPr>
             <a:r>
-              <a:rPr lang="en-US" altLang="ko-KR">
+              <a:rPr lang="en-US" altLang="ko-KR" dirty="0">
                 <a:latin typeface="Noto Sans CJK KR Regular" panose="020B0500000000000000" pitchFamily="34" charset="-127"/>
                 <a:ea typeface="Noto Sans CJK KR Regular" panose="020B0500000000000000" pitchFamily="34" charset="-127"/>
               </a:rPr>
               <a:t> </a:t>
             </a:r>
             <a:r>
-              <a:rPr lang="ko-KR" altLang="en-US">
+              <a:rPr lang="ko-KR" altLang="en-US" dirty="0">
                 <a:latin typeface="Noto Sans CJK KR Regular" panose="020B0500000000000000" pitchFamily="34" charset="-127"/>
                 <a:ea typeface="Noto Sans CJK KR Regular" panose="020B0500000000000000" pitchFamily="34" charset="-127"/>
               </a:rPr>
               <a:t>넓은 범위의 타입을 더 </a:t>
             </a:r>
             <a:r>
-              <a:rPr lang="ko-KR" altLang="en-US">
+              <a:rPr lang="ko-KR" altLang="en-US" dirty="0">
                 <a:solidFill>
                   <a:srgbClr val="FF9E1B"/>
                 </a:solidFill>
@@ -30534,13 +30963,13 @@
               <a:t>구체적인 타입</a:t>
             </a:r>
             <a:r>
-              <a:rPr lang="ko-KR" altLang="en-US">
+              <a:rPr lang="ko-KR" altLang="en-US" dirty="0">
                 <a:latin typeface="Noto Sans CJK KR Regular" panose="020B0500000000000000" pitchFamily="34" charset="-127"/>
                 <a:ea typeface="Noto Sans CJK KR Regular" panose="020B0500000000000000" pitchFamily="34" charset="-127"/>
               </a:rPr>
               <a:t>으로 지정할 때 사용 </a:t>
             </a:r>
-            <a:endParaRPr lang="en-US" altLang="ko-KR">
+            <a:endParaRPr lang="en-US" altLang="ko-KR" dirty="0">
               <a:latin typeface="Noto Sans CJK KR Regular" panose="020B0500000000000000" pitchFamily="34" charset="-127"/>
               <a:ea typeface="Noto Sans CJK KR Regular" panose="020B0500000000000000" pitchFamily="34" charset="-127"/>
             </a:endParaRPr>
@@ -30550,7 +30979,7 @@
               <a:buFontTx/>
               <a:buChar char="•"/>
             </a:pPr>
-            <a:endParaRPr lang="en-US" altLang="ko-KR">
+            <a:endParaRPr lang="en-US" altLang="ko-KR" dirty="0">
               <a:latin typeface="Noto Sans CJK KR Regular" panose="020B0500000000000000" pitchFamily="34" charset="-127"/>
               <a:ea typeface="Noto Sans CJK KR Regular" panose="020B0500000000000000" pitchFamily="34" charset="-127"/>
             </a:endParaRPr>
@@ -30561,20 +30990,20 @@
               <a:buChar char="▶"/>
             </a:pPr>
             <a:r>
-              <a:rPr lang="en-US" altLang="ko-KR" sz="2000">
+              <a:rPr lang="en-US" altLang="ko-KR" sz="2000" dirty="0">
                 <a:latin typeface="Noto Sans CJK KR Regular" panose="020B0500000000000000" pitchFamily="34" charset="-127"/>
                 <a:ea typeface="Noto Sans CJK KR Regular" panose="020B0500000000000000" pitchFamily="34" charset="-127"/>
               </a:rPr>
               <a:t> </a:t>
             </a:r>
             <a:r>
-              <a:rPr lang="ko-KR" altLang="en-US" sz="2000">
+              <a:rPr lang="ko-KR" altLang="en-US" sz="2000" dirty="0">
                 <a:latin typeface="Noto Sans CJK KR Regular" panose="020B0500000000000000" pitchFamily="34" charset="-127"/>
                 <a:ea typeface="Noto Sans CJK KR Regular" panose="020B0500000000000000" pitchFamily="34" charset="-127"/>
               </a:rPr>
               <a:t>타입 단언 대상</a:t>
             </a:r>
-            <a:endParaRPr lang="ko-KR" altLang="en-US" b="0">
+            <a:endParaRPr lang="ko-KR" altLang="en-US" b="0" dirty="0">
               <a:latin typeface="Noto Sans CJK KR Regular" panose="020B0500000000000000" pitchFamily="34" charset="-127"/>
               <a:ea typeface="Noto Sans CJK KR Regular" panose="020B0500000000000000" pitchFamily="34" charset="-127"/>
             </a:endParaRPr>
@@ -30585,35 +31014,35 @@
               <a:buChar char="•"/>
             </a:pPr>
             <a:r>
-              <a:rPr lang="en-US" altLang="ko-KR" b="0">
+              <a:rPr lang="en-US" altLang="ko-KR" b="0" dirty="0">
                 <a:latin typeface="Noto Sans CJK KR Regular" panose="020B0500000000000000" pitchFamily="34" charset="-127"/>
                 <a:ea typeface="Noto Sans CJK KR Regular" panose="020B0500000000000000" pitchFamily="34" charset="-127"/>
               </a:rPr>
               <a:t> </a:t>
             </a:r>
             <a:r>
-              <a:rPr lang="ko-KR" altLang="en-US">
+              <a:rPr lang="ko-KR" altLang="en-US" dirty="0" err="1">
                 <a:latin typeface="Noto Sans CJK KR Regular" panose="020B0500000000000000" pitchFamily="34" charset="-127"/>
                 <a:ea typeface="Noto Sans CJK KR Regular" panose="020B0500000000000000" pitchFamily="34" charset="-127"/>
               </a:rPr>
               <a:t>리터럴</a:t>
             </a:r>
             <a:r>
-              <a:rPr lang="en-US" altLang="ko-KR">
+              <a:rPr lang="en-US" altLang="ko-KR" dirty="0">
                 <a:latin typeface="Noto Sans CJK KR Regular" panose="020B0500000000000000" pitchFamily="34" charset="-127"/>
                 <a:ea typeface="Noto Sans CJK KR Regular" panose="020B0500000000000000" pitchFamily="34" charset="-127"/>
               </a:rPr>
               <a:t>: </a:t>
             </a:r>
             <a:r>
-              <a:rPr lang="ko-KR" altLang="en-US">
+              <a:rPr lang="ko-KR" altLang="en-US" dirty="0">
                 <a:latin typeface="Noto Sans CJK KR Regular" panose="020B0500000000000000" pitchFamily="34" charset="-127"/>
                 <a:ea typeface="Noto Sans CJK KR Regular" panose="020B0500000000000000" pitchFamily="34" charset="-127"/>
               </a:rPr>
               <a:t>원시형 데이터 타입의 </a:t>
             </a:r>
             <a:r>
-              <a:rPr lang="ko-KR" altLang="en-US">
+              <a:rPr lang="ko-KR" altLang="en-US" dirty="0">
                 <a:solidFill>
                   <a:srgbClr val="FF9E1B"/>
                 </a:solidFill>
@@ -30623,35 +31052,42 @@
               <a:t>값</a:t>
             </a:r>
             <a:r>
-              <a:rPr lang="en-US" altLang="ko-KR">
+              <a:rPr lang="en-US" altLang="ko-KR" dirty="0">
                 <a:latin typeface="Noto Sans CJK KR Regular" panose="020B0500000000000000" pitchFamily="34" charset="-127"/>
                 <a:ea typeface="Noto Sans CJK KR Regular" panose="020B0500000000000000" pitchFamily="34" charset="-127"/>
               </a:rPr>
               <a:t>, </a:t>
             </a:r>
             <a:r>
-              <a:rPr lang="ko-KR" altLang="en-US">
+              <a:rPr lang="ko-KR" altLang="en-US" dirty="0">
                 <a:latin typeface="Noto Sans CJK KR Regular" panose="020B0500000000000000" pitchFamily="34" charset="-127"/>
                 <a:ea typeface="Noto Sans CJK KR Regular" panose="020B0500000000000000" pitchFamily="34" charset="-127"/>
               </a:rPr>
               <a:t>객체</a:t>
             </a:r>
             <a:r>
-              <a:rPr lang="en-US" altLang="ko-KR">
+              <a:rPr lang="en-US" altLang="ko-KR" dirty="0">
                 <a:latin typeface="Noto Sans CJK KR Regular" panose="020B0500000000000000" pitchFamily="34" charset="-127"/>
                 <a:ea typeface="Noto Sans CJK KR Regular" panose="020B0500000000000000" pitchFamily="34" charset="-127"/>
               </a:rPr>
               <a:t>, </a:t>
             </a:r>
             <a:r>
-              <a:rPr lang="ko-KR" altLang="en-US">
-                <a:latin typeface="Noto Sans CJK KR Regular" panose="020B0500000000000000" pitchFamily="34" charset="-127"/>
-                <a:ea typeface="Noto Sans CJK KR Regular" panose="020B0500000000000000" pitchFamily="34" charset="-127"/>
-              </a:rPr>
-              <a:t>함수의 리턴</a:t>
-            </a:r>
-            <a:r>
-              <a:rPr lang="ko-KR" altLang="en-US">
+              <a:rPr lang="ko-KR" altLang="en-US" dirty="0">
+                <a:latin typeface="Noto Sans CJK KR Regular" panose="020B0500000000000000" pitchFamily="34" charset="-127"/>
+                <a:ea typeface="Noto Sans CJK KR Regular" panose="020B0500000000000000" pitchFamily="34" charset="-127"/>
+              </a:rPr>
+              <a:t>함수의 </a:t>
+            </a:r>
+            <a:r>
+              <a:rPr lang="ko-KR" altLang="en-US" dirty="0" err="1">
+                <a:latin typeface="Noto Sans CJK KR Regular" panose="020B0500000000000000" pitchFamily="34" charset="-127"/>
+                <a:ea typeface="Noto Sans CJK KR Regular" panose="020B0500000000000000" pitchFamily="34" charset="-127"/>
+              </a:rPr>
+              <a:t>리턴</a:t>
+            </a:r>
+            <a:r>
+              <a:rPr lang="ko-KR" altLang="en-US" dirty="0" err="1">
                 <a:solidFill>
                   <a:srgbClr val="FF9E1B"/>
                 </a:solidFill>
@@ -30661,13 +31097,13 @@
               <a:t>값</a:t>
             </a:r>
             <a:r>
-              <a:rPr lang="ko-KR" altLang="en-US" b="0">
+              <a:rPr lang="ko-KR" altLang="en-US" b="0" dirty="0">
                 <a:latin typeface="Noto Sans CJK KR Regular" panose="020B0500000000000000" pitchFamily="34" charset="-127"/>
                 <a:ea typeface="Noto Sans CJK KR Regular" panose="020B0500000000000000" pitchFamily="34" charset="-127"/>
               </a:rPr>
               <a:t> </a:t>
             </a:r>
-            <a:endParaRPr lang="en-US" altLang="ko-KR" b="0">
+            <a:endParaRPr lang="en-US" altLang="ko-KR" b="0" dirty="0">
               <a:latin typeface="Noto Sans CJK KR Regular" panose="020B0500000000000000" pitchFamily="34" charset="-127"/>
               <a:ea typeface="Noto Sans CJK KR Regular" panose="020B0500000000000000" pitchFamily="34" charset="-127"/>
             </a:endParaRPr>
@@ -30677,7 +31113,7 @@
               <a:buFontTx/>
               <a:buChar char="•"/>
             </a:pPr>
-            <a:endParaRPr lang="en-US" altLang="ko-KR">
+            <a:endParaRPr lang="en-US" altLang="ko-KR" dirty="0">
               <a:latin typeface="Noto Sans CJK KR Regular" panose="020B0500000000000000" pitchFamily="34" charset="-127"/>
               <a:ea typeface="Noto Sans CJK KR Regular" panose="020B0500000000000000" pitchFamily="34" charset="-127"/>
             </a:endParaRPr>
@@ -30803,7 +31239,7 @@
           <a:lstStyle/>
           <a:p>
             <a:r>
-              <a:rPr lang="ko-KR" altLang="en-US" b="0">
+              <a:rPr lang="ko-KR" altLang="en-US" b="0" dirty="0">
                 <a:solidFill>
                   <a:srgbClr val="3B3B3B"/>
                 </a:solidFill>
@@ -30813,7 +31249,7 @@
               <a:t>  </a:t>
             </a:r>
             <a:r>
-              <a:rPr lang="en-US" altLang="ko-KR" b="0">
+              <a:rPr lang="en-US" altLang="ko-KR" b="0" dirty="0">
                 <a:solidFill>
                   <a:srgbClr val="0000FF"/>
                 </a:solidFill>
@@ -30823,7 +31259,7 @@
               <a:t>function</a:t>
             </a:r>
             <a:r>
-              <a:rPr lang="ko-KR" altLang="en-US" b="0">
+              <a:rPr lang="ko-KR" altLang="en-US" b="0" dirty="0">
                 <a:solidFill>
                   <a:srgbClr val="3B3B3B"/>
                 </a:solidFill>
@@ -30833,7 +31269,7 @@
               <a:t> </a:t>
             </a:r>
             <a:r>
-              <a:rPr lang="en-US" altLang="ko-KR" b="0">
+              <a:rPr lang="en-US" altLang="ko-KR" b="0" dirty="0" err="1">
                 <a:solidFill>
                   <a:srgbClr val="795E26"/>
                 </a:solidFill>
@@ -30843,7 +31279,7 @@
               <a:t>getMsg</a:t>
             </a:r>
             <a:r>
-              <a:rPr lang="en-US" altLang="ko-KR" b="0">
+              <a:rPr lang="en-US" altLang="ko-KR" b="0" dirty="0">
                 <a:solidFill>
                   <a:srgbClr val="3B3B3B"/>
                 </a:solidFill>
@@ -30853,7 +31289,7 @@
               <a:t>(</a:t>
             </a:r>
             <a:r>
-              <a:rPr lang="en-US" altLang="ko-KR" b="0">
+              <a:rPr lang="en-US" altLang="ko-KR" b="0" dirty="0">
                 <a:solidFill>
                   <a:srgbClr val="001080"/>
                 </a:solidFill>
@@ -30863,7 +31299,7 @@
               <a:t>msg</a:t>
             </a:r>
             <a:r>
-              <a:rPr lang="en-US" altLang="ko-KR" b="0">
+              <a:rPr lang="en-US" altLang="ko-KR" b="0" dirty="0">
                 <a:solidFill>
                   <a:srgbClr val="000000"/>
                 </a:solidFill>
@@ -30873,7 +31309,7 @@
               <a:t>:</a:t>
             </a:r>
             <a:r>
-              <a:rPr lang="ko-KR" altLang="en-US" b="0">
+              <a:rPr lang="ko-KR" altLang="en-US" b="0" dirty="0">
                 <a:solidFill>
                   <a:srgbClr val="3B3B3B"/>
                 </a:solidFill>
@@ -30883,7 +31319,7 @@
               <a:t> </a:t>
             </a:r>
             <a:r>
-              <a:rPr lang="en-US" altLang="ko-KR" b="0">
+              <a:rPr lang="en-US" altLang="ko-KR" b="0" dirty="0">
                 <a:solidFill>
                   <a:srgbClr val="267F99"/>
                 </a:solidFill>
@@ -30893,7 +31329,7 @@
               <a:t>string</a:t>
             </a:r>
             <a:r>
-              <a:rPr lang="ko-KR" altLang="en-US" b="0">
+              <a:rPr lang="ko-KR" altLang="en-US" b="0" dirty="0">
                 <a:solidFill>
                   <a:srgbClr val="3B3B3B"/>
                 </a:solidFill>
@@ -30903,7 +31339,7 @@
               <a:t> </a:t>
             </a:r>
             <a:r>
-              <a:rPr lang="en-US" altLang="ko-KR" b="0">
+              <a:rPr lang="en-US" altLang="ko-KR" b="0" dirty="0">
                 <a:solidFill>
                   <a:srgbClr val="000000"/>
                 </a:solidFill>
@@ -30913,7 +31349,7 @@
               <a:t>|</a:t>
             </a:r>
             <a:r>
-              <a:rPr lang="ko-KR" altLang="en-US" b="0">
+              <a:rPr lang="ko-KR" altLang="en-US" b="0" dirty="0">
                 <a:solidFill>
                   <a:srgbClr val="3B3B3B"/>
                 </a:solidFill>
@@ -30923,7 +31359,7 @@
               <a:t> </a:t>
             </a:r>
             <a:r>
-              <a:rPr lang="en-US" altLang="ko-KR" b="0">
+              <a:rPr lang="en-US" altLang="ko-KR" b="0" dirty="0">
                 <a:solidFill>
                   <a:srgbClr val="267F99"/>
                 </a:solidFill>
@@ -30933,7 +31369,7 @@
               <a:t>number</a:t>
             </a:r>
             <a:r>
-              <a:rPr lang="en-US" altLang="ko-KR" b="0">
+              <a:rPr lang="en-US" altLang="ko-KR" b="0" dirty="0">
                 <a:solidFill>
                   <a:srgbClr val="3B3B3B"/>
                 </a:solidFill>
@@ -30945,7 +31381,7 @@
           </a:p>
           <a:p>
             <a:r>
-              <a:rPr lang="en-US" altLang="ko-KR" b="0">
+              <a:rPr lang="en-US" altLang="ko-KR" b="0" dirty="0">
                 <a:solidFill>
                   <a:srgbClr val="3B3B3B"/>
                 </a:solidFill>
@@ -30955,7 +31391,7 @@
               <a:t>    </a:t>
             </a:r>
             <a:r>
-              <a:rPr lang="en-US" altLang="ko-KR" b="0">
+              <a:rPr lang="en-US" altLang="ko-KR" b="0" dirty="0">
                 <a:solidFill>
                   <a:srgbClr val="AF00DB"/>
                 </a:solidFill>
@@ -30965,7 +31401,7 @@
               <a:t>return</a:t>
             </a:r>
             <a:r>
-              <a:rPr lang="ko-KR" altLang="en-US" b="0">
+              <a:rPr lang="ko-KR" altLang="en-US" b="0" dirty="0">
                 <a:solidFill>
                   <a:srgbClr val="3B3B3B"/>
                 </a:solidFill>
@@ -30975,7 +31411,7 @@
               <a:t> </a:t>
             </a:r>
             <a:r>
-              <a:rPr lang="en-US" altLang="ko-KR" b="0">
+              <a:rPr lang="en-US" altLang="ko-KR" b="0" dirty="0">
                 <a:solidFill>
                   <a:srgbClr val="001080"/>
                 </a:solidFill>
@@ -30985,7 +31421,7 @@
               <a:t>msg</a:t>
             </a:r>
             <a:r>
-              <a:rPr lang="en-US" altLang="ko-KR" b="0">
+              <a:rPr lang="en-US" altLang="ko-KR" b="0" dirty="0">
                 <a:solidFill>
                   <a:srgbClr val="3B3B3B"/>
                 </a:solidFill>
@@ -30997,7 +31433,7 @@
           </a:p>
           <a:p>
             <a:r>
-              <a:rPr lang="en-US" altLang="ko-KR" b="0">
+              <a:rPr lang="en-US" altLang="ko-KR" b="0" dirty="0">
                 <a:solidFill>
                   <a:srgbClr val="3B3B3B"/>
                 </a:solidFill>
@@ -31006,7 +31442,7 @@
               </a:rPr>
               <a:t>  }</a:t>
             </a:r>
-            <a:endParaRPr lang="ko-KR" altLang="en-US" b="0">
+            <a:endParaRPr lang="ko-KR" altLang="en-US" b="0" dirty="0">
               <a:solidFill>
                 <a:srgbClr val="3B3B3B"/>
               </a:solidFill>
@@ -31016,7 +31452,7 @@
           </a:p>
           <a:p>
             <a:r>
-              <a:rPr lang="ko-KR" altLang="en-US" b="0">
+              <a:rPr lang="ko-KR" altLang="en-US" b="0" dirty="0">
                 <a:solidFill>
                   <a:srgbClr val="3B3B3B"/>
                 </a:solidFill>
@@ -31026,7 +31462,7 @@
               <a:t>  </a:t>
             </a:r>
             <a:r>
-              <a:rPr lang="en-US" altLang="ko-KR" b="0">
+              <a:rPr lang="en-US" altLang="ko-KR" b="0" dirty="0">
                 <a:solidFill>
                   <a:srgbClr val="0000FF"/>
                 </a:solidFill>
@@ -31036,7 +31472,7 @@
               <a:t>const</a:t>
             </a:r>
             <a:r>
-              <a:rPr lang="ko-KR" altLang="en-US" b="0">
+              <a:rPr lang="ko-KR" altLang="en-US" b="0" dirty="0">
                 <a:solidFill>
                   <a:srgbClr val="3B3B3B"/>
                 </a:solidFill>
@@ -31046,7 +31482,7 @@
               <a:t> </a:t>
             </a:r>
             <a:r>
-              <a:rPr lang="en-US" altLang="ko-KR" b="0">
+              <a:rPr lang="en-US" altLang="ko-KR" b="0" dirty="0">
                 <a:solidFill>
                   <a:srgbClr val="0070C1"/>
                 </a:solidFill>
@@ -31056,7 +31492,7 @@
               <a:t>msg1</a:t>
             </a:r>
             <a:r>
-              <a:rPr lang="ko-KR" altLang="en-US" b="0">
+              <a:rPr lang="ko-KR" altLang="en-US" b="0" dirty="0">
                 <a:solidFill>
                   <a:srgbClr val="3B3B3B"/>
                 </a:solidFill>
@@ -31066,7 +31502,7 @@
               <a:t> </a:t>
             </a:r>
             <a:r>
-              <a:rPr lang="en-US" altLang="ko-KR" b="0">
+              <a:rPr lang="en-US" altLang="ko-KR" b="0" dirty="0">
                 <a:solidFill>
                   <a:srgbClr val="000000"/>
                 </a:solidFill>
@@ -31076,7 +31512,7 @@
               <a:t>=</a:t>
             </a:r>
             <a:r>
-              <a:rPr lang="ko-KR" altLang="en-US" b="0">
+              <a:rPr lang="ko-KR" altLang="en-US" b="0" dirty="0">
                 <a:solidFill>
                   <a:srgbClr val="3B3B3B"/>
                 </a:solidFill>
@@ -31086,7 +31522,7 @@
               <a:t> </a:t>
             </a:r>
             <a:r>
-              <a:rPr lang="en-US" altLang="ko-KR" b="0">
+              <a:rPr lang="en-US" altLang="ko-KR" b="0" dirty="0" err="1">
                 <a:solidFill>
                   <a:srgbClr val="795E26"/>
                 </a:solidFill>
@@ -31096,7 +31532,7 @@
               <a:t>getMsg</a:t>
             </a:r>
             <a:r>
-              <a:rPr lang="en-US" altLang="ko-KR" b="0">
+              <a:rPr lang="en-US" altLang="ko-KR" b="0" dirty="0">
                 <a:solidFill>
                   <a:srgbClr val="3B3B3B"/>
                 </a:solidFill>
@@ -31106,7 +31542,7 @@
               <a:t>(</a:t>
             </a:r>
             <a:r>
-              <a:rPr lang="en-US" altLang="ko-KR" b="0">
+              <a:rPr lang="en-US" altLang="ko-KR" b="0" dirty="0">
                 <a:solidFill>
                   <a:srgbClr val="098658"/>
                 </a:solidFill>
@@ -31116,7 +31552,7 @@
               <a:t>123.456</a:t>
             </a:r>
             <a:r>
-              <a:rPr lang="en-US" altLang="ko-KR" b="0">
+              <a:rPr lang="en-US" altLang="ko-KR" b="0" dirty="0">
                 <a:solidFill>
                   <a:srgbClr val="3B3B3B"/>
                 </a:solidFill>
@@ -31126,7 +31562,7 @@
               <a:t>) </a:t>
             </a:r>
             <a:r>
-              <a:rPr lang="en-US" altLang="ko-KR" b="1">
+              <a:rPr lang="en-US" altLang="ko-KR" b="1" dirty="0">
                 <a:solidFill>
                   <a:srgbClr val="FF9E1B"/>
                 </a:solidFill>
@@ -31136,7 +31572,7 @@
               <a:t>as</a:t>
             </a:r>
             <a:r>
-              <a:rPr lang="ko-KR" altLang="en-US" b="1">
+              <a:rPr lang="ko-KR" altLang="en-US" b="1" dirty="0">
                 <a:solidFill>
                   <a:srgbClr val="FF9E1B"/>
                 </a:solidFill>
@@ -31146,7 +31582,7 @@
               <a:t> </a:t>
             </a:r>
             <a:r>
-              <a:rPr lang="en-US" altLang="ko-KR" b="1">
+              <a:rPr lang="en-US" altLang="ko-KR" b="1" dirty="0">
                 <a:solidFill>
                   <a:srgbClr val="FF9E1B"/>
                 </a:solidFill>
@@ -31156,7 +31592,7 @@
               <a:t>number</a:t>
             </a:r>
             <a:r>
-              <a:rPr lang="en-US" altLang="ko-KR" b="0">
+              <a:rPr lang="en-US" altLang="ko-KR" b="0" dirty="0">
                 <a:solidFill>
                   <a:srgbClr val="3B3B3B"/>
                 </a:solidFill>
@@ -31168,7 +31604,7 @@
           </a:p>
           <a:p>
             <a:r>
-              <a:rPr lang="en-US" altLang="ko-KR" b="0">
+              <a:rPr lang="en-US" altLang="ko-KR" b="0" dirty="0">
                 <a:solidFill>
                   <a:srgbClr val="008000"/>
                 </a:solidFill>
@@ -31178,7 +31614,7 @@
               <a:t>  // </a:t>
             </a:r>
             <a:r>
-              <a:rPr lang="ko-KR" altLang="en-US" b="0">
+              <a:rPr lang="ko-KR" altLang="en-US" b="0" dirty="0">
                 <a:solidFill>
                   <a:srgbClr val="008000"/>
                 </a:solidFill>
@@ -31188,26 +31624,36 @@
               <a:t>타입 단언이 없으면 </a:t>
             </a:r>
             <a:r>
-              <a:rPr lang="en-US" altLang="ko-KR" b="0">
+              <a:rPr lang="en-US" altLang="ko-KR" b="0" dirty="0" err="1">
                 <a:solidFill>
                   <a:srgbClr val="008000"/>
                 </a:solidFill>
                 <a:effectLst/>
                 <a:latin typeface="Consolas" panose="020B0609020204030204" pitchFamily="49" charset="0"/>
               </a:rPr>
-              <a:t>toFixed() </a:t>
-            </a:r>
-            <a:r>
-              <a:rPr lang="ko-KR" altLang="en-US" b="0">
+              <a:t>toFixed</a:t>
+            </a:r>
+            <a:r>
+              <a:rPr lang="en-US" altLang="ko-KR" b="0" dirty="0">
                 <a:solidFill>
                   <a:srgbClr val="008000"/>
                 </a:solidFill>
                 <a:effectLst/>
                 <a:latin typeface="Consolas" panose="020B0609020204030204" pitchFamily="49" charset="0"/>
               </a:rPr>
+              <a:t>() </a:t>
+            </a:r>
+            <a:r>
+              <a:rPr lang="ko-KR" altLang="en-US" b="0" dirty="0">
+                <a:solidFill>
+                  <a:srgbClr val="008000"/>
+                </a:solidFill>
+                <a:effectLst/>
+                <a:latin typeface="Consolas" panose="020B0609020204030204" pitchFamily="49" charset="0"/>
+              </a:rPr>
               <a:t>메서드 사용 시 컴파일 에러 발생</a:t>
             </a:r>
-            <a:endParaRPr lang="en-US" altLang="ko-KR" b="0">
+            <a:endParaRPr lang="en-US" altLang="ko-KR" b="0" dirty="0">
               <a:solidFill>
                 <a:srgbClr val="3B3B3B"/>
               </a:solidFill>
@@ -31217,7 +31663,7 @@
           </a:p>
           <a:p>
             <a:r>
-              <a:rPr lang="ko-KR" altLang="en-US" b="0">
+              <a:rPr lang="ko-KR" altLang="en-US" b="0" dirty="0">
                 <a:solidFill>
                   <a:srgbClr val="3B3B3B"/>
                 </a:solidFill>
@@ -31227,7 +31673,7 @@
               <a:t>  </a:t>
             </a:r>
             <a:r>
-              <a:rPr lang="en-US" altLang="ko-KR" b="0">
+              <a:rPr lang="en-US" altLang="ko-KR" b="0" dirty="0">
                 <a:solidFill>
                   <a:srgbClr val="001080"/>
                 </a:solidFill>
@@ -31237,7 +31683,7 @@
               <a:t>console</a:t>
             </a:r>
             <a:r>
-              <a:rPr lang="en-US" altLang="ko-KR" b="0">
+              <a:rPr lang="en-US" altLang="ko-KR" b="0" dirty="0">
                 <a:solidFill>
                   <a:srgbClr val="3B3B3B"/>
                 </a:solidFill>
@@ -31247,7 +31693,7 @@
               <a:t>.</a:t>
             </a:r>
             <a:r>
-              <a:rPr lang="en-US" altLang="ko-KR" b="0">
+              <a:rPr lang="en-US" altLang="ko-KR" b="0" dirty="0">
                 <a:solidFill>
                   <a:srgbClr val="795E26"/>
                 </a:solidFill>
@@ -31257,7 +31703,7 @@
               <a:t>log</a:t>
             </a:r>
             <a:r>
-              <a:rPr lang="en-US" altLang="ko-KR" b="0">
+              <a:rPr lang="en-US" altLang="ko-KR" b="0" dirty="0">
                 <a:solidFill>
                   <a:srgbClr val="3B3B3B"/>
                 </a:solidFill>
@@ -31267,7 +31713,7 @@
               <a:t>(</a:t>
             </a:r>
             <a:r>
-              <a:rPr lang="en-US" altLang="ko-KR" b="0">
+              <a:rPr lang="en-US" altLang="ko-KR" b="0" dirty="0">
                 <a:solidFill>
                   <a:srgbClr val="0070C1"/>
                 </a:solidFill>
@@ -31277,7 +31723,7 @@
               <a:t>msg1</a:t>
             </a:r>
             <a:r>
-              <a:rPr lang="en-US" altLang="ko-KR" b="0">
+              <a:rPr lang="en-US" altLang="ko-KR" b="0" dirty="0">
                 <a:solidFill>
                   <a:srgbClr val="3B3B3B"/>
                 </a:solidFill>
@@ -31287,7 +31733,7 @@
               <a:t>.</a:t>
             </a:r>
             <a:r>
-              <a:rPr lang="en-US" altLang="ko-KR" b="0">
+              <a:rPr lang="en-US" altLang="ko-KR" b="0" dirty="0">
                 <a:solidFill>
                   <a:srgbClr val="795E26"/>
                 </a:solidFill>
@@ -31297,7 +31743,7 @@
               <a:t>toFixed</a:t>
             </a:r>
             <a:r>
-              <a:rPr lang="en-US" altLang="ko-KR" b="0">
+              <a:rPr lang="en-US" altLang="ko-KR" b="0" dirty="0">
                 <a:solidFill>
                   <a:srgbClr val="3B3B3B"/>
                 </a:solidFill>
@@ -31307,7 +31753,7 @@
               <a:t>(</a:t>
             </a:r>
             <a:r>
-              <a:rPr lang="en-US" altLang="ko-KR" b="0">
+              <a:rPr lang="en-US" altLang="ko-KR" b="0" dirty="0">
                 <a:solidFill>
                   <a:srgbClr val="098658"/>
                 </a:solidFill>
@@ -31317,7 +31763,7 @@
               <a:t>2</a:t>
             </a:r>
             <a:r>
-              <a:rPr lang="en-US" altLang="ko-KR" b="0">
+              <a:rPr lang="en-US" altLang="ko-KR" b="0" dirty="0">
                 <a:solidFill>
                   <a:srgbClr val="3B3B3B"/>
                 </a:solidFill>
@@ -31329,7 +31775,7 @@
           </a:p>
           <a:p>
             <a:r>
-              <a:rPr lang="en-US" altLang="ko-KR" b="0">
+              <a:rPr lang="en-US" altLang="ko-KR" b="0" dirty="0">
                 <a:solidFill>
                   <a:srgbClr val="008000"/>
                 </a:solidFill>
@@ -31339,7 +31785,7 @@
               <a:t>  // </a:t>
             </a:r>
             <a:r>
-              <a:rPr lang="ko-KR" altLang="en-US" b="0">
+              <a:rPr lang="ko-KR" altLang="en-US" b="0" dirty="0">
                 <a:solidFill>
                   <a:srgbClr val="008000"/>
                 </a:solidFill>
@@ -31349,26 +31795,36 @@
               <a:t>타입 단언이 없으면 </a:t>
             </a:r>
             <a:r>
-              <a:rPr lang="en-US" altLang="ko-KR" b="0">
+              <a:rPr lang="en-US" altLang="ko-KR" b="0" dirty="0" err="1">
                 <a:solidFill>
                   <a:srgbClr val="008000"/>
                 </a:solidFill>
                 <a:effectLst/>
                 <a:latin typeface="Consolas" panose="020B0609020204030204" pitchFamily="49" charset="0"/>
               </a:rPr>
-              <a:t>toUpperCase() </a:t>
-            </a:r>
-            <a:r>
-              <a:rPr lang="ko-KR" altLang="en-US" b="0">
+              <a:t>toUpperCase</a:t>
+            </a:r>
+            <a:r>
+              <a:rPr lang="en-US" altLang="ko-KR" b="0" dirty="0">
                 <a:solidFill>
                   <a:srgbClr val="008000"/>
                 </a:solidFill>
                 <a:effectLst/>
                 <a:latin typeface="Consolas" panose="020B0609020204030204" pitchFamily="49" charset="0"/>
               </a:rPr>
+              <a:t>() </a:t>
+            </a:r>
+            <a:r>
+              <a:rPr lang="ko-KR" altLang="en-US" b="0" dirty="0">
+                <a:solidFill>
+                  <a:srgbClr val="008000"/>
+                </a:solidFill>
+                <a:effectLst/>
+                <a:latin typeface="Consolas" panose="020B0609020204030204" pitchFamily="49" charset="0"/>
+              </a:rPr>
               <a:t>메서드 사용 시 컴파일 에러 발생</a:t>
             </a:r>
-            <a:endParaRPr lang="en-US" altLang="ko-KR" b="0">
+            <a:endParaRPr lang="en-US" altLang="ko-KR" b="0" dirty="0">
               <a:solidFill>
                 <a:srgbClr val="3B3B3B"/>
               </a:solidFill>
@@ -31378,7 +31834,7 @@
           </a:p>
           <a:p>
             <a:r>
-              <a:rPr lang="ko-KR" altLang="en-US" b="0">
+              <a:rPr lang="ko-KR" altLang="en-US" b="0" dirty="0">
                 <a:solidFill>
                   <a:srgbClr val="3B3B3B"/>
                 </a:solidFill>
@@ -31388,7 +31844,7 @@
               <a:t>  </a:t>
             </a:r>
             <a:r>
-              <a:rPr lang="en-US" altLang="ko-KR" b="0">
+              <a:rPr lang="en-US" altLang="ko-KR" b="0" dirty="0">
                 <a:solidFill>
                   <a:srgbClr val="0000FF"/>
                 </a:solidFill>
@@ -31398,7 +31854,7 @@
               <a:t>const</a:t>
             </a:r>
             <a:r>
-              <a:rPr lang="ko-KR" altLang="en-US" b="0">
+              <a:rPr lang="ko-KR" altLang="en-US" b="0" dirty="0">
                 <a:solidFill>
                   <a:srgbClr val="3B3B3B"/>
                 </a:solidFill>
@@ -31408,7 +31864,7 @@
               <a:t> </a:t>
             </a:r>
             <a:r>
-              <a:rPr lang="en-US" altLang="ko-KR" b="0">
+              <a:rPr lang="en-US" altLang="ko-KR" b="0" dirty="0">
                 <a:solidFill>
                   <a:srgbClr val="0070C1"/>
                 </a:solidFill>
@@ -31418,7 +31874,7 @@
               <a:t>msg2</a:t>
             </a:r>
             <a:r>
-              <a:rPr lang="ko-KR" altLang="en-US" b="0">
+              <a:rPr lang="ko-KR" altLang="en-US" b="0" dirty="0">
                 <a:solidFill>
                   <a:srgbClr val="3B3B3B"/>
                 </a:solidFill>
@@ -31428,7 +31884,7 @@
               <a:t> </a:t>
             </a:r>
             <a:r>
-              <a:rPr lang="en-US" altLang="ko-KR" b="0">
+              <a:rPr lang="en-US" altLang="ko-KR" b="0" dirty="0">
                 <a:solidFill>
                   <a:srgbClr val="000000"/>
                 </a:solidFill>
@@ -31438,7 +31894,7 @@
               <a:t>=</a:t>
             </a:r>
             <a:r>
-              <a:rPr lang="ko-KR" altLang="en-US" b="0">
+              <a:rPr lang="ko-KR" altLang="en-US" b="0" dirty="0">
                 <a:solidFill>
                   <a:srgbClr val="3B3B3B"/>
                 </a:solidFill>
@@ -31448,7 +31904,7 @@
               <a:t> </a:t>
             </a:r>
             <a:r>
-              <a:rPr lang="en-US" altLang="ko-KR" b="0">
+              <a:rPr lang="en-US" altLang="ko-KR" b="0" dirty="0" err="1">
                 <a:solidFill>
                   <a:srgbClr val="795E26"/>
                 </a:solidFill>
@@ -31458,7 +31914,7 @@
               <a:t>getMsg</a:t>
             </a:r>
             <a:r>
-              <a:rPr lang="en-US" altLang="ko-KR" b="0">
+              <a:rPr lang="en-US" altLang="ko-KR" b="0" dirty="0">
                 <a:solidFill>
                   <a:srgbClr val="3B3B3B"/>
                 </a:solidFill>
@@ -31468,7 +31924,7 @@
               <a:t>(</a:t>
             </a:r>
             <a:r>
-              <a:rPr lang="en-US" altLang="ko-KR" b="0">
+              <a:rPr lang="en-US" altLang="ko-KR" b="0" dirty="0">
                 <a:solidFill>
                   <a:srgbClr val="A31515"/>
                 </a:solidFill>
@@ -31478,7 +31934,7 @@
               <a:t>'hello'</a:t>
             </a:r>
             <a:r>
-              <a:rPr lang="en-US" altLang="ko-KR" b="0">
+              <a:rPr lang="en-US" altLang="ko-KR" b="0" dirty="0">
                 <a:solidFill>
                   <a:srgbClr val="3B3B3B"/>
                 </a:solidFill>
@@ -31488,7 +31944,7 @@
               <a:t>) </a:t>
             </a:r>
             <a:r>
-              <a:rPr lang="en-US" altLang="ko-KR" b="1">
+              <a:rPr lang="en-US" altLang="ko-KR" b="1" dirty="0">
                 <a:solidFill>
                   <a:srgbClr val="FF9E1B"/>
                 </a:solidFill>
@@ -31498,7 +31954,7 @@
               <a:t>as</a:t>
             </a:r>
             <a:r>
-              <a:rPr lang="ko-KR" altLang="en-US" b="1">
+              <a:rPr lang="ko-KR" altLang="en-US" b="1" dirty="0">
                 <a:solidFill>
                   <a:srgbClr val="FF9E1B"/>
                 </a:solidFill>
@@ -31508,7 +31964,7 @@
               <a:t> </a:t>
             </a:r>
             <a:r>
-              <a:rPr lang="en-US" altLang="ko-KR" b="1">
+              <a:rPr lang="en-US" altLang="ko-KR" b="1" dirty="0">
                 <a:solidFill>
                   <a:srgbClr val="FF9E1B"/>
                 </a:solidFill>
@@ -31518,7 +31974,7 @@
               <a:t>string</a:t>
             </a:r>
             <a:r>
-              <a:rPr lang="en-US" altLang="ko-KR" b="0">
+              <a:rPr lang="en-US" altLang="ko-KR" b="0" dirty="0">
                 <a:solidFill>
                   <a:srgbClr val="3B3B3B"/>
                 </a:solidFill>
@@ -31530,7 +31986,7 @@
           </a:p>
           <a:p>
             <a:r>
-              <a:rPr lang="ko-KR" altLang="en-US" b="0">
+              <a:rPr lang="ko-KR" altLang="en-US" b="0" dirty="0">
                 <a:solidFill>
                   <a:srgbClr val="3B3B3B"/>
                 </a:solidFill>
@@ -31540,7 +31996,7 @@
               <a:t>  </a:t>
             </a:r>
             <a:r>
-              <a:rPr lang="en-US" altLang="ko-KR" b="0">
+              <a:rPr lang="en-US" altLang="ko-KR" b="0" dirty="0">
                 <a:solidFill>
                   <a:srgbClr val="001080"/>
                 </a:solidFill>
@@ -31550,7 +32006,7 @@
               <a:t>console</a:t>
             </a:r>
             <a:r>
-              <a:rPr lang="en-US" altLang="ko-KR" b="0">
+              <a:rPr lang="en-US" altLang="ko-KR" b="0" dirty="0">
                 <a:solidFill>
                   <a:srgbClr val="3B3B3B"/>
                 </a:solidFill>
@@ -31560,7 +32016,7 @@
               <a:t>.</a:t>
             </a:r>
             <a:r>
-              <a:rPr lang="en-US" altLang="ko-KR" b="0">
+              <a:rPr lang="en-US" altLang="ko-KR" b="0" dirty="0">
                 <a:solidFill>
                   <a:srgbClr val="795E26"/>
                 </a:solidFill>
@@ -31570,7 +32026,7 @@
               <a:t>log</a:t>
             </a:r>
             <a:r>
-              <a:rPr lang="en-US" altLang="ko-KR" b="0">
+              <a:rPr lang="en-US" altLang="ko-KR" b="0" dirty="0">
                 <a:solidFill>
                   <a:srgbClr val="3B3B3B"/>
                 </a:solidFill>
@@ -31580,7 +32036,7 @@
               <a:t>(</a:t>
             </a:r>
             <a:r>
-              <a:rPr lang="en-US" altLang="ko-KR" b="0">
+              <a:rPr lang="en-US" altLang="ko-KR" b="0" dirty="0">
                 <a:solidFill>
                   <a:srgbClr val="0070C1"/>
                 </a:solidFill>
@@ -31590,7 +32046,7 @@
               <a:t>msg2</a:t>
             </a:r>
             <a:r>
-              <a:rPr lang="en-US" altLang="ko-KR" b="0">
+              <a:rPr lang="en-US" altLang="ko-KR" b="0" dirty="0">
                 <a:solidFill>
                   <a:srgbClr val="3B3B3B"/>
                 </a:solidFill>
@@ -31600,7 +32056,7 @@
               <a:t>.</a:t>
             </a:r>
             <a:r>
-              <a:rPr lang="en-US" altLang="ko-KR" b="0">
+              <a:rPr lang="en-US" altLang="ko-KR" b="0" dirty="0">
                 <a:solidFill>
                   <a:srgbClr val="795E26"/>
                 </a:solidFill>
@@ -31610,7 +32066,7 @@
               <a:t>toUpperCase</a:t>
             </a:r>
             <a:r>
-              <a:rPr lang="en-US" altLang="ko-KR" b="0">
+              <a:rPr lang="en-US" altLang="ko-KR" b="0" dirty="0">
                 <a:solidFill>
                   <a:srgbClr val="3B3B3B"/>
                 </a:solidFill>
@@ -31842,20 +32298,20 @@
               <a:buChar char="▶"/>
             </a:pPr>
             <a:r>
-              <a:rPr lang="en-US" altLang="ko-KR" sz="2000">
+              <a:rPr lang="en-US" altLang="ko-KR" sz="2000" dirty="0">
                 <a:latin typeface="Noto Sans CJK KR Regular" panose="020B0500000000000000" pitchFamily="34" charset="-127"/>
                 <a:ea typeface="Noto Sans CJK KR Regular" panose="020B0500000000000000" pitchFamily="34" charset="-127"/>
               </a:rPr>
               <a:t> </a:t>
             </a:r>
             <a:r>
-              <a:rPr lang="ko-KR" altLang="en-US" sz="2000">
+              <a:rPr lang="ko-KR" altLang="en-US" sz="2000" dirty="0">
                 <a:latin typeface="Noto Sans CJK KR Regular" panose="020B0500000000000000" pitchFamily="34" charset="-127"/>
                 <a:ea typeface="Noto Sans CJK KR Regular" panose="020B0500000000000000" pitchFamily="34" charset="-127"/>
               </a:rPr>
               <a:t>타입 단언 주의 사항</a:t>
             </a:r>
-            <a:endParaRPr lang="ko-KR" altLang="en-US" b="0">
+            <a:endParaRPr lang="ko-KR" altLang="en-US" b="0" dirty="0">
               <a:latin typeface="Noto Sans CJK KR Regular" panose="020B0500000000000000" pitchFamily="34" charset="-127"/>
               <a:ea typeface="Noto Sans CJK KR Regular" panose="020B0500000000000000" pitchFamily="34" charset="-127"/>
             </a:endParaRPr>
@@ -31866,62 +32322,62 @@
               <a:buChar char="•"/>
             </a:pPr>
             <a:r>
-              <a:rPr lang="en-US" altLang="ko-KR" b="0">
+              <a:rPr lang="en-US" altLang="ko-KR" b="0" dirty="0">
                 <a:latin typeface="Noto Sans CJK KR Regular" panose="020B0500000000000000" pitchFamily="34" charset="-127"/>
                 <a:ea typeface="Noto Sans CJK KR Regular" panose="020B0500000000000000" pitchFamily="34" charset="-127"/>
               </a:rPr>
               <a:t> </a:t>
             </a:r>
             <a:r>
-              <a:rPr lang="ko-KR" altLang="en-US" b="0">
+              <a:rPr lang="ko-KR" altLang="en-US" b="0" dirty="0">
                 <a:latin typeface="Noto Sans CJK KR Regular" panose="020B0500000000000000" pitchFamily="34" charset="-127"/>
                 <a:ea typeface="Noto Sans CJK KR Regular" panose="020B0500000000000000" pitchFamily="34" charset="-127"/>
               </a:rPr>
               <a:t> </a:t>
             </a:r>
             <a:r>
-              <a:rPr lang="en-US" altLang="ko-KR">
+              <a:rPr lang="en-US" altLang="ko-KR" dirty="0">
                 <a:latin typeface="Noto Sans CJK KR Regular" panose="020B0500000000000000" pitchFamily="34" charset="-127"/>
                 <a:ea typeface="Noto Sans CJK KR Regular" panose="020B0500000000000000" pitchFamily="34" charset="-127"/>
               </a:rPr>
               <a:t>as</a:t>
             </a:r>
             <a:r>
-              <a:rPr lang="ko-KR" altLang="en-US">
+              <a:rPr lang="ko-KR" altLang="en-US" dirty="0">
                 <a:latin typeface="Noto Sans CJK KR Regular" panose="020B0500000000000000" pitchFamily="34" charset="-127"/>
                 <a:ea typeface="Noto Sans CJK KR Regular" panose="020B0500000000000000" pitchFamily="34" charset="-127"/>
               </a:rPr>
               <a:t> 키워드는 변수에는 지정할 수 없고 데이터</a:t>
             </a:r>
             <a:r>
-              <a:rPr lang="en-US" altLang="ko-KR">
+              <a:rPr lang="en-US" altLang="ko-KR" dirty="0">
                 <a:latin typeface="Noto Sans CJK KR Regular" panose="020B0500000000000000" pitchFamily="34" charset="-127"/>
                 <a:ea typeface="Noto Sans CJK KR Regular" panose="020B0500000000000000" pitchFamily="34" charset="-127"/>
               </a:rPr>
               <a:t>(</a:t>
             </a:r>
             <a:r>
-              <a:rPr lang="ko-KR" altLang="en-US">
+              <a:rPr lang="ko-KR" altLang="en-US" dirty="0">
                 <a:latin typeface="Noto Sans CJK KR Regular" panose="020B0500000000000000" pitchFamily="34" charset="-127"/>
                 <a:ea typeface="Noto Sans CJK KR Regular" panose="020B0500000000000000" pitchFamily="34" charset="-127"/>
               </a:rPr>
               <a:t>값</a:t>
             </a:r>
             <a:r>
-              <a:rPr lang="en-US" altLang="ko-KR">
+              <a:rPr lang="en-US" altLang="ko-KR" dirty="0">
                 <a:latin typeface="Noto Sans CJK KR Regular" panose="020B0500000000000000" pitchFamily="34" charset="-127"/>
                 <a:ea typeface="Noto Sans CJK KR Regular" panose="020B0500000000000000" pitchFamily="34" charset="-127"/>
               </a:rPr>
               <a:t>)</a:t>
             </a:r>
             <a:r>
-              <a:rPr lang="ko-KR" altLang="en-US">
+              <a:rPr lang="ko-KR" altLang="en-US" dirty="0">
                 <a:latin typeface="Noto Sans CJK KR Regular" panose="020B0500000000000000" pitchFamily="34" charset="-127"/>
                 <a:ea typeface="Noto Sans CJK KR Regular" panose="020B0500000000000000" pitchFamily="34" charset="-127"/>
               </a:rPr>
               <a:t>에만 지정 가능</a:t>
             </a:r>
-            <a:endParaRPr lang="en-US" altLang="ko-KR">
+            <a:endParaRPr lang="en-US" altLang="ko-KR" dirty="0">
               <a:latin typeface="Noto Sans CJK KR Regular" panose="020B0500000000000000" pitchFamily="34" charset="-127"/>
               <a:ea typeface="Noto Sans CJK KR Regular" panose="020B0500000000000000" pitchFamily="34" charset="-127"/>
             </a:endParaRPr>
@@ -31932,14 +32388,14 @@
               <a:buChar char="•"/>
             </a:pPr>
             <a:r>
-              <a:rPr lang="en-US" altLang="ko-KR">
+              <a:rPr lang="en-US" altLang="ko-KR" dirty="0">
                 <a:latin typeface="Noto Sans CJK KR Regular" panose="020B0500000000000000" pitchFamily="34" charset="-127"/>
                 <a:ea typeface="Noto Sans CJK KR Regular" panose="020B0500000000000000" pitchFamily="34" charset="-127"/>
               </a:rPr>
               <a:t> </a:t>
             </a:r>
             <a:r>
-              <a:rPr lang="ko-KR" altLang="en-US">
+              <a:rPr lang="ko-KR" altLang="en-US" dirty="0">
                 <a:solidFill>
                   <a:srgbClr val="FF9E1B"/>
                 </a:solidFill>
@@ -31949,13 +32405,13 @@
               <a:t>호환되는 타입</a:t>
             </a:r>
             <a:r>
-              <a:rPr lang="ko-KR" altLang="en-US">
+              <a:rPr lang="ko-KR" altLang="en-US" dirty="0">
                 <a:latin typeface="Noto Sans CJK KR Regular" panose="020B0500000000000000" pitchFamily="34" charset="-127"/>
                 <a:ea typeface="Noto Sans CJK KR Regular" panose="020B0500000000000000" pitchFamily="34" charset="-127"/>
               </a:rPr>
               <a:t>으로만 타입 단언이 가능</a:t>
             </a:r>
-            <a:endParaRPr lang="en-US" altLang="ko-KR">
+            <a:endParaRPr lang="en-US" altLang="ko-KR" dirty="0">
               <a:latin typeface="Noto Sans CJK KR Regular" panose="020B0500000000000000" pitchFamily="34" charset="-127"/>
               <a:ea typeface="Noto Sans CJK KR Regular" panose="020B0500000000000000" pitchFamily="34" charset="-127"/>
             </a:endParaRPr>
@@ -31965,14 +32421,14 @@
               <a:buFontTx/>
               <a:buChar char="•"/>
             </a:pPr>
-            <a:endParaRPr lang="en-US" altLang="ko-KR">
+            <a:endParaRPr lang="en-US" altLang="ko-KR" dirty="0">
               <a:latin typeface="Noto Sans CJK KR Regular" panose="020B0500000000000000" pitchFamily="34" charset="-127"/>
               <a:ea typeface="Noto Sans CJK KR Regular" panose="020B0500000000000000" pitchFamily="34" charset="-127"/>
             </a:endParaRPr>
           </a:p>
           <a:p>
             <a:pPr lvl="2"/>
-            <a:endParaRPr lang="en-US" altLang="ko-KR">
+            <a:endParaRPr lang="en-US" altLang="ko-KR" dirty="0">
               <a:latin typeface="Noto Sans CJK KR Regular" panose="020B0500000000000000" pitchFamily="34" charset="-127"/>
               <a:ea typeface="Noto Sans CJK KR Regular" panose="020B0500000000000000" pitchFamily="34" charset="-127"/>
             </a:endParaRPr>
@@ -31983,20 +32439,20 @@
               <a:buChar char="•"/>
             </a:pPr>
             <a:r>
-              <a:rPr lang="en-US" altLang="ko-KR">
-                <a:latin typeface="Noto Sans CJK KR Regular" panose="020B0500000000000000" pitchFamily="34" charset="-127"/>
-                <a:ea typeface="Noto Sans CJK KR Regular" panose="020B0500000000000000" pitchFamily="34" charset="-127"/>
-              </a:rPr>
-              <a:t>  any, unkonw</a:t>
-            </a:r>
-            <a:r>
-              <a:rPr lang="ko-KR" altLang="en-US">
+              <a:rPr lang="en-US" altLang="ko-KR" dirty="0">
+                <a:latin typeface="Noto Sans CJK KR Regular" panose="020B0500000000000000" pitchFamily="34" charset="-127"/>
+                <a:ea typeface="Noto Sans CJK KR Regular" panose="020B0500000000000000" pitchFamily="34" charset="-127"/>
+              </a:rPr>
+              <a:t>  any, unknown</a:t>
+            </a:r>
+            <a:r>
+              <a:rPr lang="ko-KR" altLang="en-US" dirty="0">
                 <a:latin typeface="Noto Sans CJK KR Regular" panose="020B0500000000000000" pitchFamily="34" charset="-127"/>
                 <a:ea typeface="Noto Sans CJK KR Regular" panose="020B0500000000000000" pitchFamily="34" charset="-127"/>
               </a:rPr>
               <a:t>은 모든 타입과 호환 가능</a:t>
             </a:r>
-            <a:endParaRPr lang="en-US" altLang="ko-KR">
+            <a:endParaRPr lang="en-US" altLang="ko-KR" dirty="0">
               <a:latin typeface="Noto Sans CJK KR Regular" panose="020B0500000000000000" pitchFamily="34" charset="-127"/>
               <a:ea typeface="Noto Sans CJK KR Regular" panose="020B0500000000000000" pitchFamily="34" charset="-127"/>
             </a:endParaRPr>
@@ -32007,35 +32463,35 @@
               <a:buChar char="•"/>
             </a:pPr>
             <a:r>
-              <a:rPr lang="en-US" altLang="ko-KR">
+              <a:rPr lang="en-US" altLang="ko-KR" dirty="0">
                 <a:latin typeface="Noto Sans CJK KR Regular" panose="020B0500000000000000" pitchFamily="34" charset="-127"/>
                 <a:ea typeface="Noto Sans CJK KR Regular" panose="020B0500000000000000" pitchFamily="34" charset="-127"/>
               </a:rPr>
               <a:t>  any</a:t>
             </a:r>
             <a:r>
-              <a:rPr lang="ko-KR" altLang="en-US">
+              <a:rPr lang="ko-KR" altLang="en-US" dirty="0">
                 <a:latin typeface="Noto Sans CJK KR Regular" panose="020B0500000000000000" pitchFamily="34" charset="-127"/>
                 <a:ea typeface="Noto Sans CJK KR Regular" panose="020B0500000000000000" pitchFamily="34" charset="-127"/>
               </a:rPr>
               <a:t>로 타입 단언을 하면 </a:t>
             </a:r>
             <a:r>
-              <a:rPr lang="en-US" altLang="ko-KR">
+              <a:rPr lang="en-US" altLang="ko-KR" dirty="0">
                 <a:latin typeface="Noto Sans CJK KR Regular" panose="020B0500000000000000" pitchFamily="34" charset="-127"/>
                 <a:ea typeface="Noto Sans CJK KR Regular" panose="020B0500000000000000" pitchFamily="34" charset="-127"/>
               </a:rPr>
               <a:t>TSC</a:t>
             </a:r>
             <a:r>
-              <a:rPr lang="ko-KR" altLang="en-US">
+              <a:rPr lang="ko-KR" altLang="en-US" dirty="0">
                 <a:latin typeface="Noto Sans CJK KR Regular" panose="020B0500000000000000" pitchFamily="34" charset="-127"/>
                 <a:ea typeface="Noto Sans CJK KR Regular" panose="020B0500000000000000" pitchFamily="34" charset="-127"/>
               </a:rPr>
               <a:t>가 타입 검사를 하지 않기 때문에 런타임 오류 발생 가능성이 높아지므로 </a:t>
             </a:r>
             <a:r>
-              <a:rPr lang="ko-KR" altLang="en-US">
+              <a:rPr lang="ko-KR" altLang="en-US" dirty="0">
                 <a:solidFill>
                   <a:srgbClr val="FF9E1B"/>
                 </a:solidFill>
@@ -32045,35 +32501,35 @@
               <a:t>남용 금지</a:t>
             </a:r>
             <a:r>
-              <a:rPr lang="en-US" altLang="ko-KR">
+              <a:rPr lang="en-US" altLang="ko-KR" dirty="0">
                 <a:latin typeface="Noto Sans CJK KR Regular" panose="020B0500000000000000" pitchFamily="34" charset="-127"/>
                 <a:ea typeface="Noto Sans CJK KR Regular" panose="020B0500000000000000" pitchFamily="34" charset="-127"/>
               </a:rPr>
               <a:t>(</a:t>
             </a:r>
             <a:r>
-              <a:rPr lang="ko-KR" altLang="en-US">
+              <a:rPr lang="ko-KR" altLang="en-US" dirty="0">
                 <a:latin typeface="Noto Sans CJK KR Regular" panose="020B0500000000000000" pitchFamily="34" charset="-127"/>
                 <a:ea typeface="Noto Sans CJK KR Regular" panose="020B0500000000000000" pitchFamily="34" charset="-127"/>
               </a:rPr>
               <a:t>타입 안전성이 높은 </a:t>
             </a:r>
             <a:r>
-              <a:rPr lang="en-US" altLang="ko-KR">
+              <a:rPr lang="en-US" altLang="ko-KR" dirty="0">
                 <a:latin typeface="Noto Sans CJK KR Regular" panose="020B0500000000000000" pitchFamily="34" charset="-127"/>
                 <a:ea typeface="Noto Sans CJK KR Regular" panose="020B0500000000000000" pitchFamily="34" charset="-127"/>
               </a:rPr>
               <a:t>unknown </a:t>
             </a:r>
             <a:r>
-              <a:rPr lang="ko-KR" altLang="en-US">
+              <a:rPr lang="ko-KR" altLang="en-US" dirty="0">
                 <a:latin typeface="Noto Sans CJK KR Regular" panose="020B0500000000000000" pitchFamily="34" charset="-127"/>
                 <a:ea typeface="Noto Sans CJK KR Regular" panose="020B0500000000000000" pitchFamily="34" charset="-127"/>
               </a:rPr>
               <a:t>권장</a:t>
             </a:r>
             <a:r>
-              <a:rPr lang="en-US" altLang="ko-KR">
+              <a:rPr lang="en-US" altLang="ko-KR" dirty="0">
                 <a:latin typeface="Noto Sans CJK KR Regular" panose="020B0500000000000000" pitchFamily="34" charset="-127"/>
                 <a:ea typeface="Noto Sans CJK KR Regular" panose="020B0500000000000000" pitchFamily="34" charset="-127"/>
               </a:rPr>
@@ -32086,20 +32542,20 @@
               <a:buChar char="•"/>
             </a:pPr>
             <a:r>
-              <a:rPr lang="en-US" altLang="ko-KR">
+              <a:rPr lang="en-US" altLang="ko-KR" dirty="0">
                 <a:latin typeface="Noto Sans CJK KR Regular" panose="020B0500000000000000" pitchFamily="34" charset="-127"/>
                 <a:ea typeface="Noto Sans CJK KR Regular" panose="020B0500000000000000" pitchFamily="34" charset="-127"/>
               </a:rPr>
               <a:t> </a:t>
             </a:r>
             <a:r>
-              <a:rPr lang="ko-KR" altLang="en-US">
+              <a:rPr lang="ko-KR" altLang="en-US" dirty="0">
                 <a:latin typeface="Noto Sans CJK KR Regular" panose="020B0500000000000000" pitchFamily="34" charset="-127"/>
                 <a:ea typeface="Noto Sans CJK KR Regular" panose="020B0500000000000000" pitchFamily="34" charset="-127"/>
               </a:rPr>
               <a:t>가능하다면 타입은 선언해서 사용하고 꼭 필요한 경우에만 타입 단언 사용을 권장</a:t>
             </a:r>
-            <a:endParaRPr lang="en-US" altLang="ko-KR">
+            <a:endParaRPr lang="en-US" altLang="ko-KR" dirty="0">
               <a:latin typeface="Noto Sans CJK KR Regular" panose="020B0500000000000000" pitchFamily="34" charset="-127"/>
               <a:ea typeface="Noto Sans CJK KR Regular" panose="020B0500000000000000" pitchFamily="34" charset="-127"/>
             </a:endParaRPr>
@@ -32537,14 +32993,21 @@
               <a:buChar char="▶"/>
             </a:pPr>
             <a:r>
-              <a:rPr lang="ko-KR" altLang="en-US" sz="2000">
-                <a:latin typeface="Noto Sans CJK KR Regular" panose="020B0500000000000000" pitchFamily="34" charset="-127"/>
-                <a:ea typeface="Noto Sans CJK KR Regular" panose="020B0500000000000000" pitchFamily="34" charset="-127"/>
-              </a:rPr>
-              <a:t> 타입 가드란</a:t>
-            </a:r>
-            <a:r>
-              <a:rPr lang="en-US" altLang="ko-KR" sz="2000">
+              <a:rPr lang="ko-KR" altLang="en-US" sz="2000" dirty="0">
+                <a:latin typeface="Noto Sans CJK KR Regular" panose="020B0500000000000000" pitchFamily="34" charset="-127"/>
+                <a:ea typeface="Noto Sans CJK KR Regular" panose="020B0500000000000000" pitchFamily="34" charset="-127"/>
+              </a:rPr>
+              <a:t> 타입 </a:t>
+            </a:r>
+            <a:r>
+              <a:rPr lang="ko-KR" altLang="en-US" sz="2000" dirty="0" err="1">
+                <a:latin typeface="Noto Sans CJK KR Regular" panose="020B0500000000000000" pitchFamily="34" charset="-127"/>
+                <a:ea typeface="Noto Sans CJK KR Regular" panose="020B0500000000000000" pitchFamily="34" charset="-127"/>
+              </a:rPr>
+              <a:t>가드란</a:t>
+            </a:r>
+            <a:r>
+              <a:rPr lang="en-US" altLang="ko-KR" sz="2000" dirty="0">
                 <a:latin typeface="Noto Sans CJK KR Regular" panose="020B0500000000000000" pitchFamily="34" charset="-127"/>
                 <a:ea typeface="Noto Sans CJK KR Regular" panose="020B0500000000000000" pitchFamily="34" charset="-127"/>
               </a:rPr>
@@ -32561,49 +33024,63 @@
               <a:buChar char="•"/>
             </a:pPr>
             <a:r>
-              <a:rPr lang="en-US" altLang="ko-KR" b="0">
+              <a:rPr lang="en-US" altLang="ko-KR" b="0" dirty="0">
                 <a:latin typeface="Noto Sans CJK KR Regular" panose="020B0500000000000000" pitchFamily="34" charset="-127"/>
                 <a:ea typeface="Noto Sans CJK KR Regular" panose="020B0500000000000000" pitchFamily="34" charset="-127"/>
               </a:rPr>
               <a:t> </a:t>
             </a:r>
             <a:r>
-              <a:rPr lang="ko-KR" altLang="en-US">
+              <a:rPr lang="ko-KR" altLang="en-US" dirty="0">
                 <a:latin typeface="Noto Sans CJK KR Regular" panose="020B0500000000000000" pitchFamily="34" charset="-127"/>
                 <a:ea typeface="Noto Sans CJK KR Regular" panose="020B0500000000000000" pitchFamily="34" charset="-127"/>
               </a:rPr>
               <a:t>함수의 매개 변수로 여러 종류의 타입이 지정되었을 경우</a:t>
             </a:r>
             <a:r>
-              <a:rPr lang="en-US" altLang="ko-KR">
+              <a:rPr lang="en-US" altLang="ko-KR" dirty="0">
                 <a:latin typeface="Noto Sans CJK KR Regular" panose="020B0500000000000000" pitchFamily="34" charset="-127"/>
                 <a:ea typeface="Noto Sans CJK KR Regular" panose="020B0500000000000000" pitchFamily="34" charset="-127"/>
               </a:rPr>
               <a:t>(</a:t>
             </a:r>
             <a:r>
-              <a:rPr lang="ko-KR" altLang="en-US">
+              <a:rPr lang="ko-KR" altLang="en-US" dirty="0">
                 <a:latin typeface="Noto Sans CJK KR Regular" panose="020B0500000000000000" pitchFamily="34" charset="-127"/>
                 <a:ea typeface="Noto Sans CJK KR Regular" panose="020B0500000000000000" pitchFamily="34" charset="-127"/>
               </a:rPr>
               <a:t>유니온 타입</a:t>
             </a:r>
             <a:r>
-              <a:rPr lang="en-US" altLang="ko-KR">
+              <a:rPr lang="en-US" altLang="ko-KR" dirty="0">
                 <a:latin typeface="Noto Sans CJK KR Regular" panose="020B0500000000000000" pitchFamily="34" charset="-127"/>
                 <a:ea typeface="Noto Sans CJK KR Regular" panose="020B0500000000000000" pitchFamily="34" charset="-127"/>
               </a:rPr>
               <a:t>)</a:t>
             </a:r>
             <a:r>
-              <a:rPr lang="ko-KR" altLang="en-US">
-                <a:latin typeface="Noto Sans CJK KR Regular" panose="020B0500000000000000" pitchFamily="34" charset="-127"/>
-                <a:ea typeface="Noto Sans CJK KR Regular" panose="020B0500000000000000" pitchFamily="34" charset="-127"/>
-              </a:rPr>
-              <a:t> 정확한 타입 추론을 할수 있도록 </a:t>
-            </a:r>
-            <a:r>
-              <a:rPr lang="en-US" altLang="ko-KR">
+              <a:rPr lang="ko-KR" altLang="en-US" dirty="0">
+                <a:latin typeface="Noto Sans CJK KR Regular" panose="020B0500000000000000" pitchFamily="34" charset="-127"/>
+                <a:ea typeface="Noto Sans CJK KR Regular" panose="020B0500000000000000" pitchFamily="34" charset="-127"/>
+              </a:rPr>
+              <a:t> 정확한 타입 추론을 </a:t>
+            </a:r>
+            <a:r>
+              <a:rPr lang="ko-KR" altLang="en-US" dirty="0" err="1">
+                <a:latin typeface="Noto Sans CJK KR Regular" panose="020B0500000000000000" pitchFamily="34" charset="-127"/>
+                <a:ea typeface="Noto Sans CJK KR Regular" panose="020B0500000000000000" pitchFamily="34" charset="-127"/>
+              </a:rPr>
+              <a:t>할수</a:t>
+            </a:r>
+            <a:r>
+              <a:rPr lang="ko-KR" altLang="en-US" dirty="0">
+                <a:latin typeface="Noto Sans CJK KR Regular" panose="020B0500000000000000" pitchFamily="34" charset="-127"/>
+                <a:ea typeface="Noto Sans CJK KR Regular" panose="020B0500000000000000" pitchFamily="34" charset="-127"/>
+              </a:rPr>
+              <a:t> 있도록 </a:t>
+            </a:r>
+            <a:r>
+              <a:rPr lang="en-US" altLang="ko-KR" dirty="0">
                 <a:solidFill>
                   <a:srgbClr val="FF9E1B"/>
                 </a:solidFill>
@@ -32613,7 +33090,7 @@
               <a:t>TSC</a:t>
             </a:r>
             <a:r>
-              <a:rPr lang="ko-KR" altLang="en-US">
+              <a:rPr lang="ko-KR" altLang="en-US" dirty="0">
                 <a:solidFill>
                   <a:srgbClr val="FF9E1B"/>
                 </a:solidFill>
@@ -32622,7 +33099,7 @@
               </a:rPr>
               <a:t>에 힌트를 주는 구문</a:t>
             </a:r>
-            <a:endParaRPr lang="en-US" altLang="ko-KR">
+            <a:endParaRPr lang="en-US" altLang="ko-KR" dirty="0">
               <a:solidFill>
                 <a:srgbClr val="FF9E1B"/>
               </a:solidFill>
@@ -32636,34 +33113,34 @@
               <a:buChar char="•"/>
             </a:pPr>
             <a:r>
-              <a:rPr lang="en-US" altLang="ko-KR">
+              <a:rPr lang="en-US" altLang="ko-KR" dirty="0">
                 <a:latin typeface="Noto Sans CJK KR Regular" panose="020B0500000000000000" pitchFamily="34" charset="-127"/>
                 <a:ea typeface="Noto Sans CJK KR Regular" panose="020B0500000000000000" pitchFamily="34" charset="-127"/>
               </a:rPr>
               <a:t> </a:t>
             </a:r>
             <a:r>
-              <a:rPr lang="ko-KR" altLang="en-US">
+              <a:rPr lang="ko-KR" altLang="en-US" dirty="0">
                 <a:latin typeface="Noto Sans CJK KR Regular" panose="020B0500000000000000" pitchFamily="34" charset="-127"/>
                 <a:ea typeface="Noto Sans CJK KR Regular" panose="020B0500000000000000" pitchFamily="34" charset="-127"/>
               </a:rPr>
               <a:t>주로 조건문을 이용하고 </a:t>
             </a:r>
             <a:r>
-              <a:rPr lang="en-US" altLang="ko-KR">
+              <a:rPr lang="en-US" altLang="ko-KR" dirty="0">
                 <a:latin typeface="Noto Sans CJK KR Regular" panose="020B0500000000000000" pitchFamily="34" charset="-127"/>
                 <a:ea typeface="Noto Sans CJK KR Regular" panose="020B0500000000000000" pitchFamily="34" charset="-127"/>
               </a:rPr>
               <a:t>TSC</a:t>
             </a:r>
             <a:r>
-              <a:rPr lang="ko-KR" altLang="en-US">
+              <a:rPr lang="ko-KR" altLang="en-US" dirty="0">
                 <a:latin typeface="Noto Sans CJK KR Regular" panose="020B0500000000000000" pitchFamily="34" charset="-127"/>
                 <a:ea typeface="Noto Sans CJK KR Regular" panose="020B0500000000000000" pitchFamily="34" charset="-127"/>
               </a:rPr>
               <a:t>가 조건문의 구문을 인식해서 조건문 내부에서 만큼은 적절한 타입으로 추론할 수 있도록 도와주는 문법</a:t>
             </a:r>
-            <a:endParaRPr lang="en-US" altLang="ko-KR">
+            <a:endParaRPr lang="en-US" altLang="ko-KR" dirty="0">
               <a:latin typeface="Noto Sans CJK KR Regular" panose="020B0500000000000000" pitchFamily="34" charset="-127"/>
               <a:ea typeface="Noto Sans CJK KR Regular" panose="020B0500000000000000" pitchFamily="34" charset="-127"/>
             </a:endParaRPr>
@@ -32673,7 +33150,7 @@
               <a:buFontTx/>
               <a:buChar char="•"/>
             </a:pPr>
-            <a:endParaRPr lang="en-US" altLang="ko-KR">
+            <a:endParaRPr lang="en-US" altLang="ko-KR" dirty="0">
               <a:latin typeface="Noto Sans CJK KR Regular" panose="020B0500000000000000" pitchFamily="34" charset="-127"/>
               <a:ea typeface="Noto Sans CJK KR Regular" panose="020B0500000000000000" pitchFamily="34" charset="-127"/>
             </a:endParaRPr>
@@ -32684,13 +33161,13 @@
               <a:buChar char="▶"/>
             </a:pPr>
             <a:r>
-              <a:rPr lang="ko-KR" altLang="en-US" sz="2000">
+              <a:rPr lang="ko-KR" altLang="en-US" sz="2000" dirty="0">
                 <a:latin typeface="Noto Sans CJK KR Regular" panose="020B0500000000000000" pitchFamily="34" charset="-127"/>
                 <a:ea typeface="Noto Sans CJK KR Regular" panose="020B0500000000000000" pitchFamily="34" charset="-127"/>
               </a:rPr>
               <a:t> 타입 가드 구문</a:t>
             </a:r>
-            <a:endParaRPr lang="en-US" altLang="ko-KR">
+            <a:endParaRPr lang="en-US" altLang="ko-KR" dirty="0">
               <a:latin typeface="Noto Sans CJK KR Regular" panose="020B0500000000000000" pitchFamily="34" charset="-127"/>
               <a:ea typeface="Noto Sans CJK KR Regular" panose="020B0500000000000000" pitchFamily="34" charset="-127"/>
             </a:endParaRPr>
@@ -32701,34 +33178,34 @@
               <a:buChar char="•"/>
             </a:pPr>
             <a:r>
-              <a:rPr lang="en-US" altLang="ko-KR">
+              <a:rPr lang="en-US" altLang="ko-KR" dirty="0">
                 <a:latin typeface="Noto Sans CJK KR Regular" panose="020B0500000000000000" pitchFamily="34" charset="-127"/>
                 <a:ea typeface="Noto Sans CJK KR Regular" panose="020B0500000000000000" pitchFamily="34" charset="-127"/>
               </a:rPr>
               <a:t> null,</a:t>
             </a:r>
             <a:r>
-              <a:rPr lang="ko-KR" altLang="en-US">
+              <a:rPr lang="ko-KR" altLang="en-US" dirty="0">
                 <a:latin typeface="Noto Sans CJK KR Regular" panose="020B0500000000000000" pitchFamily="34" charset="-127"/>
                 <a:ea typeface="Noto Sans CJK KR Regular" panose="020B0500000000000000" pitchFamily="34" charset="-127"/>
               </a:rPr>
               <a:t> </a:t>
             </a:r>
             <a:r>
-              <a:rPr lang="en-US" altLang="ko-KR">
+              <a:rPr lang="en-US" altLang="ko-KR" dirty="0">
                 <a:latin typeface="Noto Sans CJK KR Regular" panose="020B0500000000000000" pitchFamily="34" charset="-127"/>
                 <a:ea typeface="Noto Sans CJK KR Regular" panose="020B0500000000000000" pitchFamily="34" charset="-127"/>
               </a:rPr>
               <a:t>undefined</a:t>
             </a:r>
             <a:r>
-              <a:rPr lang="ko-KR" altLang="en-US">
+              <a:rPr lang="ko-KR" altLang="en-US" dirty="0">
                 <a:latin typeface="Noto Sans CJK KR Regular" panose="020B0500000000000000" pitchFamily="34" charset="-127"/>
                 <a:ea typeface="Noto Sans CJK KR Regular" panose="020B0500000000000000" pitchFamily="34" charset="-127"/>
               </a:rPr>
               <a:t> 확인</a:t>
             </a:r>
-            <a:endParaRPr lang="en-US" altLang="ko-KR">
+            <a:endParaRPr lang="en-US" altLang="ko-KR" dirty="0">
               <a:latin typeface="Noto Sans CJK KR Regular" panose="020B0500000000000000" pitchFamily="34" charset="-127"/>
               <a:ea typeface="Noto Sans CJK KR Regular" panose="020B0500000000000000" pitchFamily="34" charset="-127"/>
             </a:endParaRPr>
@@ -32739,21 +33216,21 @@
               <a:buChar char="•"/>
             </a:pPr>
             <a:r>
-              <a:rPr lang="en-US" altLang="ko-KR">
+              <a:rPr lang="en-US" altLang="ko-KR" dirty="0">
                 <a:latin typeface="Noto Sans CJK KR Regular" panose="020B0500000000000000" pitchFamily="34" charset="-127"/>
                 <a:ea typeface="Noto Sans CJK KR Regular" panose="020B0500000000000000" pitchFamily="34" charset="-127"/>
               </a:rPr>
               <a:t> </a:t>
             </a:r>
             <a:r>
-              <a:rPr lang="ko-KR" altLang="en-US">
+              <a:rPr lang="ko-KR" altLang="en-US" dirty="0">
                 <a:latin typeface="Noto Sans CJK KR Regular" panose="020B0500000000000000" pitchFamily="34" charset="-127"/>
                 <a:ea typeface="Noto Sans CJK KR Regular" panose="020B0500000000000000" pitchFamily="34" charset="-127"/>
               </a:rPr>
               <a:t>논리연산자</a:t>
             </a:r>
             <a:r>
-              <a:rPr lang="en-US" altLang="ko-KR">
+              <a:rPr lang="en-US" altLang="ko-KR" dirty="0">
                 <a:latin typeface="Noto Sans CJK KR Regular" panose="020B0500000000000000" pitchFamily="34" charset="-127"/>
                 <a:ea typeface="Noto Sans CJK KR Regular" panose="020B0500000000000000" pitchFamily="34" charset="-127"/>
               </a:rPr>
@@ -32766,20 +33243,27 @@
               <a:buChar char="•"/>
             </a:pPr>
             <a:r>
-              <a:rPr lang="en-US" altLang="ko-KR">
-                <a:latin typeface="Noto Sans CJK KR Regular" panose="020B0500000000000000" pitchFamily="34" charset="-127"/>
-                <a:ea typeface="Noto Sans CJK KR Regular" panose="020B0500000000000000" pitchFamily="34" charset="-127"/>
-              </a:rPr>
-              <a:t> typeof</a:t>
-            </a:r>
-            <a:r>
-              <a:rPr lang="ko-KR" altLang="en-US">
+              <a:rPr lang="en-US" altLang="ko-KR" dirty="0">
+                <a:latin typeface="Noto Sans CJK KR Regular" panose="020B0500000000000000" pitchFamily="34" charset="-127"/>
+                <a:ea typeface="Noto Sans CJK KR Regular" panose="020B0500000000000000" pitchFamily="34" charset="-127"/>
+              </a:rPr>
+              <a:t> </a:t>
+            </a:r>
+            <a:r>
+              <a:rPr lang="en-US" altLang="ko-KR" dirty="0" err="1">
+                <a:latin typeface="Noto Sans CJK KR Regular" panose="020B0500000000000000" pitchFamily="34" charset="-127"/>
+                <a:ea typeface="Noto Sans CJK KR Regular" panose="020B0500000000000000" pitchFamily="34" charset="-127"/>
+              </a:rPr>
+              <a:t>typeof</a:t>
+            </a:r>
+            <a:r>
+              <a:rPr lang="ko-KR" altLang="en-US" dirty="0">
                 <a:latin typeface="Noto Sans CJK KR Regular" panose="020B0500000000000000" pitchFamily="34" charset="-127"/>
                 <a:ea typeface="Noto Sans CJK KR Regular" panose="020B0500000000000000" pitchFamily="34" charset="-127"/>
               </a:rPr>
               <a:t> 연산자</a:t>
             </a:r>
-            <a:endParaRPr lang="en-US" altLang="ko-KR">
+            <a:endParaRPr lang="en-US" altLang="ko-KR" dirty="0">
               <a:latin typeface="Noto Sans CJK KR Regular" panose="020B0500000000000000" pitchFamily="34" charset="-127"/>
               <a:ea typeface="Noto Sans CJK KR Regular" panose="020B0500000000000000" pitchFamily="34" charset="-127"/>
             </a:endParaRPr>
@@ -32790,27 +33274,27 @@
               <a:buChar char="•"/>
             </a:pPr>
             <a:r>
-              <a:rPr lang="en-US" altLang="ko-KR" b="0">
+              <a:rPr lang="en-US" altLang="ko-KR" b="0" dirty="0">
                 <a:latin typeface="Noto Sans CJK KR Regular" panose="020B0500000000000000" pitchFamily="34" charset="-127"/>
                 <a:ea typeface="Noto Sans CJK KR Regular" panose="020B0500000000000000" pitchFamily="34" charset="-127"/>
               </a:rPr>
               <a:t> </a:t>
             </a:r>
             <a:r>
-              <a:rPr lang="en-US" altLang="ko-KR">
+              <a:rPr lang="en-US" altLang="ko-KR" dirty="0" err="1">
                 <a:latin typeface="Noto Sans CJK KR Regular" panose="020B0500000000000000" pitchFamily="34" charset="-127"/>
                 <a:ea typeface="Noto Sans CJK KR Regular" panose="020B0500000000000000" pitchFamily="34" charset="-127"/>
               </a:rPr>
               <a:t>instanceof</a:t>
             </a:r>
             <a:r>
-              <a:rPr lang="ko-KR" altLang="en-US">
+              <a:rPr lang="ko-KR" altLang="en-US" dirty="0">
                 <a:latin typeface="Noto Sans CJK KR Regular" panose="020B0500000000000000" pitchFamily="34" charset="-127"/>
                 <a:ea typeface="Noto Sans CJK KR Regular" panose="020B0500000000000000" pitchFamily="34" charset="-127"/>
               </a:rPr>
               <a:t> 연산자</a:t>
             </a:r>
-            <a:endParaRPr lang="en-US" altLang="ko-KR">
+            <a:endParaRPr lang="en-US" altLang="ko-KR" dirty="0">
               <a:latin typeface="Noto Sans CJK KR Regular" panose="020B0500000000000000" pitchFamily="34" charset="-127"/>
               <a:ea typeface="Noto Sans CJK KR Regular" panose="020B0500000000000000" pitchFamily="34" charset="-127"/>
             </a:endParaRPr>
@@ -32821,35 +33305,35 @@
               <a:buChar char="•"/>
             </a:pPr>
             <a:r>
-              <a:rPr lang="en-US" altLang="ko-KR" b="0">
+              <a:rPr lang="en-US" altLang="ko-KR" b="0" dirty="0">
                 <a:latin typeface="Noto Sans CJK KR Regular" panose="020B0500000000000000" pitchFamily="34" charset="-127"/>
                 <a:ea typeface="Noto Sans CJK KR Regular" panose="020B0500000000000000" pitchFamily="34" charset="-127"/>
               </a:rPr>
               <a:t> in </a:t>
             </a:r>
             <a:r>
-              <a:rPr lang="ko-KR" altLang="en-US" b="0">
+              <a:rPr lang="ko-KR" altLang="en-US" b="0" dirty="0">
                 <a:latin typeface="Noto Sans CJK KR Regular" panose="020B0500000000000000" pitchFamily="34" charset="-127"/>
                 <a:ea typeface="Noto Sans CJK KR Regular" panose="020B0500000000000000" pitchFamily="34" charset="-127"/>
               </a:rPr>
               <a:t>연산자 </a:t>
             </a:r>
             <a:r>
-              <a:rPr lang="en-US" altLang="ko-KR" b="0">
+              <a:rPr lang="en-US" altLang="ko-KR" b="0" dirty="0">
                 <a:latin typeface="Noto Sans CJK KR Regular" panose="020B0500000000000000" pitchFamily="34" charset="-127"/>
                 <a:ea typeface="Noto Sans CJK KR Regular" panose="020B0500000000000000" pitchFamily="34" charset="-127"/>
               </a:rPr>
               <a:t>(</a:t>
             </a:r>
             <a:r>
-              <a:rPr lang="ko-KR" altLang="en-US" b="0">
+              <a:rPr lang="ko-KR" altLang="en-US" b="0" dirty="0">
                 <a:latin typeface="Noto Sans CJK KR Regular" panose="020B0500000000000000" pitchFamily="34" charset="-127"/>
                 <a:ea typeface="Noto Sans CJK KR Regular" panose="020B0500000000000000" pitchFamily="34" charset="-127"/>
               </a:rPr>
               <a:t>객체에 지정한 속성이 포함되었는지 여부를 반환</a:t>
             </a:r>
             <a:r>
-              <a:rPr lang="en-US" altLang="ko-KR" b="0">
+              <a:rPr lang="en-US" altLang="ko-KR" b="0" dirty="0">
                 <a:latin typeface="Noto Sans CJK KR Regular" panose="020B0500000000000000" pitchFamily="34" charset="-127"/>
                 <a:ea typeface="Noto Sans CJK KR Regular" panose="020B0500000000000000" pitchFamily="34" charset="-127"/>
               </a:rPr>
@@ -32862,35 +33346,35 @@
               <a:buChar char="•"/>
             </a:pPr>
             <a:r>
-              <a:rPr lang="en-US" altLang="ko-KR">
+              <a:rPr lang="en-US" altLang="ko-KR" dirty="0">
                 <a:latin typeface="Noto Sans CJK KR Regular" panose="020B0500000000000000" pitchFamily="34" charset="-127"/>
                 <a:ea typeface="Noto Sans CJK KR Regular" panose="020B0500000000000000" pitchFamily="34" charset="-127"/>
               </a:rPr>
               <a:t> </a:t>
             </a:r>
             <a:r>
-              <a:rPr lang="ko-KR" altLang="en-US">
+              <a:rPr lang="ko-KR" altLang="en-US" dirty="0">
                 <a:latin typeface="Noto Sans CJK KR Regular" panose="020B0500000000000000" pitchFamily="34" charset="-127"/>
                 <a:ea typeface="Noto Sans CJK KR Regular" panose="020B0500000000000000" pitchFamily="34" charset="-127"/>
               </a:rPr>
               <a:t>구별된 유니언 타입</a:t>
             </a:r>
             <a:r>
-              <a:rPr lang="en-US" altLang="ko-KR">
+              <a:rPr lang="en-US" altLang="ko-KR" dirty="0">
                 <a:latin typeface="Noto Sans CJK KR Regular" panose="020B0500000000000000" pitchFamily="34" charset="-127"/>
                 <a:ea typeface="Noto Sans CJK KR Regular" panose="020B0500000000000000" pitchFamily="34" charset="-127"/>
               </a:rPr>
               <a:t>(</a:t>
             </a:r>
             <a:r>
-              <a:rPr lang="en-US" altLang="ko-KR" sz="1800">
+              <a:rPr lang="en-US" altLang="ko-KR" sz="1800" dirty="0">
                 <a:latin typeface="Noto Sans CJK KR Regular" panose="020B0500000000000000" pitchFamily="34" charset="-127"/>
                 <a:ea typeface="Noto Sans CJK KR Regular" panose="020B0500000000000000" pitchFamily="34" charset="-127"/>
               </a:rPr>
               <a:t>discriminated unions</a:t>
             </a:r>
             <a:r>
-              <a:rPr lang="en-US" altLang="ko-KR">
+              <a:rPr lang="en-US" altLang="ko-KR" dirty="0">
                 <a:latin typeface="Noto Sans CJK KR Regular" panose="020B0500000000000000" pitchFamily="34" charset="-127"/>
                 <a:ea typeface="Noto Sans CJK KR Regular" panose="020B0500000000000000" pitchFamily="34" charset="-127"/>
               </a:rPr>
@@ -32903,20 +33387,34 @@
               <a:buChar char="•"/>
             </a:pPr>
             <a:r>
-              <a:rPr lang="en-US" altLang="ko-KR" b="0">
+              <a:rPr lang="en-US" altLang="ko-KR" b="0" dirty="0">
                 <a:latin typeface="Noto Sans CJK KR Regular" panose="020B0500000000000000" pitchFamily="34" charset="-127"/>
                 <a:ea typeface="Noto Sans CJK KR Regular" panose="020B0500000000000000" pitchFamily="34" charset="-127"/>
               </a:rPr>
               <a:t> </a:t>
             </a:r>
             <a:r>
-              <a:rPr lang="ko-KR" altLang="en-US">
-                <a:latin typeface="Noto Sans CJK KR Regular" panose="020B0500000000000000" pitchFamily="34" charset="-127"/>
-                <a:ea typeface="Noto Sans CJK KR Regular" panose="020B0500000000000000" pitchFamily="34" charset="-127"/>
-              </a:rPr>
-              <a:t>타입 별칭이나 인터페이스의 속성 정의시 구체적인 값을 지정한 후 객체의 속성값으로 확인</a:t>
-            </a:r>
-            <a:endParaRPr lang="en-US" altLang="ko-KR">
+              <a:rPr lang="ko-KR" altLang="en-US" dirty="0">
+                <a:latin typeface="Noto Sans CJK KR Regular" panose="020B0500000000000000" pitchFamily="34" charset="-127"/>
+                <a:ea typeface="Noto Sans CJK KR Regular" panose="020B0500000000000000" pitchFamily="34" charset="-127"/>
+              </a:rPr>
+              <a:t>타입 별칭이나 인터페이스의 속성 </a:t>
+            </a:r>
+            <a:r>
+              <a:rPr lang="ko-KR" altLang="en-US" dirty="0" err="1">
+                <a:latin typeface="Noto Sans CJK KR Regular" panose="020B0500000000000000" pitchFamily="34" charset="-127"/>
+                <a:ea typeface="Noto Sans CJK KR Regular" panose="020B0500000000000000" pitchFamily="34" charset="-127"/>
+              </a:rPr>
+              <a:t>정의시</a:t>
+            </a:r>
+            <a:r>
+              <a:rPr lang="ko-KR" altLang="en-US" dirty="0">
+                <a:latin typeface="Noto Sans CJK KR Regular" panose="020B0500000000000000" pitchFamily="34" charset="-127"/>
+                <a:ea typeface="Noto Sans CJK KR Regular" panose="020B0500000000000000" pitchFamily="34" charset="-127"/>
+              </a:rPr>
+              <a:t> 구체적인 값을 지정한 후 객체의 속성값으로 확인</a:t>
+            </a:r>
+            <a:endParaRPr lang="en-US" altLang="ko-KR" dirty="0">
               <a:latin typeface="Noto Sans CJK KR Regular" panose="020B0500000000000000" pitchFamily="34" charset="-127"/>
               <a:ea typeface="Noto Sans CJK KR Regular" panose="020B0500000000000000" pitchFamily="34" charset="-127"/>
             </a:endParaRPr>
@@ -32927,21 +33425,35 @@
               <a:buChar char="•"/>
             </a:pPr>
             <a:r>
-              <a:rPr lang="en-US" altLang="ko-KR" b="0">
-                <a:latin typeface="Noto Sans CJK KR Regular" panose="020B0500000000000000" pitchFamily="34" charset="-127"/>
-                <a:ea typeface="Noto Sans CJK KR Regular" panose="020B0500000000000000" pitchFamily="34" charset="-127"/>
-              </a:rPr>
-              <a:t> admin: boolean </a:t>
-            </a:r>
-            <a:r>
-              <a:rPr lang="ko-KR" altLang="en-US" b="0">
+              <a:rPr lang="en-US" altLang="ko-KR" b="0" dirty="0">
+                <a:latin typeface="Noto Sans CJK KR Regular" panose="020B0500000000000000" pitchFamily="34" charset="-127"/>
+                <a:ea typeface="Noto Sans CJK KR Regular" panose="020B0500000000000000" pitchFamily="34" charset="-127"/>
+              </a:rPr>
+              <a:t> admin: </a:t>
+            </a:r>
+            <a:r>
+              <a:rPr lang="en-US" altLang="ko-KR" b="0" dirty="0" err="1">
+                <a:latin typeface="Noto Sans CJK KR Regular" panose="020B0500000000000000" pitchFamily="34" charset="-127"/>
+                <a:ea typeface="Noto Sans CJK KR Regular" panose="020B0500000000000000" pitchFamily="34" charset="-127"/>
+              </a:rPr>
+              <a:t>boolean</a:t>
+            </a:r>
+            <a:r>
+              <a:rPr lang="en-US" altLang="ko-KR" b="0" dirty="0">
+                <a:latin typeface="Noto Sans CJK KR Regular" panose="020B0500000000000000" pitchFamily="34" charset="-127"/>
+                <a:ea typeface="Noto Sans CJK KR Regular" panose="020B0500000000000000" pitchFamily="34" charset="-127"/>
+              </a:rPr>
+              <a:t> </a:t>
+            </a:r>
+            <a:r>
+              <a:rPr lang="ko-KR" altLang="en-US" b="0" dirty="0">
                 <a:latin typeface="Noto Sans CJK KR Regular" panose="020B0500000000000000" pitchFamily="34" charset="-127"/>
                 <a:ea typeface="Noto Sans CJK KR Regular" panose="020B0500000000000000" pitchFamily="34" charset="-127"/>
               </a:rPr>
               <a:t>대신 </a:t>
             </a:r>
             <a:r>
-              <a:rPr lang="en-US" altLang="ko-KR" b="0">
+              <a:rPr lang="en-US" altLang="ko-KR" b="0" dirty="0">
                 <a:latin typeface="Noto Sans CJK KR Regular" panose="020B0500000000000000" pitchFamily="34" charset="-127"/>
                 <a:ea typeface="Noto Sans CJK KR Regular" panose="020B0500000000000000" pitchFamily="34" charset="-127"/>
               </a:rPr>
@@ -32954,20 +33466,20 @@
               <a:buChar char="•"/>
             </a:pPr>
             <a:r>
-              <a:rPr lang="en-US" altLang="ko-KR">
+              <a:rPr lang="en-US" altLang="ko-KR" dirty="0">
                 <a:latin typeface="Noto Sans CJK KR Regular" panose="020B0500000000000000" pitchFamily="34" charset="-127"/>
                 <a:ea typeface="Noto Sans CJK KR Regular" panose="020B0500000000000000" pitchFamily="34" charset="-127"/>
               </a:rPr>
               <a:t> </a:t>
             </a:r>
             <a:r>
-              <a:rPr lang="ko-KR" altLang="en-US">
+              <a:rPr lang="ko-KR" altLang="en-US" dirty="0">
                 <a:latin typeface="Noto Sans CJK KR Regular" panose="020B0500000000000000" pitchFamily="34" charset="-127"/>
                 <a:ea typeface="Noto Sans CJK KR Regular" panose="020B0500000000000000" pitchFamily="34" charset="-127"/>
               </a:rPr>
               <a:t>타입 가드 함수 작성</a:t>
             </a:r>
-            <a:endParaRPr lang="en-US" altLang="ko-KR">
+            <a:endParaRPr lang="en-US" altLang="ko-KR" dirty="0">
               <a:latin typeface="Noto Sans CJK KR Regular" panose="020B0500000000000000" pitchFamily="34" charset="-127"/>
               <a:ea typeface="Noto Sans CJK KR Regular" panose="020B0500000000000000" pitchFamily="34" charset="-127"/>
             </a:endParaRPr>
@@ -32978,27 +33490,27 @@
               <a:buChar char="•"/>
             </a:pPr>
             <a:r>
-              <a:rPr lang="en-US" altLang="ko-KR" b="0">
+              <a:rPr lang="en-US" altLang="ko-KR" b="0" dirty="0">
                 <a:latin typeface="Noto Sans CJK KR Regular" panose="020B0500000000000000" pitchFamily="34" charset="-127"/>
                 <a:ea typeface="Noto Sans CJK KR Regular" panose="020B0500000000000000" pitchFamily="34" charset="-127"/>
               </a:rPr>
               <a:t> is </a:t>
             </a:r>
             <a:r>
-              <a:rPr lang="ko-KR" altLang="en-US">
+              <a:rPr lang="ko-KR" altLang="en-US" dirty="0">
                 <a:latin typeface="Noto Sans CJK KR Regular" panose="020B0500000000000000" pitchFamily="34" charset="-127"/>
                 <a:ea typeface="Noto Sans CJK KR Regular" panose="020B0500000000000000" pitchFamily="34" charset="-127"/>
               </a:rPr>
               <a:t>연산자를 사용해서 </a:t>
             </a:r>
             <a:r>
-              <a:rPr lang="ko-KR" altLang="en-US" b="0">
+              <a:rPr lang="ko-KR" altLang="en-US" b="0" dirty="0">
                 <a:latin typeface="Noto Sans CJK KR Regular" panose="020B0500000000000000" pitchFamily="34" charset="-127"/>
                 <a:ea typeface="Noto Sans CJK KR Regular" panose="020B0500000000000000" pitchFamily="34" charset="-127"/>
               </a:rPr>
               <a:t>타입 가드 기능을 하도록 만든 함수</a:t>
             </a:r>
-            <a:endParaRPr lang="en-US" altLang="ko-KR" b="0">
+            <a:endParaRPr lang="en-US" altLang="ko-KR" b="0" dirty="0">
               <a:latin typeface="Noto Sans CJK KR Regular" panose="020B0500000000000000" pitchFamily="34" charset="-127"/>
               <a:ea typeface="Noto Sans CJK KR Regular" panose="020B0500000000000000" pitchFamily="34" charset="-127"/>
             </a:endParaRPr>
@@ -33297,14 +33809,14 @@
               <a:buChar char="▶"/>
             </a:pPr>
             <a:r>
-              <a:rPr lang="ko-KR" altLang="en-US" sz="2000">
+              <a:rPr lang="ko-KR" altLang="en-US" sz="2000" dirty="0">
                 <a:latin typeface="Noto Sans CJK KR Regular" panose="020B0500000000000000" pitchFamily="34" charset="-127"/>
                 <a:ea typeface="Noto Sans CJK KR Regular" panose="020B0500000000000000" pitchFamily="34" charset="-127"/>
               </a:rPr>
               <a:t> 타입 호환이란</a:t>
             </a:r>
             <a:r>
-              <a:rPr lang="en-US" altLang="ko-KR" sz="2000">
+              <a:rPr lang="en-US" altLang="ko-KR" sz="2000" dirty="0">
                 <a:latin typeface="Noto Sans CJK KR Regular" panose="020B0500000000000000" pitchFamily="34" charset="-127"/>
                 <a:ea typeface="Noto Sans CJK KR Regular" panose="020B0500000000000000" pitchFamily="34" charset="-127"/>
               </a:rPr>
@@ -33321,21 +33833,21 @@
               <a:buChar char="•"/>
             </a:pPr>
             <a:r>
-              <a:rPr lang="en-US" altLang="ko-KR" b="0">
+              <a:rPr lang="en-US" altLang="ko-KR" b="0" dirty="0">
                 <a:latin typeface="Noto Sans CJK KR Regular" panose="020B0500000000000000" pitchFamily="34" charset="-127"/>
                 <a:ea typeface="Noto Sans CJK KR Regular" panose="020B0500000000000000" pitchFamily="34" charset="-127"/>
               </a:rPr>
               <a:t> </a:t>
             </a:r>
             <a:r>
-              <a:rPr lang="ko-KR" altLang="en-US" b="0">
+              <a:rPr lang="ko-KR" altLang="en-US" b="0" dirty="0">
                 <a:latin typeface="Noto Sans CJK KR Regular" panose="020B0500000000000000" pitchFamily="34" charset="-127"/>
                 <a:ea typeface="Noto Sans CJK KR Regular" panose="020B0500000000000000" pitchFamily="34" charset="-127"/>
               </a:rPr>
               <a:t>두 타입이 서로 </a:t>
             </a:r>
             <a:r>
-              <a:rPr lang="ko-KR" altLang="en-US" b="0">
+              <a:rPr lang="ko-KR" altLang="en-US" b="0" dirty="0">
                 <a:solidFill>
                   <a:srgbClr val="FF9E1B"/>
                 </a:solidFill>
@@ -33345,13 +33857,13 @@
               <a:t>대입 가능</a:t>
             </a:r>
             <a:r>
-              <a:rPr lang="ko-KR" altLang="en-US" b="0">
+              <a:rPr lang="ko-KR" altLang="en-US" b="0" dirty="0">
                 <a:latin typeface="Noto Sans CJK KR Regular" panose="020B0500000000000000" pitchFamily="34" charset="-127"/>
                 <a:ea typeface="Noto Sans CJK KR Regular" panose="020B0500000000000000" pitchFamily="34" charset="-127"/>
               </a:rPr>
               <a:t>한지 여부를 판단하는 규칙</a:t>
             </a:r>
-            <a:endParaRPr lang="en-US" altLang="ko-KR">
+            <a:endParaRPr lang="en-US" altLang="ko-KR" dirty="0">
               <a:latin typeface="Noto Sans CJK KR Regular" panose="020B0500000000000000" pitchFamily="34" charset="-127"/>
               <a:ea typeface="Noto Sans CJK KR Regular" panose="020B0500000000000000" pitchFamily="34" charset="-127"/>
             </a:endParaRPr>
@@ -33362,21 +33874,21 @@
               <a:buChar char="•"/>
             </a:pPr>
             <a:r>
-              <a:rPr lang="en-US" altLang="ko-KR">
+              <a:rPr lang="en-US" altLang="ko-KR" dirty="0">
                 <a:latin typeface="Noto Sans CJK KR Regular" panose="020B0500000000000000" pitchFamily="34" charset="-127"/>
                 <a:ea typeface="Noto Sans CJK KR Regular" panose="020B0500000000000000" pitchFamily="34" charset="-127"/>
               </a:rPr>
               <a:t> </a:t>
             </a:r>
             <a:r>
-              <a:rPr lang="ko-KR" altLang="en-US">
+              <a:rPr lang="ko-KR" altLang="en-US" dirty="0">
                 <a:latin typeface="Noto Sans CJK KR Regular" panose="020B0500000000000000" pitchFamily="34" charset="-127"/>
                 <a:ea typeface="Noto Sans CJK KR Regular" panose="020B0500000000000000" pitchFamily="34" charset="-127"/>
               </a:rPr>
               <a:t>타입 호환여부는 </a:t>
             </a:r>
             <a:r>
-              <a:rPr lang="ko-KR" altLang="en-US">
+              <a:rPr lang="ko-KR" altLang="en-US" dirty="0">
                 <a:solidFill>
                   <a:srgbClr val="FF9E1B"/>
                 </a:solidFill>
@@ -33386,20 +33898,20 @@
               <a:t>구조적 타입 시스템</a:t>
             </a:r>
             <a:r>
-              <a:rPr lang="en-US" altLang="ko-KR">
+              <a:rPr lang="en-US" altLang="ko-KR" dirty="0">
                 <a:latin typeface="Noto Sans CJK KR Regular" panose="020B0500000000000000" pitchFamily="34" charset="-127"/>
                 <a:ea typeface="Noto Sans CJK KR Regular" panose="020B0500000000000000" pitchFamily="34" charset="-127"/>
               </a:rPr>
               <a:t>(Structural Type System)</a:t>
             </a:r>
             <a:r>
-              <a:rPr lang="ko-KR" altLang="en-US">
+              <a:rPr lang="ko-KR" altLang="en-US" dirty="0">
                 <a:latin typeface="Noto Sans CJK KR Regular" panose="020B0500000000000000" pitchFamily="34" charset="-127"/>
                 <a:ea typeface="Noto Sans CJK KR Regular" panose="020B0500000000000000" pitchFamily="34" charset="-127"/>
               </a:rPr>
               <a:t>에 기반</a:t>
             </a:r>
-            <a:endParaRPr lang="en-US" altLang="ko-KR">
+            <a:endParaRPr lang="en-US" altLang="ko-KR" dirty="0">
               <a:latin typeface="Noto Sans CJK KR Regular" panose="020B0500000000000000" pitchFamily="34" charset="-127"/>
               <a:ea typeface="Noto Sans CJK KR Regular" panose="020B0500000000000000" pitchFamily="34" charset="-127"/>
             </a:endParaRPr>
@@ -33410,20 +33922,20 @@
               <a:buChar char="•"/>
             </a:pPr>
             <a:r>
-              <a:rPr lang="en-US" altLang="ko-KR">
+              <a:rPr lang="en-US" altLang="ko-KR" dirty="0">
                 <a:latin typeface="Noto Sans CJK KR Regular" panose="020B0500000000000000" pitchFamily="34" charset="-127"/>
                 <a:ea typeface="Noto Sans CJK KR Regular" panose="020B0500000000000000" pitchFamily="34" charset="-127"/>
               </a:rPr>
               <a:t> </a:t>
             </a:r>
             <a:r>
-              <a:rPr lang="ko-KR" altLang="en-US">
+              <a:rPr lang="ko-KR" altLang="en-US" dirty="0">
                 <a:latin typeface="Noto Sans CJK KR Regular" panose="020B0500000000000000" pitchFamily="34" charset="-127"/>
                 <a:ea typeface="Noto Sans CJK KR Regular" panose="020B0500000000000000" pitchFamily="34" charset="-127"/>
               </a:rPr>
               <a:t>타입을 비교할 때 타입의 구조를 기준으로 호환 여부를 판단</a:t>
             </a:r>
-            <a:endParaRPr lang="en-US" altLang="ko-KR">
+            <a:endParaRPr lang="en-US" altLang="ko-KR" dirty="0">
               <a:latin typeface="Noto Sans CJK KR Regular" panose="020B0500000000000000" pitchFamily="34" charset="-127"/>
               <a:ea typeface="Noto Sans CJK KR Regular" panose="020B0500000000000000" pitchFamily="34" charset="-127"/>
             </a:endParaRPr>
@@ -33434,21 +33946,21 @@
               <a:buChar char="•"/>
             </a:pPr>
             <a:r>
-              <a:rPr lang="en-US" altLang="ko-KR">
+              <a:rPr lang="en-US" altLang="ko-KR" dirty="0">
                 <a:latin typeface="Noto Sans CJK KR Regular" panose="020B0500000000000000" pitchFamily="34" charset="-127"/>
                 <a:ea typeface="Noto Sans CJK KR Regular" panose="020B0500000000000000" pitchFamily="34" charset="-127"/>
               </a:rPr>
               <a:t> </a:t>
             </a:r>
             <a:r>
-              <a:rPr lang="ko-KR" altLang="en-US">
+              <a:rPr lang="ko-KR" altLang="en-US" dirty="0">
                 <a:latin typeface="Noto Sans CJK KR Regular" panose="020B0500000000000000" pitchFamily="34" charset="-127"/>
                 <a:ea typeface="Noto Sans CJK KR Regular" panose="020B0500000000000000" pitchFamily="34" charset="-127"/>
               </a:rPr>
               <a:t>두 타입이 호환되려면 한 타입이 다른 타입의 </a:t>
             </a:r>
             <a:r>
-              <a:rPr lang="ko-KR" altLang="en-US">
+              <a:rPr lang="ko-KR" altLang="en-US" dirty="0">
                 <a:solidFill>
                   <a:srgbClr val="FF9E1B"/>
                 </a:solidFill>
@@ -33458,13 +33970,13 @@
               <a:t>모든 프로퍼티와 메서드를 포함</a:t>
             </a:r>
             <a:r>
-              <a:rPr lang="ko-KR" altLang="en-US">
+              <a:rPr lang="ko-KR" altLang="en-US" dirty="0">
                 <a:latin typeface="Noto Sans CJK KR Regular" panose="020B0500000000000000" pitchFamily="34" charset="-127"/>
                 <a:ea typeface="Noto Sans CJK KR Regular" panose="020B0500000000000000" pitchFamily="34" charset="-127"/>
               </a:rPr>
               <a:t>해야 함</a:t>
             </a:r>
-            <a:endParaRPr lang="en-US" altLang="ko-KR">
+            <a:endParaRPr lang="en-US" altLang="ko-KR" dirty="0">
               <a:latin typeface="Noto Sans CJK KR Regular" panose="020B0500000000000000" pitchFamily="34" charset="-127"/>
               <a:ea typeface="Noto Sans CJK KR Regular" panose="020B0500000000000000" pitchFamily="34" charset="-127"/>
             </a:endParaRPr>
@@ -33475,20 +33987,20 @@
               <a:buChar char="•"/>
             </a:pPr>
             <a:r>
-              <a:rPr lang="en-US" altLang="ko-KR">
+              <a:rPr lang="en-US" altLang="ko-KR" dirty="0">
                 <a:latin typeface="Noto Sans CJK KR Regular" panose="020B0500000000000000" pitchFamily="34" charset="-127"/>
                 <a:ea typeface="Noto Sans CJK KR Regular" panose="020B0500000000000000" pitchFamily="34" charset="-127"/>
               </a:rPr>
               <a:t> </a:t>
             </a:r>
             <a:r>
-              <a:rPr lang="ko-KR" altLang="en-US">
+              <a:rPr lang="ko-KR" altLang="en-US" dirty="0">
                 <a:latin typeface="Noto Sans CJK KR Regular" panose="020B0500000000000000" pitchFamily="34" charset="-127"/>
                 <a:ea typeface="Noto Sans CJK KR Regular" panose="020B0500000000000000" pitchFamily="34" charset="-127"/>
               </a:rPr>
               <a:t>호환 가능 대상</a:t>
             </a:r>
-            <a:endParaRPr lang="en-US" altLang="ko-KR">
+            <a:endParaRPr lang="en-US" altLang="ko-KR" dirty="0">
               <a:latin typeface="Noto Sans CJK KR Regular" panose="020B0500000000000000" pitchFamily="34" charset="-127"/>
               <a:ea typeface="Noto Sans CJK KR Regular" panose="020B0500000000000000" pitchFamily="34" charset="-127"/>
             </a:endParaRPr>
@@ -33499,63 +34011,70 @@
               <a:buChar char="•"/>
             </a:pPr>
             <a:r>
-              <a:rPr lang="en-US" altLang="ko-KR">
+              <a:rPr lang="en-US" altLang="ko-KR" dirty="0">
                 <a:latin typeface="Noto Sans CJK KR Regular" panose="020B0500000000000000" pitchFamily="34" charset="-127"/>
                 <a:ea typeface="Noto Sans CJK KR Regular" panose="020B0500000000000000" pitchFamily="34" charset="-127"/>
               </a:rPr>
               <a:t> </a:t>
             </a:r>
             <a:r>
-              <a:rPr lang="ko-KR" altLang="en-US">
+              <a:rPr lang="ko-KR" altLang="en-US" dirty="0">
                 <a:latin typeface="Noto Sans CJK KR Regular" panose="020B0500000000000000" pitchFamily="34" charset="-127"/>
                 <a:ea typeface="Noto Sans CJK KR Regular" panose="020B0500000000000000" pitchFamily="34" charset="-127"/>
               </a:rPr>
               <a:t>인터페이스</a:t>
             </a:r>
             <a:r>
-              <a:rPr lang="en-US" altLang="ko-KR">
+              <a:rPr lang="en-US" altLang="ko-KR" dirty="0">
                 <a:latin typeface="Noto Sans CJK KR Regular" panose="020B0500000000000000" pitchFamily="34" charset="-127"/>
                 <a:ea typeface="Noto Sans CJK KR Regular" panose="020B0500000000000000" pitchFamily="34" charset="-127"/>
               </a:rPr>
               <a:t>, </a:t>
             </a:r>
             <a:r>
-              <a:rPr lang="ko-KR" altLang="en-US">
+              <a:rPr lang="ko-KR" altLang="en-US" dirty="0">
                 <a:latin typeface="Noto Sans CJK KR Regular" panose="020B0500000000000000" pitchFamily="34" charset="-127"/>
                 <a:ea typeface="Noto Sans CJK KR Regular" panose="020B0500000000000000" pitchFamily="34" charset="-127"/>
               </a:rPr>
               <a:t>클래스</a:t>
             </a:r>
             <a:r>
-              <a:rPr lang="en-US" altLang="ko-KR">
+              <a:rPr lang="en-US" altLang="ko-KR" dirty="0">
                 <a:latin typeface="Noto Sans CJK KR Regular" panose="020B0500000000000000" pitchFamily="34" charset="-127"/>
                 <a:ea typeface="Noto Sans CJK KR Regular" panose="020B0500000000000000" pitchFamily="34" charset="-127"/>
               </a:rPr>
               <a:t>: </a:t>
             </a:r>
             <a:r>
-              <a:rPr lang="ko-KR" altLang="en-US">
+              <a:rPr lang="ko-KR" altLang="en-US" dirty="0">
                 <a:latin typeface="Noto Sans CJK KR Regular" panose="020B0500000000000000" pitchFamily="34" charset="-127"/>
                 <a:ea typeface="Noto Sans CJK KR Regular" panose="020B0500000000000000" pitchFamily="34" charset="-127"/>
               </a:rPr>
               <a:t>프로퍼티 비교</a:t>
             </a:r>
             <a:r>
-              <a:rPr lang="en-US" altLang="ko-KR">
+              <a:rPr lang="en-US" altLang="ko-KR" dirty="0">
                 <a:latin typeface="Noto Sans CJK KR Regular" panose="020B0500000000000000" pitchFamily="34" charset="-127"/>
                 <a:ea typeface="Noto Sans CJK KR Regular" panose="020B0500000000000000" pitchFamily="34" charset="-127"/>
               </a:rPr>
               <a:t>(</a:t>
             </a:r>
             <a:r>
-              <a:rPr lang="ko-KR" altLang="en-US">
-                <a:latin typeface="Noto Sans CJK KR Regular" panose="020B0500000000000000" pitchFamily="34" charset="-127"/>
-                <a:ea typeface="Noto Sans CJK KR Regular" panose="020B0500000000000000" pitchFamily="34" charset="-127"/>
-              </a:rPr>
-              <a:t>프로퍼티명과 타입</a:t>
-            </a:r>
-            <a:r>
-              <a:rPr lang="en-US" altLang="ko-KR">
+              <a:rPr lang="ko-KR" altLang="en-US" dirty="0" err="1">
+                <a:latin typeface="Noto Sans CJK KR Regular" panose="020B0500000000000000" pitchFamily="34" charset="-127"/>
+                <a:ea typeface="Noto Sans CJK KR Regular" panose="020B0500000000000000" pitchFamily="34" charset="-127"/>
+              </a:rPr>
+              <a:t>프로퍼티명과</a:t>
+            </a:r>
+            <a:r>
+              <a:rPr lang="ko-KR" altLang="en-US" dirty="0">
+                <a:latin typeface="Noto Sans CJK KR Regular" panose="020B0500000000000000" pitchFamily="34" charset="-127"/>
+                <a:ea typeface="Noto Sans CJK KR Regular" panose="020B0500000000000000" pitchFamily="34" charset="-127"/>
+              </a:rPr>
+              <a:t> 타입</a:t>
+            </a:r>
+            <a:r>
+              <a:rPr lang="en-US" altLang="ko-KR" dirty="0">
                 <a:latin typeface="Noto Sans CJK KR Regular" panose="020B0500000000000000" pitchFamily="34" charset="-127"/>
                 <a:ea typeface="Noto Sans CJK KR Regular" panose="020B0500000000000000" pitchFamily="34" charset="-127"/>
               </a:rPr>
@@ -33568,49 +34087,49 @@
               <a:buChar char="•"/>
             </a:pPr>
             <a:r>
-              <a:rPr lang="en-US" altLang="ko-KR">
+              <a:rPr lang="en-US" altLang="ko-KR" dirty="0">
                 <a:latin typeface="Noto Sans CJK KR Regular" panose="020B0500000000000000" pitchFamily="34" charset="-127"/>
                 <a:ea typeface="Noto Sans CJK KR Regular" panose="020B0500000000000000" pitchFamily="34" charset="-127"/>
               </a:rPr>
               <a:t> </a:t>
             </a:r>
             <a:r>
-              <a:rPr lang="ko-KR" altLang="en-US">
+              <a:rPr lang="ko-KR" altLang="en-US" dirty="0">
                 <a:latin typeface="Noto Sans CJK KR Regular" panose="020B0500000000000000" pitchFamily="34" charset="-127"/>
                 <a:ea typeface="Noto Sans CJK KR Regular" panose="020B0500000000000000" pitchFamily="34" charset="-127"/>
               </a:rPr>
               <a:t>함수</a:t>
             </a:r>
             <a:r>
-              <a:rPr lang="en-US" altLang="ko-KR">
+              <a:rPr lang="en-US" altLang="ko-KR" dirty="0">
                 <a:latin typeface="Noto Sans CJK KR Regular" panose="020B0500000000000000" pitchFamily="34" charset="-127"/>
                 <a:ea typeface="Noto Sans CJK KR Regular" panose="020B0500000000000000" pitchFamily="34" charset="-127"/>
               </a:rPr>
               <a:t>: </a:t>
             </a:r>
             <a:r>
-              <a:rPr lang="ko-KR" altLang="en-US">
+              <a:rPr lang="ko-KR" altLang="en-US" dirty="0">
                 <a:latin typeface="Noto Sans CJK KR Regular" panose="020B0500000000000000" pitchFamily="34" charset="-127"/>
                 <a:ea typeface="Noto Sans CJK KR Regular" panose="020B0500000000000000" pitchFamily="34" charset="-127"/>
               </a:rPr>
               <a:t>인자의 수와 타입</a:t>
             </a:r>
             <a:r>
-              <a:rPr lang="en-US" altLang="ko-KR">
+              <a:rPr lang="en-US" altLang="ko-KR" dirty="0">
                 <a:latin typeface="Noto Sans CJK KR Regular" panose="020B0500000000000000" pitchFamily="34" charset="-127"/>
                 <a:ea typeface="Noto Sans CJK KR Regular" panose="020B0500000000000000" pitchFamily="34" charset="-127"/>
               </a:rPr>
               <a:t>, </a:t>
             </a:r>
             <a:r>
-              <a:rPr lang="ko-KR" altLang="en-US">
+              <a:rPr lang="ko-KR" altLang="en-US" dirty="0">
                 <a:latin typeface="Noto Sans CJK KR Regular" panose="020B0500000000000000" pitchFamily="34" charset="-127"/>
                 <a:ea typeface="Noto Sans CJK KR Regular" panose="020B0500000000000000" pitchFamily="34" charset="-127"/>
               </a:rPr>
               <a:t>리턴 타입을 기준으로 판단</a:t>
             </a:r>
             <a:r>
-              <a:rPr lang="en-US" altLang="ko-KR">
+              <a:rPr lang="en-US" altLang="ko-KR" dirty="0">
                 <a:latin typeface="Noto Sans CJK KR Regular" panose="020B0500000000000000" pitchFamily="34" charset="-127"/>
                 <a:ea typeface="Noto Sans CJK KR Regular" panose="020B0500000000000000" pitchFamily="34" charset="-127"/>
               </a:rPr>
@@ -33619,7 +34138,7 @@
           </a:p>
           <a:p>
             <a:pPr lvl="2"/>
-            <a:endParaRPr lang="en-US" altLang="ko-KR">
+            <a:endParaRPr lang="en-US" altLang="ko-KR" dirty="0">
               <a:latin typeface="Noto Sans CJK KR Regular" panose="020B0500000000000000" pitchFamily="34" charset="-127"/>
               <a:ea typeface="Noto Sans CJK KR Regular" panose="020B0500000000000000" pitchFamily="34" charset="-127"/>
             </a:endParaRPr>
@@ -39908,7 +40427,7 @@
           <a:lstStyle/>
           <a:p>
             <a:r>
-              <a:rPr lang="en-US" altLang="ko-KR" b="0">
+              <a:rPr lang="en-US" altLang="ko-KR" b="0" dirty="0">
                 <a:solidFill>
                   <a:srgbClr val="0000FF"/>
                 </a:solidFill>
@@ -39918,17 +40437,37 @@
               <a:t>function</a:t>
             </a:r>
             <a:r>
-              <a:rPr lang="en-US" altLang="ko-KR" b="0">
-                <a:solidFill>
-                  <a:srgbClr val="000000"/>
-                </a:solidFill>
-                <a:effectLst/>
-                <a:latin typeface="Consolas" panose="020B0609020204030204" pitchFamily="49" charset="0"/>
-              </a:rPr>
-              <a:t> getCount(count</a:t>
-            </a:r>
-            <a:r>
-              <a:rPr lang="en-US" altLang="ko-KR" b="1">
+              <a:rPr lang="en-US" altLang="ko-KR" b="0" dirty="0">
+                <a:solidFill>
+                  <a:srgbClr val="000000"/>
+                </a:solidFill>
+                <a:effectLst/>
+                <a:latin typeface="Consolas" panose="020B0609020204030204" pitchFamily="49" charset="0"/>
+              </a:rPr>
+              <a:t> </a:t>
+            </a:r>
+            <a:r>
+              <a:rPr lang="en-US" altLang="ko-KR" b="0" dirty="0" err="1">
+                <a:solidFill>
+                  <a:srgbClr val="000000"/>
+                </a:solidFill>
+                <a:effectLst/>
+                <a:latin typeface="Consolas" panose="020B0609020204030204" pitchFamily="49" charset="0"/>
+              </a:rPr>
+              <a:t>getCount</a:t>
+            </a:r>
+            <a:r>
+              <a:rPr lang="en-US" altLang="ko-KR" b="0" dirty="0">
+                <a:solidFill>
+                  <a:srgbClr val="000000"/>
+                </a:solidFill>
+                <a:effectLst/>
+                <a:latin typeface="Consolas" panose="020B0609020204030204" pitchFamily="49" charset="0"/>
+              </a:rPr>
+              <a:t>(count</a:t>
+            </a:r>
+            <a:r>
+              <a:rPr lang="en-US" altLang="ko-KR" b="1" dirty="0">
                 <a:solidFill>
                   <a:srgbClr val="FF9E1B"/>
                 </a:solidFill>
@@ -39938,7 +40477,7 @@
               <a:t>: number</a:t>
             </a:r>
             <a:r>
-              <a:rPr lang="en-US" altLang="ko-KR" b="0">
+              <a:rPr lang="en-US" altLang="ko-KR" b="0" dirty="0">
                 <a:solidFill>
                   <a:srgbClr val="000000"/>
                 </a:solidFill>
@@ -39948,7 +40487,7 @@
               <a:t>)</a:t>
             </a:r>
             <a:r>
-              <a:rPr lang="en-US" altLang="ko-KR" b="1">
+              <a:rPr lang="en-US" altLang="ko-KR" b="1" dirty="0">
                 <a:solidFill>
                   <a:srgbClr val="FF9E1B"/>
                 </a:solidFill>
@@ -39958,7 +40497,7 @@
               <a:t>: string</a:t>
             </a:r>
             <a:r>
-              <a:rPr lang="en-US" altLang="ko-KR" b="0">
+              <a:rPr lang="en-US" altLang="ko-KR" b="0" dirty="0">
                 <a:solidFill>
                   <a:srgbClr val="000000"/>
                 </a:solidFill>
@@ -39970,7 +40509,7 @@
           </a:p>
           <a:p>
             <a:r>
-              <a:rPr lang="en-US" altLang="ko-KR" b="0">
+              <a:rPr lang="en-US" altLang="ko-KR" b="0" dirty="0">
                 <a:solidFill>
                   <a:srgbClr val="000000"/>
                 </a:solidFill>
@@ -39980,7 +40519,7 @@
               <a:t>  </a:t>
             </a:r>
             <a:r>
-              <a:rPr lang="en-US" altLang="ko-KR" b="0">
+              <a:rPr lang="en-US" altLang="ko-KR" b="0" dirty="0">
                 <a:solidFill>
                   <a:srgbClr val="0000FF"/>
                 </a:solidFill>
@@ -39990,7 +40529,7 @@
               <a:t>return</a:t>
             </a:r>
             <a:r>
-              <a:rPr lang="en-US" altLang="ko-KR" b="0">
+              <a:rPr lang="en-US" altLang="ko-KR" b="0" dirty="0">
                 <a:solidFill>
                   <a:srgbClr val="000000"/>
                 </a:solidFill>
@@ -40000,7 +40539,7 @@
               <a:t> </a:t>
             </a:r>
             <a:r>
-              <a:rPr lang="en-US" altLang="ko-KR" b="0">
+              <a:rPr lang="en-US" altLang="ko-KR" b="0" dirty="0">
                 <a:solidFill>
                   <a:srgbClr val="A31515"/>
                 </a:solidFill>
@@ -40010,7 +40549,7 @@
               <a:t>'Count: '</a:t>
             </a:r>
             <a:r>
-              <a:rPr lang="en-US" altLang="ko-KR" b="0">
+              <a:rPr lang="en-US" altLang="ko-KR" b="0" dirty="0">
                 <a:solidFill>
                   <a:srgbClr val="000000"/>
                 </a:solidFill>
@@ -40022,7 +40561,7 @@
           </a:p>
           <a:p>
             <a:r>
-              <a:rPr lang="en-US" altLang="ko-KR" b="0">
+              <a:rPr lang="en-US" altLang="ko-KR" b="0" dirty="0">
                 <a:solidFill>
                   <a:srgbClr val="000000"/>
                 </a:solidFill>
@@ -40034,17 +40573,37 @@
           </a:p>
           <a:p>
             <a:r>
-              <a:rPr lang="en-US" altLang="ko-KR" b="0">
-                <a:solidFill>
-                  <a:srgbClr val="000000"/>
-                </a:solidFill>
-                <a:effectLst/>
-                <a:latin typeface="Consolas" panose="020B0609020204030204" pitchFamily="49" charset="0"/>
-              </a:rPr>
-              <a:t>console.log(getCount(</a:t>
-            </a:r>
-            <a:r>
-              <a:rPr lang="en-US" altLang="ko-KR" b="0">
+              <a:rPr lang="en-US" altLang="ko-KR" b="0" dirty="0">
+                <a:solidFill>
+                  <a:srgbClr val="000000"/>
+                </a:solidFill>
+                <a:effectLst/>
+                <a:latin typeface="Consolas" panose="020B0609020204030204" pitchFamily="49" charset="0"/>
+              </a:rPr>
+              <a:t>console.log(</a:t>
+            </a:r>
+            <a:r>
+              <a:rPr lang="en-US" altLang="ko-KR" b="0" dirty="0" err="1">
+                <a:solidFill>
+                  <a:srgbClr val="000000"/>
+                </a:solidFill>
+                <a:effectLst/>
+                <a:latin typeface="Consolas" panose="020B0609020204030204" pitchFamily="49" charset="0"/>
+              </a:rPr>
+              <a:t>getCount</a:t>
+            </a:r>
+            <a:r>
+              <a:rPr lang="en-US" altLang="ko-KR" b="0" dirty="0">
+                <a:solidFill>
+                  <a:srgbClr val="000000"/>
+                </a:solidFill>
+                <a:effectLst/>
+                <a:latin typeface="Consolas" panose="020B0609020204030204" pitchFamily="49" charset="0"/>
+              </a:rPr>
+              <a:t>(</a:t>
+            </a:r>
+            <a:r>
+              <a:rPr lang="en-US" altLang="ko-KR" b="0" dirty="0">
                 <a:solidFill>
                   <a:srgbClr val="098658"/>
                 </a:solidFill>
@@ -40054,7 +40613,7 @@
               <a:t>20</a:t>
             </a:r>
             <a:r>
-              <a:rPr lang="en-US" altLang="ko-KR" b="0">
+              <a:rPr lang="en-US" altLang="ko-KR" b="0" dirty="0">
                 <a:solidFill>
                   <a:srgbClr val="000000"/>
                 </a:solidFill>
@@ -40066,17 +40625,27 @@
           </a:p>
           <a:p>
             <a:r>
-              <a:rPr lang="en-US" altLang="ko-KR" b="0" strike="sngStrike">
-                <a:solidFill>
-                  <a:srgbClr val="000000"/>
-                </a:solidFill>
-                <a:effectLst/>
-                <a:latin typeface="Consolas" panose="020B0609020204030204" pitchFamily="49" charset="0"/>
-              </a:rPr>
-              <a:t>getCount(</a:t>
-            </a:r>
-            <a:r>
-              <a:rPr lang="en-US" altLang="ko-KR" b="0" strike="sngStrike">
+              <a:rPr lang="en-US" altLang="ko-KR" b="0" strike="sngStrike" dirty="0" err="1">
+                <a:solidFill>
+                  <a:srgbClr val="000000"/>
+                </a:solidFill>
+                <a:effectLst/>
+                <a:latin typeface="Consolas" panose="020B0609020204030204" pitchFamily="49" charset="0"/>
+              </a:rPr>
+              <a:t>getCount</a:t>
+            </a:r>
+            <a:r>
+              <a:rPr lang="en-US" altLang="ko-KR" b="0" strike="sngStrike" dirty="0">
+                <a:solidFill>
+                  <a:srgbClr val="000000"/>
+                </a:solidFill>
+                <a:effectLst/>
+                <a:latin typeface="Consolas" panose="020B0609020204030204" pitchFamily="49" charset="0"/>
+              </a:rPr>
+              <a:t>(</a:t>
+            </a:r>
+            <a:r>
+              <a:rPr lang="en-US" altLang="ko-KR" b="0" strike="sngStrike" dirty="0">
                 <a:solidFill>
                   <a:srgbClr val="A31515"/>
                 </a:solidFill>
@@ -40086,7 +40655,7 @@
               <a:t>'30'</a:t>
             </a:r>
             <a:r>
-              <a:rPr lang="en-US" altLang="ko-KR" b="0" strike="sngStrike">
+              <a:rPr lang="en-US" altLang="ko-KR" b="0" strike="sngStrike" dirty="0">
                 <a:solidFill>
                   <a:srgbClr val="000000"/>
                 </a:solidFill>
@@ -40096,7 +40665,7 @@
               <a:t>)</a:t>
             </a:r>
             <a:r>
-              <a:rPr lang="en-US" altLang="ko-KR" b="0">
+              <a:rPr lang="en-US" altLang="ko-KR" b="0" dirty="0">
                 <a:solidFill>
                   <a:srgbClr val="000000"/>
                 </a:solidFill>
@@ -40106,7 +40675,7 @@
               <a:t>; </a:t>
             </a:r>
             <a:r>
-              <a:rPr lang="en-US" altLang="ko-KR" b="0">
+              <a:rPr lang="en-US" altLang="ko-KR" b="0" dirty="0">
                 <a:solidFill>
                   <a:srgbClr val="008000"/>
                 </a:solidFill>
@@ -40116,7 +40685,7 @@
               <a:t>// </a:t>
             </a:r>
             <a:r>
-              <a:rPr lang="ko-KR" altLang="en-US" b="0">
+              <a:rPr lang="ko-KR" altLang="en-US" b="0" dirty="0">
                 <a:solidFill>
                   <a:srgbClr val="008000"/>
                 </a:solidFill>
@@ -40126,7 +40695,7 @@
               <a:t>컴파일 에러</a:t>
             </a:r>
             <a:r>
-              <a:rPr lang="en-US" altLang="ko-KR" b="0">
+              <a:rPr lang="en-US" altLang="ko-KR" b="0" dirty="0">
                 <a:solidFill>
                   <a:srgbClr val="008000"/>
                 </a:solidFill>
@@ -40136,7 +40705,7 @@
               <a:t>(</a:t>
             </a:r>
             <a:r>
-              <a:rPr lang="en-US" altLang="ko-KR">
+              <a:rPr lang="en-US" altLang="ko-KR" dirty="0">
                 <a:solidFill>
                   <a:srgbClr val="008000"/>
                 </a:solidFill>
@@ -40145,25 +40714,43 @@
               <a:t>count</a:t>
             </a:r>
             <a:r>
-              <a:rPr lang="ko-KR" altLang="en-US">
+              <a:rPr lang="ko-KR" altLang="en-US" dirty="0">
                 <a:solidFill>
                   <a:srgbClr val="008000"/>
                 </a:solidFill>
                 <a:latin typeface="Consolas" panose="020B0609020204030204" pitchFamily="49" charset="0"/>
               </a:rPr>
-              <a:t> 인자값이 </a:t>
-            </a:r>
-            <a:r>
-              <a:rPr lang="en-US" altLang="ko-KR">
+              <a:t> </a:t>
+            </a:r>
+            <a:r>
+              <a:rPr lang="ko-KR" altLang="en-US" dirty="0" err="1">
                 <a:solidFill>
                   <a:srgbClr val="008000"/>
                 </a:solidFill>
                 <a:latin typeface="Consolas" panose="020B0609020204030204" pitchFamily="49" charset="0"/>
               </a:rPr>
+              <a:t>인자값이</a:t>
+            </a:r>
+            <a:r>
+              <a:rPr lang="ko-KR" altLang="en-US" dirty="0">
+                <a:solidFill>
+                  <a:srgbClr val="008000"/>
+                </a:solidFill>
+                <a:latin typeface="Consolas" panose="020B0609020204030204" pitchFamily="49" charset="0"/>
+              </a:rPr>
+              <a:t> </a:t>
+            </a:r>
+            <a:r>
+              <a:rPr lang="en-US" altLang="ko-KR" dirty="0">
+                <a:solidFill>
+                  <a:srgbClr val="008000"/>
+                </a:solidFill>
+                <a:latin typeface="Consolas" panose="020B0609020204030204" pitchFamily="49" charset="0"/>
+              </a:rPr>
               <a:t>number</a:t>
             </a:r>
             <a:r>
-              <a:rPr lang="ko-KR" altLang="en-US">
+              <a:rPr lang="ko-KR" altLang="en-US" dirty="0">
                 <a:solidFill>
                   <a:srgbClr val="008000"/>
                 </a:solidFill>
@@ -40172,7 +40759,7 @@
               <a:t>가 아님</a:t>
             </a:r>
             <a:r>
-              <a:rPr lang="en-US" altLang="ko-KR" b="0">
+              <a:rPr lang="en-US" altLang="ko-KR" b="0" dirty="0">
                 <a:solidFill>
                   <a:srgbClr val="008000"/>
                 </a:solidFill>
@@ -40181,7 +40768,7 @@
               </a:rPr>
               <a:t>)</a:t>
             </a:r>
-            <a:endParaRPr lang="ko-KR" altLang="en-US" b="0">
+            <a:endParaRPr lang="ko-KR" altLang="en-US" b="0" dirty="0">
               <a:solidFill>
                 <a:srgbClr val="000000"/>
               </a:solidFill>
@@ -40191,7 +40778,7 @@
           </a:p>
           <a:p>
             <a:r>
-              <a:rPr lang="en-US" altLang="ko-KR" b="0" strike="sngStrike">
+              <a:rPr lang="en-US" altLang="ko-KR" b="0" strike="sngStrike" dirty="0">
                 <a:solidFill>
                   <a:srgbClr val="0000FF"/>
                 </a:solidFill>
@@ -40201,7 +40788,7 @@
               <a:t>const</a:t>
             </a:r>
             <a:r>
-              <a:rPr lang="en-US" altLang="ko-KR" b="0" strike="sngStrike">
+              <a:rPr lang="en-US" altLang="ko-KR" b="0" strike="sngStrike" dirty="0">
                 <a:solidFill>
                   <a:srgbClr val="000000"/>
                 </a:solidFill>
@@ -40211,7 +40798,7 @@
               <a:t> count</a:t>
             </a:r>
             <a:r>
-              <a:rPr lang="en-US" altLang="ko-KR" b="1" strike="sngStrike">
+              <a:rPr lang="en-US" altLang="ko-KR" b="1" strike="sngStrike" dirty="0">
                 <a:solidFill>
                   <a:srgbClr val="FF9E1B"/>
                 </a:solidFill>
@@ -40221,17 +40808,37 @@
               <a:t>: number</a:t>
             </a:r>
             <a:r>
-              <a:rPr lang="en-US" altLang="ko-KR" b="0" strike="sngStrike">
-                <a:solidFill>
-                  <a:srgbClr val="000000"/>
-                </a:solidFill>
-                <a:effectLst/>
-                <a:latin typeface="Consolas" panose="020B0609020204030204" pitchFamily="49" charset="0"/>
-              </a:rPr>
-              <a:t> = getCount(</a:t>
-            </a:r>
-            <a:r>
-              <a:rPr lang="en-US" altLang="ko-KR" b="0" strike="sngStrike">
+              <a:rPr lang="en-US" altLang="ko-KR" b="0" strike="sngStrike" dirty="0">
+                <a:solidFill>
+                  <a:srgbClr val="000000"/>
+                </a:solidFill>
+                <a:effectLst/>
+                <a:latin typeface="Consolas" panose="020B0609020204030204" pitchFamily="49" charset="0"/>
+              </a:rPr>
+              <a:t> = </a:t>
+            </a:r>
+            <a:r>
+              <a:rPr lang="en-US" altLang="ko-KR" b="0" strike="sngStrike" dirty="0" err="1">
+                <a:solidFill>
+                  <a:srgbClr val="000000"/>
+                </a:solidFill>
+                <a:effectLst/>
+                <a:latin typeface="Consolas" panose="020B0609020204030204" pitchFamily="49" charset="0"/>
+              </a:rPr>
+              <a:t>getCount</a:t>
+            </a:r>
+            <a:r>
+              <a:rPr lang="en-US" altLang="ko-KR" b="0" strike="sngStrike" dirty="0">
+                <a:solidFill>
+                  <a:srgbClr val="000000"/>
+                </a:solidFill>
+                <a:effectLst/>
+                <a:latin typeface="Consolas" panose="020B0609020204030204" pitchFamily="49" charset="0"/>
+              </a:rPr>
+              <a:t>(</a:t>
+            </a:r>
+            <a:r>
+              <a:rPr lang="en-US" altLang="ko-KR" b="0" strike="sngStrike" dirty="0">
                 <a:solidFill>
                   <a:srgbClr val="098658"/>
                 </a:solidFill>
@@ -40241,7 +40848,7 @@
               <a:t>40</a:t>
             </a:r>
             <a:r>
-              <a:rPr lang="en-US" altLang="ko-KR" b="0" strike="sngStrike">
+              <a:rPr lang="en-US" altLang="ko-KR" b="0" strike="sngStrike" dirty="0">
                 <a:solidFill>
                   <a:srgbClr val="000000"/>
                 </a:solidFill>
@@ -40251,7 +40858,7 @@
               <a:t>)</a:t>
             </a:r>
             <a:r>
-              <a:rPr lang="en-US" altLang="ko-KR" b="0">
+              <a:rPr lang="en-US" altLang="ko-KR" b="0" dirty="0">
                 <a:solidFill>
                   <a:srgbClr val="000000"/>
                 </a:solidFill>
@@ -40261,7 +40868,7 @@
               <a:t>; </a:t>
             </a:r>
             <a:r>
-              <a:rPr lang="en-US" altLang="ko-KR" b="0">
+              <a:rPr lang="en-US" altLang="ko-KR" b="0" dirty="0">
                 <a:solidFill>
                   <a:srgbClr val="008000"/>
                 </a:solidFill>
@@ -40271,7 +40878,7 @@
               <a:t>// </a:t>
             </a:r>
             <a:r>
-              <a:rPr lang="ko-KR" altLang="en-US" b="0">
+              <a:rPr lang="ko-KR" altLang="en-US" b="0" dirty="0">
                 <a:solidFill>
                   <a:srgbClr val="008000"/>
                 </a:solidFill>
@@ -40281,7 +40888,7 @@
               <a:t>컴파일 에러</a:t>
             </a:r>
             <a:r>
-              <a:rPr lang="en-US" altLang="ko-KR" b="0">
+              <a:rPr lang="en-US" altLang="ko-KR" b="0" dirty="0">
                 <a:solidFill>
                   <a:srgbClr val="008000"/>
                 </a:solidFill>
@@ -40291,7 +40898,7 @@
               <a:t>(count </a:t>
             </a:r>
             <a:r>
-              <a:rPr lang="ko-KR" altLang="en-US" b="0">
+              <a:rPr lang="ko-KR" altLang="en-US" b="0" dirty="0">
                 <a:solidFill>
                   <a:srgbClr val="008000"/>
                 </a:solidFill>
@@ -40301,7 +40908,7 @@
               <a:t>변수가 </a:t>
             </a:r>
             <a:r>
-              <a:rPr lang="en-US" altLang="ko-KR" b="0">
+              <a:rPr lang="en-US" altLang="ko-KR" b="0" dirty="0">
                 <a:solidFill>
                   <a:srgbClr val="008000"/>
                 </a:solidFill>
@@ -40311,7 +40918,7 @@
               <a:t>string</a:t>
             </a:r>
             <a:r>
-              <a:rPr lang="ko-KR" altLang="en-US" b="0">
+              <a:rPr lang="ko-KR" altLang="en-US" b="0" dirty="0">
                 <a:solidFill>
                   <a:srgbClr val="008000"/>
                 </a:solidFill>
@@ -40321,7 +40928,7 @@
               <a:t>이 아님</a:t>
             </a:r>
             <a:r>
-              <a:rPr lang="en-US" altLang="ko-KR" b="0">
+              <a:rPr lang="en-US" altLang="ko-KR" b="0" dirty="0">
                 <a:solidFill>
                   <a:srgbClr val="008000"/>
                 </a:solidFill>
@@ -40330,7 +40937,7 @@
               </a:rPr>
               <a:t>)</a:t>
             </a:r>
-            <a:endParaRPr lang="ko-KR" altLang="en-US" b="0">
+            <a:endParaRPr lang="ko-KR" altLang="en-US" b="0" dirty="0">
               <a:solidFill>
                 <a:srgbClr val="000000"/>
               </a:solidFill>
@@ -40340,17 +40947,27 @@
           </a:p>
           <a:p>
             <a:r>
-              <a:rPr lang="en-US" altLang="ko-KR" b="0" strike="sngStrike">
-                <a:solidFill>
-                  <a:srgbClr val="000000"/>
-                </a:solidFill>
-                <a:effectLst/>
-                <a:latin typeface="Consolas" panose="020B0609020204030204" pitchFamily="49" charset="0"/>
-              </a:rPr>
-              <a:t>getCount()</a:t>
-            </a:r>
-            <a:r>
-              <a:rPr lang="en-US" altLang="ko-KR" b="0">
+              <a:rPr lang="en-US" altLang="ko-KR" b="0" strike="sngStrike" dirty="0" err="1">
+                <a:solidFill>
+                  <a:srgbClr val="000000"/>
+                </a:solidFill>
+                <a:effectLst/>
+                <a:latin typeface="Consolas" panose="020B0609020204030204" pitchFamily="49" charset="0"/>
+              </a:rPr>
+              <a:t>getCount</a:t>
+            </a:r>
+            <a:r>
+              <a:rPr lang="en-US" altLang="ko-KR" b="0" strike="sngStrike" dirty="0">
+                <a:solidFill>
+                  <a:srgbClr val="000000"/>
+                </a:solidFill>
+                <a:effectLst/>
+                <a:latin typeface="Consolas" panose="020B0609020204030204" pitchFamily="49" charset="0"/>
+              </a:rPr>
+              <a:t>()</a:t>
+            </a:r>
+            <a:r>
+              <a:rPr lang="en-US" altLang="ko-KR" b="0" dirty="0">
                 <a:solidFill>
                   <a:srgbClr val="000000"/>
                 </a:solidFill>
@@ -40360,7 +40977,7 @@
               <a:t>; </a:t>
             </a:r>
             <a:r>
-              <a:rPr lang="en-US" altLang="ko-KR" b="0">
+              <a:rPr lang="en-US" altLang="ko-KR" b="0" dirty="0">
                 <a:solidFill>
                   <a:srgbClr val="008000"/>
                 </a:solidFill>
@@ -40370,7 +40987,7 @@
               <a:t>// </a:t>
             </a:r>
             <a:r>
-              <a:rPr lang="ko-KR" altLang="en-US" b="0">
+              <a:rPr lang="ko-KR" altLang="en-US" b="0" dirty="0">
                 <a:solidFill>
                   <a:srgbClr val="008000"/>
                 </a:solidFill>
@@ -40380,7 +40997,7 @@
               <a:t>컴파일 에러</a:t>
             </a:r>
             <a:r>
-              <a:rPr lang="en-US" altLang="ko-KR" b="0">
+              <a:rPr lang="en-US" altLang="ko-KR" b="0" dirty="0">
                 <a:solidFill>
                   <a:srgbClr val="008000"/>
                 </a:solidFill>
@@ -40390,24 +41007,33 @@
               <a:t>(count </a:t>
             </a:r>
             <a:r>
-              <a:rPr lang="ko-KR" altLang="en-US">
+              <a:rPr lang="ko-KR" altLang="en-US" dirty="0" err="1">
                 <a:solidFill>
                   <a:srgbClr val="008000"/>
                 </a:solidFill>
                 <a:latin typeface="Consolas" panose="020B0609020204030204" pitchFamily="49" charset="0"/>
               </a:rPr>
-              <a:t>인자값이 없음</a:t>
-            </a:r>
-            <a:r>
-              <a:rPr lang="en-US" altLang="ko-KR">
+              <a:t>인자값이</a:t>
+            </a:r>
+            <a:r>
+              <a:rPr lang="ko-KR" altLang="en-US" dirty="0">
                 <a:solidFill>
                   <a:srgbClr val="008000"/>
                 </a:solidFill>
                 <a:latin typeface="Consolas" panose="020B0609020204030204" pitchFamily="49" charset="0"/>
               </a:rPr>
+              <a:t> 없음</a:t>
+            </a:r>
+            <a:r>
+              <a:rPr lang="en-US" altLang="ko-KR" dirty="0">
+                <a:solidFill>
+                  <a:srgbClr val="008000"/>
+                </a:solidFill>
+                <a:latin typeface="Consolas" panose="020B0609020204030204" pitchFamily="49" charset="0"/>
+              </a:rPr>
               <a:t>)</a:t>
             </a:r>
-            <a:endParaRPr lang="ko-KR" altLang="en-US" b="0">
+            <a:endParaRPr lang="ko-KR" altLang="en-US" b="0" dirty="0">
               <a:solidFill>
                 <a:srgbClr val="000000"/>
               </a:solidFill>
@@ -40417,17 +41043,27 @@
           </a:p>
           <a:p>
             <a:r>
-              <a:rPr lang="en-US" altLang="ko-KR" b="0" strike="sngStrike">
-                <a:solidFill>
-                  <a:srgbClr val="000000"/>
-                </a:solidFill>
-                <a:effectLst/>
-                <a:latin typeface="Consolas" panose="020B0609020204030204" pitchFamily="49" charset="0"/>
-              </a:rPr>
-              <a:t>getCount(</a:t>
-            </a:r>
-            <a:r>
-              <a:rPr lang="en-US" altLang="ko-KR" b="0" strike="sngStrike">
+              <a:rPr lang="en-US" altLang="ko-KR" b="0" strike="sngStrike" dirty="0" err="1">
+                <a:solidFill>
+                  <a:srgbClr val="000000"/>
+                </a:solidFill>
+                <a:effectLst/>
+                <a:latin typeface="Consolas" panose="020B0609020204030204" pitchFamily="49" charset="0"/>
+              </a:rPr>
+              <a:t>getCount</a:t>
+            </a:r>
+            <a:r>
+              <a:rPr lang="en-US" altLang="ko-KR" b="0" strike="sngStrike" dirty="0">
+                <a:solidFill>
+                  <a:srgbClr val="000000"/>
+                </a:solidFill>
+                <a:effectLst/>
+                <a:latin typeface="Consolas" panose="020B0609020204030204" pitchFamily="49" charset="0"/>
+              </a:rPr>
+              <a:t>(</a:t>
+            </a:r>
+            <a:r>
+              <a:rPr lang="en-US" altLang="ko-KR" b="0" strike="sngStrike" dirty="0">
                 <a:solidFill>
                   <a:srgbClr val="098658"/>
                 </a:solidFill>
@@ -40437,7 +41073,7 @@
               <a:t>10</a:t>
             </a:r>
             <a:r>
-              <a:rPr lang="en-US" altLang="ko-KR" b="0" strike="sngStrike">
+              <a:rPr lang="en-US" altLang="ko-KR" b="0" strike="sngStrike" dirty="0">
                 <a:solidFill>
                   <a:srgbClr val="000000"/>
                 </a:solidFill>
@@ -40447,7 +41083,7 @@
               <a:t>, </a:t>
             </a:r>
             <a:r>
-              <a:rPr lang="en-US" altLang="ko-KR" b="0" strike="sngStrike">
+              <a:rPr lang="en-US" altLang="ko-KR" b="0" strike="sngStrike" dirty="0">
                 <a:solidFill>
                   <a:srgbClr val="098658"/>
                 </a:solidFill>
@@ -40457,7 +41093,7 @@
               <a:t>20</a:t>
             </a:r>
             <a:r>
-              <a:rPr lang="en-US" altLang="ko-KR" b="0" strike="sngStrike">
+              <a:rPr lang="en-US" altLang="ko-KR" b="0" strike="sngStrike" dirty="0">
                 <a:solidFill>
                   <a:srgbClr val="000000"/>
                 </a:solidFill>
@@ -40467,7 +41103,7 @@
               <a:t>)</a:t>
             </a:r>
             <a:r>
-              <a:rPr lang="en-US" altLang="ko-KR" b="0">
+              <a:rPr lang="en-US" altLang="ko-KR" b="0" dirty="0">
                 <a:solidFill>
                   <a:srgbClr val="000000"/>
                 </a:solidFill>
@@ -40477,7 +41113,7 @@
               <a:t>; </a:t>
             </a:r>
             <a:r>
-              <a:rPr lang="en-US" altLang="ko-KR" b="0">
+              <a:rPr lang="en-US" altLang="ko-KR" b="0" dirty="0">
                 <a:solidFill>
                   <a:srgbClr val="008000"/>
                 </a:solidFill>
@@ -40487,7 +41123,7 @@
               <a:t>// </a:t>
             </a:r>
             <a:r>
-              <a:rPr lang="ko-KR" altLang="en-US" b="0">
+              <a:rPr lang="ko-KR" altLang="en-US" b="0" dirty="0">
                 <a:solidFill>
                   <a:srgbClr val="008000"/>
                 </a:solidFill>
@@ -40497,7 +41133,7 @@
               <a:t>컴파일 에러</a:t>
             </a:r>
             <a:r>
-              <a:rPr lang="en-US" altLang="ko-KR" b="0">
+              <a:rPr lang="en-US" altLang="ko-KR" b="0" dirty="0">
                 <a:solidFill>
                   <a:srgbClr val="008000"/>
                 </a:solidFill>
@@ -40507,26 +41143,36 @@
               <a:t>(</a:t>
             </a:r>
             <a:r>
-              <a:rPr lang="ko-KR" altLang="en-US" b="0">
+              <a:rPr lang="ko-KR" altLang="en-US" b="0" dirty="0" err="1">
                 <a:solidFill>
                   <a:srgbClr val="008000"/>
                 </a:solidFill>
                 <a:effectLst/>
                 <a:latin typeface="Consolas" panose="020B0609020204030204" pitchFamily="49" charset="0"/>
               </a:rPr>
-              <a:t>인자값이 하나만 있어야 함</a:t>
-            </a:r>
-            <a:r>
-              <a:rPr lang="en-US" altLang="ko-KR" b="0">
+              <a:t>인자값이</a:t>
+            </a:r>
+            <a:r>
+              <a:rPr lang="ko-KR" altLang="en-US" b="0" dirty="0">
                 <a:solidFill>
                   <a:srgbClr val="008000"/>
                 </a:solidFill>
                 <a:effectLst/>
                 <a:latin typeface="Consolas" panose="020B0609020204030204" pitchFamily="49" charset="0"/>
               </a:rPr>
+              <a:t> 하나만 있어야 함</a:t>
+            </a:r>
+            <a:r>
+              <a:rPr lang="en-US" altLang="ko-KR" b="0" dirty="0">
+                <a:solidFill>
+                  <a:srgbClr val="008000"/>
+                </a:solidFill>
+                <a:effectLst/>
+                <a:latin typeface="Consolas" panose="020B0609020204030204" pitchFamily="49" charset="0"/>
+              </a:rPr>
               <a:t>)</a:t>
             </a:r>
-            <a:endParaRPr lang="ko-KR" altLang="en-US" b="0">
+            <a:endParaRPr lang="ko-KR" altLang="en-US" b="0" dirty="0">
               <a:solidFill>
                 <a:srgbClr val="000000"/>
               </a:solidFill>

--- a/PPT/06.자바스크립트 - 타입스크립트.pptx
+++ b/PPT/06.자바스크립트 - 타입스크립트.pptx
@@ -18021,20 +18021,20 @@
               <a:defRPr/>
             </a:pPr>
             <a:r>
-              <a:rPr lang="en-US" altLang="ko-KR" sz="2000" dirty="0">
+              <a:rPr lang="en-US" altLang="ko-KR" sz="2000">
                 <a:latin typeface="Noto Sans CJK KR Regular" panose="020B0500000000000000" pitchFamily="34" charset="-127"/>
                 <a:ea typeface="Noto Sans CJK KR Regular" panose="020B0500000000000000" pitchFamily="34" charset="-127"/>
               </a:rPr>
               <a:t> </a:t>
             </a:r>
             <a:r>
-              <a:rPr lang="ko-KR" altLang="en-US" sz="2000" dirty="0">
+              <a:rPr lang="ko-KR" altLang="en-US" sz="2000">
                 <a:latin typeface="Noto Sans CJK KR Regular" panose="020B0500000000000000" pitchFamily="34" charset="-127"/>
                 <a:ea typeface="Noto Sans CJK KR Regular" panose="020B0500000000000000" pitchFamily="34" charset="-127"/>
               </a:rPr>
               <a:t>계층 구조로 상속</a:t>
             </a:r>
-            <a:endParaRPr lang="en-US" altLang="ko-KR" sz="2000" dirty="0">
+            <a:endParaRPr lang="en-US" altLang="ko-KR" sz="2000">
               <a:latin typeface="Noto Sans CJK KR Regular" panose="020B0500000000000000" pitchFamily="34" charset="-127"/>
               <a:ea typeface="Noto Sans CJK KR Regular" panose="020B0500000000000000" pitchFamily="34" charset="-127"/>
             </a:endParaRPr>
@@ -18046,20 +18046,20 @@
               <a:defRPr/>
             </a:pPr>
             <a:r>
-              <a:rPr lang="en-US" altLang="ko-KR" b="0" dirty="0">
+              <a:rPr lang="en-US" altLang="ko-KR" b="0">
                 <a:latin typeface="Noto Sans CJK KR Regular" panose="020B0500000000000000" pitchFamily="34" charset="-127"/>
                 <a:ea typeface="Noto Sans CJK KR Regular" panose="020B0500000000000000" pitchFamily="34" charset="-127"/>
               </a:rPr>
               <a:t> </a:t>
             </a:r>
             <a:r>
-              <a:rPr lang="ko-KR" altLang="en-US" b="0" dirty="0">
+              <a:rPr lang="ko-KR" altLang="en-US" b="0">
                 <a:latin typeface="Noto Sans CJK KR Regular" panose="020B0500000000000000" pitchFamily="34" charset="-127"/>
                 <a:ea typeface="Noto Sans CJK KR Regular" panose="020B0500000000000000" pitchFamily="34" charset="-127"/>
               </a:rPr>
               <a:t>인터페이스 상속은 여러 단계의 계층 구조로 구성 가능</a:t>
             </a:r>
-            <a:endParaRPr lang="en-US" altLang="ko-KR" dirty="0">
+            <a:endParaRPr lang="en-US" altLang="ko-KR">
               <a:latin typeface="Noto Sans CJK KR Regular" panose="020B0500000000000000" pitchFamily="34" charset="-127"/>
               <a:ea typeface="Noto Sans CJK KR Regular" panose="020B0500000000000000" pitchFamily="34" charset="-127"/>
             </a:endParaRPr>
@@ -18618,20 +18618,20 @@
               <a:defRPr/>
             </a:pPr>
             <a:r>
-              <a:rPr lang="en-US" altLang="ko-KR" sz="2000" dirty="0">
+              <a:rPr lang="en-US" altLang="ko-KR" sz="2000">
                 <a:latin typeface="Noto Sans CJK KR Regular" panose="020B0500000000000000" pitchFamily="34" charset="-127"/>
                 <a:ea typeface="Noto Sans CJK KR Regular" panose="020B0500000000000000" pitchFamily="34" charset="-127"/>
               </a:rPr>
               <a:t> </a:t>
             </a:r>
             <a:r>
-              <a:rPr lang="ko-KR" altLang="en-US" sz="2000" dirty="0">
+              <a:rPr lang="ko-KR" altLang="en-US" sz="2000">
                 <a:latin typeface="Noto Sans CJK KR Regular" panose="020B0500000000000000" pitchFamily="34" charset="-127"/>
                 <a:ea typeface="Noto Sans CJK KR Regular" panose="020B0500000000000000" pitchFamily="34" charset="-127"/>
               </a:rPr>
               <a:t>다중 상속</a:t>
             </a:r>
-            <a:endParaRPr lang="en-US" altLang="ko-KR" sz="2000" dirty="0">
+            <a:endParaRPr lang="en-US" altLang="ko-KR" sz="2000">
               <a:latin typeface="Noto Sans CJK KR Regular" panose="020B0500000000000000" pitchFamily="34" charset="-127"/>
               <a:ea typeface="Noto Sans CJK KR Regular" panose="020B0500000000000000" pitchFamily="34" charset="-127"/>
             </a:endParaRPr>
@@ -18643,20 +18643,20 @@
               <a:defRPr/>
             </a:pPr>
             <a:r>
-              <a:rPr lang="en-US" altLang="ko-KR" b="0" dirty="0">
+              <a:rPr lang="en-US" altLang="ko-KR" b="0">
                 <a:latin typeface="Noto Sans CJK KR Regular" panose="020B0500000000000000" pitchFamily="34" charset="-127"/>
                 <a:ea typeface="Noto Sans CJK KR Regular" panose="020B0500000000000000" pitchFamily="34" charset="-127"/>
               </a:rPr>
               <a:t> </a:t>
             </a:r>
             <a:r>
-              <a:rPr lang="ko-KR" altLang="en-US" b="0" dirty="0">
+              <a:rPr lang="ko-KR" altLang="en-US" b="0">
                 <a:latin typeface="Noto Sans CJK KR Regular" panose="020B0500000000000000" pitchFamily="34" charset="-127"/>
                 <a:ea typeface="Noto Sans CJK KR Regular" panose="020B0500000000000000" pitchFamily="34" charset="-127"/>
               </a:rPr>
               <a:t>둘 이상의 인터페이스를 상속 받음</a:t>
             </a:r>
-            <a:endParaRPr lang="en-US" altLang="ko-KR" b="0" dirty="0">
+            <a:endParaRPr lang="en-US" altLang="ko-KR" b="0">
               <a:latin typeface="Noto Sans CJK KR Regular" panose="020B0500000000000000" pitchFamily="34" charset="-127"/>
               <a:ea typeface="Noto Sans CJK KR Regular" panose="020B0500000000000000" pitchFamily="34" charset="-127"/>
             </a:endParaRPr>
@@ -18726,7 +18726,7 @@
           <a:lstStyle/>
           <a:p>
             <a:r>
-              <a:rPr lang="en-US" altLang="ko-KR" b="0" dirty="0">
+              <a:rPr lang="en-US" altLang="ko-KR" b="0">
                 <a:solidFill>
                   <a:srgbClr val="0000FF"/>
                 </a:solidFill>
@@ -18736,7 +18736,7 @@
               <a:t>interface</a:t>
             </a:r>
             <a:r>
-              <a:rPr lang="en-US" altLang="ko-KR" b="0" dirty="0">
+              <a:rPr lang="en-US" altLang="ko-KR" b="0">
                 <a:solidFill>
                   <a:srgbClr val="000000"/>
                 </a:solidFill>
@@ -18748,7 +18748,7 @@
           </a:p>
           <a:p>
             <a:r>
-              <a:rPr lang="en-US" altLang="ko-KR" b="0" dirty="0">
+              <a:rPr lang="en-US" altLang="ko-KR" b="0">
                 <a:solidFill>
                   <a:srgbClr val="000000"/>
                 </a:solidFill>
@@ -18760,7 +18760,7 @@
           </a:p>
           <a:p>
             <a:r>
-              <a:rPr lang="en-US" altLang="ko-KR" b="0" dirty="0">
+              <a:rPr lang="en-US" altLang="ko-KR" b="0">
                 <a:solidFill>
                   <a:srgbClr val="000000"/>
                 </a:solidFill>
@@ -18772,7 +18772,7 @@
           </a:p>
           <a:p>
             <a:r>
-              <a:rPr lang="en-US" altLang="ko-KR" b="0" dirty="0">
+              <a:rPr lang="en-US" altLang="ko-KR" b="0">
                 <a:solidFill>
                   <a:srgbClr val="000000"/>
                 </a:solidFill>
@@ -18782,7 +18782,7 @@
               <a:t>}</a:t>
             </a:r>
             <a:br>
-              <a:rPr lang="en-US" altLang="ko-KR" b="0" dirty="0">
+              <a:rPr lang="en-US" altLang="ko-KR" b="0">
                 <a:solidFill>
                   <a:srgbClr val="000000"/>
                 </a:solidFill>
@@ -18791,7 +18791,7 @@
               </a:rPr>
             </a:br>
             <a:r>
-              <a:rPr lang="en-US" altLang="ko-KR" b="0" dirty="0">
+              <a:rPr lang="en-US" altLang="ko-KR" b="0">
                 <a:solidFill>
                   <a:srgbClr val="0000FF"/>
                 </a:solidFill>
@@ -18801,39 +18801,19 @@
               <a:t>interface</a:t>
             </a:r>
             <a:r>
-              <a:rPr lang="en-US" altLang="ko-KR" b="0" dirty="0">
-                <a:solidFill>
-                  <a:srgbClr val="000000"/>
-                </a:solidFill>
-                <a:effectLst/>
-                <a:latin typeface="Consolas" panose="020B0609020204030204" pitchFamily="49" charset="0"/>
-              </a:rPr>
-              <a:t> </a:t>
-            </a:r>
-            <a:r>
-              <a:rPr lang="en-US" altLang="ko-KR" b="0" dirty="0" err="1">
-                <a:solidFill>
-                  <a:srgbClr val="000000"/>
-                </a:solidFill>
-                <a:effectLst/>
-                <a:latin typeface="Consolas" panose="020B0609020204030204" pitchFamily="49" charset="0"/>
-              </a:rPr>
-              <a:t>TodoList</a:t>
-            </a:r>
-            <a:r>
-              <a:rPr lang="en-US" altLang="ko-KR" b="0" dirty="0">
-                <a:solidFill>
-                  <a:srgbClr val="000000"/>
-                </a:solidFill>
-                <a:effectLst/>
-                <a:latin typeface="Consolas" panose="020B0609020204030204" pitchFamily="49" charset="0"/>
-              </a:rPr>
-              <a:t> {</a:t>
-            </a:r>
-          </a:p>
-          <a:p>
-            <a:r>
-              <a:rPr lang="en-US" altLang="ko-KR" b="0" dirty="0">
+              <a:rPr lang="en-US" altLang="ko-KR" b="0">
+                <a:solidFill>
+                  <a:srgbClr val="000000"/>
+                </a:solidFill>
+                <a:effectLst/>
+                <a:latin typeface="Consolas" panose="020B0609020204030204" pitchFamily="49" charset="0"/>
+              </a:rPr>
+              <a:t> TodoList {</a:t>
+            </a:r>
+          </a:p>
+          <a:p>
+            <a:r>
+              <a:rPr lang="en-US" altLang="ko-KR" b="0">
                 <a:solidFill>
                   <a:srgbClr val="000000"/>
                 </a:solidFill>
@@ -18845,7 +18825,7 @@
           </a:p>
           <a:p>
             <a:r>
-              <a:rPr lang="en-US" altLang="ko-KR" b="0" dirty="0">
+              <a:rPr lang="en-US" altLang="ko-KR" b="0">
                 <a:solidFill>
                   <a:srgbClr val="000000"/>
                 </a:solidFill>
@@ -18857,39 +18837,19 @@
           </a:p>
           <a:p>
             <a:r>
-              <a:rPr lang="en-US" altLang="ko-KR" b="0" dirty="0">
-                <a:solidFill>
-                  <a:srgbClr val="000000"/>
-                </a:solidFill>
-                <a:effectLst/>
-                <a:latin typeface="Consolas" panose="020B0609020204030204" pitchFamily="49" charset="0"/>
-              </a:rPr>
-              <a:t>  done: </a:t>
-            </a:r>
-            <a:r>
-              <a:rPr lang="en-US" altLang="ko-KR" b="0" dirty="0" err="1">
-                <a:solidFill>
-                  <a:srgbClr val="000000"/>
-                </a:solidFill>
-                <a:effectLst/>
-                <a:latin typeface="Consolas" panose="020B0609020204030204" pitchFamily="49" charset="0"/>
-              </a:rPr>
-              <a:t>boolean</a:t>
-            </a:r>
-            <a:r>
-              <a:rPr lang="en-US" altLang="ko-KR" b="0" dirty="0">
-                <a:solidFill>
-                  <a:srgbClr val="000000"/>
-                </a:solidFill>
-                <a:effectLst/>
-                <a:latin typeface="Consolas" panose="020B0609020204030204" pitchFamily="49" charset="0"/>
-              </a:rPr>
-              <a:t>;</a:t>
-            </a:r>
-          </a:p>
-          <a:p>
-            <a:r>
-              <a:rPr lang="en-US" altLang="ko-KR" b="0" dirty="0">
+              <a:rPr lang="en-US" altLang="ko-KR" b="0">
+                <a:solidFill>
+                  <a:srgbClr val="000000"/>
+                </a:solidFill>
+                <a:effectLst/>
+                <a:latin typeface="Consolas" panose="020B0609020204030204" pitchFamily="49" charset="0"/>
+              </a:rPr>
+              <a:t>  done: boolean;</a:t>
+            </a:r>
+          </a:p>
+          <a:p>
+            <a:r>
+              <a:rPr lang="en-US" altLang="ko-KR" b="0">
                 <a:solidFill>
                   <a:srgbClr val="000000"/>
                 </a:solidFill>
@@ -18899,7 +18859,7 @@
               <a:t>}</a:t>
             </a:r>
             <a:br>
-              <a:rPr lang="en-US" altLang="ko-KR" b="0" dirty="0">
+              <a:rPr lang="en-US" altLang="ko-KR" b="0">
                 <a:solidFill>
                   <a:srgbClr val="000000"/>
                 </a:solidFill>
@@ -18908,7 +18868,7 @@
               </a:rPr>
             </a:br>
             <a:r>
-              <a:rPr lang="en-US" altLang="ko-KR" b="0" dirty="0">
+              <a:rPr lang="en-US" altLang="ko-KR" b="0">
                 <a:solidFill>
                   <a:srgbClr val="0000FF"/>
                 </a:solidFill>
@@ -18918,67 +18878,27 @@
               <a:t>interface</a:t>
             </a:r>
             <a:r>
-              <a:rPr lang="en-US" altLang="ko-KR" b="0" dirty="0">
-                <a:solidFill>
-                  <a:srgbClr val="000000"/>
-                </a:solidFill>
-                <a:effectLst/>
-                <a:latin typeface="Consolas" panose="020B0609020204030204" pitchFamily="49" charset="0"/>
-              </a:rPr>
-              <a:t> </a:t>
-            </a:r>
-            <a:r>
-              <a:rPr lang="en-US" altLang="ko-KR" b="0" dirty="0" err="1">
-                <a:solidFill>
-                  <a:srgbClr val="000000"/>
-                </a:solidFill>
-                <a:effectLst/>
-                <a:latin typeface="Consolas" panose="020B0609020204030204" pitchFamily="49" charset="0"/>
-              </a:rPr>
-              <a:t>TodoInfo</a:t>
-            </a:r>
-            <a:r>
-              <a:rPr lang="en-US" altLang="ko-KR" b="0" dirty="0">
-                <a:solidFill>
-                  <a:srgbClr val="000000"/>
-                </a:solidFill>
-                <a:effectLst/>
-                <a:latin typeface="Consolas" panose="020B0609020204030204" pitchFamily="49" charset="0"/>
-              </a:rPr>
-              <a:t> </a:t>
-            </a:r>
-            <a:r>
-              <a:rPr lang="en-US" altLang="ko-KR" b="1" dirty="0">
+              <a:rPr lang="en-US" altLang="ko-KR" b="0">
+                <a:solidFill>
+                  <a:srgbClr val="000000"/>
+                </a:solidFill>
+                <a:effectLst/>
+                <a:latin typeface="Consolas" panose="020B0609020204030204" pitchFamily="49" charset="0"/>
+              </a:rPr>
+              <a:t> TodoInfo </a:t>
+            </a:r>
+            <a:r>
+              <a:rPr lang="en-US" altLang="ko-KR" b="1">
                 <a:solidFill>
                   <a:srgbClr val="FF9E1B"/>
                 </a:solidFill>
                 <a:effectLst/>
                 <a:latin typeface="Consolas" panose="020B0609020204030204" pitchFamily="49" charset="0"/>
               </a:rPr>
-              <a:t>extends Todo, </a:t>
-            </a:r>
-            <a:r>
-              <a:rPr lang="en-US" altLang="ko-KR" b="1" dirty="0" err="1">
-                <a:solidFill>
-                  <a:srgbClr val="FF9E1B"/>
-                </a:solidFill>
-                <a:effectLst/>
-                <a:latin typeface="Consolas" panose="020B0609020204030204" pitchFamily="49" charset="0"/>
-              </a:rPr>
-              <a:t>TodoList</a:t>
-            </a:r>
-            <a:r>
-              <a:rPr lang="en-US" altLang="ko-KR" b="1" dirty="0">
-                <a:solidFill>
-                  <a:srgbClr val="FF9E1B"/>
-                </a:solidFill>
-                <a:effectLst/>
-                <a:latin typeface="Consolas" panose="020B0609020204030204" pitchFamily="49" charset="0"/>
-              </a:rPr>
-              <a:t> </a:t>
-            </a:r>
-            <a:r>
-              <a:rPr lang="en-US" altLang="ko-KR" b="0" dirty="0">
+              <a:t>extends Todo, TodoList </a:t>
+            </a:r>
+            <a:r>
+              <a:rPr lang="en-US" altLang="ko-KR" b="0">
                 <a:solidFill>
                   <a:srgbClr val="000000"/>
                 </a:solidFill>
@@ -18990,7 +18910,7 @@
           </a:p>
           <a:p>
             <a:r>
-              <a:rPr lang="en-US" altLang="ko-KR" dirty="0">
+              <a:rPr lang="en-US" altLang="ko-KR">
                 <a:solidFill>
                   <a:srgbClr val="000000"/>
                 </a:solidFill>
@@ -19001,7 +18921,7 @@
           </a:p>
           <a:p>
             <a:r>
-              <a:rPr lang="en-US" altLang="ko-KR" b="0" dirty="0">
+              <a:rPr lang="en-US" altLang="ko-KR" b="0">
                 <a:solidFill>
                   <a:srgbClr val="000000"/>
                 </a:solidFill>
@@ -19303,42 +19223,35 @@
               <a:defRPr/>
             </a:pPr>
             <a:r>
-              <a:rPr lang="en-US" altLang="ko-KR" sz="2000" dirty="0">
+              <a:rPr lang="en-US" altLang="ko-KR" sz="2000">
                 <a:latin typeface="Noto Sans CJK KR Regular" panose="020B0500000000000000" pitchFamily="34" charset="-127"/>
                 <a:ea typeface="Noto Sans CJK KR Regular" panose="020B0500000000000000" pitchFamily="34" charset="-127"/>
               </a:rPr>
               <a:t> </a:t>
             </a:r>
             <a:r>
-              <a:rPr lang="ko-KR" altLang="en-US" sz="2000" dirty="0">
-                <a:latin typeface="Noto Sans CJK KR Regular" panose="020B0500000000000000" pitchFamily="34" charset="-127"/>
-                <a:ea typeface="Noto Sans CJK KR Regular" panose="020B0500000000000000" pitchFamily="34" charset="-127"/>
-              </a:rPr>
-              <a:t>인터페이스 </a:t>
-            </a:r>
-            <a:r>
-              <a:rPr lang="ko-KR" altLang="en-US" sz="2000" dirty="0" err="1">
-                <a:latin typeface="Noto Sans CJK KR Regular" panose="020B0500000000000000" pitchFamily="34" charset="-127"/>
-                <a:ea typeface="Noto Sans CJK KR Regular" panose="020B0500000000000000" pitchFamily="34" charset="-127"/>
-              </a:rPr>
-              <a:t>재선언</a:t>
-            </a:r>
-            <a:r>
-              <a:rPr lang="en-US" altLang="ko-KR" sz="2000" dirty="0">
+              <a:rPr lang="ko-KR" altLang="en-US" sz="2000">
+                <a:latin typeface="Noto Sans CJK KR Regular" panose="020B0500000000000000" pitchFamily="34" charset="-127"/>
+                <a:ea typeface="Noto Sans CJK KR Regular" panose="020B0500000000000000" pitchFamily="34" charset="-127"/>
+              </a:rPr>
+              <a:t>인터페이스 재선언</a:t>
+            </a:r>
+            <a:r>
+              <a:rPr lang="en-US" altLang="ko-KR" sz="2000">
                 <a:latin typeface="Noto Sans CJK KR Regular" panose="020B0500000000000000" pitchFamily="34" charset="-127"/>
                 <a:ea typeface="Noto Sans CJK KR Regular" panose="020B0500000000000000" pitchFamily="34" charset="-127"/>
               </a:rPr>
               <a:t>(</a:t>
             </a:r>
             <a:r>
-              <a:rPr lang="ko-KR" altLang="en-US" sz="2000" dirty="0">
+              <a:rPr lang="ko-KR" altLang="en-US" sz="2000">
                 <a:latin typeface="Noto Sans CJK KR Regular" panose="020B0500000000000000" pitchFamily="34" charset="-127"/>
                 <a:ea typeface="Noto Sans CJK KR Regular" panose="020B0500000000000000" pitchFamily="34" charset="-127"/>
               </a:rPr>
               <a:t>선언 병합</a:t>
             </a:r>
             <a:r>
-              <a:rPr lang="en-US" altLang="ko-KR" sz="2000" dirty="0">
+              <a:rPr lang="en-US" altLang="ko-KR" sz="2000">
                 <a:latin typeface="Noto Sans CJK KR Regular" panose="020B0500000000000000" pitchFamily="34" charset="-127"/>
                 <a:ea typeface="Noto Sans CJK KR Regular" panose="020B0500000000000000" pitchFamily="34" charset="-127"/>
               </a:rPr>
@@ -19352,21 +19265,21 @@
               <a:defRPr/>
             </a:pPr>
             <a:r>
-              <a:rPr lang="en-US" altLang="ko-KR" b="0" dirty="0">
+              <a:rPr lang="en-US" altLang="ko-KR" b="0">
                 <a:latin typeface="Noto Sans CJK KR Regular" panose="020B0500000000000000" pitchFamily="34" charset="-127"/>
                 <a:ea typeface="Noto Sans CJK KR Regular" panose="020B0500000000000000" pitchFamily="34" charset="-127"/>
               </a:rPr>
               <a:t> </a:t>
             </a:r>
             <a:r>
-              <a:rPr lang="ko-KR" altLang="en-US" b="0" dirty="0">
+              <a:rPr lang="ko-KR" altLang="en-US" b="0">
                 <a:latin typeface="Noto Sans CJK KR Regular" panose="020B0500000000000000" pitchFamily="34" charset="-127"/>
                 <a:ea typeface="Noto Sans CJK KR Regular" panose="020B0500000000000000" pitchFamily="34" charset="-127"/>
               </a:rPr>
               <a:t>동일한 이름의 인터페이스를 </a:t>
             </a:r>
             <a:r>
-              <a:rPr lang="ko-KR" altLang="en-US" b="0" dirty="0">
+              <a:rPr lang="ko-KR" altLang="en-US" b="0">
                 <a:solidFill>
                   <a:srgbClr val="FF9E1B"/>
                 </a:solidFill>
@@ -19376,13 +19289,13 @@
               <a:t>중복</a:t>
             </a:r>
             <a:r>
-              <a:rPr lang="ko-KR" altLang="en-US" b="0" dirty="0">
+              <a:rPr lang="ko-KR" altLang="en-US" b="0">
                 <a:latin typeface="Noto Sans CJK KR Regular" panose="020B0500000000000000" pitchFamily="34" charset="-127"/>
                 <a:ea typeface="Noto Sans CJK KR Regular" panose="020B0500000000000000" pitchFamily="34" charset="-127"/>
               </a:rPr>
               <a:t>으로 선언</a:t>
             </a:r>
-            <a:endParaRPr lang="en-US" altLang="ko-KR" b="0" dirty="0">
+            <a:endParaRPr lang="en-US" altLang="ko-KR" b="0">
               <a:latin typeface="Noto Sans CJK KR Regular" panose="020B0500000000000000" pitchFamily="34" charset="-127"/>
               <a:ea typeface="Noto Sans CJK KR Regular" panose="020B0500000000000000" pitchFamily="34" charset="-127"/>
             </a:endParaRPr>
@@ -19394,21 +19307,21 @@
               <a:defRPr/>
             </a:pPr>
             <a:r>
-              <a:rPr lang="en-US" altLang="ko-KR" dirty="0">
+              <a:rPr lang="en-US" altLang="ko-KR">
                 <a:latin typeface="Noto Sans CJK KR Regular" panose="020B0500000000000000" pitchFamily="34" charset="-127"/>
                 <a:ea typeface="Noto Sans CJK KR Regular" panose="020B0500000000000000" pitchFamily="34" charset="-127"/>
               </a:rPr>
               <a:t> </a:t>
             </a:r>
             <a:r>
-              <a:rPr lang="ko-KR" altLang="en-US" b="0" dirty="0">
+              <a:rPr lang="ko-KR" altLang="en-US" b="0">
                 <a:latin typeface="Noto Sans CJK KR Regular" panose="020B0500000000000000" pitchFamily="34" charset="-127"/>
                 <a:ea typeface="Noto Sans CJK KR Regular" panose="020B0500000000000000" pitchFamily="34" charset="-127"/>
               </a:rPr>
               <a:t>기존 인터페이스에 없는 속성을 </a:t>
             </a:r>
             <a:r>
-              <a:rPr lang="ko-KR" altLang="en-US" dirty="0">
+              <a:rPr lang="ko-KR" altLang="en-US">
                 <a:solidFill>
                   <a:srgbClr val="FF9E1B"/>
                 </a:solidFill>
@@ -19418,14 +19331,14 @@
               <a:t>추가</a:t>
             </a:r>
             <a:r>
-              <a:rPr lang="ko-KR" altLang="en-US" b="0" dirty="0">
+              <a:rPr lang="ko-KR" altLang="en-US" b="0">
                 <a:latin typeface="Noto Sans CJK KR Regular" panose="020B0500000000000000" pitchFamily="34" charset="-127"/>
                 <a:ea typeface="Noto Sans CJK KR Regular" panose="020B0500000000000000" pitchFamily="34" charset="-127"/>
               </a:rPr>
               <a:t>해서 </a:t>
             </a:r>
             <a:r>
-              <a:rPr lang="ko-KR" altLang="en-US" b="0" dirty="0">
+              <a:rPr lang="ko-KR" altLang="en-US" b="0">
                 <a:solidFill>
                   <a:srgbClr val="FF9E1B"/>
                 </a:solidFill>
@@ -19434,7 +19347,7 @@
               </a:rPr>
               <a:t>확장</a:t>
             </a:r>
-            <a:endParaRPr lang="en-US" altLang="ko-KR" b="0" dirty="0">
+            <a:endParaRPr lang="en-US" altLang="ko-KR" b="0">
               <a:solidFill>
                 <a:srgbClr val="FF9E1B"/>
               </a:solidFill>
@@ -19449,20 +19362,20 @@
               <a:defRPr/>
             </a:pPr>
             <a:r>
-              <a:rPr lang="en-US" altLang="ko-KR" dirty="0">
+              <a:rPr lang="en-US" altLang="ko-KR">
                 <a:latin typeface="Noto Sans CJK KR Regular" panose="020B0500000000000000" pitchFamily="34" charset="-127"/>
                 <a:ea typeface="Noto Sans CJK KR Regular" panose="020B0500000000000000" pitchFamily="34" charset="-127"/>
               </a:rPr>
               <a:t> </a:t>
             </a:r>
             <a:r>
-              <a:rPr lang="ko-KR" altLang="en-US" dirty="0">
+              <a:rPr lang="ko-KR" altLang="en-US">
                 <a:latin typeface="Noto Sans CJK KR Regular" panose="020B0500000000000000" pitchFamily="34" charset="-127"/>
                 <a:ea typeface="Noto Sans CJK KR Regular" panose="020B0500000000000000" pitchFamily="34" charset="-127"/>
               </a:rPr>
               <a:t>기존 속성과 중복으로 정의는 가능하지만 동일한 타입이어야 함</a:t>
             </a:r>
-            <a:endParaRPr lang="en-US" altLang="ko-KR" dirty="0">
+            <a:endParaRPr lang="en-US" altLang="ko-KR">
               <a:latin typeface="Noto Sans CJK KR Regular" panose="020B0500000000000000" pitchFamily="34" charset="-127"/>
               <a:ea typeface="Noto Sans CJK KR Regular" panose="020B0500000000000000" pitchFamily="34" charset="-127"/>
             </a:endParaRPr>
@@ -20377,20 +20290,20 @@
               <a:defRPr/>
             </a:pPr>
             <a:r>
-              <a:rPr lang="en-US" altLang="ko-KR" sz="2000" dirty="0">
+              <a:rPr lang="en-US" altLang="ko-KR" sz="2000">
                 <a:latin typeface="Noto Sans CJK KR Regular" panose="020B0500000000000000" pitchFamily="34" charset="-127"/>
                 <a:ea typeface="Noto Sans CJK KR Regular" panose="020B0500000000000000" pitchFamily="34" charset="-127"/>
               </a:rPr>
               <a:t> </a:t>
             </a:r>
             <a:r>
-              <a:rPr lang="ko-KR" altLang="en-US" sz="2000" dirty="0">
+              <a:rPr lang="ko-KR" altLang="en-US" sz="2000">
                 <a:latin typeface="Noto Sans CJK KR Regular" panose="020B0500000000000000" pitchFamily="34" charset="-127"/>
                 <a:ea typeface="Noto Sans CJK KR Regular" panose="020B0500000000000000" pitchFamily="34" charset="-127"/>
               </a:rPr>
               <a:t>정의할 수 있는 타입 종류</a:t>
             </a:r>
-            <a:endParaRPr lang="en-US" altLang="ko-KR" sz="2000" dirty="0">
+            <a:endParaRPr lang="en-US" altLang="ko-KR" sz="2000">
               <a:latin typeface="Noto Sans CJK KR Regular" panose="020B0500000000000000" pitchFamily="34" charset="-127"/>
               <a:ea typeface="Noto Sans CJK KR Regular" panose="020B0500000000000000" pitchFamily="34" charset="-127"/>
             </a:endParaRPr>
@@ -20402,56 +20315,56 @@
               <a:defRPr/>
             </a:pPr>
             <a:r>
-              <a:rPr lang="en-US" altLang="ko-KR" b="0" dirty="0">
+              <a:rPr lang="en-US" altLang="ko-KR" b="0">
                 <a:latin typeface="Noto Sans CJK KR Regular" panose="020B0500000000000000" pitchFamily="34" charset="-127"/>
                 <a:ea typeface="Noto Sans CJK KR Regular" panose="020B0500000000000000" pitchFamily="34" charset="-127"/>
               </a:rPr>
               <a:t> </a:t>
             </a:r>
             <a:r>
-              <a:rPr lang="ko-KR" altLang="en-US" dirty="0">
+              <a:rPr lang="ko-KR" altLang="en-US">
                 <a:latin typeface="Noto Sans CJK KR Regular" panose="020B0500000000000000" pitchFamily="34" charset="-127"/>
                 <a:ea typeface="Noto Sans CJK KR Regular" panose="020B0500000000000000" pitchFamily="34" charset="-127"/>
               </a:rPr>
               <a:t>타입 별칭</a:t>
             </a:r>
             <a:r>
-              <a:rPr lang="en-US" altLang="ko-KR" dirty="0">
+              <a:rPr lang="en-US" altLang="ko-KR">
                 <a:latin typeface="Noto Sans CJK KR Regular" panose="020B0500000000000000" pitchFamily="34" charset="-127"/>
                 <a:ea typeface="Noto Sans CJK KR Regular" panose="020B0500000000000000" pitchFamily="34" charset="-127"/>
               </a:rPr>
               <a:t>: </a:t>
             </a:r>
             <a:r>
-              <a:rPr lang="ko-KR" altLang="en-US" dirty="0">
+              <a:rPr lang="ko-KR" altLang="en-US">
                 <a:latin typeface="Noto Sans CJK KR Regular" panose="020B0500000000000000" pitchFamily="34" charset="-127"/>
                 <a:ea typeface="Noto Sans CJK KR Regular" panose="020B0500000000000000" pitchFamily="34" charset="-127"/>
               </a:rPr>
               <a:t>객체</a:t>
             </a:r>
             <a:r>
-              <a:rPr lang="en-US" altLang="ko-KR" dirty="0">
+              <a:rPr lang="en-US" altLang="ko-KR">
                 <a:latin typeface="Noto Sans CJK KR Regular" panose="020B0500000000000000" pitchFamily="34" charset="-127"/>
                 <a:ea typeface="Noto Sans CJK KR Regular" panose="020B0500000000000000" pitchFamily="34" charset="-127"/>
               </a:rPr>
               <a:t>, </a:t>
             </a:r>
             <a:r>
-              <a:rPr lang="ko-KR" altLang="en-US" dirty="0">
+              <a:rPr lang="ko-KR" altLang="en-US">
                 <a:latin typeface="Noto Sans CJK KR Regular" panose="020B0500000000000000" pitchFamily="34" charset="-127"/>
                 <a:ea typeface="Noto Sans CJK KR Regular" panose="020B0500000000000000" pitchFamily="34" charset="-127"/>
               </a:rPr>
               <a:t>클래스</a:t>
             </a:r>
             <a:r>
-              <a:rPr lang="en-US" altLang="ko-KR" dirty="0">
+              <a:rPr lang="en-US" altLang="ko-KR">
                 <a:latin typeface="Noto Sans CJK KR Regular" panose="020B0500000000000000" pitchFamily="34" charset="-127"/>
                 <a:ea typeface="Noto Sans CJK KR Regular" panose="020B0500000000000000" pitchFamily="34" charset="-127"/>
               </a:rPr>
               <a:t>, </a:t>
             </a:r>
             <a:r>
-              <a:rPr lang="ko-KR" altLang="en-US" dirty="0">
+              <a:rPr lang="ko-KR" altLang="en-US">
                 <a:solidFill>
                   <a:srgbClr val="FF9E1B"/>
                 </a:solidFill>
@@ -20461,7 +20374,7 @@
               <a:t>기본 타입</a:t>
             </a:r>
             <a:r>
-              <a:rPr lang="en-US" altLang="ko-KR" dirty="0">
+              <a:rPr lang="en-US" altLang="ko-KR">
                 <a:solidFill>
                   <a:srgbClr val="FF9E1B"/>
                 </a:solidFill>
@@ -20471,7 +20384,7 @@
               <a:t>, </a:t>
             </a:r>
             <a:r>
-              <a:rPr lang="ko-KR" altLang="en-US" dirty="0">
+              <a:rPr lang="ko-KR" altLang="en-US">
                 <a:solidFill>
                   <a:srgbClr val="FF9E1B"/>
                 </a:solidFill>
@@ -20481,7 +20394,7 @@
               <a:t>유니언 타입</a:t>
             </a:r>
             <a:r>
-              <a:rPr lang="en-US" altLang="ko-KR" dirty="0">
+              <a:rPr lang="en-US" altLang="ko-KR">
                 <a:solidFill>
                   <a:srgbClr val="FF9E1B"/>
                 </a:solidFill>
@@ -20491,83 +20404,63 @@
               <a:t>, </a:t>
             </a:r>
             <a:r>
-              <a:rPr lang="ko-KR" altLang="en-US" dirty="0" err="1">
+              <a:rPr lang="ko-KR" altLang="en-US">
                 <a:solidFill>
                   <a:srgbClr val="FF9E1B"/>
                 </a:solidFill>
                 <a:latin typeface="Noto Sans CJK KR Regular" panose="020B0500000000000000" pitchFamily="34" charset="-127"/>
                 <a:ea typeface="Noto Sans CJK KR Regular" panose="020B0500000000000000" pitchFamily="34" charset="-127"/>
               </a:rPr>
-              <a:t>인터섹션</a:t>
-            </a:r>
-            <a:r>
-              <a:rPr lang="ko-KR" altLang="en-US" dirty="0">
+              <a:t>인터섹션 타입</a:t>
+            </a:r>
+            <a:r>
+              <a:rPr lang="en-US" altLang="ko-KR">
                 <a:solidFill>
                   <a:srgbClr val="FF9E1B"/>
                 </a:solidFill>
                 <a:latin typeface="Noto Sans CJK KR Regular" panose="020B0500000000000000" pitchFamily="34" charset="-127"/>
                 <a:ea typeface="Noto Sans CJK KR Regular" panose="020B0500000000000000" pitchFamily="34" charset="-127"/>
               </a:rPr>
-              <a:t> 타입</a:t>
-            </a:r>
-            <a:r>
-              <a:rPr lang="en-US" altLang="ko-KR" dirty="0">
+              <a:t>, </a:t>
+            </a:r>
+            <a:r>
+              <a:rPr lang="ko-KR" altLang="en-US">
                 <a:solidFill>
                   <a:srgbClr val="FF9E1B"/>
                 </a:solidFill>
                 <a:latin typeface="Noto Sans CJK KR Regular" panose="020B0500000000000000" pitchFamily="34" charset="-127"/>
                 <a:ea typeface="Noto Sans CJK KR Regular" panose="020B0500000000000000" pitchFamily="34" charset="-127"/>
               </a:rPr>
+              <a:t>유틸리티 타입</a:t>
+            </a:r>
+            <a:r>
+              <a:rPr lang="en-US" altLang="ko-KR">
+                <a:solidFill>
+                  <a:srgbClr val="FF9E1B"/>
+                </a:solidFill>
+                <a:latin typeface="Noto Sans CJK KR Regular" panose="020B0500000000000000" pitchFamily="34" charset="-127"/>
+                <a:ea typeface="Noto Sans CJK KR Regular" panose="020B0500000000000000" pitchFamily="34" charset="-127"/>
+              </a:rPr>
               <a:t>, </a:t>
             </a:r>
             <a:r>
-              <a:rPr lang="ko-KR" altLang="en-US" dirty="0">
+              <a:rPr lang="ko-KR" altLang="en-US">
                 <a:solidFill>
                   <a:srgbClr val="FF9E1B"/>
                 </a:solidFill>
                 <a:latin typeface="Noto Sans CJK KR Regular" panose="020B0500000000000000" pitchFamily="34" charset="-127"/>
                 <a:ea typeface="Noto Sans CJK KR Regular" panose="020B0500000000000000" pitchFamily="34" charset="-127"/>
               </a:rPr>
-              <a:t>유틸리티 타입</a:t>
-            </a:r>
-            <a:r>
-              <a:rPr lang="en-US" altLang="ko-KR" dirty="0">
-                <a:solidFill>
-                  <a:srgbClr val="FF9E1B"/>
-                </a:solidFill>
-                <a:latin typeface="Noto Sans CJK KR Regular" panose="020B0500000000000000" pitchFamily="34" charset="-127"/>
-                <a:ea typeface="Noto Sans CJK KR Regular" panose="020B0500000000000000" pitchFamily="34" charset="-127"/>
-              </a:rPr>
-              <a:t>, </a:t>
-            </a:r>
-            <a:r>
-              <a:rPr lang="ko-KR" altLang="en-US" dirty="0" err="1">
-                <a:solidFill>
-                  <a:srgbClr val="FF9E1B"/>
-                </a:solidFill>
-                <a:latin typeface="Noto Sans CJK KR Regular" panose="020B0500000000000000" pitchFamily="34" charset="-127"/>
-                <a:ea typeface="Noto Sans CJK KR Regular" panose="020B0500000000000000" pitchFamily="34" charset="-127"/>
-              </a:rPr>
-              <a:t>맵드</a:t>
-            </a:r>
-            <a:r>
-              <a:rPr lang="ko-KR" altLang="en-US" dirty="0">
-                <a:solidFill>
-                  <a:srgbClr val="FF9E1B"/>
-                </a:solidFill>
-                <a:latin typeface="Noto Sans CJK KR Regular" panose="020B0500000000000000" pitchFamily="34" charset="-127"/>
-                <a:ea typeface="Noto Sans CJK KR Regular" panose="020B0500000000000000" pitchFamily="34" charset="-127"/>
-              </a:rPr>
-              <a:t> 타입</a:t>
-            </a:r>
-            <a:r>
-              <a:rPr lang="ko-KR" altLang="en-US" dirty="0">
+              <a:t>맵드 타입</a:t>
+            </a:r>
+            <a:r>
+              <a:rPr lang="ko-KR" altLang="en-US">
                 <a:latin typeface="Noto Sans CJK KR Regular" panose="020B0500000000000000" pitchFamily="34" charset="-127"/>
                 <a:ea typeface="Noto Sans CJK KR Regular" panose="020B0500000000000000" pitchFamily="34" charset="-127"/>
               </a:rPr>
               <a:t> 등의 정의에 사용</a:t>
             </a:r>
-            <a:endParaRPr lang="en-US" altLang="ko-KR" dirty="0">
+            <a:endParaRPr lang="en-US" altLang="ko-KR">
               <a:latin typeface="Noto Sans CJK KR Regular" panose="020B0500000000000000" pitchFamily="34" charset="-127"/>
               <a:ea typeface="Noto Sans CJK KR Regular" panose="020B0500000000000000" pitchFamily="34" charset="-127"/>
             </a:endParaRPr>
@@ -20579,48 +20472,48 @@
               <a:defRPr/>
             </a:pPr>
             <a:r>
-              <a:rPr lang="en-US" altLang="ko-KR" b="0" dirty="0">
+              <a:rPr lang="en-US" altLang="ko-KR" b="0">
                 <a:latin typeface="Noto Sans CJK KR Regular" panose="020B0500000000000000" pitchFamily="34" charset="-127"/>
                 <a:ea typeface="Noto Sans CJK KR Regular" panose="020B0500000000000000" pitchFamily="34" charset="-127"/>
               </a:rPr>
               <a:t> </a:t>
             </a:r>
             <a:r>
-              <a:rPr lang="ko-KR" altLang="en-US" b="0" dirty="0">
+              <a:rPr lang="ko-KR" altLang="en-US" b="0">
                 <a:latin typeface="Noto Sans CJK KR Regular" panose="020B0500000000000000" pitchFamily="34" charset="-127"/>
                 <a:ea typeface="Noto Sans CJK KR Regular" panose="020B0500000000000000" pitchFamily="34" charset="-127"/>
               </a:rPr>
               <a:t>인터페이스</a:t>
             </a:r>
             <a:r>
-              <a:rPr lang="en-US" altLang="ko-KR" b="0" dirty="0">
+              <a:rPr lang="en-US" altLang="ko-KR" b="0">
                 <a:latin typeface="Noto Sans CJK KR Regular" panose="020B0500000000000000" pitchFamily="34" charset="-127"/>
                 <a:ea typeface="Noto Sans CJK KR Regular" panose="020B0500000000000000" pitchFamily="34" charset="-127"/>
               </a:rPr>
               <a:t>: </a:t>
             </a:r>
             <a:r>
-              <a:rPr lang="ko-KR" altLang="en-US" b="0" dirty="0">
+              <a:rPr lang="ko-KR" altLang="en-US" b="0">
                 <a:latin typeface="Noto Sans CJK KR Regular" panose="020B0500000000000000" pitchFamily="34" charset="-127"/>
                 <a:ea typeface="Noto Sans CJK KR Regular" panose="020B0500000000000000" pitchFamily="34" charset="-127"/>
               </a:rPr>
               <a:t>객체</a:t>
             </a:r>
             <a:r>
-              <a:rPr lang="en-US" altLang="ko-KR" b="0" dirty="0">
+              <a:rPr lang="en-US" altLang="ko-KR" b="0">
                 <a:latin typeface="Noto Sans CJK KR Regular" panose="020B0500000000000000" pitchFamily="34" charset="-127"/>
                 <a:ea typeface="Noto Sans CJK KR Regular" panose="020B0500000000000000" pitchFamily="34" charset="-127"/>
               </a:rPr>
               <a:t>, </a:t>
             </a:r>
             <a:r>
-              <a:rPr lang="ko-KR" altLang="en-US" b="0" dirty="0">
+              <a:rPr lang="ko-KR" altLang="en-US" b="0">
                 <a:latin typeface="Noto Sans CJK KR Regular" panose="020B0500000000000000" pitchFamily="34" charset="-127"/>
                 <a:ea typeface="Noto Sans CJK KR Regular" panose="020B0500000000000000" pitchFamily="34" charset="-127"/>
               </a:rPr>
               <a:t>클래스의 타입 정의</a:t>
             </a:r>
-            <a:endParaRPr lang="en-US" altLang="ko-KR" b="0" dirty="0">
+            <a:endParaRPr lang="en-US" altLang="ko-KR" b="0">
               <a:latin typeface="Noto Sans CJK KR Regular" panose="020B0500000000000000" pitchFamily="34" charset="-127"/>
               <a:ea typeface="Noto Sans CJK KR Regular" panose="020B0500000000000000" pitchFamily="34" charset="-127"/>
             </a:endParaRPr>
@@ -20631,7 +20524,7 @@
               <a:buChar char="•"/>
               <a:defRPr/>
             </a:pPr>
-            <a:endParaRPr lang="en-US" altLang="ko-KR" b="0" dirty="0">
+            <a:endParaRPr lang="en-US" altLang="ko-KR" b="0">
               <a:latin typeface="Noto Sans CJK KR Regular" panose="020B0500000000000000" pitchFamily="34" charset="-127"/>
               <a:ea typeface="Noto Sans CJK KR Regular" panose="020B0500000000000000" pitchFamily="34" charset="-127"/>
             </a:endParaRPr>
@@ -20643,7 +20536,7 @@
               <a:defRPr/>
             </a:pPr>
             <a:r>
-              <a:rPr lang="ko-KR" altLang="en-US" sz="2000" dirty="0">
+              <a:rPr lang="ko-KR" altLang="en-US" sz="2000">
                 <a:latin typeface="Noto Sans CJK KR Regular" panose="020B0500000000000000" pitchFamily="34" charset="-127"/>
                 <a:ea typeface="Noto Sans CJK KR Regular" panose="020B0500000000000000" pitchFamily="34" charset="-127"/>
               </a:rPr>
@@ -20657,56 +20550,49 @@
               <a:defRPr/>
             </a:pPr>
             <a:r>
-              <a:rPr lang="ko-KR" altLang="en-US" b="0" dirty="0">
+              <a:rPr lang="ko-KR" altLang="en-US" b="0">
                 <a:latin typeface="Noto Sans CJK KR Regular" panose="020B0500000000000000" pitchFamily="34" charset="-127"/>
                 <a:ea typeface="Noto Sans CJK KR Regular" panose="020B0500000000000000" pitchFamily="34" charset="-127"/>
               </a:rPr>
               <a:t> </a:t>
             </a:r>
             <a:r>
-              <a:rPr lang="ko-KR" altLang="en-US" dirty="0">
+              <a:rPr lang="ko-KR" altLang="en-US">
                 <a:latin typeface="Noto Sans CJK KR Regular" panose="020B0500000000000000" pitchFamily="34" charset="-127"/>
                 <a:ea typeface="Noto Sans CJK KR Regular" panose="020B0500000000000000" pitchFamily="34" charset="-127"/>
               </a:rPr>
               <a:t>타입 별칭</a:t>
             </a:r>
             <a:r>
-              <a:rPr lang="en-US" altLang="ko-KR" dirty="0">
+              <a:rPr lang="en-US" altLang="ko-KR">
                 <a:latin typeface="Noto Sans CJK KR Regular" panose="020B0500000000000000" pitchFamily="34" charset="-127"/>
                 <a:ea typeface="Noto Sans CJK KR Regular" panose="020B0500000000000000" pitchFamily="34" charset="-127"/>
               </a:rPr>
               <a:t>: &amp; </a:t>
             </a:r>
             <a:r>
-              <a:rPr lang="ko-KR" altLang="en-US" dirty="0">
+              <a:rPr lang="ko-KR" altLang="en-US">
                 <a:latin typeface="Noto Sans CJK KR Regular" panose="020B0500000000000000" pitchFamily="34" charset="-127"/>
                 <a:ea typeface="Noto Sans CJK KR Regular" panose="020B0500000000000000" pitchFamily="34" charset="-127"/>
               </a:rPr>
               <a:t>연산자로 확장</a:t>
             </a:r>
             <a:r>
-              <a:rPr lang="en-US" altLang="ko-KR" dirty="0">
+              <a:rPr lang="en-US" altLang="ko-KR">
                 <a:latin typeface="Noto Sans CJK KR Regular" panose="020B0500000000000000" pitchFamily="34" charset="-127"/>
                 <a:ea typeface="Noto Sans CJK KR Regular" panose="020B0500000000000000" pitchFamily="34" charset="-127"/>
               </a:rPr>
               <a:t>(</a:t>
             </a:r>
             <a:r>
-              <a:rPr lang="ko-KR" altLang="en-US" dirty="0" err="1">
-                <a:latin typeface="Noto Sans CJK KR Regular" panose="020B0500000000000000" pitchFamily="34" charset="-127"/>
-                <a:ea typeface="Noto Sans CJK KR Regular" panose="020B0500000000000000" pitchFamily="34" charset="-127"/>
-              </a:rPr>
-              <a:t>인터섹션</a:t>
-            </a:r>
-            <a:r>
-              <a:rPr lang="ko-KR" altLang="en-US" dirty="0">
-                <a:latin typeface="Noto Sans CJK KR Regular" panose="020B0500000000000000" pitchFamily="34" charset="-127"/>
-                <a:ea typeface="Noto Sans CJK KR Regular" panose="020B0500000000000000" pitchFamily="34" charset="-127"/>
-              </a:rPr>
-              <a:t> 타입</a:t>
-            </a:r>
-            <a:r>
-              <a:rPr lang="en-US" altLang="ko-KR" dirty="0">
+              <a:rPr lang="ko-KR" altLang="en-US">
+                <a:latin typeface="Noto Sans CJK KR Regular" panose="020B0500000000000000" pitchFamily="34" charset="-127"/>
+                <a:ea typeface="Noto Sans CJK KR Regular" panose="020B0500000000000000" pitchFamily="34" charset="-127"/>
+              </a:rPr>
+              <a:t>인터섹션 타입</a:t>
+            </a:r>
+            <a:r>
+              <a:rPr lang="en-US" altLang="ko-KR">
                 <a:latin typeface="Noto Sans CJK KR Regular" panose="020B0500000000000000" pitchFamily="34" charset="-127"/>
                 <a:ea typeface="Noto Sans CJK KR Regular" panose="020B0500000000000000" pitchFamily="34" charset="-127"/>
               </a:rPr>
@@ -20720,48 +20606,48 @@
               <a:defRPr/>
             </a:pPr>
             <a:r>
-              <a:rPr lang="en-US" altLang="ko-KR" b="0" dirty="0">
+              <a:rPr lang="en-US" altLang="ko-KR" b="0">
                 <a:latin typeface="Noto Sans CJK KR Regular" panose="020B0500000000000000" pitchFamily="34" charset="-127"/>
                 <a:ea typeface="Noto Sans CJK KR Regular" panose="020B0500000000000000" pitchFamily="34" charset="-127"/>
               </a:rPr>
               <a:t> </a:t>
             </a:r>
             <a:r>
-              <a:rPr lang="ko-KR" altLang="en-US" b="0" dirty="0">
+              <a:rPr lang="ko-KR" altLang="en-US" b="0">
                 <a:latin typeface="Noto Sans CJK KR Regular" panose="020B0500000000000000" pitchFamily="34" charset="-127"/>
                 <a:ea typeface="Noto Sans CJK KR Regular" panose="020B0500000000000000" pitchFamily="34" charset="-127"/>
               </a:rPr>
               <a:t>인터페이스</a:t>
             </a:r>
             <a:r>
-              <a:rPr lang="en-US" altLang="ko-KR" b="0" dirty="0">
+              <a:rPr lang="en-US" altLang="ko-KR" b="0">
                 <a:latin typeface="Noto Sans CJK KR Regular" panose="020B0500000000000000" pitchFamily="34" charset="-127"/>
                 <a:ea typeface="Noto Sans CJK KR Regular" panose="020B0500000000000000" pitchFamily="34" charset="-127"/>
               </a:rPr>
               <a:t>: extends </a:t>
             </a:r>
             <a:r>
-              <a:rPr lang="ko-KR" altLang="en-US" b="0" dirty="0">
+              <a:rPr lang="ko-KR" altLang="en-US" b="0">
                 <a:latin typeface="Noto Sans CJK KR Regular" panose="020B0500000000000000" pitchFamily="34" charset="-127"/>
                 <a:ea typeface="Noto Sans CJK KR Regular" panose="020B0500000000000000" pitchFamily="34" charset="-127"/>
               </a:rPr>
               <a:t>키워드로 확장</a:t>
             </a:r>
             <a:r>
-              <a:rPr lang="en-US" altLang="ko-KR" b="0" dirty="0">
+              <a:rPr lang="en-US" altLang="ko-KR" b="0">
                 <a:latin typeface="Noto Sans CJK KR Regular" panose="020B0500000000000000" pitchFamily="34" charset="-127"/>
                 <a:ea typeface="Noto Sans CJK KR Regular" panose="020B0500000000000000" pitchFamily="34" charset="-127"/>
               </a:rPr>
               <a:t>, </a:t>
             </a:r>
             <a:r>
-              <a:rPr lang="ko-KR" altLang="en-US" dirty="0">
+              <a:rPr lang="ko-KR" altLang="en-US">
                 <a:latin typeface="Noto Sans CJK KR Regular" panose="020B0500000000000000" pitchFamily="34" charset="-127"/>
                 <a:ea typeface="Noto Sans CJK KR Regular" panose="020B0500000000000000" pitchFamily="34" charset="-127"/>
               </a:rPr>
               <a:t>선언 병합</a:t>
             </a:r>
-            <a:endParaRPr lang="en-US" altLang="ko-KR" dirty="0">
+            <a:endParaRPr lang="en-US" altLang="ko-KR">
               <a:latin typeface="Noto Sans CJK KR Regular" panose="020B0500000000000000" pitchFamily="34" charset="-127"/>
               <a:ea typeface="Noto Sans CJK KR Regular" panose="020B0500000000000000" pitchFamily="34" charset="-127"/>
             </a:endParaRPr>
@@ -20772,7 +20658,7 @@
               <a:buChar char="•"/>
               <a:defRPr/>
             </a:pPr>
-            <a:endParaRPr lang="en-US" altLang="ko-KR" b="0" dirty="0">
+            <a:endParaRPr lang="en-US" altLang="ko-KR" b="0">
               <a:latin typeface="Noto Sans CJK KR Regular" panose="020B0500000000000000" pitchFamily="34" charset="-127"/>
               <a:ea typeface="Noto Sans CJK KR Regular" panose="020B0500000000000000" pitchFamily="34" charset="-127"/>
             </a:endParaRPr>
@@ -20784,7 +20670,7 @@
               <a:defRPr/>
             </a:pPr>
             <a:r>
-              <a:rPr lang="ko-KR" altLang="en-US" sz="2000" dirty="0">
+              <a:rPr lang="ko-KR" altLang="en-US" sz="2000">
                 <a:latin typeface="Noto Sans CJK KR Regular" panose="020B0500000000000000" pitchFamily="34" charset="-127"/>
                 <a:ea typeface="Noto Sans CJK KR Regular" panose="020B0500000000000000" pitchFamily="34" charset="-127"/>
               </a:rPr>
@@ -20798,14 +20684,14 @@
               <a:defRPr/>
             </a:pPr>
             <a:r>
-              <a:rPr lang="ko-KR" altLang="en-US" b="0" dirty="0">
+              <a:rPr lang="ko-KR" altLang="en-US" b="0">
                 <a:latin typeface="Noto Sans CJK KR Regular" panose="020B0500000000000000" pitchFamily="34" charset="-127"/>
                 <a:ea typeface="Noto Sans CJK KR Regular" panose="020B0500000000000000" pitchFamily="34" charset="-127"/>
               </a:rPr>
               <a:t> </a:t>
             </a:r>
             <a:r>
-              <a:rPr lang="ko-KR" altLang="en-US" b="0" dirty="0">
+              <a:rPr lang="ko-KR" altLang="en-US" b="0">
                 <a:solidFill>
                   <a:srgbClr val="FF9E1B"/>
                 </a:solidFill>
@@ -20815,14 +20701,14 @@
               <a:t>객체의 타입</a:t>
             </a:r>
             <a:r>
-              <a:rPr lang="ko-KR" altLang="en-US" b="0" dirty="0">
+              <a:rPr lang="ko-KR" altLang="en-US" b="0">
                 <a:latin typeface="Noto Sans CJK KR Regular" panose="020B0500000000000000" pitchFamily="34" charset="-127"/>
                 <a:ea typeface="Noto Sans CJK KR Regular" panose="020B0500000000000000" pitchFamily="34" charset="-127"/>
               </a:rPr>
               <a:t>을 지정하는 경우 확장이 용이한 </a:t>
             </a:r>
             <a:r>
-              <a:rPr lang="ko-KR" altLang="en-US" b="0" dirty="0">
+              <a:rPr lang="ko-KR" altLang="en-US" b="0">
                 <a:solidFill>
                   <a:srgbClr val="FF9E1B"/>
                 </a:solidFill>
@@ -20832,13 +20718,13 @@
               <a:t>인터페이스 사용</a:t>
             </a:r>
             <a:r>
-              <a:rPr lang="ko-KR" altLang="en-US" b="0" dirty="0">
+              <a:rPr lang="ko-KR" altLang="en-US" b="0">
                 <a:latin typeface="Noto Sans CJK KR Regular" panose="020B0500000000000000" pitchFamily="34" charset="-127"/>
                 <a:ea typeface="Noto Sans CJK KR Regular" panose="020B0500000000000000" pitchFamily="34" charset="-127"/>
               </a:rPr>
               <a:t>을 권장</a:t>
             </a:r>
-            <a:endParaRPr lang="en-US" altLang="ko-KR" b="0" dirty="0">
+            <a:endParaRPr lang="en-US" altLang="ko-KR" b="0">
               <a:latin typeface="Noto Sans CJK KR Regular" panose="020B0500000000000000" pitchFamily="34" charset="-127"/>
               <a:ea typeface="Noto Sans CJK KR Regular" panose="020B0500000000000000" pitchFamily="34" charset="-127"/>
             </a:endParaRPr>
@@ -20850,14 +20736,14 @@
               <a:defRPr/>
             </a:pPr>
             <a:r>
-              <a:rPr lang="en-US" altLang="ko-KR" dirty="0">
+              <a:rPr lang="en-US" altLang="ko-KR">
                 <a:latin typeface="Noto Sans CJK KR Regular" panose="020B0500000000000000" pitchFamily="34" charset="-127"/>
                 <a:ea typeface="Noto Sans CJK KR Regular" panose="020B0500000000000000" pitchFamily="34" charset="-127"/>
               </a:rPr>
               <a:t> </a:t>
             </a:r>
             <a:r>
-              <a:rPr lang="ko-KR" altLang="en-US" dirty="0">
+              <a:rPr lang="ko-KR" altLang="en-US">
                 <a:solidFill>
                   <a:srgbClr val="FF9E1B"/>
                 </a:solidFill>
@@ -20867,14 +20753,14 @@
               <a:t>객체가 아닌</a:t>
             </a:r>
             <a:r>
-              <a:rPr lang="ko-KR" altLang="en-US" dirty="0">
+              <a:rPr lang="ko-KR" altLang="en-US">
                 <a:latin typeface="Noto Sans CJK KR Regular" panose="020B0500000000000000" pitchFamily="34" charset="-127"/>
                 <a:ea typeface="Noto Sans CJK KR Regular" panose="020B0500000000000000" pitchFamily="34" charset="-127"/>
               </a:rPr>
               <a:t> 타입 별칭으로만 정의할 수 있는 경우에만 </a:t>
             </a:r>
             <a:r>
-              <a:rPr lang="ko-KR" altLang="en-US" b="0" dirty="0">
+              <a:rPr lang="ko-KR" altLang="en-US" b="0">
                 <a:solidFill>
                   <a:srgbClr val="FF9E1B"/>
                 </a:solidFill>
@@ -20884,7 +20770,7 @@
               <a:t>타입 별칭 사용</a:t>
             </a:r>
             <a:r>
-              <a:rPr lang="ko-KR" altLang="en-US" b="0" dirty="0">
+              <a:rPr lang="ko-KR" altLang="en-US" b="0">
                 <a:latin typeface="Noto Sans CJK KR Regular" panose="020B0500000000000000" pitchFamily="34" charset="-127"/>
                 <a:ea typeface="Noto Sans CJK KR Regular" panose="020B0500000000000000" pitchFamily="34" charset="-127"/>
               </a:rPr>
@@ -21104,26 +20990,30 @@
               <a:buChar char="▶"/>
             </a:pPr>
             <a:r>
-              <a:rPr lang="en-US" altLang="ko-KR" sz="2000" dirty="0">
+              <a:rPr lang="en-US" altLang="ko-KR" sz="2000">
                 <a:latin typeface="Noto Sans CJK KR Regular" panose="020B0500000000000000" pitchFamily="34" charset="-127"/>
                 <a:ea typeface="Noto Sans CJK KR Regular" panose="020B0500000000000000" pitchFamily="34" charset="-127"/>
               </a:rPr>
               <a:t> </a:t>
             </a:r>
             <a:r>
-              <a:rPr lang="ko-KR" altLang="en-US" sz="2000" dirty="0">
+              <a:rPr lang="ko-KR" altLang="en-US" sz="2000">
                 <a:latin typeface="Noto Sans CJK KR Regular" panose="020B0500000000000000" pitchFamily="34" charset="-127"/>
                 <a:ea typeface="Noto Sans CJK KR Regular" panose="020B0500000000000000" pitchFamily="34" charset="-127"/>
               </a:rPr>
               <a:t>제네릭이란</a:t>
             </a:r>
             <a:r>
-              <a:rPr lang="en-US" altLang="ko-KR" sz="2000" dirty="0">
+              <a:rPr lang="en-US" altLang="ko-KR" sz="2000">
                 <a:latin typeface="Noto Sans CJK KR Regular" panose="020B0500000000000000" pitchFamily="34" charset="-127"/>
                 <a:ea typeface="Noto Sans CJK KR Regular" panose="020B0500000000000000" pitchFamily="34" charset="-127"/>
               </a:rPr>
               <a:t>?</a:t>
             </a:r>
+            <a:endParaRPr lang="en-US" altLang="ko-KR" sz="2000" dirty="0">
+              <a:latin typeface="Noto Sans CJK KR Regular" panose="020B0500000000000000" pitchFamily="34" charset="-127"/>
+              <a:ea typeface="Noto Sans CJK KR Regular" panose="020B0500000000000000" pitchFamily="34" charset="-127"/>
+            </a:endParaRPr>
           </a:p>
           <a:p>
             <a:pPr lvl="1">
@@ -21131,28 +21021,28 @@
               <a:buChar char="•"/>
             </a:pPr>
             <a:r>
-              <a:rPr lang="ko-KR" altLang="en-US" b="0" dirty="0">
+              <a:rPr lang="ko-KR" altLang="en-US" b="0">
                 <a:latin typeface="Noto Sans CJK KR Regular" panose="020B0500000000000000" pitchFamily="34" charset="-127"/>
                 <a:ea typeface="Noto Sans CJK KR Regular" panose="020B0500000000000000" pitchFamily="34" charset="-127"/>
               </a:rPr>
               <a:t> 함수를 생성할 때 함수에서 사용할 매개 변수</a:t>
             </a:r>
             <a:r>
-              <a:rPr lang="en-US" altLang="ko-KR" b="0" dirty="0">
+              <a:rPr lang="en-US" altLang="ko-KR" b="0">
                 <a:latin typeface="Noto Sans CJK KR Regular" panose="020B0500000000000000" pitchFamily="34" charset="-127"/>
                 <a:ea typeface="Noto Sans CJK KR Regular" panose="020B0500000000000000" pitchFamily="34" charset="-127"/>
               </a:rPr>
               <a:t>, </a:t>
             </a:r>
             <a:r>
-              <a:rPr lang="ko-KR" altLang="en-US" b="0" dirty="0">
+              <a:rPr lang="ko-KR" altLang="en-US" b="0">
                 <a:latin typeface="Noto Sans CJK KR Regular" panose="020B0500000000000000" pitchFamily="34" charset="-127"/>
                 <a:ea typeface="Noto Sans CJK KR Regular" panose="020B0500000000000000" pitchFamily="34" charset="-127"/>
               </a:rPr>
               <a:t>리턴 타입을 정의하지 않고 </a:t>
             </a:r>
             <a:r>
-              <a:rPr lang="ko-KR" altLang="en-US" b="0" dirty="0">
+              <a:rPr lang="ko-KR" altLang="en-US" b="0">
                 <a:solidFill>
                   <a:srgbClr val="FF9E1B"/>
                 </a:solidFill>
@@ -21162,13 +21052,13 @@
               <a:t>호출하는 시점</a:t>
             </a:r>
             <a:r>
-              <a:rPr lang="ko-KR" altLang="en-US" b="0" dirty="0">
+              <a:rPr lang="ko-KR" altLang="en-US" b="0">
                 <a:latin typeface="Noto Sans CJK KR Regular" panose="020B0500000000000000" pitchFamily="34" charset="-127"/>
                 <a:ea typeface="Noto Sans CJK KR Regular" panose="020B0500000000000000" pitchFamily="34" charset="-127"/>
               </a:rPr>
               <a:t>에 원하는 타입을 지정해서 사용</a:t>
             </a:r>
-            <a:endParaRPr lang="en-US" altLang="ko-KR" b="0" dirty="0">
+            <a:endParaRPr lang="en-US" altLang="ko-KR" b="0">
               <a:latin typeface="Noto Sans CJK KR Regular" panose="020B0500000000000000" pitchFamily="34" charset="-127"/>
               <a:ea typeface="Noto Sans CJK KR Regular" panose="020B0500000000000000" pitchFamily="34" charset="-127"/>
             </a:endParaRPr>
@@ -21179,13 +21069,13 @@
               <a:buChar char="•"/>
             </a:pPr>
             <a:r>
-              <a:rPr lang="ko-KR" altLang="en-US" dirty="0">
+              <a:rPr lang="ko-KR" altLang="en-US">
                 <a:latin typeface="Noto Sans CJK KR Regular" panose="020B0500000000000000" pitchFamily="34" charset="-127"/>
                 <a:ea typeface="Noto Sans CJK KR Regular" panose="020B0500000000000000" pitchFamily="34" charset="-127"/>
               </a:rPr>
               <a:t> 함수 내부의 코드는 동일하고 매개 변수나 리턴 타입만 다를 경우 제네릭 문법을 이용하면 하나의 함수에서 구현 가능</a:t>
             </a:r>
-            <a:endParaRPr lang="en-US" altLang="ko-KR" dirty="0">
+            <a:endParaRPr lang="en-US" altLang="ko-KR">
               <a:latin typeface="Noto Sans CJK KR Regular" panose="020B0500000000000000" pitchFamily="34" charset="-127"/>
               <a:ea typeface="Noto Sans CJK KR Regular" panose="020B0500000000000000" pitchFamily="34" charset="-127"/>
             </a:endParaRPr>
@@ -21196,28 +21086,21 @@
               <a:buChar char="•"/>
             </a:pPr>
             <a:r>
-              <a:rPr lang="en-US" altLang="ko-KR" dirty="0">
+              <a:rPr lang="en-US" altLang="ko-KR">
                 <a:latin typeface="Noto Sans CJK KR Regular" panose="020B0500000000000000" pitchFamily="34" charset="-127"/>
                 <a:ea typeface="Noto Sans CJK KR Regular" panose="020B0500000000000000" pitchFamily="34" charset="-127"/>
               </a:rPr>
               <a:t> </a:t>
             </a:r>
             <a:r>
-              <a:rPr lang="ko-KR" altLang="en-US" dirty="0" err="1">
-                <a:latin typeface="Noto Sans CJK KR Regular" panose="020B0500000000000000" pitchFamily="34" charset="-127"/>
-                <a:ea typeface="Noto Sans CJK KR Regular" panose="020B0500000000000000" pitchFamily="34" charset="-127"/>
-              </a:rPr>
-              <a:t>제넥릭에</a:t>
-            </a:r>
-            <a:r>
-              <a:rPr lang="ko-KR" altLang="en-US" dirty="0">
-                <a:latin typeface="Noto Sans CJK KR Regular" panose="020B0500000000000000" pitchFamily="34" charset="-127"/>
-                <a:ea typeface="Noto Sans CJK KR Regular" panose="020B0500000000000000" pitchFamily="34" charset="-127"/>
-              </a:rPr>
-              <a:t> 지정한 문자 </a:t>
-            </a:r>
-            <a:r>
-              <a:rPr lang="en-US" altLang="ko-KR" b="1" dirty="0">
+              <a:rPr lang="ko-KR" altLang="en-US">
+                <a:latin typeface="Noto Sans CJK KR Regular" panose="020B0500000000000000" pitchFamily="34" charset="-127"/>
+                <a:ea typeface="Noto Sans CJK KR Regular" panose="020B0500000000000000" pitchFamily="34" charset="-127"/>
+              </a:rPr>
+              <a:t>제넥릭에 지정한 문자 </a:t>
+            </a:r>
+            <a:r>
+              <a:rPr lang="en-US" altLang="ko-KR" b="1">
                 <a:solidFill>
                   <a:srgbClr val="FF9E1B"/>
                 </a:solidFill>
@@ -21228,14 +21111,14 @@
               <a:t>T</a:t>
             </a:r>
             <a:r>
-              <a:rPr lang="ko-KR" altLang="en-US" dirty="0">
+              <a:rPr lang="ko-KR" altLang="en-US">
                 <a:latin typeface="Noto Sans CJK KR Regular" panose="020B0500000000000000" pitchFamily="34" charset="-127"/>
                 <a:ea typeface="Noto Sans CJK KR Regular" panose="020B0500000000000000" pitchFamily="34" charset="-127"/>
               </a:rPr>
               <a:t>는 </a:t>
             </a:r>
             <a:r>
-              <a:rPr lang="ko-KR" altLang="en-US" dirty="0">
+              <a:rPr lang="ko-KR" altLang="en-US">
                 <a:solidFill>
                   <a:srgbClr val="FF9E1B"/>
                 </a:solidFill>
@@ -21245,7 +21128,7 @@
               <a:t>아무 문</a:t>
             </a:r>
             <a:r>
-              <a:rPr lang="ko-KR" altLang="en-US" b="0" dirty="0">
+              <a:rPr lang="ko-KR" altLang="en-US" b="0">
                 <a:solidFill>
                   <a:srgbClr val="FF9E1B"/>
                 </a:solidFill>
@@ -21256,7 +21139,7 @@
               <a:t>자</a:t>
             </a:r>
             <a:r>
-              <a:rPr lang="ko-KR" altLang="en-US" b="0" dirty="0">
+              <a:rPr lang="ko-KR" altLang="en-US" b="0">
                 <a:effectLst/>
                 <a:latin typeface="Noto Sans CJK KR Regular" panose="020B0500000000000000" pitchFamily="34" charset="-127"/>
                 <a:ea typeface="Noto Sans CJK KR Regular" panose="020B0500000000000000" pitchFamily="34" charset="-127"/>
@@ -21264,7 +21147,7 @@
               <a:t>나 사용 가능하고 </a:t>
             </a:r>
             <a:r>
-              <a:rPr lang="ko-KR" altLang="en-US" b="0" dirty="0">
+              <a:rPr lang="ko-KR" altLang="en-US" b="0">
                 <a:solidFill>
                   <a:srgbClr val="FF9E1B"/>
                 </a:solidFill>
@@ -21275,14 +21158,14 @@
               <a:t>여러 글자</a:t>
             </a:r>
             <a:r>
-              <a:rPr lang="ko-KR" altLang="en-US" b="0" dirty="0">
+              <a:rPr lang="ko-KR" altLang="en-US" b="0">
                 <a:effectLst/>
                 <a:latin typeface="Noto Sans CJK KR Regular" panose="020B0500000000000000" pitchFamily="34" charset="-127"/>
                 <a:ea typeface="Noto Sans CJK KR Regular" panose="020B0500000000000000" pitchFamily="34" charset="-127"/>
               </a:rPr>
               <a:t>도 사용 가능</a:t>
             </a:r>
-            <a:endParaRPr lang="en-US" altLang="ko-KR" b="0" dirty="0">
+            <a:endParaRPr lang="en-US" altLang="ko-KR" b="0">
               <a:effectLst/>
               <a:latin typeface="Noto Sans CJK KR Regular" panose="020B0500000000000000" pitchFamily="34" charset="-127"/>
               <a:ea typeface="Noto Sans CJK KR Regular" panose="020B0500000000000000" pitchFamily="34" charset="-127"/>
@@ -21294,7 +21177,7 @@
               <a:buChar char="•"/>
             </a:pPr>
             <a:r>
-              <a:rPr lang="ko-KR" altLang="en-US" b="0" dirty="0">
+              <a:rPr lang="ko-KR" altLang="en-US" b="0">
                 <a:effectLst/>
                 <a:latin typeface="Noto Sans CJK KR Regular" panose="020B0500000000000000" pitchFamily="34" charset="-127"/>
                 <a:ea typeface="Noto Sans CJK KR Regular" panose="020B0500000000000000" pitchFamily="34" charset="-127"/>
@@ -21302,7 +21185,7 @@
               <a:t> </a:t>
             </a:r>
             <a:r>
-              <a:rPr lang="en-US" altLang="ko-KR" b="1" dirty="0">
+              <a:rPr lang="en-US" altLang="ko-KR" b="1">
                 <a:solidFill>
                   <a:srgbClr val="FF9E1B"/>
                 </a:solidFill>
@@ -21313,7 +21196,7 @@
               <a:t>T</a:t>
             </a:r>
             <a:r>
-              <a:rPr lang="en-US" altLang="ko-KR" b="0" dirty="0">
+              <a:rPr lang="en-US" altLang="ko-KR" b="0">
                 <a:effectLst/>
                 <a:latin typeface="Noto Sans CJK KR Regular" panose="020B0500000000000000" pitchFamily="34" charset="-127"/>
                 <a:ea typeface="Noto Sans CJK KR Regular" panose="020B0500000000000000" pitchFamily="34" charset="-127"/>
@@ -21321,23 +21204,26 @@
               <a:t>ype</a:t>
             </a:r>
             <a:r>
-              <a:rPr lang="ko-KR" altLang="en-US" b="0" dirty="0">
-                <a:effectLst/>
-                <a:latin typeface="Noto Sans CJK KR Regular" panose="020B0500000000000000" pitchFamily="34" charset="-127"/>
-                <a:ea typeface="Noto Sans CJK KR Regular" panose="020B0500000000000000" pitchFamily="34" charset="-127"/>
-              </a:rPr>
-              <a:t>의 </a:t>
-            </a:r>
-            <a:r>
-              <a:rPr lang="ko-KR" altLang="en-US" b="0" dirty="0" err="1">
-                <a:effectLst/>
-                <a:latin typeface="Noto Sans CJK KR Regular" panose="020B0500000000000000" pitchFamily="34" charset="-127"/>
-                <a:ea typeface="Noto Sans CJK KR Regular" panose="020B0500000000000000" pitchFamily="34" charset="-127"/>
-              </a:rPr>
-              <a:t>앞글자인</a:t>
-            </a:r>
-            <a:r>
-              <a:rPr lang="ko-KR" altLang="en-US" b="0" dirty="0">
+              <a:rPr lang="ko-KR" altLang="en-US" b="0">
+                <a:effectLst/>
+                <a:latin typeface="Noto Sans CJK KR Regular" panose="020B0500000000000000" pitchFamily="34" charset="-127"/>
+                <a:ea typeface="Noto Sans CJK KR Regular" panose="020B0500000000000000" pitchFamily="34" charset="-127"/>
+              </a:rPr>
+              <a:t>의 앞글자인 </a:t>
+            </a:r>
+            <a:r>
+              <a:rPr lang="en-US" altLang="ko-KR" b="1">
+                <a:solidFill>
+                  <a:srgbClr val="FF9E1B"/>
+                </a:solidFill>
+                <a:effectLst/>
+                <a:latin typeface="Noto Sans CJK KR Regular" panose="020B0500000000000000" pitchFamily="34" charset="-127"/>
+                <a:ea typeface="Noto Sans CJK KR Regular" panose="020B0500000000000000" pitchFamily="34" charset="-127"/>
+              </a:rPr>
+              <a:t>T</a:t>
+            </a:r>
+            <a:r>
+              <a:rPr lang="en-US" altLang="ko-KR" b="0">
                 <a:effectLst/>
                 <a:latin typeface="Noto Sans CJK KR Regular" panose="020B0500000000000000" pitchFamily="34" charset="-127"/>
                 <a:ea typeface="Noto Sans CJK KR Regular" panose="020B0500000000000000" pitchFamily="34" charset="-127"/>
@@ -21345,40 +21231,21 @@
               <a:t> </a:t>
             </a:r>
             <a:r>
-              <a:rPr lang="en-US" altLang="ko-KR" b="1" dirty="0">
-                <a:solidFill>
-                  <a:srgbClr val="FF9E1B"/>
-                </a:solidFill>
-                <a:effectLst/>
-                <a:latin typeface="Noto Sans CJK KR Regular" panose="020B0500000000000000" pitchFamily="34" charset="-127"/>
-                <a:ea typeface="Noto Sans CJK KR Regular" panose="020B0500000000000000" pitchFamily="34" charset="-127"/>
-              </a:rPr>
-              <a:t>T</a:t>
-            </a:r>
-            <a:r>
-              <a:rPr lang="en-US" altLang="ko-KR" b="0" dirty="0">
-                <a:effectLst/>
-                <a:latin typeface="Noto Sans CJK KR Regular" panose="020B0500000000000000" pitchFamily="34" charset="-127"/>
-                <a:ea typeface="Noto Sans CJK KR Regular" panose="020B0500000000000000" pitchFamily="34" charset="-127"/>
-              </a:rPr>
-              <a:t> </a:t>
-            </a:r>
-            <a:r>
-              <a:rPr lang="ko-KR" altLang="en-US" dirty="0">
+              <a:rPr lang="ko-KR" altLang="en-US">
                 <a:latin typeface="Noto Sans CJK KR Regular" panose="020B0500000000000000" pitchFamily="34" charset="-127"/>
                 <a:ea typeface="Noto Sans CJK KR Regular" panose="020B0500000000000000" pitchFamily="34" charset="-127"/>
               </a:rPr>
               <a:t>를 주로 </a:t>
             </a:r>
             <a:r>
-              <a:rPr lang="ko-KR" altLang="en-US" b="0" dirty="0">
+              <a:rPr lang="ko-KR" altLang="en-US" b="0">
                 <a:effectLst/>
                 <a:latin typeface="Noto Sans CJK KR Regular" panose="020B0500000000000000" pitchFamily="34" charset="-127"/>
                 <a:ea typeface="Noto Sans CJK KR Regular" panose="020B0500000000000000" pitchFamily="34" charset="-127"/>
               </a:rPr>
               <a:t>사용</a:t>
             </a:r>
-            <a:endParaRPr lang="en-US" altLang="ko-KR" dirty="0">
+            <a:endParaRPr lang="en-US" altLang="ko-KR">
               <a:latin typeface="Noto Sans CJK KR Regular" panose="020B0500000000000000" pitchFamily="34" charset="-127"/>
               <a:ea typeface="Noto Sans CJK KR Regular" panose="020B0500000000000000" pitchFamily="34" charset="-127"/>
             </a:endParaRPr>
@@ -21428,7 +21295,7 @@
         </p:nvSpPr>
         <p:spPr>
           <a:xfrm>
-            <a:off x="563667" y="2940030"/>
+            <a:off x="563667" y="2467653"/>
             <a:ext cx="5986131" cy="3416320"/>
           </a:xfrm>
           <a:prstGeom prst="rect">
@@ -21448,7 +21315,7 @@
           <a:lstStyle/>
           <a:p>
             <a:r>
-              <a:rPr lang="en-US" altLang="ko-KR" b="0" dirty="0">
+              <a:rPr lang="en-US" altLang="ko-KR" b="0">
                 <a:solidFill>
                   <a:srgbClr val="0000FF"/>
                 </a:solidFill>
@@ -21458,39 +21325,19 @@
               <a:t>function</a:t>
             </a:r>
             <a:r>
-              <a:rPr lang="en-US" altLang="ko-KR" b="0" dirty="0">
-                <a:solidFill>
-                  <a:srgbClr val="000000"/>
-                </a:solidFill>
-                <a:effectLst/>
-                <a:latin typeface="Consolas" panose="020B0609020204030204" pitchFamily="49" charset="0"/>
-              </a:rPr>
-              <a:t> </a:t>
-            </a:r>
-            <a:r>
-              <a:rPr lang="en-US" altLang="ko-KR" b="0" dirty="0" err="1">
-                <a:solidFill>
-                  <a:srgbClr val="000000"/>
-                </a:solidFill>
-                <a:effectLst/>
-                <a:latin typeface="Consolas" panose="020B0609020204030204" pitchFamily="49" charset="0"/>
-              </a:rPr>
-              <a:t>echoString</a:t>
-            </a:r>
-            <a:r>
-              <a:rPr lang="en-US" altLang="ko-KR" b="0" dirty="0">
-                <a:solidFill>
-                  <a:srgbClr val="000000"/>
-                </a:solidFill>
-                <a:effectLst/>
-                <a:latin typeface="Consolas" panose="020B0609020204030204" pitchFamily="49" charset="0"/>
-              </a:rPr>
-              <a:t>(msg: string): string{</a:t>
-            </a:r>
-          </a:p>
-          <a:p>
-            <a:r>
-              <a:rPr lang="en-US" altLang="ko-KR" b="0" dirty="0">
+              <a:rPr lang="en-US" altLang="ko-KR" b="0">
+                <a:solidFill>
+                  <a:srgbClr val="000000"/>
+                </a:solidFill>
+                <a:effectLst/>
+                <a:latin typeface="Consolas" panose="020B0609020204030204" pitchFamily="49" charset="0"/>
+              </a:rPr>
+              <a:t> echoString(msg: string): string{</a:t>
+            </a:r>
+          </a:p>
+          <a:p>
+            <a:r>
+              <a:rPr lang="en-US" altLang="ko-KR" b="0">
                 <a:solidFill>
                   <a:srgbClr val="000000"/>
                 </a:solidFill>
@@ -21500,7 +21347,7 @@
               <a:t>  </a:t>
             </a:r>
             <a:r>
-              <a:rPr lang="en-US" altLang="ko-KR" b="0" dirty="0">
+              <a:rPr lang="en-US" altLang="ko-KR" b="0">
                 <a:solidFill>
                   <a:srgbClr val="0000FF"/>
                 </a:solidFill>
@@ -21510,7 +21357,7 @@
               <a:t>return</a:t>
             </a:r>
             <a:r>
-              <a:rPr lang="en-US" altLang="ko-KR" b="0" dirty="0">
+              <a:rPr lang="en-US" altLang="ko-KR" b="0">
                 <a:solidFill>
                   <a:srgbClr val="000000"/>
                 </a:solidFill>
@@ -21522,7 +21369,7 @@
           </a:p>
           <a:p>
             <a:r>
-              <a:rPr lang="en-US" altLang="ko-KR" b="0" dirty="0">
+              <a:rPr lang="en-US" altLang="ko-KR" b="0">
                 <a:solidFill>
                   <a:srgbClr val="000000"/>
                 </a:solidFill>
@@ -21534,7 +21381,7 @@
           </a:p>
           <a:p>
             <a:r>
-              <a:rPr lang="en-US" altLang="ko-KR" b="0" dirty="0">
+              <a:rPr lang="en-US" altLang="ko-KR" b="0">
                 <a:solidFill>
                   <a:srgbClr val="0000FF"/>
                 </a:solidFill>
@@ -21544,39 +21391,19 @@
               <a:t>function</a:t>
             </a:r>
             <a:r>
-              <a:rPr lang="en-US" altLang="ko-KR" b="0" dirty="0">
-                <a:solidFill>
-                  <a:srgbClr val="000000"/>
-                </a:solidFill>
-                <a:effectLst/>
-                <a:latin typeface="Consolas" panose="020B0609020204030204" pitchFamily="49" charset="0"/>
-              </a:rPr>
-              <a:t> </a:t>
-            </a:r>
-            <a:r>
-              <a:rPr lang="en-US" altLang="ko-KR" b="0" dirty="0" err="1">
-                <a:solidFill>
-                  <a:srgbClr val="000000"/>
-                </a:solidFill>
-                <a:effectLst/>
-                <a:latin typeface="Consolas" panose="020B0609020204030204" pitchFamily="49" charset="0"/>
-              </a:rPr>
-              <a:t>echoNumber</a:t>
-            </a:r>
-            <a:r>
-              <a:rPr lang="en-US" altLang="ko-KR" b="0" dirty="0">
-                <a:solidFill>
-                  <a:srgbClr val="000000"/>
-                </a:solidFill>
-                <a:effectLst/>
-                <a:latin typeface="Consolas" panose="020B0609020204030204" pitchFamily="49" charset="0"/>
-              </a:rPr>
-              <a:t>(msg: number): number{</a:t>
-            </a:r>
-          </a:p>
-          <a:p>
-            <a:r>
-              <a:rPr lang="en-US" altLang="ko-KR" b="0" dirty="0">
+              <a:rPr lang="en-US" altLang="ko-KR" b="0">
+                <a:solidFill>
+                  <a:srgbClr val="000000"/>
+                </a:solidFill>
+                <a:effectLst/>
+                <a:latin typeface="Consolas" panose="020B0609020204030204" pitchFamily="49" charset="0"/>
+              </a:rPr>
+              <a:t> echoNumber(msg: number): number{</a:t>
+            </a:r>
+          </a:p>
+          <a:p>
+            <a:r>
+              <a:rPr lang="en-US" altLang="ko-KR" b="0">
                 <a:solidFill>
                   <a:srgbClr val="000000"/>
                 </a:solidFill>
@@ -21586,7 +21413,7 @@
               <a:t>  </a:t>
             </a:r>
             <a:r>
-              <a:rPr lang="en-US" altLang="ko-KR" b="0" dirty="0">
+              <a:rPr lang="en-US" altLang="ko-KR" b="0">
                 <a:solidFill>
                   <a:srgbClr val="0000FF"/>
                 </a:solidFill>
@@ -21596,7 +21423,7 @@
               <a:t>return</a:t>
             </a:r>
             <a:r>
-              <a:rPr lang="en-US" altLang="ko-KR" b="0" dirty="0">
+              <a:rPr lang="en-US" altLang="ko-KR" b="0">
                 <a:solidFill>
                   <a:srgbClr val="000000"/>
                 </a:solidFill>
@@ -21608,7 +21435,7 @@
           </a:p>
           <a:p>
             <a:r>
-              <a:rPr lang="en-US" altLang="ko-KR" b="0" dirty="0">
+              <a:rPr lang="en-US" altLang="ko-KR" b="0">
                 <a:solidFill>
                   <a:srgbClr val="000000"/>
                 </a:solidFill>
@@ -21620,7 +21447,7 @@
           </a:p>
           <a:p>
             <a:r>
-              <a:rPr lang="en-US" altLang="ko-KR" b="0" dirty="0">
+              <a:rPr lang="en-US" altLang="ko-KR" b="0">
                 <a:solidFill>
                   <a:srgbClr val="0000FF"/>
                 </a:solidFill>
@@ -21630,79 +21457,19 @@
               <a:t>function</a:t>
             </a:r>
             <a:r>
-              <a:rPr lang="en-US" altLang="ko-KR" b="0" dirty="0">
-                <a:solidFill>
-                  <a:srgbClr val="000000"/>
-                </a:solidFill>
-                <a:effectLst/>
-                <a:latin typeface="Consolas" panose="020B0609020204030204" pitchFamily="49" charset="0"/>
-              </a:rPr>
-              <a:t> </a:t>
-            </a:r>
-            <a:r>
-              <a:rPr lang="en-US" altLang="ko-KR" b="0" dirty="0" err="1">
-                <a:solidFill>
-                  <a:srgbClr val="000000"/>
-                </a:solidFill>
-                <a:effectLst/>
-                <a:latin typeface="Consolas" panose="020B0609020204030204" pitchFamily="49" charset="0"/>
-              </a:rPr>
-              <a:t>echoBoolean</a:t>
-            </a:r>
-            <a:r>
-              <a:rPr lang="en-US" altLang="ko-KR" b="0" dirty="0">
-                <a:solidFill>
-                  <a:srgbClr val="000000"/>
-                </a:solidFill>
-                <a:effectLst/>
-                <a:latin typeface="Consolas" panose="020B0609020204030204" pitchFamily="49" charset="0"/>
-              </a:rPr>
-              <a:t>(msg: </a:t>
-            </a:r>
-            <a:r>
-              <a:rPr lang="en-US" altLang="ko-KR" b="0" dirty="0" err="1">
-                <a:solidFill>
-                  <a:srgbClr val="000000"/>
-                </a:solidFill>
-                <a:effectLst/>
-                <a:latin typeface="Consolas" panose="020B0609020204030204" pitchFamily="49" charset="0"/>
-              </a:rPr>
-              <a:t>boolean</a:t>
-            </a:r>
-            <a:r>
-              <a:rPr lang="en-US" altLang="ko-KR" b="0" dirty="0">
-                <a:solidFill>
-                  <a:srgbClr val="000000"/>
-                </a:solidFill>
-                <a:effectLst/>
-                <a:latin typeface="Consolas" panose="020B0609020204030204" pitchFamily="49" charset="0"/>
-              </a:rPr>
-              <a:t>): </a:t>
-            </a:r>
-            <a:r>
-              <a:rPr lang="en-US" altLang="ko-KR" b="0" dirty="0" err="1">
-                <a:solidFill>
-                  <a:srgbClr val="000000"/>
-                </a:solidFill>
-                <a:effectLst/>
-                <a:latin typeface="Consolas" panose="020B0609020204030204" pitchFamily="49" charset="0"/>
-              </a:rPr>
-              <a:t>boolean</a:t>
-            </a:r>
-            <a:r>
-              <a:rPr lang="en-US" altLang="ko-KR" b="0" dirty="0">
-                <a:solidFill>
-                  <a:srgbClr val="000000"/>
-                </a:solidFill>
-                <a:effectLst/>
-                <a:latin typeface="Consolas" panose="020B0609020204030204" pitchFamily="49" charset="0"/>
-              </a:rPr>
-              <a:t>{</a:t>
-            </a:r>
-          </a:p>
-          <a:p>
-            <a:r>
-              <a:rPr lang="en-US" altLang="ko-KR" b="0" dirty="0">
+              <a:rPr lang="en-US" altLang="ko-KR" b="0">
+                <a:solidFill>
+                  <a:srgbClr val="000000"/>
+                </a:solidFill>
+                <a:effectLst/>
+                <a:latin typeface="Consolas" panose="020B0609020204030204" pitchFamily="49" charset="0"/>
+              </a:rPr>
+              <a:t> echoBoolean(msg: boolean): boolean{</a:t>
+            </a:r>
+          </a:p>
+          <a:p>
+            <a:r>
+              <a:rPr lang="en-US" altLang="ko-KR" b="0">
                 <a:solidFill>
                   <a:srgbClr val="000000"/>
                 </a:solidFill>
@@ -21712,7 +21479,7 @@
               <a:t>  </a:t>
             </a:r>
             <a:r>
-              <a:rPr lang="en-US" altLang="ko-KR" b="0" dirty="0">
+              <a:rPr lang="en-US" altLang="ko-KR" b="0">
                 <a:solidFill>
                   <a:srgbClr val="0000FF"/>
                 </a:solidFill>
@@ -21722,7 +21489,7 @@
               <a:t>return</a:t>
             </a:r>
             <a:r>
-              <a:rPr lang="en-US" altLang="ko-KR" b="0" dirty="0">
+              <a:rPr lang="en-US" altLang="ko-KR" b="0">
                 <a:solidFill>
                   <a:srgbClr val="000000"/>
                 </a:solidFill>
@@ -21734,7 +21501,7 @@
           </a:p>
           <a:p>
             <a:r>
-              <a:rPr lang="en-US" altLang="ko-KR" b="0" dirty="0">
+              <a:rPr lang="en-US" altLang="ko-KR" b="0">
                 <a:solidFill>
                   <a:srgbClr val="000000"/>
                 </a:solidFill>
@@ -21744,7 +21511,7 @@
               <a:t>}</a:t>
             </a:r>
             <a:br>
-              <a:rPr lang="en-US" altLang="ko-KR" b="0" dirty="0">
+              <a:rPr lang="en-US" altLang="ko-KR" b="0">
                 <a:solidFill>
                   <a:srgbClr val="000000"/>
                 </a:solidFill>
@@ -21753,37 +21520,17 @@
               </a:rPr>
             </a:br>
             <a:r>
-              <a:rPr lang="en-US" altLang="ko-KR" b="0" dirty="0">
-                <a:solidFill>
-                  <a:srgbClr val="000000"/>
-                </a:solidFill>
-                <a:effectLst/>
-                <a:latin typeface="Consolas" panose="020B0609020204030204" pitchFamily="49" charset="0"/>
-              </a:rPr>
-              <a:t>console.log(</a:t>
-            </a:r>
-            <a:r>
-              <a:rPr lang="en-US" altLang="ko-KR" b="0" dirty="0" err="1">
-                <a:solidFill>
-                  <a:srgbClr val="000000"/>
-                </a:solidFill>
-                <a:effectLst/>
-                <a:latin typeface="Consolas" panose="020B0609020204030204" pitchFamily="49" charset="0"/>
-              </a:rPr>
-              <a:t>echoString</a:t>
-            </a:r>
-            <a:r>
-              <a:rPr lang="en-US" altLang="ko-KR" b="0" dirty="0">
-                <a:solidFill>
-                  <a:srgbClr val="000000"/>
-                </a:solidFill>
-                <a:effectLst/>
-                <a:latin typeface="Consolas" panose="020B0609020204030204" pitchFamily="49" charset="0"/>
-              </a:rPr>
-              <a:t>(</a:t>
-            </a:r>
-            <a:r>
-              <a:rPr lang="en-US" altLang="ko-KR" b="0" dirty="0">
+              <a:rPr lang="en-US" altLang="ko-KR" b="0">
+                <a:solidFill>
+                  <a:srgbClr val="000000"/>
+                </a:solidFill>
+                <a:effectLst/>
+                <a:latin typeface="Consolas" panose="020B0609020204030204" pitchFamily="49" charset="0"/>
+              </a:rPr>
+              <a:t>console.log(echoString(</a:t>
+            </a:r>
+            <a:r>
+              <a:rPr lang="en-US" altLang="ko-KR" b="0">
                 <a:solidFill>
                   <a:srgbClr val="A31515"/>
                 </a:solidFill>
@@ -21793,7 +21540,7 @@
               <a:t>'hello'</a:t>
             </a:r>
             <a:r>
-              <a:rPr lang="en-US" altLang="ko-KR" b="0" dirty="0">
+              <a:rPr lang="en-US" altLang="ko-KR" b="0">
                 <a:solidFill>
                   <a:srgbClr val="000000"/>
                 </a:solidFill>
@@ -21805,37 +21552,17 @@
           </a:p>
           <a:p>
             <a:r>
-              <a:rPr lang="en-US" altLang="ko-KR" b="0" dirty="0">
-                <a:solidFill>
-                  <a:srgbClr val="000000"/>
-                </a:solidFill>
-                <a:effectLst/>
-                <a:latin typeface="Consolas" panose="020B0609020204030204" pitchFamily="49" charset="0"/>
-              </a:rPr>
-              <a:t>console.log(</a:t>
-            </a:r>
-            <a:r>
-              <a:rPr lang="en-US" altLang="ko-KR" b="0" dirty="0" err="1">
-                <a:solidFill>
-                  <a:srgbClr val="000000"/>
-                </a:solidFill>
-                <a:effectLst/>
-                <a:latin typeface="Consolas" panose="020B0609020204030204" pitchFamily="49" charset="0"/>
-              </a:rPr>
-              <a:t>echoNumber</a:t>
-            </a:r>
-            <a:r>
-              <a:rPr lang="en-US" altLang="ko-KR" b="0" dirty="0">
-                <a:solidFill>
-                  <a:srgbClr val="000000"/>
-                </a:solidFill>
-                <a:effectLst/>
-                <a:latin typeface="Consolas" panose="020B0609020204030204" pitchFamily="49" charset="0"/>
-              </a:rPr>
-              <a:t>(</a:t>
-            </a:r>
-            <a:r>
-              <a:rPr lang="en-US" altLang="ko-KR" b="0" dirty="0">
+              <a:rPr lang="en-US" altLang="ko-KR" b="0">
+                <a:solidFill>
+                  <a:srgbClr val="000000"/>
+                </a:solidFill>
+                <a:effectLst/>
+                <a:latin typeface="Consolas" panose="020B0609020204030204" pitchFamily="49" charset="0"/>
+              </a:rPr>
+              <a:t>console.log(echoNumber(</a:t>
+            </a:r>
+            <a:r>
+              <a:rPr lang="en-US" altLang="ko-KR" b="0">
                 <a:solidFill>
                   <a:srgbClr val="098658"/>
                 </a:solidFill>
@@ -21845,7 +21572,7 @@
               <a:t>100</a:t>
             </a:r>
             <a:r>
-              <a:rPr lang="en-US" altLang="ko-KR" b="0" dirty="0">
+              <a:rPr lang="en-US" altLang="ko-KR" b="0">
                 <a:solidFill>
                   <a:srgbClr val="000000"/>
                 </a:solidFill>
@@ -21857,37 +21584,17 @@
           </a:p>
           <a:p>
             <a:r>
-              <a:rPr lang="en-US" altLang="ko-KR" b="0" dirty="0">
-                <a:solidFill>
-                  <a:srgbClr val="000000"/>
-                </a:solidFill>
-                <a:effectLst/>
-                <a:latin typeface="Consolas" panose="020B0609020204030204" pitchFamily="49" charset="0"/>
-              </a:rPr>
-              <a:t>console.log(</a:t>
-            </a:r>
-            <a:r>
-              <a:rPr lang="en-US" altLang="ko-KR" b="0" dirty="0" err="1">
-                <a:solidFill>
-                  <a:srgbClr val="000000"/>
-                </a:solidFill>
-                <a:effectLst/>
-                <a:latin typeface="Consolas" panose="020B0609020204030204" pitchFamily="49" charset="0"/>
-              </a:rPr>
-              <a:t>echoBoolean</a:t>
-            </a:r>
-            <a:r>
-              <a:rPr lang="en-US" altLang="ko-KR" b="0" dirty="0">
-                <a:solidFill>
-                  <a:srgbClr val="000000"/>
-                </a:solidFill>
-                <a:effectLst/>
-                <a:latin typeface="Consolas" panose="020B0609020204030204" pitchFamily="49" charset="0"/>
-              </a:rPr>
-              <a:t>(</a:t>
-            </a:r>
-            <a:r>
-              <a:rPr lang="en-US" altLang="ko-KR" b="0" dirty="0">
+              <a:rPr lang="en-US" altLang="ko-KR" b="0">
+                <a:solidFill>
+                  <a:srgbClr val="000000"/>
+                </a:solidFill>
+                <a:effectLst/>
+                <a:latin typeface="Consolas" panose="020B0609020204030204" pitchFamily="49" charset="0"/>
+              </a:rPr>
+              <a:t>console.log(echoBoolean(</a:t>
+            </a:r>
+            <a:r>
+              <a:rPr lang="en-US" altLang="ko-KR" b="0">
                 <a:solidFill>
                   <a:srgbClr val="0000FF"/>
                 </a:solidFill>
@@ -21897,7 +21604,7 @@
               <a:t>true</a:t>
             </a:r>
             <a:r>
-              <a:rPr lang="en-US" altLang="ko-KR" b="0" dirty="0">
+              <a:rPr lang="en-US" altLang="ko-KR" b="0">
                 <a:solidFill>
                   <a:srgbClr val="000000"/>
                 </a:solidFill>
@@ -21923,7 +21630,7 @@
         </p:nvSpPr>
         <p:spPr>
           <a:xfrm>
-            <a:off x="6750423" y="2795217"/>
+            <a:off x="6750423" y="2488044"/>
             <a:ext cx="5037324" cy="2308324"/>
           </a:xfrm>
           <a:prstGeom prst="rect">
@@ -21945,7 +21652,7 @@
           <a:lstStyle/>
           <a:p>
             <a:r>
-              <a:rPr lang="en-US" altLang="ko-KR" b="0" dirty="0">
+              <a:rPr lang="en-US" altLang="ko-KR" b="0">
                 <a:solidFill>
                   <a:srgbClr val="0000FF"/>
                 </a:solidFill>
@@ -21955,7 +21662,7 @@
               <a:t>function</a:t>
             </a:r>
             <a:r>
-              <a:rPr lang="en-US" altLang="ko-KR" b="0" dirty="0">
+              <a:rPr lang="en-US" altLang="ko-KR" b="0">
                 <a:solidFill>
                   <a:srgbClr val="000000"/>
                 </a:solidFill>
@@ -21965,7 +21672,7 @@
               <a:t> echo</a:t>
             </a:r>
             <a:r>
-              <a:rPr lang="en-US" altLang="ko-KR" b="1" dirty="0">
+              <a:rPr lang="en-US" altLang="ko-KR" b="1">
                 <a:solidFill>
                   <a:srgbClr val="FF9E1B"/>
                 </a:solidFill>
@@ -21975,7 +21682,7 @@
               <a:t>&lt;T&gt;</a:t>
             </a:r>
             <a:r>
-              <a:rPr lang="en-US" altLang="ko-KR" b="0" dirty="0">
+              <a:rPr lang="en-US" altLang="ko-KR" b="0">
                 <a:solidFill>
                   <a:srgbClr val="000000"/>
                 </a:solidFill>
@@ -21985,7 +21692,7 @@
               <a:t>(msg: </a:t>
             </a:r>
             <a:r>
-              <a:rPr lang="en-US" altLang="ko-KR" b="1" dirty="0">
+              <a:rPr lang="en-US" altLang="ko-KR" b="1">
                 <a:solidFill>
                   <a:srgbClr val="FF9E1B"/>
                 </a:solidFill>
@@ -21995,7 +21702,7 @@
               <a:t>T</a:t>
             </a:r>
             <a:r>
-              <a:rPr lang="en-US" altLang="ko-KR" b="0" dirty="0">
+              <a:rPr lang="en-US" altLang="ko-KR" b="0">
                 <a:solidFill>
                   <a:srgbClr val="000000"/>
                 </a:solidFill>
@@ -22005,7 +21712,7 @@
               <a:t>): </a:t>
             </a:r>
             <a:r>
-              <a:rPr lang="en-US" altLang="ko-KR" b="1" dirty="0">
+              <a:rPr lang="en-US" altLang="ko-KR" b="1">
                 <a:solidFill>
                   <a:srgbClr val="FF9E1B"/>
                 </a:solidFill>
@@ -22015,7 +21722,7 @@
               <a:t>T</a:t>
             </a:r>
             <a:r>
-              <a:rPr lang="en-US" altLang="ko-KR" b="0" dirty="0">
+              <a:rPr lang="en-US" altLang="ko-KR" b="0">
                 <a:solidFill>
                   <a:srgbClr val="FF9E1B"/>
                 </a:solidFill>
@@ -22025,7 +21732,7 @@
               <a:t> </a:t>
             </a:r>
             <a:r>
-              <a:rPr lang="en-US" altLang="ko-KR" b="0" dirty="0">
+              <a:rPr lang="en-US" altLang="ko-KR" b="0">
                 <a:solidFill>
                   <a:srgbClr val="000000"/>
                 </a:solidFill>
@@ -22037,7 +21744,7 @@
           </a:p>
           <a:p>
             <a:r>
-              <a:rPr lang="en-US" altLang="ko-KR" b="0" dirty="0">
+              <a:rPr lang="en-US" altLang="ko-KR" b="0">
                 <a:solidFill>
                   <a:srgbClr val="000000"/>
                 </a:solidFill>
@@ -22047,7 +21754,7 @@
               <a:t>  </a:t>
             </a:r>
             <a:r>
-              <a:rPr lang="en-US" altLang="ko-KR" b="0" dirty="0">
+              <a:rPr lang="en-US" altLang="ko-KR" b="0">
                 <a:solidFill>
                   <a:srgbClr val="0000FF"/>
                 </a:solidFill>
@@ -22057,7 +21764,7 @@
               <a:t>return</a:t>
             </a:r>
             <a:r>
-              <a:rPr lang="en-US" altLang="ko-KR" b="0" dirty="0">
+              <a:rPr lang="en-US" altLang="ko-KR" b="0">
                 <a:solidFill>
                   <a:srgbClr val="000000"/>
                 </a:solidFill>
@@ -22069,7 +21776,7 @@
           </a:p>
           <a:p>
             <a:r>
-              <a:rPr lang="en-US" altLang="ko-KR" b="0" dirty="0">
+              <a:rPr lang="en-US" altLang="ko-KR" b="0">
                 <a:solidFill>
                   <a:srgbClr val="000000"/>
                 </a:solidFill>
@@ -22081,7 +21788,7 @@
           </a:p>
           <a:p>
             <a:br>
-              <a:rPr lang="en-US" altLang="ko-KR" b="0" dirty="0">
+              <a:rPr lang="en-US" altLang="ko-KR" b="0">
                 <a:solidFill>
                   <a:srgbClr val="000000"/>
                 </a:solidFill>
@@ -22090,7 +21797,7 @@
               </a:rPr>
             </a:br>
             <a:r>
-              <a:rPr lang="en-US" altLang="ko-KR" b="0" dirty="0">
+              <a:rPr lang="en-US" altLang="ko-KR" b="0">
                 <a:solidFill>
                   <a:srgbClr val="000000"/>
                 </a:solidFill>
@@ -22100,7 +21807,7 @@
               <a:t>console.log(echo</a:t>
             </a:r>
             <a:r>
-              <a:rPr lang="en-US" altLang="ko-KR" b="1" dirty="0">
+              <a:rPr lang="en-US" altLang="ko-KR" b="1">
                 <a:solidFill>
                   <a:srgbClr val="FF9E1B"/>
                 </a:solidFill>
@@ -22110,7 +21817,7 @@
               <a:t>&lt;string&gt;</a:t>
             </a:r>
             <a:r>
-              <a:rPr lang="en-US" altLang="ko-KR" b="0" dirty="0">
+              <a:rPr lang="en-US" altLang="ko-KR" b="0">
                 <a:solidFill>
                   <a:srgbClr val="000000"/>
                 </a:solidFill>
@@ -22120,7 +21827,7 @@
               <a:t>(</a:t>
             </a:r>
             <a:r>
-              <a:rPr lang="en-US" altLang="ko-KR" b="0" dirty="0">
+              <a:rPr lang="en-US" altLang="ko-KR" b="0">
                 <a:solidFill>
                   <a:srgbClr val="A31515"/>
                 </a:solidFill>
@@ -22130,7 +21837,7 @@
               <a:t>'hello'</a:t>
             </a:r>
             <a:r>
-              <a:rPr lang="en-US" altLang="ko-KR" b="0" dirty="0">
+              <a:rPr lang="en-US" altLang="ko-KR" b="0">
                 <a:solidFill>
                   <a:srgbClr val="000000"/>
                 </a:solidFill>
@@ -22142,7 +21849,7 @@
           </a:p>
           <a:p>
             <a:r>
-              <a:rPr lang="en-US" altLang="ko-KR" b="0" dirty="0">
+              <a:rPr lang="en-US" altLang="ko-KR" b="0">
                 <a:solidFill>
                   <a:srgbClr val="000000"/>
                 </a:solidFill>
@@ -22152,7 +21859,7 @@
               <a:t>console.log(echo</a:t>
             </a:r>
             <a:r>
-              <a:rPr lang="en-US" altLang="ko-KR" b="1" dirty="0">
+              <a:rPr lang="en-US" altLang="ko-KR" b="1">
                 <a:solidFill>
                   <a:srgbClr val="FF9E1B"/>
                 </a:solidFill>
@@ -22162,7 +21869,7 @@
               <a:t>&lt;number&gt;</a:t>
             </a:r>
             <a:r>
-              <a:rPr lang="en-US" altLang="ko-KR" b="0" dirty="0">
+              <a:rPr lang="en-US" altLang="ko-KR" b="0">
                 <a:solidFill>
                   <a:srgbClr val="000000"/>
                 </a:solidFill>
@@ -22172,7 +21879,7 @@
               <a:t>(</a:t>
             </a:r>
             <a:r>
-              <a:rPr lang="en-US" altLang="ko-KR" b="0" dirty="0">
+              <a:rPr lang="en-US" altLang="ko-KR" b="0">
                 <a:solidFill>
                   <a:srgbClr val="098658"/>
                 </a:solidFill>
@@ -22182,7 +21889,7 @@
               <a:t>100</a:t>
             </a:r>
             <a:r>
-              <a:rPr lang="en-US" altLang="ko-KR" b="0" dirty="0">
+              <a:rPr lang="en-US" altLang="ko-KR" b="0">
                 <a:solidFill>
                   <a:srgbClr val="000000"/>
                 </a:solidFill>
@@ -22194,7 +21901,7 @@
           </a:p>
           <a:p>
             <a:r>
-              <a:rPr lang="en-US" altLang="ko-KR" b="0" dirty="0">
+              <a:rPr lang="en-US" altLang="ko-KR" b="0">
                 <a:solidFill>
                   <a:srgbClr val="000000"/>
                 </a:solidFill>
@@ -22204,7 +21911,7 @@
               <a:t>console.log(echo</a:t>
             </a:r>
             <a:r>
-              <a:rPr lang="en-US" altLang="ko-KR" b="1" dirty="0">
+              <a:rPr lang="en-US" altLang="ko-KR" b="1">
                 <a:solidFill>
                   <a:srgbClr val="FF9E1B"/>
                 </a:solidFill>
@@ -22214,7 +21921,7 @@
               <a:t>&lt;</a:t>
             </a:r>
             <a:r>
-              <a:rPr lang="en-US" altLang="ko-KR" b="1" dirty="0" err="1">
+              <a:rPr lang="en-US" altLang="ko-KR" b="1">
                 <a:solidFill>
                   <a:srgbClr val="FF9E1B"/>
                 </a:solidFill>
@@ -22223,7 +21930,7 @@
               <a:t>boolean</a:t>
             </a:r>
             <a:r>
-              <a:rPr lang="en-US" altLang="ko-KR" b="1" dirty="0">
+              <a:rPr lang="en-US" altLang="ko-KR" b="1">
                 <a:solidFill>
                   <a:srgbClr val="FF9E1B"/>
                 </a:solidFill>
@@ -22233,7 +21940,7 @@
               <a:t>&gt;</a:t>
             </a:r>
             <a:r>
-              <a:rPr lang="en-US" altLang="ko-KR" b="0" dirty="0">
+              <a:rPr lang="en-US" altLang="ko-KR" b="0">
                 <a:solidFill>
                   <a:srgbClr val="000000"/>
                 </a:solidFill>
@@ -22243,7 +21950,7 @@
               <a:t>(</a:t>
             </a:r>
             <a:r>
-              <a:rPr lang="en-US" altLang="ko-KR" b="0" dirty="0">
+              <a:rPr lang="en-US" altLang="ko-KR" b="0">
                 <a:solidFill>
                   <a:srgbClr val="0000FF"/>
                 </a:solidFill>
@@ -22253,7 +21960,7 @@
               <a:t>true</a:t>
             </a:r>
             <a:r>
-              <a:rPr lang="en-US" altLang="ko-KR" b="0" dirty="0">
+              <a:rPr lang="en-US" altLang="ko-KR" b="0">
                 <a:solidFill>
                   <a:srgbClr val="000000"/>
                 </a:solidFill>
@@ -22262,7 +21969,7 @@
               </a:rPr>
               <a:t>));</a:t>
             </a:r>
-            <a:endParaRPr lang="en-US" altLang="ko-KR" b="0" dirty="0">
+            <a:endParaRPr lang="en-US" altLang="ko-KR" b="0">
               <a:solidFill>
                 <a:srgbClr val="008000"/>
               </a:solidFill>
@@ -22272,7 +21979,7 @@
           </a:p>
           <a:p>
             <a:r>
-              <a:rPr lang="en-US" altLang="ko-KR" b="0" dirty="0">
+              <a:rPr lang="en-US" altLang="ko-KR" b="0">
                 <a:solidFill>
                   <a:srgbClr val="000000"/>
                 </a:solidFill>
@@ -22282,7 +21989,7 @@
               <a:t>console.log(</a:t>
             </a:r>
             <a:r>
-              <a:rPr lang="en-US" altLang="ko-KR" b="0" strike="sngStrike" dirty="0">
+              <a:rPr lang="en-US" altLang="ko-KR" b="0" strike="sngStrike">
                 <a:solidFill>
                   <a:srgbClr val="000000"/>
                 </a:solidFill>
@@ -22292,7 +21999,7 @@
               <a:t>echo</a:t>
             </a:r>
             <a:r>
-              <a:rPr lang="en-US" altLang="ko-KR" b="1" strike="sngStrike" dirty="0">
+              <a:rPr lang="en-US" altLang="ko-KR" b="1" strike="sngStrike">
                 <a:solidFill>
                   <a:srgbClr val="FF9E1B"/>
                 </a:solidFill>
@@ -22302,7 +22009,7 @@
               <a:t>&lt;string&gt;</a:t>
             </a:r>
             <a:r>
-              <a:rPr lang="en-US" altLang="ko-KR" b="0" strike="sngStrike" dirty="0">
+              <a:rPr lang="en-US" altLang="ko-KR" b="0" strike="sngStrike">
                 <a:solidFill>
                   <a:srgbClr val="000000"/>
                 </a:solidFill>
@@ -22312,7 +22019,7 @@
               <a:t>(</a:t>
             </a:r>
             <a:r>
-              <a:rPr lang="en-US" altLang="ko-KR" b="0" strike="sngStrike" dirty="0">
+              <a:rPr lang="en-US" altLang="ko-KR" b="0" strike="sngStrike">
                 <a:solidFill>
                   <a:srgbClr val="098658"/>
                 </a:solidFill>
@@ -22322,7 +22029,7 @@
               <a:t>300</a:t>
             </a:r>
             <a:r>
-              <a:rPr lang="en-US" altLang="ko-KR" b="0" strike="sngStrike" dirty="0">
+              <a:rPr lang="en-US" altLang="ko-KR" b="0" strike="sngStrike">
                 <a:solidFill>
                   <a:srgbClr val="000000"/>
                 </a:solidFill>
@@ -22332,7 +22039,7 @@
               <a:t>)</a:t>
             </a:r>
             <a:r>
-              <a:rPr lang="en-US" altLang="ko-KR" b="0" dirty="0">
+              <a:rPr lang="en-US" altLang="ko-KR" b="0">
                 <a:solidFill>
                   <a:srgbClr val="000000"/>
                 </a:solidFill>
@@ -22342,7 +22049,7 @@
               <a:t>); </a:t>
             </a:r>
             <a:r>
-              <a:rPr lang="en-US" altLang="ko-KR" b="0" dirty="0">
+              <a:rPr lang="en-US" altLang="ko-KR" b="0">
                 <a:solidFill>
                   <a:srgbClr val="008000"/>
                 </a:solidFill>
@@ -22352,7 +22059,7 @@
               <a:t>// </a:t>
             </a:r>
             <a:r>
-              <a:rPr lang="ko-KR" altLang="en-US" b="0" dirty="0">
+              <a:rPr lang="ko-KR" altLang="en-US" b="0">
                 <a:solidFill>
                   <a:srgbClr val="008000"/>
                 </a:solidFill>
@@ -22361,7 +22068,7 @@
               </a:rPr>
               <a:t>에러</a:t>
             </a:r>
-            <a:endParaRPr lang="ko-KR" altLang="en-US" b="0" dirty="0">
+            <a:endParaRPr lang="ko-KR" altLang="en-US" b="0">
               <a:solidFill>
                 <a:srgbClr val="000000"/>
               </a:solidFill>
@@ -22634,14 +22341,14 @@
               <a:buChar char="▶"/>
             </a:pPr>
             <a:r>
-              <a:rPr lang="en-US" altLang="ko-KR" sz="2000" dirty="0">
+              <a:rPr lang="en-US" altLang="ko-KR" sz="2000">
                 <a:latin typeface="Noto Sans CJK KR Regular" panose="020B0500000000000000" pitchFamily="34" charset="-127"/>
                 <a:ea typeface="Noto Sans CJK KR Regular" panose="020B0500000000000000" pitchFamily="34" charset="-127"/>
               </a:rPr>
               <a:t> </a:t>
             </a:r>
             <a:r>
-              <a:rPr lang="ko-KR" altLang="en-US" sz="2000" dirty="0">
+              <a:rPr lang="ko-KR" altLang="en-US" sz="2000">
                 <a:latin typeface="Noto Sans CJK KR Regular" panose="020B0500000000000000" pitchFamily="34" charset="-127"/>
                 <a:ea typeface="Noto Sans CJK KR Regular" panose="020B0500000000000000" pitchFamily="34" charset="-127"/>
               </a:rPr>
@@ -22658,13 +22365,13 @@
               <a:buChar char="•"/>
             </a:pPr>
             <a:r>
-              <a:rPr lang="ko-KR" altLang="en-US" b="0" dirty="0">
+              <a:rPr lang="ko-KR" altLang="en-US" b="0">
                 <a:latin typeface="Noto Sans CJK KR Regular" panose="020B0500000000000000" pitchFamily="34" charset="-127"/>
                 <a:ea typeface="Noto Sans CJK KR Regular" panose="020B0500000000000000" pitchFamily="34" charset="-127"/>
               </a:rPr>
               <a:t> 제네릭에 전달받을 타입을 지정한 타입만 가능하도록 제약</a:t>
             </a:r>
-            <a:endParaRPr lang="en-US" altLang="ko-KR" b="0" dirty="0">
+            <a:endParaRPr lang="en-US" altLang="ko-KR" b="0">
               <a:latin typeface="Noto Sans CJK KR Regular" panose="020B0500000000000000" pitchFamily="34" charset="-127"/>
               <a:ea typeface="Noto Sans CJK KR Regular" panose="020B0500000000000000" pitchFamily="34" charset="-127"/>
             </a:endParaRPr>
@@ -22674,7 +22381,7 @@
               <a:buFontTx/>
               <a:buChar char="•"/>
             </a:pPr>
-            <a:endParaRPr lang="en-US" altLang="ko-KR" dirty="0">
+            <a:endParaRPr lang="en-US" altLang="ko-KR">
               <a:latin typeface="Noto Sans CJK KR Regular" panose="020B0500000000000000" pitchFamily="34" charset="-127"/>
               <a:ea typeface="Noto Sans CJK KR Regular" panose="020B0500000000000000" pitchFamily="34" charset="-127"/>
             </a:endParaRPr>
@@ -22685,20 +22392,20 @@
               <a:buChar char="▶"/>
             </a:pPr>
             <a:r>
-              <a:rPr lang="en-US" altLang="ko-KR" sz="2000" dirty="0">
+              <a:rPr lang="en-US" altLang="ko-KR" sz="2000">
                 <a:latin typeface="Noto Sans CJK KR Regular" panose="020B0500000000000000" pitchFamily="34" charset="-127"/>
                 <a:ea typeface="Noto Sans CJK KR Regular" panose="020B0500000000000000" pitchFamily="34" charset="-127"/>
               </a:rPr>
               <a:t> extends </a:t>
             </a:r>
             <a:r>
-              <a:rPr lang="ko-KR" altLang="en-US" sz="2000" dirty="0">
+              <a:rPr lang="ko-KR" altLang="en-US" sz="2000">
                 <a:latin typeface="Noto Sans CJK KR Regular" panose="020B0500000000000000" pitchFamily="34" charset="-127"/>
                 <a:ea typeface="Noto Sans CJK KR Regular" panose="020B0500000000000000" pitchFamily="34" charset="-127"/>
               </a:rPr>
               <a:t>키워드 사용</a:t>
             </a:r>
-            <a:endParaRPr lang="en-US" altLang="ko-KR" sz="2000" dirty="0">
+            <a:endParaRPr lang="en-US" altLang="ko-KR" sz="2000">
               <a:latin typeface="Noto Sans CJK KR Regular" panose="020B0500000000000000" pitchFamily="34" charset="-127"/>
               <a:ea typeface="Noto Sans CJK KR Regular" panose="020B0500000000000000" pitchFamily="34" charset="-127"/>
             </a:endParaRPr>
@@ -22709,14 +22416,14 @@
               <a:buChar char="•"/>
             </a:pPr>
             <a:r>
-              <a:rPr lang="ko-KR" altLang="en-US" b="0" dirty="0">
+              <a:rPr lang="ko-KR" altLang="en-US" b="0">
                 <a:latin typeface="Noto Sans CJK KR Regular" panose="020B0500000000000000" pitchFamily="34" charset="-127"/>
                 <a:ea typeface="Noto Sans CJK KR Regular" panose="020B0500000000000000" pitchFamily="34" charset="-127"/>
               </a:rPr>
               <a:t>   </a:t>
             </a:r>
             <a:r>
-              <a:rPr lang="en-US" altLang="ko-KR" b="0" dirty="0">
+              <a:rPr lang="en-US" altLang="ko-KR" b="0">
                 <a:solidFill>
                   <a:srgbClr val="000000"/>
                 </a:solidFill>
@@ -22726,7 +22433,7 @@
               <a:t>&lt;T </a:t>
             </a:r>
             <a:r>
-              <a:rPr lang="en-US" altLang="ko-KR" b="0" dirty="0">
+              <a:rPr lang="en-US" altLang="ko-KR" b="0">
                 <a:solidFill>
                   <a:srgbClr val="0000FF"/>
                 </a:solidFill>
@@ -22736,7 +22443,7 @@
               <a:t>extends</a:t>
             </a:r>
             <a:r>
-              <a:rPr lang="en-US" altLang="ko-KR" b="0" dirty="0">
+              <a:rPr lang="en-US" altLang="ko-KR" b="0">
                 <a:solidFill>
                   <a:srgbClr val="000000"/>
                 </a:solidFill>
@@ -22752,7 +22459,7 @@
               <a:buChar char="•"/>
             </a:pPr>
             <a:r>
-              <a:rPr lang="en-US" altLang="ko-KR" b="0" dirty="0">
+              <a:rPr lang="en-US" altLang="ko-KR" b="0">
                 <a:solidFill>
                   <a:srgbClr val="000000"/>
                 </a:solidFill>
@@ -22762,7 +22469,7 @@
               <a:t> &lt;T </a:t>
             </a:r>
             <a:r>
-              <a:rPr lang="en-US" altLang="ko-KR" b="0" dirty="0">
+              <a:rPr lang="en-US" altLang="ko-KR" b="0">
                 <a:solidFill>
                   <a:srgbClr val="0000FF"/>
                 </a:solidFill>
@@ -22772,7 +22479,7 @@
               <a:t>extends</a:t>
             </a:r>
             <a:r>
-              <a:rPr lang="en-US" altLang="ko-KR" b="0" dirty="0">
+              <a:rPr lang="en-US" altLang="ko-KR" b="0">
                 <a:solidFill>
                   <a:srgbClr val="000000"/>
                 </a:solidFill>
@@ -22781,7 +22488,7 @@
               </a:rPr>
               <a:t> { length: number }&gt;</a:t>
             </a:r>
-            <a:endParaRPr lang="en-US" altLang="ko-KR" b="0" dirty="0">
+            <a:endParaRPr lang="en-US" altLang="ko-KR" b="0">
               <a:latin typeface="Noto Sans CJK KR Regular" panose="020B0500000000000000" pitchFamily="34" charset="-127"/>
               <a:ea typeface="Noto Sans CJK KR Regular" panose="020B0500000000000000" pitchFamily="34" charset="-127"/>
             </a:endParaRPr>
@@ -22936,7 +22643,7 @@
           <a:lstStyle/>
           <a:p>
             <a:r>
-              <a:rPr lang="en-US" altLang="ko-KR" b="0" dirty="0">
+              <a:rPr lang="en-US" altLang="ko-KR" b="0">
                 <a:solidFill>
                   <a:srgbClr val="0000FF"/>
                 </a:solidFill>
@@ -22946,7 +22653,7 @@
               <a:t>function</a:t>
             </a:r>
             <a:r>
-              <a:rPr lang="en-US" altLang="ko-KR" b="0" dirty="0">
+              <a:rPr lang="en-US" altLang="ko-KR" b="0">
                 <a:solidFill>
                   <a:srgbClr val="000000"/>
                 </a:solidFill>
@@ -22956,7 +22663,7 @@
               <a:t> echo&lt;T </a:t>
             </a:r>
             <a:r>
-              <a:rPr lang="en-US" altLang="ko-KR" b="0" dirty="0">
+              <a:rPr lang="en-US" altLang="ko-KR" b="0">
                 <a:solidFill>
                   <a:srgbClr val="0000FF"/>
                 </a:solidFill>
@@ -22966,7 +22673,7 @@
               <a:t>extends</a:t>
             </a:r>
             <a:r>
-              <a:rPr lang="en-US" altLang="ko-KR" b="0" dirty="0">
+              <a:rPr lang="en-US" altLang="ko-KR" b="0">
                 <a:solidFill>
                   <a:srgbClr val="000000"/>
                 </a:solidFill>
@@ -22978,7 +22685,7 @@
           </a:p>
           <a:p>
             <a:r>
-              <a:rPr lang="en-US" altLang="ko-KR" b="0" dirty="0">
+              <a:rPr lang="en-US" altLang="ko-KR" b="0">
                 <a:solidFill>
                   <a:srgbClr val="000000"/>
                 </a:solidFill>
@@ -22988,7 +22695,7 @@
               <a:t>  </a:t>
             </a:r>
             <a:r>
-              <a:rPr lang="en-US" altLang="ko-KR" b="0" dirty="0">
+              <a:rPr lang="en-US" altLang="ko-KR" b="0">
                 <a:solidFill>
                   <a:srgbClr val="0000FF"/>
                 </a:solidFill>
@@ -22998,7 +22705,7 @@
               <a:t>return</a:t>
             </a:r>
             <a:r>
-              <a:rPr lang="en-US" altLang="ko-KR" b="0" dirty="0">
+              <a:rPr lang="en-US" altLang="ko-KR" b="0">
                 <a:solidFill>
                   <a:srgbClr val="000000"/>
                 </a:solidFill>
@@ -23010,7 +22717,7 @@
           </a:p>
           <a:p>
             <a:r>
-              <a:rPr lang="en-US" altLang="ko-KR" b="0" dirty="0">
+              <a:rPr lang="en-US" altLang="ko-KR" b="0">
                 <a:solidFill>
                   <a:srgbClr val="000000"/>
                 </a:solidFill>
@@ -23020,7 +22727,7 @@
               <a:t>}</a:t>
             </a:r>
             <a:br>
-              <a:rPr lang="en-US" altLang="ko-KR" b="0" dirty="0">
+              <a:rPr lang="en-US" altLang="ko-KR" b="0">
                 <a:solidFill>
                   <a:srgbClr val="000000"/>
                 </a:solidFill>
@@ -23029,7 +22736,7 @@
               </a:rPr>
             </a:br>
             <a:r>
-              <a:rPr lang="en-US" altLang="ko-KR" b="0" dirty="0">
+              <a:rPr lang="en-US" altLang="ko-KR" b="0">
                 <a:solidFill>
                   <a:srgbClr val="0000FF"/>
                 </a:solidFill>
@@ -23039,7 +22746,7 @@
               <a:t>function</a:t>
             </a:r>
             <a:r>
-              <a:rPr lang="en-US" altLang="ko-KR" b="0" dirty="0">
+              <a:rPr lang="en-US" altLang="ko-KR" b="0">
                 <a:solidFill>
                   <a:srgbClr val="000000"/>
                 </a:solidFill>
@@ -23049,7 +22756,7 @@
               <a:t> echo2&lt;T </a:t>
             </a:r>
             <a:r>
-              <a:rPr lang="en-US" altLang="ko-KR" b="0" dirty="0">
+              <a:rPr lang="en-US" altLang="ko-KR" b="0">
                 <a:solidFill>
                   <a:srgbClr val="0000FF"/>
                 </a:solidFill>
@@ -23059,7 +22766,7 @@
               <a:t>extends</a:t>
             </a:r>
             <a:r>
-              <a:rPr lang="en-US" altLang="ko-KR" b="0" dirty="0">
+              <a:rPr lang="en-US" altLang="ko-KR" b="0">
                 <a:solidFill>
                   <a:srgbClr val="000000"/>
                 </a:solidFill>
@@ -23071,7 +22778,7 @@
           </a:p>
           <a:p>
             <a:r>
-              <a:rPr lang="en-US" altLang="ko-KR" b="0" dirty="0">
+              <a:rPr lang="en-US" altLang="ko-KR" b="0">
                 <a:solidFill>
                   <a:srgbClr val="000000"/>
                 </a:solidFill>
@@ -23081,140 +22788,171 @@
               <a:t>  console.log(</a:t>
             </a:r>
             <a:r>
-              <a:rPr lang="en-US" altLang="ko-KR" b="0" dirty="0">
+              <a:rPr lang="en-US" altLang="ko-KR" b="0">
                 <a:solidFill>
                   <a:srgbClr val="A31515"/>
                 </a:solidFill>
                 <a:effectLst/>
                 <a:latin typeface="Consolas" panose="020B0609020204030204" pitchFamily="49" charset="0"/>
               </a:rPr>
-              <a:t>'</a:t>
-            </a:r>
-            <a:r>
-              <a:rPr lang="en-US" altLang="ko-KR" b="0" dirty="0" err="1">
+              <a:t>'msg.length: '</a:t>
+            </a:r>
+            <a:r>
+              <a:rPr lang="en-US" altLang="ko-KR" b="0">
+                <a:solidFill>
+                  <a:srgbClr val="000000"/>
+                </a:solidFill>
+                <a:effectLst/>
+                <a:latin typeface="Consolas" panose="020B0609020204030204" pitchFamily="49" charset="0"/>
+              </a:rPr>
+              <a:t>, msg.length);</a:t>
+            </a:r>
+          </a:p>
+          <a:p>
+            <a:r>
+              <a:rPr lang="en-US" altLang="ko-KR" b="0">
+                <a:solidFill>
+                  <a:srgbClr val="000000"/>
+                </a:solidFill>
+                <a:effectLst/>
+                <a:latin typeface="Consolas" panose="020B0609020204030204" pitchFamily="49" charset="0"/>
+              </a:rPr>
+              <a:t>  </a:t>
+            </a:r>
+            <a:r>
+              <a:rPr lang="en-US" altLang="ko-KR" b="0">
+                <a:solidFill>
+                  <a:srgbClr val="0000FF"/>
+                </a:solidFill>
+                <a:effectLst/>
+                <a:latin typeface="Consolas" panose="020B0609020204030204" pitchFamily="49" charset="0"/>
+              </a:rPr>
+              <a:t>return</a:t>
+            </a:r>
+            <a:r>
+              <a:rPr lang="en-US" altLang="ko-KR" b="0">
+                <a:solidFill>
+                  <a:srgbClr val="000000"/>
+                </a:solidFill>
+                <a:effectLst/>
+                <a:latin typeface="Consolas" panose="020B0609020204030204" pitchFamily="49" charset="0"/>
+              </a:rPr>
+              <a:t> msg;</a:t>
+            </a:r>
+          </a:p>
+          <a:p>
+            <a:r>
+              <a:rPr lang="en-US" altLang="ko-KR" b="0">
+                <a:solidFill>
+                  <a:srgbClr val="000000"/>
+                </a:solidFill>
+                <a:effectLst/>
+                <a:latin typeface="Consolas" panose="020B0609020204030204" pitchFamily="49" charset="0"/>
+              </a:rPr>
+              <a:t>}</a:t>
+            </a:r>
+            <a:br>
+              <a:rPr lang="en-US" altLang="ko-KR" b="0">
+                <a:solidFill>
+                  <a:srgbClr val="000000"/>
+                </a:solidFill>
+                <a:effectLst/>
+                <a:latin typeface="Consolas" panose="020B0609020204030204" pitchFamily="49" charset="0"/>
+              </a:rPr>
+            </a:br>
+            <a:r>
+              <a:rPr lang="en-US" altLang="ko-KR" b="0">
+                <a:solidFill>
+                  <a:srgbClr val="000000"/>
+                </a:solidFill>
+                <a:effectLst/>
+                <a:latin typeface="Consolas" panose="020B0609020204030204" pitchFamily="49" charset="0"/>
+              </a:rPr>
+              <a:t>console.log(echo&lt;string&gt;(</a:t>
+            </a:r>
+            <a:r>
+              <a:rPr lang="en-US" altLang="ko-KR" b="0">
                 <a:solidFill>
                   <a:srgbClr val="A31515"/>
                 </a:solidFill>
                 <a:effectLst/>
                 <a:latin typeface="Consolas" panose="020B0609020204030204" pitchFamily="49" charset="0"/>
               </a:rPr>
-              <a:t>msg.length</a:t>
-            </a:r>
-            <a:r>
-              <a:rPr lang="en-US" altLang="ko-KR" b="0" dirty="0">
+              <a:t>'hello'</a:t>
+            </a:r>
+            <a:r>
+              <a:rPr lang="en-US" altLang="ko-KR" b="0">
+                <a:solidFill>
+                  <a:srgbClr val="000000"/>
+                </a:solidFill>
+                <a:effectLst/>
+                <a:latin typeface="Consolas" panose="020B0609020204030204" pitchFamily="49" charset="0"/>
+              </a:rPr>
+              <a:t>));</a:t>
+            </a:r>
+          </a:p>
+          <a:p>
+            <a:r>
+              <a:rPr lang="en-US" altLang="ko-KR" b="0">
+                <a:solidFill>
+                  <a:srgbClr val="000000"/>
+                </a:solidFill>
+                <a:effectLst/>
+                <a:latin typeface="Consolas" panose="020B0609020204030204" pitchFamily="49" charset="0"/>
+              </a:rPr>
+              <a:t>console.log(echo&lt;number&gt;(</a:t>
+            </a:r>
+            <a:r>
+              <a:rPr lang="en-US" altLang="ko-KR" b="0">
+                <a:solidFill>
+                  <a:srgbClr val="098658"/>
+                </a:solidFill>
+                <a:effectLst/>
+                <a:latin typeface="Consolas" panose="020B0609020204030204" pitchFamily="49" charset="0"/>
+              </a:rPr>
+              <a:t>100</a:t>
+            </a:r>
+            <a:r>
+              <a:rPr lang="en-US" altLang="ko-KR" b="0">
+                <a:solidFill>
+                  <a:srgbClr val="000000"/>
+                </a:solidFill>
+                <a:effectLst/>
+                <a:latin typeface="Consolas" panose="020B0609020204030204" pitchFamily="49" charset="0"/>
+              </a:rPr>
+              <a:t>));</a:t>
+            </a:r>
+            <a:br>
+              <a:rPr lang="en-US" altLang="ko-KR" b="0">
+                <a:solidFill>
+                  <a:srgbClr val="000000"/>
+                </a:solidFill>
+                <a:effectLst/>
+                <a:latin typeface="Consolas" panose="020B0609020204030204" pitchFamily="49" charset="0"/>
+              </a:rPr>
+            </a:br>
+            <a:r>
+              <a:rPr lang="en-US" altLang="ko-KR" b="0">
+                <a:solidFill>
+                  <a:srgbClr val="000000"/>
+                </a:solidFill>
+                <a:effectLst/>
+                <a:latin typeface="Consolas" panose="020B0609020204030204" pitchFamily="49" charset="0"/>
+              </a:rPr>
+              <a:t>console.log(echo2&lt;string&gt;(</a:t>
+            </a:r>
+            <a:r>
+              <a:rPr lang="en-US" altLang="ko-KR" b="0">
                 <a:solidFill>
                   <a:srgbClr val="A31515"/>
                 </a:solidFill>
                 <a:effectLst/>
                 <a:latin typeface="Consolas" panose="020B0609020204030204" pitchFamily="49" charset="0"/>
               </a:rPr>
-              <a:t>: '</a:t>
-            </a:r>
-            <a:r>
-              <a:rPr lang="en-US" altLang="ko-KR" b="0" dirty="0">
-                <a:solidFill>
-                  <a:srgbClr val="000000"/>
-                </a:solidFill>
-                <a:effectLst/>
-                <a:latin typeface="Consolas" panose="020B0609020204030204" pitchFamily="49" charset="0"/>
-              </a:rPr>
-              <a:t>, </a:t>
-            </a:r>
-            <a:r>
-              <a:rPr lang="en-US" altLang="ko-KR" b="0" dirty="0" err="1">
-                <a:solidFill>
-                  <a:srgbClr val="000000"/>
-                </a:solidFill>
-                <a:effectLst/>
-                <a:latin typeface="Consolas" panose="020B0609020204030204" pitchFamily="49" charset="0"/>
-              </a:rPr>
-              <a:t>msg.length</a:t>
-            </a:r>
-            <a:r>
-              <a:rPr lang="en-US" altLang="ko-KR" b="0" dirty="0">
-                <a:solidFill>
-                  <a:srgbClr val="000000"/>
-                </a:solidFill>
-                <a:effectLst/>
-                <a:latin typeface="Consolas" panose="020B0609020204030204" pitchFamily="49" charset="0"/>
-              </a:rPr>
-              <a:t>);</a:t>
-            </a:r>
-          </a:p>
-          <a:p>
-            <a:r>
-              <a:rPr lang="en-US" altLang="ko-KR" b="0" dirty="0">
-                <a:solidFill>
-                  <a:srgbClr val="000000"/>
-                </a:solidFill>
-                <a:effectLst/>
-                <a:latin typeface="Consolas" panose="020B0609020204030204" pitchFamily="49" charset="0"/>
-              </a:rPr>
-              <a:t>  </a:t>
-            </a:r>
-            <a:r>
-              <a:rPr lang="en-US" altLang="ko-KR" b="0" dirty="0">
-                <a:solidFill>
-                  <a:srgbClr val="0000FF"/>
-                </a:solidFill>
-                <a:effectLst/>
-                <a:latin typeface="Consolas" panose="020B0609020204030204" pitchFamily="49" charset="0"/>
-              </a:rPr>
-              <a:t>return</a:t>
-            </a:r>
-            <a:r>
-              <a:rPr lang="en-US" altLang="ko-KR" b="0" dirty="0">
-                <a:solidFill>
-                  <a:srgbClr val="000000"/>
-                </a:solidFill>
-                <a:effectLst/>
-                <a:latin typeface="Consolas" panose="020B0609020204030204" pitchFamily="49" charset="0"/>
-              </a:rPr>
-              <a:t> msg;</a:t>
-            </a:r>
-          </a:p>
-          <a:p>
-            <a:r>
-              <a:rPr lang="en-US" altLang="ko-KR" b="0" dirty="0">
-                <a:solidFill>
-                  <a:srgbClr val="000000"/>
-                </a:solidFill>
-                <a:effectLst/>
-                <a:latin typeface="Consolas" panose="020B0609020204030204" pitchFamily="49" charset="0"/>
-              </a:rPr>
-              <a:t>}</a:t>
-            </a:r>
-            <a:br>
-              <a:rPr lang="en-US" altLang="ko-KR" b="0" dirty="0">
-                <a:solidFill>
-                  <a:srgbClr val="000000"/>
-                </a:solidFill>
-                <a:effectLst/>
-                <a:latin typeface="Consolas" panose="020B0609020204030204" pitchFamily="49" charset="0"/>
-              </a:rPr>
-            </a:br>
-            <a:r>
-              <a:rPr lang="en-US" altLang="ko-KR" b="0" dirty="0">
-                <a:solidFill>
-                  <a:srgbClr val="000000"/>
-                </a:solidFill>
-                <a:effectLst/>
-                <a:latin typeface="Consolas" panose="020B0609020204030204" pitchFamily="49" charset="0"/>
-              </a:rPr>
-              <a:t>console.log(echo&lt;string&gt;(</a:t>
-            </a:r>
-            <a:r>
-              <a:rPr lang="en-US" altLang="ko-KR" b="0" dirty="0">
-                <a:solidFill>
-                  <a:srgbClr val="A31515"/>
-                </a:solidFill>
-                <a:effectLst/>
-                <a:latin typeface="Consolas" panose="020B0609020204030204" pitchFamily="49" charset="0"/>
-              </a:rPr>
-              <a:t>'hello'</a:t>
-            </a:r>
-            <a:r>
-              <a:rPr lang="en-US" altLang="ko-KR" b="0" dirty="0">
+              <a:t>'world'</a:t>
+            </a:r>
+            <a:r>
+              <a:rPr lang="en-US" altLang="ko-KR" b="0">
                 <a:solidFill>
                   <a:srgbClr val="000000"/>
                 </a:solidFill>
@@ -23226,98 +22964,27 @@
           </a:p>
           <a:p>
             <a:r>
-              <a:rPr lang="en-US" altLang="ko-KR" b="0" dirty="0">
-                <a:solidFill>
-                  <a:srgbClr val="000000"/>
-                </a:solidFill>
-                <a:effectLst/>
-                <a:latin typeface="Consolas" panose="020B0609020204030204" pitchFamily="49" charset="0"/>
-              </a:rPr>
-              <a:t>console.log(echo&lt;number&gt;(</a:t>
-            </a:r>
-            <a:r>
-              <a:rPr lang="en-US" altLang="ko-KR" b="0" dirty="0">
+              <a:rPr lang="en-US" altLang="ko-KR" b="0">
+                <a:solidFill>
+                  <a:srgbClr val="000000"/>
+                </a:solidFill>
+                <a:effectLst/>
+                <a:latin typeface="Consolas" panose="020B0609020204030204" pitchFamily="49" charset="0"/>
+              </a:rPr>
+              <a:t>console.log(echo2&lt;number[]&gt;([</a:t>
+            </a:r>
+            <a:r>
+              <a:rPr lang="en-US" altLang="ko-KR" b="0">
                 <a:solidFill>
                   <a:srgbClr val="098658"/>
                 </a:solidFill>
                 <a:effectLst/>
                 <a:latin typeface="Consolas" panose="020B0609020204030204" pitchFamily="49" charset="0"/>
               </a:rPr>
-              <a:t>100</a:t>
-            </a:r>
-            <a:r>
-              <a:rPr lang="en-US" altLang="ko-KR" b="0" dirty="0">
-                <a:solidFill>
-                  <a:srgbClr val="000000"/>
-                </a:solidFill>
-                <a:effectLst/>
-                <a:latin typeface="Consolas" panose="020B0609020204030204" pitchFamily="49" charset="0"/>
-              </a:rPr>
-              <a:t>));</a:t>
-            </a:r>
-            <a:br>
-              <a:rPr lang="en-US" altLang="ko-KR" b="0" dirty="0">
-                <a:solidFill>
-                  <a:srgbClr val="000000"/>
-                </a:solidFill>
-                <a:effectLst/>
-                <a:latin typeface="Consolas" panose="020B0609020204030204" pitchFamily="49" charset="0"/>
-              </a:rPr>
-            </a:br>
-            <a:r>
-              <a:rPr lang="en-US" altLang="ko-KR" b="0" dirty="0">
-                <a:solidFill>
-                  <a:srgbClr val="000000"/>
-                </a:solidFill>
-                <a:effectLst/>
-                <a:latin typeface="Consolas" panose="020B0609020204030204" pitchFamily="49" charset="0"/>
-              </a:rPr>
-              <a:t>console.log(echo2&lt;string&gt;(</a:t>
-            </a:r>
-            <a:r>
-              <a:rPr lang="en-US" altLang="ko-KR" b="0" dirty="0">
-                <a:solidFill>
-                  <a:srgbClr val="A31515"/>
-                </a:solidFill>
-                <a:effectLst/>
-                <a:latin typeface="Consolas" panose="020B0609020204030204" pitchFamily="49" charset="0"/>
-              </a:rPr>
-              <a:t>'world'</a:t>
-            </a:r>
-            <a:r>
-              <a:rPr lang="en-US" altLang="ko-KR" b="0" dirty="0">
-                <a:solidFill>
-                  <a:srgbClr val="000000"/>
-                </a:solidFill>
-                <a:effectLst/>
-                <a:latin typeface="Consolas" panose="020B0609020204030204" pitchFamily="49" charset="0"/>
-              </a:rPr>
-              <a:t>));</a:t>
-            </a:r>
-          </a:p>
-          <a:p>
-            <a:r>
-              <a:rPr lang="en-US" altLang="ko-KR" b="0" dirty="0">
-                <a:solidFill>
-                  <a:srgbClr val="000000"/>
-                </a:solidFill>
-                <a:effectLst/>
-                <a:latin typeface="Consolas" panose="020B0609020204030204" pitchFamily="49" charset="0"/>
-              </a:rPr>
-              <a:t>console.log(echo2&lt;number[]&gt;([</a:t>
-            </a:r>
-            <a:r>
-              <a:rPr lang="en-US" altLang="ko-KR" b="0" dirty="0">
-                <a:solidFill>
-                  <a:srgbClr val="098658"/>
-                </a:solidFill>
-                <a:effectLst/>
-                <a:latin typeface="Consolas" panose="020B0609020204030204" pitchFamily="49" charset="0"/>
-              </a:rPr>
               <a:t>200, 300</a:t>
             </a:r>
             <a:r>
-              <a:rPr lang="en-US" altLang="ko-KR" b="0" dirty="0">
+              <a:rPr lang="en-US" altLang="ko-KR" b="0">
                 <a:solidFill>
                   <a:srgbClr val="000000"/>
                 </a:solidFill>
@@ -23507,14 +23174,14 @@
               <a:buChar char="▶"/>
             </a:pPr>
             <a:r>
-              <a:rPr lang="en-US" altLang="ko-KR" sz="2000" dirty="0">
+              <a:rPr lang="en-US" altLang="ko-KR" sz="2000">
                 <a:latin typeface="Noto Sans CJK KR Regular" panose="020B0500000000000000" pitchFamily="34" charset="-127"/>
                 <a:ea typeface="Noto Sans CJK KR Regular" panose="020B0500000000000000" pitchFamily="34" charset="-127"/>
               </a:rPr>
               <a:t> </a:t>
             </a:r>
             <a:r>
-              <a:rPr lang="ko-KR" altLang="en-US" sz="2000" dirty="0">
+              <a:rPr lang="ko-KR" altLang="en-US" sz="2000">
                 <a:latin typeface="Noto Sans CJK KR Regular" panose="020B0500000000000000" pitchFamily="34" charset="-127"/>
                 <a:ea typeface="Noto Sans CJK KR Regular" panose="020B0500000000000000" pitchFamily="34" charset="-127"/>
               </a:rPr>
@@ -23531,41 +23198,41 @@
               <a:buChar char="•"/>
             </a:pPr>
             <a:r>
-              <a:rPr lang="ko-KR" altLang="en-US" b="0" dirty="0">
+              <a:rPr lang="ko-KR" altLang="en-US" b="0">
                 <a:latin typeface="Noto Sans CJK KR Regular" panose="020B0500000000000000" pitchFamily="34" charset="-127"/>
                 <a:ea typeface="Noto Sans CJK KR Regular" panose="020B0500000000000000" pitchFamily="34" charset="-127"/>
               </a:rPr>
               <a:t> 함수</a:t>
             </a:r>
             <a:r>
-              <a:rPr lang="en-US" altLang="ko-KR" b="0" dirty="0">
+              <a:rPr lang="en-US" altLang="ko-KR" b="0">
                 <a:latin typeface="Noto Sans CJK KR Regular" panose="020B0500000000000000" pitchFamily="34" charset="-127"/>
                 <a:ea typeface="Noto Sans CJK KR Regular" panose="020B0500000000000000" pitchFamily="34" charset="-127"/>
               </a:rPr>
               <a:t>, </a:t>
             </a:r>
             <a:r>
-              <a:rPr lang="ko-KR" altLang="en-US" b="0" dirty="0">
+              <a:rPr lang="ko-KR" altLang="en-US" b="0">
                 <a:latin typeface="Noto Sans CJK KR Regular" panose="020B0500000000000000" pitchFamily="34" charset="-127"/>
                 <a:ea typeface="Noto Sans CJK KR Regular" panose="020B0500000000000000" pitchFamily="34" charset="-127"/>
               </a:rPr>
               <a:t>인터페이스</a:t>
             </a:r>
             <a:r>
-              <a:rPr lang="en-US" altLang="ko-KR" b="0" dirty="0">
+              <a:rPr lang="en-US" altLang="ko-KR" b="0">
                 <a:latin typeface="Noto Sans CJK KR Regular" panose="020B0500000000000000" pitchFamily="34" charset="-127"/>
                 <a:ea typeface="Noto Sans CJK KR Regular" panose="020B0500000000000000" pitchFamily="34" charset="-127"/>
               </a:rPr>
               <a:t>, </a:t>
             </a:r>
             <a:r>
-              <a:rPr lang="ko-KR" altLang="en-US" b="0" dirty="0">
+              <a:rPr lang="ko-KR" altLang="en-US" b="0">
                 <a:latin typeface="Noto Sans CJK KR Regular" panose="020B0500000000000000" pitchFamily="34" charset="-127"/>
                 <a:ea typeface="Noto Sans CJK KR Regular" panose="020B0500000000000000" pitchFamily="34" charset="-127"/>
               </a:rPr>
               <a:t>클래스 정의에 사용</a:t>
             </a:r>
-            <a:endParaRPr lang="en-US" altLang="ko-KR" dirty="0">
+            <a:endParaRPr lang="en-US" altLang="ko-KR">
               <a:latin typeface="Noto Sans CJK KR Regular" panose="020B0500000000000000" pitchFamily="34" charset="-127"/>
               <a:ea typeface="Noto Sans CJK KR Regular" panose="020B0500000000000000" pitchFamily="34" charset="-127"/>
             </a:endParaRPr>
@@ -25478,21 +25145,21 @@
               <a:buChar char="▶"/>
             </a:pPr>
             <a:r>
-              <a:rPr lang="en-US" altLang="ko-KR" sz="2000" dirty="0">
+              <a:rPr lang="en-US" altLang="ko-KR" sz="2000">
                 <a:latin typeface="Noto Sans CJK KR Regular" panose="020B0500000000000000" pitchFamily="34" charset="-127"/>
                 <a:ea typeface="Noto Sans CJK KR Regular" panose="020B0500000000000000" pitchFamily="34" charset="-127"/>
               </a:rPr>
               <a:t> </a:t>
             </a:r>
             <a:r>
-              <a:rPr lang="ko-KR" altLang="en-US" sz="2000" dirty="0">
+              <a:rPr lang="ko-KR" altLang="en-US" sz="2000">
                 <a:latin typeface="Noto Sans CJK KR Regular" panose="020B0500000000000000" pitchFamily="34" charset="-127"/>
                 <a:ea typeface="Noto Sans CJK KR Regular" panose="020B0500000000000000" pitchFamily="34" charset="-127"/>
               </a:rPr>
               <a:t>타입 추론이란</a:t>
             </a:r>
             <a:r>
-              <a:rPr lang="en-US" altLang="ko-KR" sz="2000" dirty="0">
+              <a:rPr lang="en-US" altLang="ko-KR" sz="2000">
                 <a:latin typeface="Noto Sans CJK KR Regular" panose="020B0500000000000000" pitchFamily="34" charset="-127"/>
                 <a:ea typeface="Noto Sans CJK KR Regular" panose="020B0500000000000000" pitchFamily="34" charset="-127"/>
               </a:rPr>
@@ -25509,21 +25176,21 @@
               <a:buChar char="•"/>
             </a:pPr>
             <a:r>
-              <a:rPr lang="en-US" altLang="ko-KR" b="0" dirty="0">
+              <a:rPr lang="en-US" altLang="ko-KR" b="0">
                 <a:latin typeface="Noto Sans CJK KR Regular" panose="020B0500000000000000" pitchFamily="34" charset="-127"/>
                 <a:ea typeface="Noto Sans CJK KR Regular" panose="020B0500000000000000" pitchFamily="34" charset="-127"/>
               </a:rPr>
               <a:t> </a:t>
             </a:r>
             <a:r>
-              <a:rPr lang="ko-KR" altLang="en-US" b="0" dirty="0">
+              <a:rPr lang="ko-KR" altLang="en-US" b="0">
                 <a:latin typeface="Noto Sans CJK KR Regular" panose="020B0500000000000000" pitchFamily="34" charset="-127"/>
                 <a:ea typeface="Noto Sans CJK KR Regular" panose="020B0500000000000000" pitchFamily="34" charset="-127"/>
               </a:rPr>
               <a:t>명시적으로 타입을 지정하지 않아도 타입스크립트가 코드를 해석해서 적절한 </a:t>
             </a:r>
             <a:r>
-              <a:rPr lang="ko-KR" altLang="en-US" b="0" dirty="0">
+              <a:rPr lang="ko-KR" altLang="en-US" b="0">
                 <a:solidFill>
                   <a:srgbClr val="FF9E1B"/>
                 </a:solidFill>
@@ -25532,7 +25199,7 @@
               </a:rPr>
               <a:t>타입을 자동으로 정의</a:t>
             </a:r>
-            <a:endParaRPr lang="en-US" altLang="ko-KR" b="0" dirty="0">
+            <a:endParaRPr lang="en-US" altLang="ko-KR" b="0">
               <a:solidFill>
                 <a:srgbClr val="FF9E1B"/>
               </a:solidFill>
@@ -25542,7 +25209,7 @@
           </a:p>
           <a:p>
             <a:pPr lvl="1"/>
-            <a:endParaRPr lang="en-US" altLang="ko-KR" b="0" dirty="0">
+            <a:endParaRPr lang="en-US" altLang="ko-KR" b="0">
               <a:latin typeface="Noto Sans CJK KR Regular" panose="020B0500000000000000" pitchFamily="34" charset="-127"/>
               <a:ea typeface="Noto Sans CJK KR Regular" panose="020B0500000000000000" pitchFamily="34" charset="-127"/>
             </a:endParaRPr>
@@ -25553,20 +25220,20 @@
               <a:buChar char="▶"/>
             </a:pPr>
             <a:r>
-              <a:rPr lang="en-US" altLang="ko-KR" sz="2000" dirty="0">
+              <a:rPr lang="en-US" altLang="ko-KR" sz="2000">
                 <a:latin typeface="Noto Sans CJK KR Regular" panose="020B0500000000000000" pitchFamily="34" charset="-127"/>
                 <a:ea typeface="Noto Sans CJK KR Regular" panose="020B0500000000000000" pitchFamily="34" charset="-127"/>
               </a:rPr>
               <a:t> </a:t>
             </a:r>
             <a:r>
-              <a:rPr lang="ko-KR" altLang="en-US" sz="2000" dirty="0">
+              <a:rPr lang="ko-KR" altLang="en-US" sz="2000">
                 <a:latin typeface="Noto Sans CJK KR Regular" panose="020B0500000000000000" pitchFamily="34" charset="-127"/>
                 <a:ea typeface="Noto Sans CJK KR Regular" panose="020B0500000000000000" pitchFamily="34" charset="-127"/>
               </a:rPr>
               <a:t>변수의 타입 추론</a:t>
             </a:r>
-            <a:endParaRPr lang="ko-KR" altLang="en-US" b="0" dirty="0">
+            <a:endParaRPr lang="ko-KR" altLang="en-US" b="0">
               <a:latin typeface="Noto Sans CJK KR Regular" panose="020B0500000000000000" pitchFamily="34" charset="-127"/>
               <a:ea typeface="Noto Sans CJK KR Regular" panose="020B0500000000000000" pitchFamily="34" charset="-127"/>
             </a:endParaRPr>
@@ -25577,21 +25244,21 @@
               <a:buChar char="•"/>
             </a:pPr>
             <a:r>
-              <a:rPr lang="en-US" altLang="ko-KR" b="0" dirty="0">
+              <a:rPr lang="en-US" altLang="ko-KR" b="0">
                 <a:latin typeface="Noto Sans CJK KR Regular" panose="020B0500000000000000" pitchFamily="34" charset="-127"/>
                 <a:ea typeface="Noto Sans CJK KR Regular" panose="020B0500000000000000" pitchFamily="34" charset="-127"/>
               </a:rPr>
               <a:t> </a:t>
             </a:r>
             <a:r>
-              <a:rPr lang="ko-KR" altLang="en-US" b="0" dirty="0">
+              <a:rPr lang="ko-KR" altLang="en-US" b="0">
                 <a:latin typeface="Noto Sans CJK KR Regular" panose="020B0500000000000000" pitchFamily="34" charset="-127"/>
                 <a:ea typeface="Noto Sans CJK KR Regular" panose="020B0500000000000000" pitchFamily="34" charset="-127"/>
               </a:rPr>
               <a:t>할당된 </a:t>
             </a:r>
             <a:r>
-              <a:rPr lang="ko-KR" altLang="en-US" b="0" dirty="0">
+              <a:rPr lang="ko-KR" altLang="en-US" b="0">
                 <a:solidFill>
                   <a:srgbClr val="FF9E1B"/>
                 </a:solidFill>
@@ -25601,13 +25268,13 @@
               <a:t>값과 일치</a:t>
             </a:r>
             <a:r>
-              <a:rPr lang="ko-KR" altLang="en-US" b="0" dirty="0">
+              <a:rPr lang="ko-KR" altLang="en-US" b="0">
                 <a:latin typeface="Noto Sans CJK KR Regular" panose="020B0500000000000000" pitchFamily="34" charset="-127"/>
                 <a:ea typeface="Noto Sans CJK KR Regular" panose="020B0500000000000000" pitchFamily="34" charset="-127"/>
               </a:rPr>
               <a:t>하는 타입</a:t>
             </a:r>
-            <a:endParaRPr lang="en-US" altLang="ko-KR" b="0" dirty="0">
+            <a:endParaRPr lang="en-US" altLang="ko-KR" b="0">
               <a:latin typeface="Noto Sans CJK KR Regular" panose="020B0500000000000000" pitchFamily="34" charset="-127"/>
               <a:ea typeface="Noto Sans CJK KR Regular" panose="020B0500000000000000" pitchFamily="34" charset="-127"/>
             </a:endParaRPr>
@@ -25618,21 +25285,21 @@
               <a:buChar char="•"/>
             </a:pPr>
             <a:r>
-              <a:rPr lang="en-US" altLang="ko-KR" dirty="0">
+              <a:rPr lang="en-US" altLang="ko-KR">
                 <a:latin typeface="Noto Sans CJK KR Regular" panose="020B0500000000000000" pitchFamily="34" charset="-127"/>
                 <a:ea typeface="Noto Sans CJK KR Regular" panose="020B0500000000000000" pitchFamily="34" charset="-127"/>
               </a:rPr>
               <a:t> </a:t>
             </a:r>
             <a:r>
-              <a:rPr lang="ko-KR" altLang="en-US" dirty="0">
+              <a:rPr lang="ko-KR" altLang="en-US">
                 <a:latin typeface="Noto Sans CJK KR Regular" panose="020B0500000000000000" pitchFamily="34" charset="-127"/>
                 <a:ea typeface="Noto Sans CJK KR Regular" panose="020B0500000000000000" pitchFamily="34" charset="-127"/>
               </a:rPr>
               <a:t>선언만 된 상태라면 </a:t>
             </a:r>
             <a:r>
-              <a:rPr lang="en-US" altLang="ko-KR" dirty="0">
+              <a:rPr lang="en-US" altLang="ko-KR">
                 <a:solidFill>
                   <a:srgbClr val="FF9E1B"/>
                 </a:solidFill>
@@ -25642,20 +25309,20 @@
               <a:t>any</a:t>
             </a:r>
             <a:r>
-              <a:rPr lang="en-US" altLang="ko-KR" dirty="0">
+              <a:rPr lang="en-US" altLang="ko-KR">
                 <a:latin typeface="Noto Sans CJK KR Regular" panose="020B0500000000000000" pitchFamily="34" charset="-127"/>
                 <a:ea typeface="Noto Sans CJK KR Regular" panose="020B0500000000000000" pitchFamily="34" charset="-127"/>
               </a:rPr>
               <a:t> </a:t>
             </a:r>
             <a:r>
-              <a:rPr lang="ko-KR" altLang="en-US" dirty="0">
+              <a:rPr lang="ko-KR" altLang="en-US">
                 <a:latin typeface="Noto Sans CJK KR Regular" panose="020B0500000000000000" pitchFamily="34" charset="-127"/>
                 <a:ea typeface="Noto Sans CJK KR Regular" panose="020B0500000000000000" pitchFamily="34" charset="-127"/>
               </a:rPr>
               <a:t>타입</a:t>
             </a:r>
-            <a:endParaRPr lang="en-US" altLang="ko-KR" dirty="0">
+            <a:endParaRPr lang="en-US" altLang="ko-KR">
               <a:latin typeface="Noto Sans CJK KR Regular" panose="020B0500000000000000" pitchFamily="34" charset="-127"/>
               <a:ea typeface="Noto Sans CJK KR Regular" panose="020B0500000000000000" pitchFamily="34" charset="-127"/>
             </a:endParaRPr>
@@ -25666,34 +25333,34 @@
               <a:buChar char="•"/>
             </a:pPr>
             <a:r>
-              <a:rPr lang="en-US" altLang="ko-KR" dirty="0">
+              <a:rPr lang="en-US" altLang="ko-KR">
                 <a:latin typeface="Noto Sans CJK KR Regular" panose="020B0500000000000000" pitchFamily="34" charset="-127"/>
                 <a:ea typeface="Noto Sans CJK KR Regular" panose="020B0500000000000000" pitchFamily="34" charset="-127"/>
               </a:rPr>
               <a:t> any </a:t>
             </a:r>
             <a:r>
-              <a:rPr lang="ko-KR" altLang="en-US" dirty="0">
+              <a:rPr lang="ko-KR" altLang="en-US">
                 <a:latin typeface="Noto Sans CJK KR Regular" panose="020B0500000000000000" pitchFamily="34" charset="-127"/>
                 <a:ea typeface="Noto Sans CJK KR Regular" panose="020B0500000000000000" pitchFamily="34" charset="-127"/>
               </a:rPr>
               <a:t>타입으로 추론된 이후에 값을 할당해도 타입은 변경되지 않고 여전히 </a:t>
             </a:r>
             <a:r>
-              <a:rPr lang="en-US" altLang="ko-KR" dirty="0">
+              <a:rPr lang="en-US" altLang="ko-KR">
                 <a:latin typeface="Noto Sans CJK KR Regular" panose="020B0500000000000000" pitchFamily="34" charset="-127"/>
                 <a:ea typeface="Noto Sans CJK KR Regular" panose="020B0500000000000000" pitchFamily="34" charset="-127"/>
               </a:rPr>
               <a:t>any </a:t>
             </a:r>
             <a:r>
-              <a:rPr lang="ko-KR" altLang="en-US" dirty="0">
+              <a:rPr lang="ko-KR" altLang="en-US">
                 <a:latin typeface="Noto Sans CJK KR Regular" panose="020B0500000000000000" pitchFamily="34" charset="-127"/>
                 <a:ea typeface="Noto Sans CJK KR Regular" panose="020B0500000000000000" pitchFamily="34" charset="-127"/>
               </a:rPr>
               <a:t>타입</a:t>
             </a:r>
-            <a:endParaRPr lang="en-US" altLang="ko-KR" dirty="0">
+            <a:endParaRPr lang="en-US" altLang="ko-KR">
               <a:latin typeface="Noto Sans CJK KR Regular" panose="020B0500000000000000" pitchFamily="34" charset="-127"/>
               <a:ea typeface="Noto Sans CJK KR Regular" panose="020B0500000000000000" pitchFamily="34" charset="-127"/>
             </a:endParaRPr>
@@ -25704,14 +25371,14 @@
               <a:buChar char="•"/>
             </a:pPr>
             <a:r>
-              <a:rPr lang="en-US" altLang="ko-KR" dirty="0">
+              <a:rPr lang="en-US" altLang="ko-KR">
                 <a:latin typeface="Noto Sans CJK KR Regular" panose="020B0500000000000000" pitchFamily="34" charset="-127"/>
                 <a:ea typeface="Noto Sans CJK KR Regular" panose="020B0500000000000000" pitchFamily="34" charset="-127"/>
               </a:rPr>
               <a:t> </a:t>
             </a:r>
             <a:r>
-              <a:rPr lang="ko-KR" altLang="en-US" dirty="0">
+              <a:rPr lang="ko-KR" altLang="en-US">
                 <a:latin typeface="Noto Sans CJK KR Regular" panose="020B0500000000000000" pitchFamily="34" charset="-127"/>
                 <a:ea typeface="Noto Sans CJK KR Regular" panose="020B0500000000000000" pitchFamily="34" charset="-127"/>
               </a:rPr>
@@ -25843,7 +25510,7 @@
           <a:lstStyle/>
           <a:p>
             <a:r>
-              <a:rPr lang="en-US" altLang="ko-KR" b="0" dirty="0">
+              <a:rPr lang="en-US" altLang="ko-KR" b="0">
                 <a:solidFill>
                   <a:srgbClr val="3B3B3B"/>
                 </a:solidFill>
@@ -25853,7 +25520,7 @@
               <a:t>  </a:t>
             </a:r>
             <a:r>
-              <a:rPr lang="en-US" altLang="ko-KR" b="0" dirty="0">
+              <a:rPr lang="en-US" altLang="ko-KR" b="0">
                 <a:solidFill>
                   <a:srgbClr val="0000FF"/>
                 </a:solidFill>
@@ -25863,7 +25530,7 @@
               <a:t>let</a:t>
             </a:r>
             <a:r>
-              <a:rPr lang="en-US" altLang="ko-KR" b="0" dirty="0">
+              <a:rPr lang="en-US" altLang="ko-KR" b="0">
                 <a:solidFill>
                   <a:srgbClr val="3B3B3B"/>
                 </a:solidFill>
@@ -25873,7 +25540,7 @@
               <a:t> </a:t>
             </a:r>
             <a:r>
-              <a:rPr lang="en-US" altLang="ko-KR" b="0" dirty="0">
+              <a:rPr lang="en-US" altLang="ko-KR" b="0">
                 <a:solidFill>
                   <a:srgbClr val="001080"/>
                 </a:solidFill>
@@ -25883,7 +25550,7 @@
               <a:t>name</a:t>
             </a:r>
             <a:r>
-              <a:rPr lang="en-US" altLang="ko-KR" b="0" dirty="0">
+              <a:rPr lang="en-US" altLang="ko-KR" b="0">
                 <a:solidFill>
                   <a:srgbClr val="3B3B3B"/>
                 </a:solidFill>
@@ -25893,7 +25560,7 @@
               <a:t> </a:t>
             </a:r>
             <a:r>
-              <a:rPr lang="en-US" altLang="ko-KR" b="0" dirty="0">
+              <a:rPr lang="en-US" altLang="ko-KR" b="0">
                 <a:solidFill>
                   <a:srgbClr val="000000"/>
                 </a:solidFill>
@@ -25903,7 +25570,7 @@
               <a:t>=</a:t>
             </a:r>
             <a:r>
-              <a:rPr lang="en-US" altLang="ko-KR" b="0" dirty="0">
+              <a:rPr lang="en-US" altLang="ko-KR" b="0">
                 <a:solidFill>
                   <a:srgbClr val="3B3B3B"/>
                 </a:solidFill>
@@ -25913,7 +25580,7 @@
               <a:t> </a:t>
             </a:r>
             <a:r>
-              <a:rPr lang="en-US" altLang="ko-KR" b="0" dirty="0">
+              <a:rPr lang="en-US" altLang="ko-KR" b="0">
                 <a:solidFill>
                   <a:srgbClr val="A31515"/>
                 </a:solidFill>
@@ -25923,7 +25590,7 @@
               <a:t>'</a:t>
             </a:r>
             <a:r>
-              <a:rPr lang="ko-KR" altLang="en-US" b="0" dirty="0" err="1">
+              <a:rPr lang="ko-KR" altLang="en-US" b="0">
                 <a:solidFill>
                   <a:srgbClr val="A31515"/>
                 </a:solidFill>
@@ -25933,7 +25600,7 @@
               <a:t>이일구</a:t>
             </a:r>
             <a:r>
-              <a:rPr lang="en-US" altLang="ko-KR" b="0" dirty="0">
+              <a:rPr lang="en-US" altLang="ko-KR" b="0">
                 <a:solidFill>
                   <a:srgbClr val="A31515"/>
                 </a:solidFill>
@@ -25943,7 +25610,7 @@
               <a:t>'</a:t>
             </a:r>
             <a:r>
-              <a:rPr lang="en-US" altLang="ko-KR" b="0" dirty="0">
+              <a:rPr lang="en-US" altLang="ko-KR" b="0">
                 <a:solidFill>
                   <a:srgbClr val="3B3B3B"/>
                 </a:solidFill>
@@ -25953,7 +25620,7 @@
               <a:t>; </a:t>
             </a:r>
             <a:r>
-              <a:rPr lang="en-US" altLang="ko-KR" b="0" dirty="0">
+              <a:rPr lang="en-US" altLang="ko-KR" b="0">
                 <a:solidFill>
                   <a:srgbClr val="008000"/>
                 </a:solidFill>
@@ -25963,7 +25630,7 @@
               <a:t>// string</a:t>
             </a:r>
             <a:r>
-              <a:rPr lang="ko-KR" altLang="en-US" b="0" dirty="0">
+              <a:rPr lang="ko-KR" altLang="en-US" b="0">
                 <a:solidFill>
                   <a:srgbClr val="008000"/>
                 </a:solidFill>
@@ -25972,7 +25639,7 @@
               </a:rPr>
               <a:t>으로 타입 추론</a:t>
             </a:r>
-            <a:endParaRPr lang="ko-KR" altLang="en-US" b="0" dirty="0">
+            <a:endParaRPr lang="ko-KR" altLang="en-US" b="0">
               <a:solidFill>
                 <a:srgbClr val="3B3B3B"/>
               </a:solidFill>
@@ -25982,7 +25649,7 @@
           </a:p>
           <a:p>
             <a:r>
-              <a:rPr lang="ko-KR" altLang="en-US" b="0" strike="sngStrike" dirty="0">
+              <a:rPr lang="ko-KR" altLang="en-US" b="0" strike="sngStrike">
                 <a:solidFill>
                   <a:srgbClr val="3B3B3B"/>
                 </a:solidFill>
@@ -25992,7 +25659,7 @@
               <a:t>  </a:t>
             </a:r>
             <a:r>
-              <a:rPr lang="en-US" altLang="ko-KR" b="0" strike="sngStrike" dirty="0">
+              <a:rPr lang="en-US" altLang="ko-KR" b="0" strike="sngStrike">
                 <a:solidFill>
                   <a:srgbClr val="001080"/>
                 </a:solidFill>
@@ -26002,7 +25669,7 @@
               <a:t>name</a:t>
             </a:r>
             <a:r>
-              <a:rPr lang="en-US" altLang="ko-KR" b="0" strike="sngStrike" dirty="0">
+              <a:rPr lang="en-US" altLang="ko-KR" b="0" strike="sngStrike">
                 <a:solidFill>
                   <a:srgbClr val="3B3B3B"/>
                 </a:solidFill>
@@ -26012,7 +25679,7 @@
               <a:t> </a:t>
             </a:r>
             <a:r>
-              <a:rPr lang="en-US" altLang="ko-KR" b="0" strike="sngStrike" dirty="0">
+              <a:rPr lang="en-US" altLang="ko-KR" b="0" strike="sngStrike">
                 <a:solidFill>
                   <a:srgbClr val="000000"/>
                 </a:solidFill>
@@ -26022,7 +25689,7 @@
               <a:t>=</a:t>
             </a:r>
             <a:r>
-              <a:rPr lang="en-US" altLang="ko-KR" b="0" strike="sngStrike" dirty="0">
+              <a:rPr lang="en-US" altLang="ko-KR" b="0" strike="sngStrike">
                 <a:solidFill>
                   <a:srgbClr val="3B3B3B"/>
                 </a:solidFill>
@@ -26032,7 +25699,7 @@
               <a:t> </a:t>
             </a:r>
             <a:r>
-              <a:rPr lang="en-US" altLang="ko-KR" b="0" strike="sngStrike" dirty="0">
+              <a:rPr lang="en-US" altLang="ko-KR" b="0" strike="sngStrike">
                 <a:solidFill>
                   <a:srgbClr val="098658"/>
                 </a:solidFill>
@@ -26042,7 +25709,7 @@
               <a:t>219</a:t>
             </a:r>
             <a:r>
-              <a:rPr lang="en-US" altLang="ko-KR" b="0" dirty="0">
+              <a:rPr lang="en-US" altLang="ko-KR" b="0">
                 <a:solidFill>
                   <a:srgbClr val="3B3B3B"/>
                 </a:solidFill>
@@ -26052,7 +25719,7 @@
               <a:t>; </a:t>
             </a:r>
             <a:r>
-              <a:rPr lang="en-US" altLang="ko-KR" b="0" dirty="0">
+              <a:rPr lang="en-US" altLang="ko-KR" b="0">
                 <a:solidFill>
                   <a:srgbClr val="008000"/>
                 </a:solidFill>
@@ -26062,7 +25729,7 @@
               <a:t>// </a:t>
             </a:r>
             <a:r>
-              <a:rPr lang="ko-KR" altLang="en-US" b="0" dirty="0">
+              <a:rPr lang="ko-KR" altLang="en-US" b="0">
                 <a:solidFill>
                   <a:srgbClr val="008000"/>
                 </a:solidFill>
@@ -26071,7 +25738,7 @@
               </a:rPr>
               <a:t>타입 에러</a:t>
             </a:r>
-            <a:endParaRPr lang="ko-KR" altLang="en-US" b="0" dirty="0">
+            <a:endParaRPr lang="ko-KR" altLang="en-US" b="0">
               <a:solidFill>
                 <a:srgbClr val="3B3B3B"/>
               </a:solidFill>
@@ -26081,7 +25748,7 @@
           </a:p>
           <a:p>
             <a:br>
-              <a:rPr lang="ko-KR" altLang="en-US" b="0" dirty="0">
+              <a:rPr lang="ko-KR" altLang="en-US" b="0">
                 <a:solidFill>
                   <a:srgbClr val="3B3B3B"/>
                 </a:solidFill>
@@ -26090,7 +25757,7 @@
               </a:rPr>
             </a:br>
             <a:r>
-              <a:rPr lang="ko-KR" altLang="en-US" b="0" dirty="0">
+              <a:rPr lang="ko-KR" altLang="en-US" b="0">
                 <a:solidFill>
                   <a:srgbClr val="3B3B3B"/>
                 </a:solidFill>
@@ -26100,7 +25767,7 @@
               <a:t>  </a:t>
             </a:r>
             <a:r>
-              <a:rPr lang="en-US" altLang="ko-KR" b="0" dirty="0">
+              <a:rPr lang="en-US" altLang="ko-KR" b="0">
                 <a:solidFill>
                   <a:srgbClr val="0000FF"/>
                 </a:solidFill>
@@ -26110,7 +25777,7 @@
               <a:t>const</a:t>
             </a:r>
             <a:r>
-              <a:rPr lang="en-US" altLang="ko-KR" b="0" dirty="0">
+              <a:rPr lang="en-US" altLang="ko-KR" b="0">
                 <a:solidFill>
                   <a:srgbClr val="3B3B3B"/>
                 </a:solidFill>
@@ -26120,7 +25787,7 @@
               <a:t> </a:t>
             </a:r>
             <a:r>
-              <a:rPr lang="en-US" altLang="ko-KR" b="0" dirty="0">
+              <a:rPr lang="en-US" altLang="ko-KR" b="0">
                 <a:solidFill>
                   <a:srgbClr val="0070C1"/>
                 </a:solidFill>
@@ -26130,7 +25797,7 @@
               <a:t>age</a:t>
             </a:r>
             <a:r>
-              <a:rPr lang="en-US" altLang="ko-KR" b="0" dirty="0">
+              <a:rPr lang="en-US" altLang="ko-KR" b="0">
                 <a:solidFill>
                   <a:srgbClr val="3B3B3B"/>
                 </a:solidFill>
@@ -26140,7 +25807,7 @@
               <a:t> </a:t>
             </a:r>
             <a:r>
-              <a:rPr lang="en-US" altLang="ko-KR" b="0" dirty="0">
+              <a:rPr lang="en-US" altLang="ko-KR" b="0">
                 <a:solidFill>
                   <a:srgbClr val="000000"/>
                 </a:solidFill>
@@ -26150,7 +25817,7 @@
               <a:t>=</a:t>
             </a:r>
             <a:r>
-              <a:rPr lang="en-US" altLang="ko-KR" b="0" dirty="0">
+              <a:rPr lang="en-US" altLang="ko-KR" b="0">
                 <a:solidFill>
                   <a:srgbClr val="3B3B3B"/>
                 </a:solidFill>
@@ -26160,7 +25827,7 @@
               <a:t> </a:t>
             </a:r>
             <a:r>
-              <a:rPr lang="en-US" altLang="ko-KR" b="0" dirty="0">
+              <a:rPr lang="en-US" altLang="ko-KR" b="0">
                 <a:solidFill>
                   <a:srgbClr val="098658"/>
                 </a:solidFill>
@@ -26170,7 +25837,7 @@
               <a:t>20</a:t>
             </a:r>
             <a:r>
-              <a:rPr lang="en-US" altLang="ko-KR" b="0" dirty="0">
+              <a:rPr lang="en-US" altLang="ko-KR" b="0">
                 <a:solidFill>
                   <a:srgbClr val="3B3B3B"/>
                 </a:solidFill>
@@ -26180,7 +25847,7 @@
               <a:t>; </a:t>
             </a:r>
             <a:r>
-              <a:rPr lang="en-US" altLang="ko-KR" b="0" dirty="0">
+              <a:rPr lang="en-US" altLang="ko-KR" b="0">
                 <a:solidFill>
                   <a:srgbClr val="008000"/>
                 </a:solidFill>
@@ -26190,7 +25857,7 @@
               <a:t>// number</a:t>
             </a:r>
             <a:r>
-              <a:rPr lang="ko-KR" altLang="en-US" b="0" dirty="0">
+              <a:rPr lang="ko-KR" altLang="en-US" b="0">
                 <a:solidFill>
                   <a:srgbClr val="008000"/>
                 </a:solidFill>
@@ -26199,7 +25866,7 @@
               </a:rPr>
               <a:t>로 타입 추론</a:t>
             </a:r>
-            <a:endParaRPr lang="ko-KR" altLang="en-US" b="0" dirty="0">
+            <a:endParaRPr lang="ko-KR" altLang="en-US" b="0">
               <a:solidFill>
                 <a:srgbClr val="3B3B3B"/>
               </a:solidFill>
@@ -26209,7 +25876,7 @@
           </a:p>
           <a:p>
             <a:br>
-              <a:rPr lang="ko-KR" altLang="en-US" b="0" dirty="0">
+              <a:rPr lang="ko-KR" altLang="en-US" b="0">
                 <a:solidFill>
                   <a:srgbClr val="3B3B3B"/>
                 </a:solidFill>
@@ -26218,7 +25885,7 @@
               </a:rPr>
             </a:br>
             <a:r>
-              <a:rPr lang="ko-KR" altLang="en-US" b="0" dirty="0">
+              <a:rPr lang="ko-KR" altLang="en-US" b="0">
                 <a:solidFill>
                   <a:srgbClr val="3B3B3B"/>
                 </a:solidFill>
@@ -26228,7 +25895,7 @@
               <a:t>  </a:t>
             </a:r>
             <a:r>
-              <a:rPr lang="en-US" altLang="ko-KR" b="0" dirty="0">
+              <a:rPr lang="en-US" altLang="ko-KR" b="0">
                 <a:solidFill>
                   <a:srgbClr val="0000FF"/>
                 </a:solidFill>
@@ -26238,7 +25905,7 @@
               <a:t>let</a:t>
             </a:r>
             <a:r>
-              <a:rPr lang="en-US" altLang="ko-KR" b="0" dirty="0">
+              <a:rPr lang="en-US" altLang="ko-KR" b="0">
                 <a:solidFill>
                   <a:srgbClr val="3B3B3B"/>
                 </a:solidFill>
@@ -26248,7 +25915,7 @@
               <a:t> </a:t>
             </a:r>
             <a:r>
-              <a:rPr lang="en-US" altLang="ko-KR" b="0" dirty="0">
+              <a:rPr lang="en-US" altLang="ko-KR" b="0">
                 <a:solidFill>
                   <a:srgbClr val="001080"/>
                 </a:solidFill>
@@ -26258,7 +25925,7 @@
               <a:t>name2</a:t>
             </a:r>
             <a:r>
-              <a:rPr lang="en-US" altLang="ko-KR" b="0" dirty="0">
+              <a:rPr lang="en-US" altLang="ko-KR" b="0">
                 <a:solidFill>
                   <a:srgbClr val="3B3B3B"/>
                 </a:solidFill>
@@ -26268,7 +25935,7 @@
               <a:t>; </a:t>
             </a:r>
             <a:r>
-              <a:rPr lang="en-US" altLang="ko-KR" b="0" dirty="0">
+              <a:rPr lang="en-US" altLang="ko-KR" b="0">
                 <a:solidFill>
                   <a:srgbClr val="008000"/>
                 </a:solidFill>
@@ -26278,7 +25945,7 @@
               <a:t>// any</a:t>
             </a:r>
             <a:r>
-              <a:rPr lang="ko-KR" altLang="en-US" b="0" dirty="0">
+              <a:rPr lang="ko-KR" altLang="en-US" b="0">
                 <a:solidFill>
                   <a:srgbClr val="008000"/>
                 </a:solidFill>
@@ -26287,7 +25954,7 @@
               </a:rPr>
               <a:t>로 타입 추론</a:t>
             </a:r>
-            <a:endParaRPr lang="ko-KR" altLang="en-US" b="0" dirty="0">
+            <a:endParaRPr lang="ko-KR" altLang="en-US" b="0">
               <a:solidFill>
                 <a:srgbClr val="3B3B3B"/>
               </a:solidFill>
@@ -26297,7 +25964,7 @@
           </a:p>
           <a:p>
             <a:r>
-              <a:rPr lang="ko-KR" altLang="en-US" b="0" dirty="0">
+              <a:rPr lang="ko-KR" altLang="en-US" b="0">
                 <a:solidFill>
                   <a:srgbClr val="3B3B3B"/>
                 </a:solidFill>
@@ -26307,7 +25974,7 @@
               <a:t>  </a:t>
             </a:r>
             <a:r>
-              <a:rPr lang="en-US" altLang="ko-KR" b="0" dirty="0">
+              <a:rPr lang="en-US" altLang="ko-KR" b="0">
                 <a:solidFill>
                   <a:srgbClr val="001080"/>
                 </a:solidFill>
@@ -26317,7 +25984,7 @@
               <a:t>name2</a:t>
             </a:r>
             <a:r>
-              <a:rPr lang="en-US" altLang="ko-KR" b="0" dirty="0">
+              <a:rPr lang="en-US" altLang="ko-KR" b="0">
                 <a:solidFill>
                   <a:srgbClr val="3B3B3B"/>
                 </a:solidFill>
@@ -26327,7 +25994,7 @@
               <a:t> </a:t>
             </a:r>
             <a:r>
-              <a:rPr lang="en-US" altLang="ko-KR" b="0" dirty="0">
+              <a:rPr lang="en-US" altLang="ko-KR" b="0">
                 <a:solidFill>
                   <a:srgbClr val="000000"/>
                 </a:solidFill>
@@ -26337,7 +26004,7 @@
               <a:t>=</a:t>
             </a:r>
             <a:r>
-              <a:rPr lang="en-US" altLang="ko-KR" b="0" dirty="0">
+              <a:rPr lang="en-US" altLang="ko-KR" b="0">
                 <a:solidFill>
                   <a:srgbClr val="3B3B3B"/>
                 </a:solidFill>
@@ -26347,7 +26014,7 @@
               <a:t> </a:t>
             </a:r>
             <a:r>
-              <a:rPr lang="en-US" altLang="ko-KR" b="0" dirty="0">
+              <a:rPr lang="en-US" altLang="ko-KR" b="0">
                 <a:solidFill>
                   <a:srgbClr val="A31515"/>
                 </a:solidFill>
@@ -26357,7 +26024,7 @@
               <a:t>'</a:t>
             </a:r>
             <a:r>
-              <a:rPr lang="ko-KR" altLang="en-US" b="0" dirty="0" err="1">
+              <a:rPr lang="ko-KR" altLang="en-US" b="0">
                 <a:solidFill>
                   <a:srgbClr val="A31515"/>
                 </a:solidFill>
@@ -26367,7 +26034,7 @@
               <a:t>이일구</a:t>
             </a:r>
             <a:r>
-              <a:rPr lang="en-US" altLang="ko-KR" b="0" dirty="0">
+              <a:rPr lang="en-US" altLang="ko-KR" b="0">
                 <a:solidFill>
                   <a:srgbClr val="A31515"/>
                 </a:solidFill>
@@ -26377,7 +26044,7 @@
               <a:t>'</a:t>
             </a:r>
             <a:r>
-              <a:rPr lang="en-US" altLang="ko-KR" b="0" dirty="0">
+              <a:rPr lang="en-US" altLang="ko-KR" b="0">
                 <a:solidFill>
                   <a:srgbClr val="3B3B3B"/>
                 </a:solidFill>
@@ -26387,7 +26054,7 @@
               <a:t>; </a:t>
             </a:r>
             <a:r>
-              <a:rPr lang="en-US" altLang="ko-KR" b="0" dirty="0">
+              <a:rPr lang="en-US" altLang="ko-KR" b="0">
                 <a:solidFill>
                   <a:srgbClr val="008000"/>
                 </a:solidFill>
@@ -26397,56 +26064,36 @@
               <a:t>// string </a:t>
             </a:r>
             <a:r>
-              <a:rPr lang="ko-KR" altLang="en-US" b="0" dirty="0">
+              <a:rPr lang="ko-KR" altLang="en-US" b="0">
                 <a:solidFill>
                   <a:srgbClr val="008000"/>
                 </a:solidFill>
                 <a:effectLst/>
                 <a:latin typeface="Consolas" panose="020B0609020204030204" pitchFamily="49" charset="0"/>
               </a:rPr>
-              <a:t>타입이 </a:t>
-            </a:r>
-            <a:r>
-              <a:rPr lang="ko-KR" altLang="en-US" b="0" dirty="0" err="1">
+              <a:t>타입이 되는게 아니고 여전히 </a:t>
+            </a:r>
+            <a:r>
+              <a:rPr lang="en-US" altLang="ko-KR" b="0">
                 <a:solidFill>
                   <a:srgbClr val="008000"/>
                 </a:solidFill>
                 <a:effectLst/>
                 <a:latin typeface="Consolas" panose="020B0609020204030204" pitchFamily="49" charset="0"/>
               </a:rPr>
-              <a:t>되는게</a:t>
-            </a:r>
-            <a:r>
-              <a:rPr lang="ko-KR" altLang="en-US" b="0" dirty="0">
+              <a:t>any </a:t>
+            </a:r>
+            <a:r>
+              <a:rPr lang="ko-KR" altLang="en-US" b="0">
                 <a:solidFill>
                   <a:srgbClr val="008000"/>
                 </a:solidFill>
                 <a:effectLst/>
                 <a:latin typeface="Consolas" panose="020B0609020204030204" pitchFamily="49" charset="0"/>
               </a:rPr>
-              <a:t> 아니고 여전히 </a:t>
-            </a:r>
-            <a:r>
-              <a:rPr lang="en-US" altLang="ko-KR" b="0" dirty="0">
-                <a:solidFill>
-                  <a:srgbClr val="008000"/>
-                </a:solidFill>
-                <a:effectLst/>
-                <a:latin typeface="Consolas" panose="020B0609020204030204" pitchFamily="49" charset="0"/>
-              </a:rPr>
-              <a:t>any </a:t>
-            </a:r>
-            <a:r>
-              <a:rPr lang="ko-KR" altLang="en-US" b="0" dirty="0">
-                <a:solidFill>
-                  <a:srgbClr val="008000"/>
-                </a:solidFill>
-                <a:effectLst/>
-                <a:latin typeface="Consolas" panose="020B0609020204030204" pitchFamily="49" charset="0"/>
-              </a:rPr>
               <a:t>타입</a:t>
             </a:r>
-            <a:endParaRPr lang="ko-KR" altLang="en-US" b="0" dirty="0">
+            <a:endParaRPr lang="ko-KR" altLang="en-US" b="0">
               <a:solidFill>
                 <a:srgbClr val="3B3B3B"/>
               </a:solidFill>
@@ -26456,7 +26103,7 @@
           </a:p>
           <a:p>
             <a:r>
-              <a:rPr lang="ko-KR" altLang="en-US" b="0" dirty="0">
+              <a:rPr lang="ko-KR" altLang="en-US" b="0">
                 <a:solidFill>
                   <a:srgbClr val="3B3B3B"/>
                 </a:solidFill>
@@ -26466,7 +26113,7 @@
               <a:t>  </a:t>
             </a:r>
             <a:r>
-              <a:rPr lang="en-US" altLang="ko-KR" b="0" dirty="0">
+              <a:rPr lang="en-US" altLang="ko-KR" b="0">
                 <a:solidFill>
                   <a:srgbClr val="001080"/>
                 </a:solidFill>
@@ -26476,7 +26123,7 @@
               <a:t>name2</a:t>
             </a:r>
             <a:r>
-              <a:rPr lang="en-US" altLang="ko-KR" b="0" dirty="0">
+              <a:rPr lang="en-US" altLang="ko-KR" b="0">
                 <a:solidFill>
                   <a:srgbClr val="3B3B3B"/>
                 </a:solidFill>
@@ -26486,7 +26133,7 @@
               <a:t> </a:t>
             </a:r>
             <a:r>
-              <a:rPr lang="en-US" altLang="ko-KR" b="0" dirty="0">
+              <a:rPr lang="en-US" altLang="ko-KR" b="0">
                 <a:solidFill>
                   <a:srgbClr val="000000"/>
                 </a:solidFill>
@@ -26496,7 +26143,7 @@
               <a:t>=</a:t>
             </a:r>
             <a:r>
-              <a:rPr lang="en-US" altLang="ko-KR" b="0" dirty="0">
+              <a:rPr lang="en-US" altLang="ko-KR" b="0">
                 <a:solidFill>
                   <a:srgbClr val="3B3B3B"/>
                 </a:solidFill>
@@ -26506,7 +26153,7 @@
               <a:t> </a:t>
             </a:r>
             <a:r>
-              <a:rPr lang="en-US" altLang="ko-KR" b="0" dirty="0">
+              <a:rPr lang="en-US" altLang="ko-KR" b="0">
                 <a:solidFill>
                   <a:srgbClr val="098658"/>
                 </a:solidFill>
@@ -26516,7 +26163,7 @@
               <a:t>219</a:t>
             </a:r>
             <a:r>
-              <a:rPr lang="en-US" altLang="ko-KR" b="0" dirty="0">
+              <a:rPr lang="en-US" altLang="ko-KR" b="0">
                 <a:solidFill>
                   <a:srgbClr val="3B3B3B"/>
                 </a:solidFill>
@@ -26735,20 +26382,20 @@
               <a:buChar char="▶"/>
             </a:pPr>
             <a:r>
-              <a:rPr lang="en-US" altLang="ko-KR" sz="2000" dirty="0">
+              <a:rPr lang="en-US" altLang="ko-KR" sz="2000">
                 <a:latin typeface="Noto Sans CJK KR Regular" panose="020B0500000000000000" pitchFamily="34" charset="-127"/>
                 <a:ea typeface="Noto Sans CJK KR Regular" panose="020B0500000000000000" pitchFamily="34" charset="-127"/>
               </a:rPr>
               <a:t> </a:t>
             </a:r>
             <a:r>
-              <a:rPr lang="ko-KR" altLang="en-US" sz="2000" dirty="0">
+              <a:rPr lang="ko-KR" altLang="en-US" sz="2000">
                 <a:latin typeface="Noto Sans CJK KR Regular" panose="020B0500000000000000" pitchFamily="34" charset="-127"/>
                 <a:ea typeface="Noto Sans CJK KR Regular" panose="020B0500000000000000" pitchFamily="34" charset="-127"/>
               </a:rPr>
               <a:t>객체의 타입 추론</a:t>
             </a:r>
-            <a:endParaRPr lang="ko-KR" altLang="en-US" b="0" dirty="0">
+            <a:endParaRPr lang="ko-KR" altLang="en-US" b="0">
               <a:latin typeface="Noto Sans CJK KR Regular" panose="020B0500000000000000" pitchFamily="34" charset="-127"/>
               <a:ea typeface="Noto Sans CJK KR Regular" panose="020B0500000000000000" pitchFamily="34" charset="-127"/>
             </a:endParaRPr>
@@ -26759,21 +26406,21 @@
               <a:buChar char="•"/>
             </a:pPr>
             <a:r>
-              <a:rPr lang="en-US" altLang="ko-KR" b="0" dirty="0">
+              <a:rPr lang="en-US" altLang="ko-KR" b="0">
                 <a:latin typeface="Noto Sans CJK KR Regular" panose="020B0500000000000000" pitchFamily="34" charset="-127"/>
                 <a:ea typeface="Noto Sans CJK KR Regular" panose="020B0500000000000000" pitchFamily="34" charset="-127"/>
               </a:rPr>
               <a:t> </a:t>
             </a:r>
             <a:r>
-              <a:rPr lang="ko-KR" altLang="en-US" b="0" dirty="0">
+              <a:rPr lang="ko-KR" altLang="en-US" b="0">
                 <a:latin typeface="Noto Sans CJK KR Regular" panose="020B0500000000000000" pitchFamily="34" charset="-127"/>
                 <a:ea typeface="Noto Sans CJK KR Regular" panose="020B0500000000000000" pitchFamily="34" charset="-127"/>
               </a:rPr>
               <a:t>객체를 선언과 동시에 초기화 할 때 타입을 명시하지 않으면 객체 내부의 </a:t>
             </a:r>
             <a:r>
-              <a:rPr lang="ko-KR" altLang="en-US" b="0" dirty="0">
+              <a:rPr lang="ko-KR" altLang="en-US" b="0">
                 <a:solidFill>
                   <a:srgbClr val="FF9E1B"/>
                 </a:solidFill>
@@ -26783,13 +26430,13 @@
               <a:t>속성과 속성값</a:t>
             </a:r>
             <a:r>
-              <a:rPr lang="ko-KR" altLang="en-US" b="0" dirty="0">
+              <a:rPr lang="ko-KR" altLang="en-US" b="0">
                 <a:latin typeface="Noto Sans CJK KR Regular" panose="020B0500000000000000" pitchFamily="34" charset="-127"/>
                 <a:ea typeface="Noto Sans CJK KR Regular" panose="020B0500000000000000" pitchFamily="34" charset="-127"/>
               </a:rPr>
               <a:t>에 맞춰서 타입을 자동으로 정의</a:t>
             </a:r>
-            <a:endParaRPr lang="en-US" altLang="ko-KR" b="0" dirty="0">
+            <a:endParaRPr lang="en-US" altLang="ko-KR" b="0">
               <a:latin typeface="Noto Sans CJK KR Regular" panose="020B0500000000000000" pitchFamily="34" charset="-127"/>
               <a:ea typeface="Noto Sans CJK KR Regular" panose="020B0500000000000000" pitchFamily="34" charset="-127"/>
             </a:endParaRPr>
@@ -26800,34 +26447,34 @@
               <a:buChar char="•"/>
             </a:pPr>
             <a:r>
-              <a:rPr lang="en-US" altLang="ko-KR" dirty="0">
+              <a:rPr lang="en-US" altLang="ko-KR">
                 <a:latin typeface="Noto Sans CJK KR Regular" panose="020B0500000000000000" pitchFamily="34" charset="-127"/>
                 <a:ea typeface="Noto Sans CJK KR Regular" panose="020B0500000000000000" pitchFamily="34" charset="-127"/>
               </a:rPr>
               <a:t> </a:t>
             </a:r>
             <a:r>
-              <a:rPr lang="ko-KR" altLang="en-US" dirty="0">
+              <a:rPr lang="ko-KR" altLang="en-US">
                 <a:latin typeface="Noto Sans CJK KR Regular" panose="020B0500000000000000" pitchFamily="34" charset="-127"/>
                 <a:ea typeface="Noto Sans CJK KR Regular" panose="020B0500000000000000" pitchFamily="34" charset="-127"/>
               </a:rPr>
               <a:t>문자열 값을 가진 속성이라면 </a:t>
             </a:r>
             <a:r>
-              <a:rPr lang="en-US" altLang="ko-KR" dirty="0">
+              <a:rPr lang="en-US" altLang="ko-KR">
                 <a:latin typeface="Noto Sans CJK KR Regular" panose="020B0500000000000000" pitchFamily="34" charset="-127"/>
                 <a:ea typeface="Noto Sans CJK KR Regular" panose="020B0500000000000000" pitchFamily="34" charset="-127"/>
               </a:rPr>
               <a:t>string </a:t>
             </a:r>
             <a:r>
-              <a:rPr lang="ko-KR" altLang="en-US" dirty="0">
+              <a:rPr lang="ko-KR" altLang="en-US">
                 <a:latin typeface="Noto Sans CJK KR Regular" panose="020B0500000000000000" pitchFamily="34" charset="-127"/>
                 <a:ea typeface="Noto Sans CJK KR Regular" panose="020B0500000000000000" pitchFamily="34" charset="-127"/>
               </a:rPr>
               <a:t>타입</a:t>
             </a:r>
-            <a:endParaRPr lang="en-US" altLang="ko-KR" dirty="0">
+            <a:endParaRPr lang="en-US" altLang="ko-KR">
               <a:latin typeface="Noto Sans CJK KR Regular" panose="020B0500000000000000" pitchFamily="34" charset="-127"/>
               <a:ea typeface="Noto Sans CJK KR Regular" panose="020B0500000000000000" pitchFamily="34" charset="-127"/>
             </a:endParaRPr>
@@ -26838,41 +26485,34 @@
               <a:buChar char="•"/>
             </a:pPr>
             <a:r>
-              <a:rPr lang="en-US" altLang="ko-KR" b="0" dirty="0">
+              <a:rPr lang="en-US" altLang="ko-KR" b="0">
                 <a:latin typeface="Noto Sans CJK KR Regular" panose="020B0500000000000000" pitchFamily="34" charset="-127"/>
                 <a:ea typeface="Noto Sans CJK KR Regular" panose="020B0500000000000000" pitchFamily="34" charset="-127"/>
               </a:rPr>
               <a:t> </a:t>
             </a:r>
             <a:r>
-              <a:rPr lang="ko-KR" altLang="en-US" b="0" dirty="0" err="1">
-                <a:latin typeface="Noto Sans CJK KR Regular" panose="020B0500000000000000" pitchFamily="34" charset="-127"/>
-                <a:ea typeface="Noto Sans CJK KR Regular" panose="020B0500000000000000" pitchFamily="34" charset="-127"/>
-              </a:rPr>
-              <a:t>숫자값을</a:t>
-            </a:r>
-            <a:r>
-              <a:rPr lang="ko-KR" altLang="en-US" b="0" dirty="0">
-                <a:latin typeface="Noto Sans CJK KR Regular" panose="020B0500000000000000" pitchFamily="34" charset="-127"/>
-                <a:ea typeface="Noto Sans CJK KR Regular" panose="020B0500000000000000" pitchFamily="34" charset="-127"/>
-              </a:rPr>
-              <a:t> 가진 속성이라면 </a:t>
-            </a:r>
-            <a:r>
-              <a:rPr lang="en-US" altLang="ko-KR" b="0" dirty="0">
+              <a:rPr lang="ko-KR" altLang="en-US" b="0">
+                <a:latin typeface="Noto Sans CJK KR Regular" panose="020B0500000000000000" pitchFamily="34" charset="-127"/>
+                <a:ea typeface="Noto Sans CJK KR Regular" panose="020B0500000000000000" pitchFamily="34" charset="-127"/>
+              </a:rPr>
+              <a:t>숫자값을 가진 속성이라면 </a:t>
+            </a:r>
+            <a:r>
+              <a:rPr lang="en-US" altLang="ko-KR" b="0">
                 <a:latin typeface="Noto Sans CJK KR Regular" panose="020B0500000000000000" pitchFamily="34" charset="-127"/>
                 <a:ea typeface="Noto Sans CJK KR Regular" panose="020B0500000000000000" pitchFamily="34" charset="-127"/>
               </a:rPr>
               <a:t>number </a:t>
             </a:r>
             <a:r>
-              <a:rPr lang="ko-KR" altLang="en-US" b="0" dirty="0">
+              <a:rPr lang="ko-KR" altLang="en-US" b="0">
                 <a:latin typeface="Noto Sans CJK KR Regular" panose="020B0500000000000000" pitchFamily="34" charset="-127"/>
                 <a:ea typeface="Noto Sans CJK KR Regular" panose="020B0500000000000000" pitchFamily="34" charset="-127"/>
               </a:rPr>
               <a:t>타입</a:t>
             </a:r>
-            <a:endParaRPr lang="en-US" altLang="ko-KR" b="0" dirty="0">
+            <a:endParaRPr lang="en-US" altLang="ko-KR" b="0">
               <a:latin typeface="Noto Sans CJK KR Regular" panose="020B0500000000000000" pitchFamily="34" charset="-127"/>
               <a:ea typeface="Noto Sans CJK KR Regular" panose="020B0500000000000000" pitchFamily="34" charset="-127"/>
             </a:endParaRPr>
@@ -27807,20 +27447,20 @@
               <a:buChar char="▶"/>
             </a:pPr>
             <a:r>
-              <a:rPr lang="en-US" altLang="ko-KR" sz="2000" dirty="0">
+              <a:rPr lang="en-US" altLang="ko-KR" sz="2000">
                 <a:latin typeface="Noto Sans CJK KR Regular" panose="020B0500000000000000" pitchFamily="34" charset="-127"/>
                 <a:ea typeface="Noto Sans CJK KR Regular" panose="020B0500000000000000" pitchFamily="34" charset="-127"/>
               </a:rPr>
               <a:t> </a:t>
             </a:r>
             <a:r>
-              <a:rPr lang="ko-KR" altLang="en-US" sz="2000" dirty="0">
+              <a:rPr lang="ko-KR" altLang="en-US" sz="2000">
                 <a:latin typeface="Noto Sans CJK KR Regular" panose="020B0500000000000000" pitchFamily="34" charset="-127"/>
                 <a:ea typeface="Noto Sans CJK KR Regular" panose="020B0500000000000000" pitchFamily="34" charset="-127"/>
               </a:rPr>
               <a:t>매개 변수의 타입</a:t>
             </a:r>
-            <a:endParaRPr lang="ko-KR" altLang="en-US" b="0" dirty="0">
+            <a:endParaRPr lang="ko-KR" altLang="en-US" b="0">
               <a:latin typeface="Noto Sans CJK KR Regular" panose="020B0500000000000000" pitchFamily="34" charset="-127"/>
               <a:ea typeface="Noto Sans CJK KR Regular" panose="020B0500000000000000" pitchFamily="34" charset="-127"/>
             </a:endParaRPr>
@@ -27831,21 +27471,21 @@
               <a:buChar char="•"/>
             </a:pPr>
             <a:r>
-              <a:rPr lang="en-US" altLang="ko-KR" b="0" dirty="0">
+              <a:rPr lang="en-US" altLang="ko-KR" b="0">
                 <a:latin typeface="Noto Sans CJK KR Regular" panose="020B0500000000000000" pitchFamily="34" charset="-127"/>
                 <a:ea typeface="Noto Sans CJK KR Regular" panose="020B0500000000000000" pitchFamily="34" charset="-127"/>
               </a:rPr>
               <a:t> </a:t>
             </a:r>
             <a:r>
-              <a:rPr lang="ko-KR" altLang="en-US" dirty="0">
+              <a:rPr lang="ko-KR" altLang="en-US">
                 <a:latin typeface="Noto Sans CJK KR Regular" panose="020B0500000000000000" pitchFamily="34" charset="-127"/>
                 <a:ea typeface="Noto Sans CJK KR Regular" panose="020B0500000000000000" pitchFamily="34" charset="-127"/>
               </a:rPr>
               <a:t>매개 변수에 타입을 지정하지 않으면 </a:t>
             </a:r>
             <a:r>
-              <a:rPr lang="en-US" altLang="ko-KR" b="1" dirty="0">
+              <a:rPr lang="en-US" altLang="ko-KR" b="1">
                 <a:solidFill>
                   <a:srgbClr val="FF9E1B"/>
                 </a:solidFill>
@@ -27855,13 +27495,13 @@
               <a:t>any</a:t>
             </a:r>
             <a:r>
-              <a:rPr lang="ko-KR" altLang="en-US" dirty="0">
+              <a:rPr lang="ko-KR" altLang="en-US">
                 <a:latin typeface="Noto Sans CJK KR Regular" panose="020B0500000000000000" pitchFamily="34" charset="-127"/>
                 <a:ea typeface="Noto Sans CJK KR Regular" panose="020B0500000000000000" pitchFamily="34" charset="-127"/>
               </a:rPr>
               <a:t> 타입</a:t>
             </a:r>
-            <a:endParaRPr lang="en-US" altLang="ko-KR" dirty="0">
+            <a:endParaRPr lang="en-US" altLang="ko-KR">
               <a:latin typeface="Noto Sans CJK KR Regular" panose="020B0500000000000000" pitchFamily="34" charset="-127"/>
               <a:ea typeface="Noto Sans CJK KR Regular" panose="020B0500000000000000" pitchFamily="34" charset="-127"/>
             </a:endParaRPr>
@@ -27872,55 +27512,48 @@
               <a:buChar char="•"/>
             </a:pPr>
             <a:r>
-              <a:rPr lang="en-US" altLang="ko-KR" dirty="0">
+              <a:rPr lang="en-US" altLang="ko-KR">
                 <a:latin typeface="Noto Sans CJK KR Regular" panose="020B0500000000000000" pitchFamily="34" charset="-127"/>
                 <a:ea typeface="Noto Sans CJK KR Regular" panose="020B0500000000000000" pitchFamily="34" charset="-127"/>
               </a:rPr>
               <a:t> </a:t>
             </a:r>
             <a:r>
-              <a:rPr lang="ko-KR" altLang="en-US" dirty="0">
+              <a:rPr lang="ko-KR" altLang="en-US">
                 <a:latin typeface="Noto Sans CJK KR Regular" panose="020B0500000000000000" pitchFamily="34" charset="-127"/>
                 <a:ea typeface="Noto Sans CJK KR Regular" panose="020B0500000000000000" pitchFamily="34" charset="-127"/>
               </a:rPr>
               <a:t>기본값 매개 변수를 지정했을 경우 할당된 값과 일치하는 타입으로 추론하고 </a:t>
             </a:r>
             <a:r>
-              <a:rPr lang="en-US" altLang="ko-KR" dirty="0">
+              <a:rPr lang="en-US" altLang="ko-KR">
                 <a:latin typeface="Noto Sans CJK KR Regular" panose="020B0500000000000000" pitchFamily="34" charset="-127"/>
                 <a:ea typeface="Noto Sans CJK KR Regular" panose="020B0500000000000000" pitchFamily="34" charset="-127"/>
               </a:rPr>
               <a:t>?(</a:t>
             </a:r>
             <a:r>
-              <a:rPr lang="ko-KR" altLang="en-US" dirty="0" err="1">
-                <a:latin typeface="Noto Sans CJK KR Regular" panose="020B0500000000000000" pitchFamily="34" charset="-127"/>
-                <a:ea typeface="Noto Sans CJK KR Regular" panose="020B0500000000000000" pitchFamily="34" charset="-127"/>
-              </a:rPr>
-              <a:t>옵셔널</a:t>
-            </a:r>
-            <a:r>
-              <a:rPr lang="ko-KR" altLang="en-US" dirty="0">
-                <a:latin typeface="Noto Sans CJK KR Regular" panose="020B0500000000000000" pitchFamily="34" charset="-127"/>
-                <a:ea typeface="Noto Sans CJK KR Regular" panose="020B0500000000000000" pitchFamily="34" charset="-127"/>
-              </a:rPr>
-              <a:t> 매개변수</a:t>
-            </a:r>
-            <a:r>
-              <a:rPr lang="en-US" altLang="ko-KR" dirty="0">
+              <a:rPr lang="ko-KR" altLang="en-US">
+                <a:latin typeface="Noto Sans CJK KR Regular" panose="020B0500000000000000" pitchFamily="34" charset="-127"/>
+                <a:ea typeface="Noto Sans CJK KR Regular" panose="020B0500000000000000" pitchFamily="34" charset="-127"/>
+              </a:rPr>
+              <a:t>옵셔널 매개변수</a:t>
+            </a:r>
+            <a:r>
+              <a:rPr lang="en-US" altLang="ko-KR">
                 <a:latin typeface="Noto Sans CJK KR Regular" panose="020B0500000000000000" pitchFamily="34" charset="-127"/>
                 <a:ea typeface="Noto Sans CJK KR Regular" panose="020B0500000000000000" pitchFamily="34" charset="-127"/>
               </a:rPr>
               <a:t>) </a:t>
             </a:r>
             <a:r>
-              <a:rPr lang="ko-KR" altLang="en-US" dirty="0">
+              <a:rPr lang="ko-KR" altLang="en-US">
                 <a:latin typeface="Noto Sans CJK KR Regular" panose="020B0500000000000000" pitchFamily="34" charset="-127"/>
                 <a:ea typeface="Noto Sans CJK KR Regular" panose="020B0500000000000000" pitchFamily="34" charset="-127"/>
               </a:rPr>
               <a:t>추가</a:t>
             </a:r>
-            <a:endParaRPr lang="en-US" altLang="ko-KR" dirty="0">
+            <a:endParaRPr lang="en-US" altLang="ko-KR">
               <a:latin typeface="Noto Sans CJK KR Regular" panose="020B0500000000000000" pitchFamily="34" charset="-127"/>
               <a:ea typeface="Noto Sans CJK KR Regular" panose="020B0500000000000000" pitchFamily="34" charset="-127"/>
             </a:endParaRPr>
@@ -27930,7 +27563,7 @@
               <a:buFontTx/>
               <a:buChar char="•"/>
             </a:pPr>
-            <a:endParaRPr lang="en-US" altLang="ko-KR" dirty="0">
+            <a:endParaRPr lang="en-US" altLang="ko-KR">
               <a:latin typeface="Noto Sans CJK KR Regular" panose="020B0500000000000000" pitchFamily="34" charset="-127"/>
               <a:ea typeface="Noto Sans CJK KR Regular" panose="020B0500000000000000" pitchFamily="34" charset="-127"/>
             </a:endParaRPr>
@@ -27941,20 +27574,20 @@
               <a:buChar char="▶"/>
             </a:pPr>
             <a:r>
-              <a:rPr lang="en-US" altLang="ko-KR" sz="2000" dirty="0">
+              <a:rPr lang="en-US" altLang="ko-KR" sz="2000">
                 <a:latin typeface="Noto Sans CJK KR Regular" panose="020B0500000000000000" pitchFamily="34" charset="-127"/>
                 <a:ea typeface="Noto Sans CJK KR Regular" panose="020B0500000000000000" pitchFamily="34" charset="-127"/>
               </a:rPr>
               <a:t> </a:t>
             </a:r>
             <a:r>
-              <a:rPr lang="ko-KR" altLang="en-US" sz="2000" dirty="0">
+              <a:rPr lang="ko-KR" altLang="en-US" sz="2000">
                 <a:latin typeface="Noto Sans CJK KR Regular" panose="020B0500000000000000" pitchFamily="34" charset="-127"/>
                 <a:ea typeface="Noto Sans CJK KR Regular" panose="020B0500000000000000" pitchFamily="34" charset="-127"/>
               </a:rPr>
               <a:t>리턴 타입</a:t>
             </a:r>
-            <a:endParaRPr lang="ko-KR" altLang="en-US" b="0" dirty="0">
+            <a:endParaRPr lang="ko-KR" altLang="en-US" b="0">
               <a:latin typeface="Noto Sans CJK KR Regular" panose="020B0500000000000000" pitchFamily="34" charset="-127"/>
               <a:ea typeface="Noto Sans CJK KR Regular" panose="020B0500000000000000" pitchFamily="34" charset="-127"/>
             </a:endParaRPr>
@@ -27965,27 +27598,20 @@
               <a:buChar char="•"/>
             </a:pPr>
             <a:r>
-              <a:rPr lang="en-US" altLang="ko-KR" b="0" dirty="0">
+              <a:rPr lang="en-US" altLang="ko-KR" b="0">
                 <a:latin typeface="Noto Sans CJK KR Regular" panose="020B0500000000000000" pitchFamily="34" charset="-127"/>
                 <a:ea typeface="Noto Sans CJK KR Regular" panose="020B0500000000000000" pitchFamily="34" charset="-127"/>
               </a:rPr>
               <a:t> </a:t>
             </a:r>
             <a:r>
-              <a:rPr lang="ko-KR" altLang="en-US" b="0" dirty="0" err="1">
-                <a:latin typeface="Noto Sans CJK KR Regular" panose="020B0500000000000000" pitchFamily="34" charset="-127"/>
-                <a:ea typeface="Noto Sans CJK KR Regular" panose="020B0500000000000000" pitchFamily="34" charset="-127"/>
-              </a:rPr>
-              <a:t>리턴값을</a:t>
-            </a:r>
-            <a:r>
-              <a:rPr lang="ko-KR" altLang="en-US" b="0" dirty="0">
-                <a:latin typeface="Noto Sans CJK KR Regular" panose="020B0500000000000000" pitchFamily="34" charset="-127"/>
-                <a:ea typeface="Noto Sans CJK KR Regular" panose="020B0500000000000000" pitchFamily="34" charset="-127"/>
-              </a:rPr>
-              <a:t> 기반으로 추론</a:t>
-            </a:r>
-            <a:endParaRPr lang="en-US" altLang="ko-KR" b="0" dirty="0">
+              <a:rPr lang="ko-KR" altLang="en-US" b="0">
+                <a:latin typeface="Noto Sans CJK KR Regular" panose="020B0500000000000000" pitchFamily="34" charset="-127"/>
+                <a:ea typeface="Noto Sans CJK KR Regular" panose="020B0500000000000000" pitchFamily="34" charset="-127"/>
+              </a:rPr>
+              <a:t>리턴값을 기반으로 추론</a:t>
+            </a:r>
+            <a:endParaRPr lang="en-US" altLang="ko-KR" b="0">
               <a:latin typeface="Noto Sans CJK KR Regular" panose="020B0500000000000000" pitchFamily="34" charset="-127"/>
               <a:ea typeface="Noto Sans CJK KR Regular" panose="020B0500000000000000" pitchFamily="34" charset="-127"/>
             </a:endParaRPr>
@@ -27996,48 +27622,20 @@
               <a:buChar char="•"/>
             </a:pPr>
             <a:r>
-              <a:rPr lang="en-US" altLang="ko-KR" dirty="0">
+              <a:rPr lang="en-US" altLang="ko-KR">
                 <a:latin typeface="Noto Sans CJK KR Regular" panose="020B0500000000000000" pitchFamily="34" charset="-127"/>
                 <a:ea typeface="Noto Sans CJK KR Regular" panose="020B0500000000000000" pitchFamily="34" charset="-127"/>
               </a:rPr>
               <a:t> </a:t>
             </a:r>
             <a:r>
-              <a:rPr lang="ko-KR" altLang="en-US" dirty="0">
-                <a:latin typeface="Noto Sans CJK KR Regular" panose="020B0500000000000000" pitchFamily="34" charset="-127"/>
-                <a:ea typeface="Noto Sans CJK KR Regular" panose="020B0500000000000000" pitchFamily="34" charset="-127"/>
-              </a:rPr>
-              <a:t>매개 변수가 </a:t>
-            </a:r>
-            <a:r>
-              <a:rPr lang="ko-KR" altLang="en-US" dirty="0" err="1">
-                <a:latin typeface="Noto Sans CJK KR Regular" panose="020B0500000000000000" pitchFamily="34" charset="-127"/>
-                <a:ea typeface="Noto Sans CJK KR Regular" panose="020B0500000000000000" pitchFamily="34" charset="-127"/>
-              </a:rPr>
-              <a:t>리턴값에</a:t>
-            </a:r>
-            <a:r>
-              <a:rPr lang="ko-KR" altLang="en-US" dirty="0">
-                <a:latin typeface="Noto Sans CJK KR Regular" panose="020B0500000000000000" pitchFamily="34" charset="-127"/>
-                <a:ea typeface="Noto Sans CJK KR Regular" panose="020B0500000000000000" pitchFamily="34" charset="-127"/>
-              </a:rPr>
-              <a:t> 영향을 미치면 매개 변수의 타입과 연산자를 기반으로 </a:t>
-            </a:r>
-            <a:r>
-              <a:rPr lang="ko-KR" altLang="en-US" dirty="0" err="1">
-                <a:latin typeface="Noto Sans CJK KR Regular" panose="020B0500000000000000" pitchFamily="34" charset="-127"/>
-                <a:ea typeface="Noto Sans CJK KR Regular" panose="020B0500000000000000" pitchFamily="34" charset="-127"/>
-              </a:rPr>
-              <a:t>리턴값의</a:t>
-            </a:r>
-            <a:r>
-              <a:rPr lang="ko-KR" altLang="en-US" dirty="0">
-                <a:latin typeface="Noto Sans CJK KR Regular" panose="020B0500000000000000" pitchFamily="34" charset="-127"/>
-                <a:ea typeface="Noto Sans CJK KR Regular" panose="020B0500000000000000" pitchFamily="34" charset="-127"/>
-              </a:rPr>
-              <a:t> 타입을 추론</a:t>
-            </a:r>
-            <a:endParaRPr lang="en-US" altLang="ko-KR" dirty="0">
+              <a:rPr lang="ko-KR" altLang="en-US">
+                <a:latin typeface="Noto Sans CJK KR Regular" panose="020B0500000000000000" pitchFamily="34" charset="-127"/>
+                <a:ea typeface="Noto Sans CJK KR Regular" panose="020B0500000000000000" pitchFamily="34" charset="-127"/>
+              </a:rPr>
+              <a:t>매개 변수가 리턴값에 영향을 미치면 매개 변수의 타입과 연산자를 기반으로 리턴값의 타입을 추론</a:t>
+            </a:r>
+            <a:endParaRPr lang="en-US" altLang="ko-KR">
               <a:latin typeface="Noto Sans CJK KR Regular" panose="020B0500000000000000" pitchFamily="34" charset="-127"/>
               <a:ea typeface="Noto Sans CJK KR Regular" panose="020B0500000000000000" pitchFamily="34" charset="-127"/>
             </a:endParaRPr>
@@ -28048,56 +27646,56 @@
               <a:buChar char="•"/>
             </a:pPr>
             <a:r>
-              <a:rPr lang="en-US" altLang="ko-KR" b="0" dirty="0">
+              <a:rPr lang="en-US" altLang="ko-KR" b="0">
                 <a:latin typeface="Noto Sans CJK KR Regular" panose="020B0500000000000000" pitchFamily="34" charset="-127"/>
                 <a:ea typeface="Noto Sans CJK KR Regular" panose="020B0500000000000000" pitchFamily="34" charset="-127"/>
               </a:rPr>
               <a:t> </a:t>
             </a:r>
             <a:r>
-              <a:rPr lang="ko-KR" altLang="en-US" b="0" dirty="0">
+              <a:rPr lang="ko-KR" altLang="en-US" b="0">
                 <a:latin typeface="Noto Sans CJK KR Regular" panose="020B0500000000000000" pitchFamily="34" charset="-127"/>
                 <a:ea typeface="Noto Sans CJK KR Regular" panose="020B0500000000000000" pitchFamily="34" charset="-127"/>
               </a:rPr>
               <a:t>아래의 예시에서 </a:t>
             </a:r>
             <a:r>
-              <a:rPr lang="en-US" altLang="ko-KR" b="0" dirty="0">
+              <a:rPr lang="en-US" altLang="ko-KR" b="0">
                 <a:latin typeface="Noto Sans CJK KR Regular" panose="020B0500000000000000" pitchFamily="34" charset="-127"/>
                 <a:ea typeface="Noto Sans CJK KR Regular" panose="020B0500000000000000" pitchFamily="34" charset="-127"/>
               </a:rPr>
               <a:t>num + 20</a:t>
             </a:r>
             <a:r>
-              <a:rPr lang="ko-KR" altLang="en-US" b="0" dirty="0">
+              <a:rPr lang="ko-KR" altLang="en-US" b="0">
                 <a:latin typeface="Noto Sans CJK KR Regular" panose="020B0500000000000000" pitchFamily="34" charset="-127"/>
                 <a:ea typeface="Noto Sans CJK KR Regular" panose="020B0500000000000000" pitchFamily="34" charset="-127"/>
               </a:rPr>
               <a:t>은 </a:t>
             </a:r>
             <a:r>
-              <a:rPr lang="en-US" altLang="ko-KR" b="0" dirty="0">
+              <a:rPr lang="en-US" altLang="ko-KR" b="0">
                 <a:latin typeface="Noto Sans CJK KR Regular" panose="020B0500000000000000" pitchFamily="34" charset="-127"/>
                 <a:ea typeface="Noto Sans CJK KR Regular" panose="020B0500000000000000" pitchFamily="34" charset="-127"/>
               </a:rPr>
               <a:t>number + number </a:t>
             </a:r>
             <a:r>
-              <a:rPr lang="ko-KR" altLang="en-US" b="0" dirty="0">
+              <a:rPr lang="ko-KR" altLang="en-US" b="0">
                 <a:latin typeface="Noto Sans CJK KR Regular" panose="020B0500000000000000" pitchFamily="34" charset="-127"/>
                 <a:ea typeface="Noto Sans CJK KR Regular" panose="020B0500000000000000" pitchFamily="34" charset="-127"/>
               </a:rPr>
               <a:t>이므로 결과도 </a:t>
             </a:r>
             <a:r>
-              <a:rPr lang="en-US" altLang="ko-KR" b="0" dirty="0">
+              <a:rPr lang="en-US" altLang="ko-KR" b="0">
                 <a:latin typeface="Noto Sans CJK KR Regular" panose="020B0500000000000000" pitchFamily="34" charset="-127"/>
                 <a:ea typeface="Noto Sans CJK KR Regular" panose="020B0500000000000000" pitchFamily="34" charset="-127"/>
               </a:rPr>
               <a:t>number</a:t>
             </a:r>
             <a:r>
-              <a:rPr lang="ko-KR" altLang="en-US" b="0" dirty="0">
+              <a:rPr lang="ko-KR" altLang="en-US" b="0">
                 <a:latin typeface="Noto Sans CJK KR Regular" panose="020B0500000000000000" pitchFamily="34" charset="-127"/>
                 <a:ea typeface="Noto Sans CJK KR Regular" panose="020B0500000000000000" pitchFamily="34" charset="-127"/>
               </a:rPr>
@@ -28217,7 +27815,7 @@
         </p:blipFill>
         <p:spPr>
           <a:xfrm>
-            <a:off x="973242" y="3943379"/>
+            <a:off x="973242" y="3380150"/>
             <a:ext cx="7043220" cy="1676085"/>
           </a:xfrm>
           <a:prstGeom prst="rect">
@@ -28244,7 +27842,7 @@
         </p:nvSpPr>
         <p:spPr>
           <a:xfrm>
-            <a:off x="5507526" y="4250183"/>
+            <a:off x="5507526" y="3686954"/>
             <a:ext cx="1092185" cy="331694"/>
           </a:xfrm>
           <a:prstGeom prst="roundRect">
@@ -28295,7 +27893,7 @@
         </p:nvSpPr>
         <p:spPr>
           <a:xfrm>
-            <a:off x="6725216" y="4250183"/>
+            <a:off x="6725216" y="3686954"/>
             <a:ext cx="1092185" cy="331694"/>
           </a:xfrm>
           <a:prstGeom prst="roundRect">
@@ -29478,27 +29076,20 @@
               <a:buChar char="▶"/>
             </a:pPr>
             <a:r>
-              <a:rPr lang="en-US" altLang="ko-KR" sz="2000" dirty="0">
+              <a:rPr lang="en-US" altLang="ko-KR" sz="2000">
                 <a:latin typeface="Noto Sans CJK KR Regular" panose="020B0500000000000000" pitchFamily="34" charset="-127"/>
                 <a:ea typeface="Noto Sans CJK KR Regular" panose="020B0500000000000000" pitchFamily="34" charset="-127"/>
               </a:rPr>
               <a:t> </a:t>
             </a:r>
             <a:r>
-              <a:rPr lang="ko-KR" altLang="en-US" sz="2000" dirty="0" err="1">
-                <a:latin typeface="Noto Sans CJK KR Regular" panose="020B0500000000000000" pitchFamily="34" charset="-127"/>
-                <a:ea typeface="Noto Sans CJK KR Regular" panose="020B0500000000000000" pitchFamily="34" charset="-127"/>
-              </a:rPr>
-              <a:t>리터럴</a:t>
-            </a:r>
-            <a:r>
-              <a:rPr lang="ko-KR" altLang="en-US" sz="2000" dirty="0">
-                <a:latin typeface="Noto Sans CJK KR Regular" panose="020B0500000000000000" pitchFamily="34" charset="-127"/>
-                <a:ea typeface="Noto Sans CJK KR Regular" panose="020B0500000000000000" pitchFamily="34" charset="-127"/>
-              </a:rPr>
-              <a:t> 타입</a:t>
-            </a:r>
-            <a:endParaRPr lang="ko-KR" altLang="en-US" b="0" dirty="0">
+              <a:rPr lang="ko-KR" altLang="en-US" sz="2000">
+                <a:latin typeface="Noto Sans CJK KR Regular" panose="020B0500000000000000" pitchFamily="34" charset="-127"/>
+                <a:ea typeface="Noto Sans CJK KR Regular" panose="020B0500000000000000" pitchFamily="34" charset="-127"/>
+              </a:rPr>
+              <a:t>리터럴 타입</a:t>
+            </a:r>
+            <a:endParaRPr lang="ko-KR" altLang="en-US" b="0">
               <a:latin typeface="Noto Sans CJK KR Regular" panose="020B0500000000000000" pitchFamily="34" charset="-127"/>
               <a:ea typeface="Noto Sans CJK KR Regular" panose="020B0500000000000000" pitchFamily="34" charset="-127"/>
             </a:endParaRPr>
@@ -29509,28 +29100,28 @@
               <a:buChar char="•"/>
             </a:pPr>
             <a:r>
-              <a:rPr lang="en-US" altLang="ko-KR" b="0" dirty="0">
+              <a:rPr lang="en-US" altLang="ko-KR" b="0">
                 <a:latin typeface="Noto Sans CJK KR Regular" panose="020B0500000000000000" pitchFamily="34" charset="-127"/>
                 <a:ea typeface="Noto Sans CJK KR Regular" panose="020B0500000000000000" pitchFamily="34" charset="-127"/>
               </a:rPr>
               <a:t> </a:t>
             </a:r>
             <a:r>
-              <a:rPr lang="ko-KR" altLang="en-US" b="0" dirty="0">
+              <a:rPr lang="ko-KR" altLang="en-US" b="0">
                 <a:latin typeface="Noto Sans CJK KR Regular" panose="020B0500000000000000" pitchFamily="34" charset="-127"/>
                 <a:ea typeface="Noto Sans CJK KR Regular" panose="020B0500000000000000" pitchFamily="34" charset="-127"/>
               </a:rPr>
               <a:t>특정 </a:t>
             </a:r>
             <a:r>
-              <a:rPr lang="en-US" altLang="ko-KR" b="0" dirty="0">
+              <a:rPr lang="en-US" altLang="ko-KR" b="0">
                 <a:latin typeface="Noto Sans CJK KR Regular" panose="020B0500000000000000" pitchFamily="34" charset="-127"/>
                 <a:ea typeface="Noto Sans CJK KR Regular" panose="020B0500000000000000" pitchFamily="34" charset="-127"/>
               </a:rPr>
               <a:t>"</a:t>
             </a:r>
             <a:r>
-              <a:rPr lang="ko-KR" altLang="en-US" b="0" dirty="0">
+              <a:rPr lang="ko-KR" altLang="en-US" b="0">
                 <a:solidFill>
                   <a:srgbClr val="FF9E1B"/>
                 </a:solidFill>
@@ -29540,21 +29131,21 @@
               <a:t>값</a:t>
             </a:r>
             <a:r>
-              <a:rPr lang="en-US" altLang="ko-KR" b="0" dirty="0">
+              <a:rPr lang="en-US" altLang="ko-KR" b="0">
                 <a:latin typeface="Noto Sans CJK KR Regular" panose="020B0500000000000000" pitchFamily="34" charset="-127"/>
                 <a:ea typeface="Noto Sans CJK KR Regular" panose="020B0500000000000000" pitchFamily="34" charset="-127"/>
               </a:rPr>
               <a:t>" </a:t>
             </a:r>
             <a:r>
-              <a:rPr lang="ko-KR" altLang="en-US" b="0" dirty="0">
+              <a:rPr lang="ko-KR" altLang="en-US" b="0">
                 <a:latin typeface="Noto Sans CJK KR Regular" panose="020B0500000000000000" pitchFamily="34" charset="-127"/>
                 <a:ea typeface="Noto Sans CJK KR Regular" panose="020B0500000000000000" pitchFamily="34" charset="-127"/>
               </a:rPr>
               <a:t>자체를 </a:t>
             </a:r>
             <a:r>
-              <a:rPr lang="ko-KR" altLang="en-US" b="0" dirty="0">
+              <a:rPr lang="ko-KR" altLang="en-US" b="0">
                 <a:solidFill>
                   <a:srgbClr val="FF9E1B"/>
                 </a:solidFill>
@@ -29564,13 +29155,13 @@
               <a:t>타입</a:t>
             </a:r>
             <a:r>
-              <a:rPr lang="ko-KR" altLang="en-US" b="0" dirty="0">
+              <a:rPr lang="ko-KR" altLang="en-US" b="0">
                 <a:latin typeface="Noto Sans CJK KR Regular" panose="020B0500000000000000" pitchFamily="34" charset="-127"/>
                 <a:ea typeface="Noto Sans CJK KR Regular" panose="020B0500000000000000" pitchFamily="34" charset="-127"/>
               </a:rPr>
               <a:t>으로 사용</a:t>
             </a:r>
-            <a:endParaRPr lang="en-US" altLang="ko-KR" b="0" dirty="0">
+            <a:endParaRPr lang="en-US" altLang="ko-KR" b="0">
               <a:latin typeface="Noto Sans CJK KR Regular" panose="020B0500000000000000" pitchFamily="34" charset="-127"/>
               <a:ea typeface="Noto Sans CJK KR Regular" panose="020B0500000000000000" pitchFamily="34" charset="-127"/>
             </a:endParaRPr>
@@ -29581,63 +29172,63 @@
               <a:buChar char="•"/>
             </a:pPr>
             <a:r>
-              <a:rPr lang="en-US" altLang="ko-KR" dirty="0">
+              <a:rPr lang="en-US" altLang="ko-KR">
                 <a:latin typeface="Noto Sans CJK KR Regular" panose="020B0500000000000000" pitchFamily="34" charset="-127"/>
                 <a:ea typeface="Noto Sans CJK KR Regular" panose="020B0500000000000000" pitchFamily="34" charset="-127"/>
               </a:rPr>
               <a:t> string </a:t>
             </a:r>
             <a:r>
-              <a:rPr lang="ko-KR" altLang="en-US" dirty="0">
+              <a:rPr lang="ko-KR" altLang="en-US">
                 <a:latin typeface="Noto Sans CJK KR Regular" panose="020B0500000000000000" pitchFamily="34" charset="-127"/>
                 <a:ea typeface="Noto Sans CJK KR Regular" panose="020B0500000000000000" pitchFamily="34" charset="-127"/>
               </a:rPr>
               <a:t>처럼 문자열 전체가 지정 가능한 타입이 아니라 </a:t>
             </a:r>
             <a:r>
-              <a:rPr lang="en-US" altLang="ko-KR" dirty="0">
+              <a:rPr lang="en-US" altLang="ko-KR">
                 <a:latin typeface="Noto Sans CJK KR Regular" panose="020B0500000000000000" pitchFamily="34" charset="-127"/>
                 <a:ea typeface="Noto Sans CJK KR Regular" panose="020B0500000000000000" pitchFamily="34" charset="-127"/>
               </a:rPr>
               <a:t>'</a:t>
             </a:r>
             <a:r>
-              <a:rPr lang="ko-KR" altLang="en-US" dirty="0">
+              <a:rPr lang="ko-KR" altLang="en-US">
                 <a:latin typeface="Noto Sans CJK KR Regular" panose="020B0500000000000000" pitchFamily="34" charset="-127"/>
                 <a:ea typeface="Noto Sans CJK KR Regular" panose="020B0500000000000000" pitchFamily="34" charset="-127"/>
               </a:rPr>
               <a:t>하루</a:t>
             </a:r>
             <a:r>
-              <a:rPr lang="en-US" altLang="ko-KR" dirty="0">
+              <a:rPr lang="en-US" altLang="ko-KR">
                 <a:latin typeface="Noto Sans CJK KR Regular" panose="020B0500000000000000" pitchFamily="34" charset="-127"/>
                 <a:ea typeface="Noto Sans CJK KR Regular" panose="020B0500000000000000" pitchFamily="34" charset="-127"/>
               </a:rPr>
               <a:t>', '</a:t>
             </a:r>
             <a:r>
-              <a:rPr lang="ko-KR" altLang="en-US" dirty="0">
+              <a:rPr lang="ko-KR" altLang="en-US">
                 <a:latin typeface="Noto Sans CJK KR Regular" panose="020B0500000000000000" pitchFamily="34" charset="-127"/>
                 <a:ea typeface="Noto Sans CJK KR Regular" panose="020B0500000000000000" pitchFamily="34" charset="-127"/>
               </a:rPr>
               <a:t>나무</a:t>
             </a:r>
             <a:r>
-              <a:rPr lang="en-US" altLang="ko-KR" dirty="0">
+              <a:rPr lang="en-US" altLang="ko-KR">
                 <a:latin typeface="Noto Sans CJK KR Regular" panose="020B0500000000000000" pitchFamily="34" charset="-127"/>
                 <a:ea typeface="Noto Sans CJK KR Regular" panose="020B0500000000000000" pitchFamily="34" charset="-127"/>
               </a:rPr>
               <a:t>' </a:t>
             </a:r>
             <a:r>
-              <a:rPr lang="ko-KR" altLang="en-US" dirty="0">
+              <a:rPr lang="ko-KR" altLang="en-US">
                 <a:latin typeface="Noto Sans CJK KR Regular" panose="020B0500000000000000" pitchFamily="34" charset="-127"/>
                 <a:ea typeface="Noto Sans CJK KR Regular" panose="020B0500000000000000" pitchFamily="34" charset="-127"/>
               </a:rPr>
               <a:t>같은 </a:t>
             </a:r>
             <a:r>
-              <a:rPr lang="ko-KR" altLang="en-US" dirty="0">
+              <a:rPr lang="ko-KR" altLang="en-US">
                 <a:solidFill>
                   <a:srgbClr val="FF9E1B"/>
                 </a:solidFill>
@@ -29647,14 +29238,14 @@
               <a:t>특정 값</a:t>
             </a:r>
             <a:r>
-              <a:rPr lang="ko-KR" altLang="en-US" dirty="0">
+              <a:rPr lang="ko-KR" altLang="en-US">
                 <a:latin typeface="Noto Sans CJK KR Regular" panose="020B0500000000000000" pitchFamily="34" charset="-127"/>
                 <a:ea typeface="Noto Sans CJK KR Regular" panose="020B0500000000000000" pitchFamily="34" charset="-127"/>
               </a:rPr>
               <a:t>만 가지도록 </a:t>
             </a:r>
             <a:r>
-              <a:rPr lang="ko-KR" altLang="en-US" dirty="0">
+              <a:rPr lang="ko-KR" altLang="en-US">
                 <a:solidFill>
                   <a:srgbClr val="FF9E1B"/>
                 </a:solidFill>
@@ -29664,13 +29255,13 @@
               <a:t>제한</a:t>
             </a:r>
             <a:r>
-              <a:rPr lang="ko-KR" altLang="en-US" dirty="0">
+              <a:rPr lang="ko-KR" altLang="en-US">
                 <a:latin typeface="Noto Sans CJK KR Regular" panose="020B0500000000000000" pitchFamily="34" charset="-127"/>
                 <a:ea typeface="Noto Sans CJK KR Regular" panose="020B0500000000000000" pitchFamily="34" charset="-127"/>
               </a:rPr>
               <a:t>하는 타입</a:t>
             </a:r>
-            <a:endParaRPr lang="en-US" altLang="ko-KR" dirty="0">
+            <a:endParaRPr lang="en-US" altLang="ko-KR">
               <a:latin typeface="Noto Sans CJK KR Regular" panose="020B0500000000000000" pitchFamily="34" charset="-127"/>
               <a:ea typeface="Noto Sans CJK KR Regular" panose="020B0500000000000000" pitchFamily="34" charset="-127"/>
             </a:endParaRPr>
@@ -29681,21 +29272,21 @@
               <a:buChar char="•"/>
             </a:pPr>
             <a:r>
-              <a:rPr lang="en-US" altLang="ko-KR" dirty="0">
+              <a:rPr lang="en-US" altLang="ko-KR">
                 <a:latin typeface="Noto Sans CJK KR Regular" panose="020B0500000000000000" pitchFamily="34" charset="-127"/>
                 <a:ea typeface="Noto Sans CJK KR Regular" panose="020B0500000000000000" pitchFamily="34" charset="-127"/>
               </a:rPr>
               <a:t> </a:t>
             </a:r>
             <a:r>
-              <a:rPr lang="ko-KR" altLang="en-US" dirty="0">
+              <a:rPr lang="ko-KR" altLang="en-US">
                 <a:latin typeface="Noto Sans CJK KR Regular" panose="020B0500000000000000" pitchFamily="34" charset="-127"/>
                 <a:ea typeface="Noto Sans CJK KR Regular" panose="020B0500000000000000" pitchFamily="34" charset="-127"/>
               </a:rPr>
               <a:t>잘못된 값의 입력을 미리 막아서 </a:t>
             </a:r>
             <a:r>
-              <a:rPr lang="ko-KR" altLang="en-US" dirty="0">
+              <a:rPr lang="ko-KR" altLang="en-US">
                 <a:solidFill>
                   <a:srgbClr val="FF9E1B"/>
                 </a:solidFill>
@@ -29705,13 +29296,13 @@
               <a:t>타입 안전성</a:t>
             </a:r>
             <a:r>
-              <a:rPr lang="ko-KR" altLang="en-US" dirty="0">
+              <a:rPr lang="ko-KR" altLang="en-US">
                 <a:latin typeface="Noto Sans CJK KR Regular" panose="020B0500000000000000" pitchFamily="34" charset="-127"/>
                 <a:ea typeface="Noto Sans CJK KR Regular" panose="020B0500000000000000" pitchFamily="34" charset="-127"/>
               </a:rPr>
               <a:t>을 높임</a:t>
             </a:r>
-            <a:endParaRPr lang="en-US" altLang="ko-KR" dirty="0">
+            <a:endParaRPr lang="en-US" altLang="ko-KR">
               <a:latin typeface="Noto Sans CJK KR Regular" panose="020B0500000000000000" pitchFamily="34" charset="-127"/>
               <a:ea typeface="Noto Sans CJK KR Regular" panose="020B0500000000000000" pitchFamily="34" charset="-127"/>
             </a:endParaRPr>
@@ -29836,7 +29427,7 @@
           </a:bodyPr>
           <a:lstStyle/>
           <a:p>
-            <a:endParaRPr lang="en-US" altLang="ko-KR" b="0" dirty="0">
+            <a:endParaRPr lang="en-US" altLang="ko-KR" b="0">
               <a:solidFill>
                 <a:srgbClr val="0000FF"/>
               </a:solidFill>
@@ -29846,7 +29437,7 @@
           </a:p>
           <a:p>
             <a:r>
-              <a:rPr lang="en-US" altLang="ko-KR" b="0" dirty="0">
+              <a:rPr lang="en-US" altLang="ko-KR" b="0">
                 <a:solidFill>
                   <a:srgbClr val="0000FF"/>
                 </a:solidFill>
@@ -29856,7 +29447,7 @@
               <a:t>  function</a:t>
             </a:r>
             <a:r>
-              <a:rPr lang="en-US" altLang="ko-KR" b="0" dirty="0">
+              <a:rPr lang="en-US" altLang="ko-KR" b="0">
                 <a:solidFill>
                   <a:srgbClr val="3B3B3B"/>
                 </a:solidFill>
@@ -29866,7 +29457,7 @@
               <a:t> </a:t>
             </a:r>
             <a:r>
-              <a:rPr lang="en-US" altLang="ko-KR" b="0" dirty="0" err="1">
+              <a:rPr lang="en-US" altLang="ko-KR" b="0">
                 <a:solidFill>
                   <a:srgbClr val="795E26"/>
                 </a:solidFill>
@@ -29876,7 +29467,7 @@
               <a:t>walkWithMyDog</a:t>
             </a:r>
             <a:r>
-              <a:rPr lang="en-US" altLang="ko-KR" b="0" dirty="0">
+              <a:rPr lang="en-US" altLang="ko-KR" b="0">
                 <a:solidFill>
                   <a:srgbClr val="3B3B3B"/>
                 </a:solidFill>
@@ -29886,7 +29477,7 @@
               <a:t>(</a:t>
             </a:r>
             <a:r>
-              <a:rPr lang="en-US" altLang="ko-KR" b="0" dirty="0">
+              <a:rPr lang="en-US" altLang="ko-KR" b="0">
                 <a:solidFill>
                   <a:srgbClr val="001080"/>
                 </a:solidFill>
@@ -29896,7 +29487,7 @@
               <a:t>name</a:t>
             </a:r>
             <a:r>
-              <a:rPr lang="en-US" altLang="ko-KR" b="0" dirty="0">
+              <a:rPr lang="en-US" altLang="ko-KR" b="0">
                 <a:solidFill>
                   <a:srgbClr val="000000"/>
                 </a:solidFill>
@@ -29906,7 +29497,7 @@
               <a:t>:</a:t>
             </a:r>
             <a:r>
-              <a:rPr lang="en-US" altLang="ko-KR" b="0" dirty="0">
+              <a:rPr lang="en-US" altLang="ko-KR" b="0">
                 <a:solidFill>
                   <a:srgbClr val="3B3B3B"/>
                 </a:solidFill>
@@ -29916,7 +29507,7 @@
               <a:t> </a:t>
             </a:r>
             <a:r>
-              <a:rPr lang="en-US" altLang="ko-KR" b="0" dirty="0">
+              <a:rPr lang="en-US" altLang="ko-KR" b="0">
                 <a:solidFill>
                   <a:srgbClr val="A31515"/>
                 </a:solidFill>
@@ -29926,7 +29517,7 @@
               <a:t>'</a:t>
             </a:r>
             <a:r>
-              <a:rPr lang="ko-KR" altLang="en-US" b="0" dirty="0">
+              <a:rPr lang="ko-KR" altLang="en-US" b="0">
                 <a:solidFill>
                   <a:srgbClr val="A31515"/>
                 </a:solidFill>
@@ -29936,7 +29527,7 @@
               <a:t>하루</a:t>
             </a:r>
             <a:r>
-              <a:rPr lang="en-US" altLang="ko-KR" b="0" dirty="0">
+              <a:rPr lang="en-US" altLang="ko-KR" b="0">
                 <a:solidFill>
                   <a:srgbClr val="A31515"/>
                 </a:solidFill>
@@ -29946,7 +29537,7 @@
               <a:t>'</a:t>
             </a:r>
             <a:r>
-              <a:rPr lang="ko-KR" altLang="en-US" b="0" dirty="0">
+              <a:rPr lang="ko-KR" altLang="en-US" b="0">
                 <a:solidFill>
                   <a:srgbClr val="3B3B3B"/>
                 </a:solidFill>
@@ -29956,7 +29547,7 @@
               <a:t> </a:t>
             </a:r>
             <a:r>
-              <a:rPr lang="en-US" altLang="ko-KR" b="0" dirty="0">
+              <a:rPr lang="en-US" altLang="ko-KR" b="0">
                 <a:solidFill>
                   <a:srgbClr val="000000"/>
                 </a:solidFill>
@@ -29966,7 +29557,7 @@
               <a:t>|</a:t>
             </a:r>
             <a:r>
-              <a:rPr lang="ko-KR" altLang="en-US" b="0" dirty="0">
+              <a:rPr lang="ko-KR" altLang="en-US" b="0">
                 <a:solidFill>
                   <a:srgbClr val="3B3B3B"/>
                 </a:solidFill>
@@ -29976,7 +29567,7 @@
               <a:t> </a:t>
             </a:r>
             <a:r>
-              <a:rPr lang="en-US" altLang="ko-KR" b="0" dirty="0">
+              <a:rPr lang="en-US" altLang="ko-KR" b="0">
                 <a:solidFill>
                   <a:srgbClr val="A31515"/>
                 </a:solidFill>
@@ -29986,7 +29577,7 @@
               <a:t>'</a:t>
             </a:r>
             <a:r>
-              <a:rPr lang="ko-KR" altLang="en-US" b="0" dirty="0">
+              <a:rPr lang="ko-KR" altLang="en-US" b="0">
                 <a:solidFill>
                   <a:srgbClr val="A31515"/>
                 </a:solidFill>
@@ -29996,7 +29587,7 @@
               <a:t>나무</a:t>
             </a:r>
             <a:r>
-              <a:rPr lang="en-US" altLang="ko-KR" b="0" dirty="0">
+              <a:rPr lang="en-US" altLang="ko-KR" b="0">
                 <a:solidFill>
                   <a:srgbClr val="A31515"/>
                 </a:solidFill>
@@ -30006,7 +29597,7 @@
               <a:t>'</a:t>
             </a:r>
             <a:r>
-              <a:rPr lang="en-US" altLang="ko-KR" b="0" dirty="0">
+              <a:rPr lang="en-US" altLang="ko-KR" b="0">
                 <a:solidFill>
                   <a:srgbClr val="3B3B3B"/>
                 </a:solidFill>
@@ -30016,7 +29607,7 @@
               <a:t>, </a:t>
             </a:r>
             <a:r>
-              <a:rPr lang="en-US" altLang="ko-KR" b="0" dirty="0">
+              <a:rPr lang="en-US" altLang="ko-KR" b="0">
                 <a:solidFill>
                   <a:srgbClr val="001080"/>
                 </a:solidFill>
@@ -30026,7 +29617,7 @@
               <a:t>time</a:t>
             </a:r>
             <a:r>
-              <a:rPr lang="en-US" altLang="ko-KR" b="0" dirty="0">
+              <a:rPr lang="en-US" altLang="ko-KR" b="0">
                 <a:solidFill>
                   <a:srgbClr val="000000"/>
                 </a:solidFill>
@@ -30036,7 +29627,7 @@
               <a:t>:</a:t>
             </a:r>
             <a:r>
-              <a:rPr lang="en-US" altLang="ko-KR" b="0" dirty="0">
+              <a:rPr lang="en-US" altLang="ko-KR" b="0">
                 <a:solidFill>
                   <a:srgbClr val="3B3B3B"/>
                 </a:solidFill>
@@ -30046,7 +29637,7 @@
               <a:t> </a:t>
             </a:r>
             <a:r>
-              <a:rPr lang="en-US" altLang="ko-KR" b="0" dirty="0">
+              <a:rPr lang="en-US" altLang="ko-KR" b="0">
                 <a:solidFill>
                   <a:srgbClr val="098658"/>
                 </a:solidFill>
@@ -30056,7 +29647,7 @@
               <a:t>1</a:t>
             </a:r>
             <a:r>
-              <a:rPr lang="en-US" altLang="ko-KR" b="0" dirty="0">
+              <a:rPr lang="en-US" altLang="ko-KR" b="0">
                 <a:solidFill>
                   <a:srgbClr val="3B3B3B"/>
                 </a:solidFill>
@@ -30066,7 +29657,7 @@
               <a:t> </a:t>
             </a:r>
             <a:r>
-              <a:rPr lang="en-US" altLang="ko-KR" b="0" dirty="0">
+              <a:rPr lang="en-US" altLang="ko-KR" b="0">
                 <a:solidFill>
                   <a:srgbClr val="000000"/>
                 </a:solidFill>
@@ -30076,7 +29667,7 @@
               <a:t>|</a:t>
             </a:r>
             <a:r>
-              <a:rPr lang="en-US" altLang="ko-KR" b="0" dirty="0">
+              <a:rPr lang="en-US" altLang="ko-KR" b="0">
                 <a:solidFill>
                   <a:srgbClr val="3B3B3B"/>
                 </a:solidFill>
@@ -30086,7 +29677,7 @@
               <a:t> </a:t>
             </a:r>
             <a:r>
-              <a:rPr lang="en-US" altLang="ko-KR" b="0" dirty="0">
+              <a:rPr lang="en-US" altLang="ko-KR" b="0">
                 <a:solidFill>
                   <a:srgbClr val="098658"/>
                 </a:solidFill>
@@ -30096,7 +29687,7 @@
               <a:t>2</a:t>
             </a:r>
             <a:r>
-              <a:rPr lang="en-US" altLang="ko-KR" b="0" dirty="0">
+              <a:rPr lang="en-US" altLang="ko-KR" b="0">
                 <a:solidFill>
                   <a:srgbClr val="3B3B3B"/>
                 </a:solidFill>
@@ -30108,7 +29699,7 @@
           </a:p>
           <a:p>
             <a:r>
-              <a:rPr lang="en-US" altLang="ko-KR" b="0" dirty="0">
+              <a:rPr lang="en-US" altLang="ko-KR" b="0">
                 <a:solidFill>
                   <a:srgbClr val="3B3B3B"/>
                 </a:solidFill>
@@ -30118,7 +29709,7 @@
               <a:t>    </a:t>
             </a:r>
             <a:r>
-              <a:rPr lang="en-US" altLang="ko-KR" b="0" dirty="0">
+              <a:rPr lang="en-US" altLang="ko-KR" b="0">
                 <a:solidFill>
                   <a:srgbClr val="001080"/>
                 </a:solidFill>
@@ -30128,7 +29719,7 @@
               <a:t>console</a:t>
             </a:r>
             <a:r>
-              <a:rPr lang="en-US" altLang="ko-KR" b="0" dirty="0">
+              <a:rPr lang="en-US" altLang="ko-KR" b="0">
                 <a:solidFill>
                   <a:srgbClr val="3B3B3B"/>
                 </a:solidFill>
@@ -30138,7 +29729,7 @@
               <a:t>.</a:t>
             </a:r>
             <a:r>
-              <a:rPr lang="en-US" altLang="ko-KR" b="0" dirty="0">
+              <a:rPr lang="en-US" altLang="ko-KR" b="0">
                 <a:solidFill>
                   <a:srgbClr val="795E26"/>
                 </a:solidFill>
@@ -30148,7 +29739,7 @@
               <a:t>log</a:t>
             </a:r>
             <a:r>
-              <a:rPr lang="en-US" altLang="ko-KR" b="0" dirty="0">
+              <a:rPr lang="en-US" altLang="ko-KR" b="0">
                 <a:solidFill>
                   <a:srgbClr val="3B3B3B"/>
                 </a:solidFill>
@@ -30158,7 +29749,7 @@
               <a:t>(</a:t>
             </a:r>
             <a:r>
-              <a:rPr lang="en-US" altLang="ko-KR" b="0" dirty="0">
+              <a:rPr lang="en-US" altLang="ko-KR" b="0">
                 <a:solidFill>
                   <a:srgbClr val="A31515"/>
                 </a:solidFill>
@@ -30168,7 +29759,7 @@
               <a:t>`</a:t>
             </a:r>
             <a:r>
-              <a:rPr lang="en-US" altLang="ko-KR" b="0" dirty="0">
+              <a:rPr lang="en-US" altLang="ko-KR" b="0">
                 <a:solidFill>
                   <a:srgbClr val="0000FF"/>
                 </a:solidFill>
@@ -30178,7 +29769,7 @@
               <a:t>${</a:t>
             </a:r>
             <a:r>
-              <a:rPr lang="en-US" altLang="ko-KR" b="0" dirty="0">
+              <a:rPr lang="en-US" altLang="ko-KR" b="0">
                 <a:solidFill>
                   <a:srgbClr val="001080"/>
                 </a:solidFill>
@@ -30188,7 +29779,7 @@
               <a:t>time</a:t>
             </a:r>
             <a:r>
-              <a:rPr lang="en-US" altLang="ko-KR" b="0" dirty="0">
+              <a:rPr lang="en-US" altLang="ko-KR" b="0">
                 <a:solidFill>
                   <a:srgbClr val="0000FF"/>
                 </a:solidFill>
@@ -30198,7 +29789,7 @@
               <a:t>}</a:t>
             </a:r>
             <a:r>
-              <a:rPr lang="ko-KR" altLang="en-US" b="0" dirty="0">
+              <a:rPr lang="ko-KR" altLang="en-US" b="0">
                 <a:solidFill>
                   <a:srgbClr val="A31515"/>
                 </a:solidFill>
@@ -30208,7 +29799,7 @@
               <a:t>시간 동안 </a:t>
             </a:r>
             <a:r>
-              <a:rPr lang="en-US" altLang="ko-KR" b="0" dirty="0">
+              <a:rPr lang="en-US" altLang="ko-KR" b="0">
                 <a:solidFill>
                   <a:srgbClr val="0000FF"/>
                 </a:solidFill>
@@ -30218,7 +29809,7 @@
               <a:t>${</a:t>
             </a:r>
             <a:r>
-              <a:rPr lang="en-US" altLang="ko-KR" b="0" dirty="0">
+              <a:rPr lang="en-US" altLang="ko-KR" b="0">
                 <a:solidFill>
                   <a:srgbClr val="001080"/>
                 </a:solidFill>
@@ -30228,7 +29819,7 @@
               <a:t>name</a:t>
             </a:r>
             <a:r>
-              <a:rPr lang="en-US" altLang="ko-KR" b="0" dirty="0">
+              <a:rPr lang="en-US" altLang="ko-KR" b="0">
                 <a:solidFill>
                   <a:srgbClr val="0000FF"/>
                 </a:solidFill>
@@ -30238,7 +29829,7 @@
               <a:t>}</a:t>
             </a:r>
             <a:r>
-              <a:rPr lang="ko-KR" altLang="en-US" b="0" dirty="0">
+              <a:rPr lang="ko-KR" altLang="en-US" b="0">
                 <a:solidFill>
                   <a:srgbClr val="A31515"/>
                 </a:solidFill>
@@ -30248,7 +29839,7 @@
               <a:t>와 산책합니다</a:t>
             </a:r>
             <a:r>
-              <a:rPr lang="en-US" altLang="ko-KR" b="0" dirty="0">
+              <a:rPr lang="en-US" altLang="ko-KR" b="0">
                 <a:solidFill>
                   <a:srgbClr val="A31515"/>
                 </a:solidFill>
@@ -30258,7 +29849,7 @@
               <a:t>.`</a:t>
             </a:r>
             <a:r>
-              <a:rPr lang="en-US" altLang="ko-KR" b="0" dirty="0">
+              <a:rPr lang="en-US" altLang="ko-KR" b="0">
                 <a:solidFill>
                   <a:srgbClr val="3B3B3B"/>
                 </a:solidFill>
@@ -30270,7 +29861,7 @@
           </a:p>
           <a:p>
             <a:r>
-              <a:rPr lang="en-US" altLang="ko-KR" b="0" dirty="0">
+              <a:rPr lang="en-US" altLang="ko-KR" b="0">
                 <a:solidFill>
                   <a:srgbClr val="3B3B3B"/>
                 </a:solidFill>
@@ -30282,17 +29873,181 @@
           </a:p>
           <a:p>
             <a:r>
-              <a:rPr lang="en-US" altLang="ko-KR" b="0" dirty="0">
+              <a:rPr lang="en-US" altLang="ko-KR" b="0">
                 <a:solidFill>
                   <a:srgbClr val="795E26"/>
                 </a:solidFill>
                 <a:effectLst/>
                 <a:latin typeface="Consolas" panose="020B0609020204030204" pitchFamily="49" charset="0"/>
               </a:rPr>
+              <a:t>  walkWithMyDog</a:t>
+            </a:r>
+            <a:r>
+              <a:rPr lang="en-US" altLang="ko-KR" b="0">
+                <a:solidFill>
+                  <a:srgbClr val="3B3B3B"/>
+                </a:solidFill>
+                <a:effectLst/>
+                <a:latin typeface="Consolas" panose="020B0609020204030204" pitchFamily="49" charset="0"/>
+              </a:rPr>
+              <a:t>(</a:t>
+            </a:r>
+            <a:r>
+              <a:rPr lang="en-US" altLang="ko-KR" b="0">
+                <a:solidFill>
+                  <a:srgbClr val="A31515"/>
+                </a:solidFill>
+                <a:effectLst/>
+                <a:latin typeface="Consolas" panose="020B0609020204030204" pitchFamily="49" charset="0"/>
+              </a:rPr>
+              <a:t>'</a:t>
+            </a:r>
+            <a:r>
+              <a:rPr lang="ko-KR" altLang="en-US" b="0">
+                <a:solidFill>
+                  <a:srgbClr val="A31515"/>
+                </a:solidFill>
+                <a:effectLst/>
+                <a:latin typeface="Consolas" panose="020B0609020204030204" pitchFamily="49" charset="0"/>
+              </a:rPr>
+              <a:t>하루</a:t>
+            </a:r>
+            <a:r>
+              <a:rPr lang="en-US" altLang="ko-KR" b="0">
+                <a:solidFill>
+                  <a:srgbClr val="A31515"/>
+                </a:solidFill>
+                <a:effectLst/>
+                <a:latin typeface="Consolas" panose="020B0609020204030204" pitchFamily="49" charset="0"/>
+              </a:rPr>
+              <a:t>'</a:t>
+            </a:r>
+            <a:r>
+              <a:rPr lang="en-US" altLang="ko-KR" b="0">
+                <a:solidFill>
+                  <a:srgbClr val="3B3B3B"/>
+                </a:solidFill>
+                <a:effectLst/>
+                <a:latin typeface="Consolas" panose="020B0609020204030204" pitchFamily="49" charset="0"/>
+              </a:rPr>
+              <a:t>, </a:t>
+            </a:r>
+            <a:r>
+              <a:rPr lang="en-US" altLang="ko-KR" b="0">
+                <a:solidFill>
+                  <a:srgbClr val="098658"/>
+                </a:solidFill>
+                <a:effectLst/>
+                <a:latin typeface="Consolas" panose="020B0609020204030204" pitchFamily="49" charset="0"/>
+              </a:rPr>
+              <a:t>1</a:t>
+            </a:r>
+            <a:r>
+              <a:rPr lang="en-US" altLang="ko-KR" b="0">
+                <a:solidFill>
+                  <a:srgbClr val="3B3B3B"/>
+                </a:solidFill>
+                <a:effectLst/>
+                <a:latin typeface="Consolas" panose="020B0609020204030204" pitchFamily="49" charset="0"/>
+              </a:rPr>
+              <a:t>);</a:t>
+            </a:r>
+          </a:p>
+          <a:p>
+            <a:r>
+              <a:rPr lang="en-US" altLang="ko-KR" b="0">
+                <a:solidFill>
+                  <a:srgbClr val="795E26"/>
+                </a:solidFill>
+                <a:effectLst/>
+                <a:latin typeface="Consolas" panose="020B0609020204030204" pitchFamily="49" charset="0"/>
+              </a:rPr>
+              <a:t>  walkWithMyDog</a:t>
+            </a:r>
+            <a:r>
+              <a:rPr lang="en-US" altLang="ko-KR" b="0">
+                <a:solidFill>
+                  <a:srgbClr val="3B3B3B"/>
+                </a:solidFill>
+                <a:effectLst/>
+                <a:latin typeface="Consolas" panose="020B0609020204030204" pitchFamily="49" charset="0"/>
+              </a:rPr>
+              <a:t>(</a:t>
+            </a:r>
+            <a:r>
+              <a:rPr lang="en-US" altLang="ko-KR" b="0">
+                <a:solidFill>
+                  <a:srgbClr val="A31515"/>
+                </a:solidFill>
+                <a:effectLst/>
+                <a:latin typeface="Consolas" panose="020B0609020204030204" pitchFamily="49" charset="0"/>
+              </a:rPr>
+              <a:t>'</a:t>
+            </a:r>
+            <a:r>
+              <a:rPr lang="ko-KR" altLang="en-US" b="0">
+                <a:solidFill>
+                  <a:srgbClr val="A31515"/>
+                </a:solidFill>
+                <a:effectLst/>
+                <a:latin typeface="Consolas" panose="020B0609020204030204" pitchFamily="49" charset="0"/>
+              </a:rPr>
+              <a:t>나무</a:t>
+            </a:r>
+            <a:r>
+              <a:rPr lang="en-US" altLang="ko-KR" b="0">
+                <a:solidFill>
+                  <a:srgbClr val="A31515"/>
+                </a:solidFill>
+                <a:effectLst/>
+                <a:latin typeface="Consolas" panose="020B0609020204030204" pitchFamily="49" charset="0"/>
+              </a:rPr>
+              <a:t>'</a:t>
+            </a:r>
+            <a:r>
+              <a:rPr lang="en-US" altLang="ko-KR" b="0">
+                <a:solidFill>
+                  <a:srgbClr val="3B3B3B"/>
+                </a:solidFill>
+                <a:effectLst/>
+                <a:latin typeface="Consolas" panose="020B0609020204030204" pitchFamily="49" charset="0"/>
+              </a:rPr>
+              <a:t>, </a:t>
+            </a:r>
+            <a:r>
+              <a:rPr lang="en-US" altLang="ko-KR" b="0">
+                <a:solidFill>
+                  <a:srgbClr val="098658"/>
+                </a:solidFill>
+                <a:effectLst/>
+                <a:latin typeface="Consolas" panose="020B0609020204030204" pitchFamily="49" charset="0"/>
+              </a:rPr>
+              <a:t>2</a:t>
+            </a:r>
+            <a:r>
+              <a:rPr lang="en-US" altLang="ko-KR" b="0">
+                <a:solidFill>
+                  <a:srgbClr val="3B3B3B"/>
+                </a:solidFill>
+                <a:effectLst/>
+                <a:latin typeface="Consolas" panose="020B0609020204030204" pitchFamily="49" charset="0"/>
+              </a:rPr>
+              <a:t>);</a:t>
+            </a:r>
+          </a:p>
+          <a:p>
+            <a:r>
+              <a:rPr lang="en-US" altLang="ko-KR" b="0">
+                <a:solidFill>
+                  <a:srgbClr val="795E26"/>
+                </a:solidFill>
+                <a:effectLst/>
+                <a:latin typeface="Consolas" panose="020B0609020204030204" pitchFamily="49" charset="0"/>
+              </a:rPr>
               <a:t>  </a:t>
             </a:r>
             <a:r>
-              <a:rPr lang="en-US" altLang="ko-KR" b="0" dirty="0" err="1">
+              <a:rPr lang="en-US" altLang="ko-KR" b="0" strike="sngStrike">
                 <a:solidFill>
                   <a:srgbClr val="795E26"/>
                 </a:solidFill>
@@ -30302,7 +30057,7 @@
               <a:t>walkWithMyDog</a:t>
             </a:r>
             <a:r>
-              <a:rPr lang="en-US" altLang="ko-KR" b="0" dirty="0">
+              <a:rPr lang="en-US" altLang="ko-KR" b="0" strike="sngStrike">
                 <a:solidFill>
                   <a:srgbClr val="3B3B3B"/>
                 </a:solidFill>
@@ -30312,7 +30067,7 @@
               <a:t>(</a:t>
             </a:r>
             <a:r>
-              <a:rPr lang="en-US" altLang="ko-KR" b="0" dirty="0">
+              <a:rPr lang="en-US" altLang="ko-KR" b="0" strike="sngStrike">
                 <a:solidFill>
                   <a:srgbClr val="A31515"/>
                 </a:solidFill>
@@ -30322,17 +30077,17 @@
               <a:t>'</a:t>
             </a:r>
             <a:r>
-              <a:rPr lang="ko-KR" altLang="en-US" b="0" dirty="0">
+              <a:rPr lang="ko-KR" altLang="en-US" b="0" strike="sngStrike">
                 <a:solidFill>
                   <a:srgbClr val="A31515"/>
                 </a:solidFill>
                 <a:effectLst/>
                 <a:latin typeface="Consolas" panose="020B0609020204030204" pitchFamily="49" charset="0"/>
               </a:rPr>
-              <a:t>하루</a:t>
-            </a:r>
-            <a:r>
-              <a:rPr lang="en-US" altLang="ko-KR" b="0" dirty="0">
+              <a:t>이틀</a:t>
+            </a:r>
+            <a:r>
+              <a:rPr lang="en-US" altLang="ko-KR" b="0" strike="sngStrike">
                 <a:solidFill>
                   <a:srgbClr val="A31515"/>
                 </a:solidFill>
@@ -30342,7 +30097,7 @@
               <a:t>'</a:t>
             </a:r>
             <a:r>
-              <a:rPr lang="en-US" altLang="ko-KR" b="0" dirty="0">
+              <a:rPr lang="en-US" altLang="ko-KR" b="0" strike="sngStrike">
                 <a:solidFill>
                   <a:srgbClr val="3B3B3B"/>
                 </a:solidFill>
@@ -30352,211 +30107,27 @@
               <a:t>, </a:t>
             </a:r>
             <a:r>
-              <a:rPr lang="en-US" altLang="ko-KR" b="0" dirty="0">
+              <a:rPr lang="en-US" altLang="ko-KR" b="0" strike="sngStrike">
                 <a:solidFill>
                   <a:srgbClr val="098658"/>
                 </a:solidFill>
                 <a:effectLst/>
                 <a:latin typeface="Consolas" panose="020B0609020204030204" pitchFamily="49" charset="0"/>
               </a:rPr>
-              <a:t>1</a:t>
-            </a:r>
-            <a:r>
-              <a:rPr lang="en-US" altLang="ko-KR" b="0" dirty="0">
+              <a:t>3</a:t>
+            </a:r>
+            <a:r>
+              <a:rPr lang="en-US" altLang="ko-KR" b="0" strike="sngStrike">
                 <a:solidFill>
                   <a:srgbClr val="3B3B3B"/>
                 </a:solidFill>
                 <a:effectLst/>
                 <a:latin typeface="Consolas" panose="020B0609020204030204" pitchFamily="49" charset="0"/>
               </a:rPr>
-              <a:t>);</a:t>
-            </a:r>
-          </a:p>
-          <a:p>
-            <a:r>
-              <a:rPr lang="en-US" altLang="ko-KR" b="0" dirty="0">
-                <a:solidFill>
-                  <a:srgbClr val="795E26"/>
-                </a:solidFill>
-                <a:effectLst/>
-                <a:latin typeface="Consolas" panose="020B0609020204030204" pitchFamily="49" charset="0"/>
-              </a:rPr>
-              <a:t>  </a:t>
-            </a:r>
-            <a:r>
-              <a:rPr lang="en-US" altLang="ko-KR" b="0" dirty="0" err="1">
-                <a:solidFill>
-                  <a:srgbClr val="795E26"/>
-                </a:solidFill>
-                <a:effectLst/>
-                <a:latin typeface="Consolas" panose="020B0609020204030204" pitchFamily="49" charset="0"/>
-              </a:rPr>
-              <a:t>walkWithMyDog</a:t>
-            </a:r>
-            <a:r>
-              <a:rPr lang="en-US" altLang="ko-KR" b="0" dirty="0">
-                <a:solidFill>
-                  <a:srgbClr val="3B3B3B"/>
-                </a:solidFill>
-                <a:effectLst/>
-                <a:latin typeface="Consolas" panose="020B0609020204030204" pitchFamily="49" charset="0"/>
-              </a:rPr>
-              <a:t>(</a:t>
-            </a:r>
-            <a:r>
-              <a:rPr lang="en-US" altLang="ko-KR" b="0" dirty="0">
-                <a:solidFill>
-                  <a:srgbClr val="A31515"/>
-                </a:solidFill>
-                <a:effectLst/>
-                <a:latin typeface="Consolas" panose="020B0609020204030204" pitchFamily="49" charset="0"/>
-              </a:rPr>
-              <a:t>'</a:t>
-            </a:r>
-            <a:r>
-              <a:rPr lang="ko-KR" altLang="en-US" b="0" dirty="0">
-                <a:solidFill>
-                  <a:srgbClr val="A31515"/>
-                </a:solidFill>
-                <a:effectLst/>
-                <a:latin typeface="Consolas" panose="020B0609020204030204" pitchFamily="49" charset="0"/>
-              </a:rPr>
-              <a:t>나무</a:t>
-            </a:r>
-            <a:r>
-              <a:rPr lang="en-US" altLang="ko-KR" b="0" dirty="0">
-                <a:solidFill>
-                  <a:srgbClr val="A31515"/>
-                </a:solidFill>
-                <a:effectLst/>
-                <a:latin typeface="Consolas" panose="020B0609020204030204" pitchFamily="49" charset="0"/>
-              </a:rPr>
-              <a:t>'</a:t>
-            </a:r>
-            <a:r>
-              <a:rPr lang="en-US" altLang="ko-KR" b="0" dirty="0">
-                <a:solidFill>
-                  <a:srgbClr val="3B3B3B"/>
-                </a:solidFill>
-                <a:effectLst/>
-                <a:latin typeface="Consolas" panose="020B0609020204030204" pitchFamily="49" charset="0"/>
-              </a:rPr>
-              <a:t>, </a:t>
-            </a:r>
-            <a:r>
-              <a:rPr lang="en-US" altLang="ko-KR" b="0" dirty="0">
-                <a:solidFill>
-                  <a:srgbClr val="098658"/>
-                </a:solidFill>
-                <a:effectLst/>
-                <a:latin typeface="Consolas" panose="020B0609020204030204" pitchFamily="49" charset="0"/>
-              </a:rPr>
-              <a:t>2</a:t>
-            </a:r>
-            <a:r>
-              <a:rPr lang="en-US" altLang="ko-KR" b="0" dirty="0">
-                <a:solidFill>
-                  <a:srgbClr val="3B3B3B"/>
-                </a:solidFill>
-                <a:effectLst/>
-                <a:latin typeface="Consolas" panose="020B0609020204030204" pitchFamily="49" charset="0"/>
-              </a:rPr>
-              <a:t>);</a:t>
-            </a:r>
-          </a:p>
-          <a:p>
-            <a:r>
-              <a:rPr lang="en-US" altLang="ko-KR" b="0" dirty="0">
-                <a:solidFill>
-                  <a:srgbClr val="795E26"/>
-                </a:solidFill>
-                <a:effectLst/>
-                <a:latin typeface="Consolas" panose="020B0609020204030204" pitchFamily="49" charset="0"/>
-              </a:rPr>
-              <a:t>  </a:t>
-            </a:r>
-            <a:r>
-              <a:rPr lang="en-US" altLang="ko-KR" b="0" strike="sngStrike" dirty="0" err="1">
-                <a:solidFill>
-                  <a:srgbClr val="795E26"/>
-                </a:solidFill>
-                <a:effectLst/>
-                <a:latin typeface="Consolas" panose="020B0609020204030204" pitchFamily="49" charset="0"/>
-              </a:rPr>
-              <a:t>walkWithMyDog</a:t>
-            </a:r>
-            <a:r>
-              <a:rPr lang="en-US" altLang="ko-KR" b="0" strike="sngStrike" dirty="0">
-                <a:solidFill>
-                  <a:srgbClr val="3B3B3B"/>
-                </a:solidFill>
-                <a:effectLst/>
-                <a:latin typeface="Consolas" panose="020B0609020204030204" pitchFamily="49" charset="0"/>
-              </a:rPr>
-              <a:t>(</a:t>
-            </a:r>
-            <a:r>
-              <a:rPr lang="en-US" altLang="ko-KR" b="0" strike="sngStrike" dirty="0">
-                <a:solidFill>
-                  <a:srgbClr val="A31515"/>
-                </a:solidFill>
-                <a:effectLst/>
-                <a:latin typeface="Consolas" panose="020B0609020204030204" pitchFamily="49" charset="0"/>
-              </a:rPr>
-              <a:t>'</a:t>
-            </a:r>
-            <a:r>
-              <a:rPr lang="ko-KR" altLang="en-US" b="0" strike="sngStrike" dirty="0">
-                <a:solidFill>
-                  <a:srgbClr val="A31515"/>
-                </a:solidFill>
-                <a:effectLst/>
-                <a:latin typeface="Consolas" panose="020B0609020204030204" pitchFamily="49" charset="0"/>
-              </a:rPr>
-              <a:t>이틀</a:t>
-            </a:r>
-            <a:r>
-              <a:rPr lang="en-US" altLang="ko-KR" b="0" strike="sngStrike" dirty="0">
-                <a:solidFill>
-                  <a:srgbClr val="A31515"/>
-                </a:solidFill>
-                <a:effectLst/>
-                <a:latin typeface="Consolas" panose="020B0609020204030204" pitchFamily="49" charset="0"/>
-              </a:rPr>
-              <a:t>'</a:t>
-            </a:r>
-            <a:r>
-              <a:rPr lang="en-US" altLang="ko-KR" b="0" strike="sngStrike" dirty="0">
-                <a:solidFill>
-                  <a:srgbClr val="3B3B3B"/>
-                </a:solidFill>
-                <a:effectLst/>
-                <a:latin typeface="Consolas" panose="020B0609020204030204" pitchFamily="49" charset="0"/>
-              </a:rPr>
-              <a:t>, </a:t>
-            </a:r>
-            <a:r>
-              <a:rPr lang="en-US" altLang="ko-KR" b="0" strike="sngStrike" dirty="0">
-                <a:solidFill>
-                  <a:srgbClr val="098658"/>
-                </a:solidFill>
-                <a:effectLst/>
-                <a:latin typeface="Consolas" panose="020B0609020204030204" pitchFamily="49" charset="0"/>
-              </a:rPr>
-              <a:t>3</a:t>
-            </a:r>
-            <a:r>
-              <a:rPr lang="en-US" altLang="ko-KR" b="0" strike="sngStrike" dirty="0">
-                <a:solidFill>
-                  <a:srgbClr val="3B3B3B"/>
-                </a:solidFill>
-                <a:effectLst/>
-                <a:latin typeface="Consolas" panose="020B0609020204030204" pitchFamily="49" charset="0"/>
-              </a:rPr>
               <a:t>); </a:t>
             </a:r>
             <a:r>
-              <a:rPr lang="en-US" altLang="ko-KR" b="0" dirty="0">
+              <a:rPr lang="en-US" altLang="ko-KR" b="0">
                 <a:solidFill>
                   <a:srgbClr val="008000"/>
                 </a:solidFill>
@@ -30566,7 +30137,7 @@
               <a:t>// </a:t>
             </a:r>
             <a:r>
-              <a:rPr lang="ko-KR" altLang="en-US" b="0" dirty="0">
+              <a:rPr lang="ko-KR" altLang="en-US" b="0">
                 <a:solidFill>
                   <a:srgbClr val="008000"/>
                 </a:solidFill>
@@ -30575,7 +30146,7 @@
               </a:rPr>
               <a:t>타입 에러</a:t>
             </a:r>
-            <a:endParaRPr lang="ko-KR" altLang="en-US" b="0" dirty="0">
+            <a:endParaRPr lang="ko-KR" altLang="en-US" b="0">
               <a:solidFill>
                 <a:srgbClr val="3B3B3B"/>
               </a:solidFill>
@@ -30584,7 +30155,7 @@
             </a:endParaRPr>
           </a:p>
           <a:p>
-            <a:endParaRPr lang="en-US" altLang="ko-KR" b="0" dirty="0">
+            <a:endParaRPr lang="en-US" altLang="ko-KR" b="0">
               <a:solidFill>
                 <a:srgbClr val="3B3B3B"/>
               </a:solidFill>
@@ -30653,7 +30224,7 @@
           <a:lstStyle/>
           <a:p>
             <a:r>
-              <a:rPr kumimoji="1" lang="ko-KR" altLang="en-US" sz="1600" spc="-60" dirty="0">
+              <a:rPr kumimoji="1" lang="ko-KR" altLang="en-US" sz="1600" spc="-60">
                 <a:solidFill>
                   <a:srgbClr val="FF9E1B"/>
                 </a:solidFill>
@@ -30663,7 +30234,7 @@
               <a:t>강의  </a:t>
             </a:r>
             <a:r>
-              <a:rPr kumimoji="1" lang="en-US" altLang="ko-KR" sz="1600" spc="-60" dirty="0">
+              <a:rPr kumimoji="1" lang="en-US" altLang="ko-KR" sz="1600" spc="-60">
                 <a:solidFill>
                   <a:schemeClr val="tx1">
                     <a:lumMod val="75000"/>
@@ -30676,7 +30247,7 @@
               <a:t>|</a:t>
             </a:r>
             <a:r>
-              <a:rPr kumimoji="1" lang="ko-KR" altLang="en-US" sz="1600" spc="-60" dirty="0">
+              <a:rPr kumimoji="1" lang="ko-KR" altLang="en-US" sz="1600" spc="-60">
                 <a:solidFill>
                   <a:schemeClr val="tx1">
                     <a:lumMod val="75000"/>
@@ -30689,7 +30260,7 @@
               <a:t>  타입 단언 </a:t>
             </a:r>
             <a:r>
-              <a:rPr kumimoji="1" lang="en-US" altLang="ko-KR" sz="1600" spc="-60" dirty="0">
+              <a:rPr kumimoji="1" lang="en-US" altLang="ko-KR" sz="1600" spc="-60">
                 <a:solidFill>
                   <a:schemeClr val="tx1">
                     <a:lumMod val="75000"/>
@@ -30814,14 +30385,14 @@
               <a:buChar char="▶"/>
             </a:pPr>
             <a:r>
-              <a:rPr lang="en-US" altLang="ko-KR" sz="2000" dirty="0">
+              <a:rPr lang="en-US" altLang="ko-KR" sz="2000">
                 <a:latin typeface="Noto Sans CJK KR Regular" panose="020B0500000000000000" pitchFamily="34" charset="-127"/>
                 <a:ea typeface="Noto Sans CJK KR Regular" panose="020B0500000000000000" pitchFamily="34" charset="-127"/>
               </a:rPr>
               <a:t> </a:t>
             </a:r>
             <a:r>
-              <a:rPr lang="ko-KR" altLang="en-US" sz="2000" dirty="0">
+              <a:rPr lang="ko-KR" altLang="en-US" sz="2000">
                 <a:latin typeface="Noto Sans CJK KR Regular" panose="020B0500000000000000" pitchFamily="34" charset="-127"/>
                 <a:ea typeface="Noto Sans CJK KR Regular" panose="020B0500000000000000" pitchFamily="34" charset="-127"/>
               </a:rPr>
@@ -30838,21 +30409,21 @@
               <a:buChar char="•"/>
             </a:pPr>
             <a:r>
-              <a:rPr lang="en-US" altLang="ko-KR" b="0" dirty="0">
+              <a:rPr lang="en-US" altLang="ko-KR" b="0">
                 <a:latin typeface="Noto Sans CJK KR Regular" panose="020B0500000000000000" pitchFamily="34" charset="-127"/>
                 <a:ea typeface="Noto Sans CJK KR Regular" panose="020B0500000000000000" pitchFamily="34" charset="-127"/>
               </a:rPr>
               <a:t> </a:t>
             </a:r>
             <a:r>
-              <a:rPr lang="ko-KR" altLang="en-US" b="0" dirty="0">
+              <a:rPr lang="ko-KR" altLang="en-US" b="0">
                 <a:latin typeface="Noto Sans CJK KR Regular" panose="020B0500000000000000" pitchFamily="34" charset="-127"/>
                 <a:ea typeface="Noto Sans CJK KR Regular" panose="020B0500000000000000" pitchFamily="34" charset="-127"/>
               </a:rPr>
               <a:t>타입스크립트의 타입 추론에 기대지 않고 </a:t>
             </a:r>
             <a:r>
-              <a:rPr lang="ko-KR" altLang="en-US" b="0" dirty="0">
+              <a:rPr lang="ko-KR" altLang="en-US" b="0">
                 <a:solidFill>
                   <a:srgbClr val="FF9E1B"/>
                 </a:solidFill>
@@ -30862,14 +30433,14 @@
               <a:t>명시적</a:t>
             </a:r>
             <a:r>
-              <a:rPr lang="ko-KR" altLang="en-US" b="0" dirty="0">
+              <a:rPr lang="ko-KR" altLang="en-US" b="0">
                 <a:latin typeface="Noto Sans CJK KR Regular" panose="020B0500000000000000" pitchFamily="34" charset="-127"/>
                 <a:ea typeface="Noto Sans CJK KR Regular" panose="020B0500000000000000" pitchFamily="34" charset="-127"/>
               </a:rPr>
               <a:t>으로 직접 </a:t>
             </a:r>
             <a:r>
-              <a:rPr lang="ko-KR" altLang="en-US" b="0" dirty="0">
+              <a:rPr lang="ko-KR" altLang="en-US" b="0">
                 <a:solidFill>
                   <a:srgbClr val="FF9E1B"/>
                 </a:solidFill>
@@ -30878,7 +30449,7 @@
               </a:rPr>
               <a:t>타입을 지정</a:t>
             </a:r>
-            <a:endParaRPr lang="en-US" altLang="ko-KR" b="0" dirty="0">
+            <a:endParaRPr lang="en-US" altLang="ko-KR" b="0">
               <a:solidFill>
                 <a:srgbClr val="FF9E1B"/>
               </a:solidFill>
@@ -30892,14 +30463,14 @@
               <a:buChar char="•"/>
             </a:pPr>
             <a:r>
-              <a:rPr lang="en-US" altLang="ko-KR" dirty="0">
+              <a:rPr lang="en-US" altLang="ko-KR">
                 <a:latin typeface="Noto Sans CJK KR Regular" panose="020B0500000000000000" pitchFamily="34" charset="-127"/>
                 <a:ea typeface="Noto Sans CJK KR Regular" panose="020B0500000000000000" pitchFamily="34" charset="-127"/>
               </a:rPr>
               <a:t> </a:t>
             </a:r>
             <a:r>
-              <a:rPr lang="en-US" altLang="ko-KR" b="1" dirty="0">
+              <a:rPr lang="en-US" altLang="ko-KR" b="1">
                 <a:solidFill>
                   <a:srgbClr val="FF9E1B"/>
                 </a:solidFill>
@@ -30909,14 +30480,14 @@
               <a:t>as</a:t>
             </a:r>
             <a:r>
-              <a:rPr lang="ko-KR" altLang="en-US" dirty="0">
+              <a:rPr lang="ko-KR" altLang="en-US">
                 <a:latin typeface="Noto Sans CJK KR Regular" panose="020B0500000000000000" pitchFamily="34" charset="-127"/>
                 <a:ea typeface="Noto Sans CJK KR Regular" panose="020B0500000000000000" pitchFamily="34" charset="-127"/>
               </a:rPr>
               <a:t> 키워드로 타입을 지정하면 타입스크립트 컴파일러가 타입 </a:t>
             </a:r>
             <a:r>
-              <a:rPr lang="ko-KR" altLang="en-US" dirty="0">
+              <a:rPr lang="ko-KR" altLang="en-US">
                 <a:solidFill>
                   <a:srgbClr val="FF9E1B"/>
                 </a:solidFill>
@@ -30925,7 +30496,7 @@
               </a:rPr>
               <a:t>검사를 수행하지 않음</a:t>
             </a:r>
-            <a:endParaRPr lang="en-US" altLang="ko-KR" dirty="0">
+            <a:endParaRPr lang="en-US" altLang="ko-KR">
               <a:solidFill>
                 <a:srgbClr val="FF9E1B"/>
               </a:solidFill>
@@ -30939,21 +30510,21 @@
               <a:buChar char="•"/>
             </a:pPr>
             <a:r>
-              <a:rPr lang="en-US" altLang="ko-KR" dirty="0">
+              <a:rPr lang="en-US" altLang="ko-KR">
                 <a:latin typeface="Noto Sans CJK KR Regular" panose="020B0500000000000000" pitchFamily="34" charset="-127"/>
                 <a:ea typeface="Noto Sans CJK KR Regular" panose="020B0500000000000000" pitchFamily="34" charset="-127"/>
               </a:rPr>
               <a:t> </a:t>
             </a:r>
             <a:r>
-              <a:rPr lang="ko-KR" altLang="en-US" dirty="0">
+              <a:rPr lang="ko-KR" altLang="en-US">
                 <a:latin typeface="Noto Sans CJK KR Regular" panose="020B0500000000000000" pitchFamily="34" charset="-127"/>
                 <a:ea typeface="Noto Sans CJK KR Regular" panose="020B0500000000000000" pitchFamily="34" charset="-127"/>
               </a:rPr>
               <a:t>넓은 범위의 타입을 더 </a:t>
             </a:r>
             <a:r>
-              <a:rPr lang="ko-KR" altLang="en-US" dirty="0">
+              <a:rPr lang="ko-KR" altLang="en-US">
                 <a:solidFill>
                   <a:srgbClr val="FF9E1B"/>
                 </a:solidFill>
@@ -30963,13 +30534,13 @@
               <a:t>구체적인 타입</a:t>
             </a:r>
             <a:r>
-              <a:rPr lang="ko-KR" altLang="en-US" dirty="0">
+              <a:rPr lang="ko-KR" altLang="en-US">
                 <a:latin typeface="Noto Sans CJK KR Regular" panose="020B0500000000000000" pitchFamily="34" charset="-127"/>
                 <a:ea typeface="Noto Sans CJK KR Regular" panose="020B0500000000000000" pitchFamily="34" charset="-127"/>
               </a:rPr>
               <a:t>으로 지정할 때 사용 </a:t>
             </a:r>
-            <a:endParaRPr lang="en-US" altLang="ko-KR" dirty="0">
+            <a:endParaRPr lang="en-US" altLang="ko-KR">
               <a:latin typeface="Noto Sans CJK KR Regular" panose="020B0500000000000000" pitchFamily="34" charset="-127"/>
               <a:ea typeface="Noto Sans CJK KR Regular" panose="020B0500000000000000" pitchFamily="34" charset="-127"/>
             </a:endParaRPr>
@@ -30979,7 +30550,7 @@
               <a:buFontTx/>
               <a:buChar char="•"/>
             </a:pPr>
-            <a:endParaRPr lang="en-US" altLang="ko-KR" dirty="0">
+            <a:endParaRPr lang="en-US" altLang="ko-KR">
               <a:latin typeface="Noto Sans CJK KR Regular" panose="020B0500000000000000" pitchFamily="34" charset="-127"/>
               <a:ea typeface="Noto Sans CJK KR Regular" panose="020B0500000000000000" pitchFamily="34" charset="-127"/>
             </a:endParaRPr>
@@ -30990,20 +30561,20 @@
               <a:buChar char="▶"/>
             </a:pPr>
             <a:r>
-              <a:rPr lang="en-US" altLang="ko-KR" sz="2000" dirty="0">
+              <a:rPr lang="en-US" altLang="ko-KR" sz="2000">
                 <a:latin typeface="Noto Sans CJK KR Regular" panose="020B0500000000000000" pitchFamily="34" charset="-127"/>
                 <a:ea typeface="Noto Sans CJK KR Regular" panose="020B0500000000000000" pitchFamily="34" charset="-127"/>
               </a:rPr>
               <a:t> </a:t>
             </a:r>
             <a:r>
-              <a:rPr lang="ko-KR" altLang="en-US" sz="2000" dirty="0">
+              <a:rPr lang="ko-KR" altLang="en-US" sz="2000">
                 <a:latin typeface="Noto Sans CJK KR Regular" panose="020B0500000000000000" pitchFamily="34" charset="-127"/>
                 <a:ea typeface="Noto Sans CJK KR Regular" panose="020B0500000000000000" pitchFamily="34" charset="-127"/>
               </a:rPr>
               <a:t>타입 단언 대상</a:t>
             </a:r>
-            <a:endParaRPr lang="ko-KR" altLang="en-US" b="0" dirty="0">
+            <a:endParaRPr lang="ko-KR" altLang="en-US" b="0">
               <a:latin typeface="Noto Sans CJK KR Regular" panose="020B0500000000000000" pitchFamily="34" charset="-127"/>
               <a:ea typeface="Noto Sans CJK KR Regular" panose="020B0500000000000000" pitchFamily="34" charset="-127"/>
             </a:endParaRPr>
@@ -31014,35 +30585,35 @@
               <a:buChar char="•"/>
             </a:pPr>
             <a:r>
-              <a:rPr lang="en-US" altLang="ko-KR" b="0" dirty="0">
+              <a:rPr lang="en-US" altLang="ko-KR" b="0">
                 <a:latin typeface="Noto Sans CJK KR Regular" panose="020B0500000000000000" pitchFamily="34" charset="-127"/>
                 <a:ea typeface="Noto Sans CJK KR Regular" panose="020B0500000000000000" pitchFamily="34" charset="-127"/>
               </a:rPr>
               <a:t> </a:t>
             </a:r>
             <a:r>
-              <a:rPr lang="ko-KR" altLang="en-US" dirty="0" err="1">
+              <a:rPr lang="ko-KR" altLang="en-US">
                 <a:latin typeface="Noto Sans CJK KR Regular" panose="020B0500000000000000" pitchFamily="34" charset="-127"/>
                 <a:ea typeface="Noto Sans CJK KR Regular" panose="020B0500000000000000" pitchFamily="34" charset="-127"/>
               </a:rPr>
               <a:t>리터럴</a:t>
             </a:r>
             <a:r>
-              <a:rPr lang="en-US" altLang="ko-KR" dirty="0">
+              <a:rPr lang="en-US" altLang="ko-KR">
                 <a:latin typeface="Noto Sans CJK KR Regular" panose="020B0500000000000000" pitchFamily="34" charset="-127"/>
                 <a:ea typeface="Noto Sans CJK KR Regular" panose="020B0500000000000000" pitchFamily="34" charset="-127"/>
               </a:rPr>
               <a:t>: </a:t>
             </a:r>
             <a:r>
-              <a:rPr lang="ko-KR" altLang="en-US" dirty="0">
+              <a:rPr lang="ko-KR" altLang="en-US">
                 <a:latin typeface="Noto Sans CJK KR Regular" panose="020B0500000000000000" pitchFamily="34" charset="-127"/>
                 <a:ea typeface="Noto Sans CJK KR Regular" panose="020B0500000000000000" pitchFamily="34" charset="-127"/>
               </a:rPr>
               <a:t>원시형 데이터 타입의 </a:t>
             </a:r>
             <a:r>
-              <a:rPr lang="ko-KR" altLang="en-US" dirty="0">
+              <a:rPr lang="ko-KR" altLang="en-US">
                 <a:solidFill>
                   <a:srgbClr val="FF9E1B"/>
                 </a:solidFill>
@@ -31052,42 +30623,35 @@
               <a:t>값</a:t>
             </a:r>
             <a:r>
-              <a:rPr lang="en-US" altLang="ko-KR" dirty="0">
+              <a:rPr lang="en-US" altLang="ko-KR">
                 <a:latin typeface="Noto Sans CJK KR Regular" panose="020B0500000000000000" pitchFamily="34" charset="-127"/>
                 <a:ea typeface="Noto Sans CJK KR Regular" panose="020B0500000000000000" pitchFamily="34" charset="-127"/>
               </a:rPr>
               <a:t>, </a:t>
             </a:r>
             <a:r>
-              <a:rPr lang="ko-KR" altLang="en-US" dirty="0">
+              <a:rPr lang="ko-KR" altLang="en-US">
                 <a:latin typeface="Noto Sans CJK KR Regular" panose="020B0500000000000000" pitchFamily="34" charset="-127"/>
                 <a:ea typeface="Noto Sans CJK KR Regular" panose="020B0500000000000000" pitchFamily="34" charset="-127"/>
               </a:rPr>
               <a:t>객체</a:t>
             </a:r>
             <a:r>
-              <a:rPr lang="en-US" altLang="ko-KR" dirty="0">
+              <a:rPr lang="en-US" altLang="ko-KR">
                 <a:latin typeface="Noto Sans CJK KR Regular" panose="020B0500000000000000" pitchFamily="34" charset="-127"/>
                 <a:ea typeface="Noto Sans CJK KR Regular" panose="020B0500000000000000" pitchFamily="34" charset="-127"/>
               </a:rPr>
               <a:t>, </a:t>
             </a:r>
             <a:r>
-              <a:rPr lang="ko-KR" altLang="en-US" dirty="0">
-                <a:latin typeface="Noto Sans CJK KR Regular" panose="020B0500000000000000" pitchFamily="34" charset="-127"/>
-                <a:ea typeface="Noto Sans CJK KR Regular" panose="020B0500000000000000" pitchFamily="34" charset="-127"/>
-              </a:rPr>
-              <a:t>함수의 </a:t>
-            </a:r>
-            <a:r>
-              <a:rPr lang="ko-KR" altLang="en-US" dirty="0" err="1">
-                <a:latin typeface="Noto Sans CJK KR Regular" panose="020B0500000000000000" pitchFamily="34" charset="-127"/>
-                <a:ea typeface="Noto Sans CJK KR Regular" panose="020B0500000000000000" pitchFamily="34" charset="-127"/>
-              </a:rPr>
-              <a:t>리턴</a:t>
-            </a:r>
-            <a:r>
-              <a:rPr lang="ko-KR" altLang="en-US" dirty="0" err="1">
+              <a:rPr lang="ko-KR" altLang="en-US">
+                <a:latin typeface="Noto Sans CJK KR Regular" panose="020B0500000000000000" pitchFamily="34" charset="-127"/>
+                <a:ea typeface="Noto Sans CJK KR Regular" panose="020B0500000000000000" pitchFamily="34" charset="-127"/>
+              </a:rPr>
+              <a:t>함수의 리턴</a:t>
+            </a:r>
+            <a:r>
+              <a:rPr lang="ko-KR" altLang="en-US">
                 <a:solidFill>
                   <a:srgbClr val="FF9E1B"/>
                 </a:solidFill>
@@ -31097,13 +30661,13 @@
               <a:t>값</a:t>
             </a:r>
             <a:r>
-              <a:rPr lang="ko-KR" altLang="en-US" b="0" dirty="0">
+              <a:rPr lang="ko-KR" altLang="en-US" b="0">
                 <a:latin typeface="Noto Sans CJK KR Regular" panose="020B0500000000000000" pitchFamily="34" charset="-127"/>
                 <a:ea typeface="Noto Sans CJK KR Regular" panose="020B0500000000000000" pitchFamily="34" charset="-127"/>
               </a:rPr>
               <a:t> </a:t>
             </a:r>
-            <a:endParaRPr lang="en-US" altLang="ko-KR" b="0" dirty="0">
+            <a:endParaRPr lang="en-US" altLang="ko-KR" b="0">
               <a:latin typeface="Noto Sans CJK KR Regular" panose="020B0500000000000000" pitchFamily="34" charset="-127"/>
               <a:ea typeface="Noto Sans CJK KR Regular" panose="020B0500000000000000" pitchFamily="34" charset="-127"/>
             </a:endParaRPr>
@@ -31113,7 +30677,7 @@
               <a:buFontTx/>
               <a:buChar char="•"/>
             </a:pPr>
-            <a:endParaRPr lang="en-US" altLang="ko-KR" dirty="0">
+            <a:endParaRPr lang="en-US" altLang="ko-KR">
               <a:latin typeface="Noto Sans CJK KR Regular" panose="020B0500000000000000" pitchFamily="34" charset="-127"/>
               <a:ea typeface="Noto Sans CJK KR Regular" panose="020B0500000000000000" pitchFamily="34" charset="-127"/>
             </a:endParaRPr>
@@ -31239,7 +30803,7 @@
           <a:lstStyle/>
           <a:p>
             <a:r>
-              <a:rPr lang="ko-KR" altLang="en-US" b="0" dirty="0">
+              <a:rPr lang="ko-KR" altLang="en-US" b="0">
                 <a:solidFill>
                   <a:srgbClr val="3B3B3B"/>
                 </a:solidFill>
@@ -31249,7 +30813,7 @@
               <a:t>  </a:t>
             </a:r>
             <a:r>
-              <a:rPr lang="en-US" altLang="ko-KR" b="0" dirty="0">
+              <a:rPr lang="en-US" altLang="ko-KR" b="0">
                 <a:solidFill>
                   <a:srgbClr val="0000FF"/>
                 </a:solidFill>
@@ -31259,7 +30823,7 @@
               <a:t>function</a:t>
             </a:r>
             <a:r>
-              <a:rPr lang="ko-KR" altLang="en-US" b="0" dirty="0">
+              <a:rPr lang="ko-KR" altLang="en-US" b="0">
                 <a:solidFill>
                   <a:srgbClr val="3B3B3B"/>
                 </a:solidFill>
@@ -31269,7 +30833,7 @@
               <a:t> </a:t>
             </a:r>
             <a:r>
-              <a:rPr lang="en-US" altLang="ko-KR" b="0" dirty="0" err="1">
+              <a:rPr lang="en-US" altLang="ko-KR" b="0">
                 <a:solidFill>
                   <a:srgbClr val="795E26"/>
                 </a:solidFill>
@@ -31279,7 +30843,7 @@
               <a:t>getMsg</a:t>
             </a:r>
             <a:r>
-              <a:rPr lang="en-US" altLang="ko-KR" b="0" dirty="0">
+              <a:rPr lang="en-US" altLang="ko-KR" b="0">
                 <a:solidFill>
                   <a:srgbClr val="3B3B3B"/>
                 </a:solidFill>
@@ -31289,7 +30853,7 @@
               <a:t>(</a:t>
             </a:r>
             <a:r>
-              <a:rPr lang="en-US" altLang="ko-KR" b="0" dirty="0">
+              <a:rPr lang="en-US" altLang="ko-KR" b="0">
                 <a:solidFill>
                   <a:srgbClr val="001080"/>
                 </a:solidFill>
@@ -31299,7 +30863,7 @@
               <a:t>msg</a:t>
             </a:r>
             <a:r>
-              <a:rPr lang="en-US" altLang="ko-KR" b="0" dirty="0">
+              <a:rPr lang="en-US" altLang="ko-KR" b="0">
                 <a:solidFill>
                   <a:srgbClr val="000000"/>
                 </a:solidFill>
@@ -31309,7 +30873,7 @@
               <a:t>:</a:t>
             </a:r>
             <a:r>
-              <a:rPr lang="ko-KR" altLang="en-US" b="0" dirty="0">
+              <a:rPr lang="ko-KR" altLang="en-US" b="0">
                 <a:solidFill>
                   <a:srgbClr val="3B3B3B"/>
                 </a:solidFill>
@@ -31319,7 +30883,7 @@
               <a:t> </a:t>
             </a:r>
             <a:r>
-              <a:rPr lang="en-US" altLang="ko-KR" b="0" dirty="0">
+              <a:rPr lang="en-US" altLang="ko-KR" b="0">
                 <a:solidFill>
                   <a:srgbClr val="267F99"/>
                 </a:solidFill>
@@ -31329,7 +30893,7 @@
               <a:t>string</a:t>
             </a:r>
             <a:r>
-              <a:rPr lang="ko-KR" altLang="en-US" b="0" dirty="0">
+              <a:rPr lang="ko-KR" altLang="en-US" b="0">
                 <a:solidFill>
                   <a:srgbClr val="3B3B3B"/>
                 </a:solidFill>
@@ -31339,7 +30903,7 @@
               <a:t> </a:t>
             </a:r>
             <a:r>
-              <a:rPr lang="en-US" altLang="ko-KR" b="0" dirty="0">
+              <a:rPr lang="en-US" altLang="ko-KR" b="0">
                 <a:solidFill>
                   <a:srgbClr val="000000"/>
                 </a:solidFill>
@@ -31349,7 +30913,7 @@
               <a:t>|</a:t>
             </a:r>
             <a:r>
-              <a:rPr lang="ko-KR" altLang="en-US" b="0" dirty="0">
+              <a:rPr lang="ko-KR" altLang="en-US" b="0">
                 <a:solidFill>
                   <a:srgbClr val="3B3B3B"/>
                 </a:solidFill>
@@ -31359,7 +30923,7 @@
               <a:t> </a:t>
             </a:r>
             <a:r>
-              <a:rPr lang="en-US" altLang="ko-KR" b="0" dirty="0">
+              <a:rPr lang="en-US" altLang="ko-KR" b="0">
                 <a:solidFill>
                   <a:srgbClr val="267F99"/>
                 </a:solidFill>
@@ -31369,7 +30933,7 @@
               <a:t>number</a:t>
             </a:r>
             <a:r>
-              <a:rPr lang="en-US" altLang="ko-KR" b="0" dirty="0">
+              <a:rPr lang="en-US" altLang="ko-KR" b="0">
                 <a:solidFill>
                   <a:srgbClr val="3B3B3B"/>
                 </a:solidFill>
@@ -31381,7 +30945,7 @@
           </a:p>
           <a:p>
             <a:r>
-              <a:rPr lang="en-US" altLang="ko-KR" b="0" dirty="0">
+              <a:rPr lang="en-US" altLang="ko-KR" b="0">
                 <a:solidFill>
                   <a:srgbClr val="3B3B3B"/>
                 </a:solidFill>
@@ -31391,7 +30955,7 @@
               <a:t>    </a:t>
             </a:r>
             <a:r>
-              <a:rPr lang="en-US" altLang="ko-KR" b="0" dirty="0">
+              <a:rPr lang="en-US" altLang="ko-KR" b="0">
                 <a:solidFill>
                   <a:srgbClr val="AF00DB"/>
                 </a:solidFill>
@@ -31401,7 +30965,7 @@
               <a:t>return</a:t>
             </a:r>
             <a:r>
-              <a:rPr lang="ko-KR" altLang="en-US" b="0" dirty="0">
+              <a:rPr lang="ko-KR" altLang="en-US" b="0">
                 <a:solidFill>
                   <a:srgbClr val="3B3B3B"/>
                 </a:solidFill>
@@ -31411,7 +30975,7 @@
               <a:t> </a:t>
             </a:r>
             <a:r>
-              <a:rPr lang="en-US" altLang="ko-KR" b="0" dirty="0">
+              <a:rPr lang="en-US" altLang="ko-KR" b="0">
                 <a:solidFill>
                   <a:srgbClr val="001080"/>
                 </a:solidFill>
@@ -31421,7 +30985,7 @@
               <a:t>msg</a:t>
             </a:r>
             <a:r>
-              <a:rPr lang="en-US" altLang="ko-KR" b="0" dirty="0">
+              <a:rPr lang="en-US" altLang="ko-KR" b="0">
                 <a:solidFill>
                   <a:srgbClr val="3B3B3B"/>
                 </a:solidFill>
@@ -31433,7 +30997,7 @@
           </a:p>
           <a:p>
             <a:r>
-              <a:rPr lang="en-US" altLang="ko-KR" b="0" dirty="0">
+              <a:rPr lang="en-US" altLang="ko-KR" b="0">
                 <a:solidFill>
                   <a:srgbClr val="3B3B3B"/>
                 </a:solidFill>
@@ -31442,7 +31006,7 @@
               </a:rPr>
               <a:t>  }</a:t>
             </a:r>
-            <a:endParaRPr lang="ko-KR" altLang="en-US" b="0" dirty="0">
+            <a:endParaRPr lang="ko-KR" altLang="en-US" b="0">
               <a:solidFill>
                 <a:srgbClr val="3B3B3B"/>
               </a:solidFill>
@@ -31452,7 +31016,7 @@
           </a:p>
           <a:p>
             <a:r>
-              <a:rPr lang="ko-KR" altLang="en-US" b="0" dirty="0">
+              <a:rPr lang="ko-KR" altLang="en-US" b="0">
                 <a:solidFill>
                   <a:srgbClr val="3B3B3B"/>
                 </a:solidFill>
@@ -31462,7 +31026,7 @@
               <a:t>  </a:t>
             </a:r>
             <a:r>
-              <a:rPr lang="en-US" altLang="ko-KR" b="0" dirty="0">
+              <a:rPr lang="en-US" altLang="ko-KR" b="0">
                 <a:solidFill>
                   <a:srgbClr val="0000FF"/>
                 </a:solidFill>
@@ -31472,7 +31036,7 @@
               <a:t>const</a:t>
             </a:r>
             <a:r>
-              <a:rPr lang="ko-KR" altLang="en-US" b="0" dirty="0">
+              <a:rPr lang="ko-KR" altLang="en-US" b="0">
                 <a:solidFill>
                   <a:srgbClr val="3B3B3B"/>
                 </a:solidFill>
@@ -31482,7 +31046,7 @@
               <a:t> </a:t>
             </a:r>
             <a:r>
-              <a:rPr lang="en-US" altLang="ko-KR" b="0" dirty="0">
+              <a:rPr lang="en-US" altLang="ko-KR" b="0">
                 <a:solidFill>
                   <a:srgbClr val="0070C1"/>
                 </a:solidFill>
@@ -31492,7 +31056,7 @@
               <a:t>msg1</a:t>
             </a:r>
             <a:r>
-              <a:rPr lang="ko-KR" altLang="en-US" b="0" dirty="0">
+              <a:rPr lang="ko-KR" altLang="en-US" b="0">
                 <a:solidFill>
                   <a:srgbClr val="3B3B3B"/>
                 </a:solidFill>
@@ -31502,7 +31066,7 @@
               <a:t> </a:t>
             </a:r>
             <a:r>
-              <a:rPr lang="en-US" altLang="ko-KR" b="0" dirty="0">
+              <a:rPr lang="en-US" altLang="ko-KR" b="0">
                 <a:solidFill>
                   <a:srgbClr val="000000"/>
                 </a:solidFill>
@@ -31512,7 +31076,7 @@
               <a:t>=</a:t>
             </a:r>
             <a:r>
-              <a:rPr lang="ko-KR" altLang="en-US" b="0" dirty="0">
+              <a:rPr lang="ko-KR" altLang="en-US" b="0">
                 <a:solidFill>
                   <a:srgbClr val="3B3B3B"/>
                 </a:solidFill>
@@ -31522,7 +31086,7 @@
               <a:t> </a:t>
             </a:r>
             <a:r>
-              <a:rPr lang="en-US" altLang="ko-KR" b="0" dirty="0" err="1">
+              <a:rPr lang="en-US" altLang="ko-KR" b="0">
                 <a:solidFill>
                   <a:srgbClr val="795E26"/>
                 </a:solidFill>
@@ -31532,7 +31096,7 @@
               <a:t>getMsg</a:t>
             </a:r>
             <a:r>
-              <a:rPr lang="en-US" altLang="ko-KR" b="0" dirty="0">
+              <a:rPr lang="en-US" altLang="ko-KR" b="0">
                 <a:solidFill>
                   <a:srgbClr val="3B3B3B"/>
                 </a:solidFill>
@@ -31542,7 +31106,7 @@
               <a:t>(</a:t>
             </a:r>
             <a:r>
-              <a:rPr lang="en-US" altLang="ko-KR" b="0" dirty="0">
+              <a:rPr lang="en-US" altLang="ko-KR" b="0">
                 <a:solidFill>
                   <a:srgbClr val="098658"/>
                 </a:solidFill>
@@ -31552,7 +31116,7 @@
               <a:t>123.456</a:t>
             </a:r>
             <a:r>
-              <a:rPr lang="en-US" altLang="ko-KR" b="0" dirty="0">
+              <a:rPr lang="en-US" altLang="ko-KR" b="0">
                 <a:solidFill>
                   <a:srgbClr val="3B3B3B"/>
                 </a:solidFill>
@@ -31562,7 +31126,7 @@
               <a:t>) </a:t>
             </a:r>
             <a:r>
-              <a:rPr lang="en-US" altLang="ko-KR" b="1" dirty="0">
+              <a:rPr lang="en-US" altLang="ko-KR" b="1">
                 <a:solidFill>
                   <a:srgbClr val="FF9E1B"/>
                 </a:solidFill>
@@ -31572,7 +31136,7 @@
               <a:t>as</a:t>
             </a:r>
             <a:r>
-              <a:rPr lang="ko-KR" altLang="en-US" b="1" dirty="0">
+              <a:rPr lang="ko-KR" altLang="en-US" b="1">
                 <a:solidFill>
                   <a:srgbClr val="FF9E1B"/>
                 </a:solidFill>
@@ -31582,7 +31146,7 @@
               <a:t> </a:t>
             </a:r>
             <a:r>
-              <a:rPr lang="en-US" altLang="ko-KR" b="1" dirty="0">
+              <a:rPr lang="en-US" altLang="ko-KR" b="1">
                 <a:solidFill>
                   <a:srgbClr val="FF9E1B"/>
                 </a:solidFill>
@@ -31592,7 +31156,7 @@
               <a:t>number</a:t>
             </a:r>
             <a:r>
-              <a:rPr lang="en-US" altLang="ko-KR" b="0" dirty="0">
+              <a:rPr lang="en-US" altLang="ko-KR" b="0">
                 <a:solidFill>
                   <a:srgbClr val="3B3B3B"/>
                 </a:solidFill>
@@ -31604,7 +31168,7 @@
           </a:p>
           <a:p>
             <a:r>
-              <a:rPr lang="en-US" altLang="ko-KR" b="0" dirty="0">
+              <a:rPr lang="en-US" altLang="ko-KR" b="0">
                 <a:solidFill>
                   <a:srgbClr val="008000"/>
                 </a:solidFill>
@@ -31614,7 +31178,7 @@
               <a:t>  // </a:t>
             </a:r>
             <a:r>
-              <a:rPr lang="ko-KR" altLang="en-US" b="0" dirty="0">
+              <a:rPr lang="ko-KR" altLang="en-US" b="0">
                 <a:solidFill>
                   <a:srgbClr val="008000"/>
                 </a:solidFill>
@@ -31624,36 +31188,26 @@
               <a:t>타입 단언이 없으면 </a:t>
             </a:r>
             <a:r>
-              <a:rPr lang="en-US" altLang="ko-KR" b="0" dirty="0" err="1">
+              <a:rPr lang="en-US" altLang="ko-KR" b="0">
                 <a:solidFill>
                   <a:srgbClr val="008000"/>
                 </a:solidFill>
                 <a:effectLst/>
                 <a:latin typeface="Consolas" panose="020B0609020204030204" pitchFamily="49" charset="0"/>
               </a:rPr>
-              <a:t>toFixed</a:t>
-            </a:r>
-            <a:r>
-              <a:rPr lang="en-US" altLang="ko-KR" b="0" dirty="0">
+              <a:t>toFixed() </a:t>
+            </a:r>
+            <a:r>
+              <a:rPr lang="ko-KR" altLang="en-US" b="0">
                 <a:solidFill>
                   <a:srgbClr val="008000"/>
                 </a:solidFill>
                 <a:effectLst/>
                 <a:latin typeface="Consolas" panose="020B0609020204030204" pitchFamily="49" charset="0"/>
               </a:rPr>
-              <a:t>() </a:t>
-            </a:r>
-            <a:r>
-              <a:rPr lang="ko-KR" altLang="en-US" b="0" dirty="0">
-                <a:solidFill>
-                  <a:srgbClr val="008000"/>
-                </a:solidFill>
-                <a:effectLst/>
-                <a:latin typeface="Consolas" panose="020B0609020204030204" pitchFamily="49" charset="0"/>
-              </a:rPr>
               <a:t>메서드 사용 시 컴파일 에러 발생</a:t>
             </a:r>
-            <a:endParaRPr lang="en-US" altLang="ko-KR" b="0" dirty="0">
+            <a:endParaRPr lang="en-US" altLang="ko-KR" b="0">
               <a:solidFill>
                 <a:srgbClr val="3B3B3B"/>
               </a:solidFill>
@@ -31663,7 +31217,7 @@
           </a:p>
           <a:p>
             <a:r>
-              <a:rPr lang="ko-KR" altLang="en-US" b="0" dirty="0">
+              <a:rPr lang="ko-KR" altLang="en-US" b="0">
                 <a:solidFill>
                   <a:srgbClr val="3B3B3B"/>
                 </a:solidFill>
@@ -31673,7 +31227,7 @@
               <a:t>  </a:t>
             </a:r>
             <a:r>
-              <a:rPr lang="en-US" altLang="ko-KR" b="0" dirty="0">
+              <a:rPr lang="en-US" altLang="ko-KR" b="0">
                 <a:solidFill>
                   <a:srgbClr val="001080"/>
                 </a:solidFill>
@@ -31683,7 +31237,7 @@
               <a:t>console</a:t>
             </a:r>
             <a:r>
-              <a:rPr lang="en-US" altLang="ko-KR" b="0" dirty="0">
+              <a:rPr lang="en-US" altLang="ko-KR" b="0">
                 <a:solidFill>
                   <a:srgbClr val="3B3B3B"/>
                 </a:solidFill>
@@ -31693,7 +31247,7 @@
               <a:t>.</a:t>
             </a:r>
             <a:r>
-              <a:rPr lang="en-US" altLang="ko-KR" b="0" dirty="0">
+              <a:rPr lang="en-US" altLang="ko-KR" b="0">
                 <a:solidFill>
                   <a:srgbClr val="795E26"/>
                 </a:solidFill>
@@ -31703,7 +31257,7 @@
               <a:t>log</a:t>
             </a:r>
             <a:r>
-              <a:rPr lang="en-US" altLang="ko-KR" b="0" dirty="0">
+              <a:rPr lang="en-US" altLang="ko-KR" b="0">
                 <a:solidFill>
                   <a:srgbClr val="3B3B3B"/>
                 </a:solidFill>
@@ -31713,7 +31267,7 @@
               <a:t>(</a:t>
             </a:r>
             <a:r>
-              <a:rPr lang="en-US" altLang="ko-KR" b="0" dirty="0">
+              <a:rPr lang="en-US" altLang="ko-KR" b="0">
                 <a:solidFill>
                   <a:srgbClr val="0070C1"/>
                 </a:solidFill>
@@ -31723,7 +31277,7 @@
               <a:t>msg1</a:t>
             </a:r>
             <a:r>
-              <a:rPr lang="en-US" altLang="ko-KR" b="0" dirty="0">
+              <a:rPr lang="en-US" altLang="ko-KR" b="0">
                 <a:solidFill>
                   <a:srgbClr val="3B3B3B"/>
                 </a:solidFill>
@@ -31733,7 +31287,7 @@
               <a:t>.</a:t>
             </a:r>
             <a:r>
-              <a:rPr lang="en-US" altLang="ko-KR" b="0" dirty="0">
+              <a:rPr lang="en-US" altLang="ko-KR" b="0">
                 <a:solidFill>
                   <a:srgbClr val="795E26"/>
                 </a:solidFill>
@@ -31743,7 +31297,7 @@
               <a:t>toFixed</a:t>
             </a:r>
             <a:r>
-              <a:rPr lang="en-US" altLang="ko-KR" b="0" dirty="0">
+              <a:rPr lang="en-US" altLang="ko-KR" b="0">
                 <a:solidFill>
                   <a:srgbClr val="3B3B3B"/>
                 </a:solidFill>
@@ -31753,7 +31307,7 @@
               <a:t>(</a:t>
             </a:r>
             <a:r>
-              <a:rPr lang="en-US" altLang="ko-KR" b="0" dirty="0">
+              <a:rPr lang="en-US" altLang="ko-KR" b="0">
                 <a:solidFill>
                   <a:srgbClr val="098658"/>
                 </a:solidFill>
@@ -31763,7 +31317,7 @@
               <a:t>2</a:t>
             </a:r>
             <a:r>
-              <a:rPr lang="en-US" altLang="ko-KR" b="0" dirty="0">
+              <a:rPr lang="en-US" altLang="ko-KR" b="0">
                 <a:solidFill>
                   <a:srgbClr val="3B3B3B"/>
                 </a:solidFill>
@@ -31775,7 +31329,7 @@
           </a:p>
           <a:p>
             <a:r>
-              <a:rPr lang="en-US" altLang="ko-KR" b="0" dirty="0">
+              <a:rPr lang="en-US" altLang="ko-KR" b="0">
                 <a:solidFill>
                   <a:srgbClr val="008000"/>
                 </a:solidFill>
@@ -31785,7 +31339,7 @@
               <a:t>  // </a:t>
             </a:r>
             <a:r>
-              <a:rPr lang="ko-KR" altLang="en-US" b="0" dirty="0">
+              <a:rPr lang="ko-KR" altLang="en-US" b="0">
                 <a:solidFill>
                   <a:srgbClr val="008000"/>
                 </a:solidFill>
@@ -31795,36 +31349,26 @@
               <a:t>타입 단언이 없으면 </a:t>
             </a:r>
             <a:r>
-              <a:rPr lang="en-US" altLang="ko-KR" b="0" dirty="0" err="1">
+              <a:rPr lang="en-US" altLang="ko-KR" b="0">
                 <a:solidFill>
                   <a:srgbClr val="008000"/>
                 </a:solidFill>
                 <a:effectLst/>
                 <a:latin typeface="Consolas" panose="020B0609020204030204" pitchFamily="49" charset="0"/>
               </a:rPr>
-              <a:t>toUpperCase</a:t>
-            </a:r>
-            <a:r>
-              <a:rPr lang="en-US" altLang="ko-KR" b="0" dirty="0">
+              <a:t>toUpperCase() </a:t>
+            </a:r>
+            <a:r>
+              <a:rPr lang="ko-KR" altLang="en-US" b="0">
                 <a:solidFill>
                   <a:srgbClr val="008000"/>
                 </a:solidFill>
                 <a:effectLst/>
                 <a:latin typeface="Consolas" panose="020B0609020204030204" pitchFamily="49" charset="0"/>
               </a:rPr>
-              <a:t>() </a:t>
-            </a:r>
-            <a:r>
-              <a:rPr lang="ko-KR" altLang="en-US" b="0" dirty="0">
-                <a:solidFill>
-                  <a:srgbClr val="008000"/>
-                </a:solidFill>
-                <a:effectLst/>
-                <a:latin typeface="Consolas" panose="020B0609020204030204" pitchFamily="49" charset="0"/>
-              </a:rPr>
               <a:t>메서드 사용 시 컴파일 에러 발생</a:t>
             </a:r>
-            <a:endParaRPr lang="en-US" altLang="ko-KR" b="0" dirty="0">
+            <a:endParaRPr lang="en-US" altLang="ko-KR" b="0">
               <a:solidFill>
                 <a:srgbClr val="3B3B3B"/>
               </a:solidFill>
@@ -31834,7 +31378,7 @@
           </a:p>
           <a:p>
             <a:r>
-              <a:rPr lang="ko-KR" altLang="en-US" b="0" dirty="0">
+              <a:rPr lang="ko-KR" altLang="en-US" b="0">
                 <a:solidFill>
                   <a:srgbClr val="3B3B3B"/>
                 </a:solidFill>
@@ -31844,7 +31388,7 @@
               <a:t>  </a:t>
             </a:r>
             <a:r>
-              <a:rPr lang="en-US" altLang="ko-KR" b="0" dirty="0">
+              <a:rPr lang="en-US" altLang="ko-KR" b="0">
                 <a:solidFill>
                   <a:srgbClr val="0000FF"/>
                 </a:solidFill>
@@ -31854,7 +31398,7 @@
               <a:t>const</a:t>
             </a:r>
             <a:r>
-              <a:rPr lang="ko-KR" altLang="en-US" b="0" dirty="0">
+              <a:rPr lang="ko-KR" altLang="en-US" b="0">
                 <a:solidFill>
                   <a:srgbClr val="3B3B3B"/>
                 </a:solidFill>
@@ -31864,7 +31408,7 @@
               <a:t> </a:t>
             </a:r>
             <a:r>
-              <a:rPr lang="en-US" altLang="ko-KR" b="0" dirty="0">
+              <a:rPr lang="en-US" altLang="ko-KR" b="0">
                 <a:solidFill>
                   <a:srgbClr val="0070C1"/>
                 </a:solidFill>
@@ -31874,7 +31418,7 @@
               <a:t>msg2</a:t>
             </a:r>
             <a:r>
-              <a:rPr lang="ko-KR" altLang="en-US" b="0" dirty="0">
+              <a:rPr lang="ko-KR" altLang="en-US" b="0">
                 <a:solidFill>
                   <a:srgbClr val="3B3B3B"/>
                 </a:solidFill>
@@ -31884,7 +31428,7 @@
               <a:t> </a:t>
             </a:r>
             <a:r>
-              <a:rPr lang="en-US" altLang="ko-KR" b="0" dirty="0">
+              <a:rPr lang="en-US" altLang="ko-KR" b="0">
                 <a:solidFill>
                   <a:srgbClr val="000000"/>
                 </a:solidFill>
@@ -31894,7 +31438,7 @@
               <a:t>=</a:t>
             </a:r>
             <a:r>
-              <a:rPr lang="ko-KR" altLang="en-US" b="0" dirty="0">
+              <a:rPr lang="ko-KR" altLang="en-US" b="0">
                 <a:solidFill>
                   <a:srgbClr val="3B3B3B"/>
                 </a:solidFill>
@@ -31904,7 +31448,7 @@
               <a:t> </a:t>
             </a:r>
             <a:r>
-              <a:rPr lang="en-US" altLang="ko-KR" b="0" dirty="0" err="1">
+              <a:rPr lang="en-US" altLang="ko-KR" b="0">
                 <a:solidFill>
                   <a:srgbClr val="795E26"/>
                 </a:solidFill>
@@ -31914,7 +31458,7 @@
               <a:t>getMsg</a:t>
             </a:r>
             <a:r>
-              <a:rPr lang="en-US" altLang="ko-KR" b="0" dirty="0">
+              <a:rPr lang="en-US" altLang="ko-KR" b="0">
                 <a:solidFill>
                   <a:srgbClr val="3B3B3B"/>
                 </a:solidFill>
@@ -31924,7 +31468,7 @@
               <a:t>(</a:t>
             </a:r>
             <a:r>
-              <a:rPr lang="en-US" altLang="ko-KR" b="0" dirty="0">
+              <a:rPr lang="en-US" altLang="ko-KR" b="0">
                 <a:solidFill>
                   <a:srgbClr val="A31515"/>
                 </a:solidFill>
@@ -31934,7 +31478,7 @@
               <a:t>'hello'</a:t>
             </a:r>
             <a:r>
-              <a:rPr lang="en-US" altLang="ko-KR" b="0" dirty="0">
+              <a:rPr lang="en-US" altLang="ko-KR" b="0">
                 <a:solidFill>
                   <a:srgbClr val="3B3B3B"/>
                 </a:solidFill>
@@ -31944,7 +31488,7 @@
               <a:t>) </a:t>
             </a:r>
             <a:r>
-              <a:rPr lang="en-US" altLang="ko-KR" b="1" dirty="0">
+              <a:rPr lang="en-US" altLang="ko-KR" b="1">
                 <a:solidFill>
                   <a:srgbClr val="FF9E1B"/>
                 </a:solidFill>
@@ -31954,7 +31498,7 @@
               <a:t>as</a:t>
             </a:r>
             <a:r>
-              <a:rPr lang="ko-KR" altLang="en-US" b="1" dirty="0">
+              <a:rPr lang="ko-KR" altLang="en-US" b="1">
                 <a:solidFill>
                   <a:srgbClr val="FF9E1B"/>
                 </a:solidFill>
@@ -31964,7 +31508,7 @@
               <a:t> </a:t>
             </a:r>
             <a:r>
-              <a:rPr lang="en-US" altLang="ko-KR" b="1" dirty="0">
+              <a:rPr lang="en-US" altLang="ko-KR" b="1">
                 <a:solidFill>
                   <a:srgbClr val="FF9E1B"/>
                 </a:solidFill>
@@ -31974,7 +31518,7 @@
               <a:t>string</a:t>
             </a:r>
             <a:r>
-              <a:rPr lang="en-US" altLang="ko-KR" b="0" dirty="0">
+              <a:rPr lang="en-US" altLang="ko-KR" b="0">
                 <a:solidFill>
                   <a:srgbClr val="3B3B3B"/>
                 </a:solidFill>
@@ -31986,7 +31530,7 @@
           </a:p>
           <a:p>
             <a:r>
-              <a:rPr lang="ko-KR" altLang="en-US" b="0" dirty="0">
+              <a:rPr lang="ko-KR" altLang="en-US" b="0">
                 <a:solidFill>
                   <a:srgbClr val="3B3B3B"/>
                 </a:solidFill>
@@ -31996,7 +31540,7 @@
               <a:t>  </a:t>
             </a:r>
             <a:r>
-              <a:rPr lang="en-US" altLang="ko-KR" b="0" dirty="0">
+              <a:rPr lang="en-US" altLang="ko-KR" b="0">
                 <a:solidFill>
                   <a:srgbClr val="001080"/>
                 </a:solidFill>
@@ -32006,7 +31550,7 @@
               <a:t>console</a:t>
             </a:r>
             <a:r>
-              <a:rPr lang="en-US" altLang="ko-KR" b="0" dirty="0">
+              <a:rPr lang="en-US" altLang="ko-KR" b="0">
                 <a:solidFill>
                   <a:srgbClr val="3B3B3B"/>
                 </a:solidFill>
@@ -32016,7 +31560,7 @@
               <a:t>.</a:t>
             </a:r>
             <a:r>
-              <a:rPr lang="en-US" altLang="ko-KR" b="0" dirty="0">
+              <a:rPr lang="en-US" altLang="ko-KR" b="0">
                 <a:solidFill>
                   <a:srgbClr val="795E26"/>
                 </a:solidFill>
@@ -32026,7 +31570,7 @@
               <a:t>log</a:t>
             </a:r>
             <a:r>
-              <a:rPr lang="en-US" altLang="ko-KR" b="0" dirty="0">
+              <a:rPr lang="en-US" altLang="ko-KR" b="0">
                 <a:solidFill>
                   <a:srgbClr val="3B3B3B"/>
                 </a:solidFill>
@@ -32036,7 +31580,7 @@
               <a:t>(</a:t>
             </a:r>
             <a:r>
-              <a:rPr lang="en-US" altLang="ko-KR" b="0" dirty="0">
+              <a:rPr lang="en-US" altLang="ko-KR" b="0">
                 <a:solidFill>
                   <a:srgbClr val="0070C1"/>
                 </a:solidFill>
@@ -32046,7 +31590,7 @@
               <a:t>msg2</a:t>
             </a:r>
             <a:r>
-              <a:rPr lang="en-US" altLang="ko-KR" b="0" dirty="0">
+              <a:rPr lang="en-US" altLang="ko-KR" b="0">
                 <a:solidFill>
                   <a:srgbClr val="3B3B3B"/>
                 </a:solidFill>
@@ -32056,7 +31600,7 @@
               <a:t>.</a:t>
             </a:r>
             <a:r>
-              <a:rPr lang="en-US" altLang="ko-KR" b="0" dirty="0">
+              <a:rPr lang="en-US" altLang="ko-KR" b="0">
                 <a:solidFill>
                   <a:srgbClr val="795E26"/>
                 </a:solidFill>
@@ -32066,7 +31610,7 @@
               <a:t>toUpperCase</a:t>
             </a:r>
             <a:r>
-              <a:rPr lang="en-US" altLang="ko-KR" b="0" dirty="0">
+              <a:rPr lang="en-US" altLang="ko-KR" b="0">
                 <a:solidFill>
                   <a:srgbClr val="3B3B3B"/>
                 </a:solidFill>
@@ -32298,20 +31842,20 @@
               <a:buChar char="▶"/>
             </a:pPr>
             <a:r>
-              <a:rPr lang="en-US" altLang="ko-KR" sz="2000" dirty="0">
+              <a:rPr lang="en-US" altLang="ko-KR" sz="2000">
                 <a:latin typeface="Noto Sans CJK KR Regular" panose="020B0500000000000000" pitchFamily="34" charset="-127"/>
                 <a:ea typeface="Noto Sans CJK KR Regular" panose="020B0500000000000000" pitchFamily="34" charset="-127"/>
               </a:rPr>
               <a:t> </a:t>
             </a:r>
             <a:r>
-              <a:rPr lang="ko-KR" altLang="en-US" sz="2000" dirty="0">
+              <a:rPr lang="ko-KR" altLang="en-US" sz="2000">
                 <a:latin typeface="Noto Sans CJK KR Regular" panose="020B0500000000000000" pitchFamily="34" charset="-127"/>
                 <a:ea typeface="Noto Sans CJK KR Regular" panose="020B0500000000000000" pitchFamily="34" charset="-127"/>
               </a:rPr>
               <a:t>타입 단언 주의 사항</a:t>
             </a:r>
-            <a:endParaRPr lang="ko-KR" altLang="en-US" b="0" dirty="0">
+            <a:endParaRPr lang="ko-KR" altLang="en-US" b="0">
               <a:latin typeface="Noto Sans CJK KR Regular" panose="020B0500000000000000" pitchFamily="34" charset="-127"/>
               <a:ea typeface="Noto Sans CJK KR Regular" panose="020B0500000000000000" pitchFamily="34" charset="-127"/>
             </a:endParaRPr>
@@ -32322,62 +31866,62 @@
               <a:buChar char="•"/>
             </a:pPr>
             <a:r>
-              <a:rPr lang="en-US" altLang="ko-KR" b="0" dirty="0">
+              <a:rPr lang="en-US" altLang="ko-KR" b="0">
                 <a:latin typeface="Noto Sans CJK KR Regular" panose="020B0500000000000000" pitchFamily="34" charset="-127"/>
                 <a:ea typeface="Noto Sans CJK KR Regular" panose="020B0500000000000000" pitchFamily="34" charset="-127"/>
               </a:rPr>
               <a:t> </a:t>
             </a:r>
             <a:r>
-              <a:rPr lang="ko-KR" altLang="en-US" b="0" dirty="0">
+              <a:rPr lang="ko-KR" altLang="en-US" b="0">
                 <a:latin typeface="Noto Sans CJK KR Regular" panose="020B0500000000000000" pitchFamily="34" charset="-127"/>
                 <a:ea typeface="Noto Sans CJK KR Regular" panose="020B0500000000000000" pitchFamily="34" charset="-127"/>
               </a:rPr>
               <a:t> </a:t>
             </a:r>
             <a:r>
-              <a:rPr lang="en-US" altLang="ko-KR" dirty="0">
+              <a:rPr lang="en-US" altLang="ko-KR">
                 <a:latin typeface="Noto Sans CJK KR Regular" panose="020B0500000000000000" pitchFamily="34" charset="-127"/>
                 <a:ea typeface="Noto Sans CJK KR Regular" panose="020B0500000000000000" pitchFamily="34" charset="-127"/>
               </a:rPr>
               <a:t>as</a:t>
             </a:r>
             <a:r>
-              <a:rPr lang="ko-KR" altLang="en-US" dirty="0">
+              <a:rPr lang="ko-KR" altLang="en-US">
                 <a:latin typeface="Noto Sans CJK KR Regular" panose="020B0500000000000000" pitchFamily="34" charset="-127"/>
                 <a:ea typeface="Noto Sans CJK KR Regular" panose="020B0500000000000000" pitchFamily="34" charset="-127"/>
               </a:rPr>
               <a:t> 키워드는 변수에는 지정할 수 없고 데이터</a:t>
             </a:r>
             <a:r>
-              <a:rPr lang="en-US" altLang="ko-KR" dirty="0">
+              <a:rPr lang="en-US" altLang="ko-KR">
                 <a:latin typeface="Noto Sans CJK KR Regular" panose="020B0500000000000000" pitchFamily="34" charset="-127"/>
                 <a:ea typeface="Noto Sans CJK KR Regular" panose="020B0500000000000000" pitchFamily="34" charset="-127"/>
               </a:rPr>
               <a:t>(</a:t>
             </a:r>
             <a:r>
-              <a:rPr lang="ko-KR" altLang="en-US" dirty="0">
+              <a:rPr lang="ko-KR" altLang="en-US">
                 <a:latin typeface="Noto Sans CJK KR Regular" panose="020B0500000000000000" pitchFamily="34" charset="-127"/>
                 <a:ea typeface="Noto Sans CJK KR Regular" panose="020B0500000000000000" pitchFamily="34" charset="-127"/>
               </a:rPr>
               <a:t>값</a:t>
             </a:r>
             <a:r>
-              <a:rPr lang="en-US" altLang="ko-KR" dirty="0">
+              <a:rPr lang="en-US" altLang="ko-KR">
                 <a:latin typeface="Noto Sans CJK KR Regular" panose="020B0500000000000000" pitchFamily="34" charset="-127"/>
                 <a:ea typeface="Noto Sans CJK KR Regular" panose="020B0500000000000000" pitchFamily="34" charset="-127"/>
               </a:rPr>
               <a:t>)</a:t>
             </a:r>
             <a:r>
-              <a:rPr lang="ko-KR" altLang="en-US" dirty="0">
+              <a:rPr lang="ko-KR" altLang="en-US">
                 <a:latin typeface="Noto Sans CJK KR Regular" panose="020B0500000000000000" pitchFamily="34" charset="-127"/>
                 <a:ea typeface="Noto Sans CJK KR Regular" panose="020B0500000000000000" pitchFamily="34" charset="-127"/>
               </a:rPr>
               <a:t>에만 지정 가능</a:t>
             </a:r>
-            <a:endParaRPr lang="en-US" altLang="ko-KR" dirty="0">
+            <a:endParaRPr lang="en-US" altLang="ko-KR">
               <a:latin typeface="Noto Sans CJK KR Regular" panose="020B0500000000000000" pitchFamily="34" charset="-127"/>
               <a:ea typeface="Noto Sans CJK KR Regular" panose="020B0500000000000000" pitchFamily="34" charset="-127"/>
             </a:endParaRPr>
@@ -32388,14 +31932,14 @@
               <a:buChar char="•"/>
             </a:pPr>
             <a:r>
-              <a:rPr lang="en-US" altLang="ko-KR" dirty="0">
+              <a:rPr lang="en-US" altLang="ko-KR">
                 <a:latin typeface="Noto Sans CJK KR Regular" panose="020B0500000000000000" pitchFamily="34" charset="-127"/>
                 <a:ea typeface="Noto Sans CJK KR Regular" panose="020B0500000000000000" pitchFamily="34" charset="-127"/>
               </a:rPr>
               <a:t> </a:t>
             </a:r>
             <a:r>
-              <a:rPr lang="ko-KR" altLang="en-US" dirty="0">
+              <a:rPr lang="ko-KR" altLang="en-US">
                 <a:solidFill>
                   <a:srgbClr val="FF9E1B"/>
                 </a:solidFill>
@@ -32405,13 +31949,13 @@
               <a:t>호환되는 타입</a:t>
             </a:r>
             <a:r>
-              <a:rPr lang="ko-KR" altLang="en-US" dirty="0">
+              <a:rPr lang="ko-KR" altLang="en-US">
                 <a:latin typeface="Noto Sans CJK KR Regular" panose="020B0500000000000000" pitchFamily="34" charset="-127"/>
                 <a:ea typeface="Noto Sans CJK KR Regular" panose="020B0500000000000000" pitchFamily="34" charset="-127"/>
               </a:rPr>
               <a:t>으로만 타입 단언이 가능</a:t>
             </a:r>
-            <a:endParaRPr lang="en-US" altLang="ko-KR" dirty="0">
+            <a:endParaRPr lang="en-US" altLang="ko-KR">
               <a:latin typeface="Noto Sans CJK KR Regular" panose="020B0500000000000000" pitchFamily="34" charset="-127"/>
               <a:ea typeface="Noto Sans CJK KR Regular" panose="020B0500000000000000" pitchFamily="34" charset="-127"/>
             </a:endParaRPr>
@@ -32421,14 +31965,14 @@
               <a:buFontTx/>
               <a:buChar char="•"/>
             </a:pPr>
-            <a:endParaRPr lang="en-US" altLang="ko-KR" dirty="0">
+            <a:endParaRPr lang="en-US" altLang="ko-KR">
               <a:latin typeface="Noto Sans CJK KR Regular" panose="020B0500000000000000" pitchFamily="34" charset="-127"/>
               <a:ea typeface="Noto Sans CJK KR Regular" panose="020B0500000000000000" pitchFamily="34" charset="-127"/>
             </a:endParaRPr>
           </a:p>
           <a:p>
             <a:pPr lvl="2"/>
-            <a:endParaRPr lang="en-US" altLang="ko-KR" dirty="0">
+            <a:endParaRPr lang="en-US" altLang="ko-KR">
               <a:latin typeface="Noto Sans CJK KR Regular" panose="020B0500000000000000" pitchFamily="34" charset="-127"/>
               <a:ea typeface="Noto Sans CJK KR Regular" panose="020B0500000000000000" pitchFamily="34" charset="-127"/>
             </a:endParaRPr>
@@ -32439,20 +31983,20 @@
               <a:buChar char="•"/>
             </a:pPr>
             <a:r>
-              <a:rPr lang="en-US" altLang="ko-KR" dirty="0">
+              <a:rPr lang="en-US" altLang="ko-KR">
                 <a:latin typeface="Noto Sans CJK KR Regular" panose="020B0500000000000000" pitchFamily="34" charset="-127"/>
                 <a:ea typeface="Noto Sans CJK KR Regular" panose="020B0500000000000000" pitchFamily="34" charset="-127"/>
               </a:rPr>
               <a:t>  any, unknown</a:t>
             </a:r>
             <a:r>
-              <a:rPr lang="ko-KR" altLang="en-US" dirty="0">
+              <a:rPr lang="ko-KR" altLang="en-US">
                 <a:latin typeface="Noto Sans CJK KR Regular" panose="020B0500000000000000" pitchFamily="34" charset="-127"/>
                 <a:ea typeface="Noto Sans CJK KR Regular" panose="020B0500000000000000" pitchFamily="34" charset="-127"/>
               </a:rPr>
               <a:t>은 모든 타입과 호환 가능</a:t>
             </a:r>
-            <a:endParaRPr lang="en-US" altLang="ko-KR" dirty="0">
+            <a:endParaRPr lang="en-US" altLang="ko-KR">
               <a:latin typeface="Noto Sans CJK KR Regular" panose="020B0500000000000000" pitchFamily="34" charset="-127"/>
               <a:ea typeface="Noto Sans CJK KR Regular" panose="020B0500000000000000" pitchFamily="34" charset="-127"/>
             </a:endParaRPr>
@@ -32463,35 +32007,35 @@
               <a:buChar char="•"/>
             </a:pPr>
             <a:r>
-              <a:rPr lang="en-US" altLang="ko-KR" dirty="0">
+              <a:rPr lang="en-US" altLang="ko-KR">
                 <a:latin typeface="Noto Sans CJK KR Regular" panose="020B0500000000000000" pitchFamily="34" charset="-127"/>
                 <a:ea typeface="Noto Sans CJK KR Regular" panose="020B0500000000000000" pitchFamily="34" charset="-127"/>
               </a:rPr>
               <a:t>  any</a:t>
             </a:r>
             <a:r>
-              <a:rPr lang="ko-KR" altLang="en-US" dirty="0">
+              <a:rPr lang="ko-KR" altLang="en-US">
                 <a:latin typeface="Noto Sans CJK KR Regular" panose="020B0500000000000000" pitchFamily="34" charset="-127"/>
                 <a:ea typeface="Noto Sans CJK KR Regular" panose="020B0500000000000000" pitchFamily="34" charset="-127"/>
               </a:rPr>
               <a:t>로 타입 단언을 하면 </a:t>
             </a:r>
             <a:r>
-              <a:rPr lang="en-US" altLang="ko-KR" dirty="0">
+              <a:rPr lang="en-US" altLang="ko-KR">
                 <a:latin typeface="Noto Sans CJK KR Regular" panose="020B0500000000000000" pitchFamily="34" charset="-127"/>
                 <a:ea typeface="Noto Sans CJK KR Regular" panose="020B0500000000000000" pitchFamily="34" charset="-127"/>
               </a:rPr>
               <a:t>TSC</a:t>
             </a:r>
             <a:r>
-              <a:rPr lang="ko-KR" altLang="en-US" dirty="0">
+              <a:rPr lang="ko-KR" altLang="en-US">
                 <a:latin typeface="Noto Sans CJK KR Regular" panose="020B0500000000000000" pitchFamily="34" charset="-127"/>
                 <a:ea typeface="Noto Sans CJK KR Regular" panose="020B0500000000000000" pitchFamily="34" charset="-127"/>
               </a:rPr>
               <a:t>가 타입 검사를 하지 않기 때문에 런타임 오류 발생 가능성이 높아지므로 </a:t>
             </a:r>
             <a:r>
-              <a:rPr lang="ko-KR" altLang="en-US" dirty="0">
+              <a:rPr lang="ko-KR" altLang="en-US">
                 <a:solidFill>
                   <a:srgbClr val="FF9E1B"/>
                 </a:solidFill>
@@ -32501,35 +32045,35 @@
               <a:t>남용 금지</a:t>
             </a:r>
             <a:r>
-              <a:rPr lang="en-US" altLang="ko-KR" dirty="0">
+              <a:rPr lang="en-US" altLang="ko-KR">
                 <a:latin typeface="Noto Sans CJK KR Regular" panose="020B0500000000000000" pitchFamily="34" charset="-127"/>
                 <a:ea typeface="Noto Sans CJK KR Regular" panose="020B0500000000000000" pitchFamily="34" charset="-127"/>
               </a:rPr>
               <a:t>(</a:t>
             </a:r>
             <a:r>
-              <a:rPr lang="ko-KR" altLang="en-US" dirty="0">
+              <a:rPr lang="ko-KR" altLang="en-US">
                 <a:latin typeface="Noto Sans CJK KR Regular" panose="020B0500000000000000" pitchFamily="34" charset="-127"/>
                 <a:ea typeface="Noto Sans CJK KR Regular" panose="020B0500000000000000" pitchFamily="34" charset="-127"/>
               </a:rPr>
               <a:t>타입 안전성이 높은 </a:t>
             </a:r>
             <a:r>
-              <a:rPr lang="en-US" altLang="ko-KR" dirty="0">
+              <a:rPr lang="en-US" altLang="ko-KR">
                 <a:latin typeface="Noto Sans CJK KR Regular" panose="020B0500000000000000" pitchFamily="34" charset="-127"/>
                 <a:ea typeface="Noto Sans CJK KR Regular" panose="020B0500000000000000" pitchFamily="34" charset="-127"/>
               </a:rPr>
               <a:t>unknown </a:t>
             </a:r>
             <a:r>
-              <a:rPr lang="ko-KR" altLang="en-US" dirty="0">
+              <a:rPr lang="ko-KR" altLang="en-US">
                 <a:latin typeface="Noto Sans CJK KR Regular" panose="020B0500000000000000" pitchFamily="34" charset="-127"/>
                 <a:ea typeface="Noto Sans CJK KR Regular" panose="020B0500000000000000" pitchFamily="34" charset="-127"/>
               </a:rPr>
               <a:t>권장</a:t>
             </a:r>
             <a:r>
-              <a:rPr lang="en-US" altLang="ko-KR" dirty="0">
+              <a:rPr lang="en-US" altLang="ko-KR">
                 <a:latin typeface="Noto Sans CJK KR Regular" panose="020B0500000000000000" pitchFamily="34" charset="-127"/>
                 <a:ea typeface="Noto Sans CJK KR Regular" panose="020B0500000000000000" pitchFamily="34" charset="-127"/>
               </a:rPr>
@@ -32542,20 +32086,20 @@
               <a:buChar char="•"/>
             </a:pPr>
             <a:r>
-              <a:rPr lang="en-US" altLang="ko-KR" dirty="0">
+              <a:rPr lang="en-US" altLang="ko-KR">
                 <a:latin typeface="Noto Sans CJK KR Regular" panose="020B0500000000000000" pitchFamily="34" charset="-127"/>
                 <a:ea typeface="Noto Sans CJK KR Regular" panose="020B0500000000000000" pitchFamily="34" charset="-127"/>
               </a:rPr>
               <a:t> </a:t>
             </a:r>
             <a:r>
-              <a:rPr lang="ko-KR" altLang="en-US" dirty="0">
+              <a:rPr lang="ko-KR" altLang="en-US">
                 <a:latin typeface="Noto Sans CJK KR Regular" panose="020B0500000000000000" pitchFamily="34" charset="-127"/>
                 <a:ea typeface="Noto Sans CJK KR Regular" panose="020B0500000000000000" pitchFamily="34" charset="-127"/>
               </a:rPr>
               <a:t>가능하다면 타입은 선언해서 사용하고 꼭 필요한 경우에만 타입 단언 사용을 권장</a:t>
             </a:r>
-            <a:endParaRPr lang="en-US" altLang="ko-KR" dirty="0">
+            <a:endParaRPr lang="en-US" altLang="ko-KR">
               <a:latin typeface="Noto Sans CJK KR Regular" panose="020B0500000000000000" pitchFamily="34" charset="-127"/>
               <a:ea typeface="Noto Sans CJK KR Regular" panose="020B0500000000000000" pitchFamily="34" charset="-127"/>
             </a:endParaRPr>
@@ -32993,21 +32537,14 @@
               <a:buChar char="▶"/>
             </a:pPr>
             <a:r>
-              <a:rPr lang="ko-KR" altLang="en-US" sz="2000" dirty="0">
-                <a:latin typeface="Noto Sans CJK KR Regular" panose="020B0500000000000000" pitchFamily="34" charset="-127"/>
-                <a:ea typeface="Noto Sans CJK KR Regular" panose="020B0500000000000000" pitchFamily="34" charset="-127"/>
-              </a:rPr>
-              <a:t> 타입 </a:t>
-            </a:r>
-            <a:r>
-              <a:rPr lang="ko-KR" altLang="en-US" sz="2000" dirty="0" err="1">
-                <a:latin typeface="Noto Sans CJK KR Regular" panose="020B0500000000000000" pitchFamily="34" charset="-127"/>
-                <a:ea typeface="Noto Sans CJK KR Regular" panose="020B0500000000000000" pitchFamily="34" charset="-127"/>
-              </a:rPr>
-              <a:t>가드란</a:t>
-            </a:r>
-            <a:r>
-              <a:rPr lang="en-US" altLang="ko-KR" sz="2000" dirty="0">
+              <a:rPr lang="ko-KR" altLang="en-US" sz="2000">
+                <a:latin typeface="Noto Sans CJK KR Regular" panose="020B0500000000000000" pitchFamily="34" charset="-127"/>
+                <a:ea typeface="Noto Sans CJK KR Regular" panose="020B0500000000000000" pitchFamily="34" charset="-127"/>
+              </a:rPr>
+              <a:t> 타입 가드란</a:t>
+            </a:r>
+            <a:r>
+              <a:rPr lang="en-US" altLang="ko-KR" sz="2000">
                 <a:latin typeface="Noto Sans CJK KR Regular" panose="020B0500000000000000" pitchFamily="34" charset="-127"/>
                 <a:ea typeface="Noto Sans CJK KR Regular" panose="020B0500000000000000" pitchFamily="34" charset="-127"/>
               </a:rPr>
@@ -33024,63 +32561,49 @@
               <a:buChar char="•"/>
             </a:pPr>
             <a:r>
-              <a:rPr lang="en-US" altLang="ko-KR" b="0" dirty="0">
+              <a:rPr lang="en-US" altLang="ko-KR" b="0">
                 <a:latin typeface="Noto Sans CJK KR Regular" panose="020B0500000000000000" pitchFamily="34" charset="-127"/>
                 <a:ea typeface="Noto Sans CJK KR Regular" panose="020B0500000000000000" pitchFamily="34" charset="-127"/>
               </a:rPr>
               <a:t> </a:t>
             </a:r>
             <a:r>
-              <a:rPr lang="ko-KR" altLang="en-US" dirty="0">
+              <a:rPr lang="ko-KR" altLang="en-US">
                 <a:latin typeface="Noto Sans CJK KR Regular" panose="020B0500000000000000" pitchFamily="34" charset="-127"/>
                 <a:ea typeface="Noto Sans CJK KR Regular" panose="020B0500000000000000" pitchFamily="34" charset="-127"/>
               </a:rPr>
               <a:t>함수의 매개 변수로 여러 종류의 타입이 지정되었을 경우</a:t>
             </a:r>
             <a:r>
-              <a:rPr lang="en-US" altLang="ko-KR" dirty="0">
+              <a:rPr lang="en-US" altLang="ko-KR">
                 <a:latin typeface="Noto Sans CJK KR Regular" panose="020B0500000000000000" pitchFamily="34" charset="-127"/>
                 <a:ea typeface="Noto Sans CJK KR Regular" panose="020B0500000000000000" pitchFamily="34" charset="-127"/>
               </a:rPr>
               <a:t>(</a:t>
             </a:r>
             <a:r>
-              <a:rPr lang="ko-KR" altLang="en-US" dirty="0">
+              <a:rPr lang="ko-KR" altLang="en-US">
                 <a:latin typeface="Noto Sans CJK KR Regular" panose="020B0500000000000000" pitchFamily="34" charset="-127"/>
                 <a:ea typeface="Noto Sans CJK KR Regular" panose="020B0500000000000000" pitchFamily="34" charset="-127"/>
               </a:rPr>
               <a:t>유니온 타입</a:t>
             </a:r>
             <a:r>
-              <a:rPr lang="en-US" altLang="ko-KR" dirty="0">
+              <a:rPr lang="en-US" altLang="ko-KR">
                 <a:latin typeface="Noto Sans CJK KR Regular" panose="020B0500000000000000" pitchFamily="34" charset="-127"/>
                 <a:ea typeface="Noto Sans CJK KR Regular" panose="020B0500000000000000" pitchFamily="34" charset="-127"/>
               </a:rPr>
               <a:t>)</a:t>
             </a:r>
             <a:r>
-              <a:rPr lang="ko-KR" altLang="en-US" dirty="0">
-                <a:latin typeface="Noto Sans CJK KR Regular" panose="020B0500000000000000" pitchFamily="34" charset="-127"/>
-                <a:ea typeface="Noto Sans CJK KR Regular" panose="020B0500000000000000" pitchFamily="34" charset="-127"/>
-              </a:rPr>
-              <a:t> 정확한 타입 추론을 </a:t>
-            </a:r>
-            <a:r>
-              <a:rPr lang="ko-KR" altLang="en-US" dirty="0" err="1">
-                <a:latin typeface="Noto Sans CJK KR Regular" panose="020B0500000000000000" pitchFamily="34" charset="-127"/>
-                <a:ea typeface="Noto Sans CJK KR Regular" panose="020B0500000000000000" pitchFamily="34" charset="-127"/>
-              </a:rPr>
-              <a:t>할수</a:t>
-            </a:r>
-            <a:r>
-              <a:rPr lang="ko-KR" altLang="en-US" dirty="0">
-                <a:latin typeface="Noto Sans CJK KR Regular" panose="020B0500000000000000" pitchFamily="34" charset="-127"/>
-                <a:ea typeface="Noto Sans CJK KR Regular" panose="020B0500000000000000" pitchFamily="34" charset="-127"/>
-              </a:rPr>
-              <a:t> 있도록 </a:t>
-            </a:r>
-            <a:r>
-              <a:rPr lang="en-US" altLang="ko-KR" dirty="0">
+              <a:rPr lang="ko-KR" altLang="en-US">
+                <a:latin typeface="Noto Sans CJK KR Regular" panose="020B0500000000000000" pitchFamily="34" charset="-127"/>
+                <a:ea typeface="Noto Sans CJK KR Regular" panose="020B0500000000000000" pitchFamily="34" charset="-127"/>
+              </a:rPr>
+              <a:t> 정확한 타입 추론을 할수 있도록 </a:t>
+            </a:r>
+            <a:r>
+              <a:rPr lang="en-US" altLang="ko-KR">
                 <a:solidFill>
                   <a:srgbClr val="FF9E1B"/>
                 </a:solidFill>
@@ -33090,7 +32613,7 @@
               <a:t>TSC</a:t>
             </a:r>
             <a:r>
-              <a:rPr lang="ko-KR" altLang="en-US" dirty="0">
+              <a:rPr lang="ko-KR" altLang="en-US">
                 <a:solidFill>
                   <a:srgbClr val="FF9E1B"/>
                 </a:solidFill>
@@ -33099,7 +32622,7 @@
               </a:rPr>
               <a:t>에 힌트를 주는 구문</a:t>
             </a:r>
-            <a:endParaRPr lang="en-US" altLang="ko-KR" dirty="0">
+            <a:endParaRPr lang="en-US" altLang="ko-KR">
               <a:solidFill>
                 <a:srgbClr val="FF9E1B"/>
               </a:solidFill>
@@ -33113,34 +32636,34 @@
               <a:buChar char="•"/>
             </a:pPr>
             <a:r>
-              <a:rPr lang="en-US" altLang="ko-KR" dirty="0">
+              <a:rPr lang="en-US" altLang="ko-KR">
                 <a:latin typeface="Noto Sans CJK KR Regular" panose="020B0500000000000000" pitchFamily="34" charset="-127"/>
                 <a:ea typeface="Noto Sans CJK KR Regular" panose="020B0500000000000000" pitchFamily="34" charset="-127"/>
               </a:rPr>
               <a:t> </a:t>
             </a:r>
             <a:r>
-              <a:rPr lang="ko-KR" altLang="en-US" dirty="0">
+              <a:rPr lang="ko-KR" altLang="en-US">
                 <a:latin typeface="Noto Sans CJK KR Regular" panose="020B0500000000000000" pitchFamily="34" charset="-127"/>
                 <a:ea typeface="Noto Sans CJK KR Regular" panose="020B0500000000000000" pitchFamily="34" charset="-127"/>
               </a:rPr>
               <a:t>주로 조건문을 이용하고 </a:t>
             </a:r>
             <a:r>
-              <a:rPr lang="en-US" altLang="ko-KR" dirty="0">
+              <a:rPr lang="en-US" altLang="ko-KR">
                 <a:latin typeface="Noto Sans CJK KR Regular" panose="020B0500000000000000" pitchFamily="34" charset="-127"/>
                 <a:ea typeface="Noto Sans CJK KR Regular" panose="020B0500000000000000" pitchFamily="34" charset="-127"/>
               </a:rPr>
               <a:t>TSC</a:t>
             </a:r>
             <a:r>
-              <a:rPr lang="ko-KR" altLang="en-US" dirty="0">
+              <a:rPr lang="ko-KR" altLang="en-US">
                 <a:latin typeface="Noto Sans CJK KR Regular" panose="020B0500000000000000" pitchFamily="34" charset="-127"/>
                 <a:ea typeface="Noto Sans CJK KR Regular" panose="020B0500000000000000" pitchFamily="34" charset="-127"/>
               </a:rPr>
               <a:t>가 조건문의 구문을 인식해서 조건문 내부에서 만큼은 적절한 타입으로 추론할 수 있도록 도와주는 문법</a:t>
             </a:r>
-            <a:endParaRPr lang="en-US" altLang="ko-KR" dirty="0">
+            <a:endParaRPr lang="en-US" altLang="ko-KR">
               <a:latin typeface="Noto Sans CJK KR Regular" panose="020B0500000000000000" pitchFamily="34" charset="-127"/>
               <a:ea typeface="Noto Sans CJK KR Regular" panose="020B0500000000000000" pitchFamily="34" charset="-127"/>
             </a:endParaRPr>
@@ -33150,7 +32673,7 @@
               <a:buFontTx/>
               <a:buChar char="•"/>
             </a:pPr>
-            <a:endParaRPr lang="en-US" altLang="ko-KR" dirty="0">
+            <a:endParaRPr lang="en-US" altLang="ko-KR">
               <a:latin typeface="Noto Sans CJK KR Regular" panose="020B0500000000000000" pitchFamily="34" charset="-127"/>
               <a:ea typeface="Noto Sans CJK KR Regular" panose="020B0500000000000000" pitchFamily="34" charset="-127"/>
             </a:endParaRPr>
@@ -33161,13 +32684,13 @@
               <a:buChar char="▶"/>
             </a:pPr>
             <a:r>
-              <a:rPr lang="ko-KR" altLang="en-US" sz="2000" dirty="0">
+              <a:rPr lang="ko-KR" altLang="en-US" sz="2000">
                 <a:latin typeface="Noto Sans CJK KR Regular" panose="020B0500000000000000" pitchFamily="34" charset="-127"/>
                 <a:ea typeface="Noto Sans CJK KR Regular" panose="020B0500000000000000" pitchFamily="34" charset="-127"/>
               </a:rPr>
               <a:t> 타입 가드 구문</a:t>
             </a:r>
-            <a:endParaRPr lang="en-US" altLang="ko-KR" dirty="0">
+            <a:endParaRPr lang="en-US" altLang="ko-KR">
               <a:latin typeface="Noto Sans CJK KR Regular" panose="020B0500000000000000" pitchFamily="34" charset="-127"/>
               <a:ea typeface="Noto Sans CJK KR Regular" panose="020B0500000000000000" pitchFamily="34" charset="-127"/>
             </a:endParaRPr>
@@ -33178,34 +32701,34 @@
               <a:buChar char="•"/>
             </a:pPr>
             <a:r>
-              <a:rPr lang="en-US" altLang="ko-KR" dirty="0">
+              <a:rPr lang="en-US" altLang="ko-KR">
                 <a:latin typeface="Noto Sans CJK KR Regular" panose="020B0500000000000000" pitchFamily="34" charset="-127"/>
                 <a:ea typeface="Noto Sans CJK KR Regular" panose="020B0500000000000000" pitchFamily="34" charset="-127"/>
               </a:rPr>
               <a:t> null,</a:t>
             </a:r>
             <a:r>
-              <a:rPr lang="ko-KR" altLang="en-US" dirty="0">
+              <a:rPr lang="ko-KR" altLang="en-US">
                 <a:latin typeface="Noto Sans CJK KR Regular" panose="020B0500000000000000" pitchFamily="34" charset="-127"/>
                 <a:ea typeface="Noto Sans CJK KR Regular" panose="020B0500000000000000" pitchFamily="34" charset="-127"/>
               </a:rPr>
               <a:t> </a:t>
             </a:r>
             <a:r>
-              <a:rPr lang="en-US" altLang="ko-KR" dirty="0">
+              <a:rPr lang="en-US" altLang="ko-KR">
                 <a:latin typeface="Noto Sans CJK KR Regular" panose="020B0500000000000000" pitchFamily="34" charset="-127"/>
                 <a:ea typeface="Noto Sans CJK KR Regular" panose="020B0500000000000000" pitchFamily="34" charset="-127"/>
               </a:rPr>
               <a:t>undefined</a:t>
             </a:r>
             <a:r>
-              <a:rPr lang="ko-KR" altLang="en-US" dirty="0">
+              <a:rPr lang="ko-KR" altLang="en-US">
                 <a:latin typeface="Noto Sans CJK KR Regular" panose="020B0500000000000000" pitchFamily="34" charset="-127"/>
                 <a:ea typeface="Noto Sans CJK KR Regular" panose="020B0500000000000000" pitchFamily="34" charset="-127"/>
               </a:rPr>
               <a:t> 확인</a:t>
             </a:r>
-            <a:endParaRPr lang="en-US" altLang="ko-KR" dirty="0">
+            <a:endParaRPr lang="en-US" altLang="ko-KR">
               <a:latin typeface="Noto Sans CJK KR Regular" panose="020B0500000000000000" pitchFamily="34" charset="-127"/>
               <a:ea typeface="Noto Sans CJK KR Regular" panose="020B0500000000000000" pitchFamily="34" charset="-127"/>
             </a:endParaRPr>
@@ -33216,21 +32739,21 @@
               <a:buChar char="•"/>
             </a:pPr>
             <a:r>
-              <a:rPr lang="en-US" altLang="ko-KR" dirty="0">
+              <a:rPr lang="en-US" altLang="ko-KR">
                 <a:latin typeface="Noto Sans CJK KR Regular" panose="020B0500000000000000" pitchFamily="34" charset="-127"/>
                 <a:ea typeface="Noto Sans CJK KR Regular" panose="020B0500000000000000" pitchFamily="34" charset="-127"/>
               </a:rPr>
               <a:t> </a:t>
             </a:r>
             <a:r>
-              <a:rPr lang="ko-KR" altLang="en-US" dirty="0">
+              <a:rPr lang="ko-KR" altLang="en-US">
                 <a:latin typeface="Noto Sans CJK KR Regular" panose="020B0500000000000000" pitchFamily="34" charset="-127"/>
                 <a:ea typeface="Noto Sans CJK KR Regular" panose="020B0500000000000000" pitchFamily="34" charset="-127"/>
               </a:rPr>
               <a:t>논리연산자</a:t>
             </a:r>
             <a:r>
-              <a:rPr lang="en-US" altLang="ko-KR" dirty="0">
+              <a:rPr lang="en-US" altLang="ko-KR">
                 <a:latin typeface="Noto Sans CJK KR Regular" panose="020B0500000000000000" pitchFamily="34" charset="-127"/>
                 <a:ea typeface="Noto Sans CJK KR Regular" panose="020B0500000000000000" pitchFamily="34" charset="-127"/>
               </a:rPr>
@@ -33243,27 +32766,20 @@
               <a:buChar char="•"/>
             </a:pPr>
             <a:r>
-              <a:rPr lang="en-US" altLang="ko-KR" dirty="0">
-                <a:latin typeface="Noto Sans CJK KR Regular" panose="020B0500000000000000" pitchFamily="34" charset="-127"/>
-                <a:ea typeface="Noto Sans CJK KR Regular" panose="020B0500000000000000" pitchFamily="34" charset="-127"/>
-              </a:rPr>
-              <a:t> </a:t>
-            </a:r>
-            <a:r>
-              <a:rPr lang="en-US" altLang="ko-KR" dirty="0" err="1">
-                <a:latin typeface="Noto Sans CJK KR Regular" panose="020B0500000000000000" pitchFamily="34" charset="-127"/>
-                <a:ea typeface="Noto Sans CJK KR Regular" panose="020B0500000000000000" pitchFamily="34" charset="-127"/>
-              </a:rPr>
-              <a:t>typeof</a:t>
-            </a:r>
-            <a:r>
-              <a:rPr lang="ko-KR" altLang="en-US" dirty="0">
+              <a:rPr lang="en-US" altLang="ko-KR">
+                <a:latin typeface="Noto Sans CJK KR Regular" panose="020B0500000000000000" pitchFamily="34" charset="-127"/>
+                <a:ea typeface="Noto Sans CJK KR Regular" panose="020B0500000000000000" pitchFamily="34" charset="-127"/>
+              </a:rPr>
+              <a:t> typeof</a:t>
+            </a:r>
+            <a:r>
+              <a:rPr lang="ko-KR" altLang="en-US">
                 <a:latin typeface="Noto Sans CJK KR Regular" panose="020B0500000000000000" pitchFamily="34" charset="-127"/>
                 <a:ea typeface="Noto Sans CJK KR Regular" panose="020B0500000000000000" pitchFamily="34" charset="-127"/>
               </a:rPr>
               <a:t> 연산자</a:t>
             </a:r>
-            <a:endParaRPr lang="en-US" altLang="ko-KR" dirty="0">
+            <a:endParaRPr lang="en-US" altLang="ko-KR">
               <a:latin typeface="Noto Sans CJK KR Regular" panose="020B0500000000000000" pitchFamily="34" charset="-127"/>
               <a:ea typeface="Noto Sans CJK KR Regular" panose="020B0500000000000000" pitchFamily="34" charset="-127"/>
             </a:endParaRPr>
@@ -33274,27 +32790,27 @@
               <a:buChar char="•"/>
             </a:pPr>
             <a:r>
-              <a:rPr lang="en-US" altLang="ko-KR" b="0" dirty="0">
+              <a:rPr lang="en-US" altLang="ko-KR" b="0">
                 <a:latin typeface="Noto Sans CJK KR Regular" panose="020B0500000000000000" pitchFamily="34" charset="-127"/>
                 <a:ea typeface="Noto Sans CJK KR Regular" panose="020B0500000000000000" pitchFamily="34" charset="-127"/>
               </a:rPr>
               <a:t> </a:t>
             </a:r>
             <a:r>
-              <a:rPr lang="en-US" altLang="ko-KR" dirty="0" err="1">
+              <a:rPr lang="en-US" altLang="ko-KR">
                 <a:latin typeface="Noto Sans CJK KR Regular" panose="020B0500000000000000" pitchFamily="34" charset="-127"/>
                 <a:ea typeface="Noto Sans CJK KR Regular" panose="020B0500000000000000" pitchFamily="34" charset="-127"/>
               </a:rPr>
               <a:t>instanceof</a:t>
             </a:r>
             <a:r>
-              <a:rPr lang="ko-KR" altLang="en-US" dirty="0">
+              <a:rPr lang="ko-KR" altLang="en-US">
                 <a:latin typeface="Noto Sans CJK KR Regular" panose="020B0500000000000000" pitchFamily="34" charset="-127"/>
                 <a:ea typeface="Noto Sans CJK KR Regular" panose="020B0500000000000000" pitchFamily="34" charset="-127"/>
               </a:rPr>
               <a:t> 연산자</a:t>
             </a:r>
-            <a:endParaRPr lang="en-US" altLang="ko-KR" dirty="0">
+            <a:endParaRPr lang="en-US" altLang="ko-KR">
               <a:latin typeface="Noto Sans CJK KR Regular" panose="020B0500000000000000" pitchFamily="34" charset="-127"/>
               <a:ea typeface="Noto Sans CJK KR Regular" panose="020B0500000000000000" pitchFamily="34" charset="-127"/>
             </a:endParaRPr>
@@ -33305,35 +32821,35 @@
               <a:buChar char="•"/>
             </a:pPr>
             <a:r>
-              <a:rPr lang="en-US" altLang="ko-KR" b="0" dirty="0">
+              <a:rPr lang="en-US" altLang="ko-KR" b="0">
                 <a:latin typeface="Noto Sans CJK KR Regular" panose="020B0500000000000000" pitchFamily="34" charset="-127"/>
                 <a:ea typeface="Noto Sans CJK KR Regular" panose="020B0500000000000000" pitchFamily="34" charset="-127"/>
               </a:rPr>
               <a:t> in </a:t>
             </a:r>
             <a:r>
-              <a:rPr lang="ko-KR" altLang="en-US" b="0" dirty="0">
+              <a:rPr lang="ko-KR" altLang="en-US" b="0">
                 <a:latin typeface="Noto Sans CJK KR Regular" panose="020B0500000000000000" pitchFamily="34" charset="-127"/>
                 <a:ea typeface="Noto Sans CJK KR Regular" panose="020B0500000000000000" pitchFamily="34" charset="-127"/>
               </a:rPr>
               <a:t>연산자 </a:t>
             </a:r>
             <a:r>
-              <a:rPr lang="en-US" altLang="ko-KR" b="0" dirty="0">
+              <a:rPr lang="en-US" altLang="ko-KR" b="0">
                 <a:latin typeface="Noto Sans CJK KR Regular" panose="020B0500000000000000" pitchFamily="34" charset="-127"/>
                 <a:ea typeface="Noto Sans CJK KR Regular" panose="020B0500000000000000" pitchFamily="34" charset="-127"/>
               </a:rPr>
               <a:t>(</a:t>
             </a:r>
             <a:r>
-              <a:rPr lang="ko-KR" altLang="en-US" b="0" dirty="0">
+              <a:rPr lang="ko-KR" altLang="en-US" b="0">
                 <a:latin typeface="Noto Sans CJK KR Regular" panose="020B0500000000000000" pitchFamily="34" charset="-127"/>
                 <a:ea typeface="Noto Sans CJK KR Regular" panose="020B0500000000000000" pitchFamily="34" charset="-127"/>
               </a:rPr>
               <a:t>객체에 지정한 속성이 포함되었는지 여부를 반환</a:t>
             </a:r>
             <a:r>
-              <a:rPr lang="en-US" altLang="ko-KR" b="0" dirty="0">
+              <a:rPr lang="en-US" altLang="ko-KR" b="0">
                 <a:latin typeface="Noto Sans CJK KR Regular" panose="020B0500000000000000" pitchFamily="34" charset="-127"/>
                 <a:ea typeface="Noto Sans CJK KR Regular" panose="020B0500000000000000" pitchFamily="34" charset="-127"/>
               </a:rPr>
@@ -33346,35 +32862,35 @@
               <a:buChar char="•"/>
             </a:pPr>
             <a:r>
-              <a:rPr lang="en-US" altLang="ko-KR" dirty="0">
+              <a:rPr lang="en-US" altLang="ko-KR">
                 <a:latin typeface="Noto Sans CJK KR Regular" panose="020B0500000000000000" pitchFamily="34" charset="-127"/>
                 <a:ea typeface="Noto Sans CJK KR Regular" panose="020B0500000000000000" pitchFamily="34" charset="-127"/>
               </a:rPr>
               <a:t> </a:t>
             </a:r>
             <a:r>
-              <a:rPr lang="ko-KR" altLang="en-US" dirty="0">
+              <a:rPr lang="ko-KR" altLang="en-US">
                 <a:latin typeface="Noto Sans CJK KR Regular" panose="020B0500000000000000" pitchFamily="34" charset="-127"/>
                 <a:ea typeface="Noto Sans CJK KR Regular" panose="020B0500000000000000" pitchFamily="34" charset="-127"/>
               </a:rPr>
               <a:t>구별된 유니언 타입</a:t>
             </a:r>
             <a:r>
-              <a:rPr lang="en-US" altLang="ko-KR" dirty="0">
+              <a:rPr lang="en-US" altLang="ko-KR">
                 <a:latin typeface="Noto Sans CJK KR Regular" panose="020B0500000000000000" pitchFamily="34" charset="-127"/>
                 <a:ea typeface="Noto Sans CJK KR Regular" panose="020B0500000000000000" pitchFamily="34" charset="-127"/>
               </a:rPr>
               <a:t>(</a:t>
             </a:r>
             <a:r>
-              <a:rPr lang="en-US" altLang="ko-KR" sz="1800" dirty="0">
+              <a:rPr lang="en-US" altLang="ko-KR" sz="1800">
                 <a:latin typeface="Noto Sans CJK KR Regular" panose="020B0500000000000000" pitchFamily="34" charset="-127"/>
                 <a:ea typeface="Noto Sans CJK KR Regular" panose="020B0500000000000000" pitchFamily="34" charset="-127"/>
               </a:rPr>
               <a:t>discriminated unions</a:t>
             </a:r>
             <a:r>
-              <a:rPr lang="en-US" altLang="ko-KR" dirty="0">
+              <a:rPr lang="en-US" altLang="ko-KR">
                 <a:latin typeface="Noto Sans CJK KR Regular" panose="020B0500000000000000" pitchFamily="34" charset="-127"/>
                 <a:ea typeface="Noto Sans CJK KR Regular" panose="020B0500000000000000" pitchFamily="34" charset="-127"/>
               </a:rPr>
@@ -33387,34 +32903,20 @@
               <a:buChar char="•"/>
             </a:pPr>
             <a:r>
-              <a:rPr lang="en-US" altLang="ko-KR" b="0" dirty="0">
+              <a:rPr lang="en-US" altLang="ko-KR" b="0">
                 <a:latin typeface="Noto Sans CJK KR Regular" panose="020B0500000000000000" pitchFamily="34" charset="-127"/>
                 <a:ea typeface="Noto Sans CJK KR Regular" panose="020B0500000000000000" pitchFamily="34" charset="-127"/>
               </a:rPr>
               <a:t> </a:t>
             </a:r>
             <a:r>
-              <a:rPr lang="ko-KR" altLang="en-US" dirty="0">
-                <a:latin typeface="Noto Sans CJK KR Regular" panose="020B0500000000000000" pitchFamily="34" charset="-127"/>
-                <a:ea typeface="Noto Sans CJK KR Regular" panose="020B0500000000000000" pitchFamily="34" charset="-127"/>
-              </a:rPr>
-              <a:t>타입 별칭이나 인터페이스의 속성 </a:t>
-            </a:r>
-            <a:r>
-              <a:rPr lang="ko-KR" altLang="en-US" dirty="0" err="1">
-                <a:latin typeface="Noto Sans CJK KR Regular" panose="020B0500000000000000" pitchFamily="34" charset="-127"/>
-                <a:ea typeface="Noto Sans CJK KR Regular" panose="020B0500000000000000" pitchFamily="34" charset="-127"/>
-              </a:rPr>
-              <a:t>정의시</a:t>
-            </a:r>
-            <a:r>
-              <a:rPr lang="ko-KR" altLang="en-US" dirty="0">
-                <a:latin typeface="Noto Sans CJK KR Regular" panose="020B0500000000000000" pitchFamily="34" charset="-127"/>
-                <a:ea typeface="Noto Sans CJK KR Regular" panose="020B0500000000000000" pitchFamily="34" charset="-127"/>
-              </a:rPr>
-              <a:t> 구체적인 값을 지정한 후 객체의 속성값으로 확인</a:t>
-            </a:r>
-            <a:endParaRPr lang="en-US" altLang="ko-KR" dirty="0">
+              <a:rPr lang="ko-KR" altLang="en-US">
+                <a:latin typeface="Noto Sans CJK KR Regular" panose="020B0500000000000000" pitchFamily="34" charset="-127"/>
+                <a:ea typeface="Noto Sans CJK KR Regular" panose="020B0500000000000000" pitchFamily="34" charset="-127"/>
+              </a:rPr>
+              <a:t>타입 별칭이나 인터페이스의 속성 정의시 구체적인 값을 지정한 후 객체의 속성값으로 확인</a:t>
+            </a:r>
+            <a:endParaRPr lang="en-US" altLang="ko-KR">
               <a:latin typeface="Noto Sans CJK KR Regular" panose="020B0500000000000000" pitchFamily="34" charset="-127"/>
               <a:ea typeface="Noto Sans CJK KR Regular" panose="020B0500000000000000" pitchFamily="34" charset="-127"/>
             </a:endParaRPr>
@@ -33425,35 +32927,21 @@
               <a:buChar char="•"/>
             </a:pPr>
             <a:r>
-              <a:rPr lang="en-US" altLang="ko-KR" b="0" dirty="0">
-                <a:latin typeface="Noto Sans CJK KR Regular" panose="020B0500000000000000" pitchFamily="34" charset="-127"/>
-                <a:ea typeface="Noto Sans CJK KR Regular" panose="020B0500000000000000" pitchFamily="34" charset="-127"/>
-              </a:rPr>
-              <a:t> admin: </a:t>
-            </a:r>
-            <a:r>
-              <a:rPr lang="en-US" altLang="ko-KR" b="0" dirty="0" err="1">
-                <a:latin typeface="Noto Sans CJK KR Regular" panose="020B0500000000000000" pitchFamily="34" charset="-127"/>
-                <a:ea typeface="Noto Sans CJK KR Regular" panose="020B0500000000000000" pitchFamily="34" charset="-127"/>
-              </a:rPr>
-              <a:t>boolean</a:t>
-            </a:r>
-            <a:r>
-              <a:rPr lang="en-US" altLang="ko-KR" b="0" dirty="0">
-                <a:latin typeface="Noto Sans CJK KR Regular" panose="020B0500000000000000" pitchFamily="34" charset="-127"/>
-                <a:ea typeface="Noto Sans CJK KR Regular" panose="020B0500000000000000" pitchFamily="34" charset="-127"/>
-              </a:rPr>
-              <a:t> </a:t>
-            </a:r>
-            <a:r>
-              <a:rPr lang="ko-KR" altLang="en-US" b="0" dirty="0">
+              <a:rPr lang="en-US" altLang="ko-KR" b="0">
+                <a:latin typeface="Noto Sans CJK KR Regular" panose="020B0500000000000000" pitchFamily="34" charset="-127"/>
+                <a:ea typeface="Noto Sans CJK KR Regular" panose="020B0500000000000000" pitchFamily="34" charset="-127"/>
+              </a:rPr>
+              <a:t> admin: boolean </a:t>
+            </a:r>
+            <a:r>
+              <a:rPr lang="ko-KR" altLang="en-US" b="0">
                 <a:latin typeface="Noto Sans CJK KR Regular" panose="020B0500000000000000" pitchFamily="34" charset="-127"/>
                 <a:ea typeface="Noto Sans CJK KR Regular" panose="020B0500000000000000" pitchFamily="34" charset="-127"/>
               </a:rPr>
               <a:t>대신 </a:t>
             </a:r>
             <a:r>
-              <a:rPr lang="en-US" altLang="ko-KR" b="0" dirty="0">
+              <a:rPr lang="en-US" altLang="ko-KR" b="0">
                 <a:latin typeface="Noto Sans CJK KR Regular" panose="020B0500000000000000" pitchFamily="34" charset="-127"/>
                 <a:ea typeface="Noto Sans CJK KR Regular" panose="020B0500000000000000" pitchFamily="34" charset="-127"/>
               </a:rPr>
@@ -33466,20 +32954,20 @@
               <a:buChar char="•"/>
             </a:pPr>
             <a:r>
-              <a:rPr lang="en-US" altLang="ko-KR" dirty="0">
+              <a:rPr lang="en-US" altLang="ko-KR">
                 <a:latin typeface="Noto Sans CJK KR Regular" panose="020B0500000000000000" pitchFamily="34" charset="-127"/>
                 <a:ea typeface="Noto Sans CJK KR Regular" panose="020B0500000000000000" pitchFamily="34" charset="-127"/>
               </a:rPr>
               <a:t> </a:t>
             </a:r>
             <a:r>
-              <a:rPr lang="ko-KR" altLang="en-US" dirty="0">
+              <a:rPr lang="ko-KR" altLang="en-US">
                 <a:latin typeface="Noto Sans CJK KR Regular" panose="020B0500000000000000" pitchFamily="34" charset="-127"/>
                 <a:ea typeface="Noto Sans CJK KR Regular" panose="020B0500000000000000" pitchFamily="34" charset="-127"/>
               </a:rPr>
               <a:t>타입 가드 함수 작성</a:t>
             </a:r>
-            <a:endParaRPr lang="en-US" altLang="ko-KR" dirty="0">
+            <a:endParaRPr lang="en-US" altLang="ko-KR">
               <a:latin typeface="Noto Sans CJK KR Regular" panose="020B0500000000000000" pitchFamily="34" charset="-127"/>
               <a:ea typeface="Noto Sans CJK KR Regular" panose="020B0500000000000000" pitchFamily="34" charset="-127"/>
             </a:endParaRPr>
@@ -33490,27 +32978,27 @@
               <a:buChar char="•"/>
             </a:pPr>
             <a:r>
-              <a:rPr lang="en-US" altLang="ko-KR" b="0" dirty="0">
+              <a:rPr lang="en-US" altLang="ko-KR" b="0">
                 <a:latin typeface="Noto Sans CJK KR Regular" panose="020B0500000000000000" pitchFamily="34" charset="-127"/>
                 <a:ea typeface="Noto Sans CJK KR Regular" panose="020B0500000000000000" pitchFamily="34" charset="-127"/>
               </a:rPr>
               <a:t> is </a:t>
             </a:r>
             <a:r>
-              <a:rPr lang="ko-KR" altLang="en-US" dirty="0">
+              <a:rPr lang="ko-KR" altLang="en-US">
                 <a:latin typeface="Noto Sans CJK KR Regular" panose="020B0500000000000000" pitchFamily="34" charset="-127"/>
                 <a:ea typeface="Noto Sans CJK KR Regular" panose="020B0500000000000000" pitchFamily="34" charset="-127"/>
               </a:rPr>
               <a:t>연산자를 사용해서 </a:t>
             </a:r>
             <a:r>
-              <a:rPr lang="ko-KR" altLang="en-US" b="0" dirty="0">
+              <a:rPr lang="ko-KR" altLang="en-US" b="0">
                 <a:latin typeface="Noto Sans CJK KR Regular" panose="020B0500000000000000" pitchFamily="34" charset="-127"/>
                 <a:ea typeface="Noto Sans CJK KR Regular" panose="020B0500000000000000" pitchFamily="34" charset="-127"/>
               </a:rPr>
               <a:t>타입 가드 기능을 하도록 만든 함수</a:t>
             </a:r>
-            <a:endParaRPr lang="en-US" altLang="ko-KR" b="0" dirty="0">
+            <a:endParaRPr lang="en-US" altLang="ko-KR" b="0">
               <a:latin typeface="Noto Sans CJK KR Regular" panose="020B0500000000000000" pitchFamily="34" charset="-127"/>
               <a:ea typeface="Noto Sans CJK KR Regular" panose="020B0500000000000000" pitchFamily="34" charset="-127"/>
             </a:endParaRPr>
@@ -33809,14 +33297,14 @@
               <a:buChar char="▶"/>
             </a:pPr>
             <a:r>
-              <a:rPr lang="ko-KR" altLang="en-US" sz="2000" dirty="0">
+              <a:rPr lang="ko-KR" altLang="en-US" sz="2000">
                 <a:latin typeface="Noto Sans CJK KR Regular" panose="020B0500000000000000" pitchFamily="34" charset="-127"/>
                 <a:ea typeface="Noto Sans CJK KR Regular" panose="020B0500000000000000" pitchFamily="34" charset="-127"/>
               </a:rPr>
               <a:t> 타입 호환이란</a:t>
             </a:r>
             <a:r>
-              <a:rPr lang="en-US" altLang="ko-KR" sz="2000" dirty="0">
+              <a:rPr lang="en-US" altLang="ko-KR" sz="2000">
                 <a:latin typeface="Noto Sans CJK KR Regular" panose="020B0500000000000000" pitchFamily="34" charset="-127"/>
                 <a:ea typeface="Noto Sans CJK KR Regular" panose="020B0500000000000000" pitchFamily="34" charset="-127"/>
               </a:rPr>
@@ -33833,21 +33321,21 @@
               <a:buChar char="•"/>
             </a:pPr>
             <a:r>
-              <a:rPr lang="en-US" altLang="ko-KR" b="0" dirty="0">
+              <a:rPr lang="en-US" altLang="ko-KR" b="0">
                 <a:latin typeface="Noto Sans CJK KR Regular" panose="020B0500000000000000" pitchFamily="34" charset="-127"/>
                 <a:ea typeface="Noto Sans CJK KR Regular" panose="020B0500000000000000" pitchFamily="34" charset="-127"/>
               </a:rPr>
               <a:t> </a:t>
             </a:r>
             <a:r>
-              <a:rPr lang="ko-KR" altLang="en-US" b="0" dirty="0">
+              <a:rPr lang="ko-KR" altLang="en-US" b="0">
                 <a:latin typeface="Noto Sans CJK KR Regular" panose="020B0500000000000000" pitchFamily="34" charset="-127"/>
                 <a:ea typeface="Noto Sans CJK KR Regular" panose="020B0500000000000000" pitchFamily="34" charset="-127"/>
               </a:rPr>
               <a:t>두 타입이 서로 </a:t>
             </a:r>
             <a:r>
-              <a:rPr lang="ko-KR" altLang="en-US" b="0" dirty="0">
+              <a:rPr lang="ko-KR" altLang="en-US" b="0">
                 <a:solidFill>
                   <a:srgbClr val="FF9E1B"/>
                 </a:solidFill>
@@ -33857,13 +33345,13 @@
               <a:t>대입 가능</a:t>
             </a:r>
             <a:r>
-              <a:rPr lang="ko-KR" altLang="en-US" b="0" dirty="0">
+              <a:rPr lang="ko-KR" altLang="en-US" b="0">
                 <a:latin typeface="Noto Sans CJK KR Regular" panose="020B0500000000000000" pitchFamily="34" charset="-127"/>
                 <a:ea typeface="Noto Sans CJK KR Regular" panose="020B0500000000000000" pitchFamily="34" charset="-127"/>
               </a:rPr>
               <a:t>한지 여부를 판단하는 규칙</a:t>
             </a:r>
-            <a:endParaRPr lang="en-US" altLang="ko-KR" dirty="0">
+            <a:endParaRPr lang="en-US" altLang="ko-KR">
               <a:latin typeface="Noto Sans CJK KR Regular" panose="020B0500000000000000" pitchFamily="34" charset="-127"/>
               <a:ea typeface="Noto Sans CJK KR Regular" panose="020B0500000000000000" pitchFamily="34" charset="-127"/>
             </a:endParaRPr>
@@ -33874,21 +33362,21 @@
               <a:buChar char="•"/>
             </a:pPr>
             <a:r>
-              <a:rPr lang="en-US" altLang="ko-KR" dirty="0">
+              <a:rPr lang="en-US" altLang="ko-KR">
                 <a:latin typeface="Noto Sans CJK KR Regular" panose="020B0500000000000000" pitchFamily="34" charset="-127"/>
                 <a:ea typeface="Noto Sans CJK KR Regular" panose="020B0500000000000000" pitchFamily="34" charset="-127"/>
               </a:rPr>
               <a:t> </a:t>
             </a:r>
             <a:r>
-              <a:rPr lang="ko-KR" altLang="en-US" dirty="0">
+              <a:rPr lang="ko-KR" altLang="en-US">
                 <a:latin typeface="Noto Sans CJK KR Regular" panose="020B0500000000000000" pitchFamily="34" charset="-127"/>
                 <a:ea typeface="Noto Sans CJK KR Regular" panose="020B0500000000000000" pitchFamily="34" charset="-127"/>
               </a:rPr>
               <a:t>타입 호환여부는 </a:t>
             </a:r>
             <a:r>
-              <a:rPr lang="ko-KR" altLang="en-US" dirty="0">
+              <a:rPr lang="ko-KR" altLang="en-US">
                 <a:solidFill>
                   <a:srgbClr val="FF9E1B"/>
                 </a:solidFill>
@@ -33898,20 +33386,20 @@
               <a:t>구조적 타입 시스템</a:t>
             </a:r>
             <a:r>
-              <a:rPr lang="en-US" altLang="ko-KR" dirty="0">
+              <a:rPr lang="en-US" altLang="ko-KR">
                 <a:latin typeface="Noto Sans CJK KR Regular" panose="020B0500000000000000" pitchFamily="34" charset="-127"/>
                 <a:ea typeface="Noto Sans CJK KR Regular" panose="020B0500000000000000" pitchFamily="34" charset="-127"/>
               </a:rPr>
               <a:t>(Structural Type System)</a:t>
             </a:r>
             <a:r>
-              <a:rPr lang="ko-KR" altLang="en-US" dirty="0">
+              <a:rPr lang="ko-KR" altLang="en-US">
                 <a:latin typeface="Noto Sans CJK KR Regular" panose="020B0500000000000000" pitchFamily="34" charset="-127"/>
                 <a:ea typeface="Noto Sans CJK KR Regular" panose="020B0500000000000000" pitchFamily="34" charset="-127"/>
               </a:rPr>
               <a:t>에 기반</a:t>
             </a:r>
-            <a:endParaRPr lang="en-US" altLang="ko-KR" dirty="0">
+            <a:endParaRPr lang="en-US" altLang="ko-KR">
               <a:latin typeface="Noto Sans CJK KR Regular" panose="020B0500000000000000" pitchFamily="34" charset="-127"/>
               <a:ea typeface="Noto Sans CJK KR Regular" panose="020B0500000000000000" pitchFamily="34" charset="-127"/>
             </a:endParaRPr>
@@ -33922,20 +33410,20 @@
               <a:buChar char="•"/>
             </a:pPr>
             <a:r>
-              <a:rPr lang="en-US" altLang="ko-KR" dirty="0">
+              <a:rPr lang="en-US" altLang="ko-KR">
                 <a:latin typeface="Noto Sans CJK KR Regular" panose="020B0500000000000000" pitchFamily="34" charset="-127"/>
                 <a:ea typeface="Noto Sans CJK KR Regular" panose="020B0500000000000000" pitchFamily="34" charset="-127"/>
               </a:rPr>
               <a:t> </a:t>
             </a:r>
             <a:r>
-              <a:rPr lang="ko-KR" altLang="en-US" dirty="0">
+              <a:rPr lang="ko-KR" altLang="en-US">
                 <a:latin typeface="Noto Sans CJK KR Regular" panose="020B0500000000000000" pitchFamily="34" charset="-127"/>
                 <a:ea typeface="Noto Sans CJK KR Regular" panose="020B0500000000000000" pitchFamily="34" charset="-127"/>
               </a:rPr>
               <a:t>타입을 비교할 때 타입의 구조를 기준으로 호환 여부를 판단</a:t>
             </a:r>
-            <a:endParaRPr lang="en-US" altLang="ko-KR" dirty="0">
+            <a:endParaRPr lang="en-US" altLang="ko-KR">
               <a:latin typeface="Noto Sans CJK KR Regular" panose="020B0500000000000000" pitchFamily="34" charset="-127"/>
               <a:ea typeface="Noto Sans CJK KR Regular" panose="020B0500000000000000" pitchFamily="34" charset="-127"/>
             </a:endParaRPr>
@@ -33946,21 +33434,21 @@
               <a:buChar char="•"/>
             </a:pPr>
             <a:r>
-              <a:rPr lang="en-US" altLang="ko-KR" dirty="0">
+              <a:rPr lang="en-US" altLang="ko-KR">
                 <a:latin typeface="Noto Sans CJK KR Regular" panose="020B0500000000000000" pitchFamily="34" charset="-127"/>
                 <a:ea typeface="Noto Sans CJK KR Regular" panose="020B0500000000000000" pitchFamily="34" charset="-127"/>
               </a:rPr>
               <a:t> </a:t>
             </a:r>
             <a:r>
-              <a:rPr lang="ko-KR" altLang="en-US" dirty="0">
+              <a:rPr lang="ko-KR" altLang="en-US">
                 <a:latin typeface="Noto Sans CJK KR Regular" panose="020B0500000000000000" pitchFamily="34" charset="-127"/>
                 <a:ea typeface="Noto Sans CJK KR Regular" panose="020B0500000000000000" pitchFamily="34" charset="-127"/>
               </a:rPr>
               <a:t>두 타입이 호환되려면 한 타입이 다른 타입의 </a:t>
             </a:r>
             <a:r>
-              <a:rPr lang="ko-KR" altLang="en-US" dirty="0">
+              <a:rPr lang="ko-KR" altLang="en-US">
                 <a:solidFill>
                   <a:srgbClr val="FF9E1B"/>
                 </a:solidFill>
@@ -33970,13 +33458,13 @@
               <a:t>모든 프로퍼티와 메서드를 포함</a:t>
             </a:r>
             <a:r>
-              <a:rPr lang="ko-KR" altLang="en-US" dirty="0">
+              <a:rPr lang="ko-KR" altLang="en-US">
                 <a:latin typeface="Noto Sans CJK KR Regular" panose="020B0500000000000000" pitchFamily="34" charset="-127"/>
                 <a:ea typeface="Noto Sans CJK KR Regular" panose="020B0500000000000000" pitchFamily="34" charset="-127"/>
               </a:rPr>
               <a:t>해야 함</a:t>
             </a:r>
-            <a:endParaRPr lang="en-US" altLang="ko-KR" dirty="0">
+            <a:endParaRPr lang="en-US" altLang="ko-KR">
               <a:latin typeface="Noto Sans CJK KR Regular" panose="020B0500000000000000" pitchFamily="34" charset="-127"/>
               <a:ea typeface="Noto Sans CJK KR Regular" panose="020B0500000000000000" pitchFamily="34" charset="-127"/>
             </a:endParaRPr>
@@ -33987,20 +33475,20 @@
               <a:buChar char="•"/>
             </a:pPr>
             <a:r>
-              <a:rPr lang="en-US" altLang="ko-KR" dirty="0">
+              <a:rPr lang="en-US" altLang="ko-KR">
                 <a:latin typeface="Noto Sans CJK KR Regular" panose="020B0500000000000000" pitchFamily="34" charset="-127"/>
                 <a:ea typeface="Noto Sans CJK KR Regular" panose="020B0500000000000000" pitchFamily="34" charset="-127"/>
               </a:rPr>
               <a:t> </a:t>
             </a:r>
             <a:r>
-              <a:rPr lang="ko-KR" altLang="en-US" dirty="0">
+              <a:rPr lang="ko-KR" altLang="en-US">
                 <a:latin typeface="Noto Sans CJK KR Regular" panose="020B0500000000000000" pitchFamily="34" charset="-127"/>
                 <a:ea typeface="Noto Sans CJK KR Regular" panose="020B0500000000000000" pitchFamily="34" charset="-127"/>
               </a:rPr>
               <a:t>호환 가능 대상</a:t>
             </a:r>
-            <a:endParaRPr lang="en-US" altLang="ko-KR" dirty="0">
+            <a:endParaRPr lang="en-US" altLang="ko-KR">
               <a:latin typeface="Noto Sans CJK KR Regular" panose="020B0500000000000000" pitchFamily="34" charset="-127"/>
               <a:ea typeface="Noto Sans CJK KR Regular" panose="020B0500000000000000" pitchFamily="34" charset="-127"/>
             </a:endParaRPr>
@@ -34011,70 +33499,63 @@
               <a:buChar char="•"/>
             </a:pPr>
             <a:r>
-              <a:rPr lang="en-US" altLang="ko-KR" dirty="0">
+              <a:rPr lang="en-US" altLang="ko-KR">
                 <a:latin typeface="Noto Sans CJK KR Regular" panose="020B0500000000000000" pitchFamily="34" charset="-127"/>
                 <a:ea typeface="Noto Sans CJK KR Regular" panose="020B0500000000000000" pitchFamily="34" charset="-127"/>
               </a:rPr>
               <a:t> </a:t>
             </a:r>
             <a:r>
-              <a:rPr lang="ko-KR" altLang="en-US" dirty="0">
+              <a:rPr lang="ko-KR" altLang="en-US">
                 <a:latin typeface="Noto Sans CJK KR Regular" panose="020B0500000000000000" pitchFamily="34" charset="-127"/>
                 <a:ea typeface="Noto Sans CJK KR Regular" panose="020B0500000000000000" pitchFamily="34" charset="-127"/>
               </a:rPr>
               <a:t>인터페이스</a:t>
             </a:r>
             <a:r>
-              <a:rPr lang="en-US" altLang="ko-KR" dirty="0">
+              <a:rPr lang="en-US" altLang="ko-KR">
                 <a:latin typeface="Noto Sans CJK KR Regular" panose="020B0500000000000000" pitchFamily="34" charset="-127"/>
                 <a:ea typeface="Noto Sans CJK KR Regular" panose="020B0500000000000000" pitchFamily="34" charset="-127"/>
               </a:rPr>
               <a:t>, </a:t>
             </a:r>
             <a:r>
-              <a:rPr lang="ko-KR" altLang="en-US" dirty="0">
+              <a:rPr lang="ko-KR" altLang="en-US">
                 <a:latin typeface="Noto Sans CJK KR Regular" panose="020B0500000000000000" pitchFamily="34" charset="-127"/>
                 <a:ea typeface="Noto Sans CJK KR Regular" panose="020B0500000000000000" pitchFamily="34" charset="-127"/>
               </a:rPr>
               <a:t>클래스</a:t>
             </a:r>
             <a:r>
-              <a:rPr lang="en-US" altLang="ko-KR" dirty="0">
+              <a:rPr lang="en-US" altLang="ko-KR">
                 <a:latin typeface="Noto Sans CJK KR Regular" panose="020B0500000000000000" pitchFamily="34" charset="-127"/>
                 <a:ea typeface="Noto Sans CJK KR Regular" panose="020B0500000000000000" pitchFamily="34" charset="-127"/>
               </a:rPr>
               <a:t>: </a:t>
             </a:r>
             <a:r>
-              <a:rPr lang="ko-KR" altLang="en-US" dirty="0">
+              <a:rPr lang="ko-KR" altLang="en-US">
                 <a:latin typeface="Noto Sans CJK KR Regular" panose="020B0500000000000000" pitchFamily="34" charset="-127"/>
                 <a:ea typeface="Noto Sans CJK KR Regular" panose="020B0500000000000000" pitchFamily="34" charset="-127"/>
               </a:rPr>
               <a:t>프로퍼티 비교</a:t>
             </a:r>
             <a:r>
-              <a:rPr lang="en-US" altLang="ko-KR" dirty="0">
+              <a:rPr lang="en-US" altLang="ko-KR">
                 <a:latin typeface="Noto Sans CJK KR Regular" panose="020B0500000000000000" pitchFamily="34" charset="-127"/>
                 <a:ea typeface="Noto Sans CJK KR Regular" panose="020B0500000000000000" pitchFamily="34" charset="-127"/>
               </a:rPr>
               <a:t>(</a:t>
             </a:r>
             <a:r>
-              <a:rPr lang="ko-KR" altLang="en-US" dirty="0" err="1">
-                <a:latin typeface="Noto Sans CJK KR Regular" panose="020B0500000000000000" pitchFamily="34" charset="-127"/>
-                <a:ea typeface="Noto Sans CJK KR Regular" panose="020B0500000000000000" pitchFamily="34" charset="-127"/>
-              </a:rPr>
-              <a:t>프로퍼티명과</a:t>
-            </a:r>
-            <a:r>
-              <a:rPr lang="ko-KR" altLang="en-US" dirty="0">
-                <a:latin typeface="Noto Sans CJK KR Regular" panose="020B0500000000000000" pitchFamily="34" charset="-127"/>
-                <a:ea typeface="Noto Sans CJK KR Regular" panose="020B0500000000000000" pitchFamily="34" charset="-127"/>
-              </a:rPr>
-              <a:t> 타입</a:t>
-            </a:r>
-            <a:r>
-              <a:rPr lang="en-US" altLang="ko-KR" dirty="0">
+              <a:rPr lang="ko-KR" altLang="en-US">
+                <a:latin typeface="Noto Sans CJK KR Regular" panose="020B0500000000000000" pitchFamily="34" charset="-127"/>
+                <a:ea typeface="Noto Sans CJK KR Regular" panose="020B0500000000000000" pitchFamily="34" charset="-127"/>
+              </a:rPr>
+              <a:t>프로퍼티명과 타입</a:t>
+            </a:r>
+            <a:r>
+              <a:rPr lang="en-US" altLang="ko-KR">
                 <a:latin typeface="Noto Sans CJK KR Regular" panose="020B0500000000000000" pitchFamily="34" charset="-127"/>
                 <a:ea typeface="Noto Sans CJK KR Regular" panose="020B0500000000000000" pitchFamily="34" charset="-127"/>
               </a:rPr>
@@ -34087,49 +33568,49 @@
               <a:buChar char="•"/>
             </a:pPr>
             <a:r>
-              <a:rPr lang="en-US" altLang="ko-KR" dirty="0">
+              <a:rPr lang="en-US" altLang="ko-KR">
                 <a:latin typeface="Noto Sans CJK KR Regular" panose="020B0500000000000000" pitchFamily="34" charset="-127"/>
                 <a:ea typeface="Noto Sans CJK KR Regular" panose="020B0500000000000000" pitchFamily="34" charset="-127"/>
               </a:rPr>
               <a:t> </a:t>
             </a:r>
             <a:r>
-              <a:rPr lang="ko-KR" altLang="en-US" dirty="0">
+              <a:rPr lang="ko-KR" altLang="en-US">
                 <a:latin typeface="Noto Sans CJK KR Regular" panose="020B0500000000000000" pitchFamily="34" charset="-127"/>
                 <a:ea typeface="Noto Sans CJK KR Regular" panose="020B0500000000000000" pitchFamily="34" charset="-127"/>
               </a:rPr>
               <a:t>함수</a:t>
             </a:r>
             <a:r>
-              <a:rPr lang="en-US" altLang="ko-KR" dirty="0">
+              <a:rPr lang="en-US" altLang="ko-KR">
                 <a:latin typeface="Noto Sans CJK KR Regular" panose="020B0500000000000000" pitchFamily="34" charset="-127"/>
                 <a:ea typeface="Noto Sans CJK KR Regular" panose="020B0500000000000000" pitchFamily="34" charset="-127"/>
               </a:rPr>
               <a:t>: </a:t>
             </a:r>
             <a:r>
-              <a:rPr lang="ko-KR" altLang="en-US" dirty="0">
+              <a:rPr lang="ko-KR" altLang="en-US">
                 <a:latin typeface="Noto Sans CJK KR Regular" panose="020B0500000000000000" pitchFamily="34" charset="-127"/>
                 <a:ea typeface="Noto Sans CJK KR Regular" panose="020B0500000000000000" pitchFamily="34" charset="-127"/>
               </a:rPr>
               <a:t>인자의 수와 타입</a:t>
             </a:r>
             <a:r>
-              <a:rPr lang="en-US" altLang="ko-KR" dirty="0">
+              <a:rPr lang="en-US" altLang="ko-KR">
                 <a:latin typeface="Noto Sans CJK KR Regular" panose="020B0500000000000000" pitchFamily="34" charset="-127"/>
                 <a:ea typeface="Noto Sans CJK KR Regular" panose="020B0500000000000000" pitchFamily="34" charset="-127"/>
               </a:rPr>
               <a:t>, </a:t>
             </a:r>
             <a:r>
-              <a:rPr lang="ko-KR" altLang="en-US" dirty="0">
+              <a:rPr lang="ko-KR" altLang="en-US">
                 <a:latin typeface="Noto Sans CJK KR Regular" panose="020B0500000000000000" pitchFamily="34" charset="-127"/>
                 <a:ea typeface="Noto Sans CJK KR Regular" panose="020B0500000000000000" pitchFamily="34" charset="-127"/>
               </a:rPr>
               <a:t>리턴 타입을 기준으로 판단</a:t>
             </a:r>
             <a:r>
-              <a:rPr lang="en-US" altLang="ko-KR" dirty="0">
+              <a:rPr lang="en-US" altLang="ko-KR">
                 <a:latin typeface="Noto Sans CJK KR Regular" panose="020B0500000000000000" pitchFamily="34" charset="-127"/>
                 <a:ea typeface="Noto Sans CJK KR Regular" panose="020B0500000000000000" pitchFamily="34" charset="-127"/>
               </a:rPr>
@@ -34138,7 +33619,7 @@
           </a:p>
           <a:p>
             <a:pPr lvl="2"/>
-            <a:endParaRPr lang="en-US" altLang="ko-KR" dirty="0">
+            <a:endParaRPr lang="en-US" altLang="ko-KR">
               <a:latin typeface="Noto Sans CJK KR Regular" panose="020B0500000000000000" pitchFamily="34" charset="-127"/>
               <a:ea typeface="Noto Sans CJK KR Regular" panose="020B0500000000000000" pitchFamily="34" charset="-127"/>
             </a:endParaRPr>
@@ -40427,7 +39908,7 @@
           <a:lstStyle/>
           <a:p>
             <a:r>
-              <a:rPr lang="en-US" altLang="ko-KR" b="0" dirty="0">
+              <a:rPr lang="en-US" altLang="ko-KR" b="0">
                 <a:solidFill>
                   <a:srgbClr val="0000FF"/>
                 </a:solidFill>
@@ -40437,7 +39918,79 @@
               <a:t>function</a:t>
             </a:r>
             <a:r>
-              <a:rPr lang="en-US" altLang="ko-KR" b="0" dirty="0">
+              <a:rPr lang="en-US" altLang="ko-KR" b="0">
+                <a:solidFill>
+                  <a:srgbClr val="000000"/>
+                </a:solidFill>
+                <a:effectLst/>
+                <a:latin typeface="Consolas" panose="020B0609020204030204" pitchFamily="49" charset="0"/>
+              </a:rPr>
+              <a:t> getCount(count</a:t>
+            </a:r>
+            <a:r>
+              <a:rPr lang="en-US" altLang="ko-KR" b="1">
+                <a:solidFill>
+                  <a:srgbClr val="FF9E1B"/>
+                </a:solidFill>
+                <a:effectLst/>
+                <a:latin typeface="Consolas" panose="020B0609020204030204" pitchFamily="49" charset="0"/>
+              </a:rPr>
+              <a:t>: number</a:t>
+            </a:r>
+            <a:r>
+              <a:rPr lang="en-US" altLang="ko-KR" b="0">
+                <a:solidFill>
+                  <a:srgbClr val="000000"/>
+                </a:solidFill>
+                <a:effectLst/>
+                <a:latin typeface="Consolas" panose="020B0609020204030204" pitchFamily="49" charset="0"/>
+              </a:rPr>
+              <a:t>)</a:t>
+            </a:r>
+            <a:r>
+              <a:rPr lang="en-US" altLang="ko-KR" b="1">
+                <a:solidFill>
+                  <a:srgbClr val="FF9E1B"/>
+                </a:solidFill>
+                <a:effectLst/>
+                <a:latin typeface="Consolas" panose="020B0609020204030204" pitchFamily="49" charset="0"/>
+              </a:rPr>
+              <a:t>: string</a:t>
+            </a:r>
+            <a:r>
+              <a:rPr lang="en-US" altLang="ko-KR" b="0">
+                <a:solidFill>
+                  <a:srgbClr val="000000"/>
+                </a:solidFill>
+                <a:effectLst/>
+                <a:latin typeface="Consolas" panose="020B0609020204030204" pitchFamily="49" charset="0"/>
+              </a:rPr>
+              <a:t> {</a:t>
+            </a:r>
+          </a:p>
+          <a:p>
+            <a:r>
+              <a:rPr lang="en-US" altLang="ko-KR" b="0">
+                <a:solidFill>
+                  <a:srgbClr val="000000"/>
+                </a:solidFill>
+                <a:effectLst/>
+                <a:latin typeface="Consolas" panose="020B0609020204030204" pitchFamily="49" charset="0"/>
+              </a:rPr>
+              <a:t>  </a:t>
+            </a:r>
+            <a:r>
+              <a:rPr lang="en-US" altLang="ko-KR" b="0">
+                <a:solidFill>
+                  <a:srgbClr val="0000FF"/>
+                </a:solidFill>
+                <a:effectLst/>
+                <a:latin typeface="Consolas" panose="020B0609020204030204" pitchFamily="49" charset="0"/>
+              </a:rPr>
+              <a:t>return</a:t>
+            </a:r>
+            <a:r>
+              <a:rPr lang="en-US" altLang="ko-KR" b="0">
                 <a:solidFill>
                   <a:srgbClr val="000000"/>
                 </a:solidFill>
@@ -40447,37 +40000,93 @@
               <a:t> </a:t>
             </a:r>
             <a:r>
-              <a:rPr lang="en-US" altLang="ko-KR" b="0" dirty="0" err="1">
-                <a:solidFill>
-                  <a:srgbClr val="000000"/>
-                </a:solidFill>
-                <a:effectLst/>
-                <a:latin typeface="Consolas" panose="020B0609020204030204" pitchFamily="49" charset="0"/>
-              </a:rPr>
-              <a:t>getCount</a:t>
-            </a:r>
-            <a:r>
-              <a:rPr lang="en-US" altLang="ko-KR" b="0" dirty="0">
-                <a:solidFill>
-                  <a:srgbClr val="000000"/>
-                </a:solidFill>
-                <a:effectLst/>
-                <a:latin typeface="Consolas" panose="020B0609020204030204" pitchFamily="49" charset="0"/>
-              </a:rPr>
-              <a:t>(count</a:t>
-            </a:r>
-            <a:r>
-              <a:rPr lang="en-US" altLang="ko-KR" b="1" dirty="0">
-                <a:solidFill>
-                  <a:srgbClr val="FF9E1B"/>
-                </a:solidFill>
-                <a:effectLst/>
-                <a:latin typeface="Consolas" panose="020B0609020204030204" pitchFamily="49" charset="0"/>
-              </a:rPr>
-              <a:t>: number</a:t>
-            </a:r>
-            <a:r>
-              <a:rPr lang="en-US" altLang="ko-KR" b="0" dirty="0">
+              <a:rPr lang="en-US" altLang="ko-KR" b="0">
+                <a:solidFill>
+                  <a:srgbClr val="A31515"/>
+                </a:solidFill>
+                <a:effectLst/>
+                <a:latin typeface="Consolas" panose="020B0609020204030204" pitchFamily="49" charset="0"/>
+              </a:rPr>
+              <a:t>'Count: '</a:t>
+            </a:r>
+            <a:r>
+              <a:rPr lang="en-US" altLang="ko-KR" b="0">
+                <a:solidFill>
+                  <a:srgbClr val="000000"/>
+                </a:solidFill>
+                <a:effectLst/>
+                <a:latin typeface="Consolas" panose="020B0609020204030204" pitchFamily="49" charset="0"/>
+              </a:rPr>
+              <a:t> + count;</a:t>
+            </a:r>
+          </a:p>
+          <a:p>
+            <a:r>
+              <a:rPr lang="en-US" altLang="ko-KR" b="0">
+                <a:solidFill>
+                  <a:srgbClr val="000000"/>
+                </a:solidFill>
+                <a:effectLst/>
+                <a:latin typeface="Consolas" panose="020B0609020204030204" pitchFamily="49" charset="0"/>
+              </a:rPr>
+              <a:t>}</a:t>
+            </a:r>
+          </a:p>
+          <a:p>
+            <a:r>
+              <a:rPr lang="en-US" altLang="ko-KR" b="0">
+                <a:solidFill>
+                  <a:srgbClr val="000000"/>
+                </a:solidFill>
+                <a:effectLst/>
+                <a:latin typeface="Consolas" panose="020B0609020204030204" pitchFamily="49" charset="0"/>
+              </a:rPr>
+              <a:t>console.log(getCount(</a:t>
+            </a:r>
+            <a:r>
+              <a:rPr lang="en-US" altLang="ko-KR" b="0">
+                <a:solidFill>
+                  <a:srgbClr val="098658"/>
+                </a:solidFill>
+                <a:effectLst/>
+                <a:latin typeface="Consolas" panose="020B0609020204030204" pitchFamily="49" charset="0"/>
+              </a:rPr>
+              <a:t>20</a:t>
+            </a:r>
+            <a:r>
+              <a:rPr lang="en-US" altLang="ko-KR" b="0">
+                <a:solidFill>
+                  <a:srgbClr val="000000"/>
+                </a:solidFill>
+                <a:effectLst/>
+                <a:latin typeface="Consolas" panose="020B0609020204030204" pitchFamily="49" charset="0"/>
+              </a:rPr>
+              <a:t>));</a:t>
+            </a:r>
+          </a:p>
+          <a:p>
+            <a:r>
+              <a:rPr lang="en-US" altLang="ko-KR" b="0" strike="sngStrike">
+                <a:solidFill>
+                  <a:srgbClr val="000000"/>
+                </a:solidFill>
+                <a:effectLst/>
+                <a:latin typeface="Consolas" panose="020B0609020204030204" pitchFamily="49" charset="0"/>
+              </a:rPr>
+              <a:t>getCount(</a:t>
+            </a:r>
+            <a:r>
+              <a:rPr lang="en-US" altLang="ko-KR" b="0" strike="sngStrike">
+                <a:solidFill>
+                  <a:srgbClr val="A31515"/>
+                </a:solidFill>
+                <a:effectLst/>
+                <a:latin typeface="Consolas" panose="020B0609020204030204" pitchFamily="49" charset="0"/>
+              </a:rPr>
+              <a:t>'30'</a:t>
+            </a:r>
+            <a:r>
+              <a:rPr lang="en-US" altLang="ko-KR" b="0" strike="sngStrike">
                 <a:solidFill>
                   <a:srgbClr val="000000"/>
                 </a:solidFill>
@@ -40487,115 +40096,39 @@
               <a:t>)</a:t>
             </a:r>
             <a:r>
-              <a:rPr lang="en-US" altLang="ko-KR" b="1" dirty="0">
-                <a:solidFill>
-                  <a:srgbClr val="FF9E1B"/>
-                </a:solidFill>
-                <a:effectLst/>
-                <a:latin typeface="Consolas" panose="020B0609020204030204" pitchFamily="49" charset="0"/>
-              </a:rPr>
-              <a:t>: string</a:t>
-            </a:r>
-            <a:r>
-              <a:rPr lang="en-US" altLang="ko-KR" b="0" dirty="0">
-                <a:solidFill>
-                  <a:srgbClr val="000000"/>
-                </a:solidFill>
-                <a:effectLst/>
-                <a:latin typeface="Consolas" panose="020B0609020204030204" pitchFamily="49" charset="0"/>
-              </a:rPr>
-              <a:t> {</a:t>
-            </a:r>
-          </a:p>
-          <a:p>
-            <a:r>
-              <a:rPr lang="en-US" altLang="ko-KR" b="0" dirty="0">
-                <a:solidFill>
-                  <a:srgbClr val="000000"/>
-                </a:solidFill>
-                <a:effectLst/>
-                <a:latin typeface="Consolas" panose="020B0609020204030204" pitchFamily="49" charset="0"/>
-              </a:rPr>
-              <a:t>  </a:t>
-            </a:r>
-            <a:r>
-              <a:rPr lang="en-US" altLang="ko-KR" b="0" dirty="0">
-                <a:solidFill>
-                  <a:srgbClr val="0000FF"/>
-                </a:solidFill>
-                <a:effectLst/>
-                <a:latin typeface="Consolas" panose="020B0609020204030204" pitchFamily="49" charset="0"/>
-              </a:rPr>
-              <a:t>return</a:t>
-            </a:r>
-            <a:r>
-              <a:rPr lang="en-US" altLang="ko-KR" b="0" dirty="0">
-                <a:solidFill>
-                  <a:srgbClr val="000000"/>
-                </a:solidFill>
-                <a:effectLst/>
-                <a:latin typeface="Consolas" panose="020B0609020204030204" pitchFamily="49" charset="0"/>
-              </a:rPr>
-              <a:t> </a:t>
-            </a:r>
-            <a:r>
-              <a:rPr lang="en-US" altLang="ko-KR" b="0" dirty="0">
-                <a:solidFill>
-                  <a:srgbClr val="A31515"/>
-                </a:solidFill>
-                <a:effectLst/>
-                <a:latin typeface="Consolas" panose="020B0609020204030204" pitchFamily="49" charset="0"/>
-              </a:rPr>
-              <a:t>'Count: '</a:t>
-            </a:r>
-            <a:r>
-              <a:rPr lang="en-US" altLang="ko-KR" b="0" dirty="0">
-                <a:solidFill>
-                  <a:srgbClr val="000000"/>
-                </a:solidFill>
-                <a:effectLst/>
-                <a:latin typeface="Consolas" panose="020B0609020204030204" pitchFamily="49" charset="0"/>
-              </a:rPr>
-              <a:t> + count;</a:t>
-            </a:r>
-          </a:p>
-          <a:p>
-            <a:r>
-              <a:rPr lang="en-US" altLang="ko-KR" b="0" dirty="0">
-                <a:solidFill>
-                  <a:srgbClr val="000000"/>
-                </a:solidFill>
-                <a:effectLst/>
-                <a:latin typeface="Consolas" panose="020B0609020204030204" pitchFamily="49" charset="0"/>
-              </a:rPr>
-              <a:t>}</a:t>
-            </a:r>
-          </a:p>
-          <a:p>
-            <a:r>
-              <a:rPr lang="en-US" altLang="ko-KR" b="0" dirty="0">
-                <a:solidFill>
-                  <a:srgbClr val="000000"/>
-                </a:solidFill>
-                <a:effectLst/>
-                <a:latin typeface="Consolas" panose="020B0609020204030204" pitchFamily="49" charset="0"/>
-              </a:rPr>
-              <a:t>console.log(</a:t>
-            </a:r>
-            <a:r>
-              <a:rPr lang="en-US" altLang="ko-KR" b="0" dirty="0" err="1">
-                <a:solidFill>
-                  <a:srgbClr val="000000"/>
-                </a:solidFill>
-                <a:effectLst/>
-                <a:latin typeface="Consolas" panose="020B0609020204030204" pitchFamily="49" charset="0"/>
-              </a:rPr>
-              <a:t>getCount</a:t>
-            </a:r>
-            <a:r>
-              <a:rPr lang="en-US" altLang="ko-KR" b="0" dirty="0">
-                <a:solidFill>
-                  <a:srgbClr val="000000"/>
+              <a:rPr lang="en-US" altLang="ko-KR" b="0">
+                <a:solidFill>
+                  <a:srgbClr val="000000"/>
+                </a:solidFill>
+                <a:effectLst/>
+                <a:latin typeface="Consolas" panose="020B0609020204030204" pitchFamily="49" charset="0"/>
+              </a:rPr>
+              <a:t>; </a:t>
+            </a:r>
+            <a:r>
+              <a:rPr lang="en-US" altLang="ko-KR" b="0">
+                <a:solidFill>
+                  <a:srgbClr val="008000"/>
+                </a:solidFill>
+                <a:effectLst/>
+                <a:latin typeface="Consolas" panose="020B0609020204030204" pitchFamily="49" charset="0"/>
+              </a:rPr>
+              <a:t>// </a:t>
+            </a:r>
+            <a:r>
+              <a:rPr lang="ko-KR" altLang="en-US" b="0">
+                <a:solidFill>
+                  <a:srgbClr val="008000"/>
+                </a:solidFill>
+                <a:effectLst/>
+                <a:latin typeface="Consolas" panose="020B0609020204030204" pitchFamily="49" charset="0"/>
+              </a:rPr>
+              <a:t>컴파일 에러</a:t>
+            </a:r>
+            <a:r>
+              <a:rPr lang="en-US" altLang="ko-KR" b="0">
+                <a:solidFill>
+                  <a:srgbClr val="008000"/>
                 </a:solidFill>
                 <a:effectLst/>
                 <a:latin typeface="Consolas" panose="020B0609020204030204" pitchFamily="49" charset="0"/>
@@ -40603,172 +40136,52 @@
               <a:t>(</a:t>
             </a:r>
             <a:r>
-              <a:rPr lang="en-US" altLang="ko-KR" b="0" dirty="0">
-                <a:solidFill>
-                  <a:srgbClr val="098658"/>
-                </a:solidFill>
-                <a:effectLst/>
-                <a:latin typeface="Consolas" panose="020B0609020204030204" pitchFamily="49" charset="0"/>
-              </a:rPr>
-              <a:t>20</a:t>
-            </a:r>
-            <a:r>
-              <a:rPr lang="en-US" altLang="ko-KR" b="0" dirty="0">
-                <a:solidFill>
-                  <a:srgbClr val="000000"/>
-                </a:solidFill>
-                <a:effectLst/>
-                <a:latin typeface="Consolas" panose="020B0609020204030204" pitchFamily="49" charset="0"/>
-              </a:rPr>
-              <a:t>));</a:t>
-            </a:r>
-          </a:p>
-          <a:p>
-            <a:r>
-              <a:rPr lang="en-US" altLang="ko-KR" b="0" strike="sngStrike" dirty="0" err="1">
-                <a:solidFill>
-                  <a:srgbClr val="000000"/>
-                </a:solidFill>
-                <a:effectLst/>
-                <a:latin typeface="Consolas" panose="020B0609020204030204" pitchFamily="49" charset="0"/>
-              </a:rPr>
-              <a:t>getCount</a:t>
-            </a:r>
-            <a:r>
-              <a:rPr lang="en-US" altLang="ko-KR" b="0" strike="sngStrike" dirty="0">
-                <a:solidFill>
-                  <a:srgbClr val="000000"/>
-                </a:solidFill>
-                <a:effectLst/>
-                <a:latin typeface="Consolas" panose="020B0609020204030204" pitchFamily="49" charset="0"/>
-              </a:rPr>
-              <a:t>(</a:t>
-            </a:r>
-            <a:r>
-              <a:rPr lang="en-US" altLang="ko-KR" b="0" strike="sngStrike" dirty="0">
-                <a:solidFill>
-                  <a:srgbClr val="A31515"/>
-                </a:solidFill>
-                <a:effectLst/>
-                <a:latin typeface="Consolas" panose="020B0609020204030204" pitchFamily="49" charset="0"/>
-              </a:rPr>
-              <a:t>'30'</a:t>
-            </a:r>
-            <a:r>
-              <a:rPr lang="en-US" altLang="ko-KR" b="0" strike="sngStrike" dirty="0">
-                <a:solidFill>
-                  <a:srgbClr val="000000"/>
+              <a:rPr lang="en-US" altLang="ko-KR">
+                <a:solidFill>
+                  <a:srgbClr val="008000"/>
+                </a:solidFill>
+                <a:latin typeface="Consolas" panose="020B0609020204030204" pitchFamily="49" charset="0"/>
+              </a:rPr>
+              <a:t>count</a:t>
+            </a:r>
+            <a:r>
+              <a:rPr lang="ko-KR" altLang="en-US">
+                <a:solidFill>
+                  <a:srgbClr val="008000"/>
+                </a:solidFill>
+                <a:latin typeface="Consolas" panose="020B0609020204030204" pitchFamily="49" charset="0"/>
+              </a:rPr>
+              <a:t> 인자값이 </a:t>
+            </a:r>
+            <a:r>
+              <a:rPr lang="en-US" altLang="ko-KR">
+                <a:solidFill>
+                  <a:srgbClr val="008000"/>
+                </a:solidFill>
+                <a:latin typeface="Consolas" panose="020B0609020204030204" pitchFamily="49" charset="0"/>
+              </a:rPr>
+              <a:t>number</a:t>
+            </a:r>
+            <a:r>
+              <a:rPr lang="ko-KR" altLang="en-US">
+                <a:solidFill>
+                  <a:srgbClr val="008000"/>
+                </a:solidFill>
+                <a:latin typeface="Consolas" panose="020B0609020204030204" pitchFamily="49" charset="0"/>
+              </a:rPr>
+              <a:t>가 아님</a:t>
+            </a:r>
+            <a:r>
+              <a:rPr lang="en-US" altLang="ko-KR" b="0">
+                <a:solidFill>
+                  <a:srgbClr val="008000"/>
                 </a:solidFill>
                 <a:effectLst/>
                 <a:latin typeface="Consolas" panose="020B0609020204030204" pitchFamily="49" charset="0"/>
               </a:rPr>
               <a:t>)</a:t>
             </a:r>
-            <a:r>
-              <a:rPr lang="en-US" altLang="ko-KR" b="0" dirty="0">
-                <a:solidFill>
-                  <a:srgbClr val="000000"/>
-                </a:solidFill>
-                <a:effectLst/>
-                <a:latin typeface="Consolas" panose="020B0609020204030204" pitchFamily="49" charset="0"/>
-              </a:rPr>
-              <a:t>; </a:t>
-            </a:r>
-            <a:r>
-              <a:rPr lang="en-US" altLang="ko-KR" b="0" dirty="0">
-                <a:solidFill>
-                  <a:srgbClr val="008000"/>
-                </a:solidFill>
-                <a:effectLst/>
-                <a:latin typeface="Consolas" panose="020B0609020204030204" pitchFamily="49" charset="0"/>
-              </a:rPr>
-              <a:t>// </a:t>
-            </a:r>
-            <a:r>
-              <a:rPr lang="ko-KR" altLang="en-US" b="0" dirty="0">
-                <a:solidFill>
-                  <a:srgbClr val="008000"/>
-                </a:solidFill>
-                <a:effectLst/>
-                <a:latin typeface="Consolas" panose="020B0609020204030204" pitchFamily="49" charset="0"/>
-              </a:rPr>
-              <a:t>컴파일 에러</a:t>
-            </a:r>
-            <a:r>
-              <a:rPr lang="en-US" altLang="ko-KR" b="0" dirty="0">
-                <a:solidFill>
-                  <a:srgbClr val="008000"/>
-                </a:solidFill>
-                <a:effectLst/>
-                <a:latin typeface="Consolas" panose="020B0609020204030204" pitchFamily="49" charset="0"/>
-              </a:rPr>
-              <a:t>(</a:t>
-            </a:r>
-            <a:r>
-              <a:rPr lang="en-US" altLang="ko-KR" dirty="0">
-                <a:solidFill>
-                  <a:srgbClr val="008000"/>
-                </a:solidFill>
-                <a:latin typeface="Consolas" panose="020B0609020204030204" pitchFamily="49" charset="0"/>
-              </a:rPr>
-              <a:t>count</a:t>
-            </a:r>
-            <a:r>
-              <a:rPr lang="ko-KR" altLang="en-US" dirty="0">
-                <a:solidFill>
-                  <a:srgbClr val="008000"/>
-                </a:solidFill>
-                <a:latin typeface="Consolas" panose="020B0609020204030204" pitchFamily="49" charset="0"/>
-              </a:rPr>
-              <a:t> </a:t>
-            </a:r>
-            <a:r>
-              <a:rPr lang="ko-KR" altLang="en-US" dirty="0" err="1">
-                <a:solidFill>
-                  <a:srgbClr val="008000"/>
-                </a:solidFill>
-                <a:latin typeface="Consolas" panose="020B0609020204030204" pitchFamily="49" charset="0"/>
-              </a:rPr>
-              <a:t>인자값이</a:t>
-            </a:r>
-            <a:r>
-              <a:rPr lang="ko-KR" altLang="en-US" dirty="0">
-                <a:solidFill>
-                  <a:srgbClr val="008000"/>
-                </a:solidFill>
-                <a:latin typeface="Consolas" panose="020B0609020204030204" pitchFamily="49" charset="0"/>
-              </a:rPr>
-              <a:t> </a:t>
-            </a:r>
-            <a:r>
-              <a:rPr lang="en-US" altLang="ko-KR" dirty="0">
-                <a:solidFill>
-                  <a:srgbClr val="008000"/>
-                </a:solidFill>
-                <a:latin typeface="Consolas" panose="020B0609020204030204" pitchFamily="49" charset="0"/>
-              </a:rPr>
-              <a:t>number</a:t>
-            </a:r>
-            <a:r>
-              <a:rPr lang="ko-KR" altLang="en-US" dirty="0">
-                <a:solidFill>
-                  <a:srgbClr val="008000"/>
-                </a:solidFill>
-                <a:latin typeface="Consolas" panose="020B0609020204030204" pitchFamily="49" charset="0"/>
-              </a:rPr>
-              <a:t>가 아님</a:t>
-            </a:r>
-            <a:r>
-              <a:rPr lang="en-US" altLang="ko-KR" b="0" dirty="0">
-                <a:solidFill>
-                  <a:srgbClr val="008000"/>
-                </a:solidFill>
-                <a:effectLst/>
-                <a:latin typeface="Consolas" panose="020B0609020204030204" pitchFamily="49" charset="0"/>
-              </a:rPr>
-              <a:t>)</a:t>
-            </a:r>
-            <a:endParaRPr lang="ko-KR" altLang="en-US" b="0" dirty="0">
+            <a:endParaRPr lang="ko-KR" altLang="en-US" b="0">
               <a:solidFill>
                 <a:srgbClr val="000000"/>
               </a:solidFill>
@@ -40778,7 +40191,7 @@
           </a:p>
           <a:p>
             <a:r>
-              <a:rPr lang="en-US" altLang="ko-KR" b="0" strike="sngStrike" dirty="0">
+              <a:rPr lang="en-US" altLang="ko-KR" b="0" strike="sngStrike">
                 <a:solidFill>
                   <a:srgbClr val="0000FF"/>
                 </a:solidFill>
@@ -40788,7 +40201,7 @@
               <a:t>const</a:t>
             </a:r>
             <a:r>
-              <a:rPr lang="en-US" altLang="ko-KR" b="0" strike="sngStrike" dirty="0">
+              <a:rPr lang="en-US" altLang="ko-KR" b="0" strike="sngStrike">
                 <a:solidFill>
                   <a:srgbClr val="000000"/>
                 </a:solidFill>
@@ -40798,7 +40211,7 @@
               <a:t> count</a:t>
             </a:r>
             <a:r>
-              <a:rPr lang="en-US" altLang="ko-KR" b="1" strike="sngStrike" dirty="0">
+              <a:rPr lang="en-US" altLang="ko-KR" b="1" strike="sngStrike">
                 <a:solidFill>
                   <a:srgbClr val="FF9E1B"/>
                 </a:solidFill>
@@ -40808,37 +40221,17 @@
               <a:t>: number</a:t>
             </a:r>
             <a:r>
-              <a:rPr lang="en-US" altLang="ko-KR" b="0" strike="sngStrike" dirty="0">
-                <a:solidFill>
-                  <a:srgbClr val="000000"/>
-                </a:solidFill>
-                <a:effectLst/>
-                <a:latin typeface="Consolas" panose="020B0609020204030204" pitchFamily="49" charset="0"/>
-              </a:rPr>
-              <a:t> = </a:t>
-            </a:r>
-            <a:r>
-              <a:rPr lang="en-US" altLang="ko-KR" b="0" strike="sngStrike" dirty="0" err="1">
-                <a:solidFill>
-                  <a:srgbClr val="000000"/>
-                </a:solidFill>
-                <a:effectLst/>
-                <a:latin typeface="Consolas" panose="020B0609020204030204" pitchFamily="49" charset="0"/>
-              </a:rPr>
-              <a:t>getCount</a:t>
-            </a:r>
-            <a:r>
-              <a:rPr lang="en-US" altLang="ko-KR" b="0" strike="sngStrike" dirty="0">
-                <a:solidFill>
-                  <a:srgbClr val="000000"/>
-                </a:solidFill>
-                <a:effectLst/>
-                <a:latin typeface="Consolas" panose="020B0609020204030204" pitchFamily="49" charset="0"/>
-              </a:rPr>
-              <a:t>(</a:t>
-            </a:r>
-            <a:r>
-              <a:rPr lang="en-US" altLang="ko-KR" b="0" strike="sngStrike" dirty="0">
+              <a:rPr lang="en-US" altLang="ko-KR" b="0" strike="sngStrike">
+                <a:solidFill>
+                  <a:srgbClr val="000000"/>
+                </a:solidFill>
+                <a:effectLst/>
+                <a:latin typeface="Consolas" panose="020B0609020204030204" pitchFamily="49" charset="0"/>
+              </a:rPr>
+              <a:t> = getCount(</a:t>
+            </a:r>
+            <a:r>
+              <a:rPr lang="en-US" altLang="ko-KR" b="0" strike="sngStrike">
                 <a:solidFill>
                   <a:srgbClr val="098658"/>
                 </a:solidFill>
@@ -40848,7 +40241,7 @@
               <a:t>40</a:t>
             </a:r>
             <a:r>
-              <a:rPr lang="en-US" altLang="ko-KR" b="0" strike="sngStrike" dirty="0">
+              <a:rPr lang="en-US" altLang="ko-KR" b="0" strike="sngStrike">
                 <a:solidFill>
                   <a:srgbClr val="000000"/>
                 </a:solidFill>
@@ -40858,7 +40251,7 @@
               <a:t>)</a:t>
             </a:r>
             <a:r>
-              <a:rPr lang="en-US" altLang="ko-KR" b="0" dirty="0">
+              <a:rPr lang="en-US" altLang="ko-KR" b="0">
                 <a:solidFill>
                   <a:srgbClr val="000000"/>
                 </a:solidFill>
@@ -40868,7 +40261,7 @@
               <a:t>; </a:t>
             </a:r>
             <a:r>
-              <a:rPr lang="en-US" altLang="ko-KR" b="0" dirty="0">
+              <a:rPr lang="en-US" altLang="ko-KR" b="0">
                 <a:solidFill>
                   <a:srgbClr val="008000"/>
                 </a:solidFill>
@@ -40878,7 +40271,7 @@
               <a:t>// </a:t>
             </a:r>
             <a:r>
-              <a:rPr lang="ko-KR" altLang="en-US" b="0" dirty="0">
+              <a:rPr lang="ko-KR" altLang="en-US" b="0">
                 <a:solidFill>
                   <a:srgbClr val="008000"/>
                 </a:solidFill>
@@ -40888,7 +40281,7 @@
               <a:t>컴파일 에러</a:t>
             </a:r>
             <a:r>
-              <a:rPr lang="en-US" altLang="ko-KR" b="0" dirty="0">
+              <a:rPr lang="en-US" altLang="ko-KR" b="0">
                 <a:solidFill>
                   <a:srgbClr val="008000"/>
                 </a:solidFill>
@@ -40898,7 +40291,7 @@
               <a:t>(count </a:t>
             </a:r>
             <a:r>
-              <a:rPr lang="ko-KR" altLang="en-US" b="0" dirty="0">
+              <a:rPr lang="ko-KR" altLang="en-US" b="0">
                 <a:solidFill>
                   <a:srgbClr val="008000"/>
                 </a:solidFill>
@@ -40908,7 +40301,7 @@
               <a:t>변수가 </a:t>
             </a:r>
             <a:r>
-              <a:rPr lang="en-US" altLang="ko-KR" b="0" dirty="0">
+              <a:rPr lang="en-US" altLang="ko-KR" b="0">
                 <a:solidFill>
                   <a:srgbClr val="008000"/>
                 </a:solidFill>
@@ -40918,7 +40311,7 @@
               <a:t>string</a:t>
             </a:r>
             <a:r>
-              <a:rPr lang="ko-KR" altLang="en-US" b="0" dirty="0">
+              <a:rPr lang="ko-KR" altLang="en-US" b="0">
                 <a:solidFill>
                   <a:srgbClr val="008000"/>
                 </a:solidFill>
@@ -40928,7 +40321,7 @@
               <a:t>이 아님</a:t>
             </a:r>
             <a:r>
-              <a:rPr lang="en-US" altLang="ko-KR" b="0" dirty="0">
+              <a:rPr lang="en-US" altLang="ko-KR" b="0">
                 <a:solidFill>
                   <a:srgbClr val="008000"/>
                 </a:solidFill>
@@ -40937,7 +40330,7 @@
               </a:rPr>
               <a:t>)</a:t>
             </a:r>
-            <a:endParaRPr lang="ko-KR" altLang="en-US" b="0" dirty="0">
+            <a:endParaRPr lang="ko-KR" altLang="en-US" b="0">
               <a:solidFill>
                 <a:srgbClr val="000000"/>
               </a:solidFill>
@@ -40947,27 +40340,17 @@
           </a:p>
           <a:p>
             <a:r>
-              <a:rPr lang="en-US" altLang="ko-KR" b="0" strike="sngStrike" dirty="0" err="1">
-                <a:solidFill>
-                  <a:srgbClr val="000000"/>
-                </a:solidFill>
-                <a:effectLst/>
-                <a:latin typeface="Consolas" panose="020B0609020204030204" pitchFamily="49" charset="0"/>
-              </a:rPr>
-              <a:t>getCount</a:t>
-            </a:r>
-            <a:r>
-              <a:rPr lang="en-US" altLang="ko-KR" b="0" strike="sngStrike" dirty="0">
-                <a:solidFill>
-                  <a:srgbClr val="000000"/>
-                </a:solidFill>
-                <a:effectLst/>
-                <a:latin typeface="Consolas" panose="020B0609020204030204" pitchFamily="49" charset="0"/>
-              </a:rPr>
-              <a:t>()</a:t>
-            </a:r>
-            <a:r>
-              <a:rPr lang="en-US" altLang="ko-KR" b="0" dirty="0">
+              <a:rPr lang="en-US" altLang="ko-KR" b="0" strike="sngStrike">
+                <a:solidFill>
+                  <a:srgbClr val="000000"/>
+                </a:solidFill>
+                <a:effectLst/>
+                <a:latin typeface="Consolas" panose="020B0609020204030204" pitchFamily="49" charset="0"/>
+              </a:rPr>
+              <a:t>getCount()</a:t>
+            </a:r>
+            <a:r>
+              <a:rPr lang="en-US" altLang="ko-KR" b="0">
                 <a:solidFill>
                   <a:srgbClr val="000000"/>
                 </a:solidFill>
@@ -40977,7 +40360,7 @@
               <a:t>; </a:t>
             </a:r>
             <a:r>
-              <a:rPr lang="en-US" altLang="ko-KR" b="0" dirty="0">
+              <a:rPr lang="en-US" altLang="ko-KR" b="0">
                 <a:solidFill>
                   <a:srgbClr val="008000"/>
                 </a:solidFill>
@@ -40987,7 +40370,7 @@
               <a:t>// </a:t>
             </a:r>
             <a:r>
-              <a:rPr lang="ko-KR" altLang="en-US" b="0" dirty="0">
+              <a:rPr lang="ko-KR" altLang="en-US" b="0">
                 <a:solidFill>
                   <a:srgbClr val="008000"/>
                 </a:solidFill>
@@ -40997,7 +40380,7 @@
               <a:t>컴파일 에러</a:t>
             </a:r>
             <a:r>
-              <a:rPr lang="en-US" altLang="ko-KR" b="0" dirty="0">
+              <a:rPr lang="en-US" altLang="ko-KR" b="0">
                 <a:solidFill>
                   <a:srgbClr val="008000"/>
                 </a:solidFill>
@@ -41007,33 +40390,24 @@
               <a:t>(count </a:t>
             </a:r>
             <a:r>
-              <a:rPr lang="ko-KR" altLang="en-US" dirty="0" err="1">
+              <a:rPr lang="ko-KR" altLang="en-US">
                 <a:solidFill>
                   <a:srgbClr val="008000"/>
                 </a:solidFill>
                 <a:latin typeface="Consolas" panose="020B0609020204030204" pitchFamily="49" charset="0"/>
               </a:rPr>
-              <a:t>인자값이</a:t>
-            </a:r>
-            <a:r>
-              <a:rPr lang="ko-KR" altLang="en-US" dirty="0">
+              <a:t>인자값이 없음</a:t>
+            </a:r>
+            <a:r>
+              <a:rPr lang="en-US" altLang="ko-KR">
                 <a:solidFill>
                   <a:srgbClr val="008000"/>
                 </a:solidFill>
                 <a:latin typeface="Consolas" panose="020B0609020204030204" pitchFamily="49" charset="0"/>
               </a:rPr>
-              <a:t> 없음</a:t>
-            </a:r>
-            <a:r>
-              <a:rPr lang="en-US" altLang="ko-KR" dirty="0">
-                <a:solidFill>
-                  <a:srgbClr val="008000"/>
-                </a:solidFill>
-                <a:latin typeface="Consolas" panose="020B0609020204030204" pitchFamily="49" charset="0"/>
-              </a:rPr>
               <a:t>)</a:t>
             </a:r>
-            <a:endParaRPr lang="ko-KR" altLang="en-US" b="0" dirty="0">
+            <a:endParaRPr lang="ko-KR" altLang="en-US" b="0">
               <a:solidFill>
                 <a:srgbClr val="000000"/>
               </a:solidFill>
@@ -41043,19 +40417,89 @@
           </a:p>
           <a:p>
             <a:r>
-              <a:rPr lang="en-US" altLang="ko-KR" b="0" strike="sngStrike" dirty="0" err="1">
-                <a:solidFill>
-                  <a:srgbClr val="000000"/>
-                </a:solidFill>
-                <a:effectLst/>
-                <a:latin typeface="Consolas" panose="020B0609020204030204" pitchFamily="49" charset="0"/>
-              </a:rPr>
-              <a:t>getCount</a:t>
-            </a:r>
-            <a:r>
-              <a:rPr lang="en-US" altLang="ko-KR" b="0" strike="sngStrike" dirty="0">
-                <a:solidFill>
-                  <a:srgbClr val="000000"/>
+              <a:rPr lang="en-US" altLang="ko-KR" b="0" strike="sngStrike">
+                <a:solidFill>
+                  <a:srgbClr val="000000"/>
+                </a:solidFill>
+                <a:effectLst/>
+                <a:latin typeface="Consolas" panose="020B0609020204030204" pitchFamily="49" charset="0"/>
+              </a:rPr>
+              <a:t>getCount(</a:t>
+            </a:r>
+            <a:r>
+              <a:rPr lang="en-US" altLang="ko-KR" b="0" strike="sngStrike">
+                <a:solidFill>
+                  <a:srgbClr val="098658"/>
+                </a:solidFill>
+                <a:effectLst/>
+                <a:latin typeface="Consolas" panose="020B0609020204030204" pitchFamily="49" charset="0"/>
+              </a:rPr>
+              <a:t>10</a:t>
+            </a:r>
+            <a:r>
+              <a:rPr lang="en-US" altLang="ko-KR" b="0" strike="sngStrike">
+                <a:solidFill>
+                  <a:srgbClr val="000000"/>
+                </a:solidFill>
+                <a:effectLst/>
+                <a:latin typeface="Consolas" panose="020B0609020204030204" pitchFamily="49" charset="0"/>
+              </a:rPr>
+              <a:t>, </a:t>
+            </a:r>
+            <a:r>
+              <a:rPr lang="en-US" altLang="ko-KR" b="0" strike="sngStrike">
+                <a:solidFill>
+                  <a:srgbClr val="098658"/>
+                </a:solidFill>
+                <a:effectLst/>
+                <a:latin typeface="Consolas" panose="020B0609020204030204" pitchFamily="49" charset="0"/>
+              </a:rPr>
+              <a:t>20</a:t>
+            </a:r>
+            <a:r>
+              <a:rPr lang="en-US" altLang="ko-KR" b="0" strike="sngStrike">
+                <a:solidFill>
+                  <a:srgbClr val="000000"/>
+                </a:solidFill>
+                <a:effectLst/>
+                <a:latin typeface="Consolas" panose="020B0609020204030204" pitchFamily="49" charset="0"/>
+              </a:rPr>
+              <a:t>)</a:t>
+            </a:r>
+            <a:r>
+              <a:rPr lang="en-US" altLang="ko-KR" b="0">
+                <a:solidFill>
+                  <a:srgbClr val="000000"/>
+                </a:solidFill>
+                <a:effectLst/>
+                <a:latin typeface="Consolas" panose="020B0609020204030204" pitchFamily="49" charset="0"/>
+              </a:rPr>
+              <a:t>; </a:t>
+            </a:r>
+            <a:r>
+              <a:rPr lang="en-US" altLang="ko-KR" b="0">
+                <a:solidFill>
+                  <a:srgbClr val="008000"/>
+                </a:solidFill>
+                <a:effectLst/>
+                <a:latin typeface="Consolas" panose="020B0609020204030204" pitchFamily="49" charset="0"/>
+              </a:rPr>
+              <a:t>// </a:t>
+            </a:r>
+            <a:r>
+              <a:rPr lang="ko-KR" altLang="en-US" b="0">
+                <a:solidFill>
+                  <a:srgbClr val="008000"/>
+                </a:solidFill>
+                <a:effectLst/>
+                <a:latin typeface="Consolas" panose="020B0609020204030204" pitchFamily="49" charset="0"/>
+              </a:rPr>
+              <a:t>컴파일 에러</a:t>
+            </a:r>
+            <a:r>
+              <a:rPr lang="en-US" altLang="ko-KR" b="0">
+                <a:solidFill>
+                  <a:srgbClr val="008000"/>
                 </a:solidFill>
                 <a:effectLst/>
                 <a:latin typeface="Consolas" panose="020B0609020204030204" pitchFamily="49" charset="0"/>
@@ -41063,116 +40507,26 @@
               <a:t>(</a:t>
             </a:r>
             <a:r>
-              <a:rPr lang="en-US" altLang="ko-KR" b="0" strike="sngStrike" dirty="0">
-                <a:solidFill>
-                  <a:srgbClr val="098658"/>
-                </a:solidFill>
-                <a:effectLst/>
-                <a:latin typeface="Consolas" panose="020B0609020204030204" pitchFamily="49" charset="0"/>
-              </a:rPr>
-              <a:t>10</a:t>
-            </a:r>
-            <a:r>
-              <a:rPr lang="en-US" altLang="ko-KR" b="0" strike="sngStrike" dirty="0">
-                <a:solidFill>
-                  <a:srgbClr val="000000"/>
-                </a:solidFill>
-                <a:effectLst/>
-                <a:latin typeface="Consolas" panose="020B0609020204030204" pitchFamily="49" charset="0"/>
-              </a:rPr>
-              <a:t>, </a:t>
-            </a:r>
-            <a:r>
-              <a:rPr lang="en-US" altLang="ko-KR" b="0" strike="sngStrike" dirty="0">
-                <a:solidFill>
-                  <a:srgbClr val="098658"/>
-                </a:solidFill>
-                <a:effectLst/>
-                <a:latin typeface="Consolas" panose="020B0609020204030204" pitchFamily="49" charset="0"/>
-              </a:rPr>
-              <a:t>20</a:t>
-            </a:r>
-            <a:r>
-              <a:rPr lang="en-US" altLang="ko-KR" b="0" strike="sngStrike" dirty="0">
-                <a:solidFill>
-                  <a:srgbClr val="000000"/>
+              <a:rPr lang="ko-KR" altLang="en-US" b="0">
+                <a:solidFill>
+                  <a:srgbClr val="008000"/>
+                </a:solidFill>
+                <a:effectLst/>
+                <a:latin typeface="Consolas" panose="020B0609020204030204" pitchFamily="49" charset="0"/>
+              </a:rPr>
+              <a:t>인자값이 하나만 있어야 함</a:t>
+            </a:r>
+            <a:r>
+              <a:rPr lang="en-US" altLang="ko-KR" b="0">
+                <a:solidFill>
+                  <a:srgbClr val="008000"/>
                 </a:solidFill>
                 <a:effectLst/>
                 <a:latin typeface="Consolas" panose="020B0609020204030204" pitchFamily="49" charset="0"/>
               </a:rPr>
               <a:t>)</a:t>
             </a:r>
-            <a:r>
-              <a:rPr lang="en-US" altLang="ko-KR" b="0" dirty="0">
-                <a:solidFill>
-                  <a:srgbClr val="000000"/>
-                </a:solidFill>
-                <a:effectLst/>
-                <a:latin typeface="Consolas" panose="020B0609020204030204" pitchFamily="49" charset="0"/>
-              </a:rPr>
-              <a:t>; </a:t>
-            </a:r>
-            <a:r>
-              <a:rPr lang="en-US" altLang="ko-KR" b="0" dirty="0">
-                <a:solidFill>
-                  <a:srgbClr val="008000"/>
-                </a:solidFill>
-                <a:effectLst/>
-                <a:latin typeface="Consolas" panose="020B0609020204030204" pitchFamily="49" charset="0"/>
-              </a:rPr>
-              <a:t>// </a:t>
-            </a:r>
-            <a:r>
-              <a:rPr lang="ko-KR" altLang="en-US" b="0" dirty="0">
-                <a:solidFill>
-                  <a:srgbClr val="008000"/>
-                </a:solidFill>
-                <a:effectLst/>
-                <a:latin typeface="Consolas" panose="020B0609020204030204" pitchFamily="49" charset="0"/>
-              </a:rPr>
-              <a:t>컴파일 에러</a:t>
-            </a:r>
-            <a:r>
-              <a:rPr lang="en-US" altLang="ko-KR" b="0" dirty="0">
-                <a:solidFill>
-                  <a:srgbClr val="008000"/>
-                </a:solidFill>
-                <a:effectLst/>
-                <a:latin typeface="Consolas" panose="020B0609020204030204" pitchFamily="49" charset="0"/>
-              </a:rPr>
-              <a:t>(</a:t>
-            </a:r>
-            <a:r>
-              <a:rPr lang="ko-KR" altLang="en-US" b="0" dirty="0" err="1">
-                <a:solidFill>
-                  <a:srgbClr val="008000"/>
-                </a:solidFill>
-                <a:effectLst/>
-                <a:latin typeface="Consolas" panose="020B0609020204030204" pitchFamily="49" charset="0"/>
-              </a:rPr>
-              <a:t>인자값이</a:t>
-            </a:r>
-            <a:r>
-              <a:rPr lang="ko-KR" altLang="en-US" b="0" dirty="0">
-                <a:solidFill>
-                  <a:srgbClr val="008000"/>
-                </a:solidFill>
-                <a:effectLst/>
-                <a:latin typeface="Consolas" panose="020B0609020204030204" pitchFamily="49" charset="0"/>
-              </a:rPr>
-              <a:t> 하나만 있어야 함</a:t>
-            </a:r>
-            <a:r>
-              <a:rPr lang="en-US" altLang="ko-KR" b="0" dirty="0">
-                <a:solidFill>
-                  <a:srgbClr val="008000"/>
-                </a:solidFill>
-                <a:effectLst/>
-                <a:latin typeface="Consolas" panose="020B0609020204030204" pitchFamily="49" charset="0"/>
-              </a:rPr>
-              <a:t>)</a:t>
-            </a:r>
-            <a:endParaRPr lang="ko-KR" altLang="en-US" b="0" dirty="0">
+            <a:endParaRPr lang="ko-KR" altLang="en-US" b="0">
               <a:solidFill>
                 <a:srgbClr val="000000"/>
               </a:solidFill>
